--- a/Documents/10_Frameworks_Presentation.pptx
+++ b/Documents/10_Frameworks_Presentation.pptx
@@ -6,6 +6,30 @@
   </p:sldMasterIdLst>
   <p:sldIdLst>
     <p:sldId id="256" r:id="rId2"/>
+    <p:sldId id="257" r:id="rId3"/>
+    <p:sldId id="267" r:id="rId4"/>
+    <p:sldId id="258" r:id="rId5"/>
+    <p:sldId id="259" r:id="rId6"/>
+    <p:sldId id="260" r:id="rId7"/>
+    <p:sldId id="261" r:id="rId8"/>
+    <p:sldId id="262" r:id="rId9"/>
+    <p:sldId id="263" r:id="rId10"/>
+    <p:sldId id="264" r:id="rId11"/>
+    <p:sldId id="265" r:id="rId12"/>
+    <p:sldId id="266" r:id="rId13"/>
+    <p:sldId id="268" r:id="rId14"/>
+    <p:sldId id="269" r:id="rId15"/>
+    <p:sldId id="270" r:id="rId16"/>
+    <p:sldId id="271" r:id="rId17"/>
+    <p:sldId id="272" r:id="rId18"/>
+    <p:sldId id="273" r:id="rId19"/>
+    <p:sldId id="274" r:id="rId20"/>
+    <p:sldId id="275" r:id="rId21"/>
+    <p:sldId id="276" r:id="rId22"/>
+    <p:sldId id="277" r:id="rId23"/>
+    <p:sldId id="278" r:id="rId24"/>
+    <p:sldId id="279" r:id="rId25"/>
+    <p:sldId id="280" r:id="rId26"/>
   </p:sldIdLst>
   <p:sldSz cx="9144000" cy="6858000" type="screen4x3"/>
   <p:notesSz cx="6858000" cy="9144000"/>
@@ -2517,9 +2541,30 @@
 <p:sldMaster xmlns:a="http://schemas.openxmlformats.org/drawingml/2006/main" xmlns:r="http://schemas.openxmlformats.org/officeDocument/2006/relationships" xmlns:p="http://schemas.openxmlformats.org/presentationml/2006/main">
   <p:cSld>
     <p:bg>
-      <p:bgRef idx="1001">
-        <a:schemeClr val="bg1"/>
-      </p:bgRef>
+      <p:bgPr>
+        <a:gradFill flip="none" rotWithShape="1">
+          <a:gsLst>
+            <a:gs pos="0">
+              <a:schemeClr val="accent1"/>
+            </a:gs>
+            <a:gs pos="50000">
+              <a:schemeClr val="accent1">
+                <a:tint val="44500"/>
+                <a:satMod val="160000"/>
+              </a:schemeClr>
+            </a:gs>
+            <a:gs pos="100000">
+              <a:schemeClr val="accent1">
+                <a:tint val="23500"/>
+                <a:satMod val="160000"/>
+              </a:schemeClr>
+            </a:gs>
+          </a:gsLst>
+          <a:lin ang="5400000" scaled="0"/>
+          <a:tileRect/>
+        </a:gradFill>
+        <a:effectLst/>
+      </p:bgPr>
     </p:bg>
     <p:spTree>
       <p:nvGrpSpPr>
@@ -3021,6 +3066,32 @@
 <file path=ppt/slides/slide1.xml><?xml version="1.0" encoding="utf-8"?>
 <p:sld xmlns:a="http://schemas.openxmlformats.org/drawingml/2006/main" xmlns:r="http://schemas.openxmlformats.org/officeDocument/2006/relationships" xmlns:p="http://schemas.openxmlformats.org/presentationml/2006/main">
   <p:cSld>
+    <p:bg>
+      <p:bgPr>
+        <a:gradFill flip="none" rotWithShape="1">
+          <a:gsLst>
+            <a:gs pos="0">
+              <a:schemeClr val="accent1"/>
+            </a:gs>
+            <a:gs pos="50000">
+              <a:schemeClr val="accent1">
+                <a:tint val="44500"/>
+                <a:satMod val="160000"/>
+              </a:schemeClr>
+            </a:gs>
+            <a:gs pos="100000">
+              <a:schemeClr val="accent1">
+                <a:tint val="23500"/>
+                <a:satMod val="160000"/>
+              </a:schemeClr>
+            </a:gs>
+          </a:gsLst>
+          <a:lin ang="16200000" scaled="1"/>
+          <a:tileRect/>
+        </a:gradFill>
+        <a:effectLst/>
+      </p:bgPr>
+    </p:bg>
     <p:spTree>
       <p:nvGrpSpPr>
         <p:cNvPr id="1" name=""/>
@@ -3045,6 +3116,41 @@
             <p:ph type="ctrTitle"/>
           </p:nvPr>
         </p:nvSpPr>
+        <p:spPr>
+          <a:xfrm>
+            <a:off x="685800" y="620688"/>
+            <a:ext cx="7772400" cy="1470025"/>
+          </a:xfrm>
+        </p:spPr>
+        <p:txBody>
+          <a:bodyPr/>
+          <a:lstStyle/>
+          <a:p>
+            <a:r>
+              <a:rPr lang="de-CH" dirty="0" smtClean="0"/>
+              <a:t>Evaluation von 10 Frameworks</a:t>
+            </a:r>
+            <a:br>
+              <a:rPr lang="de-CH" dirty="0" smtClean="0"/>
+            </a:br>
+            <a:r>
+              <a:rPr lang="de-CH" dirty="0" smtClean="0"/>
+              <a:t>+ Lupen App</a:t>
+            </a:r>
+            <a:endParaRPr lang="de-CH" dirty="0"/>
+          </a:p>
+        </p:txBody>
+      </p:sp>
+      <p:sp>
+        <p:nvSpPr>
+          <p:cNvPr id="3" name="Untertitel 2"/>
+          <p:cNvSpPr>
+            <a:spLocks noGrp="1"/>
+          </p:cNvSpPr>
+          <p:nvPr>
+            <p:ph type="subTitle" idx="1"/>
+          </p:nvPr>
+        </p:nvSpPr>
         <p:spPr/>
         <p:txBody>
           <a:bodyPr/>
@@ -3054,25 +3160,48 @@
           </a:p>
         </p:txBody>
       </p:sp>
-      <p:sp>
-        <p:nvSpPr>
-          <p:cNvPr id="3" name="Untertitel 2"/>
-          <p:cNvSpPr>
-            <a:spLocks noGrp="1"/>
-          </p:cNvSpPr>
-          <p:nvPr>
-            <p:ph type="subTitle" idx="1"/>
-          </p:nvPr>
-        </p:nvSpPr>
-        <p:spPr/>
-        <p:txBody>
-          <a:bodyPr/>
-          <a:lstStyle/>
-          <a:p>
-            <a:endParaRPr lang="de-CH"/>
-          </a:p>
-        </p:txBody>
-      </p:sp>
+      <p:pic>
+        <p:nvPicPr>
+          <p:cNvPr id="4" name="Grafik 3"/>
+          <p:cNvPicPr/>
+          <p:nvPr/>
+        </p:nvPicPr>
+        <p:blipFill>
+          <a:blip r:embed="rId2">
+            <a:extLst>
+              <a:ext uri="{28A0092B-C50C-407E-A947-70E740481C1C}">
+                <a14:useLocalDpi xmlns:a14="http://schemas.microsoft.com/office/drawing/2010/main" val="0"/>
+              </a:ext>
+            </a:extLst>
+          </a:blip>
+          <a:stretch>
+            <a:fillRect/>
+          </a:stretch>
+        </p:blipFill>
+        <p:spPr>
+          <a:xfrm>
+            <a:off x="1932258" y="2276872"/>
+            <a:ext cx="5218430" cy="3757295"/>
+          </a:xfrm>
+          <a:prstGeom prst="rect">
+            <a:avLst/>
+          </a:prstGeom>
+          <a:ln w="12700" cap="sq">
+            <a:solidFill>
+              <a:srgbClr val="000000"/>
+            </a:solidFill>
+            <a:prstDash val="solid"/>
+            <a:miter lim="800000"/>
+          </a:ln>
+          <a:effectLst>
+            <a:outerShdw blurRad="50800" dist="38100" dir="2700000" algn="tl" rotWithShape="0">
+              <a:srgbClr val="000000">
+                <a:alpha val="43000"/>
+              </a:srgbClr>
+            </a:outerShdw>
+          </a:effectLst>
+        </p:spPr>
+      </p:pic>
     </p:spTree>
     <p:extLst>
       <p:ext uri="{BB962C8B-B14F-4D97-AF65-F5344CB8AC3E}">
@@ -3083,6 +3212,2998 @@
   <p:clrMapOvr>
     <a:masterClrMapping/>
   </p:clrMapOvr>
+  <p:timing>
+    <p:tnLst>
+      <p:par>
+        <p:cTn id="1" dur="indefinite" restart="never" nodeType="tmRoot"/>
+      </p:par>
+    </p:tnLst>
+  </p:timing>
+</p:sld>
+</file>
+
+<file path=ppt/slides/slide10.xml><?xml version="1.0" encoding="utf-8"?>
+<p:sld xmlns:a="http://schemas.openxmlformats.org/drawingml/2006/main" xmlns:r="http://schemas.openxmlformats.org/officeDocument/2006/relationships" xmlns:p="http://schemas.openxmlformats.org/presentationml/2006/main">
+  <p:cSld>
+    <p:spTree>
+      <p:nvGrpSpPr>
+        <p:cNvPr id="1" name=""/>
+        <p:cNvGrpSpPr/>
+        <p:nvPr/>
+      </p:nvGrpSpPr>
+      <p:grpSpPr>
+        <a:xfrm>
+          <a:off x="0" y="0"/>
+          <a:ext cx="0" cy="0"/>
+          <a:chOff x="0" y="0"/>
+          <a:chExt cx="0" cy="0"/>
+        </a:xfrm>
+      </p:grpSpPr>
+      <p:sp>
+        <p:nvSpPr>
+          <p:cNvPr id="2" name="Titel 1"/>
+          <p:cNvSpPr>
+            <a:spLocks noGrp="1"/>
+          </p:cNvSpPr>
+          <p:nvPr>
+            <p:ph type="title"/>
+          </p:nvPr>
+        </p:nvSpPr>
+        <p:spPr/>
+        <p:txBody>
+          <a:bodyPr/>
+          <a:lstStyle/>
+          <a:p>
+            <a:r>
+              <a:rPr lang="de-CH" dirty="0" smtClean="0"/>
+              <a:t>Kriterium 7 - Testing</a:t>
+            </a:r>
+            <a:endParaRPr lang="de-CH" dirty="0"/>
+          </a:p>
+        </p:txBody>
+      </p:sp>
+      <p:sp>
+        <p:nvSpPr>
+          <p:cNvPr id="3" name="Inhaltsplatzhalter 2"/>
+          <p:cNvSpPr>
+            <a:spLocks noGrp="1"/>
+          </p:cNvSpPr>
+          <p:nvPr>
+            <p:ph idx="1"/>
+          </p:nvPr>
+        </p:nvSpPr>
+        <p:spPr/>
+        <p:txBody>
+          <a:bodyPr/>
+          <a:lstStyle/>
+          <a:p>
+            <a:endParaRPr lang="de-CH" dirty="0" smtClean="0"/>
+          </a:p>
+          <a:p>
+            <a:r>
+              <a:rPr lang="de-CH" dirty="0" err="1" smtClean="0"/>
+              <a:t>How</a:t>
+            </a:r>
+            <a:r>
+              <a:rPr lang="de-CH" dirty="0" smtClean="0"/>
+              <a:t> </a:t>
+            </a:r>
+            <a:r>
+              <a:rPr lang="de-CH" dirty="0" err="1" smtClean="0"/>
+              <a:t>to</a:t>
+            </a:r>
+            <a:r>
+              <a:rPr lang="de-CH" dirty="0" smtClean="0"/>
+              <a:t> Test?</a:t>
+            </a:r>
+          </a:p>
+          <a:p>
+            <a:endParaRPr lang="de-CH" dirty="0" smtClean="0"/>
+          </a:p>
+          <a:p>
+            <a:endParaRPr lang="de-CH" dirty="0"/>
+          </a:p>
+          <a:p>
+            <a:r>
+              <a:rPr lang="de-CH" dirty="0" smtClean="0"/>
+              <a:t>Methodik</a:t>
+            </a:r>
+            <a:endParaRPr lang="de-CH" dirty="0"/>
+          </a:p>
+        </p:txBody>
+      </p:sp>
+    </p:spTree>
+    <p:extLst>
+      <p:ext uri="{BB962C8B-B14F-4D97-AF65-F5344CB8AC3E}">
+        <p14:creationId xmlns:p14="http://schemas.microsoft.com/office/powerpoint/2010/main" val="390378238"/>
+      </p:ext>
+    </p:extLst>
+  </p:cSld>
+  <p:clrMapOvr>
+    <a:masterClrMapping/>
+  </p:clrMapOvr>
+  <p:timing>
+    <p:tnLst>
+      <p:par>
+        <p:cTn id="1" dur="indefinite" restart="never" nodeType="tmRoot"/>
+      </p:par>
+    </p:tnLst>
+  </p:timing>
+</p:sld>
+</file>
+
+<file path=ppt/slides/slide11.xml><?xml version="1.0" encoding="utf-8"?>
+<p:sld xmlns:a="http://schemas.openxmlformats.org/drawingml/2006/main" xmlns:r="http://schemas.openxmlformats.org/officeDocument/2006/relationships" xmlns:p="http://schemas.openxmlformats.org/presentationml/2006/main">
+  <p:cSld>
+    <p:spTree>
+      <p:nvGrpSpPr>
+        <p:cNvPr id="1" name=""/>
+        <p:cNvGrpSpPr/>
+        <p:nvPr/>
+      </p:nvGrpSpPr>
+      <p:grpSpPr>
+        <a:xfrm>
+          <a:off x="0" y="0"/>
+          <a:ext cx="0" cy="0"/>
+          <a:chOff x="0" y="0"/>
+          <a:chExt cx="0" cy="0"/>
+        </a:xfrm>
+      </p:grpSpPr>
+      <p:sp>
+        <p:nvSpPr>
+          <p:cNvPr id="2" name="Titel 1"/>
+          <p:cNvSpPr>
+            <a:spLocks noGrp="1"/>
+          </p:cNvSpPr>
+          <p:nvPr>
+            <p:ph type="title"/>
+          </p:nvPr>
+        </p:nvSpPr>
+        <p:spPr/>
+        <p:txBody>
+          <a:bodyPr/>
+          <a:lstStyle/>
+          <a:p>
+            <a:r>
+              <a:rPr lang="de-CH" dirty="0" smtClean="0"/>
+              <a:t>Kriterium 8 - Verbreitung</a:t>
+            </a:r>
+            <a:endParaRPr lang="de-CH" dirty="0"/>
+          </a:p>
+        </p:txBody>
+      </p:sp>
+      <p:sp>
+        <p:nvSpPr>
+          <p:cNvPr id="3" name="Inhaltsplatzhalter 2"/>
+          <p:cNvSpPr>
+            <a:spLocks noGrp="1"/>
+          </p:cNvSpPr>
+          <p:nvPr>
+            <p:ph idx="1"/>
+          </p:nvPr>
+        </p:nvSpPr>
+        <p:spPr/>
+        <p:txBody>
+          <a:bodyPr/>
+          <a:lstStyle/>
+          <a:p>
+            <a:r>
+              <a:rPr lang="de-CH" dirty="0" smtClean="0"/>
+              <a:t>Google-Suche</a:t>
+            </a:r>
+          </a:p>
+          <a:p>
+            <a:endParaRPr lang="de-CH" dirty="0"/>
+          </a:p>
+          <a:p>
+            <a:r>
+              <a:rPr lang="de-CH" dirty="0" smtClean="0"/>
+              <a:t>Anzahl Apps</a:t>
+            </a:r>
+          </a:p>
+          <a:p>
+            <a:endParaRPr lang="de-CH" dirty="0"/>
+          </a:p>
+          <a:p>
+            <a:r>
+              <a:rPr lang="de-CH" dirty="0" smtClean="0"/>
+              <a:t>Persönliche Erfahrung</a:t>
+            </a:r>
+            <a:endParaRPr lang="de-CH" dirty="0"/>
+          </a:p>
+        </p:txBody>
+      </p:sp>
+    </p:spTree>
+    <p:extLst>
+      <p:ext uri="{BB962C8B-B14F-4D97-AF65-F5344CB8AC3E}">
+        <p14:creationId xmlns:p14="http://schemas.microsoft.com/office/powerpoint/2010/main" val="1702249763"/>
+      </p:ext>
+    </p:extLst>
+  </p:cSld>
+  <p:clrMapOvr>
+    <a:masterClrMapping/>
+  </p:clrMapOvr>
+  <p:timing>
+    <p:tnLst>
+      <p:par>
+        <p:cTn id="1" dur="indefinite" restart="never" nodeType="tmRoot"/>
+      </p:par>
+    </p:tnLst>
+  </p:timing>
+</p:sld>
+</file>
+
+<file path=ppt/slides/slide12.xml><?xml version="1.0" encoding="utf-8"?>
+<p:sld xmlns:a="http://schemas.openxmlformats.org/drawingml/2006/main" xmlns:r="http://schemas.openxmlformats.org/officeDocument/2006/relationships" xmlns:p="http://schemas.openxmlformats.org/presentationml/2006/main">
+  <p:cSld>
+    <p:spTree>
+      <p:nvGrpSpPr>
+        <p:cNvPr id="1" name=""/>
+        <p:cNvGrpSpPr/>
+        <p:nvPr/>
+      </p:nvGrpSpPr>
+      <p:grpSpPr>
+        <a:xfrm>
+          <a:off x="0" y="0"/>
+          <a:ext cx="0" cy="0"/>
+          <a:chOff x="0" y="0"/>
+          <a:chExt cx="0" cy="0"/>
+        </a:xfrm>
+      </p:grpSpPr>
+      <p:sp>
+        <p:nvSpPr>
+          <p:cNvPr id="2" name="Titel 1"/>
+          <p:cNvSpPr>
+            <a:spLocks noGrp="1"/>
+          </p:cNvSpPr>
+          <p:nvPr>
+            <p:ph type="title"/>
+          </p:nvPr>
+        </p:nvSpPr>
+        <p:spPr/>
+        <p:txBody>
+          <a:bodyPr/>
+          <a:lstStyle/>
+          <a:p>
+            <a:r>
+              <a:rPr lang="de-CH" dirty="0" smtClean="0"/>
+              <a:t>Kriterium 9 - Spezielles</a:t>
+            </a:r>
+            <a:endParaRPr lang="de-CH" dirty="0"/>
+          </a:p>
+        </p:txBody>
+      </p:sp>
+      <p:sp>
+        <p:nvSpPr>
+          <p:cNvPr id="3" name="Inhaltsplatzhalter 2"/>
+          <p:cNvSpPr>
+            <a:spLocks noGrp="1"/>
+          </p:cNvSpPr>
+          <p:nvPr>
+            <p:ph idx="1"/>
+          </p:nvPr>
+        </p:nvSpPr>
+        <p:spPr/>
+        <p:txBody>
+          <a:bodyPr/>
+          <a:lstStyle/>
+          <a:p>
+            <a:r>
+              <a:rPr lang="de-CH" dirty="0" smtClean="0"/>
+              <a:t>Features</a:t>
+            </a:r>
+          </a:p>
+          <a:p>
+            <a:endParaRPr lang="de-CH" dirty="0" smtClean="0"/>
+          </a:p>
+          <a:p>
+            <a:r>
+              <a:rPr lang="de-CH" dirty="0" smtClean="0"/>
+              <a:t>Vorteile</a:t>
+            </a:r>
+          </a:p>
+          <a:p>
+            <a:endParaRPr lang="de-CH" dirty="0" smtClean="0"/>
+          </a:p>
+          <a:p>
+            <a:r>
+              <a:rPr lang="de-CH" dirty="0" smtClean="0"/>
+              <a:t>Nicht bedachtes</a:t>
+            </a:r>
+          </a:p>
+          <a:p>
+            <a:endParaRPr lang="de-CH" dirty="0"/>
+          </a:p>
+        </p:txBody>
+      </p:sp>
+    </p:spTree>
+    <p:extLst>
+      <p:ext uri="{BB962C8B-B14F-4D97-AF65-F5344CB8AC3E}">
+        <p14:creationId xmlns:p14="http://schemas.microsoft.com/office/powerpoint/2010/main" val="2669534349"/>
+      </p:ext>
+    </p:extLst>
+  </p:cSld>
+  <p:clrMapOvr>
+    <a:masterClrMapping/>
+  </p:clrMapOvr>
+  <p:timing>
+    <p:tnLst>
+      <p:par>
+        <p:cTn id="1" dur="indefinite" restart="never" nodeType="tmRoot"/>
+      </p:par>
+    </p:tnLst>
+  </p:timing>
+</p:sld>
+</file>
+
+<file path=ppt/slides/slide13.xml><?xml version="1.0" encoding="utf-8"?>
+<p:sld xmlns:a="http://schemas.openxmlformats.org/drawingml/2006/main" xmlns:r="http://schemas.openxmlformats.org/officeDocument/2006/relationships" xmlns:p="http://schemas.openxmlformats.org/presentationml/2006/main">
+  <p:cSld>
+    <p:bg>
+      <p:bgPr>
+        <a:gradFill flip="none" rotWithShape="1">
+          <a:gsLst>
+            <a:gs pos="0">
+              <a:schemeClr val="tx1">
+                <a:lumMod val="50000"/>
+                <a:lumOff val="50000"/>
+              </a:schemeClr>
+            </a:gs>
+            <a:gs pos="50000">
+              <a:schemeClr val="accent1">
+                <a:tint val="44500"/>
+                <a:satMod val="160000"/>
+              </a:schemeClr>
+            </a:gs>
+            <a:gs pos="100000">
+              <a:schemeClr val="accent1">
+                <a:tint val="23500"/>
+                <a:satMod val="160000"/>
+              </a:schemeClr>
+            </a:gs>
+          </a:gsLst>
+          <a:lin ang="5400000" scaled="0"/>
+          <a:tileRect/>
+        </a:gradFill>
+        <a:effectLst/>
+      </p:bgPr>
+    </p:bg>
+    <p:spTree>
+      <p:nvGrpSpPr>
+        <p:cNvPr id="1" name=""/>
+        <p:cNvGrpSpPr/>
+        <p:nvPr/>
+      </p:nvGrpSpPr>
+      <p:grpSpPr>
+        <a:xfrm>
+          <a:off x="0" y="0"/>
+          <a:ext cx="0" cy="0"/>
+          <a:chOff x="0" y="0"/>
+          <a:chExt cx="0" cy="0"/>
+        </a:xfrm>
+      </p:grpSpPr>
+      <p:sp>
+        <p:nvSpPr>
+          <p:cNvPr id="2" name="Titel 1"/>
+          <p:cNvSpPr>
+            <a:spLocks noGrp="1"/>
+          </p:cNvSpPr>
+          <p:nvPr>
+            <p:ph type="title"/>
+          </p:nvPr>
+        </p:nvSpPr>
+        <p:spPr/>
+        <p:txBody>
+          <a:bodyPr/>
+          <a:lstStyle/>
+          <a:p>
+            <a:r>
+              <a:rPr lang="de-CH" dirty="0" err="1" smtClean="0"/>
+              <a:t>jQPad</a:t>
+            </a:r>
+            <a:endParaRPr lang="de-CH" dirty="0"/>
+          </a:p>
+        </p:txBody>
+      </p:sp>
+      <p:sp>
+        <p:nvSpPr>
+          <p:cNvPr id="3" name="Inhaltsplatzhalter 2"/>
+          <p:cNvSpPr>
+            <a:spLocks noGrp="1"/>
+          </p:cNvSpPr>
+          <p:nvPr>
+            <p:ph idx="1"/>
+          </p:nvPr>
+        </p:nvSpPr>
+        <p:spPr/>
+        <p:txBody>
+          <a:bodyPr/>
+          <a:lstStyle/>
+          <a:p>
+            <a:endParaRPr lang="de-CH" dirty="0"/>
+          </a:p>
+        </p:txBody>
+      </p:sp>
+      <p:pic>
+        <p:nvPicPr>
+          <p:cNvPr id="1027" name="Picture 3"/>
+          <p:cNvPicPr>
+            <a:picLocks noChangeAspect="1" noChangeArrowheads="1"/>
+          </p:cNvPicPr>
+          <p:nvPr/>
+        </p:nvPicPr>
+        <p:blipFill>
+          <a:blip r:embed="rId2">
+            <a:extLst>
+              <a:ext uri="{28A0092B-C50C-407E-A947-70E740481C1C}">
+                <a14:useLocalDpi xmlns:a14="http://schemas.microsoft.com/office/drawing/2010/main" val="0"/>
+              </a:ext>
+            </a:extLst>
+          </a:blip>
+          <a:srcRect/>
+          <a:stretch>
+            <a:fillRect/>
+          </a:stretch>
+        </p:blipFill>
+        <p:spPr bwMode="auto">
+          <a:xfrm>
+            <a:off x="323528" y="55276"/>
+            <a:ext cx="1800200" cy="1510603"/>
+          </a:xfrm>
+          <a:prstGeom prst="rect">
+            <a:avLst/>
+          </a:prstGeom>
+          <a:noFill/>
+          <a:ln>
+            <a:noFill/>
+          </a:ln>
+          <a:effectLst/>
+          <a:extLst>
+            <a:ext uri="{909E8E84-426E-40DD-AFC4-6F175D3DCCD1}">
+              <a14:hiddenFill xmlns:a14="http://schemas.microsoft.com/office/drawing/2010/main">
+                <a:solidFill>
+                  <a:schemeClr val="accent1"/>
+                </a:solidFill>
+              </a14:hiddenFill>
+            </a:ext>
+            <a:ext uri="{91240B29-F687-4F45-9708-019B960494DF}">
+              <a14:hiddenLine xmlns:a14="http://schemas.microsoft.com/office/drawing/2010/main" w="9525">
+                <a:solidFill>
+                  <a:schemeClr val="tx1"/>
+                </a:solidFill>
+                <a:miter lim="800000"/>
+                <a:headEnd/>
+                <a:tailEnd/>
+              </a14:hiddenLine>
+            </a:ext>
+            <a:ext uri="{AF507438-7753-43E0-B8FC-AC1667EBCBE1}">
+              <a14:hiddenEffects xmlns:a14="http://schemas.microsoft.com/office/drawing/2010/main">
+                <a:effectLst>
+                  <a:outerShdw dist="35921" dir="2700000" algn="ctr" rotWithShape="0">
+                    <a:schemeClr val="bg2"/>
+                  </a:outerShdw>
+                </a:effectLst>
+              </a14:hiddenEffects>
+            </a:ext>
+          </a:extLst>
+        </p:spPr>
+      </p:pic>
+    </p:spTree>
+    <p:extLst>
+      <p:ext uri="{BB962C8B-B14F-4D97-AF65-F5344CB8AC3E}">
+        <p14:creationId xmlns:p14="http://schemas.microsoft.com/office/powerpoint/2010/main" val="3120991070"/>
+      </p:ext>
+    </p:extLst>
+  </p:cSld>
+  <p:clrMapOvr>
+    <a:masterClrMapping/>
+  </p:clrMapOvr>
+</p:sld>
+</file>
+
+<file path=ppt/slides/slide14.xml><?xml version="1.0" encoding="utf-8"?>
+<p:sld xmlns:a="http://schemas.openxmlformats.org/drawingml/2006/main" xmlns:r="http://schemas.openxmlformats.org/officeDocument/2006/relationships" xmlns:p="http://schemas.openxmlformats.org/presentationml/2006/main">
+  <p:cSld>
+    <p:spTree>
+      <p:nvGrpSpPr>
+        <p:cNvPr id="1" name=""/>
+        <p:cNvGrpSpPr/>
+        <p:nvPr/>
+      </p:nvGrpSpPr>
+      <p:grpSpPr>
+        <a:xfrm>
+          <a:off x="0" y="0"/>
+          <a:ext cx="0" cy="0"/>
+          <a:chOff x="0" y="0"/>
+          <a:chExt cx="0" cy="0"/>
+        </a:xfrm>
+      </p:grpSpPr>
+      <p:sp>
+        <p:nvSpPr>
+          <p:cNvPr id="2" name="Titel 1"/>
+          <p:cNvSpPr>
+            <a:spLocks noGrp="1"/>
+          </p:cNvSpPr>
+          <p:nvPr>
+            <p:ph type="title"/>
+          </p:nvPr>
+        </p:nvSpPr>
+        <p:spPr/>
+        <p:txBody>
+          <a:bodyPr/>
+          <a:lstStyle/>
+          <a:p>
+            <a:r>
+              <a:rPr lang="de-CH" dirty="0" smtClean="0"/>
+              <a:t>XUI</a:t>
+            </a:r>
+            <a:endParaRPr lang="de-CH" dirty="0"/>
+          </a:p>
+        </p:txBody>
+      </p:sp>
+      <p:sp>
+        <p:nvSpPr>
+          <p:cNvPr id="3" name="Inhaltsplatzhalter 2"/>
+          <p:cNvSpPr>
+            <a:spLocks noGrp="1"/>
+          </p:cNvSpPr>
+          <p:nvPr>
+            <p:ph idx="1"/>
+          </p:nvPr>
+        </p:nvSpPr>
+        <p:spPr/>
+        <p:txBody>
+          <a:bodyPr/>
+          <a:lstStyle/>
+          <a:p>
+            <a:endParaRPr lang="de-CH"/>
+          </a:p>
+        </p:txBody>
+      </p:sp>
+      <p:pic>
+        <p:nvPicPr>
+          <p:cNvPr id="2050" name="Picture 2" descr="F:\Schule\HSZ-T\3. Jahr\Handheld\Semesterarbeit\Handheld_Repo\Media\xui\xui.JPG"/>
+          <p:cNvPicPr>
+            <a:picLocks noChangeAspect="1" noChangeArrowheads="1"/>
+          </p:cNvPicPr>
+          <p:nvPr/>
+        </p:nvPicPr>
+        <p:blipFill>
+          <a:blip r:embed="rId2">
+            <a:extLst>
+              <a:ext uri="{28A0092B-C50C-407E-A947-70E740481C1C}">
+                <a14:useLocalDpi xmlns:a14="http://schemas.microsoft.com/office/drawing/2010/main" val="0"/>
+              </a:ext>
+            </a:extLst>
+          </a:blip>
+          <a:srcRect/>
+          <a:stretch>
+            <a:fillRect/>
+          </a:stretch>
+        </p:blipFill>
+        <p:spPr bwMode="auto">
+          <a:xfrm>
+            <a:off x="99484" y="318377"/>
+            <a:ext cx="2138288" cy="1094399"/>
+          </a:xfrm>
+          <a:prstGeom prst="rect">
+            <a:avLst/>
+          </a:prstGeom>
+          <a:noFill/>
+          <a:extLst>
+            <a:ext uri="{909E8E84-426E-40DD-AFC4-6F175D3DCCD1}">
+              <a14:hiddenFill xmlns:a14="http://schemas.microsoft.com/office/drawing/2010/main">
+                <a:solidFill>
+                  <a:srgbClr val="FFFFFF"/>
+                </a:solidFill>
+              </a14:hiddenFill>
+            </a:ext>
+          </a:extLst>
+        </p:spPr>
+      </p:pic>
+    </p:spTree>
+    <p:extLst>
+      <p:ext uri="{BB962C8B-B14F-4D97-AF65-F5344CB8AC3E}">
+        <p14:creationId xmlns:p14="http://schemas.microsoft.com/office/powerpoint/2010/main" val="1275157313"/>
+      </p:ext>
+    </p:extLst>
+  </p:cSld>
+  <p:clrMapOvr>
+    <a:masterClrMapping/>
+  </p:clrMapOvr>
+</p:sld>
+</file>
+
+<file path=ppt/slides/slide15.xml><?xml version="1.0" encoding="utf-8"?>
+<p:sld xmlns:a="http://schemas.openxmlformats.org/drawingml/2006/main" xmlns:r="http://schemas.openxmlformats.org/officeDocument/2006/relationships" xmlns:p="http://schemas.openxmlformats.org/presentationml/2006/main">
+  <p:cSld>
+    <p:bg>
+      <p:bgPr>
+        <a:gradFill flip="none" rotWithShape="1">
+          <a:gsLst>
+            <a:gs pos="0">
+              <a:schemeClr val="accent3"/>
+            </a:gs>
+            <a:gs pos="50000">
+              <a:schemeClr val="accent1">
+                <a:tint val="44500"/>
+                <a:satMod val="160000"/>
+              </a:schemeClr>
+            </a:gs>
+            <a:gs pos="100000">
+              <a:schemeClr val="accent1">
+                <a:tint val="23500"/>
+                <a:satMod val="160000"/>
+              </a:schemeClr>
+            </a:gs>
+          </a:gsLst>
+          <a:lin ang="5400000" scaled="0"/>
+          <a:tileRect/>
+        </a:gradFill>
+        <a:effectLst/>
+      </p:bgPr>
+    </p:bg>
+    <p:spTree>
+      <p:nvGrpSpPr>
+        <p:cNvPr id="1" name=""/>
+        <p:cNvGrpSpPr/>
+        <p:nvPr/>
+      </p:nvGrpSpPr>
+      <p:grpSpPr>
+        <a:xfrm>
+          <a:off x="0" y="0"/>
+          <a:ext cx="0" cy="0"/>
+          <a:chOff x="0" y="0"/>
+          <a:chExt cx="0" cy="0"/>
+        </a:xfrm>
+      </p:grpSpPr>
+      <p:sp>
+        <p:nvSpPr>
+          <p:cNvPr id="2" name="Titel 1"/>
+          <p:cNvSpPr>
+            <a:spLocks noGrp="1"/>
+          </p:cNvSpPr>
+          <p:nvPr>
+            <p:ph type="title"/>
+          </p:nvPr>
+        </p:nvSpPr>
+        <p:spPr/>
+        <p:txBody>
+          <a:bodyPr/>
+          <a:lstStyle/>
+          <a:p>
+            <a:r>
+              <a:rPr lang="de-CH" dirty="0" err="1" smtClean="0"/>
+              <a:t>iWebKit</a:t>
+            </a:r>
+            <a:endParaRPr lang="de-CH" dirty="0"/>
+          </a:p>
+        </p:txBody>
+      </p:sp>
+      <p:sp>
+        <p:nvSpPr>
+          <p:cNvPr id="3" name="Inhaltsplatzhalter 2"/>
+          <p:cNvSpPr>
+            <a:spLocks noGrp="1"/>
+          </p:cNvSpPr>
+          <p:nvPr>
+            <p:ph idx="1"/>
+          </p:nvPr>
+        </p:nvSpPr>
+        <p:spPr/>
+        <p:txBody>
+          <a:bodyPr/>
+          <a:lstStyle/>
+          <a:p>
+            <a:endParaRPr lang="de-CH" dirty="0"/>
+          </a:p>
+        </p:txBody>
+      </p:sp>
+      <p:pic>
+        <p:nvPicPr>
+          <p:cNvPr id="3074" name="Picture 2" descr="F:\Schule\HSZ-T\3. Jahr\Handheld\Semesterarbeit\Handheld_Repo\Media\iWebkit\iwebkit6preview.png"/>
+          <p:cNvPicPr>
+            <a:picLocks noChangeAspect="1" noChangeArrowheads="1"/>
+          </p:cNvPicPr>
+          <p:nvPr/>
+        </p:nvPicPr>
+        <p:blipFill rotWithShape="1">
+          <a:blip r:embed="rId2">
+            <a:extLst>
+              <a:ext uri="{28A0092B-C50C-407E-A947-70E740481C1C}">
+                <a14:useLocalDpi xmlns:a14="http://schemas.microsoft.com/office/drawing/2010/main" val="0"/>
+              </a:ext>
+            </a:extLst>
+          </a:blip>
+          <a:srcRect l="13207" t="22888" r="28850" b="36652"/>
+          <a:stretch/>
+        </p:blipFill>
+        <p:spPr bwMode="auto">
+          <a:xfrm>
+            <a:off x="323529" y="260648"/>
+            <a:ext cx="2808312" cy="980681"/>
+          </a:xfrm>
+          <a:prstGeom prst="rect">
+            <a:avLst/>
+          </a:prstGeom>
+          <a:noFill/>
+          <a:extLst>
+            <a:ext uri="{909E8E84-426E-40DD-AFC4-6F175D3DCCD1}">
+              <a14:hiddenFill xmlns:a14="http://schemas.microsoft.com/office/drawing/2010/main">
+                <a:solidFill>
+                  <a:srgbClr val="FFFFFF"/>
+                </a:solidFill>
+              </a14:hiddenFill>
+            </a:ext>
+          </a:extLst>
+        </p:spPr>
+      </p:pic>
+    </p:spTree>
+    <p:extLst>
+      <p:ext uri="{BB962C8B-B14F-4D97-AF65-F5344CB8AC3E}">
+        <p14:creationId xmlns:p14="http://schemas.microsoft.com/office/powerpoint/2010/main" val="844766196"/>
+      </p:ext>
+    </p:extLst>
+  </p:cSld>
+  <p:clrMapOvr>
+    <a:masterClrMapping/>
+  </p:clrMapOvr>
+</p:sld>
+</file>
+
+<file path=ppt/slides/slide16.xml><?xml version="1.0" encoding="utf-8"?>
+<p:sld xmlns:a="http://schemas.openxmlformats.org/drawingml/2006/main" xmlns:r="http://schemas.openxmlformats.org/officeDocument/2006/relationships" xmlns:p="http://schemas.openxmlformats.org/presentationml/2006/main">
+  <p:cSld>
+    <p:bg>
+      <p:bgPr>
+        <a:gradFill flip="none" rotWithShape="1">
+          <a:gsLst>
+            <a:gs pos="0">
+              <a:schemeClr val="tx2"/>
+            </a:gs>
+            <a:gs pos="50000">
+              <a:schemeClr val="accent1">
+                <a:tint val="44500"/>
+                <a:satMod val="160000"/>
+              </a:schemeClr>
+            </a:gs>
+            <a:gs pos="100000">
+              <a:schemeClr val="accent1">
+                <a:tint val="23500"/>
+                <a:satMod val="160000"/>
+              </a:schemeClr>
+            </a:gs>
+          </a:gsLst>
+          <a:lin ang="5400000" scaled="0"/>
+          <a:tileRect/>
+        </a:gradFill>
+        <a:effectLst/>
+      </p:bgPr>
+    </p:bg>
+    <p:spTree>
+      <p:nvGrpSpPr>
+        <p:cNvPr id="1" name=""/>
+        <p:cNvGrpSpPr/>
+        <p:nvPr/>
+      </p:nvGrpSpPr>
+      <p:grpSpPr>
+        <a:xfrm>
+          <a:off x="0" y="0"/>
+          <a:ext cx="0" cy="0"/>
+          <a:chOff x="0" y="0"/>
+          <a:chExt cx="0" cy="0"/>
+        </a:xfrm>
+      </p:grpSpPr>
+      <p:sp>
+        <p:nvSpPr>
+          <p:cNvPr id="2" name="Titel 1"/>
+          <p:cNvSpPr>
+            <a:spLocks noGrp="1"/>
+          </p:cNvSpPr>
+          <p:nvPr>
+            <p:ph type="title"/>
+          </p:nvPr>
+        </p:nvSpPr>
+        <p:spPr/>
+        <p:txBody>
+          <a:bodyPr/>
+          <a:lstStyle/>
+          <a:p>
+            <a:r>
+              <a:rPr lang="de-CH" dirty="0" err="1" smtClean="0"/>
+              <a:t>iUI</a:t>
+            </a:r>
+            <a:endParaRPr lang="de-CH" dirty="0"/>
+          </a:p>
+        </p:txBody>
+      </p:sp>
+      <p:sp>
+        <p:nvSpPr>
+          <p:cNvPr id="3" name="Inhaltsplatzhalter 2"/>
+          <p:cNvSpPr>
+            <a:spLocks noGrp="1"/>
+          </p:cNvSpPr>
+          <p:nvPr>
+            <p:ph idx="1"/>
+          </p:nvPr>
+        </p:nvSpPr>
+        <p:spPr/>
+        <p:txBody>
+          <a:bodyPr/>
+          <a:lstStyle/>
+          <a:p>
+            <a:endParaRPr lang="de-CH" dirty="0"/>
+          </a:p>
+        </p:txBody>
+      </p:sp>
+      <p:pic>
+        <p:nvPicPr>
+          <p:cNvPr id="4098" name="Picture 2" descr="F:\Schule\HSZ-T\3. Jahr\Handheld\Semesterarbeit\Handheld_Repo\Media\iUi\iUi_logo_big.JPG"/>
+          <p:cNvPicPr>
+            <a:picLocks noChangeAspect="1" noChangeArrowheads="1"/>
+          </p:cNvPicPr>
+          <p:nvPr/>
+        </p:nvPicPr>
+        <p:blipFill>
+          <a:blip r:embed="rId2">
+            <a:extLst>
+              <a:ext uri="{28A0092B-C50C-407E-A947-70E740481C1C}">
+                <a14:useLocalDpi xmlns:a14="http://schemas.microsoft.com/office/drawing/2010/main" val="0"/>
+              </a:ext>
+            </a:extLst>
+          </a:blip>
+          <a:srcRect/>
+          <a:stretch>
+            <a:fillRect/>
+          </a:stretch>
+        </p:blipFill>
+        <p:spPr bwMode="auto">
+          <a:xfrm>
+            <a:off x="251520" y="299509"/>
+            <a:ext cx="1008112" cy="1142527"/>
+          </a:xfrm>
+          <a:prstGeom prst="rect">
+            <a:avLst/>
+          </a:prstGeom>
+          <a:noFill/>
+          <a:extLst>
+            <a:ext uri="{909E8E84-426E-40DD-AFC4-6F175D3DCCD1}">
+              <a14:hiddenFill xmlns:a14="http://schemas.microsoft.com/office/drawing/2010/main">
+                <a:solidFill>
+                  <a:srgbClr val="FFFFFF"/>
+                </a:solidFill>
+              </a14:hiddenFill>
+            </a:ext>
+          </a:extLst>
+        </p:spPr>
+      </p:pic>
+    </p:spTree>
+    <p:extLst>
+      <p:ext uri="{BB962C8B-B14F-4D97-AF65-F5344CB8AC3E}">
+        <p14:creationId xmlns:p14="http://schemas.microsoft.com/office/powerpoint/2010/main" val="3582767830"/>
+      </p:ext>
+    </p:extLst>
+  </p:cSld>
+  <p:clrMapOvr>
+    <a:masterClrMapping/>
+  </p:clrMapOvr>
+</p:sld>
+</file>
+
+<file path=ppt/slides/slide17.xml><?xml version="1.0" encoding="utf-8"?>
+<p:sld xmlns:a="http://schemas.openxmlformats.org/drawingml/2006/main" xmlns:r="http://schemas.openxmlformats.org/officeDocument/2006/relationships" xmlns:p="http://schemas.openxmlformats.org/presentationml/2006/main">
+  <p:cSld>
+    <p:bg>
+      <p:bgPr>
+        <a:gradFill flip="none" rotWithShape="1">
+          <a:gsLst>
+            <a:gs pos="0">
+              <a:srgbClr val="FF0000"/>
+            </a:gs>
+            <a:gs pos="50000">
+              <a:schemeClr val="accent1">
+                <a:tint val="44500"/>
+                <a:satMod val="160000"/>
+              </a:schemeClr>
+            </a:gs>
+            <a:gs pos="100000">
+              <a:schemeClr val="accent1">
+                <a:tint val="23500"/>
+                <a:satMod val="160000"/>
+              </a:schemeClr>
+            </a:gs>
+          </a:gsLst>
+          <a:lin ang="5400000" scaled="0"/>
+          <a:tileRect/>
+        </a:gradFill>
+        <a:effectLst/>
+      </p:bgPr>
+    </p:bg>
+    <p:spTree>
+      <p:nvGrpSpPr>
+        <p:cNvPr id="1" name=""/>
+        <p:cNvGrpSpPr/>
+        <p:nvPr/>
+      </p:nvGrpSpPr>
+      <p:grpSpPr>
+        <a:xfrm>
+          <a:off x="0" y="0"/>
+          <a:ext cx="0" cy="0"/>
+          <a:chOff x="0" y="0"/>
+          <a:chExt cx="0" cy="0"/>
+        </a:xfrm>
+      </p:grpSpPr>
+      <p:sp>
+        <p:nvSpPr>
+          <p:cNvPr id="2" name="Titel 1"/>
+          <p:cNvSpPr>
+            <a:spLocks noGrp="1"/>
+          </p:cNvSpPr>
+          <p:nvPr>
+            <p:ph type="title"/>
+          </p:nvPr>
+        </p:nvSpPr>
+        <p:spPr/>
+        <p:txBody>
+          <a:bodyPr/>
+          <a:lstStyle/>
+          <a:p>
+            <a:r>
+              <a:rPr lang="de-CH" dirty="0" smtClean="0"/>
+              <a:t>Rhodes</a:t>
+            </a:r>
+            <a:endParaRPr lang="de-CH" dirty="0"/>
+          </a:p>
+        </p:txBody>
+      </p:sp>
+      <p:sp>
+        <p:nvSpPr>
+          <p:cNvPr id="3" name="Inhaltsplatzhalter 2"/>
+          <p:cNvSpPr>
+            <a:spLocks noGrp="1"/>
+          </p:cNvSpPr>
+          <p:nvPr>
+            <p:ph idx="1"/>
+          </p:nvPr>
+        </p:nvSpPr>
+        <p:spPr/>
+        <p:txBody>
+          <a:bodyPr/>
+          <a:lstStyle/>
+          <a:p>
+            <a:endParaRPr lang="de-CH" dirty="0"/>
+          </a:p>
+        </p:txBody>
+      </p:sp>
+      <p:pic>
+        <p:nvPicPr>
+          <p:cNvPr id="5122" name="Picture 2" descr="F:\Schule\HSZ-T\3. Jahr\Handheld\Semesterarbeit\Handheld_Repo\Media\Rhodes\startup03.jpg"/>
+          <p:cNvPicPr>
+            <a:picLocks noChangeAspect="1" noChangeArrowheads="1"/>
+          </p:cNvPicPr>
+          <p:nvPr/>
+        </p:nvPicPr>
+        <p:blipFill rotWithShape="1">
+          <a:blip r:embed="rId2" cstate="print">
+            <a:extLst>
+              <a:ext uri="{28A0092B-C50C-407E-A947-70E740481C1C}">
+                <a14:useLocalDpi xmlns:a14="http://schemas.microsoft.com/office/drawing/2010/main" val="0"/>
+              </a:ext>
+            </a:extLst>
+          </a:blip>
+          <a:srcRect l="16398" t="22604" r="19436" b="21100"/>
+          <a:stretch/>
+        </p:blipFill>
+        <p:spPr bwMode="auto">
+          <a:xfrm>
+            <a:off x="323528" y="332656"/>
+            <a:ext cx="1615916" cy="1063287"/>
+          </a:xfrm>
+          <a:prstGeom prst="rect">
+            <a:avLst/>
+          </a:prstGeom>
+          <a:noFill/>
+          <a:extLst>
+            <a:ext uri="{909E8E84-426E-40DD-AFC4-6F175D3DCCD1}">
+              <a14:hiddenFill xmlns:a14="http://schemas.microsoft.com/office/drawing/2010/main">
+                <a:solidFill>
+                  <a:srgbClr val="FFFFFF"/>
+                </a:solidFill>
+              </a14:hiddenFill>
+            </a:ext>
+          </a:extLst>
+        </p:spPr>
+      </p:pic>
+    </p:spTree>
+    <p:extLst>
+      <p:ext uri="{BB962C8B-B14F-4D97-AF65-F5344CB8AC3E}">
+        <p14:creationId xmlns:p14="http://schemas.microsoft.com/office/powerpoint/2010/main" val="116644809"/>
+      </p:ext>
+    </p:extLst>
+  </p:cSld>
+  <p:clrMapOvr>
+    <a:masterClrMapping/>
+  </p:clrMapOvr>
+</p:sld>
+</file>
+
+<file path=ppt/slides/slide18.xml><?xml version="1.0" encoding="utf-8"?>
+<p:sld xmlns:a="http://schemas.openxmlformats.org/drawingml/2006/main" xmlns:r="http://schemas.openxmlformats.org/officeDocument/2006/relationships" xmlns:p="http://schemas.openxmlformats.org/presentationml/2006/main">
+  <p:cSld>
+    <p:bg>
+      <p:bgPr>
+        <a:gradFill flip="none" rotWithShape="1">
+          <a:gsLst>
+            <a:gs pos="0">
+              <a:srgbClr val="C00000"/>
+            </a:gs>
+            <a:gs pos="50000">
+              <a:schemeClr val="accent1">
+                <a:tint val="44500"/>
+                <a:satMod val="160000"/>
+              </a:schemeClr>
+            </a:gs>
+            <a:gs pos="100000">
+              <a:schemeClr val="accent1">
+                <a:tint val="23500"/>
+                <a:satMod val="160000"/>
+              </a:schemeClr>
+            </a:gs>
+          </a:gsLst>
+          <a:lin ang="5400000" scaled="0"/>
+          <a:tileRect/>
+        </a:gradFill>
+        <a:effectLst/>
+      </p:bgPr>
+    </p:bg>
+    <p:spTree>
+      <p:nvGrpSpPr>
+        <p:cNvPr id="1" name=""/>
+        <p:cNvGrpSpPr/>
+        <p:nvPr/>
+      </p:nvGrpSpPr>
+      <p:grpSpPr>
+        <a:xfrm>
+          <a:off x="0" y="0"/>
+          <a:ext cx="0" cy="0"/>
+          <a:chOff x="0" y="0"/>
+          <a:chExt cx="0" cy="0"/>
+        </a:xfrm>
+      </p:grpSpPr>
+      <p:sp>
+        <p:nvSpPr>
+          <p:cNvPr id="2" name="Titel 1"/>
+          <p:cNvSpPr>
+            <a:spLocks noGrp="1"/>
+          </p:cNvSpPr>
+          <p:nvPr>
+            <p:ph type="title"/>
+          </p:nvPr>
+        </p:nvSpPr>
+        <p:spPr>
+          <a:xfrm>
+            <a:off x="2051720" y="274638"/>
+            <a:ext cx="6635080" cy="1143000"/>
+          </a:xfrm>
+        </p:spPr>
+        <p:txBody>
+          <a:bodyPr/>
+          <a:lstStyle/>
+          <a:p>
+            <a:r>
+              <a:rPr lang="de-CH" dirty="0" err="1" smtClean="0"/>
+              <a:t>Appcelerator</a:t>
+            </a:r>
+            <a:endParaRPr lang="de-CH" dirty="0"/>
+          </a:p>
+        </p:txBody>
+      </p:sp>
+      <p:sp>
+        <p:nvSpPr>
+          <p:cNvPr id="3" name="Inhaltsplatzhalter 2"/>
+          <p:cNvSpPr>
+            <a:spLocks noGrp="1"/>
+          </p:cNvSpPr>
+          <p:nvPr>
+            <p:ph idx="1"/>
+          </p:nvPr>
+        </p:nvSpPr>
+        <p:spPr/>
+        <p:txBody>
+          <a:bodyPr/>
+          <a:lstStyle/>
+          <a:p>
+            <a:endParaRPr lang="de-CH"/>
+          </a:p>
+        </p:txBody>
+      </p:sp>
+      <p:pic>
+        <p:nvPicPr>
+          <p:cNvPr id="6146" name="Picture 2" descr="F:\Schule\HSZ-T\3. Jahr\Handheld\Semesterarbeit\Handheld_Repo\Media\Appcelerator Titanium\Appcelerator_Logo.JPG"/>
+          <p:cNvPicPr>
+            <a:picLocks noChangeAspect="1" noChangeArrowheads="1"/>
+          </p:cNvPicPr>
+          <p:nvPr/>
+        </p:nvPicPr>
+        <p:blipFill>
+          <a:blip r:embed="rId2">
+            <a:extLst>
+              <a:ext uri="{28A0092B-C50C-407E-A947-70E740481C1C}">
+                <a14:useLocalDpi xmlns:a14="http://schemas.microsoft.com/office/drawing/2010/main" val="0"/>
+              </a:ext>
+            </a:extLst>
+          </a:blip>
+          <a:srcRect/>
+          <a:stretch>
+            <a:fillRect/>
+          </a:stretch>
+        </p:blipFill>
+        <p:spPr bwMode="auto">
+          <a:xfrm>
+            <a:off x="179511" y="434842"/>
+            <a:ext cx="3448541" cy="746919"/>
+          </a:xfrm>
+          <a:prstGeom prst="rect">
+            <a:avLst/>
+          </a:prstGeom>
+          <a:noFill/>
+          <a:extLst>
+            <a:ext uri="{909E8E84-426E-40DD-AFC4-6F175D3DCCD1}">
+              <a14:hiddenFill xmlns:a14="http://schemas.microsoft.com/office/drawing/2010/main">
+                <a:solidFill>
+                  <a:srgbClr val="FFFFFF"/>
+                </a:solidFill>
+              </a14:hiddenFill>
+            </a:ext>
+          </a:extLst>
+        </p:spPr>
+      </p:pic>
+    </p:spTree>
+    <p:extLst>
+      <p:ext uri="{BB962C8B-B14F-4D97-AF65-F5344CB8AC3E}">
+        <p14:creationId xmlns:p14="http://schemas.microsoft.com/office/powerpoint/2010/main" val="2748541454"/>
+      </p:ext>
+    </p:extLst>
+  </p:cSld>
+  <p:clrMapOvr>
+    <a:masterClrMapping/>
+  </p:clrMapOvr>
+</p:sld>
+</file>
+
+<file path=ppt/slides/slide19.xml><?xml version="1.0" encoding="utf-8"?>
+<p:sld xmlns:a="http://schemas.openxmlformats.org/drawingml/2006/main" xmlns:r="http://schemas.openxmlformats.org/officeDocument/2006/relationships" xmlns:p="http://schemas.openxmlformats.org/presentationml/2006/main">
+  <p:cSld>
+    <p:bg>
+      <p:bgPr>
+        <a:gradFill flip="none" rotWithShape="1">
+          <a:gsLst>
+            <a:gs pos="0">
+              <a:srgbClr val="69A12B"/>
+            </a:gs>
+            <a:gs pos="50000">
+              <a:schemeClr val="accent1">
+                <a:tint val="44500"/>
+                <a:satMod val="160000"/>
+              </a:schemeClr>
+            </a:gs>
+            <a:gs pos="100000">
+              <a:schemeClr val="accent1">
+                <a:tint val="23500"/>
+                <a:satMod val="160000"/>
+              </a:schemeClr>
+            </a:gs>
+          </a:gsLst>
+          <a:lin ang="5400000" scaled="0"/>
+          <a:tileRect/>
+        </a:gradFill>
+        <a:effectLst/>
+      </p:bgPr>
+    </p:bg>
+    <p:spTree>
+      <p:nvGrpSpPr>
+        <p:cNvPr id="1" name=""/>
+        <p:cNvGrpSpPr/>
+        <p:nvPr/>
+      </p:nvGrpSpPr>
+      <p:grpSpPr>
+        <a:xfrm>
+          <a:off x="0" y="0"/>
+          <a:ext cx="0" cy="0"/>
+          <a:chOff x="0" y="0"/>
+          <a:chExt cx="0" cy="0"/>
+        </a:xfrm>
+      </p:grpSpPr>
+      <p:sp>
+        <p:nvSpPr>
+          <p:cNvPr id="2" name="Titel 1"/>
+          <p:cNvSpPr>
+            <a:spLocks noGrp="1"/>
+          </p:cNvSpPr>
+          <p:nvPr>
+            <p:ph type="title"/>
+          </p:nvPr>
+        </p:nvSpPr>
+        <p:spPr>
+          <a:xfrm>
+            <a:off x="3635896" y="274638"/>
+            <a:ext cx="5050903" cy="1143000"/>
+          </a:xfrm>
+        </p:spPr>
+        <p:txBody>
+          <a:bodyPr/>
+          <a:lstStyle/>
+          <a:p>
+            <a:r>
+              <a:rPr lang="de-CH" dirty="0" smtClean="0"/>
+              <a:t>Sproutcore Touch</a:t>
+            </a:r>
+            <a:endParaRPr lang="de-CH" dirty="0"/>
+          </a:p>
+        </p:txBody>
+      </p:sp>
+      <p:sp>
+        <p:nvSpPr>
+          <p:cNvPr id="3" name="Inhaltsplatzhalter 2"/>
+          <p:cNvSpPr>
+            <a:spLocks noGrp="1"/>
+          </p:cNvSpPr>
+          <p:nvPr>
+            <p:ph idx="1"/>
+          </p:nvPr>
+        </p:nvSpPr>
+        <p:spPr/>
+        <p:txBody>
+          <a:bodyPr/>
+          <a:lstStyle/>
+          <a:p>
+            <a:endParaRPr lang="de-CH" dirty="0"/>
+          </a:p>
+        </p:txBody>
+      </p:sp>
+      <p:pic>
+        <p:nvPicPr>
+          <p:cNvPr id="7170" name="Picture 2" descr="F:\Schule\HSZ-T\3. Jahr\Handheld\Semesterarbeit\Handheld_Repo\Media\Sproutcore Touch\Sproutcore_logo.JPG"/>
+          <p:cNvPicPr>
+            <a:picLocks noChangeAspect="1" noChangeArrowheads="1"/>
+          </p:cNvPicPr>
+          <p:nvPr/>
+        </p:nvPicPr>
+        <p:blipFill>
+          <a:blip r:embed="rId2">
+            <a:extLst>
+              <a:ext uri="{28A0092B-C50C-407E-A947-70E740481C1C}">
+                <a14:useLocalDpi xmlns:a14="http://schemas.microsoft.com/office/drawing/2010/main" val="0"/>
+              </a:ext>
+            </a:extLst>
+          </a:blip>
+          <a:srcRect/>
+          <a:stretch>
+            <a:fillRect/>
+          </a:stretch>
+        </p:blipFill>
+        <p:spPr bwMode="auto">
+          <a:xfrm>
+            <a:off x="179512" y="404664"/>
+            <a:ext cx="3916994" cy="756692"/>
+          </a:xfrm>
+          <a:prstGeom prst="rect">
+            <a:avLst/>
+          </a:prstGeom>
+          <a:noFill/>
+          <a:extLst>
+            <a:ext uri="{909E8E84-426E-40DD-AFC4-6F175D3DCCD1}">
+              <a14:hiddenFill xmlns:a14="http://schemas.microsoft.com/office/drawing/2010/main">
+                <a:solidFill>
+                  <a:srgbClr val="FFFFFF"/>
+                </a:solidFill>
+              </a14:hiddenFill>
+            </a:ext>
+          </a:extLst>
+        </p:spPr>
+      </p:pic>
+    </p:spTree>
+    <p:extLst>
+      <p:ext uri="{BB962C8B-B14F-4D97-AF65-F5344CB8AC3E}">
+        <p14:creationId xmlns:p14="http://schemas.microsoft.com/office/powerpoint/2010/main" val="2256061372"/>
+      </p:ext>
+    </p:extLst>
+  </p:cSld>
+  <p:clrMapOvr>
+    <a:masterClrMapping/>
+  </p:clrMapOvr>
+</p:sld>
+</file>
+
+<file path=ppt/slides/slide2.xml><?xml version="1.0" encoding="utf-8"?>
+<p:sld xmlns:a="http://schemas.openxmlformats.org/drawingml/2006/main" xmlns:r="http://schemas.openxmlformats.org/officeDocument/2006/relationships" xmlns:p="http://schemas.openxmlformats.org/presentationml/2006/main">
+  <p:cSld>
+    <p:spTree>
+      <p:nvGrpSpPr>
+        <p:cNvPr id="1" name=""/>
+        <p:cNvGrpSpPr/>
+        <p:nvPr/>
+      </p:nvGrpSpPr>
+      <p:grpSpPr>
+        <a:xfrm>
+          <a:off x="0" y="0"/>
+          <a:ext cx="0" cy="0"/>
+          <a:chOff x="0" y="0"/>
+          <a:chExt cx="0" cy="0"/>
+        </a:xfrm>
+      </p:grpSpPr>
+      <p:sp>
+        <p:nvSpPr>
+          <p:cNvPr id="2" name="Titel 1"/>
+          <p:cNvSpPr>
+            <a:spLocks noGrp="1"/>
+          </p:cNvSpPr>
+          <p:nvPr>
+            <p:ph type="title"/>
+          </p:nvPr>
+        </p:nvSpPr>
+        <p:spPr/>
+        <p:txBody>
+          <a:bodyPr/>
+          <a:lstStyle/>
+          <a:p>
+            <a:r>
+              <a:rPr lang="de-CH" dirty="0" smtClean="0"/>
+              <a:t>Inhalt</a:t>
+            </a:r>
+            <a:endParaRPr lang="de-CH" dirty="0"/>
+          </a:p>
+        </p:txBody>
+      </p:sp>
+      <p:sp>
+        <p:nvSpPr>
+          <p:cNvPr id="3" name="Inhaltsplatzhalter 2"/>
+          <p:cNvSpPr>
+            <a:spLocks noGrp="1"/>
+          </p:cNvSpPr>
+          <p:nvPr>
+            <p:ph idx="1"/>
+          </p:nvPr>
+        </p:nvSpPr>
+        <p:spPr/>
+        <p:txBody>
+          <a:bodyPr/>
+          <a:lstStyle/>
+          <a:p>
+            <a:r>
+              <a:rPr lang="de-CH" dirty="0" smtClean="0"/>
+              <a:t>Evaluation der Frameworks</a:t>
+            </a:r>
+          </a:p>
+          <a:p>
+            <a:pPr lvl="1"/>
+            <a:r>
+              <a:rPr lang="de-CH" dirty="0" smtClean="0"/>
+              <a:t>Kriterien</a:t>
+            </a:r>
+          </a:p>
+          <a:p>
+            <a:pPr lvl="1"/>
+            <a:r>
+              <a:rPr lang="de-CH" dirty="0" smtClean="0"/>
+              <a:t>Vorstellung der Frameworks: </a:t>
+            </a:r>
+            <a:r>
+              <a:rPr lang="de-CH" dirty="0" err="1" smtClean="0"/>
+              <a:t>jQPad</a:t>
+            </a:r>
+            <a:r>
+              <a:rPr lang="de-CH" dirty="0" smtClean="0"/>
+              <a:t>, XUI, </a:t>
+            </a:r>
+            <a:r>
+              <a:rPr lang="de-CH" dirty="0" err="1" smtClean="0"/>
+              <a:t>iWebKit</a:t>
+            </a:r>
+            <a:r>
+              <a:rPr lang="de-CH" dirty="0" smtClean="0"/>
+              <a:t>, </a:t>
+            </a:r>
+            <a:r>
+              <a:rPr lang="de-CH" dirty="0" err="1" smtClean="0"/>
+              <a:t>iUI</a:t>
+            </a:r>
+            <a:r>
+              <a:rPr lang="de-CH" dirty="0" smtClean="0"/>
+              <a:t>, Rhodes, </a:t>
+            </a:r>
+            <a:r>
+              <a:rPr lang="de-CH" dirty="0" err="1" smtClean="0"/>
+              <a:t>Appcelerator</a:t>
+            </a:r>
+            <a:r>
+              <a:rPr lang="de-CH" dirty="0" smtClean="0"/>
+              <a:t> </a:t>
+            </a:r>
+            <a:r>
+              <a:rPr lang="de-CH" dirty="0" err="1" smtClean="0"/>
+              <a:t>Titanium</a:t>
+            </a:r>
+            <a:r>
+              <a:rPr lang="de-CH" dirty="0" smtClean="0"/>
+              <a:t>, Sproutcore Touch, </a:t>
+            </a:r>
+            <a:r>
+              <a:rPr lang="de-CH" dirty="0" err="1" smtClean="0"/>
+              <a:t>Sencha</a:t>
+            </a:r>
+            <a:r>
+              <a:rPr lang="de-CH" dirty="0" smtClean="0"/>
+              <a:t> Touch, </a:t>
+            </a:r>
+            <a:r>
+              <a:rPr lang="de-CH" dirty="0" err="1" smtClean="0"/>
+              <a:t>jQuery</a:t>
+            </a:r>
+            <a:r>
+              <a:rPr lang="de-CH" dirty="0" smtClean="0"/>
+              <a:t> Mobile, </a:t>
+            </a:r>
+            <a:r>
+              <a:rPr lang="de-CH" dirty="0" err="1" smtClean="0"/>
+              <a:t>Phonegap</a:t>
+            </a:r>
+            <a:endParaRPr lang="de-CH" dirty="0" smtClean="0"/>
+          </a:p>
+          <a:p>
+            <a:r>
+              <a:rPr lang="de-CH" dirty="0" smtClean="0"/>
+              <a:t>Lupen-App</a:t>
+            </a:r>
+          </a:p>
+          <a:p>
+            <a:pPr lvl="1"/>
+            <a:r>
+              <a:rPr lang="de-CH" dirty="0" smtClean="0"/>
+              <a:t>???</a:t>
+            </a:r>
+            <a:endParaRPr lang="de-CH" dirty="0"/>
+          </a:p>
+        </p:txBody>
+      </p:sp>
+    </p:spTree>
+    <p:extLst>
+      <p:ext uri="{BB962C8B-B14F-4D97-AF65-F5344CB8AC3E}">
+        <p14:creationId xmlns:p14="http://schemas.microsoft.com/office/powerpoint/2010/main" val="984183737"/>
+      </p:ext>
+    </p:extLst>
+  </p:cSld>
+  <p:clrMapOvr>
+    <a:masterClrMapping/>
+  </p:clrMapOvr>
+  <p:timing>
+    <p:tnLst>
+      <p:par>
+        <p:cTn id="1" dur="indefinite" restart="never" nodeType="tmRoot"/>
+      </p:par>
+    </p:tnLst>
+  </p:timing>
+</p:sld>
+</file>
+
+<file path=ppt/slides/slide20.xml><?xml version="1.0" encoding="utf-8"?>
+<p:sld xmlns:a="http://schemas.openxmlformats.org/drawingml/2006/main" xmlns:r="http://schemas.openxmlformats.org/officeDocument/2006/relationships" xmlns:p="http://schemas.openxmlformats.org/presentationml/2006/main">
+  <p:cSld>
+    <p:bg>
+      <p:bgPr>
+        <a:gradFill flip="none" rotWithShape="1">
+          <a:gsLst>
+            <a:gs pos="0">
+              <a:srgbClr val="92D050"/>
+            </a:gs>
+            <a:gs pos="50000">
+              <a:schemeClr val="accent1">
+                <a:tint val="44500"/>
+                <a:satMod val="160000"/>
+              </a:schemeClr>
+            </a:gs>
+            <a:gs pos="100000">
+              <a:schemeClr val="accent1">
+                <a:tint val="23500"/>
+                <a:satMod val="160000"/>
+              </a:schemeClr>
+            </a:gs>
+          </a:gsLst>
+          <a:lin ang="5400000" scaled="0"/>
+          <a:tileRect/>
+        </a:gradFill>
+        <a:effectLst/>
+      </p:bgPr>
+    </p:bg>
+    <p:spTree>
+      <p:nvGrpSpPr>
+        <p:cNvPr id="1" name=""/>
+        <p:cNvGrpSpPr/>
+        <p:nvPr/>
+      </p:nvGrpSpPr>
+      <p:grpSpPr>
+        <a:xfrm>
+          <a:off x="0" y="0"/>
+          <a:ext cx="0" cy="0"/>
+          <a:chOff x="0" y="0"/>
+          <a:chExt cx="0" cy="0"/>
+        </a:xfrm>
+      </p:grpSpPr>
+      <p:sp>
+        <p:nvSpPr>
+          <p:cNvPr id="2" name="Titel 1"/>
+          <p:cNvSpPr>
+            <a:spLocks noGrp="1"/>
+          </p:cNvSpPr>
+          <p:nvPr>
+            <p:ph type="title"/>
+          </p:nvPr>
+        </p:nvSpPr>
+        <p:spPr>
+          <a:xfrm>
+            <a:off x="3419872" y="274638"/>
+            <a:ext cx="5266928" cy="1143000"/>
+          </a:xfrm>
+        </p:spPr>
+        <p:txBody>
+          <a:bodyPr/>
+          <a:lstStyle/>
+          <a:p>
+            <a:r>
+              <a:rPr lang="de-CH" dirty="0" err="1" smtClean="0"/>
+              <a:t>Sencha</a:t>
+            </a:r>
+            <a:r>
+              <a:rPr lang="de-CH" dirty="0" smtClean="0"/>
+              <a:t> Touch</a:t>
+            </a:r>
+            <a:endParaRPr lang="de-CH" dirty="0"/>
+          </a:p>
+        </p:txBody>
+      </p:sp>
+      <p:sp>
+        <p:nvSpPr>
+          <p:cNvPr id="3" name="Inhaltsplatzhalter 2"/>
+          <p:cNvSpPr>
+            <a:spLocks noGrp="1"/>
+          </p:cNvSpPr>
+          <p:nvPr>
+            <p:ph idx="1"/>
+          </p:nvPr>
+        </p:nvSpPr>
+        <p:spPr/>
+        <p:txBody>
+          <a:bodyPr/>
+          <a:lstStyle/>
+          <a:p>
+            <a:endParaRPr lang="de-CH"/>
+          </a:p>
+        </p:txBody>
+      </p:sp>
+      <p:pic>
+        <p:nvPicPr>
+          <p:cNvPr id="8194" name="Picture 2" descr="F:\Schule\HSZ-T\3. Jahr\Handheld\Semesterarbeit\Handheld_Repo\Media\Sencha Touch\sencha_touch_logo.JPG"/>
+          <p:cNvPicPr>
+            <a:picLocks noChangeAspect="1" noChangeArrowheads="1"/>
+          </p:cNvPicPr>
+          <p:nvPr/>
+        </p:nvPicPr>
+        <p:blipFill>
+          <a:blip r:embed="rId2">
+            <a:extLst>
+              <a:ext uri="{28A0092B-C50C-407E-A947-70E740481C1C}">
+                <a14:useLocalDpi xmlns:a14="http://schemas.microsoft.com/office/drawing/2010/main" val="0"/>
+              </a:ext>
+            </a:extLst>
+          </a:blip>
+          <a:srcRect/>
+          <a:stretch>
+            <a:fillRect/>
+          </a:stretch>
+        </p:blipFill>
+        <p:spPr bwMode="auto">
+          <a:xfrm>
+            <a:off x="251518" y="483005"/>
+            <a:ext cx="4092149" cy="713747"/>
+          </a:xfrm>
+          <a:prstGeom prst="rect">
+            <a:avLst/>
+          </a:prstGeom>
+          <a:noFill/>
+          <a:extLst>
+            <a:ext uri="{909E8E84-426E-40DD-AFC4-6F175D3DCCD1}">
+              <a14:hiddenFill xmlns:a14="http://schemas.microsoft.com/office/drawing/2010/main">
+                <a:solidFill>
+                  <a:srgbClr val="FFFFFF"/>
+                </a:solidFill>
+              </a14:hiddenFill>
+            </a:ext>
+          </a:extLst>
+        </p:spPr>
+      </p:pic>
+    </p:spTree>
+    <p:extLst>
+      <p:ext uri="{BB962C8B-B14F-4D97-AF65-F5344CB8AC3E}">
+        <p14:creationId xmlns:p14="http://schemas.microsoft.com/office/powerpoint/2010/main" val="848454096"/>
+      </p:ext>
+    </p:extLst>
+  </p:cSld>
+  <p:clrMapOvr>
+    <a:masterClrMapping/>
+  </p:clrMapOvr>
+</p:sld>
+</file>
+
+<file path=ppt/slides/slide21.xml><?xml version="1.0" encoding="utf-8"?>
+<p:sld xmlns:a="http://schemas.openxmlformats.org/drawingml/2006/main" xmlns:r="http://schemas.openxmlformats.org/officeDocument/2006/relationships" xmlns:p="http://schemas.openxmlformats.org/presentationml/2006/main">
+  <p:cSld>
+    <p:spTree>
+      <p:nvGrpSpPr>
+        <p:cNvPr id="1" name=""/>
+        <p:cNvGrpSpPr/>
+        <p:nvPr/>
+      </p:nvGrpSpPr>
+      <p:grpSpPr>
+        <a:xfrm>
+          <a:off x="0" y="0"/>
+          <a:ext cx="0" cy="0"/>
+          <a:chOff x="0" y="0"/>
+          <a:chExt cx="0" cy="0"/>
+        </a:xfrm>
+      </p:grpSpPr>
+      <p:sp>
+        <p:nvSpPr>
+          <p:cNvPr id="2" name="Titel 1"/>
+          <p:cNvSpPr>
+            <a:spLocks noGrp="1"/>
+          </p:cNvSpPr>
+          <p:nvPr>
+            <p:ph type="title"/>
+          </p:nvPr>
+        </p:nvSpPr>
+        <p:spPr>
+          <a:xfrm>
+            <a:off x="1403648" y="274638"/>
+            <a:ext cx="7283152" cy="1143000"/>
+          </a:xfrm>
+        </p:spPr>
+        <p:txBody>
+          <a:bodyPr/>
+          <a:lstStyle/>
+          <a:p>
+            <a:r>
+              <a:rPr lang="de-CH" dirty="0" err="1" smtClean="0"/>
+              <a:t>jQuery</a:t>
+            </a:r>
+            <a:r>
+              <a:rPr lang="de-CH" dirty="0" smtClean="0"/>
+              <a:t> Mobile</a:t>
+            </a:r>
+            <a:endParaRPr lang="de-CH" dirty="0"/>
+          </a:p>
+        </p:txBody>
+      </p:sp>
+      <p:sp>
+        <p:nvSpPr>
+          <p:cNvPr id="3" name="Inhaltsplatzhalter 2"/>
+          <p:cNvSpPr>
+            <a:spLocks noGrp="1"/>
+          </p:cNvSpPr>
+          <p:nvPr>
+            <p:ph idx="1"/>
+          </p:nvPr>
+        </p:nvSpPr>
+        <p:spPr/>
+        <p:txBody>
+          <a:bodyPr/>
+          <a:lstStyle/>
+          <a:p>
+            <a:endParaRPr lang="de-CH"/>
+          </a:p>
+        </p:txBody>
+      </p:sp>
+      <p:pic>
+        <p:nvPicPr>
+          <p:cNvPr id="9218" name="Picture 2" descr="F:\Schule\HSZ-T\3. Jahr\Handheld\Semesterarbeit\Handheld_Repo\Media\jquery Mobile\logo.JPG"/>
+          <p:cNvPicPr>
+            <a:picLocks noChangeAspect="1" noChangeArrowheads="1"/>
+          </p:cNvPicPr>
+          <p:nvPr/>
+        </p:nvPicPr>
+        <p:blipFill>
+          <a:blip r:embed="rId2">
+            <a:extLst>
+              <a:ext uri="{28A0092B-C50C-407E-A947-70E740481C1C}">
+                <a14:useLocalDpi xmlns:a14="http://schemas.microsoft.com/office/drawing/2010/main" val="0"/>
+              </a:ext>
+            </a:extLst>
+          </a:blip>
+          <a:srcRect/>
+          <a:stretch>
+            <a:fillRect/>
+          </a:stretch>
+        </p:blipFill>
+        <p:spPr bwMode="auto">
+          <a:xfrm>
+            <a:off x="179512" y="463550"/>
+            <a:ext cx="3043421" cy="805210"/>
+          </a:xfrm>
+          <a:prstGeom prst="rect">
+            <a:avLst/>
+          </a:prstGeom>
+          <a:noFill/>
+          <a:extLst>
+            <a:ext uri="{909E8E84-426E-40DD-AFC4-6F175D3DCCD1}">
+              <a14:hiddenFill xmlns:a14="http://schemas.microsoft.com/office/drawing/2010/main">
+                <a:solidFill>
+                  <a:srgbClr val="FFFFFF"/>
+                </a:solidFill>
+              </a14:hiddenFill>
+            </a:ext>
+          </a:extLst>
+        </p:spPr>
+      </p:pic>
+    </p:spTree>
+    <p:extLst>
+      <p:ext uri="{BB962C8B-B14F-4D97-AF65-F5344CB8AC3E}">
+        <p14:creationId xmlns:p14="http://schemas.microsoft.com/office/powerpoint/2010/main" val="3995242798"/>
+      </p:ext>
+    </p:extLst>
+  </p:cSld>
+  <p:clrMapOvr>
+    <a:masterClrMapping/>
+  </p:clrMapOvr>
+</p:sld>
+</file>
+
+<file path=ppt/slides/slide22.xml><?xml version="1.0" encoding="utf-8"?>
+<p:sld xmlns:a="http://schemas.openxmlformats.org/drawingml/2006/main" xmlns:r="http://schemas.openxmlformats.org/officeDocument/2006/relationships" xmlns:p="http://schemas.openxmlformats.org/presentationml/2006/main">
+  <p:cSld>
+    <p:bg>
+      <p:bgPr>
+        <a:gradFill flip="none" rotWithShape="1">
+          <a:gsLst>
+            <a:gs pos="0">
+              <a:schemeClr val="tx1">
+                <a:lumMod val="50000"/>
+                <a:lumOff val="50000"/>
+              </a:schemeClr>
+            </a:gs>
+            <a:gs pos="50000">
+              <a:schemeClr val="accent1">
+                <a:tint val="44500"/>
+                <a:satMod val="160000"/>
+              </a:schemeClr>
+            </a:gs>
+            <a:gs pos="100000">
+              <a:schemeClr val="accent1">
+                <a:tint val="23500"/>
+                <a:satMod val="160000"/>
+              </a:schemeClr>
+            </a:gs>
+          </a:gsLst>
+          <a:lin ang="5400000" scaled="0"/>
+          <a:tileRect/>
+        </a:gradFill>
+        <a:effectLst/>
+      </p:bgPr>
+    </p:bg>
+    <p:spTree>
+      <p:nvGrpSpPr>
+        <p:cNvPr id="1" name=""/>
+        <p:cNvGrpSpPr/>
+        <p:nvPr/>
+      </p:nvGrpSpPr>
+      <p:grpSpPr>
+        <a:xfrm>
+          <a:off x="0" y="0"/>
+          <a:ext cx="0" cy="0"/>
+          <a:chOff x="0" y="0"/>
+          <a:chExt cx="0" cy="0"/>
+        </a:xfrm>
+      </p:grpSpPr>
+      <p:sp>
+        <p:nvSpPr>
+          <p:cNvPr id="2" name="Titel 1"/>
+          <p:cNvSpPr>
+            <a:spLocks noGrp="1"/>
+          </p:cNvSpPr>
+          <p:nvPr>
+            <p:ph type="title"/>
+          </p:nvPr>
+        </p:nvSpPr>
+        <p:spPr/>
+        <p:txBody>
+          <a:bodyPr/>
+          <a:lstStyle/>
+          <a:p>
+            <a:r>
+              <a:rPr lang="de-CH" dirty="0" err="1" smtClean="0"/>
+              <a:t>Phonegap</a:t>
+            </a:r>
+            <a:endParaRPr lang="de-CH" dirty="0"/>
+          </a:p>
+        </p:txBody>
+      </p:sp>
+      <p:sp>
+        <p:nvSpPr>
+          <p:cNvPr id="3" name="Inhaltsplatzhalter 2"/>
+          <p:cNvSpPr>
+            <a:spLocks noGrp="1"/>
+          </p:cNvSpPr>
+          <p:nvPr>
+            <p:ph idx="1"/>
+          </p:nvPr>
+        </p:nvSpPr>
+        <p:spPr/>
+        <p:txBody>
+          <a:bodyPr/>
+          <a:lstStyle/>
+          <a:p>
+            <a:endParaRPr lang="de-CH"/>
+          </a:p>
+        </p:txBody>
+      </p:sp>
+      <p:pic>
+        <p:nvPicPr>
+          <p:cNvPr id="10242" name="Picture 2" descr="F:\Schule\HSZ-T\3. Jahr\Handheld\Semesterarbeit\Handheld_Repo\Media\PhoneGap\PhoneGap_logo.JPG"/>
+          <p:cNvPicPr>
+            <a:picLocks noChangeAspect="1" noChangeArrowheads="1"/>
+          </p:cNvPicPr>
+          <p:nvPr/>
+        </p:nvPicPr>
+        <p:blipFill>
+          <a:blip r:embed="rId2">
+            <a:extLst>
+              <a:ext uri="{28A0092B-C50C-407E-A947-70E740481C1C}">
+                <a14:useLocalDpi xmlns:a14="http://schemas.microsoft.com/office/drawing/2010/main" val="0"/>
+              </a:ext>
+            </a:extLst>
+          </a:blip>
+          <a:srcRect/>
+          <a:stretch>
+            <a:fillRect/>
+          </a:stretch>
+        </p:blipFill>
+        <p:spPr bwMode="auto">
+          <a:xfrm>
+            <a:off x="166688" y="404664"/>
+            <a:ext cx="2749831" cy="879946"/>
+          </a:xfrm>
+          <a:prstGeom prst="rect">
+            <a:avLst/>
+          </a:prstGeom>
+          <a:noFill/>
+          <a:extLst>
+            <a:ext uri="{909E8E84-426E-40DD-AFC4-6F175D3DCCD1}">
+              <a14:hiddenFill xmlns:a14="http://schemas.microsoft.com/office/drawing/2010/main">
+                <a:solidFill>
+                  <a:srgbClr val="FFFFFF"/>
+                </a:solidFill>
+              </a14:hiddenFill>
+            </a:ext>
+          </a:extLst>
+        </p:spPr>
+      </p:pic>
+    </p:spTree>
+    <p:extLst>
+      <p:ext uri="{BB962C8B-B14F-4D97-AF65-F5344CB8AC3E}">
+        <p14:creationId xmlns:p14="http://schemas.microsoft.com/office/powerpoint/2010/main" val="4046128053"/>
+      </p:ext>
+    </p:extLst>
+  </p:cSld>
+  <p:clrMapOvr>
+    <a:masterClrMapping/>
+  </p:clrMapOvr>
+</p:sld>
+</file>
+
+<file path=ppt/slides/slide23.xml><?xml version="1.0" encoding="utf-8"?>
+<p:sld xmlns:a="http://schemas.openxmlformats.org/drawingml/2006/main" xmlns:r="http://schemas.openxmlformats.org/officeDocument/2006/relationships" xmlns:p="http://schemas.openxmlformats.org/presentationml/2006/main">
+  <p:cSld>
+    <p:spTree>
+      <p:nvGrpSpPr>
+        <p:cNvPr id="1" name=""/>
+        <p:cNvGrpSpPr/>
+        <p:nvPr/>
+      </p:nvGrpSpPr>
+      <p:grpSpPr>
+        <a:xfrm>
+          <a:off x="0" y="0"/>
+          <a:ext cx="0" cy="0"/>
+          <a:chOff x="0" y="0"/>
+          <a:chExt cx="0" cy="0"/>
+        </a:xfrm>
+      </p:grpSpPr>
+      <p:sp>
+        <p:nvSpPr>
+          <p:cNvPr id="2" name="Titel 1"/>
+          <p:cNvSpPr>
+            <a:spLocks noGrp="1"/>
+          </p:cNvSpPr>
+          <p:nvPr>
+            <p:ph type="title"/>
+          </p:nvPr>
+        </p:nvSpPr>
+        <p:spPr/>
+        <p:txBody>
+          <a:bodyPr/>
+          <a:lstStyle/>
+          <a:p>
+            <a:r>
+              <a:rPr lang="de-CH" dirty="0" smtClean="0"/>
+              <a:t>Lupen-Applikation</a:t>
+            </a:r>
+            <a:endParaRPr lang="de-CH" dirty="0"/>
+          </a:p>
+        </p:txBody>
+      </p:sp>
+      <p:sp>
+        <p:nvSpPr>
+          <p:cNvPr id="3" name="Inhaltsplatzhalter 2"/>
+          <p:cNvSpPr>
+            <a:spLocks noGrp="1"/>
+          </p:cNvSpPr>
+          <p:nvPr>
+            <p:ph idx="1"/>
+          </p:nvPr>
+        </p:nvSpPr>
+        <p:spPr/>
+        <p:txBody>
+          <a:bodyPr/>
+          <a:lstStyle/>
+          <a:p>
+            <a:r>
+              <a:rPr lang="de-CH" dirty="0" smtClean="0"/>
+              <a:t>Vergrössern abfotografierter Bilder</a:t>
+            </a:r>
+          </a:p>
+          <a:p>
+            <a:endParaRPr lang="de-CH" dirty="0"/>
+          </a:p>
+          <a:p>
+            <a:r>
+              <a:rPr lang="de-CH" dirty="0" smtClean="0"/>
+              <a:t>Native App</a:t>
+            </a:r>
+          </a:p>
+          <a:p>
+            <a:endParaRPr lang="de-CH" dirty="0"/>
+          </a:p>
+          <a:p>
+            <a:r>
+              <a:rPr lang="de-CH" dirty="0" smtClean="0"/>
+              <a:t>Programmiert mit: </a:t>
+            </a:r>
+          </a:p>
+          <a:p>
+            <a:pPr lvl="1"/>
+            <a:r>
+              <a:rPr lang="de-CH" dirty="0" smtClean="0"/>
+              <a:t>PhoneGap</a:t>
+            </a:r>
+          </a:p>
+          <a:p>
+            <a:pPr lvl="1"/>
+            <a:r>
+              <a:rPr lang="de-CH" dirty="0" err="1" smtClean="0"/>
+              <a:t>jQuery</a:t>
+            </a:r>
+            <a:r>
+              <a:rPr lang="de-CH" dirty="0" smtClean="0"/>
+              <a:t> Mobile</a:t>
+            </a:r>
+          </a:p>
+        </p:txBody>
+      </p:sp>
+    </p:spTree>
+    <p:extLst>
+      <p:ext uri="{BB962C8B-B14F-4D97-AF65-F5344CB8AC3E}">
+        <p14:creationId xmlns:p14="http://schemas.microsoft.com/office/powerpoint/2010/main" val="151430376"/>
+      </p:ext>
+    </p:extLst>
+  </p:cSld>
+  <p:clrMapOvr>
+    <a:masterClrMapping/>
+  </p:clrMapOvr>
+  <p:timing>
+    <p:tnLst>
+      <p:par>
+        <p:cTn id="1" dur="indefinite" restart="never" nodeType="tmRoot"/>
+      </p:par>
+    </p:tnLst>
+  </p:timing>
+</p:sld>
+</file>
+
+<file path=ppt/slides/slide24.xml><?xml version="1.0" encoding="utf-8"?>
+<p:sld xmlns:a="http://schemas.openxmlformats.org/drawingml/2006/main" xmlns:r="http://schemas.openxmlformats.org/officeDocument/2006/relationships" xmlns:p="http://schemas.openxmlformats.org/presentationml/2006/main">
+  <p:cSld>
+    <p:spTree>
+      <p:nvGrpSpPr>
+        <p:cNvPr id="1" name=""/>
+        <p:cNvGrpSpPr/>
+        <p:nvPr/>
+      </p:nvGrpSpPr>
+      <p:grpSpPr>
+        <a:xfrm>
+          <a:off x="0" y="0"/>
+          <a:ext cx="0" cy="0"/>
+          <a:chOff x="0" y="0"/>
+          <a:chExt cx="0" cy="0"/>
+        </a:xfrm>
+      </p:grpSpPr>
+      <p:sp>
+        <p:nvSpPr>
+          <p:cNvPr id="2" name="Titel 1"/>
+          <p:cNvSpPr>
+            <a:spLocks noGrp="1"/>
+          </p:cNvSpPr>
+          <p:nvPr>
+            <p:ph type="title"/>
+          </p:nvPr>
+        </p:nvSpPr>
+        <p:spPr/>
+        <p:txBody>
+          <a:bodyPr/>
+          <a:lstStyle/>
+          <a:p>
+            <a:r>
+              <a:rPr lang="de-CH" dirty="0" smtClean="0"/>
+              <a:t>Lupen-Applikation</a:t>
+            </a:r>
+            <a:endParaRPr lang="de-CH" dirty="0"/>
+          </a:p>
+        </p:txBody>
+      </p:sp>
+      <p:sp>
+        <p:nvSpPr>
+          <p:cNvPr id="3" name="Inhaltsplatzhalter 2"/>
+          <p:cNvSpPr>
+            <a:spLocks noGrp="1"/>
+          </p:cNvSpPr>
+          <p:nvPr>
+            <p:ph idx="1"/>
+          </p:nvPr>
+        </p:nvSpPr>
+        <p:spPr/>
+        <p:txBody>
+          <a:bodyPr/>
+          <a:lstStyle/>
+          <a:p>
+            <a:endParaRPr lang="de-CH" dirty="0" smtClean="0"/>
+          </a:p>
+        </p:txBody>
+      </p:sp>
+      <p:pic>
+        <p:nvPicPr>
+          <p:cNvPr id="11266" name="Picture 2" descr="F:\Schule\HSZ-T\3. Jahr\Handheld\Semesterarbeit\Handheld_Repo\Media\SC20130102-171907.png"/>
+          <p:cNvPicPr>
+            <a:picLocks noChangeAspect="1" noChangeArrowheads="1"/>
+          </p:cNvPicPr>
+          <p:nvPr/>
+        </p:nvPicPr>
+        <p:blipFill>
+          <a:blip r:embed="rId2">
+            <a:extLst>
+              <a:ext uri="{28A0092B-C50C-407E-A947-70E740481C1C}">
+                <a14:useLocalDpi xmlns:a14="http://schemas.microsoft.com/office/drawing/2010/main" val="0"/>
+              </a:ext>
+            </a:extLst>
+          </a:blip>
+          <a:srcRect/>
+          <a:stretch>
+            <a:fillRect/>
+          </a:stretch>
+        </p:blipFill>
+        <p:spPr bwMode="auto">
+          <a:xfrm>
+            <a:off x="824643" y="1412776"/>
+            <a:ext cx="7419765" cy="4347518"/>
+          </a:xfrm>
+          <a:prstGeom prst="rect">
+            <a:avLst/>
+          </a:prstGeom>
+          <a:noFill/>
+          <a:extLst>
+            <a:ext uri="{909E8E84-426E-40DD-AFC4-6F175D3DCCD1}">
+              <a14:hiddenFill xmlns:a14="http://schemas.microsoft.com/office/drawing/2010/main">
+                <a:solidFill>
+                  <a:srgbClr val="FFFFFF"/>
+                </a:solidFill>
+              </a14:hiddenFill>
+            </a:ext>
+          </a:extLst>
+        </p:spPr>
+      </p:pic>
+    </p:spTree>
+    <p:extLst>
+      <p:ext uri="{BB962C8B-B14F-4D97-AF65-F5344CB8AC3E}">
+        <p14:creationId xmlns:p14="http://schemas.microsoft.com/office/powerpoint/2010/main" val="3413894240"/>
+      </p:ext>
+    </p:extLst>
+  </p:cSld>
+  <p:clrMapOvr>
+    <a:masterClrMapping/>
+  </p:clrMapOvr>
+  <p:timing>
+    <p:tnLst>
+      <p:par>
+        <p:cTn id="1" dur="indefinite" restart="never" nodeType="tmRoot"/>
+      </p:par>
+    </p:tnLst>
+  </p:timing>
+</p:sld>
+</file>
+
+<file path=ppt/slides/slide25.xml><?xml version="1.0" encoding="utf-8"?>
+<p:sld xmlns:a="http://schemas.openxmlformats.org/drawingml/2006/main" xmlns:r="http://schemas.openxmlformats.org/officeDocument/2006/relationships" xmlns:p="http://schemas.openxmlformats.org/presentationml/2006/main">
+  <p:cSld>
+    <p:spTree>
+      <p:nvGrpSpPr>
+        <p:cNvPr id="1" name=""/>
+        <p:cNvGrpSpPr/>
+        <p:nvPr/>
+      </p:nvGrpSpPr>
+      <p:grpSpPr>
+        <a:xfrm>
+          <a:off x="0" y="0"/>
+          <a:ext cx="0" cy="0"/>
+          <a:chOff x="0" y="0"/>
+          <a:chExt cx="0" cy="0"/>
+        </a:xfrm>
+      </p:grpSpPr>
+      <p:sp>
+        <p:nvSpPr>
+          <p:cNvPr id="2" name="Titel 1"/>
+          <p:cNvSpPr>
+            <a:spLocks noGrp="1"/>
+          </p:cNvSpPr>
+          <p:nvPr>
+            <p:ph type="title"/>
+          </p:nvPr>
+        </p:nvSpPr>
+        <p:spPr/>
+        <p:txBody>
+          <a:bodyPr/>
+          <a:lstStyle/>
+          <a:p>
+            <a:r>
+              <a:rPr lang="de-CH" dirty="0" smtClean="0"/>
+              <a:t>Lupen-App - Aufbau</a:t>
+            </a:r>
+            <a:endParaRPr lang="de-CH" dirty="0"/>
+          </a:p>
+        </p:txBody>
+      </p:sp>
+      <p:sp>
+        <p:nvSpPr>
+          <p:cNvPr id="3" name="Inhaltsplatzhalter 2"/>
+          <p:cNvSpPr>
+            <a:spLocks noGrp="1"/>
+          </p:cNvSpPr>
+          <p:nvPr>
+            <p:ph idx="1"/>
+          </p:nvPr>
+        </p:nvSpPr>
+        <p:spPr/>
+        <p:txBody>
+          <a:bodyPr>
+            <a:normAutofit lnSpcReduction="10000"/>
+          </a:bodyPr>
+          <a:lstStyle/>
+          <a:p>
+            <a:r>
+              <a:rPr lang="de-CH" dirty="0" smtClean="0"/>
+              <a:t>Inhalt: HTML</a:t>
+            </a:r>
+          </a:p>
+          <a:p>
+            <a:endParaRPr lang="de-CH" dirty="0"/>
+          </a:p>
+          <a:p>
+            <a:r>
+              <a:rPr lang="de-CH" dirty="0" smtClean="0"/>
+              <a:t>Native Kamera-Ansteuerung: </a:t>
+            </a:r>
+            <a:r>
+              <a:rPr lang="de-CH" dirty="0" err="1" smtClean="0"/>
+              <a:t>Phonegap</a:t>
+            </a:r>
+            <a:endParaRPr lang="de-CH" dirty="0" smtClean="0"/>
+          </a:p>
+          <a:p>
+            <a:endParaRPr lang="de-CH" dirty="0"/>
+          </a:p>
+          <a:p>
+            <a:r>
+              <a:rPr lang="de-CH" dirty="0" smtClean="0"/>
+              <a:t>Darstellung: </a:t>
+            </a:r>
+            <a:r>
+              <a:rPr lang="de-CH" dirty="0" err="1" smtClean="0"/>
+              <a:t>JQuery</a:t>
+            </a:r>
+            <a:r>
+              <a:rPr lang="de-CH" dirty="0" smtClean="0"/>
+              <a:t> Mobile</a:t>
+            </a:r>
+          </a:p>
+          <a:p>
+            <a:endParaRPr lang="de-CH" dirty="0"/>
+          </a:p>
+          <a:p>
+            <a:r>
+              <a:rPr lang="de-CH" dirty="0" smtClean="0"/>
+              <a:t>Funktionalität: </a:t>
+            </a:r>
+            <a:r>
+              <a:rPr lang="de-CH" u="sng" dirty="0">
+                <a:hlinkClick r:id="rId2"/>
+              </a:rPr>
+              <a:t>http://www.netzgesta.de/loupe/</a:t>
+            </a:r>
+            <a:endParaRPr lang="de-CH" dirty="0"/>
+          </a:p>
+        </p:txBody>
+      </p:sp>
+    </p:spTree>
+    <p:extLst>
+      <p:ext uri="{BB962C8B-B14F-4D97-AF65-F5344CB8AC3E}">
+        <p14:creationId xmlns:p14="http://schemas.microsoft.com/office/powerpoint/2010/main" val="1695878854"/>
+      </p:ext>
+    </p:extLst>
+  </p:cSld>
+  <p:clrMapOvr>
+    <a:masterClrMapping/>
+  </p:clrMapOvr>
+</p:sld>
+</file>
+
+<file path=ppt/slides/slide3.xml><?xml version="1.0" encoding="utf-8"?>
+<p:sld xmlns:a="http://schemas.openxmlformats.org/drawingml/2006/main" xmlns:r="http://schemas.openxmlformats.org/officeDocument/2006/relationships" xmlns:p="http://schemas.openxmlformats.org/presentationml/2006/main">
+  <p:cSld>
+    <p:spTree>
+      <p:nvGrpSpPr>
+        <p:cNvPr id="1" name=""/>
+        <p:cNvGrpSpPr/>
+        <p:nvPr/>
+      </p:nvGrpSpPr>
+      <p:grpSpPr>
+        <a:xfrm>
+          <a:off x="0" y="0"/>
+          <a:ext cx="0" cy="0"/>
+          <a:chOff x="0" y="0"/>
+          <a:chExt cx="0" cy="0"/>
+        </a:xfrm>
+      </p:grpSpPr>
+      <p:sp>
+        <p:nvSpPr>
+          <p:cNvPr id="2" name="Titel 1"/>
+          <p:cNvSpPr>
+            <a:spLocks noGrp="1"/>
+          </p:cNvSpPr>
+          <p:nvPr>
+            <p:ph type="title"/>
+          </p:nvPr>
+        </p:nvSpPr>
+        <p:spPr/>
+        <p:txBody>
+          <a:bodyPr/>
+          <a:lstStyle/>
+          <a:p>
+            <a:r>
+              <a:rPr lang="de-CH" dirty="0" smtClean="0"/>
+              <a:t>Kriterien - Punktevergabe</a:t>
+            </a:r>
+            <a:endParaRPr lang="de-CH" dirty="0"/>
+          </a:p>
+        </p:txBody>
+      </p:sp>
+      <p:sp>
+        <p:nvSpPr>
+          <p:cNvPr id="3" name="Inhaltsplatzhalter 2"/>
+          <p:cNvSpPr>
+            <a:spLocks noGrp="1"/>
+          </p:cNvSpPr>
+          <p:nvPr>
+            <p:ph idx="1"/>
+          </p:nvPr>
+        </p:nvSpPr>
+        <p:spPr/>
+        <p:txBody>
+          <a:bodyPr/>
+          <a:lstStyle/>
+          <a:p>
+            <a:r>
+              <a:rPr lang="de-CH" dirty="0" smtClean="0"/>
+              <a:t>Pro Kriterium 1 – 10 Punkte</a:t>
+            </a:r>
+          </a:p>
+          <a:p>
+            <a:endParaRPr lang="de-CH" dirty="0" smtClean="0"/>
+          </a:p>
+          <a:p>
+            <a:r>
+              <a:rPr lang="de-CH" dirty="0" smtClean="0"/>
+              <a:t>Summe der Punkte bestimmt Evaluationssieger</a:t>
+            </a:r>
+          </a:p>
+          <a:p>
+            <a:endParaRPr lang="de-CH" dirty="0"/>
+          </a:p>
+          <a:p>
+            <a:r>
+              <a:rPr lang="de-CH" dirty="0" smtClean="0"/>
+              <a:t>Kriterium «spezielles» für unvorhergesehenes</a:t>
+            </a:r>
+          </a:p>
+          <a:p>
+            <a:endParaRPr lang="de-CH" dirty="0"/>
+          </a:p>
+        </p:txBody>
+      </p:sp>
+    </p:spTree>
+    <p:extLst>
+      <p:ext uri="{BB962C8B-B14F-4D97-AF65-F5344CB8AC3E}">
+        <p14:creationId xmlns:p14="http://schemas.microsoft.com/office/powerpoint/2010/main" val="533526480"/>
+      </p:ext>
+    </p:extLst>
+  </p:cSld>
+  <p:clrMapOvr>
+    <a:masterClrMapping/>
+  </p:clrMapOvr>
+  <p:timing>
+    <p:tnLst>
+      <p:par>
+        <p:cTn id="1" dur="indefinite" restart="never" nodeType="tmRoot"/>
+      </p:par>
+    </p:tnLst>
+  </p:timing>
+</p:sld>
+</file>
+
+<file path=ppt/slides/slide4.xml><?xml version="1.0" encoding="utf-8"?>
+<p:sld xmlns:a="http://schemas.openxmlformats.org/drawingml/2006/main" xmlns:r="http://schemas.openxmlformats.org/officeDocument/2006/relationships" xmlns:p="http://schemas.openxmlformats.org/presentationml/2006/main">
+  <p:cSld>
+    <p:spTree>
+      <p:nvGrpSpPr>
+        <p:cNvPr id="1" name=""/>
+        <p:cNvGrpSpPr/>
+        <p:nvPr/>
+      </p:nvGrpSpPr>
+      <p:grpSpPr>
+        <a:xfrm>
+          <a:off x="0" y="0"/>
+          <a:ext cx="0" cy="0"/>
+          <a:chOff x="0" y="0"/>
+          <a:chExt cx="0" cy="0"/>
+        </a:xfrm>
+      </p:grpSpPr>
+      <p:sp>
+        <p:nvSpPr>
+          <p:cNvPr id="2" name="Titel 1"/>
+          <p:cNvSpPr>
+            <a:spLocks noGrp="1"/>
+          </p:cNvSpPr>
+          <p:nvPr>
+            <p:ph type="title"/>
+          </p:nvPr>
+        </p:nvSpPr>
+        <p:spPr/>
+        <p:txBody>
+          <a:bodyPr/>
+          <a:lstStyle/>
+          <a:p>
+            <a:r>
+              <a:rPr lang="de-CH" dirty="0" smtClean="0"/>
+              <a:t>Kriterium 1 - Einfachheit</a:t>
+            </a:r>
+            <a:endParaRPr lang="de-CH" dirty="0"/>
+          </a:p>
+        </p:txBody>
+      </p:sp>
+      <p:sp>
+        <p:nvSpPr>
+          <p:cNvPr id="3" name="Inhaltsplatzhalter 2"/>
+          <p:cNvSpPr>
+            <a:spLocks noGrp="1"/>
+          </p:cNvSpPr>
+          <p:nvPr>
+            <p:ph idx="1"/>
+          </p:nvPr>
+        </p:nvSpPr>
+        <p:spPr/>
+        <p:txBody>
+          <a:bodyPr/>
+          <a:lstStyle/>
+          <a:p>
+            <a:r>
+              <a:rPr lang="de-CH" dirty="0" smtClean="0"/>
+              <a:t>Subjektives Empfinden</a:t>
+            </a:r>
+          </a:p>
+          <a:p>
+            <a:endParaRPr lang="de-CH" dirty="0"/>
+          </a:p>
+          <a:p>
+            <a:r>
+              <a:rPr lang="de-CH" dirty="0" smtClean="0"/>
+              <a:t>Anzahl benötigter Technologien</a:t>
+            </a:r>
+          </a:p>
+          <a:p>
+            <a:endParaRPr lang="de-CH" dirty="0"/>
+          </a:p>
+          <a:p>
+            <a:r>
+              <a:rPr lang="de-CH" dirty="0" smtClean="0"/>
+              <a:t>Intuitive Benutzbarkeit</a:t>
+            </a:r>
+          </a:p>
+          <a:p>
+            <a:endParaRPr lang="de-CH" dirty="0"/>
+          </a:p>
+          <a:p>
+            <a:endParaRPr lang="de-CH" dirty="0"/>
+          </a:p>
+        </p:txBody>
+      </p:sp>
+    </p:spTree>
+    <p:extLst>
+      <p:ext uri="{BB962C8B-B14F-4D97-AF65-F5344CB8AC3E}">
+        <p14:creationId xmlns:p14="http://schemas.microsoft.com/office/powerpoint/2010/main" val="2055359862"/>
+      </p:ext>
+    </p:extLst>
+  </p:cSld>
+  <p:clrMapOvr>
+    <a:masterClrMapping/>
+  </p:clrMapOvr>
+  <p:timing>
+    <p:tnLst>
+      <p:par>
+        <p:cTn id="1" dur="indefinite" restart="never" nodeType="tmRoot"/>
+      </p:par>
+    </p:tnLst>
+  </p:timing>
+</p:sld>
+</file>
+
+<file path=ppt/slides/slide5.xml><?xml version="1.0" encoding="utf-8"?>
+<p:sld xmlns:a="http://schemas.openxmlformats.org/drawingml/2006/main" xmlns:r="http://schemas.openxmlformats.org/officeDocument/2006/relationships" xmlns:p="http://schemas.openxmlformats.org/presentationml/2006/main">
+  <p:cSld>
+    <p:spTree>
+      <p:nvGrpSpPr>
+        <p:cNvPr id="1" name=""/>
+        <p:cNvGrpSpPr/>
+        <p:nvPr/>
+      </p:nvGrpSpPr>
+      <p:grpSpPr>
+        <a:xfrm>
+          <a:off x="0" y="0"/>
+          <a:ext cx="0" cy="0"/>
+          <a:chOff x="0" y="0"/>
+          <a:chExt cx="0" cy="0"/>
+        </a:xfrm>
+      </p:grpSpPr>
+      <p:sp>
+        <p:nvSpPr>
+          <p:cNvPr id="2" name="Titel 1"/>
+          <p:cNvSpPr>
+            <a:spLocks noGrp="1"/>
+          </p:cNvSpPr>
+          <p:nvPr>
+            <p:ph type="title"/>
+          </p:nvPr>
+        </p:nvSpPr>
+        <p:spPr/>
+        <p:txBody>
+          <a:bodyPr>
+            <a:normAutofit fontScale="90000"/>
+          </a:bodyPr>
+          <a:lstStyle/>
+          <a:p>
+            <a:r>
+              <a:rPr lang="de-CH" dirty="0" smtClean="0"/>
+              <a:t>Kriterium 2 - Entwicklungsumgebung</a:t>
+            </a:r>
+            <a:endParaRPr lang="de-CH" dirty="0"/>
+          </a:p>
+        </p:txBody>
+      </p:sp>
+      <p:sp>
+        <p:nvSpPr>
+          <p:cNvPr id="3" name="Inhaltsplatzhalter 2"/>
+          <p:cNvSpPr>
+            <a:spLocks noGrp="1"/>
+          </p:cNvSpPr>
+          <p:nvPr>
+            <p:ph idx="1"/>
+          </p:nvPr>
+        </p:nvSpPr>
+        <p:spPr/>
+        <p:txBody>
+          <a:bodyPr/>
+          <a:lstStyle/>
+          <a:p>
+            <a:r>
+              <a:rPr lang="de-CH" dirty="0" smtClean="0"/>
+              <a:t>Aufzählung / Flexibilität</a:t>
+            </a:r>
+          </a:p>
+          <a:p>
+            <a:endParaRPr lang="de-CH" dirty="0"/>
+          </a:p>
+          <a:p>
+            <a:r>
+              <a:rPr lang="de-CH" dirty="0" smtClean="0"/>
+              <a:t>Alternativen / Erweiterungen</a:t>
+            </a:r>
+          </a:p>
+          <a:p>
+            <a:endParaRPr lang="de-CH" dirty="0"/>
+          </a:p>
+          <a:p>
+            <a:r>
+              <a:rPr lang="de-CH" dirty="0" smtClean="0"/>
+              <a:t>Hilfestellungen durch Framework</a:t>
+            </a:r>
+          </a:p>
+          <a:p>
+            <a:endParaRPr lang="de-CH" dirty="0"/>
+          </a:p>
+          <a:p>
+            <a:endParaRPr lang="de-CH" dirty="0"/>
+          </a:p>
+        </p:txBody>
+      </p:sp>
+    </p:spTree>
+    <p:extLst>
+      <p:ext uri="{BB962C8B-B14F-4D97-AF65-F5344CB8AC3E}">
+        <p14:creationId xmlns:p14="http://schemas.microsoft.com/office/powerpoint/2010/main" val="3520737534"/>
+      </p:ext>
+    </p:extLst>
+  </p:cSld>
+  <p:clrMapOvr>
+    <a:masterClrMapping/>
+  </p:clrMapOvr>
+  <p:timing>
+    <p:tnLst>
+      <p:par>
+        <p:cTn id="1" dur="indefinite" restart="never" nodeType="tmRoot"/>
+      </p:par>
+    </p:tnLst>
+  </p:timing>
+</p:sld>
+</file>
+
+<file path=ppt/slides/slide6.xml><?xml version="1.0" encoding="utf-8"?>
+<p:sld xmlns:a="http://schemas.openxmlformats.org/drawingml/2006/main" xmlns:r="http://schemas.openxmlformats.org/officeDocument/2006/relationships" xmlns:p="http://schemas.openxmlformats.org/presentationml/2006/main">
+  <p:cSld>
+    <p:spTree>
+      <p:nvGrpSpPr>
+        <p:cNvPr id="1" name=""/>
+        <p:cNvGrpSpPr/>
+        <p:nvPr/>
+      </p:nvGrpSpPr>
+      <p:grpSpPr>
+        <a:xfrm>
+          <a:off x="0" y="0"/>
+          <a:ext cx="0" cy="0"/>
+          <a:chOff x="0" y="0"/>
+          <a:chExt cx="0" cy="0"/>
+        </a:xfrm>
+      </p:grpSpPr>
+      <p:sp>
+        <p:nvSpPr>
+          <p:cNvPr id="2" name="Titel 1"/>
+          <p:cNvSpPr>
+            <a:spLocks noGrp="1"/>
+          </p:cNvSpPr>
+          <p:nvPr>
+            <p:ph type="title"/>
+          </p:nvPr>
+        </p:nvSpPr>
+        <p:spPr/>
+        <p:txBody>
+          <a:bodyPr/>
+          <a:lstStyle/>
+          <a:p>
+            <a:r>
+              <a:rPr lang="de-CH" dirty="0" smtClean="0"/>
+              <a:t>Kriterium 3 - Support</a:t>
+            </a:r>
+            <a:endParaRPr lang="de-CH" dirty="0"/>
+          </a:p>
+        </p:txBody>
+      </p:sp>
+      <p:sp>
+        <p:nvSpPr>
+          <p:cNvPr id="3" name="Inhaltsplatzhalter 2"/>
+          <p:cNvSpPr>
+            <a:spLocks noGrp="1"/>
+          </p:cNvSpPr>
+          <p:nvPr>
+            <p:ph idx="1"/>
+          </p:nvPr>
+        </p:nvSpPr>
+        <p:spPr/>
+        <p:txBody>
+          <a:bodyPr/>
+          <a:lstStyle/>
+          <a:p>
+            <a:r>
+              <a:rPr lang="de-CH" dirty="0" smtClean="0"/>
+              <a:t>Supporthotline</a:t>
+            </a:r>
+          </a:p>
+          <a:p>
+            <a:endParaRPr lang="de-CH" dirty="0"/>
+          </a:p>
+          <a:p>
+            <a:r>
+              <a:rPr lang="de-CH" dirty="0" smtClean="0"/>
+              <a:t>Online-Möglichkeiten</a:t>
+            </a:r>
+          </a:p>
+          <a:p>
+            <a:endParaRPr lang="de-CH" dirty="0"/>
+          </a:p>
+          <a:p>
+            <a:r>
+              <a:rPr lang="de-CH" dirty="0" smtClean="0"/>
+              <a:t>Preis</a:t>
+            </a:r>
+          </a:p>
+          <a:p>
+            <a:endParaRPr lang="de-CH" dirty="0"/>
+          </a:p>
+          <a:p>
+            <a:r>
+              <a:rPr lang="de-CH" dirty="0" smtClean="0"/>
+              <a:t>Anleitungen im Netz</a:t>
+            </a:r>
+            <a:endParaRPr lang="de-CH" dirty="0"/>
+          </a:p>
+        </p:txBody>
+      </p:sp>
+    </p:spTree>
+    <p:extLst>
+      <p:ext uri="{BB962C8B-B14F-4D97-AF65-F5344CB8AC3E}">
+        <p14:creationId xmlns:p14="http://schemas.microsoft.com/office/powerpoint/2010/main" val="3192163229"/>
+      </p:ext>
+    </p:extLst>
+  </p:cSld>
+  <p:clrMapOvr>
+    <a:masterClrMapping/>
+  </p:clrMapOvr>
+  <p:timing>
+    <p:tnLst>
+      <p:par>
+        <p:cTn id="1" dur="indefinite" restart="never" nodeType="tmRoot"/>
+      </p:par>
+    </p:tnLst>
+  </p:timing>
+</p:sld>
+</file>
+
+<file path=ppt/slides/slide7.xml><?xml version="1.0" encoding="utf-8"?>
+<p:sld xmlns:a="http://schemas.openxmlformats.org/drawingml/2006/main" xmlns:r="http://schemas.openxmlformats.org/officeDocument/2006/relationships" xmlns:p="http://schemas.openxmlformats.org/presentationml/2006/main">
+  <p:cSld>
+    <p:spTree>
+      <p:nvGrpSpPr>
+        <p:cNvPr id="1" name=""/>
+        <p:cNvGrpSpPr/>
+        <p:nvPr/>
+      </p:nvGrpSpPr>
+      <p:grpSpPr>
+        <a:xfrm>
+          <a:off x="0" y="0"/>
+          <a:ext cx="0" cy="0"/>
+          <a:chOff x="0" y="0"/>
+          <a:chExt cx="0" cy="0"/>
+        </a:xfrm>
+      </p:grpSpPr>
+      <p:sp>
+        <p:nvSpPr>
+          <p:cNvPr id="2" name="Titel 1"/>
+          <p:cNvSpPr>
+            <a:spLocks noGrp="1"/>
+          </p:cNvSpPr>
+          <p:nvPr>
+            <p:ph type="title"/>
+          </p:nvPr>
+        </p:nvSpPr>
+        <p:spPr/>
+        <p:txBody>
+          <a:bodyPr/>
+          <a:lstStyle/>
+          <a:p>
+            <a:r>
+              <a:rPr lang="de-CH" dirty="0" smtClean="0"/>
+              <a:t>Kriterium 4 - Dokumentation</a:t>
+            </a:r>
+            <a:endParaRPr lang="de-CH" dirty="0"/>
+          </a:p>
+        </p:txBody>
+      </p:sp>
+      <p:sp>
+        <p:nvSpPr>
+          <p:cNvPr id="3" name="Inhaltsplatzhalter 2"/>
+          <p:cNvSpPr>
+            <a:spLocks noGrp="1"/>
+          </p:cNvSpPr>
+          <p:nvPr>
+            <p:ph idx="1"/>
+          </p:nvPr>
+        </p:nvSpPr>
+        <p:spPr/>
+        <p:txBody>
+          <a:bodyPr/>
+          <a:lstStyle/>
+          <a:p>
+            <a:r>
+              <a:rPr lang="de-CH" dirty="0" smtClean="0"/>
+              <a:t>Verfügbarkeit</a:t>
+            </a:r>
+          </a:p>
+          <a:p>
+            <a:endParaRPr lang="de-CH" dirty="0"/>
+          </a:p>
+          <a:p>
+            <a:r>
+              <a:rPr lang="de-CH" dirty="0" smtClean="0"/>
+              <a:t>Struktur</a:t>
+            </a:r>
+          </a:p>
+          <a:p>
+            <a:endParaRPr lang="de-CH" dirty="0"/>
+          </a:p>
+          <a:p>
+            <a:r>
+              <a:rPr lang="de-CH" dirty="0" smtClean="0"/>
+              <a:t>Ausführlichkeit</a:t>
+            </a:r>
+            <a:endParaRPr lang="de-CH" dirty="0"/>
+          </a:p>
+        </p:txBody>
+      </p:sp>
+    </p:spTree>
+    <p:extLst>
+      <p:ext uri="{BB962C8B-B14F-4D97-AF65-F5344CB8AC3E}">
+        <p14:creationId xmlns:p14="http://schemas.microsoft.com/office/powerpoint/2010/main" val="2532027566"/>
+      </p:ext>
+    </p:extLst>
+  </p:cSld>
+  <p:clrMapOvr>
+    <a:masterClrMapping/>
+  </p:clrMapOvr>
+  <p:timing>
+    <p:tnLst>
+      <p:par>
+        <p:cTn id="1" dur="indefinite" restart="never" nodeType="tmRoot"/>
+      </p:par>
+    </p:tnLst>
+  </p:timing>
+</p:sld>
+</file>
+
+<file path=ppt/slides/slide8.xml><?xml version="1.0" encoding="utf-8"?>
+<p:sld xmlns:a="http://schemas.openxmlformats.org/drawingml/2006/main" xmlns:r="http://schemas.openxmlformats.org/officeDocument/2006/relationships" xmlns:p="http://schemas.openxmlformats.org/presentationml/2006/main">
+  <p:cSld>
+    <p:spTree>
+      <p:nvGrpSpPr>
+        <p:cNvPr id="1" name=""/>
+        <p:cNvGrpSpPr/>
+        <p:nvPr/>
+      </p:nvGrpSpPr>
+      <p:grpSpPr>
+        <a:xfrm>
+          <a:off x="0" y="0"/>
+          <a:ext cx="0" cy="0"/>
+          <a:chOff x="0" y="0"/>
+          <a:chExt cx="0" cy="0"/>
+        </a:xfrm>
+      </p:grpSpPr>
+      <p:sp>
+        <p:nvSpPr>
+          <p:cNvPr id="2" name="Titel 1"/>
+          <p:cNvSpPr>
+            <a:spLocks noGrp="1"/>
+          </p:cNvSpPr>
+          <p:nvPr>
+            <p:ph type="title"/>
+          </p:nvPr>
+        </p:nvSpPr>
+        <p:spPr/>
+        <p:txBody>
+          <a:bodyPr/>
+          <a:lstStyle/>
+          <a:p>
+            <a:r>
+              <a:rPr lang="de-CH" dirty="0" smtClean="0"/>
+              <a:t>Kriterium 5 - Tutorials</a:t>
+            </a:r>
+            <a:endParaRPr lang="de-CH" dirty="0"/>
+          </a:p>
+        </p:txBody>
+      </p:sp>
+      <p:sp>
+        <p:nvSpPr>
+          <p:cNvPr id="3" name="Inhaltsplatzhalter 2"/>
+          <p:cNvSpPr>
+            <a:spLocks noGrp="1"/>
+          </p:cNvSpPr>
+          <p:nvPr>
+            <p:ph idx="1"/>
+          </p:nvPr>
+        </p:nvSpPr>
+        <p:spPr/>
+        <p:txBody>
+          <a:bodyPr/>
+          <a:lstStyle/>
+          <a:p>
+            <a:pPr marL="0" indent="0">
+              <a:buNone/>
+            </a:pPr>
+            <a:endParaRPr lang="de-CH" dirty="0"/>
+          </a:p>
+          <a:p>
+            <a:r>
+              <a:rPr lang="de-CH" dirty="0" smtClean="0"/>
+              <a:t>Google </a:t>
+            </a:r>
+            <a:r>
+              <a:rPr lang="de-CH" dirty="0" err="1" smtClean="0"/>
+              <a:t>Tutorial</a:t>
+            </a:r>
+            <a:r>
+              <a:rPr lang="de-CH" dirty="0" smtClean="0"/>
+              <a:t> Suche</a:t>
+            </a:r>
+          </a:p>
+          <a:p>
+            <a:endParaRPr lang="de-CH" dirty="0" smtClean="0"/>
+          </a:p>
+          <a:p>
+            <a:endParaRPr lang="de-CH" dirty="0"/>
+          </a:p>
+          <a:p>
+            <a:r>
+              <a:rPr lang="de-CH" dirty="0" smtClean="0"/>
+              <a:t>Qualität der ersten 5 Such-Hits</a:t>
+            </a:r>
+            <a:endParaRPr lang="de-CH" dirty="0"/>
+          </a:p>
+        </p:txBody>
+      </p:sp>
+    </p:spTree>
+    <p:extLst>
+      <p:ext uri="{BB962C8B-B14F-4D97-AF65-F5344CB8AC3E}">
+        <p14:creationId xmlns:p14="http://schemas.microsoft.com/office/powerpoint/2010/main" val="1081161148"/>
+      </p:ext>
+    </p:extLst>
+  </p:cSld>
+  <p:clrMapOvr>
+    <a:masterClrMapping/>
+  </p:clrMapOvr>
+  <p:timing>
+    <p:tnLst>
+      <p:par>
+        <p:cTn id="1" dur="indefinite" restart="never" nodeType="tmRoot"/>
+      </p:par>
+    </p:tnLst>
+  </p:timing>
+</p:sld>
+</file>
+
+<file path=ppt/slides/slide9.xml><?xml version="1.0" encoding="utf-8"?>
+<p:sld xmlns:a="http://schemas.openxmlformats.org/drawingml/2006/main" xmlns:r="http://schemas.openxmlformats.org/officeDocument/2006/relationships" xmlns:p="http://schemas.openxmlformats.org/presentationml/2006/main">
+  <p:cSld>
+    <p:spTree>
+      <p:nvGrpSpPr>
+        <p:cNvPr id="1" name=""/>
+        <p:cNvGrpSpPr/>
+        <p:nvPr/>
+      </p:nvGrpSpPr>
+      <p:grpSpPr>
+        <a:xfrm>
+          <a:off x="0" y="0"/>
+          <a:ext cx="0" cy="0"/>
+          <a:chOff x="0" y="0"/>
+          <a:chExt cx="0" cy="0"/>
+        </a:xfrm>
+      </p:grpSpPr>
+      <p:sp>
+        <p:nvSpPr>
+          <p:cNvPr id="2" name="Titel 1"/>
+          <p:cNvSpPr>
+            <a:spLocks noGrp="1"/>
+          </p:cNvSpPr>
+          <p:nvPr>
+            <p:ph type="title"/>
+          </p:nvPr>
+        </p:nvSpPr>
+        <p:spPr/>
+        <p:txBody>
+          <a:bodyPr/>
+          <a:lstStyle/>
+          <a:p>
+            <a:r>
+              <a:rPr lang="de-CH" dirty="0" smtClean="0"/>
+              <a:t>Kriterium 6 - Building</a:t>
+            </a:r>
+            <a:endParaRPr lang="de-CH" dirty="0"/>
+          </a:p>
+        </p:txBody>
+      </p:sp>
+      <p:sp>
+        <p:nvSpPr>
+          <p:cNvPr id="3" name="Inhaltsplatzhalter 2"/>
+          <p:cNvSpPr>
+            <a:spLocks noGrp="1"/>
+          </p:cNvSpPr>
+          <p:nvPr>
+            <p:ph idx="1"/>
+          </p:nvPr>
+        </p:nvSpPr>
+        <p:spPr/>
+        <p:txBody>
+          <a:bodyPr/>
+          <a:lstStyle/>
+          <a:p>
+            <a:r>
+              <a:rPr lang="de-CH" dirty="0" smtClean="0"/>
+              <a:t>Einfachheit / </a:t>
+            </a:r>
+            <a:r>
+              <a:rPr lang="de-CH" dirty="0" err="1" smtClean="0"/>
+              <a:t>Aufwändigkeit</a:t>
+            </a:r>
+            <a:endParaRPr lang="de-CH" dirty="0" smtClean="0"/>
+          </a:p>
+          <a:p>
+            <a:endParaRPr lang="de-CH" dirty="0"/>
+          </a:p>
+          <a:p>
+            <a:r>
+              <a:rPr lang="de-CH" dirty="0" smtClean="0"/>
+              <a:t>Verschiedene Möglichkeiten?</a:t>
+            </a:r>
+          </a:p>
+          <a:p>
+            <a:endParaRPr lang="de-CH" dirty="0"/>
+          </a:p>
+          <a:p>
+            <a:r>
+              <a:rPr lang="de-CH" dirty="0" err="1" smtClean="0"/>
+              <a:t>Build</a:t>
+            </a:r>
+            <a:r>
+              <a:rPr lang="de-CH" dirty="0" smtClean="0"/>
+              <a:t>-Tool</a:t>
+            </a:r>
+            <a:endParaRPr lang="de-CH" dirty="0"/>
+          </a:p>
+        </p:txBody>
+      </p:sp>
+    </p:spTree>
+    <p:extLst>
+      <p:ext uri="{BB962C8B-B14F-4D97-AF65-F5344CB8AC3E}">
+        <p14:creationId xmlns:p14="http://schemas.microsoft.com/office/powerpoint/2010/main" val="3067947551"/>
+      </p:ext>
+    </p:extLst>
+  </p:cSld>
+  <p:clrMapOvr>
+    <a:masterClrMapping/>
+  </p:clrMapOvr>
+  <p:timing>
+    <p:tnLst>
+      <p:par>
+        <p:cTn id="1" dur="indefinite" restart="never" nodeType="tmRoot"/>
+      </p:par>
+    </p:tnLst>
+  </p:timing>
 </p:sld>
 </file>
 

--- a/Documents/10_Frameworks_Presentation.pptx
+++ b/Documents/10_Frameworks_Presentation.pptx
@@ -17,19 +17,16 @@
     <p:sldId id="264" r:id="rId11"/>
     <p:sldId id="265" r:id="rId12"/>
     <p:sldId id="266" r:id="rId13"/>
-    <p:sldId id="268" r:id="rId14"/>
-    <p:sldId id="269" r:id="rId15"/>
-    <p:sldId id="270" r:id="rId16"/>
-    <p:sldId id="271" r:id="rId17"/>
-    <p:sldId id="272" r:id="rId18"/>
-    <p:sldId id="273" r:id="rId19"/>
-    <p:sldId id="274" r:id="rId20"/>
-    <p:sldId id="275" r:id="rId21"/>
-    <p:sldId id="276" r:id="rId22"/>
-    <p:sldId id="277" r:id="rId23"/>
-    <p:sldId id="278" r:id="rId24"/>
-    <p:sldId id="279" r:id="rId25"/>
-    <p:sldId id="280" r:id="rId26"/>
+    <p:sldId id="282" r:id="rId14"/>
+    <p:sldId id="273" r:id="rId15"/>
+    <p:sldId id="274" r:id="rId16"/>
+    <p:sldId id="275" r:id="rId17"/>
+    <p:sldId id="276" r:id="rId18"/>
+    <p:sldId id="277" r:id="rId19"/>
+    <p:sldId id="278" r:id="rId20"/>
+    <p:sldId id="279" r:id="rId21"/>
+    <p:sldId id="280" r:id="rId22"/>
+    <p:sldId id="281" r:id="rId23"/>
   </p:sldIdLst>
   <p:sldSz cx="9144000" cy="6858000" type="screen4x3"/>
   <p:notesSz cx="6858000" cy="9144000"/>
@@ -3539,35 +3536,6 @@
 <file path=ppt/slides/slide13.xml><?xml version="1.0" encoding="utf-8"?>
 <p:sld xmlns:a="http://schemas.openxmlformats.org/drawingml/2006/main" xmlns:r="http://schemas.openxmlformats.org/officeDocument/2006/relationships" xmlns:p="http://schemas.openxmlformats.org/presentationml/2006/main">
   <p:cSld>
-    <p:bg>
-      <p:bgPr>
-        <a:gradFill flip="none" rotWithShape="1">
-          <a:gsLst>
-            <a:gs pos="0">
-              <a:schemeClr val="tx1">
-                <a:lumMod val="50000"/>
-                <a:lumOff val="50000"/>
-              </a:schemeClr>
-            </a:gs>
-            <a:gs pos="50000">
-              <a:schemeClr val="accent1">
-                <a:tint val="44500"/>
-                <a:satMod val="160000"/>
-              </a:schemeClr>
-            </a:gs>
-            <a:gs pos="100000">
-              <a:schemeClr val="accent1">
-                <a:tint val="23500"/>
-                <a:satMod val="160000"/>
-              </a:schemeClr>
-            </a:gs>
-          </a:gsLst>
-          <a:lin ang="5400000" scaled="0"/>
-          <a:tileRect/>
-        </a:gradFill>
-        <a:effectLst/>
-      </p:bgPr>
-    </p:bg>
     <p:spTree>
       <p:nvGrpSpPr>
         <p:cNvPr id="1" name=""/>
@@ -3598,100 +3566,93 @@
           <a:lstStyle/>
           <a:p>
             <a:r>
+              <a:rPr lang="de-CH" dirty="0"/>
+              <a:t>Short 5 Evaluation</a:t>
+            </a:r>
+          </a:p>
+        </p:txBody>
+      </p:sp>
+      <p:sp>
+        <p:nvSpPr>
+          <p:cNvPr id="3" name="Inhaltsplatzhalter 2"/>
+          <p:cNvSpPr>
+            <a:spLocks noGrp="1"/>
+          </p:cNvSpPr>
+          <p:nvPr>
+            <p:ph idx="1"/>
+          </p:nvPr>
+        </p:nvSpPr>
+        <p:spPr/>
+        <p:txBody>
+          <a:bodyPr>
+            <a:normAutofit fontScale="92500" lnSpcReduction="20000"/>
+          </a:bodyPr>
+          <a:lstStyle/>
+          <a:p>
+            <a:r>
               <a:rPr lang="de-CH" dirty="0" err="1" smtClean="0"/>
               <a:t>jQPad</a:t>
             </a:r>
+            <a:r>
+              <a:rPr lang="de-CH" dirty="0" smtClean="0"/>
+              <a:t>: 34P, +Einfachheit, -Tutorials, -Verbreitung</a:t>
+            </a:r>
+          </a:p>
+          <a:p>
+            <a:endParaRPr lang="de-CH" dirty="0" smtClean="0"/>
+          </a:p>
+          <a:p>
+            <a:r>
+              <a:rPr lang="de-CH" dirty="0" smtClean="0"/>
+              <a:t>XUI: +Einfachheit, -Tutorials, -Testing</a:t>
+            </a:r>
+          </a:p>
+          <a:p>
+            <a:endParaRPr lang="de-CH" dirty="0" smtClean="0"/>
+          </a:p>
+          <a:p>
+            <a:r>
+              <a:rPr lang="de-CH" dirty="0" err="1" smtClean="0"/>
+              <a:t>iWebKit</a:t>
+            </a:r>
+            <a:r>
+              <a:rPr lang="de-CH" dirty="0" smtClean="0"/>
+              <a:t>: +Support, +Dokumentation, -Tutorials</a:t>
+            </a:r>
+          </a:p>
+          <a:p>
+            <a:endParaRPr lang="de-CH" dirty="0" smtClean="0"/>
+          </a:p>
+          <a:p>
+            <a:r>
+              <a:rPr lang="de-CH" dirty="0" err="1" smtClean="0"/>
+              <a:t>iUI</a:t>
+            </a:r>
+            <a:r>
+              <a:rPr lang="de-CH" dirty="0" smtClean="0"/>
+              <a:t>: +Einfachheit, +Dokumentation, -Building</a:t>
+            </a:r>
+          </a:p>
+          <a:p>
+            <a:endParaRPr lang="de-CH" dirty="0" smtClean="0"/>
+          </a:p>
+          <a:p>
+            <a:r>
+              <a:rPr lang="de-CH" dirty="0" smtClean="0"/>
+              <a:t>Rhodes: +Building, +Testing, </a:t>
+            </a:r>
+            <a:r>
+              <a:rPr lang="de-CH" smtClean="0"/>
+              <a:t>-Tutorials</a:t>
+            </a:r>
             <a:endParaRPr lang="de-CH" dirty="0"/>
           </a:p>
         </p:txBody>
       </p:sp>
-      <p:sp>
-        <p:nvSpPr>
-          <p:cNvPr id="3" name="Inhaltsplatzhalter 2"/>
-          <p:cNvSpPr>
-            <a:spLocks noGrp="1"/>
-          </p:cNvSpPr>
-          <p:nvPr>
-            <p:ph idx="1"/>
-          </p:nvPr>
-        </p:nvSpPr>
-        <p:spPr/>
-        <p:txBody>
-          <a:bodyPr/>
-          <a:lstStyle/>
-          <a:p>
-            <a:endParaRPr lang="de-CH" dirty="0"/>
-          </a:p>
-        </p:txBody>
-      </p:sp>
-      <p:pic>
-        <p:nvPicPr>
-          <p:cNvPr id="1027" name="Picture 3"/>
-          <p:cNvPicPr>
-            <a:picLocks noChangeAspect="1" noChangeArrowheads="1"/>
-          </p:cNvPicPr>
-          <p:nvPr/>
-        </p:nvPicPr>
-        <p:blipFill>
-          <a:blip r:embed="rId2">
-            <a:extLst>
-              <a:ext uri="{28A0092B-C50C-407E-A947-70E740481C1C}">
-                <a14:useLocalDpi xmlns:a14="http://schemas.microsoft.com/office/drawing/2010/main" val="0"/>
-              </a:ext>
-            </a:extLst>
-          </a:blip>
-          <a:srcRect/>
-          <a:stretch>
-            <a:fillRect/>
-          </a:stretch>
-        </p:blipFill>
-        <p:spPr bwMode="auto">
-          <a:xfrm>
-            <a:off x="323528" y="55276"/>
-            <a:ext cx="1800200" cy="1510603"/>
-          </a:xfrm>
-          <a:prstGeom prst="rect">
-            <a:avLst/>
-          </a:prstGeom>
-          <a:noFill/>
-          <a:ln>
-            <a:noFill/>
-          </a:ln>
-          <a:effectLst/>
-          <a:extLst>
-            <a:ext uri="{909E8E84-426E-40DD-AFC4-6F175D3DCCD1}">
-              <a14:hiddenFill xmlns:a14="http://schemas.microsoft.com/office/drawing/2010/main">
-                <a:solidFill>
-                  <a:schemeClr val="accent1"/>
-                </a:solidFill>
-              </a14:hiddenFill>
-            </a:ext>
-            <a:ext uri="{91240B29-F687-4F45-9708-019B960494DF}">
-              <a14:hiddenLine xmlns:a14="http://schemas.microsoft.com/office/drawing/2010/main" w="9525">
-                <a:solidFill>
-                  <a:schemeClr val="tx1"/>
-                </a:solidFill>
-                <a:miter lim="800000"/>
-                <a:headEnd/>
-                <a:tailEnd/>
-              </a14:hiddenLine>
-            </a:ext>
-            <a:ext uri="{AF507438-7753-43E0-B8FC-AC1667EBCBE1}">
-              <a14:hiddenEffects xmlns:a14="http://schemas.microsoft.com/office/drawing/2010/main">
-                <a:effectLst>
-                  <a:outerShdw dist="35921" dir="2700000" algn="ctr" rotWithShape="0">
-                    <a:schemeClr val="bg2"/>
-                  </a:outerShdw>
-                </a:effectLst>
-              </a14:hiddenEffects>
-            </a:ext>
-          </a:extLst>
-        </p:spPr>
-      </p:pic>
     </p:spTree>
     <p:extLst>
       <p:ext uri="{BB962C8B-B14F-4D97-AF65-F5344CB8AC3E}">
-        <p14:creationId xmlns:p14="http://schemas.microsoft.com/office/powerpoint/2010/main" val="3120991070"/>
+        <p14:creationId xmlns:p14="http://schemas.microsoft.com/office/powerpoint/2010/main" val="3193078845"/>
       </p:ext>
     </p:extLst>
   </p:cSld>
@@ -3702,532 +3663,6 @@
 </file>
 
 <file path=ppt/slides/slide14.xml><?xml version="1.0" encoding="utf-8"?>
-<p:sld xmlns:a="http://schemas.openxmlformats.org/drawingml/2006/main" xmlns:r="http://schemas.openxmlformats.org/officeDocument/2006/relationships" xmlns:p="http://schemas.openxmlformats.org/presentationml/2006/main">
-  <p:cSld>
-    <p:spTree>
-      <p:nvGrpSpPr>
-        <p:cNvPr id="1" name=""/>
-        <p:cNvGrpSpPr/>
-        <p:nvPr/>
-      </p:nvGrpSpPr>
-      <p:grpSpPr>
-        <a:xfrm>
-          <a:off x="0" y="0"/>
-          <a:ext cx="0" cy="0"/>
-          <a:chOff x="0" y="0"/>
-          <a:chExt cx="0" cy="0"/>
-        </a:xfrm>
-      </p:grpSpPr>
-      <p:sp>
-        <p:nvSpPr>
-          <p:cNvPr id="2" name="Titel 1"/>
-          <p:cNvSpPr>
-            <a:spLocks noGrp="1"/>
-          </p:cNvSpPr>
-          <p:nvPr>
-            <p:ph type="title"/>
-          </p:nvPr>
-        </p:nvSpPr>
-        <p:spPr/>
-        <p:txBody>
-          <a:bodyPr/>
-          <a:lstStyle/>
-          <a:p>
-            <a:r>
-              <a:rPr lang="de-CH" dirty="0" smtClean="0"/>
-              <a:t>XUI</a:t>
-            </a:r>
-            <a:endParaRPr lang="de-CH" dirty="0"/>
-          </a:p>
-        </p:txBody>
-      </p:sp>
-      <p:sp>
-        <p:nvSpPr>
-          <p:cNvPr id="3" name="Inhaltsplatzhalter 2"/>
-          <p:cNvSpPr>
-            <a:spLocks noGrp="1"/>
-          </p:cNvSpPr>
-          <p:nvPr>
-            <p:ph idx="1"/>
-          </p:nvPr>
-        </p:nvSpPr>
-        <p:spPr/>
-        <p:txBody>
-          <a:bodyPr/>
-          <a:lstStyle/>
-          <a:p>
-            <a:endParaRPr lang="de-CH"/>
-          </a:p>
-        </p:txBody>
-      </p:sp>
-      <p:pic>
-        <p:nvPicPr>
-          <p:cNvPr id="2050" name="Picture 2" descr="F:\Schule\HSZ-T\3. Jahr\Handheld\Semesterarbeit\Handheld_Repo\Media\xui\xui.JPG"/>
-          <p:cNvPicPr>
-            <a:picLocks noChangeAspect="1" noChangeArrowheads="1"/>
-          </p:cNvPicPr>
-          <p:nvPr/>
-        </p:nvPicPr>
-        <p:blipFill>
-          <a:blip r:embed="rId2">
-            <a:extLst>
-              <a:ext uri="{28A0092B-C50C-407E-A947-70E740481C1C}">
-                <a14:useLocalDpi xmlns:a14="http://schemas.microsoft.com/office/drawing/2010/main" val="0"/>
-              </a:ext>
-            </a:extLst>
-          </a:blip>
-          <a:srcRect/>
-          <a:stretch>
-            <a:fillRect/>
-          </a:stretch>
-        </p:blipFill>
-        <p:spPr bwMode="auto">
-          <a:xfrm>
-            <a:off x="99484" y="318377"/>
-            <a:ext cx="2138288" cy="1094399"/>
-          </a:xfrm>
-          <a:prstGeom prst="rect">
-            <a:avLst/>
-          </a:prstGeom>
-          <a:noFill/>
-          <a:extLst>
-            <a:ext uri="{909E8E84-426E-40DD-AFC4-6F175D3DCCD1}">
-              <a14:hiddenFill xmlns:a14="http://schemas.microsoft.com/office/drawing/2010/main">
-                <a:solidFill>
-                  <a:srgbClr val="FFFFFF"/>
-                </a:solidFill>
-              </a14:hiddenFill>
-            </a:ext>
-          </a:extLst>
-        </p:spPr>
-      </p:pic>
-    </p:spTree>
-    <p:extLst>
-      <p:ext uri="{BB962C8B-B14F-4D97-AF65-F5344CB8AC3E}">
-        <p14:creationId xmlns:p14="http://schemas.microsoft.com/office/powerpoint/2010/main" val="1275157313"/>
-      </p:ext>
-    </p:extLst>
-  </p:cSld>
-  <p:clrMapOvr>
-    <a:masterClrMapping/>
-  </p:clrMapOvr>
-</p:sld>
-</file>
-
-<file path=ppt/slides/slide15.xml><?xml version="1.0" encoding="utf-8"?>
-<p:sld xmlns:a="http://schemas.openxmlformats.org/drawingml/2006/main" xmlns:r="http://schemas.openxmlformats.org/officeDocument/2006/relationships" xmlns:p="http://schemas.openxmlformats.org/presentationml/2006/main">
-  <p:cSld>
-    <p:bg>
-      <p:bgPr>
-        <a:gradFill flip="none" rotWithShape="1">
-          <a:gsLst>
-            <a:gs pos="0">
-              <a:schemeClr val="accent3"/>
-            </a:gs>
-            <a:gs pos="50000">
-              <a:schemeClr val="accent1">
-                <a:tint val="44500"/>
-                <a:satMod val="160000"/>
-              </a:schemeClr>
-            </a:gs>
-            <a:gs pos="100000">
-              <a:schemeClr val="accent1">
-                <a:tint val="23500"/>
-                <a:satMod val="160000"/>
-              </a:schemeClr>
-            </a:gs>
-          </a:gsLst>
-          <a:lin ang="5400000" scaled="0"/>
-          <a:tileRect/>
-        </a:gradFill>
-        <a:effectLst/>
-      </p:bgPr>
-    </p:bg>
-    <p:spTree>
-      <p:nvGrpSpPr>
-        <p:cNvPr id="1" name=""/>
-        <p:cNvGrpSpPr/>
-        <p:nvPr/>
-      </p:nvGrpSpPr>
-      <p:grpSpPr>
-        <a:xfrm>
-          <a:off x="0" y="0"/>
-          <a:ext cx="0" cy="0"/>
-          <a:chOff x="0" y="0"/>
-          <a:chExt cx="0" cy="0"/>
-        </a:xfrm>
-      </p:grpSpPr>
-      <p:sp>
-        <p:nvSpPr>
-          <p:cNvPr id="2" name="Titel 1"/>
-          <p:cNvSpPr>
-            <a:spLocks noGrp="1"/>
-          </p:cNvSpPr>
-          <p:nvPr>
-            <p:ph type="title"/>
-          </p:nvPr>
-        </p:nvSpPr>
-        <p:spPr/>
-        <p:txBody>
-          <a:bodyPr/>
-          <a:lstStyle/>
-          <a:p>
-            <a:r>
-              <a:rPr lang="de-CH" dirty="0" err="1" smtClean="0"/>
-              <a:t>iWebKit</a:t>
-            </a:r>
-            <a:endParaRPr lang="de-CH" dirty="0"/>
-          </a:p>
-        </p:txBody>
-      </p:sp>
-      <p:sp>
-        <p:nvSpPr>
-          <p:cNvPr id="3" name="Inhaltsplatzhalter 2"/>
-          <p:cNvSpPr>
-            <a:spLocks noGrp="1"/>
-          </p:cNvSpPr>
-          <p:nvPr>
-            <p:ph idx="1"/>
-          </p:nvPr>
-        </p:nvSpPr>
-        <p:spPr/>
-        <p:txBody>
-          <a:bodyPr/>
-          <a:lstStyle/>
-          <a:p>
-            <a:endParaRPr lang="de-CH" dirty="0"/>
-          </a:p>
-        </p:txBody>
-      </p:sp>
-      <p:pic>
-        <p:nvPicPr>
-          <p:cNvPr id="3074" name="Picture 2" descr="F:\Schule\HSZ-T\3. Jahr\Handheld\Semesterarbeit\Handheld_Repo\Media\iWebkit\iwebkit6preview.png"/>
-          <p:cNvPicPr>
-            <a:picLocks noChangeAspect="1" noChangeArrowheads="1"/>
-          </p:cNvPicPr>
-          <p:nvPr/>
-        </p:nvPicPr>
-        <p:blipFill rotWithShape="1">
-          <a:blip r:embed="rId2">
-            <a:extLst>
-              <a:ext uri="{28A0092B-C50C-407E-A947-70E740481C1C}">
-                <a14:useLocalDpi xmlns:a14="http://schemas.microsoft.com/office/drawing/2010/main" val="0"/>
-              </a:ext>
-            </a:extLst>
-          </a:blip>
-          <a:srcRect l="13207" t="22888" r="28850" b="36652"/>
-          <a:stretch/>
-        </p:blipFill>
-        <p:spPr bwMode="auto">
-          <a:xfrm>
-            <a:off x="323529" y="260648"/>
-            <a:ext cx="2808312" cy="980681"/>
-          </a:xfrm>
-          <a:prstGeom prst="rect">
-            <a:avLst/>
-          </a:prstGeom>
-          <a:noFill/>
-          <a:extLst>
-            <a:ext uri="{909E8E84-426E-40DD-AFC4-6F175D3DCCD1}">
-              <a14:hiddenFill xmlns:a14="http://schemas.microsoft.com/office/drawing/2010/main">
-                <a:solidFill>
-                  <a:srgbClr val="FFFFFF"/>
-                </a:solidFill>
-              </a14:hiddenFill>
-            </a:ext>
-          </a:extLst>
-        </p:spPr>
-      </p:pic>
-    </p:spTree>
-    <p:extLst>
-      <p:ext uri="{BB962C8B-B14F-4D97-AF65-F5344CB8AC3E}">
-        <p14:creationId xmlns:p14="http://schemas.microsoft.com/office/powerpoint/2010/main" val="844766196"/>
-      </p:ext>
-    </p:extLst>
-  </p:cSld>
-  <p:clrMapOvr>
-    <a:masterClrMapping/>
-  </p:clrMapOvr>
-</p:sld>
-</file>
-
-<file path=ppt/slides/slide16.xml><?xml version="1.0" encoding="utf-8"?>
-<p:sld xmlns:a="http://schemas.openxmlformats.org/drawingml/2006/main" xmlns:r="http://schemas.openxmlformats.org/officeDocument/2006/relationships" xmlns:p="http://schemas.openxmlformats.org/presentationml/2006/main">
-  <p:cSld>
-    <p:bg>
-      <p:bgPr>
-        <a:gradFill flip="none" rotWithShape="1">
-          <a:gsLst>
-            <a:gs pos="0">
-              <a:schemeClr val="tx2"/>
-            </a:gs>
-            <a:gs pos="50000">
-              <a:schemeClr val="accent1">
-                <a:tint val="44500"/>
-                <a:satMod val="160000"/>
-              </a:schemeClr>
-            </a:gs>
-            <a:gs pos="100000">
-              <a:schemeClr val="accent1">
-                <a:tint val="23500"/>
-                <a:satMod val="160000"/>
-              </a:schemeClr>
-            </a:gs>
-          </a:gsLst>
-          <a:lin ang="5400000" scaled="0"/>
-          <a:tileRect/>
-        </a:gradFill>
-        <a:effectLst/>
-      </p:bgPr>
-    </p:bg>
-    <p:spTree>
-      <p:nvGrpSpPr>
-        <p:cNvPr id="1" name=""/>
-        <p:cNvGrpSpPr/>
-        <p:nvPr/>
-      </p:nvGrpSpPr>
-      <p:grpSpPr>
-        <a:xfrm>
-          <a:off x="0" y="0"/>
-          <a:ext cx="0" cy="0"/>
-          <a:chOff x="0" y="0"/>
-          <a:chExt cx="0" cy="0"/>
-        </a:xfrm>
-      </p:grpSpPr>
-      <p:sp>
-        <p:nvSpPr>
-          <p:cNvPr id="2" name="Titel 1"/>
-          <p:cNvSpPr>
-            <a:spLocks noGrp="1"/>
-          </p:cNvSpPr>
-          <p:nvPr>
-            <p:ph type="title"/>
-          </p:nvPr>
-        </p:nvSpPr>
-        <p:spPr/>
-        <p:txBody>
-          <a:bodyPr/>
-          <a:lstStyle/>
-          <a:p>
-            <a:r>
-              <a:rPr lang="de-CH" dirty="0" err="1" smtClean="0"/>
-              <a:t>iUI</a:t>
-            </a:r>
-            <a:endParaRPr lang="de-CH" dirty="0"/>
-          </a:p>
-        </p:txBody>
-      </p:sp>
-      <p:sp>
-        <p:nvSpPr>
-          <p:cNvPr id="3" name="Inhaltsplatzhalter 2"/>
-          <p:cNvSpPr>
-            <a:spLocks noGrp="1"/>
-          </p:cNvSpPr>
-          <p:nvPr>
-            <p:ph idx="1"/>
-          </p:nvPr>
-        </p:nvSpPr>
-        <p:spPr/>
-        <p:txBody>
-          <a:bodyPr/>
-          <a:lstStyle/>
-          <a:p>
-            <a:endParaRPr lang="de-CH" dirty="0"/>
-          </a:p>
-        </p:txBody>
-      </p:sp>
-      <p:pic>
-        <p:nvPicPr>
-          <p:cNvPr id="4098" name="Picture 2" descr="F:\Schule\HSZ-T\3. Jahr\Handheld\Semesterarbeit\Handheld_Repo\Media\iUi\iUi_logo_big.JPG"/>
-          <p:cNvPicPr>
-            <a:picLocks noChangeAspect="1" noChangeArrowheads="1"/>
-          </p:cNvPicPr>
-          <p:nvPr/>
-        </p:nvPicPr>
-        <p:blipFill>
-          <a:blip r:embed="rId2">
-            <a:extLst>
-              <a:ext uri="{28A0092B-C50C-407E-A947-70E740481C1C}">
-                <a14:useLocalDpi xmlns:a14="http://schemas.microsoft.com/office/drawing/2010/main" val="0"/>
-              </a:ext>
-            </a:extLst>
-          </a:blip>
-          <a:srcRect/>
-          <a:stretch>
-            <a:fillRect/>
-          </a:stretch>
-        </p:blipFill>
-        <p:spPr bwMode="auto">
-          <a:xfrm>
-            <a:off x="251520" y="299509"/>
-            <a:ext cx="1008112" cy="1142527"/>
-          </a:xfrm>
-          <a:prstGeom prst="rect">
-            <a:avLst/>
-          </a:prstGeom>
-          <a:noFill/>
-          <a:extLst>
-            <a:ext uri="{909E8E84-426E-40DD-AFC4-6F175D3DCCD1}">
-              <a14:hiddenFill xmlns:a14="http://schemas.microsoft.com/office/drawing/2010/main">
-                <a:solidFill>
-                  <a:srgbClr val="FFFFFF"/>
-                </a:solidFill>
-              </a14:hiddenFill>
-            </a:ext>
-          </a:extLst>
-        </p:spPr>
-      </p:pic>
-    </p:spTree>
-    <p:extLst>
-      <p:ext uri="{BB962C8B-B14F-4D97-AF65-F5344CB8AC3E}">
-        <p14:creationId xmlns:p14="http://schemas.microsoft.com/office/powerpoint/2010/main" val="3582767830"/>
-      </p:ext>
-    </p:extLst>
-  </p:cSld>
-  <p:clrMapOvr>
-    <a:masterClrMapping/>
-  </p:clrMapOvr>
-</p:sld>
-</file>
-
-<file path=ppt/slides/slide17.xml><?xml version="1.0" encoding="utf-8"?>
-<p:sld xmlns:a="http://schemas.openxmlformats.org/drawingml/2006/main" xmlns:r="http://schemas.openxmlformats.org/officeDocument/2006/relationships" xmlns:p="http://schemas.openxmlformats.org/presentationml/2006/main">
-  <p:cSld>
-    <p:bg>
-      <p:bgPr>
-        <a:gradFill flip="none" rotWithShape="1">
-          <a:gsLst>
-            <a:gs pos="0">
-              <a:srgbClr val="FF0000"/>
-            </a:gs>
-            <a:gs pos="50000">
-              <a:schemeClr val="accent1">
-                <a:tint val="44500"/>
-                <a:satMod val="160000"/>
-              </a:schemeClr>
-            </a:gs>
-            <a:gs pos="100000">
-              <a:schemeClr val="accent1">
-                <a:tint val="23500"/>
-                <a:satMod val="160000"/>
-              </a:schemeClr>
-            </a:gs>
-          </a:gsLst>
-          <a:lin ang="5400000" scaled="0"/>
-          <a:tileRect/>
-        </a:gradFill>
-        <a:effectLst/>
-      </p:bgPr>
-    </p:bg>
-    <p:spTree>
-      <p:nvGrpSpPr>
-        <p:cNvPr id="1" name=""/>
-        <p:cNvGrpSpPr/>
-        <p:nvPr/>
-      </p:nvGrpSpPr>
-      <p:grpSpPr>
-        <a:xfrm>
-          <a:off x="0" y="0"/>
-          <a:ext cx="0" cy="0"/>
-          <a:chOff x="0" y="0"/>
-          <a:chExt cx="0" cy="0"/>
-        </a:xfrm>
-      </p:grpSpPr>
-      <p:sp>
-        <p:nvSpPr>
-          <p:cNvPr id="2" name="Titel 1"/>
-          <p:cNvSpPr>
-            <a:spLocks noGrp="1"/>
-          </p:cNvSpPr>
-          <p:nvPr>
-            <p:ph type="title"/>
-          </p:nvPr>
-        </p:nvSpPr>
-        <p:spPr/>
-        <p:txBody>
-          <a:bodyPr/>
-          <a:lstStyle/>
-          <a:p>
-            <a:r>
-              <a:rPr lang="de-CH" dirty="0" smtClean="0"/>
-              <a:t>Rhodes</a:t>
-            </a:r>
-            <a:endParaRPr lang="de-CH" dirty="0"/>
-          </a:p>
-        </p:txBody>
-      </p:sp>
-      <p:sp>
-        <p:nvSpPr>
-          <p:cNvPr id="3" name="Inhaltsplatzhalter 2"/>
-          <p:cNvSpPr>
-            <a:spLocks noGrp="1"/>
-          </p:cNvSpPr>
-          <p:nvPr>
-            <p:ph idx="1"/>
-          </p:nvPr>
-        </p:nvSpPr>
-        <p:spPr/>
-        <p:txBody>
-          <a:bodyPr/>
-          <a:lstStyle/>
-          <a:p>
-            <a:endParaRPr lang="de-CH" dirty="0"/>
-          </a:p>
-        </p:txBody>
-      </p:sp>
-      <p:pic>
-        <p:nvPicPr>
-          <p:cNvPr id="5122" name="Picture 2" descr="F:\Schule\HSZ-T\3. Jahr\Handheld\Semesterarbeit\Handheld_Repo\Media\Rhodes\startup03.jpg"/>
-          <p:cNvPicPr>
-            <a:picLocks noChangeAspect="1" noChangeArrowheads="1"/>
-          </p:cNvPicPr>
-          <p:nvPr/>
-        </p:nvPicPr>
-        <p:blipFill rotWithShape="1">
-          <a:blip r:embed="rId2" cstate="print">
-            <a:extLst>
-              <a:ext uri="{28A0092B-C50C-407E-A947-70E740481C1C}">
-                <a14:useLocalDpi xmlns:a14="http://schemas.microsoft.com/office/drawing/2010/main" val="0"/>
-              </a:ext>
-            </a:extLst>
-          </a:blip>
-          <a:srcRect l="16398" t="22604" r="19436" b="21100"/>
-          <a:stretch/>
-        </p:blipFill>
-        <p:spPr bwMode="auto">
-          <a:xfrm>
-            <a:off x="323528" y="332656"/>
-            <a:ext cx="1615916" cy="1063287"/>
-          </a:xfrm>
-          <a:prstGeom prst="rect">
-            <a:avLst/>
-          </a:prstGeom>
-          <a:noFill/>
-          <a:extLst>
-            <a:ext uri="{909E8E84-426E-40DD-AFC4-6F175D3DCCD1}">
-              <a14:hiddenFill xmlns:a14="http://schemas.microsoft.com/office/drawing/2010/main">
-                <a:solidFill>
-                  <a:srgbClr val="FFFFFF"/>
-                </a:solidFill>
-              </a14:hiddenFill>
-            </a:ext>
-          </a:extLst>
-        </p:spPr>
-      </p:pic>
-    </p:spTree>
-    <p:extLst>
-      <p:ext uri="{BB962C8B-B14F-4D97-AF65-F5344CB8AC3E}">
-        <p14:creationId xmlns:p14="http://schemas.microsoft.com/office/powerpoint/2010/main" val="116644809"/>
-      </p:ext>
-    </p:extLst>
-  </p:cSld>
-  <p:clrMapOvr>
-    <a:masterClrMapping/>
-  </p:clrMapOvr>
-</p:sld>
-</file>
-
-<file path=ppt/slides/slide18.xml><?xml version="1.0" encoding="utf-8"?>
 <p:sld xmlns:a="http://schemas.openxmlformats.org/drawingml/2006/main" xmlns:r="http://schemas.openxmlformats.org/officeDocument/2006/relationships" xmlns:p="http://schemas.openxmlformats.org/presentationml/2006/main">
   <p:cSld>
     <p:bg>
@@ -4368,10 +3803,17 @@
   <p:clrMapOvr>
     <a:masterClrMapping/>
   </p:clrMapOvr>
+  <p:timing>
+    <p:tnLst>
+      <p:par>
+        <p:cTn id="1" dur="indefinite" restart="never" nodeType="tmRoot"/>
+      </p:par>
+    </p:tnLst>
+  </p:timing>
 </p:sld>
 </file>
 
-<file path=ppt/slides/slide19.xml><?xml version="1.0" encoding="utf-8"?>
+<file path=ppt/slides/slide15.xml><?xml version="1.0" encoding="utf-8"?>
 <p:sld xmlns:a="http://schemas.openxmlformats.org/drawingml/2006/main" xmlns:r="http://schemas.openxmlformats.org/officeDocument/2006/relationships" xmlns:p="http://schemas.openxmlformats.org/presentationml/2006/main">
   <p:cSld>
     <p:bg>
@@ -4512,170 +3954,6 @@
   <p:clrMapOvr>
     <a:masterClrMapping/>
   </p:clrMapOvr>
-</p:sld>
-</file>
-
-<file path=ppt/slides/slide2.xml><?xml version="1.0" encoding="utf-8"?>
-<p:sld xmlns:a="http://schemas.openxmlformats.org/drawingml/2006/main" xmlns:r="http://schemas.openxmlformats.org/officeDocument/2006/relationships" xmlns:p="http://schemas.openxmlformats.org/presentationml/2006/main">
-  <p:cSld>
-    <p:spTree>
-      <p:nvGrpSpPr>
-        <p:cNvPr id="1" name=""/>
-        <p:cNvGrpSpPr/>
-        <p:nvPr/>
-      </p:nvGrpSpPr>
-      <p:grpSpPr>
-        <a:xfrm>
-          <a:off x="0" y="0"/>
-          <a:ext cx="0" cy="0"/>
-          <a:chOff x="0" y="0"/>
-          <a:chExt cx="0" cy="0"/>
-        </a:xfrm>
-      </p:grpSpPr>
-      <p:sp>
-        <p:nvSpPr>
-          <p:cNvPr id="2" name="Titel 1"/>
-          <p:cNvSpPr>
-            <a:spLocks noGrp="1"/>
-          </p:cNvSpPr>
-          <p:nvPr>
-            <p:ph type="title"/>
-          </p:nvPr>
-        </p:nvSpPr>
-        <p:spPr/>
-        <p:txBody>
-          <a:bodyPr/>
-          <a:lstStyle/>
-          <a:p>
-            <a:r>
-              <a:rPr lang="de-CH" dirty="0" smtClean="0"/>
-              <a:t>Inhalt</a:t>
-            </a:r>
-            <a:endParaRPr lang="de-CH" dirty="0"/>
-          </a:p>
-        </p:txBody>
-      </p:sp>
-      <p:sp>
-        <p:nvSpPr>
-          <p:cNvPr id="3" name="Inhaltsplatzhalter 2"/>
-          <p:cNvSpPr>
-            <a:spLocks noGrp="1"/>
-          </p:cNvSpPr>
-          <p:nvPr>
-            <p:ph idx="1"/>
-          </p:nvPr>
-        </p:nvSpPr>
-        <p:spPr/>
-        <p:txBody>
-          <a:bodyPr/>
-          <a:lstStyle/>
-          <a:p>
-            <a:r>
-              <a:rPr lang="de-CH" dirty="0" smtClean="0"/>
-              <a:t>Evaluation der Frameworks</a:t>
-            </a:r>
-          </a:p>
-          <a:p>
-            <a:pPr lvl="1"/>
-            <a:r>
-              <a:rPr lang="de-CH" dirty="0" smtClean="0"/>
-              <a:t>Kriterien</a:t>
-            </a:r>
-          </a:p>
-          <a:p>
-            <a:pPr lvl="1"/>
-            <a:r>
-              <a:rPr lang="de-CH" dirty="0" smtClean="0"/>
-              <a:t>Vorstellung der Frameworks: </a:t>
-            </a:r>
-            <a:r>
-              <a:rPr lang="de-CH" dirty="0" err="1" smtClean="0"/>
-              <a:t>jQPad</a:t>
-            </a:r>
-            <a:r>
-              <a:rPr lang="de-CH" dirty="0" smtClean="0"/>
-              <a:t>, XUI, </a:t>
-            </a:r>
-            <a:r>
-              <a:rPr lang="de-CH" dirty="0" err="1" smtClean="0"/>
-              <a:t>iWebKit</a:t>
-            </a:r>
-            <a:r>
-              <a:rPr lang="de-CH" dirty="0" smtClean="0"/>
-              <a:t>, </a:t>
-            </a:r>
-            <a:r>
-              <a:rPr lang="de-CH" dirty="0" err="1" smtClean="0"/>
-              <a:t>iUI</a:t>
-            </a:r>
-            <a:r>
-              <a:rPr lang="de-CH" dirty="0" smtClean="0"/>
-              <a:t>, Rhodes, </a:t>
-            </a:r>
-            <a:r>
-              <a:rPr lang="de-CH" dirty="0" err="1" smtClean="0"/>
-              <a:t>Appcelerator</a:t>
-            </a:r>
-            <a:r>
-              <a:rPr lang="de-CH" dirty="0" smtClean="0"/>
-              <a:t> </a:t>
-            </a:r>
-            <a:r>
-              <a:rPr lang="de-CH" dirty="0" err="1" smtClean="0"/>
-              <a:t>Titanium</a:t>
-            </a:r>
-            <a:r>
-              <a:rPr lang="de-CH" dirty="0" smtClean="0"/>
-              <a:t>, Sproutcore Touch, </a:t>
-            </a:r>
-            <a:r>
-              <a:rPr lang="de-CH" dirty="0" err="1" smtClean="0"/>
-              <a:t>Sencha</a:t>
-            </a:r>
-            <a:r>
-              <a:rPr lang="de-CH" dirty="0" smtClean="0"/>
-              <a:t> Touch, </a:t>
-            </a:r>
-            <a:r>
-              <a:rPr lang="de-CH" dirty="0" err="1" smtClean="0"/>
-              <a:t>jQuery</a:t>
-            </a:r>
-            <a:r>
-              <a:rPr lang="de-CH" dirty="0" smtClean="0"/>
-              <a:t> Mobile, </a:t>
-            </a:r>
-            <a:r>
-              <a:rPr lang="de-CH" dirty="0" err="1" smtClean="0"/>
-              <a:t>Phonegap</a:t>
-            </a:r>
-            <a:endParaRPr lang="de-CH" dirty="0" smtClean="0"/>
-          </a:p>
-          <a:p>
-            <a:r>
-              <a:rPr lang="de-CH" dirty="0" smtClean="0"/>
-              <a:t>Lupen-App</a:t>
-            </a:r>
-          </a:p>
-          <a:p>
-            <a:pPr lvl="1"/>
-            <a:r>
-              <a:rPr lang="de-CH" dirty="0" smtClean="0"/>
-              <a:t>???</a:t>
-            </a:r>
-            <a:endParaRPr lang="de-CH" dirty="0"/>
-          </a:p>
-        </p:txBody>
-      </p:sp>
-    </p:spTree>
-    <p:extLst>
-      <p:ext uri="{BB962C8B-B14F-4D97-AF65-F5344CB8AC3E}">
-        <p14:creationId xmlns:p14="http://schemas.microsoft.com/office/powerpoint/2010/main" val="984183737"/>
-      </p:ext>
-    </p:extLst>
-  </p:cSld>
-  <p:clrMapOvr>
-    <a:masterClrMapping/>
-  </p:clrMapOvr>
   <p:timing>
     <p:tnLst>
       <p:par>
@@ -4686,7 +3964,7 @@
 </p:sld>
 </file>
 
-<file path=ppt/slides/slide20.xml><?xml version="1.0" encoding="utf-8"?>
+<file path=ppt/slides/slide16.xml><?xml version="1.0" encoding="utf-8"?>
 <p:sld xmlns:a="http://schemas.openxmlformats.org/drawingml/2006/main" xmlns:r="http://schemas.openxmlformats.org/officeDocument/2006/relationships" xmlns:p="http://schemas.openxmlformats.org/presentationml/2006/main">
   <p:cSld>
     <p:bg>
@@ -4831,10 +4109,17 @@
   <p:clrMapOvr>
     <a:masterClrMapping/>
   </p:clrMapOvr>
+  <p:timing>
+    <p:tnLst>
+      <p:par>
+        <p:cTn id="1" dur="indefinite" restart="never" nodeType="tmRoot"/>
+      </p:par>
+    </p:tnLst>
+  </p:timing>
 </p:sld>
 </file>
 
-<file path=ppt/slides/slide21.xml><?xml version="1.0" encoding="utf-8"?>
+<file path=ppt/slides/slide17.xml><?xml version="1.0" encoding="utf-8"?>
 <p:sld xmlns:a="http://schemas.openxmlformats.org/drawingml/2006/main" xmlns:r="http://schemas.openxmlformats.org/officeDocument/2006/relationships" xmlns:p="http://schemas.openxmlformats.org/presentationml/2006/main">
   <p:cSld>
     <p:spTree>
@@ -4953,10 +4238,17 @@
   <p:clrMapOvr>
     <a:masterClrMapping/>
   </p:clrMapOvr>
+  <p:timing>
+    <p:tnLst>
+      <p:par>
+        <p:cTn id="1" dur="indefinite" restart="never" nodeType="tmRoot"/>
+      </p:par>
+    </p:tnLst>
+  </p:timing>
 </p:sld>
 </file>
 
-<file path=ppt/slides/slide22.xml><?xml version="1.0" encoding="utf-8"?>
+<file path=ppt/slides/slide18.xml><?xml version="1.0" encoding="utf-8"?>
 <p:sld xmlns:a="http://schemas.openxmlformats.org/drawingml/2006/main" xmlns:r="http://schemas.openxmlformats.org/officeDocument/2006/relationships" xmlns:p="http://schemas.openxmlformats.org/presentationml/2006/main">
   <p:cSld>
     <p:bg>
@@ -5095,10 +4387,17 @@
   <p:clrMapOvr>
     <a:masterClrMapping/>
   </p:clrMapOvr>
+  <p:timing>
+    <p:tnLst>
+      <p:par>
+        <p:cTn id="1" dur="indefinite" restart="never" nodeType="tmRoot"/>
+      </p:par>
+    </p:tnLst>
+  </p:timing>
 </p:sld>
 </file>
 
-<file path=ppt/slides/slide23.xml><?xml version="1.0" encoding="utf-8"?>
+<file path=ppt/slides/slide19.xml><?xml version="1.0" encoding="utf-8"?>
 <p:sld xmlns:a="http://schemas.openxmlformats.org/drawingml/2006/main" xmlns:r="http://schemas.openxmlformats.org/officeDocument/2006/relationships" xmlns:p="http://schemas.openxmlformats.org/presentationml/2006/main">
   <p:cSld>
     <p:spTree>
@@ -5132,7 +4431,7 @@
           <a:p>
             <a:r>
               <a:rPr lang="de-CH" dirty="0" smtClean="0"/>
-              <a:t>Lupen-Applikation</a:t>
+              <a:t>Lupen-Applikation - Facts</a:t>
             </a:r>
             <a:endParaRPr lang="de-CH" dirty="0"/>
           </a:p>
@@ -5216,7 +4515,7 @@
 </p:sld>
 </file>
 
-<file path=ppt/slides/slide24.xml><?xml version="1.0" encoding="utf-8"?>
+<file path=ppt/slides/slide2.xml><?xml version="1.0" encoding="utf-8"?>
 <p:sld xmlns:a="http://schemas.openxmlformats.org/drawingml/2006/main" xmlns:r="http://schemas.openxmlformats.org/officeDocument/2006/relationships" xmlns:p="http://schemas.openxmlformats.org/presentationml/2006/main">
   <p:cSld>
     <p:spTree>
@@ -5250,7 +4549,189 @@
           <a:p>
             <a:r>
               <a:rPr lang="de-CH" dirty="0" smtClean="0"/>
-              <a:t>Lupen-Applikation</a:t>
+              <a:t>Inhalt</a:t>
+            </a:r>
+            <a:endParaRPr lang="de-CH" dirty="0"/>
+          </a:p>
+        </p:txBody>
+      </p:sp>
+      <p:sp>
+        <p:nvSpPr>
+          <p:cNvPr id="3" name="Inhaltsplatzhalter 2"/>
+          <p:cNvSpPr>
+            <a:spLocks noGrp="1"/>
+          </p:cNvSpPr>
+          <p:nvPr>
+            <p:ph idx="1"/>
+          </p:nvPr>
+        </p:nvSpPr>
+        <p:spPr/>
+        <p:txBody>
+          <a:bodyPr/>
+          <a:lstStyle/>
+          <a:p>
+            <a:r>
+              <a:rPr lang="de-CH" dirty="0" smtClean="0"/>
+              <a:t>Evaluation der Frameworks</a:t>
+            </a:r>
+          </a:p>
+          <a:p>
+            <a:pPr lvl="1"/>
+            <a:r>
+              <a:rPr lang="de-CH" dirty="0" smtClean="0"/>
+              <a:t>Kriterien</a:t>
+            </a:r>
+          </a:p>
+          <a:p>
+            <a:pPr lvl="1"/>
+            <a:r>
+              <a:rPr lang="de-CH" dirty="0" smtClean="0"/>
+              <a:t>Short 5 Evaluation: </a:t>
+            </a:r>
+            <a:r>
+              <a:rPr lang="de-CH" dirty="0" err="1" smtClean="0"/>
+              <a:t>jQPad</a:t>
+            </a:r>
+            <a:r>
+              <a:rPr lang="de-CH" dirty="0" smtClean="0"/>
+              <a:t>, XUI, </a:t>
+            </a:r>
+            <a:r>
+              <a:rPr lang="de-CH" dirty="0" err="1" smtClean="0"/>
+              <a:t>iWebKit</a:t>
+            </a:r>
+            <a:r>
+              <a:rPr lang="de-CH" dirty="0" smtClean="0"/>
+              <a:t>, </a:t>
+            </a:r>
+            <a:r>
+              <a:rPr lang="de-CH" dirty="0" err="1" smtClean="0"/>
+              <a:t>iUI</a:t>
+            </a:r>
+            <a:r>
+              <a:rPr lang="de-CH" dirty="0" smtClean="0"/>
+              <a:t>, </a:t>
+            </a:r>
+            <a:r>
+              <a:rPr lang="de-CH" dirty="0" smtClean="0"/>
+              <a:t>Rhodes</a:t>
+            </a:r>
+          </a:p>
+          <a:p>
+            <a:pPr lvl="1"/>
+            <a:r>
+              <a:rPr lang="de-CH" dirty="0" smtClean="0"/>
+              <a:t>Evaluation: </a:t>
+            </a:r>
+            <a:r>
+              <a:rPr lang="de-CH" dirty="0" err="1" smtClean="0"/>
+              <a:t>Appcelerator</a:t>
+            </a:r>
+            <a:r>
+              <a:rPr lang="de-CH" dirty="0" smtClean="0"/>
+              <a:t> </a:t>
+            </a:r>
+            <a:r>
+              <a:rPr lang="de-CH" dirty="0" err="1" smtClean="0"/>
+              <a:t>Titanium</a:t>
+            </a:r>
+            <a:r>
+              <a:rPr lang="de-CH" dirty="0" smtClean="0"/>
+              <a:t>, Sproutcore Touch, </a:t>
+            </a:r>
+            <a:r>
+              <a:rPr lang="de-CH" dirty="0" err="1" smtClean="0"/>
+              <a:t>Sencha</a:t>
+            </a:r>
+            <a:r>
+              <a:rPr lang="de-CH" dirty="0" smtClean="0"/>
+              <a:t> Touch, </a:t>
+            </a:r>
+            <a:r>
+              <a:rPr lang="de-CH" dirty="0" err="1" smtClean="0"/>
+              <a:t>jQuery</a:t>
+            </a:r>
+            <a:r>
+              <a:rPr lang="de-CH" dirty="0" smtClean="0"/>
+              <a:t> Mobile, </a:t>
+            </a:r>
+            <a:r>
+              <a:rPr lang="de-CH" dirty="0" err="1" smtClean="0"/>
+              <a:t>Phonegap</a:t>
+            </a:r>
+            <a:endParaRPr lang="de-CH" dirty="0" smtClean="0"/>
+          </a:p>
+          <a:p>
+            <a:r>
+              <a:rPr lang="de-CH" dirty="0" smtClean="0"/>
+              <a:t>Lupen-App</a:t>
+            </a:r>
+          </a:p>
+          <a:p>
+            <a:pPr lvl="1"/>
+            <a:r>
+              <a:rPr lang="de-CH" dirty="0" smtClean="0"/>
+              <a:t>???</a:t>
+            </a:r>
+            <a:endParaRPr lang="de-CH" dirty="0"/>
+          </a:p>
+        </p:txBody>
+      </p:sp>
+    </p:spTree>
+    <p:extLst>
+      <p:ext uri="{BB962C8B-B14F-4D97-AF65-F5344CB8AC3E}">
+        <p14:creationId xmlns:p14="http://schemas.microsoft.com/office/powerpoint/2010/main" val="984183737"/>
+      </p:ext>
+    </p:extLst>
+  </p:cSld>
+  <p:clrMapOvr>
+    <a:masterClrMapping/>
+  </p:clrMapOvr>
+  <p:timing>
+    <p:tnLst>
+      <p:par>
+        <p:cTn id="1" dur="indefinite" restart="never" nodeType="tmRoot"/>
+      </p:par>
+    </p:tnLst>
+  </p:timing>
+</p:sld>
+</file>
+
+<file path=ppt/slides/slide20.xml><?xml version="1.0" encoding="utf-8"?>
+<p:sld xmlns:a="http://schemas.openxmlformats.org/drawingml/2006/main" xmlns:r="http://schemas.openxmlformats.org/officeDocument/2006/relationships" xmlns:p="http://schemas.openxmlformats.org/presentationml/2006/main">
+  <p:cSld>
+    <p:spTree>
+      <p:nvGrpSpPr>
+        <p:cNvPr id="1" name=""/>
+        <p:cNvGrpSpPr/>
+        <p:nvPr/>
+      </p:nvGrpSpPr>
+      <p:grpSpPr>
+        <a:xfrm>
+          <a:off x="0" y="0"/>
+          <a:ext cx="0" cy="0"/>
+          <a:chOff x="0" y="0"/>
+          <a:chExt cx="0" cy="0"/>
+        </a:xfrm>
+      </p:grpSpPr>
+      <p:sp>
+        <p:nvSpPr>
+          <p:cNvPr id="2" name="Titel 1"/>
+          <p:cNvSpPr>
+            <a:spLocks noGrp="1"/>
+          </p:cNvSpPr>
+          <p:nvPr>
+            <p:ph type="title"/>
+          </p:nvPr>
+        </p:nvSpPr>
+        <p:spPr/>
+        <p:txBody>
+          <a:bodyPr/>
+          <a:lstStyle/>
+          <a:p>
+            <a:r>
+              <a:rPr lang="de-CH" dirty="0" smtClean="0"/>
+              <a:t>Lupen-Applikation - Demo</a:t>
             </a:r>
             <a:endParaRPr lang="de-CH" dirty="0"/>
           </a:p>
@@ -5336,7 +4817,7 @@
 </p:sld>
 </file>
 
-<file path=ppt/slides/slide25.xml><?xml version="1.0" encoding="utf-8"?>
+<file path=ppt/slides/slide21.xml><?xml version="1.0" encoding="utf-8"?>
 <p:sld xmlns:a="http://schemas.openxmlformats.org/drawingml/2006/main" xmlns:r="http://schemas.openxmlformats.org/officeDocument/2006/relationships" xmlns:p="http://schemas.openxmlformats.org/presentationml/2006/main">
   <p:cSld>
     <p:spTree>
@@ -5457,6 +4938,139 @@
   <p:clrMapOvr>
     <a:masterClrMapping/>
   </p:clrMapOvr>
+  <p:timing>
+    <p:tnLst>
+      <p:par>
+        <p:cTn id="1" dur="indefinite" restart="never" nodeType="tmRoot"/>
+      </p:par>
+    </p:tnLst>
+  </p:timing>
+</p:sld>
+</file>
+
+<file path=ppt/slides/slide22.xml><?xml version="1.0" encoding="utf-8"?>
+<p:sld xmlns:a="http://schemas.openxmlformats.org/drawingml/2006/main" xmlns:r="http://schemas.openxmlformats.org/officeDocument/2006/relationships" xmlns:p="http://schemas.openxmlformats.org/presentationml/2006/main">
+  <p:cSld>
+    <p:spTree>
+      <p:nvGrpSpPr>
+        <p:cNvPr id="1" name=""/>
+        <p:cNvGrpSpPr/>
+        <p:nvPr/>
+      </p:nvGrpSpPr>
+      <p:grpSpPr>
+        <a:xfrm>
+          <a:off x="0" y="0"/>
+          <a:ext cx="0" cy="0"/>
+          <a:chOff x="0" y="0"/>
+          <a:chExt cx="0" cy="0"/>
+        </a:xfrm>
+      </p:grpSpPr>
+      <p:sp>
+        <p:nvSpPr>
+          <p:cNvPr id="2" name="Titel 1"/>
+          <p:cNvSpPr>
+            <a:spLocks noGrp="1"/>
+          </p:cNvSpPr>
+          <p:nvPr>
+            <p:ph type="title"/>
+          </p:nvPr>
+        </p:nvSpPr>
+        <p:spPr/>
+        <p:txBody>
+          <a:bodyPr/>
+          <a:lstStyle/>
+          <a:p>
+            <a:r>
+              <a:rPr lang="de-CH" dirty="0" smtClean="0"/>
+              <a:t>Ende – F&amp;A</a:t>
+            </a:r>
+            <a:endParaRPr lang="de-CH" dirty="0"/>
+          </a:p>
+        </p:txBody>
+      </p:sp>
+      <p:pic>
+        <p:nvPicPr>
+          <p:cNvPr id="4" name="Picture 2"/>
+          <p:cNvPicPr>
+            <a:picLocks noGrp="1" noChangeAspect="1" noChangeArrowheads="1"/>
+          </p:cNvPicPr>
+          <p:nvPr>
+            <p:ph idx="1"/>
+          </p:nvPr>
+        </p:nvPicPr>
+        <p:blipFill>
+          <a:blip r:embed="rId2">
+            <a:extLst>
+              <a:ext uri="{28A0092B-C50C-407E-A947-70E740481C1C}">
+                <a14:useLocalDpi xmlns:a14="http://schemas.microsoft.com/office/drawing/2010/main" val="0"/>
+              </a:ext>
+            </a:extLst>
+          </a:blip>
+          <a:srcRect/>
+          <a:stretch>
+            <a:fillRect/>
+          </a:stretch>
+        </p:blipFill>
+        <p:spPr bwMode="auto">
+          <a:xfrm>
+            <a:off x="2843808" y="1340768"/>
+            <a:ext cx="3490118" cy="3826515"/>
+          </a:xfrm>
+          <a:prstGeom prst="rect">
+            <a:avLst/>
+          </a:prstGeom>
+          <a:noFill/>
+          <a:ln>
+            <a:noFill/>
+          </a:ln>
+          <a:effectLst/>
+          <a:extLst>
+            <a:ext uri="{909E8E84-426E-40DD-AFC4-6F175D3DCCD1}">
+              <a14:hiddenFill xmlns:a14="http://schemas.microsoft.com/office/drawing/2010/main">
+                <a:solidFill>
+                  <a:schemeClr val="accent1"/>
+                </a:solidFill>
+              </a14:hiddenFill>
+            </a:ext>
+            <a:ext uri="{91240B29-F687-4F45-9708-019B960494DF}">
+              <a14:hiddenLine xmlns:a14="http://schemas.microsoft.com/office/drawing/2010/main" w="9525">
+                <a:solidFill>
+                  <a:schemeClr val="tx1"/>
+                </a:solidFill>
+                <a:miter lim="800000"/>
+                <a:headEnd/>
+                <a:tailEnd/>
+              </a14:hiddenLine>
+            </a:ext>
+            <a:ext uri="{AF507438-7753-43E0-B8FC-AC1667EBCBE1}">
+              <a14:hiddenEffects xmlns:a14="http://schemas.microsoft.com/office/drawing/2010/main">
+                <a:effectLst>
+                  <a:outerShdw dist="35921" dir="2700000" algn="ctr" rotWithShape="0">
+                    <a:schemeClr val="bg2"/>
+                  </a:outerShdw>
+                </a:effectLst>
+              </a14:hiddenEffects>
+            </a:ext>
+          </a:extLst>
+        </p:spPr>
+      </p:pic>
+    </p:spTree>
+    <p:extLst>
+      <p:ext uri="{BB962C8B-B14F-4D97-AF65-F5344CB8AC3E}">
+        <p14:creationId xmlns:p14="http://schemas.microsoft.com/office/powerpoint/2010/main" val="3506230833"/>
+      </p:ext>
+    </p:extLst>
+  </p:cSld>
+  <p:clrMapOvr>
+    <a:masterClrMapping/>
+  </p:clrMapOvr>
+  <p:timing>
+    <p:tnLst>
+      <p:par>
+        <p:cTn id="1" dur="indefinite" restart="never" nodeType="tmRoot"/>
+      </p:par>
+    </p:tnLst>
+  </p:timing>
 </p:sld>
 </file>
 
@@ -5535,8 +5149,13 @@
           <a:p>
             <a:r>
               <a:rPr lang="de-CH" dirty="0" smtClean="0"/>
-              <a:t>Kriterium «spezielles» für unvorhergesehenes</a:t>
-            </a:r>
+              <a:t>Kriterium «spezielles» für </a:t>
+            </a:r>
+            <a:r>
+              <a:rPr lang="de-CH" dirty="0" smtClean="0"/>
+              <a:t>Unvorhergesehenes</a:t>
+            </a:r>
+            <a:endParaRPr lang="de-CH" dirty="0" smtClean="0"/>
           </a:p>
           <a:p>
             <a:endParaRPr lang="de-CH" dirty="0"/>

--- a/Documents/10_Frameworks_Presentation.pptx
+++ b/Documents/10_Frameworks_Presentation.pptx
@@ -4,6 +4,9 @@
   <p:sldMasterIdLst>
     <p:sldMasterId id="2147483648" r:id="rId1"/>
   </p:sldMasterIdLst>
+  <p:notesMasterIdLst>
+    <p:notesMasterId r:id="rId28"/>
+  </p:notesMasterIdLst>
   <p:sldIdLst>
     <p:sldId id="256" r:id="rId2"/>
     <p:sldId id="257" r:id="rId3"/>
@@ -19,14 +22,18 @@
     <p:sldId id="266" r:id="rId13"/>
     <p:sldId id="282" r:id="rId14"/>
     <p:sldId id="273" r:id="rId15"/>
-    <p:sldId id="274" r:id="rId16"/>
-    <p:sldId id="275" r:id="rId17"/>
-    <p:sldId id="276" r:id="rId18"/>
-    <p:sldId id="277" r:id="rId19"/>
-    <p:sldId id="278" r:id="rId20"/>
-    <p:sldId id="279" r:id="rId21"/>
-    <p:sldId id="280" r:id="rId22"/>
-    <p:sldId id="281" r:id="rId23"/>
+    <p:sldId id="283" r:id="rId16"/>
+    <p:sldId id="284" r:id="rId17"/>
+    <p:sldId id="274" r:id="rId18"/>
+    <p:sldId id="285" r:id="rId19"/>
+    <p:sldId id="286" r:id="rId20"/>
+    <p:sldId id="275" r:id="rId21"/>
+    <p:sldId id="276" r:id="rId22"/>
+    <p:sldId id="277" r:id="rId23"/>
+    <p:sldId id="278" r:id="rId24"/>
+    <p:sldId id="279" r:id="rId25"/>
+    <p:sldId id="280" r:id="rId26"/>
+    <p:sldId id="281" r:id="rId27"/>
   </p:sldIdLst>
   <p:sldSz cx="9144000" cy="6858000" type="screen4x3"/>
   <p:notesSz cx="6858000" cy="9144000"/>
@@ -128,6 +135,929 @@
 </p:presentation>
 </file>
 
+<file path=ppt/notesMasters/notesMaster1.xml><?xml version="1.0" encoding="utf-8"?>
+<p:notesMaster xmlns:a="http://schemas.openxmlformats.org/drawingml/2006/main" xmlns:r="http://schemas.openxmlformats.org/officeDocument/2006/relationships" xmlns:p="http://schemas.openxmlformats.org/presentationml/2006/main">
+  <p:cSld>
+    <p:bg>
+      <p:bgRef idx="1001">
+        <a:schemeClr val="bg1"/>
+      </p:bgRef>
+    </p:bg>
+    <p:spTree>
+      <p:nvGrpSpPr>
+        <p:cNvPr id="1" name=""/>
+        <p:cNvGrpSpPr/>
+        <p:nvPr/>
+      </p:nvGrpSpPr>
+      <p:grpSpPr>
+        <a:xfrm>
+          <a:off x="0" y="0"/>
+          <a:ext cx="0" cy="0"/>
+          <a:chOff x="0" y="0"/>
+          <a:chExt cx="0" cy="0"/>
+        </a:xfrm>
+      </p:grpSpPr>
+      <p:sp>
+        <p:nvSpPr>
+          <p:cNvPr id="2" name="Kopfzeilenplatzhalter 1"/>
+          <p:cNvSpPr>
+            <a:spLocks noGrp="1"/>
+          </p:cNvSpPr>
+          <p:nvPr>
+            <p:ph type="hdr" sz="quarter"/>
+          </p:nvPr>
+        </p:nvSpPr>
+        <p:spPr>
+          <a:xfrm>
+            <a:off x="0" y="0"/>
+            <a:ext cx="2971800" cy="457200"/>
+          </a:xfrm>
+          <a:prstGeom prst="rect">
+            <a:avLst/>
+          </a:prstGeom>
+        </p:spPr>
+        <p:txBody>
+          <a:bodyPr vert="horz" lIns="91440" tIns="45720" rIns="91440" bIns="45720" rtlCol="0"/>
+          <a:lstStyle>
+            <a:lvl1pPr algn="l">
+              <a:defRPr sz="1200"/>
+            </a:lvl1pPr>
+          </a:lstStyle>
+          <a:p>
+            <a:endParaRPr lang="de-CH"/>
+          </a:p>
+        </p:txBody>
+      </p:sp>
+      <p:sp>
+        <p:nvSpPr>
+          <p:cNvPr id="3" name="Datumsplatzhalter 2"/>
+          <p:cNvSpPr>
+            <a:spLocks noGrp="1"/>
+          </p:cNvSpPr>
+          <p:nvPr>
+            <p:ph type="dt" idx="1"/>
+          </p:nvPr>
+        </p:nvSpPr>
+        <p:spPr>
+          <a:xfrm>
+            <a:off x="3884613" y="0"/>
+            <a:ext cx="2971800" cy="457200"/>
+          </a:xfrm>
+          <a:prstGeom prst="rect">
+            <a:avLst/>
+          </a:prstGeom>
+        </p:spPr>
+        <p:txBody>
+          <a:bodyPr vert="horz" lIns="91440" tIns="45720" rIns="91440" bIns="45720" rtlCol="0"/>
+          <a:lstStyle>
+            <a:lvl1pPr algn="r">
+              <a:defRPr sz="1200"/>
+            </a:lvl1pPr>
+          </a:lstStyle>
+          <a:p>
+            <a:fld id="{8E3776DB-D0D7-49CC-A746-59C36186F7D2}" type="datetimeFigureOut">
+              <a:rPr lang="de-CH" smtClean="0"/>
+              <a:t>03.01.2013</a:t>
+            </a:fld>
+            <a:endParaRPr lang="de-CH"/>
+          </a:p>
+        </p:txBody>
+      </p:sp>
+      <p:sp>
+        <p:nvSpPr>
+          <p:cNvPr id="4" name="Folienbildplatzhalter 3"/>
+          <p:cNvSpPr>
+            <a:spLocks noGrp="1" noRot="1" noChangeAspect="1"/>
+          </p:cNvSpPr>
+          <p:nvPr>
+            <p:ph type="sldImg" idx="2"/>
+          </p:nvPr>
+        </p:nvSpPr>
+        <p:spPr>
+          <a:xfrm>
+            <a:off x="1143000" y="685800"/>
+            <a:ext cx="4572000" cy="3429000"/>
+          </a:xfrm>
+          <a:prstGeom prst="rect">
+            <a:avLst/>
+          </a:prstGeom>
+          <a:noFill/>
+          <a:ln w="12700">
+            <a:solidFill>
+              <a:prstClr val="black"/>
+            </a:solidFill>
+          </a:ln>
+        </p:spPr>
+        <p:txBody>
+          <a:bodyPr vert="horz" lIns="91440" tIns="45720" rIns="91440" bIns="45720" rtlCol="0" anchor="ctr"/>
+          <a:lstStyle/>
+          <a:p>
+            <a:endParaRPr lang="de-CH"/>
+          </a:p>
+        </p:txBody>
+      </p:sp>
+      <p:sp>
+        <p:nvSpPr>
+          <p:cNvPr id="5" name="Notizenplatzhalter 4"/>
+          <p:cNvSpPr>
+            <a:spLocks noGrp="1"/>
+          </p:cNvSpPr>
+          <p:nvPr>
+            <p:ph type="body" sz="quarter" idx="3"/>
+          </p:nvPr>
+        </p:nvSpPr>
+        <p:spPr>
+          <a:xfrm>
+            <a:off x="685800" y="4343400"/>
+            <a:ext cx="5486400" cy="4114800"/>
+          </a:xfrm>
+          <a:prstGeom prst="rect">
+            <a:avLst/>
+          </a:prstGeom>
+        </p:spPr>
+        <p:txBody>
+          <a:bodyPr vert="horz" lIns="91440" tIns="45720" rIns="91440" bIns="45720" rtlCol="0"/>
+          <a:lstStyle/>
+          <a:p>
+            <a:pPr lvl="0"/>
+            <a:r>
+              <a:rPr lang="de-DE" smtClean="0"/>
+              <a:t>Textmasterformat bearbeiten</a:t>
+            </a:r>
+          </a:p>
+          <a:p>
+            <a:pPr lvl="1"/>
+            <a:r>
+              <a:rPr lang="de-DE" smtClean="0"/>
+              <a:t>Zweite Ebene</a:t>
+            </a:r>
+          </a:p>
+          <a:p>
+            <a:pPr lvl="2"/>
+            <a:r>
+              <a:rPr lang="de-DE" smtClean="0"/>
+              <a:t>Dritte Ebene</a:t>
+            </a:r>
+          </a:p>
+          <a:p>
+            <a:pPr lvl="3"/>
+            <a:r>
+              <a:rPr lang="de-DE" smtClean="0"/>
+              <a:t>Vierte Ebene</a:t>
+            </a:r>
+          </a:p>
+          <a:p>
+            <a:pPr lvl="4"/>
+            <a:r>
+              <a:rPr lang="de-DE" smtClean="0"/>
+              <a:t>Fünfte Ebene</a:t>
+            </a:r>
+            <a:endParaRPr lang="de-CH"/>
+          </a:p>
+        </p:txBody>
+      </p:sp>
+      <p:sp>
+        <p:nvSpPr>
+          <p:cNvPr id="6" name="Fußzeilenplatzhalter 5"/>
+          <p:cNvSpPr>
+            <a:spLocks noGrp="1"/>
+          </p:cNvSpPr>
+          <p:nvPr>
+            <p:ph type="ftr" sz="quarter" idx="4"/>
+          </p:nvPr>
+        </p:nvSpPr>
+        <p:spPr>
+          <a:xfrm>
+            <a:off x="0" y="8685213"/>
+            <a:ext cx="2971800" cy="457200"/>
+          </a:xfrm>
+          <a:prstGeom prst="rect">
+            <a:avLst/>
+          </a:prstGeom>
+        </p:spPr>
+        <p:txBody>
+          <a:bodyPr vert="horz" lIns="91440" tIns="45720" rIns="91440" bIns="45720" rtlCol="0" anchor="b"/>
+          <a:lstStyle>
+            <a:lvl1pPr algn="l">
+              <a:defRPr sz="1200"/>
+            </a:lvl1pPr>
+          </a:lstStyle>
+          <a:p>
+            <a:endParaRPr lang="de-CH"/>
+          </a:p>
+        </p:txBody>
+      </p:sp>
+      <p:sp>
+        <p:nvSpPr>
+          <p:cNvPr id="7" name="Foliennummernplatzhalter 6"/>
+          <p:cNvSpPr>
+            <a:spLocks noGrp="1"/>
+          </p:cNvSpPr>
+          <p:nvPr>
+            <p:ph type="sldNum" sz="quarter" idx="5"/>
+          </p:nvPr>
+        </p:nvSpPr>
+        <p:spPr>
+          <a:xfrm>
+            <a:off x="3884613" y="8685213"/>
+            <a:ext cx="2971800" cy="457200"/>
+          </a:xfrm>
+          <a:prstGeom prst="rect">
+            <a:avLst/>
+          </a:prstGeom>
+        </p:spPr>
+        <p:txBody>
+          <a:bodyPr vert="horz" lIns="91440" tIns="45720" rIns="91440" bIns="45720" rtlCol="0" anchor="b"/>
+          <a:lstStyle>
+            <a:lvl1pPr algn="r">
+              <a:defRPr sz="1200"/>
+            </a:lvl1pPr>
+          </a:lstStyle>
+          <a:p>
+            <a:fld id="{6FBD71ED-0134-410C-9AE3-EE654E5179DA}" type="slidenum">
+              <a:rPr lang="de-CH" smtClean="0"/>
+              <a:t>‹Nr.›</a:t>
+            </a:fld>
+            <a:endParaRPr lang="de-CH"/>
+          </a:p>
+        </p:txBody>
+      </p:sp>
+    </p:spTree>
+    <p:extLst>
+      <p:ext uri="{BB962C8B-B14F-4D97-AF65-F5344CB8AC3E}">
+        <p14:creationId xmlns:p14="http://schemas.microsoft.com/office/powerpoint/2010/main" val="402396646"/>
+      </p:ext>
+    </p:extLst>
+  </p:cSld>
+  <p:clrMap bg1="lt1" tx1="dk1" bg2="lt2" tx2="dk2" accent1="accent1" accent2="accent2" accent3="accent3" accent4="accent4" accent5="accent5" accent6="accent6" hlink="hlink" folHlink="folHlink"/>
+  <p:notesStyle>
+    <a:lvl1pPr marL="0" algn="l" defTabSz="914400" rtl="0" eaLnBrk="1" latinLnBrk="0" hangingPunct="1">
+      <a:defRPr sz="1200" kern="1200">
+        <a:solidFill>
+          <a:schemeClr val="tx1"/>
+        </a:solidFill>
+        <a:latin typeface="+mn-lt"/>
+        <a:ea typeface="+mn-ea"/>
+        <a:cs typeface="+mn-cs"/>
+      </a:defRPr>
+    </a:lvl1pPr>
+    <a:lvl2pPr marL="457200" algn="l" defTabSz="914400" rtl="0" eaLnBrk="1" latinLnBrk="0" hangingPunct="1">
+      <a:defRPr sz="1200" kern="1200">
+        <a:solidFill>
+          <a:schemeClr val="tx1"/>
+        </a:solidFill>
+        <a:latin typeface="+mn-lt"/>
+        <a:ea typeface="+mn-ea"/>
+        <a:cs typeface="+mn-cs"/>
+      </a:defRPr>
+    </a:lvl2pPr>
+    <a:lvl3pPr marL="914400" algn="l" defTabSz="914400" rtl="0" eaLnBrk="1" latinLnBrk="0" hangingPunct="1">
+      <a:defRPr sz="1200" kern="1200">
+        <a:solidFill>
+          <a:schemeClr val="tx1"/>
+        </a:solidFill>
+        <a:latin typeface="+mn-lt"/>
+        <a:ea typeface="+mn-ea"/>
+        <a:cs typeface="+mn-cs"/>
+      </a:defRPr>
+    </a:lvl3pPr>
+    <a:lvl4pPr marL="1371600" algn="l" defTabSz="914400" rtl="0" eaLnBrk="1" latinLnBrk="0" hangingPunct="1">
+      <a:defRPr sz="1200" kern="1200">
+        <a:solidFill>
+          <a:schemeClr val="tx1"/>
+        </a:solidFill>
+        <a:latin typeface="+mn-lt"/>
+        <a:ea typeface="+mn-ea"/>
+        <a:cs typeface="+mn-cs"/>
+      </a:defRPr>
+    </a:lvl4pPr>
+    <a:lvl5pPr marL="1828800" algn="l" defTabSz="914400" rtl="0" eaLnBrk="1" latinLnBrk="0" hangingPunct="1">
+      <a:defRPr sz="1200" kern="1200">
+        <a:solidFill>
+          <a:schemeClr val="tx1"/>
+        </a:solidFill>
+        <a:latin typeface="+mn-lt"/>
+        <a:ea typeface="+mn-ea"/>
+        <a:cs typeface="+mn-cs"/>
+      </a:defRPr>
+    </a:lvl5pPr>
+    <a:lvl6pPr marL="2286000" algn="l" defTabSz="914400" rtl="0" eaLnBrk="1" latinLnBrk="0" hangingPunct="1">
+      <a:defRPr sz="1200" kern="1200">
+        <a:solidFill>
+          <a:schemeClr val="tx1"/>
+        </a:solidFill>
+        <a:latin typeface="+mn-lt"/>
+        <a:ea typeface="+mn-ea"/>
+        <a:cs typeface="+mn-cs"/>
+      </a:defRPr>
+    </a:lvl6pPr>
+    <a:lvl7pPr marL="2743200" algn="l" defTabSz="914400" rtl="0" eaLnBrk="1" latinLnBrk="0" hangingPunct="1">
+      <a:defRPr sz="1200" kern="1200">
+        <a:solidFill>
+          <a:schemeClr val="tx1"/>
+        </a:solidFill>
+        <a:latin typeface="+mn-lt"/>
+        <a:ea typeface="+mn-ea"/>
+        <a:cs typeface="+mn-cs"/>
+      </a:defRPr>
+    </a:lvl7pPr>
+    <a:lvl8pPr marL="3200400" algn="l" defTabSz="914400" rtl="0" eaLnBrk="1" latinLnBrk="0" hangingPunct="1">
+      <a:defRPr sz="1200" kern="1200">
+        <a:solidFill>
+          <a:schemeClr val="tx1"/>
+        </a:solidFill>
+        <a:latin typeface="+mn-lt"/>
+        <a:ea typeface="+mn-ea"/>
+        <a:cs typeface="+mn-cs"/>
+      </a:defRPr>
+    </a:lvl8pPr>
+    <a:lvl9pPr marL="3657600" algn="l" defTabSz="914400" rtl="0" eaLnBrk="1" latinLnBrk="0" hangingPunct="1">
+      <a:defRPr sz="1200" kern="1200">
+        <a:solidFill>
+          <a:schemeClr val="tx1"/>
+        </a:solidFill>
+        <a:latin typeface="+mn-lt"/>
+        <a:ea typeface="+mn-ea"/>
+        <a:cs typeface="+mn-cs"/>
+      </a:defRPr>
+    </a:lvl9pPr>
+  </p:notesStyle>
+</p:notesMaster>
+</file>
+
+<file path=ppt/notesSlides/notesSlide1.xml><?xml version="1.0" encoding="utf-8"?>
+<p:notes xmlns:a="http://schemas.openxmlformats.org/drawingml/2006/main" xmlns:r="http://schemas.openxmlformats.org/officeDocument/2006/relationships" xmlns:p="http://schemas.openxmlformats.org/presentationml/2006/main">
+  <p:cSld>
+    <p:spTree>
+      <p:nvGrpSpPr>
+        <p:cNvPr id="1" name=""/>
+        <p:cNvGrpSpPr/>
+        <p:nvPr/>
+      </p:nvGrpSpPr>
+      <p:grpSpPr>
+        <a:xfrm>
+          <a:off x="0" y="0"/>
+          <a:ext cx="0" cy="0"/>
+          <a:chOff x="0" y="0"/>
+          <a:chExt cx="0" cy="0"/>
+        </a:xfrm>
+      </p:grpSpPr>
+      <p:sp>
+        <p:nvSpPr>
+          <p:cNvPr id="2" name="Folienbildplatzhalter 1"/>
+          <p:cNvSpPr>
+            <a:spLocks noGrp="1" noRot="1" noChangeAspect="1"/>
+          </p:cNvSpPr>
+          <p:nvPr>
+            <p:ph type="sldImg"/>
+          </p:nvPr>
+        </p:nvSpPr>
+        <p:spPr/>
+      </p:sp>
+      <p:sp>
+        <p:nvSpPr>
+          <p:cNvPr id="3" name="Notizenplatzhalter 2"/>
+          <p:cNvSpPr>
+            <a:spLocks noGrp="1"/>
+          </p:cNvSpPr>
+          <p:nvPr>
+            <p:ph type="body" idx="1"/>
+          </p:nvPr>
+        </p:nvSpPr>
+        <p:spPr/>
+        <p:txBody>
+          <a:bodyPr/>
+          <a:lstStyle/>
+          <a:p>
+            <a:r>
+              <a:rPr lang="de-CH" dirty="0" smtClean="0"/>
+              <a:t>Zu Interpretiersprache: Die Files können</a:t>
+            </a:r>
+            <a:r>
+              <a:rPr lang="de-CH" baseline="0" dirty="0" smtClean="0"/>
+              <a:t> «</a:t>
+            </a:r>
+            <a:r>
+              <a:rPr lang="de-CH" baseline="0" dirty="0" err="1" smtClean="0"/>
+              <a:t>as</a:t>
+            </a:r>
+            <a:r>
+              <a:rPr lang="de-CH" baseline="0" dirty="0" smtClean="0"/>
+              <a:t> </a:t>
+            </a:r>
+            <a:r>
+              <a:rPr lang="de-CH" baseline="0" dirty="0" err="1" smtClean="0"/>
+              <a:t>is</a:t>
+            </a:r>
+            <a:r>
+              <a:rPr lang="de-CH" baseline="0" dirty="0" smtClean="0"/>
+              <a:t>» auf das Gerät geladen werden. Dort werden die Files interpretiert, was eine kurze Verzögerung ergibt.</a:t>
+            </a:r>
+            <a:endParaRPr lang="de-CH" dirty="0"/>
+          </a:p>
+        </p:txBody>
+      </p:sp>
+      <p:sp>
+        <p:nvSpPr>
+          <p:cNvPr id="4" name="Foliennummernplatzhalter 3"/>
+          <p:cNvSpPr>
+            <a:spLocks noGrp="1"/>
+          </p:cNvSpPr>
+          <p:nvPr>
+            <p:ph type="sldNum" sz="quarter" idx="10"/>
+          </p:nvPr>
+        </p:nvSpPr>
+        <p:spPr/>
+        <p:txBody>
+          <a:bodyPr/>
+          <a:lstStyle/>
+          <a:p>
+            <a:fld id="{6FBD71ED-0134-410C-9AE3-EE654E5179DA}" type="slidenum">
+              <a:rPr lang="de-CH" smtClean="0"/>
+              <a:t>15</a:t>
+            </a:fld>
+            <a:endParaRPr lang="de-CH"/>
+          </a:p>
+        </p:txBody>
+      </p:sp>
+    </p:spTree>
+    <p:extLst>
+      <p:ext uri="{BB962C8B-B14F-4D97-AF65-F5344CB8AC3E}">
+        <p14:creationId xmlns:p14="http://schemas.microsoft.com/office/powerpoint/2010/main" val="4116446968"/>
+      </p:ext>
+    </p:extLst>
+  </p:cSld>
+  <p:clrMapOvr>
+    <a:masterClrMapping/>
+  </p:clrMapOvr>
+</p:notes>
+</file>
+
+<file path=ppt/notesSlides/notesSlide2.xml><?xml version="1.0" encoding="utf-8"?>
+<p:notes xmlns:a="http://schemas.openxmlformats.org/drawingml/2006/main" xmlns:r="http://schemas.openxmlformats.org/officeDocument/2006/relationships" xmlns:p="http://schemas.openxmlformats.org/presentationml/2006/main">
+  <p:cSld>
+    <p:spTree>
+      <p:nvGrpSpPr>
+        <p:cNvPr id="1" name=""/>
+        <p:cNvGrpSpPr/>
+        <p:nvPr/>
+      </p:nvGrpSpPr>
+      <p:grpSpPr>
+        <a:xfrm>
+          <a:off x="0" y="0"/>
+          <a:ext cx="0" cy="0"/>
+          <a:chOff x="0" y="0"/>
+          <a:chExt cx="0" cy="0"/>
+        </a:xfrm>
+      </p:grpSpPr>
+      <p:sp>
+        <p:nvSpPr>
+          <p:cNvPr id="2" name="Folienbildplatzhalter 1"/>
+          <p:cNvSpPr>
+            <a:spLocks noGrp="1" noRot="1" noChangeAspect="1"/>
+          </p:cNvSpPr>
+          <p:nvPr>
+            <p:ph type="sldImg"/>
+          </p:nvPr>
+        </p:nvSpPr>
+        <p:spPr/>
+      </p:sp>
+      <p:sp>
+        <p:nvSpPr>
+          <p:cNvPr id="3" name="Notizenplatzhalter 2"/>
+          <p:cNvSpPr>
+            <a:spLocks noGrp="1"/>
+          </p:cNvSpPr>
+          <p:nvPr>
+            <p:ph type="body" idx="1"/>
+          </p:nvPr>
+        </p:nvSpPr>
+        <p:spPr/>
+        <p:txBody>
+          <a:bodyPr/>
+          <a:lstStyle/>
+          <a:p>
+            <a:r>
+              <a:rPr lang="de-CH" dirty="0" smtClean="0"/>
+              <a:t>Einfachheit: keine Strukturierten Elemente wie bei HTML</a:t>
+            </a:r>
+          </a:p>
+          <a:p>
+            <a:r>
+              <a:rPr lang="de-CH" dirty="0" smtClean="0"/>
+              <a:t>Entwicklungsumgebung: </a:t>
+            </a:r>
+            <a:r>
+              <a:rPr lang="de-CH" dirty="0" err="1" smtClean="0"/>
+              <a:t>Titanium</a:t>
+            </a:r>
+            <a:r>
+              <a:rPr lang="de-CH" baseline="0" dirty="0" smtClean="0"/>
+              <a:t> API verschleiert viel Funktionalität</a:t>
+            </a:r>
+          </a:p>
+          <a:p>
+            <a:r>
+              <a:rPr lang="de-CH" baseline="0" dirty="0" smtClean="0"/>
+              <a:t>Tutorials: Sind mehr Feature-Präsentationen als Tutorials, man kann einfach ein bisschen ausprobieren</a:t>
+            </a:r>
+          </a:p>
+          <a:p>
+            <a:r>
+              <a:rPr lang="de-CH" baseline="0" dirty="0" smtClean="0"/>
+              <a:t>Spezielles: Eigene App </a:t>
+            </a:r>
+            <a:r>
+              <a:rPr lang="de-CH" baseline="0" dirty="0" err="1" smtClean="0"/>
+              <a:t>Cloud</a:t>
+            </a:r>
+            <a:r>
+              <a:rPr lang="de-CH" baseline="0" dirty="0" smtClean="0"/>
+              <a:t> für Push Nachrichten, etc.</a:t>
+            </a:r>
+            <a:endParaRPr lang="de-CH" dirty="0"/>
+          </a:p>
+        </p:txBody>
+      </p:sp>
+      <p:sp>
+        <p:nvSpPr>
+          <p:cNvPr id="4" name="Foliennummernplatzhalter 3"/>
+          <p:cNvSpPr>
+            <a:spLocks noGrp="1"/>
+          </p:cNvSpPr>
+          <p:nvPr>
+            <p:ph type="sldNum" sz="quarter" idx="10"/>
+          </p:nvPr>
+        </p:nvSpPr>
+        <p:spPr/>
+        <p:txBody>
+          <a:bodyPr/>
+          <a:lstStyle/>
+          <a:p>
+            <a:fld id="{6FBD71ED-0134-410C-9AE3-EE654E5179DA}" type="slidenum">
+              <a:rPr lang="de-CH" smtClean="0"/>
+              <a:t>16</a:t>
+            </a:fld>
+            <a:endParaRPr lang="de-CH"/>
+          </a:p>
+        </p:txBody>
+      </p:sp>
+    </p:spTree>
+    <p:extLst>
+      <p:ext uri="{BB962C8B-B14F-4D97-AF65-F5344CB8AC3E}">
+        <p14:creationId xmlns:p14="http://schemas.microsoft.com/office/powerpoint/2010/main" val="4116446968"/>
+      </p:ext>
+    </p:extLst>
+  </p:cSld>
+  <p:clrMapOvr>
+    <a:masterClrMapping/>
+  </p:clrMapOvr>
+</p:notes>
+</file>
+
+<file path=ppt/notesSlides/notesSlide3.xml><?xml version="1.0" encoding="utf-8"?>
+<p:notes xmlns:a="http://schemas.openxmlformats.org/drawingml/2006/main" xmlns:r="http://schemas.openxmlformats.org/officeDocument/2006/relationships" xmlns:p="http://schemas.openxmlformats.org/presentationml/2006/main">
+  <p:cSld>
+    <p:spTree>
+      <p:nvGrpSpPr>
+        <p:cNvPr id="1" name=""/>
+        <p:cNvGrpSpPr/>
+        <p:nvPr/>
+      </p:nvGrpSpPr>
+      <p:grpSpPr>
+        <a:xfrm>
+          <a:off x="0" y="0"/>
+          <a:ext cx="0" cy="0"/>
+          <a:chOff x="0" y="0"/>
+          <a:chExt cx="0" cy="0"/>
+        </a:xfrm>
+      </p:grpSpPr>
+      <p:sp>
+        <p:nvSpPr>
+          <p:cNvPr id="2" name="Folienbildplatzhalter 1"/>
+          <p:cNvSpPr>
+            <a:spLocks noGrp="1" noRot="1" noChangeAspect="1"/>
+          </p:cNvSpPr>
+          <p:nvPr>
+            <p:ph type="sldImg"/>
+          </p:nvPr>
+        </p:nvSpPr>
+        <p:spPr/>
+      </p:sp>
+      <p:sp>
+        <p:nvSpPr>
+          <p:cNvPr id="3" name="Notizenplatzhalter 2"/>
+          <p:cNvSpPr>
+            <a:spLocks noGrp="1"/>
+          </p:cNvSpPr>
+          <p:nvPr>
+            <p:ph type="body" idx="1"/>
+          </p:nvPr>
+        </p:nvSpPr>
+        <p:spPr/>
+        <p:txBody>
+          <a:bodyPr/>
+          <a:lstStyle/>
+          <a:p>
+            <a:r>
+              <a:rPr lang="de-CH" dirty="0" smtClean="0"/>
+              <a:t>Zu Look-</a:t>
+            </a:r>
+            <a:r>
+              <a:rPr lang="de-CH" dirty="0" err="1" smtClean="0"/>
+              <a:t>and</a:t>
+            </a:r>
+            <a:r>
+              <a:rPr lang="de-CH" dirty="0" smtClean="0"/>
+              <a:t>-</a:t>
+            </a:r>
+            <a:r>
+              <a:rPr lang="de-CH" dirty="0" err="1" smtClean="0"/>
+              <a:t>Feel</a:t>
+            </a:r>
+            <a:r>
+              <a:rPr lang="de-CH" dirty="0" smtClean="0"/>
+              <a:t>: </a:t>
+            </a:r>
+            <a:r>
+              <a:rPr lang="de-CH" dirty="0" err="1" smtClean="0"/>
+              <a:t>Rollovereffekte</a:t>
+            </a:r>
+            <a:r>
+              <a:rPr lang="de-CH" dirty="0" smtClean="0"/>
+              <a:t> a la </a:t>
+            </a:r>
+            <a:r>
+              <a:rPr lang="de-CH" dirty="0" err="1" smtClean="0"/>
+              <a:t>apple</a:t>
+            </a:r>
+            <a:r>
+              <a:rPr lang="de-CH" dirty="0" smtClean="0"/>
+              <a:t>, </a:t>
+            </a:r>
+            <a:r>
+              <a:rPr lang="de-CH" dirty="0" err="1" smtClean="0"/>
+              <a:t>menustrukturen</a:t>
+            </a:r>
+            <a:r>
+              <a:rPr lang="de-CH" dirty="0" smtClean="0"/>
+              <a:t>, etc.</a:t>
+            </a:r>
+            <a:endParaRPr lang="de-CH" dirty="0"/>
+          </a:p>
+        </p:txBody>
+      </p:sp>
+      <p:sp>
+        <p:nvSpPr>
+          <p:cNvPr id="4" name="Foliennummernplatzhalter 3"/>
+          <p:cNvSpPr>
+            <a:spLocks noGrp="1"/>
+          </p:cNvSpPr>
+          <p:nvPr>
+            <p:ph type="sldNum" sz="quarter" idx="10"/>
+          </p:nvPr>
+        </p:nvSpPr>
+        <p:spPr/>
+        <p:txBody>
+          <a:bodyPr/>
+          <a:lstStyle/>
+          <a:p>
+            <a:fld id="{6FBD71ED-0134-410C-9AE3-EE654E5179DA}" type="slidenum">
+              <a:rPr lang="de-CH" smtClean="0"/>
+              <a:t>17</a:t>
+            </a:fld>
+            <a:endParaRPr lang="de-CH"/>
+          </a:p>
+        </p:txBody>
+      </p:sp>
+    </p:spTree>
+    <p:extLst>
+      <p:ext uri="{BB962C8B-B14F-4D97-AF65-F5344CB8AC3E}">
+        <p14:creationId xmlns:p14="http://schemas.microsoft.com/office/powerpoint/2010/main" val="1663405720"/>
+      </p:ext>
+    </p:extLst>
+  </p:cSld>
+  <p:clrMapOvr>
+    <a:masterClrMapping/>
+  </p:clrMapOvr>
+</p:notes>
+</file>
+
+<file path=ppt/notesSlides/notesSlide4.xml><?xml version="1.0" encoding="utf-8"?>
+<p:notes xmlns:a="http://schemas.openxmlformats.org/drawingml/2006/main" xmlns:r="http://schemas.openxmlformats.org/officeDocument/2006/relationships" xmlns:p="http://schemas.openxmlformats.org/presentationml/2006/main">
+  <p:cSld>
+    <p:spTree>
+      <p:nvGrpSpPr>
+        <p:cNvPr id="1" name=""/>
+        <p:cNvGrpSpPr/>
+        <p:nvPr/>
+      </p:nvGrpSpPr>
+      <p:grpSpPr>
+        <a:xfrm>
+          <a:off x="0" y="0"/>
+          <a:ext cx="0" cy="0"/>
+          <a:chOff x="0" y="0"/>
+          <a:chExt cx="0" cy="0"/>
+        </a:xfrm>
+      </p:grpSpPr>
+      <p:sp>
+        <p:nvSpPr>
+          <p:cNvPr id="2" name="Folienbildplatzhalter 1"/>
+          <p:cNvSpPr>
+            <a:spLocks noGrp="1" noRot="1" noChangeAspect="1"/>
+          </p:cNvSpPr>
+          <p:nvPr>
+            <p:ph type="sldImg"/>
+          </p:nvPr>
+        </p:nvSpPr>
+        <p:spPr/>
+      </p:sp>
+      <p:sp>
+        <p:nvSpPr>
+          <p:cNvPr id="3" name="Notizenplatzhalter 2"/>
+          <p:cNvSpPr>
+            <a:spLocks noGrp="1"/>
+          </p:cNvSpPr>
+          <p:nvPr>
+            <p:ph type="body" idx="1"/>
+          </p:nvPr>
+        </p:nvSpPr>
+        <p:spPr/>
+        <p:txBody>
+          <a:bodyPr/>
+          <a:lstStyle/>
+          <a:p>
+            <a:r>
+              <a:rPr lang="de-CH" dirty="0" smtClean="0"/>
+              <a:t>Zum Building: Building für Web-Pages:</a:t>
+            </a:r>
+            <a:r>
+              <a:rPr lang="de-CH" baseline="0" dirty="0" smtClean="0"/>
+              <a:t> gesamter JS-Code in ein File (</a:t>
+            </a:r>
+            <a:r>
+              <a:rPr lang="de-CH" baseline="0" dirty="0" err="1" smtClean="0"/>
+              <a:t>speed</a:t>
+            </a:r>
+            <a:r>
+              <a:rPr lang="de-CH" baseline="0" dirty="0" smtClean="0"/>
+              <a:t>), </a:t>
+            </a:r>
+            <a:r>
+              <a:rPr lang="de-CH" baseline="0" dirty="0" err="1" smtClean="0"/>
+              <a:t>Sources</a:t>
+            </a:r>
+            <a:r>
+              <a:rPr lang="de-CH" baseline="0" dirty="0" smtClean="0"/>
+              <a:t> werden zusammengefasst, Bilder automatisch zugeschnitten, etc.</a:t>
+            </a:r>
+            <a:endParaRPr lang="de-CH" dirty="0"/>
+          </a:p>
+        </p:txBody>
+      </p:sp>
+      <p:sp>
+        <p:nvSpPr>
+          <p:cNvPr id="4" name="Foliennummernplatzhalter 3"/>
+          <p:cNvSpPr>
+            <a:spLocks noGrp="1"/>
+          </p:cNvSpPr>
+          <p:nvPr>
+            <p:ph type="sldNum" sz="quarter" idx="10"/>
+          </p:nvPr>
+        </p:nvSpPr>
+        <p:spPr/>
+        <p:txBody>
+          <a:bodyPr/>
+          <a:lstStyle/>
+          <a:p>
+            <a:fld id="{6FBD71ED-0134-410C-9AE3-EE654E5179DA}" type="slidenum">
+              <a:rPr lang="de-CH" smtClean="0"/>
+              <a:t>18</a:t>
+            </a:fld>
+            <a:endParaRPr lang="de-CH"/>
+          </a:p>
+        </p:txBody>
+      </p:sp>
+    </p:spTree>
+    <p:extLst>
+      <p:ext uri="{BB962C8B-B14F-4D97-AF65-F5344CB8AC3E}">
+        <p14:creationId xmlns:p14="http://schemas.microsoft.com/office/powerpoint/2010/main" val="1663405720"/>
+      </p:ext>
+    </p:extLst>
+  </p:cSld>
+  <p:clrMapOvr>
+    <a:masterClrMapping/>
+  </p:clrMapOvr>
+</p:notes>
+</file>
+
+<file path=ppt/notesSlides/notesSlide5.xml><?xml version="1.0" encoding="utf-8"?>
+<p:notes xmlns:a="http://schemas.openxmlformats.org/drawingml/2006/main" xmlns:r="http://schemas.openxmlformats.org/officeDocument/2006/relationships" xmlns:p="http://schemas.openxmlformats.org/presentationml/2006/main">
+  <p:cSld>
+    <p:spTree>
+      <p:nvGrpSpPr>
+        <p:cNvPr id="1" name=""/>
+        <p:cNvGrpSpPr/>
+        <p:nvPr/>
+      </p:nvGrpSpPr>
+      <p:grpSpPr>
+        <a:xfrm>
+          <a:off x="0" y="0"/>
+          <a:ext cx="0" cy="0"/>
+          <a:chOff x="0" y="0"/>
+          <a:chExt cx="0" cy="0"/>
+        </a:xfrm>
+      </p:grpSpPr>
+      <p:sp>
+        <p:nvSpPr>
+          <p:cNvPr id="2" name="Folienbildplatzhalter 1"/>
+          <p:cNvSpPr>
+            <a:spLocks noGrp="1" noRot="1" noChangeAspect="1"/>
+          </p:cNvSpPr>
+          <p:nvPr>
+            <p:ph type="sldImg"/>
+          </p:nvPr>
+        </p:nvSpPr>
+        <p:spPr/>
+      </p:sp>
+      <p:sp>
+        <p:nvSpPr>
+          <p:cNvPr id="3" name="Notizenplatzhalter 2"/>
+          <p:cNvSpPr>
+            <a:spLocks noGrp="1"/>
+          </p:cNvSpPr>
+          <p:nvPr>
+            <p:ph type="body" idx="1"/>
+          </p:nvPr>
+        </p:nvSpPr>
+        <p:spPr/>
+        <p:txBody>
+          <a:bodyPr/>
+          <a:lstStyle/>
+          <a:p>
+            <a:r>
+              <a:rPr lang="de-CH" dirty="0" smtClean="0"/>
+              <a:t>Zu Einfachheit: MVC, gute Verständlichkeit, Schnittstellen</a:t>
+            </a:r>
+            <a:r>
+              <a:rPr lang="de-CH" baseline="0" dirty="0" smtClean="0"/>
+              <a:t> zu anderen Frameworks</a:t>
+            </a:r>
+          </a:p>
+          <a:p>
+            <a:r>
+              <a:rPr lang="de-CH" baseline="0" dirty="0" smtClean="0"/>
+              <a:t>Zu Verbreitung: Sproutcore Anwendungen sind schwer als solche zu erkennen. Keine genaue Anzahl </a:t>
+            </a:r>
+            <a:r>
+              <a:rPr lang="de-CH" baseline="0" smtClean="0"/>
+              <a:t>von Apps</a:t>
+            </a:r>
+          </a:p>
+          <a:p>
+            <a:endParaRPr lang="de-CH" baseline="0" dirty="0" smtClean="0"/>
+          </a:p>
+          <a:p>
+            <a:endParaRPr lang="de-CH" dirty="0"/>
+          </a:p>
+        </p:txBody>
+      </p:sp>
+      <p:sp>
+        <p:nvSpPr>
+          <p:cNvPr id="4" name="Foliennummernplatzhalter 3"/>
+          <p:cNvSpPr>
+            <a:spLocks noGrp="1"/>
+          </p:cNvSpPr>
+          <p:nvPr>
+            <p:ph type="sldNum" sz="quarter" idx="10"/>
+          </p:nvPr>
+        </p:nvSpPr>
+        <p:spPr/>
+        <p:txBody>
+          <a:bodyPr/>
+          <a:lstStyle/>
+          <a:p>
+            <a:fld id="{6FBD71ED-0134-410C-9AE3-EE654E5179DA}" type="slidenum">
+              <a:rPr lang="de-CH" smtClean="0"/>
+              <a:t>19</a:t>
+            </a:fld>
+            <a:endParaRPr lang="de-CH"/>
+          </a:p>
+        </p:txBody>
+      </p:sp>
+    </p:spTree>
+    <p:extLst>
+      <p:ext uri="{BB962C8B-B14F-4D97-AF65-F5344CB8AC3E}">
+        <p14:creationId xmlns:p14="http://schemas.microsoft.com/office/powerpoint/2010/main" val="1663405720"/>
+      </p:ext>
+    </p:extLst>
+  </p:cSld>
+  <p:clrMapOvr>
+    <a:masterClrMapping/>
+  </p:clrMapOvr>
+</p:notes>
+</file>
+
 <file path=ppt/slideLayouts/slideLayout1.xml><?xml version="1.0" encoding="utf-8"?>
 <p:sldLayout xmlns:a="http://schemas.openxmlformats.org/drawingml/2006/main" xmlns:r="http://schemas.openxmlformats.org/officeDocument/2006/relationships" xmlns:p="http://schemas.openxmlformats.org/presentationml/2006/main" type="title" preserve="1">
   <p:cSld name="Titelfolie">
@@ -309,7 +1239,7 @@
           <a:p>
             <a:fld id="{1BA50D42-C9CD-4801-B293-61D1F53EC57E}" type="datetimeFigureOut">
               <a:rPr lang="de-DE" smtClean="0"/>
-              <a:t>02.01.2013</a:t>
+              <a:t>03.01.2013</a:t>
             </a:fld>
             <a:endParaRPr lang="de-DE"/>
           </a:p>
@@ -474,7 +1404,7 @@
           <a:p>
             <a:fld id="{1BA50D42-C9CD-4801-B293-61D1F53EC57E}" type="datetimeFigureOut">
               <a:rPr lang="de-DE" smtClean="0"/>
-              <a:t>02.01.2013</a:t>
+              <a:t>03.01.2013</a:t>
             </a:fld>
             <a:endParaRPr lang="de-DE"/>
           </a:p>
@@ -649,7 +1579,7 @@
           <a:p>
             <a:fld id="{1BA50D42-C9CD-4801-B293-61D1F53EC57E}" type="datetimeFigureOut">
               <a:rPr lang="de-DE" smtClean="0"/>
-              <a:t>02.01.2013</a:t>
+              <a:t>03.01.2013</a:t>
             </a:fld>
             <a:endParaRPr lang="de-DE"/>
           </a:p>
@@ -814,7 +1744,7 @@
           <a:p>
             <a:fld id="{1BA50D42-C9CD-4801-B293-61D1F53EC57E}" type="datetimeFigureOut">
               <a:rPr lang="de-DE" smtClean="0"/>
-              <a:t>02.01.2013</a:t>
+              <a:t>03.01.2013</a:t>
             </a:fld>
             <a:endParaRPr lang="de-DE"/>
           </a:p>
@@ -1055,7 +1985,7 @@
           <a:p>
             <a:fld id="{1BA50D42-C9CD-4801-B293-61D1F53EC57E}" type="datetimeFigureOut">
               <a:rPr lang="de-DE" smtClean="0"/>
-              <a:t>02.01.2013</a:t>
+              <a:t>03.01.2013</a:t>
             </a:fld>
             <a:endParaRPr lang="de-DE"/>
           </a:p>
@@ -1338,7 +2268,7 @@
           <a:p>
             <a:fld id="{1BA50D42-C9CD-4801-B293-61D1F53EC57E}" type="datetimeFigureOut">
               <a:rPr lang="de-DE" smtClean="0"/>
-              <a:t>02.01.2013</a:t>
+              <a:t>03.01.2013</a:t>
             </a:fld>
             <a:endParaRPr lang="de-DE"/>
           </a:p>
@@ -1755,7 +2685,7 @@
           <a:p>
             <a:fld id="{1BA50D42-C9CD-4801-B293-61D1F53EC57E}" type="datetimeFigureOut">
               <a:rPr lang="de-DE" smtClean="0"/>
-              <a:t>02.01.2013</a:t>
+              <a:t>03.01.2013</a:t>
             </a:fld>
             <a:endParaRPr lang="de-DE"/>
           </a:p>
@@ -1868,7 +2798,7 @@
           <a:p>
             <a:fld id="{1BA50D42-C9CD-4801-B293-61D1F53EC57E}" type="datetimeFigureOut">
               <a:rPr lang="de-DE" smtClean="0"/>
-              <a:t>02.01.2013</a:t>
+              <a:t>03.01.2013</a:t>
             </a:fld>
             <a:endParaRPr lang="de-DE"/>
           </a:p>
@@ -1958,7 +2888,7 @@
           <a:p>
             <a:fld id="{1BA50D42-C9CD-4801-B293-61D1F53EC57E}" type="datetimeFigureOut">
               <a:rPr lang="de-DE" smtClean="0"/>
-              <a:t>02.01.2013</a:t>
+              <a:t>03.01.2013</a:t>
             </a:fld>
             <a:endParaRPr lang="de-DE"/>
           </a:p>
@@ -2230,7 +3160,7 @@
           <a:p>
             <a:fld id="{1BA50D42-C9CD-4801-B293-61D1F53EC57E}" type="datetimeFigureOut">
               <a:rPr lang="de-DE" smtClean="0"/>
-              <a:t>02.01.2013</a:t>
+              <a:t>03.01.2013</a:t>
             </a:fld>
             <a:endParaRPr lang="de-DE"/>
           </a:p>
@@ -2478,7 +3408,7 @@
           <a:p>
             <a:fld id="{1BA50D42-C9CD-4801-B293-61D1F53EC57E}" type="datetimeFigureOut">
               <a:rPr lang="de-DE" smtClean="0"/>
-              <a:t>02.01.2013</a:t>
+              <a:t>03.01.2013</a:t>
             </a:fld>
             <a:endParaRPr lang="de-DE"/>
           </a:p>
@@ -2707,7 +3637,7 @@
           <a:p>
             <a:fld id="{1BA50D42-C9CD-4801-B293-61D1F53EC57E}" type="datetimeFigureOut">
               <a:rPr lang="de-DE" smtClean="0"/>
-              <a:t>02.01.2013</a:t>
+              <a:t>03.01.2013</a:t>
             </a:fld>
             <a:endParaRPr lang="de-DE"/>
           </a:p>
@@ -3582,7 +4512,12 @@
             <p:ph idx="1"/>
           </p:nvPr>
         </p:nvSpPr>
-        <p:spPr/>
+        <p:spPr>
+          <a:xfrm>
+            <a:off x="457200" y="1600200"/>
+            <a:ext cx="8507288" cy="4525963"/>
+          </a:xfrm>
+        </p:spPr>
         <p:txBody>
           <a:bodyPr>
             <a:normAutofit fontScale="92500" lnSpcReduction="20000"/>
@@ -3604,7 +4539,15 @@
           <a:p>
             <a:r>
               <a:rPr lang="de-CH" dirty="0" smtClean="0"/>
-              <a:t>XUI: +Einfachheit, -Tutorials, -Testing</a:t>
+              <a:t>XUI</a:t>
+            </a:r>
+            <a:r>
+              <a:rPr lang="de-CH" dirty="0" smtClean="0"/>
+              <a:t>: 42P, </a:t>
+            </a:r>
+            <a:r>
+              <a:rPr lang="de-CH" dirty="0" smtClean="0"/>
+              <a:t>+Einfachheit, -Tutorials, -Testing</a:t>
             </a:r>
           </a:p>
           <a:p>
@@ -3617,7 +4560,11 @@
             </a:r>
             <a:r>
               <a:rPr lang="de-CH" dirty="0" smtClean="0"/>
-              <a:t>: +Support, +Dokumentation, -Tutorials</a:t>
+              <a:t>: 44P, </a:t>
+            </a:r>
+            <a:r>
+              <a:rPr lang="de-CH" dirty="0" smtClean="0"/>
+              <a:t>+Support, +Dokumentation, -Tutorials</a:t>
             </a:r>
           </a:p>
           <a:p>
@@ -3630,7 +4577,11 @@
             </a:r>
             <a:r>
               <a:rPr lang="de-CH" dirty="0" smtClean="0"/>
-              <a:t>: +Einfachheit, +Dokumentation, -Building</a:t>
+              <a:t>: 48P, </a:t>
+            </a:r>
+            <a:r>
+              <a:rPr lang="de-CH" dirty="0" smtClean="0"/>
+              <a:t>+Einfachheit, +Dokumentation, -Building</a:t>
             </a:r>
           </a:p>
           <a:p>
@@ -3639,11 +4590,15 @@
           <a:p>
             <a:r>
               <a:rPr lang="de-CH" dirty="0" smtClean="0"/>
-              <a:t>Rhodes: +Building, +Testing, </a:t>
-            </a:r>
-            <a:r>
-              <a:rPr lang="de-CH" smtClean="0"/>
-              <a:t>-Tutorials</a:t>
+              <a:t>Rhodes</a:t>
+            </a:r>
+            <a:r>
+              <a:rPr lang="de-CH" dirty="0" smtClean="0"/>
+              <a:t>: 48P, </a:t>
+            </a:r>
+            <a:r>
+              <a:rPr lang="de-CH" dirty="0" smtClean="0"/>
+              <a:t>+Building, +Testing, -Tutorials</a:t>
             </a:r>
             <a:endParaRPr lang="de-CH" dirty="0"/>
           </a:p>
@@ -3745,10 +4700,65 @@
         </p:nvSpPr>
         <p:spPr/>
         <p:txBody>
-          <a:bodyPr/>
-          <a:lstStyle/>
-          <a:p>
-            <a:endParaRPr lang="de-CH"/>
+          <a:bodyPr>
+            <a:normAutofit/>
+          </a:bodyPr>
+          <a:lstStyle/>
+          <a:p>
+            <a:r>
+              <a:rPr lang="de-CH" dirty="0" smtClean="0"/>
+              <a:t>Entwicklung von mobilen, </a:t>
+            </a:r>
+            <a:r>
+              <a:rPr lang="de-CH" dirty="0" err="1" smtClean="0"/>
+              <a:t>Tablet</a:t>
+            </a:r>
+            <a:r>
+              <a:rPr lang="de-CH" dirty="0" smtClean="0"/>
+              <a:t>-  und Desktop Apps</a:t>
+            </a:r>
+          </a:p>
+          <a:p>
+            <a:endParaRPr lang="de-CH" dirty="0" smtClean="0"/>
+          </a:p>
+          <a:p>
+            <a:r>
+              <a:rPr lang="de-CH" dirty="0" smtClean="0"/>
+              <a:t>Unterstützt: </a:t>
+            </a:r>
+            <a:r>
+              <a:rPr lang="de-CH" dirty="0" err="1" smtClean="0"/>
+              <a:t>iPhone</a:t>
+            </a:r>
+            <a:r>
+              <a:rPr lang="de-CH" dirty="0" smtClean="0"/>
+              <a:t>, </a:t>
+            </a:r>
+            <a:r>
+              <a:rPr lang="de-CH" dirty="0" err="1" smtClean="0"/>
+              <a:t>iPad</a:t>
+            </a:r>
+            <a:r>
+              <a:rPr lang="de-CH" dirty="0" smtClean="0"/>
+              <a:t>, </a:t>
+            </a:r>
+            <a:r>
+              <a:rPr lang="de-CH" dirty="0" err="1" smtClean="0"/>
+              <a:t>Android</a:t>
+            </a:r>
+            <a:r>
+              <a:rPr lang="de-CH" dirty="0" smtClean="0"/>
+              <a:t>, Blackberry</a:t>
+            </a:r>
+          </a:p>
+          <a:p>
+            <a:endParaRPr lang="de-CH" dirty="0"/>
+          </a:p>
+          <a:p>
+            <a:r>
+              <a:rPr lang="de-CH" dirty="0" smtClean="0"/>
+              <a:t>&gt; 5000 Geräte-Schnittstellen unterstützt</a:t>
+            </a:r>
           </a:p>
         </p:txBody>
       </p:sp>
@@ -3777,6 +4787,47 @@
           <a:xfrm>
             <a:off x="179511" y="434842"/>
             <a:ext cx="3448541" cy="746919"/>
+          </a:xfrm>
+          <a:prstGeom prst="rect">
+            <a:avLst/>
+          </a:prstGeom>
+          <a:noFill/>
+          <a:extLst>
+            <a:ext uri="{909E8E84-426E-40DD-AFC4-6F175D3DCCD1}">
+              <a14:hiddenFill xmlns:a14="http://schemas.microsoft.com/office/drawing/2010/main">
+                <a:solidFill>
+                  <a:srgbClr val="FFFFFF"/>
+                </a:solidFill>
+              </a14:hiddenFill>
+            </a:ext>
+          </a:extLst>
+        </p:spPr>
+      </p:pic>
+      <p:pic>
+        <p:nvPicPr>
+          <p:cNvPr id="2050" name="Picture 2" descr="F:\Schule\HSZ-T\3. Jahr\Handheld\Semesterarbeit\Handheld_Repo\Media\Appcelerator Titanium\Titanium_logo.JPG"/>
+          <p:cNvPicPr>
+            <a:picLocks noChangeAspect="1" noChangeArrowheads="1"/>
+          </p:cNvPicPr>
+          <p:nvPr/>
+        </p:nvPicPr>
+        <p:blipFill>
+          <a:blip r:embed="rId3">
+            <a:extLst>
+              <a:ext uri="{28A0092B-C50C-407E-A947-70E740481C1C}">
+                <a14:useLocalDpi xmlns:a14="http://schemas.microsoft.com/office/drawing/2010/main" val="0"/>
+              </a:ext>
+            </a:extLst>
+          </a:blip>
+          <a:srcRect/>
+          <a:stretch>
+            <a:fillRect/>
+          </a:stretch>
+        </p:blipFill>
+        <p:spPr bwMode="auto">
+          <a:xfrm>
+            <a:off x="7236296" y="4941168"/>
+            <a:ext cx="1576322" cy="1500659"/>
           </a:xfrm>
           <a:prstGeom prst="rect">
             <a:avLst/>
@@ -3821,6 +4872,1394 @@
         <a:gradFill flip="none" rotWithShape="1">
           <a:gsLst>
             <a:gs pos="0">
+              <a:srgbClr val="C00000"/>
+            </a:gs>
+            <a:gs pos="50000">
+              <a:schemeClr val="accent1">
+                <a:tint val="44500"/>
+                <a:satMod val="160000"/>
+              </a:schemeClr>
+            </a:gs>
+            <a:gs pos="100000">
+              <a:schemeClr val="accent1">
+                <a:tint val="23500"/>
+                <a:satMod val="160000"/>
+              </a:schemeClr>
+            </a:gs>
+          </a:gsLst>
+          <a:lin ang="5400000" scaled="0"/>
+          <a:tileRect/>
+        </a:gradFill>
+        <a:effectLst/>
+      </p:bgPr>
+    </p:bg>
+    <p:spTree>
+      <p:nvGrpSpPr>
+        <p:cNvPr id="1" name=""/>
+        <p:cNvGrpSpPr/>
+        <p:nvPr/>
+      </p:nvGrpSpPr>
+      <p:grpSpPr>
+        <a:xfrm>
+          <a:off x="0" y="0"/>
+          <a:ext cx="0" cy="0"/>
+          <a:chOff x="0" y="0"/>
+          <a:chExt cx="0" cy="0"/>
+        </a:xfrm>
+      </p:grpSpPr>
+      <p:sp>
+        <p:nvSpPr>
+          <p:cNvPr id="2" name="Titel 1"/>
+          <p:cNvSpPr>
+            <a:spLocks noGrp="1"/>
+          </p:cNvSpPr>
+          <p:nvPr>
+            <p:ph type="title"/>
+          </p:nvPr>
+        </p:nvSpPr>
+        <p:spPr>
+          <a:xfrm>
+            <a:off x="2051720" y="274638"/>
+            <a:ext cx="6635080" cy="1143000"/>
+          </a:xfrm>
+        </p:spPr>
+        <p:txBody>
+          <a:bodyPr/>
+          <a:lstStyle/>
+          <a:p>
+            <a:r>
+              <a:rPr lang="de-CH" dirty="0" err="1" smtClean="0"/>
+              <a:t>Appcelerator</a:t>
+            </a:r>
+            <a:endParaRPr lang="de-CH" dirty="0"/>
+          </a:p>
+        </p:txBody>
+      </p:sp>
+      <p:sp>
+        <p:nvSpPr>
+          <p:cNvPr id="3" name="Inhaltsplatzhalter 2"/>
+          <p:cNvSpPr>
+            <a:spLocks noGrp="1"/>
+          </p:cNvSpPr>
+          <p:nvPr>
+            <p:ph idx="1"/>
+          </p:nvPr>
+        </p:nvSpPr>
+        <p:spPr/>
+        <p:txBody>
+          <a:bodyPr>
+            <a:normAutofit/>
+          </a:bodyPr>
+          <a:lstStyle/>
+          <a:p>
+            <a:r>
+              <a:rPr lang="de-CH" dirty="0" smtClean="0"/>
+              <a:t>Technologien</a:t>
+            </a:r>
+            <a:r>
+              <a:rPr lang="de-CH" dirty="0"/>
+              <a:t>: JavaScript, </a:t>
+            </a:r>
+            <a:r>
+              <a:rPr lang="de-CH" dirty="0" err="1"/>
+              <a:t>Titanium</a:t>
+            </a:r>
+            <a:r>
+              <a:rPr lang="de-CH" dirty="0"/>
+              <a:t> API</a:t>
+            </a:r>
+          </a:p>
+          <a:p>
+            <a:endParaRPr lang="de-CH" dirty="0"/>
+          </a:p>
+          <a:p>
+            <a:r>
+              <a:rPr lang="de-CH" dirty="0"/>
+              <a:t>Interpretiersprache / Laufzeitkompilierung</a:t>
+            </a:r>
+          </a:p>
+          <a:p>
+            <a:endParaRPr lang="de-CH" dirty="0"/>
+          </a:p>
+        </p:txBody>
+      </p:sp>
+      <p:pic>
+        <p:nvPicPr>
+          <p:cNvPr id="6146" name="Picture 2" descr="F:\Schule\HSZ-T\3. Jahr\Handheld\Semesterarbeit\Handheld_Repo\Media\Appcelerator Titanium\Appcelerator_Logo.JPG"/>
+          <p:cNvPicPr>
+            <a:picLocks noChangeAspect="1" noChangeArrowheads="1"/>
+          </p:cNvPicPr>
+          <p:nvPr/>
+        </p:nvPicPr>
+        <p:blipFill>
+          <a:blip r:embed="rId3">
+            <a:extLst>
+              <a:ext uri="{28A0092B-C50C-407E-A947-70E740481C1C}">
+                <a14:useLocalDpi xmlns:a14="http://schemas.microsoft.com/office/drawing/2010/main" val="0"/>
+              </a:ext>
+            </a:extLst>
+          </a:blip>
+          <a:srcRect/>
+          <a:stretch>
+            <a:fillRect/>
+          </a:stretch>
+        </p:blipFill>
+        <p:spPr bwMode="auto">
+          <a:xfrm>
+            <a:off x="179511" y="434842"/>
+            <a:ext cx="3448541" cy="746919"/>
+          </a:xfrm>
+          <a:prstGeom prst="rect">
+            <a:avLst/>
+          </a:prstGeom>
+          <a:noFill/>
+          <a:extLst>
+            <a:ext uri="{909E8E84-426E-40DD-AFC4-6F175D3DCCD1}">
+              <a14:hiddenFill xmlns:a14="http://schemas.microsoft.com/office/drawing/2010/main">
+                <a:solidFill>
+                  <a:srgbClr val="FFFFFF"/>
+                </a:solidFill>
+              </a14:hiddenFill>
+            </a:ext>
+          </a:extLst>
+        </p:spPr>
+      </p:pic>
+      <p:pic>
+        <p:nvPicPr>
+          <p:cNvPr id="1026" name="Picture 2" descr="F:\Schule\HSZ-T\3. Jahr\Handheld\Semesterarbeit\Handheld_Repo\Media\Appcelerator Titanium\banner-sdk.png"/>
+          <p:cNvPicPr>
+            <a:picLocks noChangeAspect="1" noChangeArrowheads="1"/>
+          </p:cNvPicPr>
+          <p:nvPr/>
+        </p:nvPicPr>
+        <p:blipFill>
+          <a:blip r:embed="rId4">
+            <a:extLst>
+              <a:ext uri="{28A0092B-C50C-407E-A947-70E740481C1C}">
+                <a14:useLocalDpi xmlns:a14="http://schemas.microsoft.com/office/drawing/2010/main" val="0"/>
+              </a:ext>
+            </a:extLst>
+          </a:blip>
+          <a:srcRect/>
+          <a:stretch>
+            <a:fillRect/>
+          </a:stretch>
+        </p:blipFill>
+        <p:spPr bwMode="auto">
+          <a:xfrm>
+            <a:off x="1763688" y="4293096"/>
+            <a:ext cx="5613400" cy="1676400"/>
+          </a:xfrm>
+          <a:prstGeom prst="rect">
+            <a:avLst/>
+          </a:prstGeom>
+          <a:noFill/>
+          <a:extLst>
+            <a:ext uri="{909E8E84-426E-40DD-AFC4-6F175D3DCCD1}">
+              <a14:hiddenFill xmlns:a14="http://schemas.microsoft.com/office/drawing/2010/main">
+                <a:solidFill>
+                  <a:srgbClr val="FFFFFF"/>
+                </a:solidFill>
+              </a14:hiddenFill>
+            </a:ext>
+          </a:extLst>
+        </p:spPr>
+      </p:pic>
+    </p:spTree>
+    <p:extLst>
+      <p:ext uri="{BB962C8B-B14F-4D97-AF65-F5344CB8AC3E}">
+        <p14:creationId xmlns:p14="http://schemas.microsoft.com/office/powerpoint/2010/main" val="440084121"/>
+      </p:ext>
+    </p:extLst>
+  </p:cSld>
+  <p:clrMapOvr>
+    <a:masterClrMapping/>
+  </p:clrMapOvr>
+  <p:timing>
+    <p:tnLst>
+      <p:par>
+        <p:cTn id="1" dur="indefinite" restart="never" nodeType="tmRoot"/>
+      </p:par>
+    </p:tnLst>
+  </p:timing>
+</p:sld>
+</file>
+
+<file path=ppt/slides/slide16.xml><?xml version="1.0" encoding="utf-8"?>
+<p:sld xmlns:a="http://schemas.openxmlformats.org/drawingml/2006/main" xmlns:r="http://schemas.openxmlformats.org/officeDocument/2006/relationships" xmlns:p="http://schemas.openxmlformats.org/presentationml/2006/main">
+  <p:cSld>
+    <p:bg>
+      <p:bgPr>
+        <a:gradFill flip="none" rotWithShape="1">
+          <a:gsLst>
+            <a:gs pos="0">
+              <a:srgbClr val="C00000"/>
+            </a:gs>
+            <a:gs pos="50000">
+              <a:schemeClr val="accent1">
+                <a:tint val="44500"/>
+                <a:satMod val="160000"/>
+              </a:schemeClr>
+            </a:gs>
+            <a:gs pos="100000">
+              <a:schemeClr val="accent1">
+                <a:tint val="23500"/>
+                <a:satMod val="160000"/>
+              </a:schemeClr>
+            </a:gs>
+          </a:gsLst>
+          <a:lin ang="5400000" scaled="0"/>
+          <a:tileRect/>
+        </a:gradFill>
+        <a:effectLst/>
+      </p:bgPr>
+    </p:bg>
+    <p:spTree>
+      <p:nvGrpSpPr>
+        <p:cNvPr id="1" name=""/>
+        <p:cNvGrpSpPr/>
+        <p:nvPr/>
+      </p:nvGrpSpPr>
+      <p:grpSpPr>
+        <a:xfrm>
+          <a:off x="0" y="0"/>
+          <a:ext cx="0" cy="0"/>
+          <a:chOff x="0" y="0"/>
+          <a:chExt cx="0" cy="0"/>
+        </a:xfrm>
+      </p:grpSpPr>
+      <p:sp>
+        <p:nvSpPr>
+          <p:cNvPr id="2" name="Titel 1"/>
+          <p:cNvSpPr>
+            <a:spLocks noGrp="1"/>
+          </p:cNvSpPr>
+          <p:nvPr>
+            <p:ph type="title"/>
+          </p:nvPr>
+        </p:nvSpPr>
+        <p:spPr>
+          <a:xfrm>
+            <a:off x="2051720" y="274638"/>
+            <a:ext cx="6635080" cy="1143000"/>
+          </a:xfrm>
+        </p:spPr>
+        <p:txBody>
+          <a:bodyPr/>
+          <a:lstStyle/>
+          <a:p>
+            <a:r>
+              <a:rPr lang="de-CH" dirty="0" err="1" smtClean="0"/>
+              <a:t>Appcelerator</a:t>
+            </a:r>
+            <a:endParaRPr lang="de-CH" dirty="0"/>
+          </a:p>
+        </p:txBody>
+      </p:sp>
+      <p:graphicFrame>
+        <p:nvGraphicFramePr>
+          <p:cNvPr id="4" name="Inhaltsplatzhalter 3"/>
+          <p:cNvGraphicFramePr>
+            <a:graphicFrameLocks noGrp="1"/>
+          </p:cNvGraphicFramePr>
+          <p:nvPr>
+            <p:ph idx="1"/>
+            <p:extLst>
+              <p:ext uri="{D42A27DB-BD31-4B8C-83A1-F6EECF244321}">
+                <p14:modId xmlns:p14="http://schemas.microsoft.com/office/powerpoint/2010/main" val="2462862041"/>
+              </p:ext>
+            </p:extLst>
+          </p:nvPr>
+        </p:nvGraphicFramePr>
+        <p:xfrm>
+          <a:off x="395536" y="1870040"/>
+          <a:ext cx="8363272" cy="4079240"/>
+        </p:xfrm>
+        <a:graphic>
+          <a:graphicData uri="http://schemas.openxmlformats.org/drawingml/2006/table">
+            <a:tbl>
+              <a:tblPr firstRow="1" bandRow="1">
+                <a:tableStyleId>{5C22544A-7EE6-4342-B048-85BDC9FD1C3A}</a:tableStyleId>
+              </a:tblPr>
+              <a:tblGrid>
+                <a:gridCol w="2530624"/>
+                <a:gridCol w="936104"/>
+                <a:gridCol w="4896544"/>
+              </a:tblGrid>
+              <a:tr h="370840">
+                <a:tc>
+                  <a:txBody>
+                    <a:bodyPr/>
+                    <a:lstStyle/>
+                    <a:p>
+                      <a:r>
+                        <a:rPr lang="de-CH" dirty="0" smtClean="0"/>
+                        <a:t>Kriterium</a:t>
+                      </a:r>
+                      <a:endParaRPr lang="de-CH" dirty="0"/>
+                    </a:p>
+                  </a:txBody>
+                  <a:tcPr>
+                    <a:solidFill>
+                      <a:srgbClr val="C00000"/>
+                    </a:solidFill>
+                  </a:tcPr>
+                </a:tc>
+                <a:tc>
+                  <a:txBody>
+                    <a:bodyPr/>
+                    <a:lstStyle/>
+                    <a:p>
+                      <a:r>
+                        <a:rPr lang="de-CH" sz="1800" b="1" kern="1200" dirty="0" smtClean="0">
+                          <a:solidFill>
+                            <a:schemeClr val="lt1"/>
+                          </a:solidFill>
+                          <a:latin typeface="+mn-lt"/>
+                          <a:ea typeface="+mn-ea"/>
+                          <a:cs typeface="+mn-cs"/>
+                        </a:rPr>
+                        <a:t>Punkte</a:t>
+                      </a:r>
+                      <a:endParaRPr lang="de-CH" sz="1800" b="1" kern="1200" dirty="0">
+                        <a:solidFill>
+                          <a:schemeClr val="lt1"/>
+                        </a:solidFill>
+                        <a:latin typeface="+mn-lt"/>
+                        <a:ea typeface="+mn-ea"/>
+                        <a:cs typeface="+mn-cs"/>
+                      </a:endParaRPr>
+                    </a:p>
+                  </a:txBody>
+                  <a:tcPr>
+                    <a:solidFill>
+                      <a:srgbClr val="C00000"/>
+                    </a:solidFill>
+                  </a:tcPr>
+                </a:tc>
+                <a:tc>
+                  <a:txBody>
+                    <a:bodyPr/>
+                    <a:lstStyle/>
+                    <a:p>
+                      <a:r>
+                        <a:rPr lang="de-CH" sz="1800" b="1" kern="1200" dirty="0" smtClean="0">
+                          <a:solidFill>
+                            <a:schemeClr val="lt1"/>
+                          </a:solidFill>
+                          <a:latin typeface="+mn-lt"/>
+                          <a:ea typeface="+mn-ea"/>
+                          <a:cs typeface="+mn-cs"/>
+                        </a:rPr>
+                        <a:t>Erklärung</a:t>
+                      </a:r>
+                      <a:endParaRPr lang="de-CH" sz="1800" b="1" kern="1200" dirty="0">
+                        <a:solidFill>
+                          <a:schemeClr val="lt1"/>
+                        </a:solidFill>
+                        <a:latin typeface="+mn-lt"/>
+                        <a:ea typeface="+mn-ea"/>
+                        <a:cs typeface="+mn-cs"/>
+                      </a:endParaRPr>
+                    </a:p>
+                  </a:txBody>
+                  <a:tcPr>
+                    <a:solidFill>
+                      <a:srgbClr val="C00000"/>
+                    </a:solidFill>
+                  </a:tcPr>
+                </a:tc>
+              </a:tr>
+              <a:tr h="370840">
+                <a:tc>
+                  <a:txBody>
+                    <a:bodyPr/>
+                    <a:lstStyle/>
+                    <a:p>
+                      <a:pPr>
+                        <a:lnSpc>
+                          <a:spcPct val="115000"/>
+                        </a:lnSpc>
+                        <a:spcAft>
+                          <a:spcPts val="0"/>
+                        </a:spcAft>
+                      </a:pPr>
+                      <a:r>
+                        <a:rPr lang="de-CH" sz="1800" dirty="0">
+                          <a:effectLst/>
+                          <a:latin typeface="Calibri"/>
+                          <a:ea typeface="Calibri"/>
+                          <a:cs typeface="Times New Roman"/>
+                        </a:rPr>
+                        <a:t>Einfachheit</a:t>
+                      </a:r>
+                    </a:p>
+                  </a:txBody>
+                  <a:tcPr marL="68580" marR="68580" marT="0" marB="0"/>
+                </a:tc>
+                <a:tc>
+                  <a:txBody>
+                    <a:bodyPr/>
+                    <a:lstStyle/>
+                    <a:p>
+                      <a:pPr>
+                        <a:lnSpc>
+                          <a:spcPct val="115000"/>
+                        </a:lnSpc>
+                        <a:spcAft>
+                          <a:spcPts val="0"/>
+                        </a:spcAft>
+                      </a:pPr>
+                      <a:r>
+                        <a:rPr lang="de-CH" sz="1800">
+                          <a:effectLst/>
+                          <a:latin typeface="Calibri"/>
+                          <a:ea typeface="Calibri"/>
+                          <a:cs typeface="Times New Roman"/>
+                        </a:rPr>
+                        <a:t>4</a:t>
+                      </a:r>
+                    </a:p>
+                  </a:txBody>
+                  <a:tcPr marL="68580" marR="68580" marT="0" marB="0"/>
+                </a:tc>
+                <a:tc>
+                  <a:txBody>
+                    <a:bodyPr/>
+                    <a:lstStyle/>
+                    <a:p>
+                      <a:pPr>
+                        <a:lnSpc>
+                          <a:spcPct val="115000"/>
+                        </a:lnSpc>
+                        <a:spcAft>
+                          <a:spcPts val="0"/>
+                        </a:spcAft>
+                      </a:pPr>
+                      <a:r>
+                        <a:rPr lang="de-CH" sz="1800" dirty="0" smtClean="0">
+                          <a:effectLst/>
+                          <a:latin typeface="Calibri"/>
+                          <a:ea typeface="Calibri"/>
+                          <a:cs typeface="Times New Roman"/>
+                        </a:rPr>
+                        <a:t>Hohes</a:t>
+                      </a:r>
+                      <a:r>
+                        <a:rPr lang="de-CH" sz="1800" baseline="0" dirty="0" smtClean="0">
+                          <a:effectLst/>
+                          <a:latin typeface="Calibri"/>
+                          <a:ea typeface="Calibri"/>
+                          <a:cs typeface="Times New Roman"/>
+                        </a:rPr>
+                        <a:t> Level, keine strukturierten Elemente</a:t>
+                      </a:r>
+                      <a:endParaRPr lang="de-CH" sz="1800" dirty="0">
+                        <a:effectLst/>
+                        <a:latin typeface="Calibri"/>
+                        <a:ea typeface="Calibri"/>
+                        <a:cs typeface="Times New Roman"/>
+                      </a:endParaRPr>
+                    </a:p>
+                  </a:txBody>
+                  <a:tcPr marL="68580" marR="68580" marT="0" marB="0"/>
+                </a:tc>
+              </a:tr>
+              <a:tr h="370840">
+                <a:tc>
+                  <a:txBody>
+                    <a:bodyPr/>
+                    <a:lstStyle/>
+                    <a:p>
+                      <a:pPr>
+                        <a:lnSpc>
+                          <a:spcPct val="115000"/>
+                        </a:lnSpc>
+                        <a:spcAft>
+                          <a:spcPts val="0"/>
+                        </a:spcAft>
+                      </a:pPr>
+                      <a:r>
+                        <a:rPr lang="de-CH" sz="1800" dirty="0">
+                          <a:effectLst/>
+                          <a:latin typeface="Calibri"/>
+                          <a:ea typeface="Calibri"/>
+                          <a:cs typeface="Times New Roman"/>
+                        </a:rPr>
+                        <a:t>Entwicklungsumgebung</a:t>
+                      </a:r>
+                    </a:p>
+                  </a:txBody>
+                  <a:tcPr marL="68580" marR="68580" marT="0" marB="0"/>
+                </a:tc>
+                <a:tc>
+                  <a:txBody>
+                    <a:bodyPr/>
+                    <a:lstStyle/>
+                    <a:p>
+                      <a:pPr>
+                        <a:lnSpc>
+                          <a:spcPct val="115000"/>
+                        </a:lnSpc>
+                        <a:spcAft>
+                          <a:spcPts val="0"/>
+                        </a:spcAft>
+                      </a:pPr>
+                      <a:r>
+                        <a:rPr lang="de-CH" sz="1800">
+                          <a:effectLst/>
+                          <a:latin typeface="Calibri"/>
+                          <a:ea typeface="Calibri"/>
+                          <a:cs typeface="Times New Roman"/>
+                        </a:rPr>
+                        <a:t>6</a:t>
+                      </a:r>
+                    </a:p>
+                  </a:txBody>
+                  <a:tcPr marL="68580" marR="68580" marT="0" marB="0"/>
+                </a:tc>
+                <a:tc>
+                  <a:txBody>
+                    <a:bodyPr/>
+                    <a:lstStyle/>
+                    <a:p>
+                      <a:pPr>
+                        <a:lnSpc>
+                          <a:spcPct val="115000"/>
+                        </a:lnSpc>
+                        <a:spcAft>
+                          <a:spcPts val="0"/>
+                        </a:spcAft>
+                      </a:pPr>
+                      <a:r>
+                        <a:rPr lang="de-CH" sz="1800" dirty="0" err="1" smtClean="0">
+                          <a:effectLst/>
+                          <a:latin typeface="Calibri"/>
+                          <a:ea typeface="Calibri"/>
+                          <a:cs typeface="Times New Roman"/>
+                        </a:rPr>
+                        <a:t>Titanium</a:t>
+                      </a:r>
+                      <a:r>
+                        <a:rPr lang="de-CH" sz="1800" dirty="0" smtClean="0">
+                          <a:effectLst/>
+                          <a:latin typeface="Calibri"/>
+                          <a:ea typeface="Calibri"/>
+                          <a:cs typeface="Times New Roman"/>
+                        </a:rPr>
+                        <a:t> Studio, gute Hilfen, verschleiert</a:t>
+                      </a:r>
+                      <a:endParaRPr lang="de-CH" sz="1800" dirty="0">
+                        <a:effectLst/>
+                        <a:latin typeface="Calibri"/>
+                        <a:ea typeface="Calibri"/>
+                        <a:cs typeface="Times New Roman"/>
+                      </a:endParaRPr>
+                    </a:p>
+                  </a:txBody>
+                  <a:tcPr marL="68580" marR="68580" marT="0" marB="0"/>
+                </a:tc>
+              </a:tr>
+              <a:tr h="370840">
+                <a:tc>
+                  <a:txBody>
+                    <a:bodyPr/>
+                    <a:lstStyle/>
+                    <a:p>
+                      <a:pPr>
+                        <a:lnSpc>
+                          <a:spcPct val="115000"/>
+                        </a:lnSpc>
+                        <a:spcAft>
+                          <a:spcPts val="0"/>
+                        </a:spcAft>
+                      </a:pPr>
+                      <a:r>
+                        <a:rPr lang="de-CH" sz="1800" dirty="0">
+                          <a:effectLst/>
+                          <a:latin typeface="Calibri"/>
+                          <a:ea typeface="Calibri"/>
+                          <a:cs typeface="Times New Roman"/>
+                        </a:rPr>
+                        <a:t>Support</a:t>
+                      </a:r>
+                    </a:p>
+                  </a:txBody>
+                  <a:tcPr marL="68580" marR="68580" marT="0" marB="0"/>
+                </a:tc>
+                <a:tc>
+                  <a:txBody>
+                    <a:bodyPr/>
+                    <a:lstStyle/>
+                    <a:p>
+                      <a:pPr>
+                        <a:lnSpc>
+                          <a:spcPct val="115000"/>
+                        </a:lnSpc>
+                        <a:spcAft>
+                          <a:spcPts val="0"/>
+                        </a:spcAft>
+                      </a:pPr>
+                      <a:r>
+                        <a:rPr lang="de-CH" sz="1800">
+                          <a:effectLst/>
+                          <a:latin typeface="Calibri"/>
+                          <a:ea typeface="Calibri"/>
+                          <a:cs typeface="Times New Roman"/>
+                        </a:rPr>
+                        <a:t>4</a:t>
+                      </a:r>
+                    </a:p>
+                  </a:txBody>
+                  <a:tcPr marL="68580" marR="68580" marT="0" marB="0"/>
+                </a:tc>
+                <a:tc>
+                  <a:txBody>
+                    <a:bodyPr/>
+                    <a:lstStyle/>
+                    <a:p>
+                      <a:pPr>
+                        <a:lnSpc>
+                          <a:spcPct val="115000"/>
+                        </a:lnSpc>
+                        <a:spcAft>
+                          <a:spcPts val="0"/>
+                        </a:spcAft>
+                      </a:pPr>
+                      <a:r>
+                        <a:rPr lang="de-CH" sz="1800" dirty="0" smtClean="0">
+                          <a:effectLst/>
+                          <a:latin typeface="Calibri"/>
+                          <a:ea typeface="Calibri"/>
+                          <a:cs typeface="Times New Roman"/>
+                        </a:rPr>
+                        <a:t>Business-Orientiert,</a:t>
+                      </a:r>
+                      <a:r>
+                        <a:rPr lang="de-CH" sz="1800" baseline="0" dirty="0" smtClean="0">
+                          <a:effectLst/>
+                          <a:latin typeface="Calibri"/>
+                          <a:ea typeface="Calibri"/>
+                          <a:cs typeface="Times New Roman"/>
+                        </a:rPr>
+                        <a:t> keine Preise, FAQ</a:t>
+                      </a:r>
+                      <a:endParaRPr lang="de-CH" sz="1800" dirty="0">
+                        <a:effectLst/>
+                        <a:latin typeface="Calibri"/>
+                        <a:ea typeface="Calibri"/>
+                        <a:cs typeface="Times New Roman"/>
+                      </a:endParaRPr>
+                    </a:p>
+                  </a:txBody>
+                  <a:tcPr marL="68580" marR="68580" marT="0" marB="0"/>
+                </a:tc>
+              </a:tr>
+              <a:tr h="370840">
+                <a:tc>
+                  <a:txBody>
+                    <a:bodyPr/>
+                    <a:lstStyle/>
+                    <a:p>
+                      <a:pPr>
+                        <a:lnSpc>
+                          <a:spcPct val="115000"/>
+                        </a:lnSpc>
+                        <a:spcAft>
+                          <a:spcPts val="0"/>
+                        </a:spcAft>
+                      </a:pPr>
+                      <a:r>
+                        <a:rPr lang="de-CH" sz="1800" dirty="0">
+                          <a:effectLst/>
+                          <a:latin typeface="Calibri"/>
+                          <a:ea typeface="Calibri"/>
+                          <a:cs typeface="Times New Roman"/>
+                        </a:rPr>
+                        <a:t>Dokumentation</a:t>
+                      </a:r>
+                    </a:p>
+                  </a:txBody>
+                  <a:tcPr marL="68580" marR="68580" marT="0" marB="0"/>
+                </a:tc>
+                <a:tc>
+                  <a:txBody>
+                    <a:bodyPr/>
+                    <a:lstStyle/>
+                    <a:p>
+                      <a:pPr>
+                        <a:lnSpc>
+                          <a:spcPct val="115000"/>
+                        </a:lnSpc>
+                        <a:spcAft>
+                          <a:spcPts val="0"/>
+                        </a:spcAft>
+                      </a:pPr>
+                      <a:r>
+                        <a:rPr lang="de-CH" sz="1800">
+                          <a:effectLst/>
+                          <a:latin typeface="Calibri"/>
+                          <a:ea typeface="Calibri"/>
+                          <a:cs typeface="Times New Roman"/>
+                        </a:rPr>
+                        <a:t>7</a:t>
+                      </a:r>
+                    </a:p>
+                  </a:txBody>
+                  <a:tcPr marL="68580" marR="68580" marT="0" marB="0"/>
+                </a:tc>
+                <a:tc>
+                  <a:txBody>
+                    <a:bodyPr/>
+                    <a:lstStyle/>
+                    <a:p>
+                      <a:pPr>
+                        <a:lnSpc>
+                          <a:spcPct val="115000"/>
+                        </a:lnSpc>
+                        <a:spcAft>
+                          <a:spcPts val="0"/>
+                        </a:spcAft>
+                      </a:pPr>
+                      <a:r>
+                        <a:rPr lang="de-CH" sz="1800" dirty="0" smtClean="0">
+                          <a:effectLst/>
+                          <a:latin typeface="Calibri"/>
+                          <a:ea typeface="Calibri"/>
+                          <a:cs typeface="Times New Roman"/>
+                        </a:rPr>
+                        <a:t>Viele Vorhanden, Buch, Wiki, Overhead</a:t>
+                      </a:r>
+                      <a:endParaRPr lang="de-CH" sz="1800" dirty="0">
+                        <a:effectLst/>
+                        <a:latin typeface="Calibri"/>
+                        <a:ea typeface="Calibri"/>
+                        <a:cs typeface="Times New Roman"/>
+                      </a:endParaRPr>
+                    </a:p>
+                  </a:txBody>
+                  <a:tcPr marL="68580" marR="68580" marT="0" marB="0"/>
+                </a:tc>
+              </a:tr>
+              <a:tr h="370840">
+                <a:tc>
+                  <a:txBody>
+                    <a:bodyPr/>
+                    <a:lstStyle/>
+                    <a:p>
+                      <a:pPr>
+                        <a:lnSpc>
+                          <a:spcPct val="115000"/>
+                        </a:lnSpc>
+                        <a:spcAft>
+                          <a:spcPts val="0"/>
+                        </a:spcAft>
+                      </a:pPr>
+                      <a:r>
+                        <a:rPr lang="de-CH" sz="1800" dirty="0">
+                          <a:effectLst/>
+                          <a:latin typeface="Calibri"/>
+                          <a:ea typeface="Calibri"/>
+                          <a:cs typeface="Times New Roman"/>
+                        </a:rPr>
+                        <a:t>Tutorials</a:t>
+                      </a:r>
+                    </a:p>
+                  </a:txBody>
+                  <a:tcPr marL="68580" marR="68580" marT="0" marB="0"/>
+                </a:tc>
+                <a:tc>
+                  <a:txBody>
+                    <a:bodyPr/>
+                    <a:lstStyle/>
+                    <a:p>
+                      <a:pPr>
+                        <a:lnSpc>
+                          <a:spcPct val="115000"/>
+                        </a:lnSpc>
+                        <a:spcAft>
+                          <a:spcPts val="0"/>
+                        </a:spcAft>
+                      </a:pPr>
+                      <a:r>
+                        <a:rPr lang="de-CH" sz="1800">
+                          <a:effectLst/>
+                          <a:latin typeface="Calibri"/>
+                          <a:ea typeface="Calibri"/>
+                          <a:cs typeface="Times New Roman"/>
+                        </a:rPr>
+                        <a:t>4</a:t>
+                      </a:r>
+                    </a:p>
+                  </a:txBody>
+                  <a:tcPr marL="68580" marR="68580" marT="0" marB="0"/>
+                </a:tc>
+                <a:tc>
+                  <a:txBody>
+                    <a:bodyPr/>
+                    <a:lstStyle/>
+                    <a:p>
+                      <a:pPr>
+                        <a:lnSpc>
+                          <a:spcPct val="115000"/>
+                        </a:lnSpc>
+                        <a:spcAft>
+                          <a:spcPts val="0"/>
+                        </a:spcAft>
+                      </a:pPr>
+                      <a:r>
+                        <a:rPr lang="de-CH" sz="1800" dirty="0" smtClean="0">
+                          <a:effectLst/>
+                          <a:latin typeface="Calibri"/>
+                          <a:ea typeface="Calibri"/>
+                          <a:cs typeface="Times New Roman"/>
+                        </a:rPr>
+                        <a:t>78K Hits, Feature</a:t>
+                      </a:r>
+                      <a:r>
+                        <a:rPr lang="de-CH" sz="1800" baseline="0" dirty="0" smtClean="0">
+                          <a:effectLst/>
+                          <a:latin typeface="Calibri"/>
+                          <a:ea typeface="Calibri"/>
+                          <a:cs typeface="Times New Roman"/>
+                        </a:rPr>
+                        <a:t>-Präsentationen,  ausprobieren</a:t>
+                      </a:r>
+                      <a:endParaRPr lang="de-CH" sz="1800" dirty="0">
+                        <a:effectLst/>
+                        <a:latin typeface="Calibri"/>
+                        <a:ea typeface="Calibri"/>
+                        <a:cs typeface="Times New Roman"/>
+                      </a:endParaRPr>
+                    </a:p>
+                  </a:txBody>
+                  <a:tcPr marL="68580" marR="68580" marT="0" marB="0"/>
+                </a:tc>
+              </a:tr>
+              <a:tr h="370840">
+                <a:tc>
+                  <a:txBody>
+                    <a:bodyPr/>
+                    <a:lstStyle/>
+                    <a:p>
+                      <a:pPr>
+                        <a:lnSpc>
+                          <a:spcPct val="115000"/>
+                        </a:lnSpc>
+                        <a:spcAft>
+                          <a:spcPts val="0"/>
+                        </a:spcAft>
+                      </a:pPr>
+                      <a:r>
+                        <a:rPr lang="de-CH" sz="1800" dirty="0">
+                          <a:effectLst/>
+                          <a:latin typeface="Calibri"/>
+                          <a:ea typeface="Calibri"/>
+                          <a:cs typeface="Times New Roman"/>
+                        </a:rPr>
+                        <a:t>Building</a:t>
+                      </a:r>
+                    </a:p>
+                  </a:txBody>
+                  <a:tcPr marL="68580" marR="68580" marT="0" marB="0"/>
+                </a:tc>
+                <a:tc>
+                  <a:txBody>
+                    <a:bodyPr/>
+                    <a:lstStyle/>
+                    <a:p>
+                      <a:pPr>
+                        <a:lnSpc>
+                          <a:spcPct val="115000"/>
+                        </a:lnSpc>
+                        <a:spcAft>
+                          <a:spcPts val="0"/>
+                        </a:spcAft>
+                      </a:pPr>
+                      <a:r>
+                        <a:rPr lang="de-CH" sz="1800">
+                          <a:effectLst/>
+                          <a:latin typeface="Calibri"/>
+                          <a:ea typeface="Calibri"/>
+                          <a:cs typeface="Times New Roman"/>
+                        </a:rPr>
+                        <a:t>5</a:t>
+                      </a:r>
+                    </a:p>
+                  </a:txBody>
+                  <a:tcPr marL="68580" marR="68580" marT="0" marB="0"/>
+                </a:tc>
+                <a:tc>
+                  <a:txBody>
+                    <a:bodyPr/>
+                    <a:lstStyle/>
+                    <a:p>
+                      <a:pPr>
+                        <a:lnSpc>
+                          <a:spcPct val="115000"/>
+                        </a:lnSpc>
+                        <a:spcAft>
+                          <a:spcPts val="0"/>
+                        </a:spcAft>
+                      </a:pPr>
+                      <a:r>
+                        <a:rPr lang="de-CH" sz="1800" dirty="0" smtClean="0">
+                          <a:effectLst/>
+                          <a:latin typeface="Calibri"/>
+                          <a:ea typeface="Calibri"/>
+                          <a:cs typeface="Times New Roman"/>
+                        </a:rPr>
+                        <a:t>Gibt</a:t>
+                      </a:r>
+                      <a:r>
+                        <a:rPr lang="de-CH" sz="1800" baseline="0" dirty="0" smtClean="0">
+                          <a:effectLst/>
+                          <a:latin typeface="Calibri"/>
+                          <a:ea typeface="Calibri"/>
+                          <a:cs typeface="Times New Roman"/>
+                        </a:rPr>
+                        <a:t> es nicht</a:t>
+                      </a:r>
+                      <a:endParaRPr lang="de-CH" sz="1800" dirty="0">
+                        <a:effectLst/>
+                        <a:latin typeface="Calibri"/>
+                        <a:ea typeface="Calibri"/>
+                        <a:cs typeface="Times New Roman"/>
+                      </a:endParaRPr>
+                    </a:p>
+                  </a:txBody>
+                  <a:tcPr marL="68580" marR="68580" marT="0" marB="0"/>
+                </a:tc>
+              </a:tr>
+              <a:tr h="370840">
+                <a:tc>
+                  <a:txBody>
+                    <a:bodyPr/>
+                    <a:lstStyle/>
+                    <a:p>
+                      <a:pPr>
+                        <a:lnSpc>
+                          <a:spcPct val="115000"/>
+                        </a:lnSpc>
+                        <a:spcAft>
+                          <a:spcPts val="0"/>
+                        </a:spcAft>
+                      </a:pPr>
+                      <a:r>
+                        <a:rPr lang="de-CH" sz="1800" dirty="0">
+                          <a:effectLst/>
+                          <a:latin typeface="Calibri"/>
+                          <a:ea typeface="Calibri"/>
+                          <a:cs typeface="Times New Roman"/>
+                        </a:rPr>
+                        <a:t>Testing</a:t>
+                      </a:r>
+                    </a:p>
+                  </a:txBody>
+                  <a:tcPr marL="68580" marR="68580" marT="0" marB="0"/>
+                </a:tc>
+                <a:tc>
+                  <a:txBody>
+                    <a:bodyPr/>
+                    <a:lstStyle/>
+                    <a:p>
+                      <a:pPr>
+                        <a:lnSpc>
+                          <a:spcPct val="115000"/>
+                        </a:lnSpc>
+                        <a:spcAft>
+                          <a:spcPts val="0"/>
+                        </a:spcAft>
+                      </a:pPr>
+                      <a:r>
+                        <a:rPr lang="de-CH" sz="1800" dirty="0">
+                          <a:effectLst/>
+                          <a:latin typeface="Calibri"/>
+                          <a:ea typeface="Calibri"/>
+                          <a:cs typeface="Times New Roman"/>
+                        </a:rPr>
+                        <a:t>9</a:t>
+                      </a:r>
+                    </a:p>
+                  </a:txBody>
+                  <a:tcPr marL="68580" marR="68580" marT="0" marB="0"/>
+                </a:tc>
+                <a:tc>
+                  <a:txBody>
+                    <a:bodyPr/>
+                    <a:lstStyle/>
+                    <a:p>
+                      <a:pPr>
+                        <a:lnSpc>
+                          <a:spcPct val="115000"/>
+                        </a:lnSpc>
+                        <a:spcAft>
+                          <a:spcPts val="0"/>
+                        </a:spcAft>
+                      </a:pPr>
+                      <a:r>
+                        <a:rPr lang="de-CH" sz="1800" dirty="0" smtClean="0">
+                          <a:effectLst/>
+                          <a:latin typeface="Calibri"/>
+                          <a:ea typeface="Calibri"/>
+                          <a:cs typeface="Times New Roman"/>
+                        </a:rPr>
+                        <a:t>Testing-Erweiterungen, methodisch, standardisiert</a:t>
+                      </a:r>
+                      <a:endParaRPr lang="de-CH" sz="1800" dirty="0">
+                        <a:effectLst/>
+                        <a:latin typeface="Calibri"/>
+                        <a:ea typeface="Calibri"/>
+                        <a:cs typeface="Times New Roman"/>
+                      </a:endParaRPr>
+                    </a:p>
+                  </a:txBody>
+                  <a:tcPr marL="68580" marR="68580" marT="0" marB="0"/>
+                </a:tc>
+              </a:tr>
+              <a:tr h="370840">
+                <a:tc>
+                  <a:txBody>
+                    <a:bodyPr/>
+                    <a:lstStyle/>
+                    <a:p>
+                      <a:pPr>
+                        <a:lnSpc>
+                          <a:spcPct val="115000"/>
+                        </a:lnSpc>
+                        <a:spcAft>
+                          <a:spcPts val="0"/>
+                        </a:spcAft>
+                      </a:pPr>
+                      <a:r>
+                        <a:rPr lang="de-CH" sz="1800">
+                          <a:effectLst/>
+                          <a:latin typeface="Calibri"/>
+                          <a:ea typeface="Calibri"/>
+                          <a:cs typeface="Times New Roman"/>
+                        </a:rPr>
+                        <a:t>Verbreitung</a:t>
+                      </a:r>
+                    </a:p>
+                  </a:txBody>
+                  <a:tcPr marL="68580" marR="68580" marT="0" marB="0"/>
+                </a:tc>
+                <a:tc>
+                  <a:txBody>
+                    <a:bodyPr/>
+                    <a:lstStyle/>
+                    <a:p>
+                      <a:pPr>
+                        <a:lnSpc>
+                          <a:spcPct val="115000"/>
+                        </a:lnSpc>
+                        <a:spcAft>
+                          <a:spcPts val="0"/>
+                        </a:spcAft>
+                      </a:pPr>
+                      <a:r>
+                        <a:rPr lang="de-CH" sz="1800" dirty="0">
+                          <a:effectLst/>
+                          <a:latin typeface="Calibri"/>
+                          <a:ea typeface="Calibri"/>
+                          <a:cs typeface="Times New Roman"/>
+                        </a:rPr>
+                        <a:t>7</a:t>
+                      </a:r>
+                    </a:p>
+                  </a:txBody>
+                  <a:tcPr marL="68580" marR="68580" marT="0" marB="0"/>
+                </a:tc>
+                <a:tc>
+                  <a:txBody>
+                    <a:bodyPr/>
+                    <a:lstStyle/>
+                    <a:p>
+                      <a:pPr>
+                        <a:lnSpc>
+                          <a:spcPct val="115000"/>
+                        </a:lnSpc>
+                        <a:spcAft>
+                          <a:spcPts val="0"/>
+                        </a:spcAft>
+                      </a:pPr>
+                      <a:r>
+                        <a:rPr lang="de-CH" sz="1800" dirty="0" smtClean="0">
+                          <a:effectLst/>
+                          <a:latin typeface="Calibri"/>
+                          <a:ea typeface="Calibri"/>
+                          <a:cs typeface="Times New Roman"/>
+                        </a:rPr>
+                        <a:t>621K Hits, 35’000 Apps, global Players</a:t>
+                      </a:r>
+                      <a:endParaRPr lang="de-CH" sz="1800" dirty="0">
+                        <a:effectLst/>
+                        <a:latin typeface="Calibri"/>
+                        <a:ea typeface="Calibri"/>
+                        <a:cs typeface="Times New Roman"/>
+                      </a:endParaRPr>
+                    </a:p>
+                  </a:txBody>
+                  <a:tcPr marL="68580" marR="68580" marT="0" marB="0"/>
+                </a:tc>
+              </a:tr>
+              <a:tr h="370840">
+                <a:tc>
+                  <a:txBody>
+                    <a:bodyPr/>
+                    <a:lstStyle/>
+                    <a:p>
+                      <a:pPr>
+                        <a:lnSpc>
+                          <a:spcPct val="115000"/>
+                        </a:lnSpc>
+                        <a:spcAft>
+                          <a:spcPts val="0"/>
+                        </a:spcAft>
+                      </a:pPr>
+                      <a:r>
+                        <a:rPr lang="de-CH" sz="1800">
+                          <a:effectLst/>
+                          <a:latin typeface="Calibri"/>
+                          <a:ea typeface="Calibri"/>
+                          <a:cs typeface="Times New Roman"/>
+                        </a:rPr>
+                        <a:t>Spezielles</a:t>
+                      </a:r>
+                    </a:p>
+                  </a:txBody>
+                  <a:tcPr marL="68580" marR="68580" marT="0" marB="0"/>
+                </a:tc>
+                <a:tc>
+                  <a:txBody>
+                    <a:bodyPr/>
+                    <a:lstStyle/>
+                    <a:p>
+                      <a:pPr>
+                        <a:lnSpc>
+                          <a:spcPct val="115000"/>
+                        </a:lnSpc>
+                        <a:spcAft>
+                          <a:spcPts val="0"/>
+                        </a:spcAft>
+                      </a:pPr>
+                      <a:r>
+                        <a:rPr lang="de-CH" sz="1800" dirty="0">
+                          <a:effectLst/>
+                          <a:latin typeface="Calibri"/>
+                          <a:ea typeface="Calibri"/>
+                          <a:cs typeface="Times New Roman"/>
+                        </a:rPr>
+                        <a:t>2</a:t>
+                      </a:r>
+                    </a:p>
+                  </a:txBody>
+                  <a:tcPr marL="68580" marR="68580" marT="0" marB="0"/>
+                </a:tc>
+                <a:tc>
+                  <a:txBody>
+                    <a:bodyPr/>
+                    <a:lstStyle/>
+                    <a:p>
+                      <a:pPr>
+                        <a:lnSpc>
+                          <a:spcPct val="115000"/>
+                        </a:lnSpc>
+                        <a:spcAft>
+                          <a:spcPts val="0"/>
+                        </a:spcAft>
+                      </a:pPr>
+                      <a:r>
+                        <a:rPr lang="de-CH" sz="1800" dirty="0" err="1" smtClean="0">
+                          <a:effectLst/>
+                          <a:latin typeface="Calibri"/>
+                          <a:ea typeface="Calibri"/>
+                          <a:cs typeface="Times New Roman"/>
+                        </a:rPr>
+                        <a:t>Cloud</a:t>
+                      </a:r>
+                      <a:r>
+                        <a:rPr lang="de-CH" sz="1800" dirty="0" smtClean="0">
+                          <a:effectLst/>
+                          <a:latin typeface="Calibri"/>
+                          <a:ea typeface="Calibri"/>
+                          <a:cs typeface="Times New Roman"/>
+                        </a:rPr>
+                        <a:t>-Anbieter, eigener Marktplatz</a:t>
+                      </a:r>
+                      <a:endParaRPr lang="de-CH" sz="1800" dirty="0">
+                        <a:effectLst/>
+                        <a:latin typeface="Calibri"/>
+                        <a:ea typeface="Calibri"/>
+                        <a:cs typeface="Times New Roman"/>
+                      </a:endParaRPr>
+                    </a:p>
+                  </a:txBody>
+                  <a:tcPr marL="68580" marR="68580" marT="0" marB="0"/>
+                </a:tc>
+              </a:tr>
+              <a:tr h="370840">
+                <a:tc>
+                  <a:txBody>
+                    <a:bodyPr/>
+                    <a:lstStyle/>
+                    <a:p>
+                      <a:pPr>
+                        <a:lnSpc>
+                          <a:spcPct val="115000"/>
+                        </a:lnSpc>
+                        <a:spcAft>
+                          <a:spcPts val="0"/>
+                        </a:spcAft>
+                      </a:pPr>
+                      <a:r>
+                        <a:rPr lang="de-CH" sz="1800" b="1">
+                          <a:effectLst/>
+                          <a:latin typeface="Calibri"/>
+                          <a:ea typeface="Calibri"/>
+                          <a:cs typeface="Times New Roman"/>
+                        </a:rPr>
+                        <a:t>Total</a:t>
+                      </a:r>
+                      <a:endParaRPr lang="de-CH" sz="1800">
+                        <a:effectLst/>
+                        <a:latin typeface="Calibri"/>
+                        <a:ea typeface="Calibri"/>
+                        <a:cs typeface="Times New Roman"/>
+                      </a:endParaRPr>
+                    </a:p>
+                  </a:txBody>
+                  <a:tcPr marL="68580" marR="68580" marT="0" marB="0"/>
+                </a:tc>
+                <a:tc>
+                  <a:txBody>
+                    <a:bodyPr/>
+                    <a:lstStyle/>
+                    <a:p>
+                      <a:pPr>
+                        <a:lnSpc>
+                          <a:spcPct val="115000"/>
+                        </a:lnSpc>
+                        <a:spcAft>
+                          <a:spcPts val="0"/>
+                        </a:spcAft>
+                      </a:pPr>
+                      <a:r>
+                        <a:rPr lang="de-CH" sz="1800" b="1" dirty="0">
+                          <a:effectLst/>
+                          <a:latin typeface="Calibri"/>
+                          <a:ea typeface="Calibri"/>
+                          <a:cs typeface="Times New Roman"/>
+                        </a:rPr>
+                        <a:t>48</a:t>
+                      </a:r>
+                      <a:endParaRPr lang="de-CH" sz="1800" dirty="0">
+                        <a:effectLst/>
+                        <a:latin typeface="Calibri"/>
+                        <a:ea typeface="Calibri"/>
+                        <a:cs typeface="Times New Roman"/>
+                      </a:endParaRPr>
+                    </a:p>
+                  </a:txBody>
+                  <a:tcPr marL="68580" marR="68580" marT="0" marB="0"/>
+                </a:tc>
+                <a:tc>
+                  <a:txBody>
+                    <a:bodyPr/>
+                    <a:lstStyle/>
+                    <a:p>
+                      <a:pPr>
+                        <a:lnSpc>
+                          <a:spcPct val="115000"/>
+                        </a:lnSpc>
+                        <a:spcAft>
+                          <a:spcPts val="0"/>
+                        </a:spcAft>
+                      </a:pPr>
+                      <a:endParaRPr lang="de-CH" sz="1800" dirty="0">
+                        <a:effectLst/>
+                        <a:latin typeface="Calibri"/>
+                        <a:ea typeface="Calibri"/>
+                        <a:cs typeface="Times New Roman"/>
+                      </a:endParaRPr>
+                    </a:p>
+                  </a:txBody>
+                  <a:tcPr marL="68580" marR="68580" marT="0" marB="0"/>
+                </a:tc>
+              </a:tr>
+            </a:tbl>
+          </a:graphicData>
+        </a:graphic>
+      </p:graphicFrame>
+      <p:pic>
+        <p:nvPicPr>
+          <p:cNvPr id="6146" name="Picture 2" descr="F:\Schule\HSZ-T\3. Jahr\Handheld\Semesterarbeit\Handheld_Repo\Media\Appcelerator Titanium\Appcelerator_Logo.JPG"/>
+          <p:cNvPicPr>
+            <a:picLocks noChangeAspect="1" noChangeArrowheads="1"/>
+          </p:cNvPicPr>
+          <p:nvPr/>
+        </p:nvPicPr>
+        <p:blipFill>
+          <a:blip r:embed="rId3">
+            <a:extLst>
+              <a:ext uri="{28A0092B-C50C-407E-A947-70E740481C1C}">
+                <a14:useLocalDpi xmlns:a14="http://schemas.microsoft.com/office/drawing/2010/main" val="0"/>
+              </a:ext>
+            </a:extLst>
+          </a:blip>
+          <a:srcRect/>
+          <a:stretch>
+            <a:fillRect/>
+          </a:stretch>
+        </p:blipFill>
+        <p:spPr bwMode="auto">
+          <a:xfrm>
+            <a:off x="179511" y="434842"/>
+            <a:ext cx="3448541" cy="746919"/>
+          </a:xfrm>
+          <a:prstGeom prst="rect">
+            <a:avLst/>
+          </a:prstGeom>
+          <a:noFill/>
+          <a:extLst>
+            <a:ext uri="{909E8E84-426E-40DD-AFC4-6F175D3DCCD1}">
+              <a14:hiddenFill xmlns:a14="http://schemas.microsoft.com/office/drawing/2010/main">
+                <a:solidFill>
+                  <a:srgbClr val="FFFFFF"/>
+                </a:solidFill>
+              </a14:hiddenFill>
+            </a:ext>
+          </a:extLst>
+        </p:spPr>
+      </p:pic>
+    </p:spTree>
+    <p:extLst>
+      <p:ext uri="{BB962C8B-B14F-4D97-AF65-F5344CB8AC3E}">
+        <p14:creationId xmlns:p14="http://schemas.microsoft.com/office/powerpoint/2010/main" val="812823829"/>
+      </p:ext>
+    </p:extLst>
+  </p:cSld>
+  <p:clrMapOvr>
+    <a:masterClrMapping/>
+  </p:clrMapOvr>
+  <p:timing>
+    <p:tnLst>
+      <p:par>
+        <p:cTn id="1" dur="indefinite" restart="never" nodeType="tmRoot"/>
+      </p:par>
+    </p:tnLst>
+  </p:timing>
+</p:sld>
+</file>
+
+<file path=ppt/slides/slide17.xml><?xml version="1.0" encoding="utf-8"?>
+<p:sld xmlns:a="http://schemas.openxmlformats.org/drawingml/2006/main" xmlns:r="http://schemas.openxmlformats.org/officeDocument/2006/relationships" xmlns:p="http://schemas.openxmlformats.org/presentationml/2006/main">
+  <p:cSld>
+    <p:bg>
+      <p:bgPr>
+        <a:gradFill flip="none" rotWithShape="1">
+          <a:gsLst>
+            <a:gs pos="0">
               <a:srgbClr val="69A12B"/>
             </a:gs>
             <a:gs pos="50000">
@@ -3899,6 +6338,43 @@
           <a:bodyPr/>
           <a:lstStyle/>
           <a:p>
+            <a:endParaRPr lang="de-CH" dirty="0" smtClean="0"/>
+          </a:p>
+          <a:p>
+            <a:r>
+              <a:rPr lang="de-CH" dirty="0" smtClean="0"/>
+              <a:t>Entwicklung von Web-Apps mit HW-Beschleunigung</a:t>
+            </a:r>
+          </a:p>
+          <a:p>
+            <a:endParaRPr lang="de-CH" dirty="0"/>
+          </a:p>
+          <a:p>
+            <a:r>
+              <a:rPr lang="de-CH" dirty="0" smtClean="0"/>
+              <a:t>Hauptsächlich für Apple-Devices</a:t>
+            </a:r>
+          </a:p>
+          <a:p>
+            <a:endParaRPr lang="de-CH" dirty="0"/>
+          </a:p>
+          <a:p>
+            <a:r>
+              <a:rPr lang="de-CH" dirty="0" smtClean="0"/>
+              <a:t>Apple Look </a:t>
+            </a:r>
+            <a:r>
+              <a:rPr lang="de-CH" dirty="0" err="1" smtClean="0"/>
+              <a:t>and</a:t>
+            </a:r>
+            <a:r>
+              <a:rPr lang="de-CH" dirty="0" smtClean="0"/>
+              <a:t> </a:t>
+            </a:r>
+            <a:r>
+              <a:rPr lang="de-CH" dirty="0" err="1" smtClean="0"/>
+              <a:t>Feel</a:t>
+            </a:r>
             <a:endParaRPr lang="de-CH" dirty="0"/>
           </a:p>
         </p:txBody>
@@ -3912,7 +6388,7 @@
           <p:nvPr/>
         </p:nvPicPr>
         <p:blipFill>
-          <a:blip r:embed="rId2">
+          <a:blip r:embed="rId3">
             <a:extLst>
               <a:ext uri="{28A0092B-C50C-407E-A947-70E740481C1C}">
                 <a14:useLocalDpi xmlns:a14="http://schemas.microsoft.com/office/drawing/2010/main" val="0"/>
@@ -3928,6 +6404,47 @@
           <a:xfrm>
             <a:off x="179512" y="404664"/>
             <a:ext cx="3916994" cy="756692"/>
+          </a:xfrm>
+          <a:prstGeom prst="rect">
+            <a:avLst/>
+          </a:prstGeom>
+          <a:noFill/>
+          <a:extLst>
+            <a:ext uri="{909E8E84-426E-40DD-AFC4-6F175D3DCCD1}">
+              <a14:hiddenFill xmlns:a14="http://schemas.microsoft.com/office/drawing/2010/main">
+                <a:solidFill>
+                  <a:srgbClr val="FFFFFF"/>
+                </a:solidFill>
+              </a14:hiddenFill>
+            </a:ext>
+          </a:extLst>
+        </p:spPr>
+      </p:pic>
+      <p:pic>
+        <p:nvPicPr>
+          <p:cNvPr id="3074" name="Picture 2" descr="F:\Schule\HSZ-T\3. Jahr\Handheld\Semesterarbeit\Handheld_Repo\Media\Sproutcore Touch\guides2.JPG"/>
+          <p:cNvPicPr>
+            <a:picLocks noChangeAspect="1" noChangeArrowheads="1"/>
+          </p:cNvPicPr>
+          <p:nvPr/>
+        </p:nvPicPr>
+        <p:blipFill>
+          <a:blip r:embed="rId4">
+            <a:extLst>
+              <a:ext uri="{28A0092B-C50C-407E-A947-70E740481C1C}">
+                <a14:useLocalDpi xmlns:a14="http://schemas.microsoft.com/office/drawing/2010/main" val="0"/>
+              </a:ext>
+            </a:extLst>
+          </a:blip>
+          <a:srcRect/>
+          <a:stretch>
+            <a:fillRect/>
+          </a:stretch>
+        </p:blipFill>
+        <p:spPr bwMode="auto">
+          <a:xfrm>
+            <a:off x="7650114" y="5445224"/>
+            <a:ext cx="971650" cy="1095315"/>
           </a:xfrm>
           <a:prstGeom prst="rect">
             <a:avLst/>
@@ -3964,7 +6481,1428 @@
 </p:sld>
 </file>
 
-<file path=ppt/slides/slide16.xml><?xml version="1.0" encoding="utf-8"?>
+<file path=ppt/slides/slide18.xml><?xml version="1.0" encoding="utf-8"?>
+<p:sld xmlns:a="http://schemas.openxmlformats.org/drawingml/2006/main" xmlns:r="http://schemas.openxmlformats.org/officeDocument/2006/relationships" xmlns:p="http://schemas.openxmlformats.org/presentationml/2006/main">
+  <p:cSld>
+    <p:bg>
+      <p:bgPr>
+        <a:gradFill flip="none" rotWithShape="1">
+          <a:gsLst>
+            <a:gs pos="0">
+              <a:srgbClr val="69A12B"/>
+            </a:gs>
+            <a:gs pos="50000">
+              <a:schemeClr val="accent1">
+                <a:tint val="44500"/>
+                <a:satMod val="160000"/>
+              </a:schemeClr>
+            </a:gs>
+            <a:gs pos="100000">
+              <a:schemeClr val="accent1">
+                <a:tint val="23500"/>
+                <a:satMod val="160000"/>
+              </a:schemeClr>
+            </a:gs>
+          </a:gsLst>
+          <a:lin ang="5400000" scaled="0"/>
+          <a:tileRect/>
+        </a:gradFill>
+        <a:effectLst/>
+      </p:bgPr>
+    </p:bg>
+    <p:spTree>
+      <p:nvGrpSpPr>
+        <p:cNvPr id="1" name=""/>
+        <p:cNvGrpSpPr/>
+        <p:nvPr/>
+      </p:nvGrpSpPr>
+      <p:grpSpPr>
+        <a:xfrm>
+          <a:off x="0" y="0"/>
+          <a:ext cx="0" cy="0"/>
+          <a:chOff x="0" y="0"/>
+          <a:chExt cx="0" cy="0"/>
+        </a:xfrm>
+      </p:grpSpPr>
+      <p:sp>
+        <p:nvSpPr>
+          <p:cNvPr id="2" name="Titel 1"/>
+          <p:cNvSpPr>
+            <a:spLocks noGrp="1"/>
+          </p:cNvSpPr>
+          <p:nvPr>
+            <p:ph type="title"/>
+          </p:nvPr>
+        </p:nvSpPr>
+        <p:spPr>
+          <a:xfrm>
+            <a:off x="3635896" y="274638"/>
+            <a:ext cx="5050903" cy="1143000"/>
+          </a:xfrm>
+        </p:spPr>
+        <p:txBody>
+          <a:bodyPr/>
+          <a:lstStyle/>
+          <a:p>
+            <a:r>
+              <a:rPr lang="de-CH" dirty="0" smtClean="0"/>
+              <a:t>Sproutcore Touch</a:t>
+            </a:r>
+            <a:endParaRPr lang="de-CH" dirty="0"/>
+          </a:p>
+        </p:txBody>
+      </p:sp>
+      <p:sp>
+        <p:nvSpPr>
+          <p:cNvPr id="3" name="Inhaltsplatzhalter 2"/>
+          <p:cNvSpPr>
+            <a:spLocks noGrp="1"/>
+          </p:cNvSpPr>
+          <p:nvPr>
+            <p:ph idx="1"/>
+          </p:nvPr>
+        </p:nvSpPr>
+        <p:spPr/>
+        <p:txBody>
+          <a:bodyPr/>
+          <a:lstStyle/>
+          <a:p>
+            <a:r>
+              <a:rPr lang="de-CH" dirty="0" smtClean="0"/>
+              <a:t>Technologien: JavaScript, Ruby</a:t>
+            </a:r>
+          </a:p>
+          <a:p>
+            <a:endParaRPr lang="de-CH" dirty="0"/>
+          </a:p>
+          <a:p>
+            <a:r>
+              <a:rPr lang="de-CH" dirty="0" smtClean="0"/>
+              <a:t>Funktioniert mit MVC (Model View Controller)</a:t>
+            </a:r>
+          </a:p>
+          <a:p>
+            <a:endParaRPr lang="de-CH" dirty="0"/>
+          </a:p>
+          <a:p>
+            <a:r>
+              <a:rPr lang="de-CH" dirty="0" smtClean="0"/>
+              <a:t>Building erzeugt Web-Dateien</a:t>
+            </a:r>
+            <a:endParaRPr lang="de-CH" dirty="0"/>
+          </a:p>
+        </p:txBody>
+      </p:sp>
+      <p:pic>
+        <p:nvPicPr>
+          <p:cNvPr id="7170" name="Picture 2" descr="F:\Schule\HSZ-T\3. Jahr\Handheld\Semesterarbeit\Handheld_Repo\Media\Sproutcore Touch\Sproutcore_logo.JPG"/>
+          <p:cNvPicPr>
+            <a:picLocks noChangeAspect="1" noChangeArrowheads="1"/>
+          </p:cNvPicPr>
+          <p:nvPr/>
+        </p:nvPicPr>
+        <p:blipFill>
+          <a:blip r:embed="rId3">
+            <a:extLst>
+              <a:ext uri="{28A0092B-C50C-407E-A947-70E740481C1C}">
+                <a14:useLocalDpi xmlns:a14="http://schemas.microsoft.com/office/drawing/2010/main" val="0"/>
+              </a:ext>
+            </a:extLst>
+          </a:blip>
+          <a:srcRect/>
+          <a:stretch>
+            <a:fillRect/>
+          </a:stretch>
+        </p:blipFill>
+        <p:spPr bwMode="auto">
+          <a:xfrm>
+            <a:off x="179512" y="404664"/>
+            <a:ext cx="3916994" cy="756692"/>
+          </a:xfrm>
+          <a:prstGeom prst="rect">
+            <a:avLst/>
+          </a:prstGeom>
+          <a:noFill/>
+          <a:extLst>
+            <a:ext uri="{909E8E84-426E-40DD-AFC4-6F175D3DCCD1}">
+              <a14:hiddenFill xmlns:a14="http://schemas.microsoft.com/office/drawing/2010/main">
+                <a:solidFill>
+                  <a:srgbClr val="FFFFFF"/>
+                </a:solidFill>
+              </a14:hiddenFill>
+            </a:ext>
+          </a:extLst>
+        </p:spPr>
+      </p:pic>
+      <p:pic>
+        <p:nvPicPr>
+          <p:cNvPr id="4099" name="Picture 3" descr="F:\Schule\HSZ-T\3. Jahr\Handheld\Semesterarbeit\Handheld_Repo\Media\Sproutcore Touch\warning.JPG"/>
+          <p:cNvPicPr>
+            <a:picLocks noChangeAspect="1" noChangeArrowheads="1"/>
+          </p:cNvPicPr>
+          <p:nvPr/>
+        </p:nvPicPr>
+        <p:blipFill rotWithShape="1">
+          <a:blip r:embed="rId4">
+            <a:extLst>
+              <a:ext uri="{28A0092B-C50C-407E-A947-70E740481C1C}">
+                <a14:useLocalDpi xmlns:a14="http://schemas.microsoft.com/office/drawing/2010/main" val="0"/>
+              </a:ext>
+            </a:extLst>
+          </a:blip>
+          <a:srcRect l="12313" t="6753" r="13087" b="15035"/>
+          <a:stretch/>
+        </p:blipFill>
+        <p:spPr bwMode="auto">
+          <a:xfrm>
+            <a:off x="5947412" y="3896990"/>
+            <a:ext cx="531494" cy="512647"/>
+          </a:xfrm>
+          <a:prstGeom prst="rect">
+            <a:avLst/>
+          </a:prstGeom>
+          <a:noFill/>
+          <a:extLst>
+            <a:ext uri="{909E8E84-426E-40DD-AFC4-6F175D3DCCD1}">
+              <a14:hiddenFill xmlns:a14="http://schemas.microsoft.com/office/drawing/2010/main">
+                <a:solidFill>
+                  <a:srgbClr val="FFFFFF"/>
+                </a:solidFill>
+              </a14:hiddenFill>
+            </a:ext>
+          </a:extLst>
+        </p:spPr>
+      </p:pic>
+      <p:pic>
+        <p:nvPicPr>
+          <p:cNvPr id="4100" name="Picture 4" descr="F:\Schule\HSZ-T\3. Jahr\Handheld\Semesterarbeit\Handheld_Repo\Media\Sproutcore Touch\the future.JPG"/>
+          <p:cNvPicPr>
+            <a:picLocks noChangeAspect="1" noChangeArrowheads="1"/>
+          </p:cNvPicPr>
+          <p:nvPr/>
+        </p:nvPicPr>
+        <p:blipFill>
+          <a:blip r:embed="rId5">
+            <a:extLst>
+              <a:ext uri="{28A0092B-C50C-407E-A947-70E740481C1C}">
+                <a14:useLocalDpi xmlns:a14="http://schemas.microsoft.com/office/drawing/2010/main" val="0"/>
+              </a:ext>
+            </a:extLst>
+          </a:blip>
+          <a:srcRect/>
+          <a:stretch>
+            <a:fillRect/>
+          </a:stretch>
+        </p:blipFill>
+        <p:spPr bwMode="auto">
+          <a:xfrm>
+            <a:off x="2962700" y="4506019"/>
+            <a:ext cx="2984712" cy="2079773"/>
+          </a:xfrm>
+          <a:prstGeom prst="rect">
+            <a:avLst/>
+          </a:prstGeom>
+          <a:noFill/>
+          <a:extLst>
+            <a:ext uri="{909E8E84-426E-40DD-AFC4-6F175D3DCCD1}">
+              <a14:hiddenFill xmlns:a14="http://schemas.microsoft.com/office/drawing/2010/main">
+                <a:solidFill>
+                  <a:srgbClr val="FFFFFF"/>
+                </a:solidFill>
+              </a14:hiddenFill>
+            </a:ext>
+          </a:extLst>
+        </p:spPr>
+      </p:pic>
+    </p:spTree>
+    <p:extLst>
+      <p:ext uri="{BB962C8B-B14F-4D97-AF65-F5344CB8AC3E}">
+        <p14:creationId xmlns:p14="http://schemas.microsoft.com/office/powerpoint/2010/main" val="2316750932"/>
+      </p:ext>
+    </p:extLst>
+  </p:cSld>
+  <p:clrMapOvr>
+    <a:masterClrMapping/>
+  </p:clrMapOvr>
+  <p:timing>
+    <p:tnLst>
+      <p:par>
+        <p:cTn id="1" dur="indefinite" restart="never" nodeType="tmRoot"/>
+      </p:par>
+    </p:tnLst>
+  </p:timing>
+</p:sld>
+</file>
+
+<file path=ppt/slides/slide19.xml><?xml version="1.0" encoding="utf-8"?>
+<p:sld xmlns:a="http://schemas.openxmlformats.org/drawingml/2006/main" xmlns:r="http://schemas.openxmlformats.org/officeDocument/2006/relationships" xmlns:p="http://schemas.openxmlformats.org/presentationml/2006/main">
+  <p:cSld>
+    <p:bg>
+      <p:bgPr>
+        <a:gradFill flip="none" rotWithShape="1">
+          <a:gsLst>
+            <a:gs pos="0">
+              <a:srgbClr val="69A12B"/>
+            </a:gs>
+            <a:gs pos="50000">
+              <a:schemeClr val="accent1">
+                <a:tint val="44500"/>
+                <a:satMod val="160000"/>
+              </a:schemeClr>
+            </a:gs>
+            <a:gs pos="100000">
+              <a:schemeClr val="accent1">
+                <a:tint val="23500"/>
+                <a:satMod val="160000"/>
+              </a:schemeClr>
+            </a:gs>
+          </a:gsLst>
+          <a:lin ang="5400000" scaled="0"/>
+          <a:tileRect/>
+        </a:gradFill>
+        <a:effectLst/>
+      </p:bgPr>
+    </p:bg>
+    <p:spTree>
+      <p:nvGrpSpPr>
+        <p:cNvPr id="1" name=""/>
+        <p:cNvGrpSpPr/>
+        <p:nvPr/>
+      </p:nvGrpSpPr>
+      <p:grpSpPr>
+        <a:xfrm>
+          <a:off x="0" y="0"/>
+          <a:ext cx="0" cy="0"/>
+          <a:chOff x="0" y="0"/>
+          <a:chExt cx="0" cy="0"/>
+        </a:xfrm>
+      </p:grpSpPr>
+      <p:sp>
+        <p:nvSpPr>
+          <p:cNvPr id="2" name="Titel 1"/>
+          <p:cNvSpPr>
+            <a:spLocks noGrp="1"/>
+          </p:cNvSpPr>
+          <p:nvPr>
+            <p:ph type="title"/>
+          </p:nvPr>
+        </p:nvSpPr>
+        <p:spPr>
+          <a:xfrm>
+            <a:off x="3635896" y="274638"/>
+            <a:ext cx="5050903" cy="1143000"/>
+          </a:xfrm>
+        </p:spPr>
+        <p:txBody>
+          <a:bodyPr/>
+          <a:lstStyle/>
+          <a:p>
+            <a:r>
+              <a:rPr lang="de-CH" dirty="0" smtClean="0"/>
+              <a:t>Sproutcore Touch</a:t>
+            </a:r>
+            <a:endParaRPr lang="de-CH" dirty="0"/>
+          </a:p>
+        </p:txBody>
+      </p:sp>
+      <p:graphicFrame>
+        <p:nvGraphicFramePr>
+          <p:cNvPr id="4" name="Inhaltsplatzhalter 3"/>
+          <p:cNvGraphicFramePr>
+            <a:graphicFrameLocks noGrp="1"/>
+          </p:cNvGraphicFramePr>
+          <p:nvPr>
+            <p:ph idx="1"/>
+            <p:extLst>
+              <p:ext uri="{D42A27DB-BD31-4B8C-83A1-F6EECF244321}">
+                <p14:modId xmlns:p14="http://schemas.microsoft.com/office/powerpoint/2010/main" val="3998737653"/>
+              </p:ext>
+            </p:extLst>
+          </p:nvPr>
+        </p:nvGraphicFramePr>
+        <p:xfrm>
+          <a:off x="457200" y="1600200"/>
+          <a:ext cx="8229600" cy="4079240"/>
+        </p:xfrm>
+        <a:graphic>
+          <a:graphicData uri="http://schemas.openxmlformats.org/drawingml/2006/table">
+            <a:tbl>
+              <a:tblPr firstRow="1" bandRow="1">
+                <a:tableStyleId>{5C22544A-7EE6-4342-B048-85BDC9FD1C3A}</a:tableStyleId>
+              </a:tblPr>
+              <a:tblGrid>
+                <a:gridCol w="2386608"/>
+                <a:gridCol w="936104"/>
+                <a:gridCol w="4906888"/>
+              </a:tblGrid>
+              <a:tr h="370840">
+                <a:tc>
+                  <a:txBody>
+                    <a:bodyPr/>
+                    <a:lstStyle/>
+                    <a:p>
+                      <a:pPr>
+                        <a:lnSpc>
+                          <a:spcPct val="115000"/>
+                        </a:lnSpc>
+                        <a:spcAft>
+                          <a:spcPts val="0"/>
+                        </a:spcAft>
+                      </a:pPr>
+                      <a:r>
+                        <a:rPr lang="de-CH" sz="1800" dirty="0">
+                          <a:effectLst/>
+                          <a:latin typeface="Calibri"/>
+                          <a:ea typeface="Calibri"/>
+                          <a:cs typeface="Times New Roman"/>
+                        </a:rPr>
+                        <a:t>Kriterium</a:t>
+                      </a:r>
+                    </a:p>
+                  </a:txBody>
+                  <a:tcPr marL="68580" marR="68580" marT="0" marB="0">
+                    <a:solidFill>
+                      <a:srgbClr val="69A12B"/>
+                    </a:solidFill>
+                  </a:tcPr>
+                </a:tc>
+                <a:tc>
+                  <a:txBody>
+                    <a:bodyPr/>
+                    <a:lstStyle/>
+                    <a:p>
+                      <a:pPr>
+                        <a:lnSpc>
+                          <a:spcPct val="115000"/>
+                        </a:lnSpc>
+                        <a:spcAft>
+                          <a:spcPts val="0"/>
+                        </a:spcAft>
+                      </a:pPr>
+                      <a:r>
+                        <a:rPr lang="de-CH" sz="1800">
+                          <a:effectLst/>
+                          <a:latin typeface="Calibri"/>
+                          <a:ea typeface="Calibri"/>
+                          <a:cs typeface="Times New Roman"/>
+                        </a:rPr>
+                        <a:t>Punkte</a:t>
+                      </a:r>
+                    </a:p>
+                  </a:txBody>
+                  <a:tcPr marL="68580" marR="68580" marT="0" marB="0">
+                    <a:solidFill>
+                      <a:srgbClr val="69A12B"/>
+                    </a:solidFill>
+                  </a:tcPr>
+                </a:tc>
+                <a:tc>
+                  <a:txBody>
+                    <a:bodyPr/>
+                    <a:lstStyle/>
+                    <a:p>
+                      <a:r>
+                        <a:rPr lang="de-CH" sz="1800" dirty="0" smtClean="0"/>
+                        <a:t>Erklärung</a:t>
+                      </a:r>
+                      <a:endParaRPr lang="de-CH" sz="1800" dirty="0"/>
+                    </a:p>
+                  </a:txBody>
+                  <a:tcPr>
+                    <a:solidFill>
+                      <a:srgbClr val="69A12B"/>
+                    </a:solidFill>
+                  </a:tcPr>
+                </a:tc>
+              </a:tr>
+              <a:tr h="370840">
+                <a:tc>
+                  <a:txBody>
+                    <a:bodyPr/>
+                    <a:lstStyle/>
+                    <a:p>
+                      <a:pPr>
+                        <a:lnSpc>
+                          <a:spcPct val="115000"/>
+                        </a:lnSpc>
+                        <a:spcAft>
+                          <a:spcPts val="0"/>
+                        </a:spcAft>
+                      </a:pPr>
+                      <a:r>
+                        <a:rPr lang="de-CH" sz="1800" dirty="0">
+                          <a:effectLst/>
+                          <a:latin typeface="Calibri"/>
+                          <a:ea typeface="Calibri"/>
+                          <a:cs typeface="Times New Roman"/>
+                        </a:rPr>
+                        <a:t>Einfachheit</a:t>
+                      </a:r>
+                    </a:p>
+                  </a:txBody>
+                  <a:tcPr marL="68580" marR="68580" marT="0" marB="0"/>
+                </a:tc>
+                <a:tc>
+                  <a:txBody>
+                    <a:bodyPr/>
+                    <a:lstStyle/>
+                    <a:p>
+                      <a:pPr>
+                        <a:lnSpc>
+                          <a:spcPct val="115000"/>
+                        </a:lnSpc>
+                        <a:spcAft>
+                          <a:spcPts val="0"/>
+                        </a:spcAft>
+                      </a:pPr>
+                      <a:r>
+                        <a:rPr lang="de-CH" sz="1800" dirty="0">
+                          <a:effectLst/>
+                          <a:latin typeface="Calibri"/>
+                          <a:ea typeface="Calibri"/>
+                          <a:cs typeface="Times New Roman"/>
+                        </a:rPr>
+                        <a:t>7</a:t>
+                      </a:r>
+                    </a:p>
+                  </a:txBody>
+                  <a:tcPr marL="68580" marR="68580" marT="0" marB="0"/>
+                </a:tc>
+                <a:tc>
+                  <a:txBody>
+                    <a:bodyPr/>
+                    <a:lstStyle/>
+                    <a:p>
+                      <a:r>
+                        <a:rPr lang="de-CH" sz="1800" dirty="0" smtClean="0"/>
+                        <a:t>MVC, hohe Lernkurve, API Schnittstellen</a:t>
+                      </a:r>
+                      <a:endParaRPr lang="de-CH" sz="1800" dirty="0"/>
+                    </a:p>
+                  </a:txBody>
+                  <a:tcPr/>
+                </a:tc>
+              </a:tr>
+              <a:tr h="370840">
+                <a:tc>
+                  <a:txBody>
+                    <a:bodyPr/>
+                    <a:lstStyle/>
+                    <a:p>
+                      <a:pPr>
+                        <a:lnSpc>
+                          <a:spcPct val="115000"/>
+                        </a:lnSpc>
+                        <a:spcAft>
+                          <a:spcPts val="0"/>
+                        </a:spcAft>
+                      </a:pPr>
+                      <a:r>
+                        <a:rPr lang="de-CH" sz="1800">
+                          <a:effectLst/>
+                          <a:latin typeface="Calibri"/>
+                          <a:ea typeface="Calibri"/>
+                          <a:cs typeface="Times New Roman"/>
+                        </a:rPr>
+                        <a:t>Entwicklungsumgebung</a:t>
+                      </a:r>
+                    </a:p>
+                  </a:txBody>
+                  <a:tcPr marL="68580" marR="68580" marT="0" marB="0"/>
+                </a:tc>
+                <a:tc>
+                  <a:txBody>
+                    <a:bodyPr/>
+                    <a:lstStyle/>
+                    <a:p>
+                      <a:pPr>
+                        <a:lnSpc>
+                          <a:spcPct val="115000"/>
+                        </a:lnSpc>
+                        <a:spcAft>
+                          <a:spcPts val="0"/>
+                        </a:spcAft>
+                      </a:pPr>
+                      <a:r>
+                        <a:rPr lang="de-CH" sz="1800" dirty="0">
+                          <a:effectLst/>
+                          <a:latin typeface="Calibri"/>
+                          <a:ea typeface="Calibri"/>
+                          <a:cs typeface="Times New Roman"/>
+                        </a:rPr>
+                        <a:t>6</a:t>
+                      </a:r>
+                    </a:p>
+                  </a:txBody>
+                  <a:tcPr marL="68580" marR="68580" marT="0" marB="0"/>
+                </a:tc>
+                <a:tc>
+                  <a:txBody>
+                    <a:bodyPr/>
+                    <a:lstStyle/>
+                    <a:p>
+                      <a:r>
+                        <a:rPr lang="de-CH" sz="1800" dirty="0" err="1" smtClean="0"/>
+                        <a:t>Greenhouse</a:t>
+                      </a:r>
+                      <a:r>
+                        <a:rPr lang="de-CH" sz="1800" dirty="0" smtClean="0"/>
+                        <a:t> IDE, freie Wahl, gute Möglichkeiten</a:t>
+                      </a:r>
+                      <a:endParaRPr lang="de-CH" sz="1800" dirty="0"/>
+                    </a:p>
+                  </a:txBody>
+                  <a:tcPr/>
+                </a:tc>
+              </a:tr>
+              <a:tr h="370840">
+                <a:tc>
+                  <a:txBody>
+                    <a:bodyPr/>
+                    <a:lstStyle/>
+                    <a:p>
+                      <a:pPr>
+                        <a:lnSpc>
+                          <a:spcPct val="115000"/>
+                        </a:lnSpc>
+                        <a:spcAft>
+                          <a:spcPts val="0"/>
+                        </a:spcAft>
+                      </a:pPr>
+                      <a:r>
+                        <a:rPr lang="de-CH" sz="1800">
+                          <a:effectLst/>
+                          <a:latin typeface="Calibri"/>
+                          <a:ea typeface="Calibri"/>
+                          <a:cs typeface="Times New Roman"/>
+                        </a:rPr>
+                        <a:t>Support</a:t>
+                      </a:r>
+                    </a:p>
+                  </a:txBody>
+                  <a:tcPr marL="68580" marR="68580" marT="0" marB="0"/>
+                </a:tc>
+                <a:tc>
+                  <a:txBody>
+                    <a:bodyPr/>
+                    <a:lstStyle/>
+                    <a:p>
+                      <a:pPr>
+                        <a:lnSpc>
+                          <a:spcPct val="115000"/>
+                        </a:lnSpc>
+                        <a:spcAft>
+                          <a:spcPts val="0"/>
+                        </a:spcAft>
+                      </a:pPr>
+                      <a:r>
+                        <a:rPr lang="de-CH" sz="1800" dirty="0">
+                          <a:effectLst/>
+                          <a:latin typeface="Calibri"/>
+                          <a:ea typeface="Calibri"/>
+                          <a:cs typeface="Times New Roman"/>
+                        </a:rPr>
+                        <a:t>4</a:t>
+                      </a:r>
+                    </a:p>
+                  </a:txBody>
+                  <a:tcPr marL="68580" marR="68580" marT="0" marB="0"/>
+                </a:tc>
+                <a:tc>
+                  <a:txBody>
+                    <a:bodyPr/>
+                    <a:lstStyle/>
+                    <a:p>
+                      <a:r>
+                        <a:rPr lang="de-CH" sz="1800" dirty="0" smtClean="0"/>
+                        <a:t>Mailing List, Blog,</a:t>
+                      </a:r>
+                      <a:r>
+                        <a:rPr lang="de-CH" sz="1800" baseline="0" dirty="0" smtClean="0"/>
+                        <a:t> </a:t>
+                      </a:r>
+                      <a:r>
+                        <a:rPr lang="de-CH" sz="1800" baseline="0" dirty="0" err="1" smtClean="0"/>
+                        <a:t>Twitter</a:t>
+                      </a:r>
+                      <a:r>
+                        <a:rPr lang="de-CH" sz="1800" baseline="0" dirty="0" smtClean="0"/>
+                        <a:t>, Facebook. Kein Support</a:t>
+                      </a:r>
+                      <a:endParaRPr lang="de-CH" sz="1800" dirty="0"/>
+                    </a:p>
+                  </a:txBody>
+                  <a:tcPr/>
+                </a:tc>
+              </a:tr>
+              <a:tr h="370840">
+                <a:tc>
+                  <a:txBody>
+                    <a:bodyPr/>
+                    <a:lstStyle/>
+                    <a:p>
+                      <a:pPr>
+                        <a:lnSpc>
+                          <a:spcPct val="115000"/>
+                        </a:lnSpc>
+                        <a:spcAft>
+                          <a:spcPts val="0"/>
+                        </a:spcAft>
+                      </a:pPr>
+                      <a:r>
+                        <a:rPr lang="de-CH" sz="1800">
+                          <a:effectLst/>
+                          <a:latin typeface="Calibri"/>
+                          <a:ea typeface="Calibri"/>
+                          <a:cs typeface="Times New Roman"/>
+                        </a:rPr>
+                        <a:t>Dokumentation</a:t>
+                      </a:r>
+                    </a:p>
+                  </a:txBody>
+                  <a:tcPr marL="68580" marR="68580" marT="0" marB="0"/>
+                </a:tc>
+                <a:tc>
+                  <a:txBody>
+                    <a:bodyPr/>
+                    <a:lstStyle/>
+                    <a:p>
+                      <a:pPr>
+                        <a:lnSpc>
+                          <a:spcPct val="115000"/>
+                        </a:lnSpc>
+                        <a:spcAft>
+                          <a:spcPts val="0"/>
+                        </a:spcAft>
+                      </a:pPr>
+                      <a:r>
+                        <a:rPr lang="de-CH" sz="1800" dirty="0">
+                          <a:effectLst/>
+                          <a:latin typeface="Calibri"/>
+                          <a:ea typeface="Calibri"/>
+                          <a:cs typeface="Times New Roman"/>
+                        </a:rPr>
+                        <a:t>9</a:t>
+                      </a:r>
+                    </a:p>
+                  </a:txBody>
+                  <a:tcPr marL="68580" marR="68580" marT="0" marB="0"/>
+                </a:tc>
+                <a:tc>
+                  <a:txBody>
+                    <a:bodyPr/>
+                    <a:lstStyle/>
+                    <a:p>
+                      <a:r>
+                        <a:rPr lang="de-CH" sz="1800" dirty="0" err="1" smtClean="0"/>
+                        <a:t>Step</a:t>
+                      </a:r>
+                      <a:r>
+                        <a:rPr lang="de-CH" sz="1800" dirty="0" smtClean="0"/>
+                        <a:t> </a:t>
+                      </a:r>
+                      <a:r>
+                        <a:rPr lang="de-CH" sz="1800" dirty="0" err="1" smtClean="0"/>
+                        <a:t>by</a:t>
+                      </a:r>
+                      <a:r>
+                        <a:rPr lang="de-CH" sz="1800" dirty="0" smtClean="0"/>
+                        <a:t> </a:t>
+                      </a:r>
+                      <a:r>
+                        <a:rPr lang="de-CH" sz="1800" dirty="0" err="1" smtClean="0"/>
+                        <a:t>step</a:t>
+                      </a:r>
+                      <a:r>
+                        <a:rPr lang="de-CH" sz="1800" dirty="0" smtClean="0"/>
+                        <a:t>, sauber, übersichtlich, Gliederung</a:t>
+                      </a:r>
+                      <a:endParaRPr lang="de-CH" sz="1800" dirty="0"/>
+                    </a:p>
+                  </a:txBody>
+                  <a:tcPr/>
+                </a:tc>
+              </a:tr>
+              <a:tr h="370840">
+                <a:tc>
+                  <a:txBody>
+                    <a:bodyPr/>
+                    <a:lstStyle/>
+                    <a:p>
+                      <a:pPr>
+                        <a:lnSpc>
+                          <a:spcPct val="115000"/>
+                        </a:lnSpc>
+                        <a:spcAft>
+                          <a:spcPts val="0"/>
+                        </a:spcAft>
+                      </a:pPr>
+                      <a:r>
+                        <a:rPr lang="de-CH" sz="1800">
+                          <a:effectLst/>
+                          <a:latin typeface="Calibri"/>
+                          <a:ea typeface="Calibri"/>
+                          <a:cs typeface="Times New Roman"/>
+                        </a:rPr>
+                        <a:t>Tutorials</a:t>
+                      </a:r>
+                    </a:p>
+                  </a:txBody>
+                  <a:tcPr marL="68580" marR="68580" marT="0" marB="0"/>
+                </a:tc>
+                <a:tc>
+                  <a:txBody>
+                    <a:bodyPr/>
+                    <a:lstStyle/>
+                    <a:p>
+                      <a:pPr>
+                        <a:lnSpc>
+                          <a:spcPct val="115000"/>
+                        </a:lnSpc>
+                        <a:spcAft>
+                          <a:spcPts val="0"/>
+                        </a:spcAft>
+                      </a:pPr>
+                      <a:r>
+                        <a:rPr lang="de-CH" sz="1800" dirty="0">
+                          <a:effectLst/>
+                          <a:latin typeface="Calibri"/>
+                          <a:ea typeface="Calibri"/>
+                          <a:cs typeface="Times New Roman"/>
+                        </a:rPr>
+                        <a:t>6</a:t>
+                      </a:r>
+                    </a:p>
+                  </a:txBody>
+                  <a:tcPr marL="68580" marR="68580" marT="0" marB="0"/>
+                </a:tc>
+                <a:tc>
+                  <a:txBody>
+                    <a:bodyPr/>
+                    <a:lstStyle/>
+                    <a:p>
+                      <a:r>
+                        <a:rPr lang="de-CH" sz="1800" dirty="0" smtClean="0"/>
+                        <a:t>257K Hits, gute Tutorials, gute Qualität</a:t>
+                      </a:r>
+                      <a:endParaRPr lang="de-CH" sz="1800" dirty="0"/>
+                    </a:p>
+                  </a:txBody>
+                  <a:tcPr/>
+                </a:tc>
+              </a:tr>
+              <a:tr h="370840">
+                <a:tc>
+                  <a:txBody>
+                    <a:bodyPr/>
+                    <a:lstStyle/>
+                    <a:p>
+                      <a:pPr>
+                        <a:lnSpc>
+                          <a:spcPct val="115000"/>
+                        </a:lnSpc>
+                        <a:spcAft>
+                          <a:spcPts val="0"/>
+                        </a:spcAft>
+                      </a:pPr>
+                      <a:r>
+                        <a:rPr lang="de-CH" sz="1800">
+                          <a:effectLst/>
+                          <a:latin typeface="Calibri"/>
+                          <a:ea typeface="Calibri"/>
+                          <a:cs typeface="Times New Roman"/>
+                        </a:rPr>
+                        <a:t>Building</a:t>
+                      </a:r>
+                    </a:p>
+                  </a:txBody>
+                  <a:tcPr marL="68580" marR="68580" marT="0" marB="0"/>
+                </a:tc>
+                <a:tc>
+                  <a:txBody>
+                    <a:bodyPr/>
+                    <a:lstStyle/>
+                    <a:p>
+                      <a:pPr>
+                        <a:lnSpc>
+                          <a:spcPct val="115000"/>
+                        </a:lnSpc>
+                        <a:spcAft>
+                          <a:spcPts val="0"/>
+                        </a:spcAft>
+                      </a:pPr>
+                      <a:r>
+                        <a:rPr lang="de-CH" sz="1800" dirty="0">
+                          <a:effectLst/>
+                          <a:latin typeface="Calibri"/>
+                          <a:ea typeface="Calibri"/>
+                          <a:cs typeface="Times New Roman"/>
+                        </a:rPr>
+                        <a:t>5</a:t>
+                      </a:r>
+                    </a:p>
+                  </a:txBody>
+                  <a:tcPr marL="68580" marR="68580" marT="0" marB="0"/>
+                </a:tc>
+                <a:tc>
+                  <a:txBody>
+                    <a:bodyPr/>
+                    <a:lstStyle/>
+                    <a:p>
+                      <a:r>
+                        <a:rPr lang="de-CH" sz="1800" dirty="0" smtClean="0"/>
+                        <a:t>Nicht Klassisch, Re-</a:t>
+                      </a:r>
+                      <a:r>
+                        <a:rPr lang="de-CH" sz="1800" dirty="0" err="1" smtClean="0"/>
+                        <a:t>Packing</a:t>
+                      </a:r>
+                      <a:r>
+                        <a:rPr lang="de-CH" sz="1800" dirty="0" smtClean="0"/>
+                        <a:t>, Output: Web-Files</a:t>
+                      </a:r>
+                      <a:endParaRPr lang="de-CH" sz="1800" dirty="0"/>
+                    </a:p>
+                  </a:txBody>
+                  <a:tcPr/>
+                </a:tc>
+              </a:tr>
+              <a:tr h="370840">
+                <a:tc>
+                  <a:txBody>
+                    <a:bodyPr/>
+                    <a:lstStyle/>
+                    <a:p>
+                      <a:pPr>
+                        <a:lnSpc>
+                          <a:spcPct val="115000"/>
+                        </a:lnSpc>
+                        <a:spcAft>
+                          <a:spcPts val="0"/>
+                        </a:spcAft>
+                      </a:pPr>
+                      <a:r>
+                        <a:rPr lang="de-CH" sz="1800">
+                          <a:effectLst/>
+                          <a:latin typeface="Calibri"/>
+                          <a:ea typeface="Calibri"/>
+                          <a:cs typeface="Times New Roman"/>
+                        </a:rPr>
+                        <a:t>Testing</a:t>
+                      </a:r>
+                    </a:p>
+                  </a:txBody>
+                  <a:tcPr marL="68580" marR="68580" marT="0" marB="0"/>
+                </a:tc>
+                <a:tc>
+                  <a:txBody>
+                    <a:bodyPr/>
+                    <a:lstStyle/>
+                    <a:p>
+                      <a:pPr>
+                        <a:lnSpc>
+                          <a:spcPct val="115000"/>
+                        </a:lnSpc>
+                        <a:spcAft>
+                          <a:spcPts val="0"/>
+                        </a:spcAft>
+                      </a:pPr>
+                      <a:r>
+                        <a:rPr lang="de-CH" sz="1800" dirty="0">
+                          <a:effectLst/>
+                          <a:latin typeface="Calibri"/>
+                          <a:ea typeface="Calibri"/>
+                          <a:cs typeface="Times New Roman"/>
+                        </a:rPr>
+                        <a:t>9</a:t>
+                      </a:r>
+                    </a:p>
+                  </a:txBody>
+                  <a:tcPr marL="68580" marR="68580" marT="0" marB="0"/>
+                </a:tc>
+                <a:tc>
+                  <a:txBody>
+                    <a:bodyPr/>
+                    <a:lstStyle/>
+                    <a:p>
+                      <a:r>
+                        <a:rPr lang="de-CH" sz="1800" dirty="0" smtClean="0"/>
+                        <a:t>Unit-Test</a:t>
+                      </a:r>
+                      <a:r>
+                        <a:rPr lang="de-CH" sz="1800" baseline="0" dirty="0" smtClean="0"/>
+                        <a:t> Framework, sauber, methodisch</a:t>
+                      </a:r>
+                      <a:endParaRPr lang="de-CH" sz="1800" dirty="0"/>
+                    </a:p>
+                  </a:txBody>
+                  <a:tcPr/>
+                </a:tc>
+              </a:tr>
+              <a:tr h="370840">
+                <a:tc>
+                  <a:txBody>
+                    <a:bodyPr/>
+                    <a:lstStyle/>
+                    <a:p>
+                      <a:pPr>
+                        <a:lnSpc>
+                          <a:spcPct val="115000"/>
+                        </a:lnSpc>
+                        <a:spcAft>
+                          <a:spcPts val="0"/>
+                        </a:spcAft>
+                      </a:pPr>
+                      <a:r>
+                        <a:rPr lang="de-CH" sz="1800">
+                          <a:effectLst/>
+                          <a:latin typeface="Calibri"/>
+                          <a:ea typeface="Calibri"/>
+                          <a:cs typeface="Times New Roman"/>
+                        </a:rPr>
+                        <a:t>Verbreitung</a:t>
+                      </a:r>
+                    </a:p>
+                  </a:txBody>
+                  <a:tcPr marL="68580" marR="68580" marT="0" marB="0"/>
+                </a:tc>
+                <a:tc>
+                  <a:txBody>
+                    <a:bodyPr/>
+                    <a:lstStyle/>
+                    <a:p>
+                      <a:pPr>
+                        <a:lnSpc>
+                          <a:spcPct val="115000"/>
+                        </a:lnSpc>
+                        <a:spcAft>
+                          <a:spcPts val="0"/>
+                        </a:spcAft>
+                      </a:pPr>
+                      <a:r>
+                        <a:rPr lang="de-CH" sz="1800" dirty="0">
+                          <a:effectLst/>
+                          <a:latin typeface="Calibri"/>
+                          <a:ea typeface="Calibri"/>
+                          <a:cs typeface="Times New Roman"/>
+                        </a:rPr>
+                        <a:t>4</a:t>
+                      </a:r>
+                    </a:p>
+                  </a:txBody>
+                  <a:tcPr marL="68580" marR="68580" marT="0" marB="0"/>
+                </a:tc>
+                <a:tc>
+                  <a:txBody>
+                    <a:bodyPr/>
+                    <a:lstStyle/>
+                    <a:p>
+                      <a:r>
+                        <a:rPr lang="de-CH" sz="1800" dirty="0" smtClean="0"/>
+                        <a:t>481K Hits, schwer zu erkennen</a:t>
+                      </a:r>
+                      <a:endParaRPr lang="de-CH" sz="1800" dirty="0"/>
+                    </a:p>
+                  </a:txBody>
+                  <a:tcPr/>
+                </a:tc>
+              </a:tr>
+              <a:tr h="370840">
+                <a:tc>
+                  <a:txBody>
+                    <a:bodyPr/>
+                    <a:lstStyle/>
+                    <a:p>
+                      <a:pPr>
+                        <a:lnSpc>
+                          <a:spcPct val="115000"/>
+                        </a:lnSpc>
+                        <a:spcAft>
+                          <a:spcPts val="0"/>
+                        </a:spcAft>
+                      </a:pPr>
+                      <a:r>
+                        <a:rPr lang="de-CH" sz="1800">
+                          <a:effectLst/>
+                          <a:latin typeface="Calibri"/>
+                          <a:ea typeface="Calibri"/>
+                          <a:cs typeface="Times New Roman"/>
+                        </a:rPr>
+                        <a:t>Spezielles</a:t>
+                      </a:r>
+                    </a:p>
+                  </a:txBody>
+                  <a:tcPr marL="68580" marR="68580" marT="0" marB="0"/>
+                </a:tc>
+                <a:tc>
+                  <a:txBody>
+                    <a:bodyPr/>
+                    <a:lstStyle/>
+                    <a:p>
+                      <a:pPr>
+                        <a:lnSpc>
+                          <a:spcPct val="115000"/>
+                        </a:lnSpc>
+                        <a:spcAft>
+                          <a:spcPts val="0"/>
+                        </a:spcAft>
+                      </a:pPr>
+                      <a:r>
+                        <a:rPr lang="de-CH" sz="1800">
+                          <a:effectLst/>
+                          <a:latin typeface="Calibri"/>
+                          <a:ea typeface="Calibri"/>
+                          <a:cs typeface="Times New Roman"/>
+                        </a:rPr>
+                        <a:t>0</a:t>
+                      </a:r>
+                    </a:p>
+                  </a:txBody>
+                  <a:tcPr marL="68580" marR="68580" marT="0" marB="0"/>
+                </a:tc>
+                <a:tc>
+                  <a:txBody>
+                    <a:bodyPr/>
+                    <a:lstStyle/>
+                    <a:p>
+                      <a:r>
+                        <a:rPr lang="de-CH" sz="1800" dirty="0" smtClean="0"/>
+                        <a:t>Schlanke Page-Strukturen, kein</a:t>
+                      </a:r>
+                      <a:r>
+                        <a:rPr lang="de-CH" sz="1800" baseline="0" dirty="0" smtClean="0"/>
+                        <a:t> klassischer </a:t>
+                      </a:r>
+                      <a:r>
+                        <a:rPr lang="de-CH" sz="1800" baseline="0" dirty="0" err="1" smtClean="0"/>
+                        <a:t>Build</a:t>
+                      </a:r>
+                      <a:endParaRPr lang="de-CH" sz="1800" dirty="0"/>
+                    </a:p>
+                  </a:txBody>
+                  <a:tcPr/>
+                </a:tc>
+              </a:tr>
+              <a:tr h="370840">
+                <a:tc>
+                  <a:txBody>
+                    <a:bodyPr/>
+                    <a:lstStyle/>
+                    <a:p>
+                      <a:pPr>
+                        <a:lnSpc>
+                          <a:spcPct val="115000"/>
+                        </a:lnSpc>
+                        <a:spcAft>
+                          <a:spcPts val="0"/>
+                        </a:spcAft>
+                      </a:pPr>
+                      <a:r>
+                        <a:rPr lang="de-CH" sz="1800" b="1">
+                          <a:effectLst/>
+                          <a:latin typeface="Calibri"/>
+                          <a:ea typeface="Calibri"/>
+                          <a:cs typeface="Times New Roman"/>
+                        </a:rPr>
+                        <a:t>Total</a:t>
+                      </a:r>
+                      <a:endParaRPr lang="de-CH" sz="1800">
+                        <a:effectLst/>
+                        <a:latin typeface="Calibri"/>
+                        <a:ea typeface="Calibri"/>
+                        <a:cs typeface="Times New Roman"/>
+                      </a:endParaRPr>
+                    </a:p>
+                  </a:txBody>
+                  <a:tcPr marL="68580" marR="68580" marT="0" marB="0"/>
+                </a:tc>
+                <a:tc>
+                  <a:txBody>
+                    <a:bodyPr/>
+                    <a:lstStyle/>
+                    <a:p>
+                      <a:pPr>
+                        <a:lnSpc>
+                          <a:spcPct val="115000"/>
+                        </a:lnSpc>
+                        <a:spcAft>
+                          <a:spcPts val="0"/>
+                        </a:spcAft>
+                      </a:pPr>
+                      <a:r>
+                        <a:rPr lang="de-CH" sz="1800" b="1" dirty="0">
+                          <a:effectLst/>
+                          <a:latin typeface="Calibri"/>
+                          <a:ea typeface="Calibri"/>
+                          <a:cs typeface="Times New Roman"/>
+                        </a:rPr>
+                        <a:t>50</a:t>
+                      </a:r>
+                      <a:endParaRPr lang="de-CH" sz="1800" dirty="0">
+                        <a:effectLst/>
+                        <a:latin typeface="Calibri"/>
+                        <a:ea typeface="Calibri"/>
+                        <a:cs typeface="Times New Roman"/>
+                      </a:endParaRPr>
+                    </a:p>
+                  </a:txBody>
+                  <a:tcPr marL="68580" marR="68580" marT="0" marB="0"/>
+                </a:tc>
+                <a:tc>
+                  <a:txBody>
+                    <a:bodyPr/>
+                    <a:lstStyle/>
+                    <a:p>
+                      <a:endParaRPr lang="de-CH" sz="1800" dirty="0"/>
+                    </a:p>
+                  </a:txBody>
+                  <a:tcPr/>
+                </a:tc>
+              </a:tr>
+            </a:tbl>
+          </a:graphicData>
+        </a:graphic>
+      </p:graphicFrame>
+      <p:pic>
+        <p:nvPicPr>
+          <p:cNvPr id="7170" name="Picture 2" descr="F:\Schule\HSZ-T\3. Jahr\Handheld\Semesterarbeit\Handheld_Repo\Media\Sproutcore Touch\Sproutcore_logo.JPG"/>
+          <p:cNvPicPr>
+            <a:picLocks noChangeAspect="1" noChangeArrowheads="1"/>
+          </p:cNvPicPr>
+          <p:nvPr/>
+        </p:nvPicPr>
+        <p:blipFill>
+          <a:blip r:embed="rId3">
+            <a:extLst>
+              <a:ext uri="{28A0092B-C50C-407E-A947-70E740481C1C}">
+                <a14:useLocalDpi xmlns:a14="http://schemas.microsoft.com/office/drawing/2010/main" val="0"/>
+              </a:ext>
+            </a:extLst>
+          </a:blip>
+          <a:srcRect/>
+          <a:stretch>
+            <a:fillRect/>
+          </a:stretch>
+        </p:blipFill>
+        <p:spPr bwMode="auto">
+          <a:xfrm>
+            <a:off x="179512" y="404664"/>
+            <a:ext cx="3916994" cy="756692"/>
+          </a:xfrm>
+          <a:prstGeom prst="rect">
+            <a:avLst/>
+          </a:prstGeom>
+          <a:noFill/>
+          <a:extLst>
+            <a:ext uri="{909E8E84-426E-40DD-AFC4-6F175D3DCCD1}">
+              <a14:hiddenFill xmlns:a14="http://schemas.microsoft.com/office/drawing/2010/main">
+                <a:solidFill>
+                  <a:srgbClr val="FFFFFF"/>
+                </a:solidFill>
+              </a14:hiddenFill>
+            </a:ext>
+          </a:extLst>
+        </p:spPr>
+      </p:pic>
+    </p:spTree>
+    <p:extLst>
+      <p:ext uri="{BB962C8B-B14F-4D97-AF65-F5344CB8AC3E}">
+        <p14:creationId xmlns:p14="http://schemas.microsoft.com/office/powerpoint/2010/main" val="1235916774"/>
+      </p:ext>
+    </p:extLst>
+  </p:cSld>
+  <p:clrMapOvr>
+    <a:masterClrMapping/>
+  </p:clrMapOvr>
+  <p:timing>
+    <p:tnLst>
+      <p:par>
+        <p:cTn id="1" dur="indefinite" restart="never" nodeType="tmRoot"/>
+      </p:par>
+    </p:tnLst>
+  </p:timing>
+</p:sld>
+</file>
+
+<file path=ppt/slides/slide2.xml><?xml version="1.0" encoding="utf-8"?>
+<p:sld xmlns:a="http://schemas.openxmlformats.org/drawingml/2006/main" xmlns:r="http://schemas.openxmlformats.org/officeDocument/2006/relationships" xmlns:p="http://schemas.openxmlformats.org/presentationml/2006/main">
+  <p:cSld>
+    <p:spTree>
+      <p:nvGrpSpPr>
+        <p:cNvPr id="1" name=""/>
+        <p:cNvGrpSpPr/>
+        <p:nvPr/>
+      </p:nvGrpSpPr>
+      <p:grpSpPr>
+        <a:xfrm>
+          <a:off x="0" y="0"/>
+          <a:ext cx="0" cy="0"/>
+          <a:chOff x="0" y="0"/>
+          <a:chExt cx="0" cy="0"/>
+        </a:xfrm>
+      </p:grpSpPr>
+      <p:sp>
+        <p:nvSpPr>
+          <p:cNvPr id="2" name="Titel 1"/>
+          <p:cNvSpPr>
+            <a:spLocks noGrp="1"/>
+          </p:cNvSpPr>
+          <p:nvPr>
+            <p:ph type="title"/>
+          </p:nvPr>
+        </p:nvSpPr>
+        <p:spPr/>
+        <p:txBody>
+          <a:bodyPr/>
+          <a:lstStyle/>
+          <a:p>
+            <a:r>
+              <a:rPr lang="de-CH" dirty="0" smtClean="0"/>
+              <a:t>Inhalt</a:t>
+            </a:r>
+            <a:endParaRPr lang="de-CH" dirty="0"/>
+          </a:p>
+        </p:txBody>
+      </p:sp>
+      <p:sp>
+        <p:nvSpPr>
+          <p:cNvPr id="3" name="Inhaltsplatzhalter 2"/>
+          <p:cNvSpPr>
+            <a:spLocks noGrp="1"/>
+          </p:cNvSpPr>
+          <p:nvPr>
+            <p:ph idx="1"/>
+          </p:nvPr>
+        </p:nvSpPr>
+        <p:spPr/>
+        <p:txBody>
+          <a:bodyPr/>
+          <a:lstStyle/>
+          <a:p>
+            <a:r>
+              <a:rPr lang="de-CH" dirty="0" smtClean="0"/>
+              <a:t>Evaluation der Frameworks</a:t>
+            </a:r>
+          </a:p>
+          <a:p>
+            <a:pPr lvl="1"/>
+            <a:r>
+              <a:rPr lang="de-CH" dirty="0" smtClean="0"/>
+              <a:t>Kriterien</a:t>
+            </a:r>
+          </a:p>
+          <a:p>
+            <a:pPr lvl="1"/>
+            <a:r>
+              <a:rPr lang="de-CH" dirty="0" smtClean="0"/>
+              <a:t>Short 5 Evaluation: </a:t>
+            </a:r>
+            <a:r>
+              <a:rPr lang="de-CH" dirty="0" err="1" smtClean="0"/>
+              <a:t>jQPad</a:t>
+            </a:r>
+            <a:r>
+              <a:rPr lang="de-CH" dirty="0" smtClean="0"/>
+              <a:t>, XUI, </a:t>
+            </a:r>
+            <a:r>
+              <a:rPr lang="de-CH" dirty="0" err="1" smtClean="0"/>
+              <a:t>iWebKit</a:t>
+            </a:r>
+            <a:r>
+              <a:rPr lang="de-CH" dirty="0" smtClean="0"/>
+              <a:t>, </a:t>
+            </a:r>
+            <a:r>
+              <a:rPr lang="de-CH" dirty="0" err="1" smtClean="0"/>
+              <a:t>iUI</a:t>
+            </a:r>
+            <a:r>
+              <a:rPr lang="de-CH" dirty="0" smtClean="0"/>
+              <a:t>, Rhodes</a:t>
+            </a:r>
+          </a:p>
+          <a:p>
+            <a:pPr lvl="1"/>
+            <a:r>
+              <a:rPr lang="de-CH" dirty="0" smtClean="0"/>
+              <a:t>Evaluation: </a:t>
+            </a:r>
+            <a:r>
+              <a:rPr lang="de-CH" dirty="0" err="1" smtClean="0"/>
+              <a:t>Appcelerator</a:t>
+            </a:r>
+            <a:r>
+              <a:rPr lang="de-CH" dirty="0" smtClean="0"/>
+              <a:t> </a:t>
+            </a:r>
+            <a:r>
+              <a:rPr lang="de-CH" dirty="0" err="1" smtClean="0"/>
+              <a:t>Titanium</a:t>
+            </a:r>
+            <a:r>
+              <a:rPr lang="de-CH" dirty="0" smtClean="0"/>
+              <a:t>, Sproutcore Touch, </a:t>
+            </a:r>
+            <a:r>
+              <a:rPr lang="de-CH" dirty="0" err="1" smtClean="0"/>
+              <a:t>Sencha</a:t>
+            </a:r>
+            <a:r>
+              <a:rPr lang="de-CH" dirty="0" smtClean="0"/>
+              <a:t> Touch, </a:t>
+            </a:r>
+            <a:r>
+              <a:rPr lang="de-CH" dirty="0" err="1" smtClean="0"/>
+              <a:t>jQuery</a:t>
+            </a:r>
+            <a:r>
+              <a:rPr lang="de-CH" dirty="0" smtClean="0"/>
+              <a:t> Mobile, </a:t>
+            </a:r>
+            <a:r>
+              <a:rPr lang="de-CH" dirty="0" err="1" smtClean="0"/>
+              <a:t>Phonegap</a:t>
+            </a:r>
+            <a:endParaRPr lang="de-CH" dirty="0" smtClean="0"/>
+          </a:p>
+          <a:p>
+            <a:r>
+              <a:rPr lang="de-CH" dirty="0" smtClean="0"/>
+              <a:t>Lupen-App</a:t>
+            </a:r>
+          </a:p>
+          <a:p>
+            <a:pPr lvl="1"/>
+            <a:r>
+              <a:rPr lang="de-CH" dirty="0" smtClean="0"/>
+              <a:t>???</a:t>
+            </a:r>
+            <a:endParaRPr lang="de-CH" dirty="0"/>
+          </a:p>
+        </p:txBody>
+      </p:sp>
+    </p:spTree>
+    <p:extLst>
+      <p:ext uri="{BB962C8B-B14F-4D97-AF65-F5344CB8AC3E}">
+        <p14:creationId xmlns:p14="http://schemas.microsoft.com/office/powerpoint/2010/main" val="984183737"/>
+      </p:ext>
+    </p:extLst>
+  </p:cSld>
+  <p:clrMapOvr>
+    <a:masterClrMapping/>
+  </p:clrMapOvr>
+  <p:timing>
+    <p:tnLst>
+      <p:par>
+        <p:cTn id="1" dur="indefinite" restart="never" nodeType="tmRoot"/>
+      </p:par>
+    </p:tnLst>
+  </p:timing>
+</p:sld>
+</file>
+
+<file path=ppt/slides/slide20.xml><?xml version="1.0" encoding="utf-8"?>
 <p:sld xmlns:a="http://schemas.openxmlformats.org/drawingml/2006/main" xmlns:r="http://schemas.openxmlformats.org/officeDocument/2006/relationships" xmlns:p="http://schemas.openxmlformats.org/presentationml/2006/main">
   <p:cSld>
     <p:bg>
@@ -4119,7 +8057,7 @@
 </p:sld>
 </file>
 
-<file path=ppt/slides/slide17.xml><?xml version="1.0" encoding="utf-8"?>
+<file path=ppt/slides/slide21.xml><?xml version="1.0" encoding="utf-8"?>
 <p:sld xmlns:a="http://schemas.openxmlformats.org/drawingml/2006/main" xmlns:r="http://schemas.openxmlformats.org/officeDocument/2006/relationships" xmlns:p="http://schemas.openxmlformats.org/presentationml/2006/main">
   <p:cSld>
     <p:spTree>
@@ -4248,7 +8186,7 @@
 </p:sld>
 </file>
 
-<file path=ppt/slides/slide18.xml><?xml version="1.0" encoding="utf-8"?>
+<file path=ppt/slides/slide22.xml><?xml version="1.0" encoding="utf-8"?>
 <p:sld xmlns:a="http://schemas.openxmlformats.org/drawingml/2006/main" xmlns:r="http://schemas.openxmlformats.org/officeDocument/2006/relationships" xmlns:p="http://schemas.openxmlformats.org/presentationml/2006/main">
   <p:cSld>
     <p:bg>
@@ -4397,7 +8335,7 @@
 </p:sld>
 </file>
 
-<file path=ppt/slides/slide19.xml><?xml version="1.0" encoding="utf-8"?>
+<file path=ppt/slides/slide23.xml><?xml version="1.0" encoding="utf-8"?>
 <p:sld xmlns:a="http://schemas.openxmlformats.org/drawingml/2006/main" xmlns:r="http://schemas.openxmlformats.org/officeDocument/2006/relationships" xmlns:p="http://schemas.openxmlformats.org/presentationml/2006/main">
   <p:cSld>
     <p:spTree>
@@ -4515,189 +8453,7 @@
 </p:sld>
 </file>
 
-<file path=ppt/slides/slide2.xml><?xml version="1.0" encoding="utf-8"?>
-<p:sld xmlns:a="http://schemas.openxmlformats.org/drawingml/2006/main" xmlns:r="http://schemas.openxmlformats.org/officeDocument/2006/relationships" xmlns:p="http://schemas.openxmlformats.org/presentationml/2006/main">
-  <p:cSld>
-    <p:spTree>
-      <p:nvGrpSpPr>
-        <p:cNvPr id="1" name=""/>
-        <p:cNvGrpSpPr/>
-        <p:nvPr/>
-      </p:nvGrpSpPr>
-      <p:grpSpPr>
-        <a:xfrm>
-          <a:off x="0" y="0"/>
-          <a:ext cx="0" cy="0"/>
-          <a:chOff x="0" y="0"/>
-          <a:chExt cx="0" cy="0"/>
-        </a:xfrm>
-      </p:grpSpPr>
-      <p:sp>
-        <p:nvSpPr>
-          <p:cNvPr id="2" name="Titel 1"/>
-          <p:cNvSpPr>
-            <a:spLocks noGrp="1"/>
-          </p:cNvSpPr>
-          <p:nvPr>
-            <p:ph type="title"/>
-          </p:nvPr>
-        </p:nvSpPr>
-        <p:spPr/>
-        <p:txBody>
-          <a:bodyPr/>
-          <a:lstStyle/>
-          <a:p>
-            <a:r>
-              <a:rPr lang="de-CH" dirty="0" smtClean="0"/>
-              <a:t>Inhalt</a:t>
-            </a:r>
-            <a:endParaRPr lang="de-CH" dirty="0"/>
-          </a:p>
-        </p:txBody>
-      </p:sp>
-      <p:sp>
-        <p:nvSpPr>
-          <p:cNvPr id="3" name="Inhaltsplatzhalter 2"/>
-          <p:cNvSpPr>
-            <a:spLocks noGrp="1"/>
-          </p:cNvSpPr>
-          <p:nvPr>
-            <p:ph idx="1"/>
-          </p:nvPr>
-        </p:nvSpPr>
-        <p:spPr/>
-        <p:txBody>
-          <a:bodyPr/>
-          <a:lstStyle/>
-          <a:p>
-            <a:r>
-              <a:rPr lang="de-CH" dirty="0" smtClean="0"/>
-              <a:t>Evaluation der Frameworks</a:t>
-            </a:r>
-          </a:p>
-          <a:p>
-            <a:pPr lvl="1"/>
-            <a:r>
-              <a:rPr lang="de-CH" dirty="0" smtClean="0"/>
-              <a:t>Kriterien</a:t>
-            </a:r>
-          </a:p>
-          <a:p>
-            <a:pPr lvl="1"/>
-            <a:r>
-              <a:rPr lang="de-CH" dirty="0" smtClean="0"/>
-              <a:t>Short 5 Evaluation: </a:t>
-            </a:r>
-            <a:r>
-              <a:rPr lang="de-CH" dirty="0" err="1" smtClean="0"/>
-              <a:t>jQPad</a:t>
-            </a:r>
-            <a:r>
-              <a:rPr lang="de-CH" dirty="0" smtClean="0"/>
-              <a:t>, XUI, </a:t>
-            </a:r>
-            <a:r>
-              <a:rPr lang="de-CH" dirty="0" err="1" smtClean="0"/>
-              <a:t>iWebKit</a:t>
-            </a:r>
-            <a:r>
-              <a:rPr lang="de-CH" dirty="0" smtClean="0"/>
-              <a:t>, </a:t>
-            </a:r>
-            <a:r>
-              <a:rPr lang="de-CH" dirty="0" err="1" smtClean="0"/>
-              <a:t>iUI</a:t>
-            </a:r>
-            <a:r>
-              <a:rPr lang="de-CH" dirty="0" smtClean="0"/>
-              <a:t>, </a:t>
-            </a:r>
-            <a:r>
-              <a:rPr lang="de-CH" dirty="0" smtClean="0"/>
-              <a:t>Rhodes</a:t>
-            </a:r>
-          </a:p>
-          <a:p>
-            <a:pPr lvl="1"/>
-            <a:r>
-              <a:rPr lang="de-CH" dirty="0" smtClean="0"/>
-              <a:t>Evaluation: </a:t>
-            </a:r>
-            <a:r>
-              <a:rPr lang="de-CH" dirty="0" err="1" smtClean="0"/>
-              <a:t>Appcelerator</a:t>
-            </a:r>
-            <a:r>
-              <a:rPr lang="de-CH" dirty="0" smtClean="0"/>
-              <a:t> </a:t>
-            </a:r>
-            <a:r>
-              <a:rPr lang="de-CH" dirty="0" err="1" smtClean="0"/>
-              <a:t>Titanium</a:t>
-            </a:r>
-            <a:r>
-              <a:rPr lang="de-CH" dirty="0" smtClean="0"/>
-              <a:t>, Sproutcore Touch, </a:t>
-            </a:r>
-            <a:r>
-              <a:rPr lang="de-CH" dirty="0" err="1" smtClean="0"/>
-              <a:t>Sencha</a:t>
-            </a:r>
-            <a:r>
-              <a:rPr lang="de-CH" dirty="0" smtClean="0"/>
-              <a:t> Touch, </a:t>
-            </a:r>
-            <a:r>
-              <a:rPr lang="de-CH" dirty="0" err="1" smtClean="0"/>
-              <a:t>jQuery</a:t>
-            </a:r>
-            <a:r>
-              <a:rPr lang="de-CH" dirty="0" smtClean="0"/>
-              <a:t> Mobile, </a:t>
-            </a:r>
-            <a:r>
-              <a:rPr lang="de-CH" dirty="0" err="1" smtClean="0"/>
-              <a:t>Phonegap</a:t>
-            </a:r>
-            <a:endParaRPr lang="de-CH" dirty="0" smtClean="0"/>
-          </a:p>
-          <a:p>
-            <a:r>
-              <a:rPr lang="de-CH" dirty="0" smtClean="0"/>
-              <a:t>Lupen-App</a:t>
-            </a:r>
-          </a:p>
-          <a:p>
-            <a:pPr lvl="1"/>
-            <a:r>
-              <a:rPr lang="de-CH" dirty="0" smtClean="0"/>
-              <a:t>???</a:t>
-            </a:r>
-            <a:endParaRPr lang="de-CH" dirty="0"/>
-          </a:p>
-        </p:txBody>
-      </p:sp>
-    </p:spTree>
-    <p:extLst>
-      <p:ext uri="{BB962C8B-B14F-4D97-AF65-F5344CB8AC3E}">
-        <p14:creationId xmlns:p14="http://schemas.microsoft.com/office/powerpoint/2010/main" val="984183737"/>
-      </p:ext>
-    </p:extLst>
-  </p:cSld>
-  <p:clrMapOvr>
-    <a:masterClrMapping/>
-  </p:clrMapOvr>
-  <p:timing>
-    <p:tnLst>
-      <p:par>
-        <p:cTn id="1" dur="indefinite" restart="never" nodeType="tmRoot"/>
-      </p:par>
-    </p:tnLst>
-  </p:timing>
-</p:sld>
-</file>
-
-<file path=ppt/slides/slide20.xml><?xml version="1.0" encoding="utf-8"?>
+<file path=ppt/slides/slide24.xml><?xml version="1.0" encoding="utf-8"?>
 <p:sld xmlns:a="http://schemas.openxmlformats.org/drawingml/2006/main" xmlns:r="http://schemas.openxmlformats.org/officeDocument/2006/relationships" xmlns:p="http://schemas.openxmlformats.org/presentationml/2006/main">
   <p:cSld>
     <p:spTree>
@@ -4817,7 +8573,7 @@
 </p:sld>
 </file>
 
-<file path=ppt/slides/slide21.xml><?xml version="1.0" encoding="utf-8"?>
+<file path=ppt/slides/slide25.xml><?xml version="1.0" encoding="utf-8"?>
 <p:sld xmlns:a="http://schemas.openxmlformats.org/drawingml/2006/main" xmlns:r="http://schemas.openxmlformats.org/officeDocument/2006/relationships" xmlns:p="http://schemas.openxmlformats.org/presentationml/2006/main">
   <p:cSld>
     <p:spTree>
@@ -4948,7 +8704,7 @@
 </p:sld>
 </file>
 
-<file path=ppt/slides/slide22.xml><?xml version="1.0" encoding="utf-8"?>
+<file path=ppt/slides/slide26.xml><?xml version="1.0" encoding="utf-8"?>
 <p:sld xmlns:a="http://schemas.openxmlformats.org/drawingml/2006/main" xmlns:r="http://schemas.openxmlformats.org/officeDocument/2006/relationships" xmlns:p="http://schemas.openxmlformats.org/presentationml/2006/main">
   <p:cSld>
     <p:spTree>
@@ -5149,13 +8905,8 @@
           <a:p>
             <a:r>
               <a:rPr lang="de-CH" dirty="0" smtClean="0"/>
-              <a:t>Kriterium «spezielles» für </a:t>
-            </a:r>
-            <a:r>
-              <a:rPr lang="de-CH" dirty="0" smtClean="0"/>
-              <a:t>Unvorhergesehenes</a:t>
-            </a:r>
-            <a:endParaRPr lang="de-CH" dirty="0" smtClean="0"/>
+              <a:t>Kriterium «spezielles» für Unvorhergesehenes</a:t>
+            </a:r>
           </a:p>
           <a:p>
             <a:endParaRPr lang="de-CH" dirty="0"/>
@@ -6107,4 +9858,289 @@
   <a:objectDefaults/>
   <a:extraClrSchemeLst/>
 </a:theme>
+</file>
+
+<file path=ppt/theme/theme2.xml><?xml version="1.0" encoding="utf-8"?>
+<a:theme xmlns:a="http://schemas.openxmlformats.org/drawingml/2006/main" name="Larissa">
+  <a:themeElements>
+    <a:clrScheme name="Larissa">
+      <a:dk1>
+        <a:sysClr val="windowText" lastClr="000000"/>
+      </a:dk1>
+      <a:lt1>
+        <a:sysClr val="window" lastClr="FFFFFF"/>
+      </a:lt1>
+      <a:dk2>
+        <a:srgbClr val="1F497D"/>
+      </a:dk2>
+      <a:lt2>
+        <a:srgbClr val="EEECE1"/>
+      </a:lt2>
+      <a:accent1>
+        <a:srgbClr val="4F81BD"/>
+      </a:accent1>
+      <a:accent2>
+        <a:srgbClr val="C0504D"/>
+      </a:accent2>
+      <a:accent3>
+        <a:srgbClr val="9BBB59"/>
+      </a:accent3>
+      <a:accent4>
+        <a:srgbClr val="8064A2"/>
+      </a:accent4>
+      <a:accent5>
+        <a:srgbClr val="4BACC6"/>
+      </a:accent5>
+      <a:accent6>
+        <a:srgbClr val="F79646"/>
+      </a:accent6>
+      <a:hlink>
+        <a:srgbClr val="0000FF"/>
+      </a:hlink>
+      <a:folHlink>
+        <a:srgbClr val="800080"/>
+      </a:folHlink>
+    </a:clrScheme>
+    <a:fontScheme name="Larissa">
+      <a:majorFont>
+        <a:latin typeface="Calibri"/>
+        <a:ea typeface=""/>
+        <a:cs typeface=""/>
+        <a:font script="Jpan" typeface="ＭＳ Ｐゴシック"/>
+        <a:font script="Hang" typeface="맑은 고딕"/>
+        <a:font script="Hans" typeface="宋体"/>
+        <a:font script="Hant" typeface="新細明體"/>
+        <a:font script="Arab" typeface="Times New Roman"/>
+        <a:font script="Hebr" typeface="Times New Roman"/>
+        <a:font script="Thai" typeface="Angsana New"/>
+        <a:font script="Ethi" typeface="Nyala"/>
+        <a:font script="Beng" typeface="Vrinda"/>
+        <a:font script="Gujr" typeface="Shruti"/>
+        <a:font script="Khmr" typeface="MoolBoran"/>
+        <a:font script="Knda" typeface="Tunga"/>
+        <a:font script="Guru" typeface="Raavi"/>
+        <a:font script="Cans" typeface="Euphemia"/>
+        <a:font script="Cher" typeface="Plantagenet Cherokee"/>
+        <a:font script="Yiii" typeface="Microsoft Yi Baiti"/>
+        <a:font script="Tibt" typeface="Microsoft Himalaya"/>
+        <a:font script="Thaa" typeface="MV Boli"/>
+        <a:font script="Deva" typeface="Mangal"/>
+        <a:font script="Telu" typeface="Gautami"/>
+        <a:font script="Taml" typeface="Latha"/>
+        <a:font script="Syrc" typeface="Estrangelo Edessa"/>
+        <a:font script="Orya" typeface="Kalinga"/>
+        <a:font script="Mlym" typeface="Kartika"/>
+        <a:font script="Laoo" typeface="DokChampa"/>
+        <a:font script="Sinh" typeface="Iskoola Pota"/>
+        <a:font script="Mong" typeface="Mongolian Baiti"/>
+        <a:font script="Viet" typeface="Times New Roman"/>
+        <a:font script="Uigh" typeface="Microsoft Uighur"/>
+        <a:font script="Geor" typeface="Sylfaen"/>
+      </a:majorFont>
+      <a:minorFont>
+        <a:latin typeface="Calibri"/>
+        <a:ea typeface=""/>
+        <a:cs typeface=""/>
+        <a:font script="Jpan" typeface="ＭＳ Ｐゴシック"/>
+        <a:font script="Hang" typeface="맑은 고딕"/>
+        <a:font script="Hans" typeface="宋体"/>
+        <a:font script="Hant" typeface="新細明體"/>
+        <a:font script="Arab" typeface="Arial"/>
+        <a:font script="Hebr" typeface="Arial"/>
+        <a:font script="Thai" typeface="Cordia New"/>
+        <a:font script="Ethi" typeface="Nyala"/>
+        <a:font script="Beng" typeface="Vrinda"/>
+        <a:font script="Gujr" typeface="Shruti"/>
+        <a:font script="Khmr" typeface="DaunPenh"/>
+        <a:font script="Knda" typeface="Tunga"/>
+        <a:font script="Guru" typeface="Raavi"/>
+        <a:font script="Cans" typeface="Euphemia"/>
+        <a:font script="Cher" typeface="Plantagenet Cherokee"/>
+        <a:font script="Yiii" typeface="Microsoft Yi Baiti"/>
+        <a:font script="Tibt" typeface="Microsoft Himalaya"/>
+        <a:font script="Thaa" typeface="MV Boli"/>
+        <a:font script="Deva" typeface="Mangal"/>
+        <a:font script="Telu" typeface="Gautami"/>
+        <a:font script="Taml" typeface="Latha"/>
+        <a:font script="Syrc" typeface="Estrangelo Edessa"/>
+        <a:font script="Orya" typeface="Kalinga"/>
+        <a:font script="Mlym" typeface="Kartika"/>
+        <a:font script="Laoo" typeface="DokChampa"/>
+        <a:font script="Sinh" typeface="Iskoola Pota"/>
+        <a:font script="Mong" typeface="Mongolian Baiti"/>
+        <a:font script="Viet" typeface="Arial"/>
+        <a:font script="Uigh" typeface="Microsoft Uighur"/>
+        <a:font script="Geor" typeface="Sylfaen"/>
+      </a:minorFont>
+    </a:fontScheme>
+    <a:fmtScheme name="Larissa">
+      <a:fillStyleLst>
+        <a:solidFill>
+          <a:schemeClr val="phClr"/>
+        </a:solidFill>
+        <a:gradFill rotWithShape="1">
+          <a:gsLst>
+            <a:gs pos="0">
+              <a:schemeClr val="phClr">
+                <a:tint val="50000"/>
+                <a:satMod val="300000"/>
+              </a:schemeClr>
+            </a:gs>
+            <a:gs pos="35000">
+              <a:schemeClr val="phClr">
+                <a:tint val="37000"/>
+                <a:satMod val="300000"/>
+              </a:schemeClr>
+            </a:gs>
+            <a:gs pos="100000">
+              <a:schemeClr val="phClr">
+                <a:tint val="15000"/>
+                <a:satMod val="350000"/>
+              </a:schemeClr>
+            </a:gs>
+          </a:gsLst>
+          <a:lin ang="16200000" scaled="1"/>
+        </a:gradFill>
+        <a:gradFill rotWithShape="1">
+          <a:gsLst>
+            <a:gs pos="0">
+              <a:schemeClr val="phClr">
+                <a:shade val="51000"/>
+                <a:satMod val="130000"/>
+              </a:schemeClr>
+            </a:gs>
+            <a:gs pos="80000">
+              <a:schemeClr val="phClr">
+                <a:shade val="93000"/>
+                <a:satMod val="130000"/>
+              </a:schemeClr>
+            </a:gs>
+            <a:gs pos="100000">
+              <a:schemeClr val="phClr">
+                <a:shade val="94000"/>
+                <a:satMod val="135000"/>
+              </a:schemeClr>
+            </a:gs>
+          </a:gsLst>
+          <a:lin ang="16200000" scaled="0"/>
+        </a:gradFill>
+      </a:fillStyleLst>
+      <a:lnStyleLst>
+        <a:ln w="9525" cap="flat" cmpd="sng" algn="ctr">
+          <a:solidFill>
+            <a:schemeClr val="phClr">
+              <a:shade val="95000"/>
+              <a:satMod val="105000"/>
+            </a:schemeClr>
+          </a:solidFill>
+          <a:prstDash val="solid"/>
+        </a:ln>
+        <a:ln w="25400" cap="flat" cmpd="sng" algn="ctr">
+          <a:solidFill>
+            <a:schemeClr val="phClr"/>
+          </a:solidFill>
+          <a:prstDash val="solid"/>
+        </a:ln>
+        <a:ln w="38100" cap="flat" cmpd="sng" algn="ctr">
+          <a:solidFill>
+            <a:schemeClr val="phClr"/>
+          </a:solidFill>
+          <a:prstDash val="solid"/>
+        </a:ln>
+      </a:lnStyleLst>
+      <a:effectStyleLst>
+        <a:effectStyle>
+          <a:effectLst>
+            <a:outerShdw blurRad="40000" dist="20000" dir="5400000" rotWithShape="0">
+              <a:srgbClr val="000000">
+                <a:alpha val="38000"/>
+              </a:srgbClr>
+            </a:outerShdw>
+          </a:effectLst>
+        </a:effectStyle>
+        <a:effectStyle>
+          <a:effectLst>
+            <a:outerShdw blurRad="40000" dist="23000" dir="5400000" rotWithShape="0">
+              <a:srgbClr val="000000">
+                <a:alpha val="35000"/>
+              </a:srgbClr>
+            </a:outerShdw>
+          </a:effectLst>
+        </a:effectStyle>
+        <a:effectStyle>
+          <a:effectLst>
+            <a:outerShdw blurRad="40000" dist="23000" dir="5400000" rotWithShape="0">
+              <a:srgbClr val="000000">
+                <a:alpha val="35000"/>
+              </a:srgbClr>
+            </a:outerShdw>
+          </a:effectLst>
+          <a:scene3d>
+            <a:camera prst="orthographicFront">
+              <a:rot lat="0" lon="0" rev="0"/>
+            </a:camera>
+            <a:lightRig rig="threePt" dir="t">
+              <a:rot lat="0" lon="0" rev="1200000"/>
+            </a:lightRig>
+          </a:scene3d>
+          <a:sp3d>
+            <a:bevelT w="63500" h="25400"/>
+          </a:sp3d>
+        </a:effectStyle>
+      </a:effectStyleLst>
+      <a:bgFillStyleLst>
+        <a:solidFill>
+          <a:schemeClr val="phClr"/>
+        </a:solidFill>
+        <a:gradFill rotWithShape="1">
+          <a:gsLst>
+            <a:gs pos="0">
+              <a:schemeClr val="phClr">
+                <a:tint val="40000"/>
+                <a:satMod val="350000"/>
+              </a:schemeClr>
+            </a:gs>
+            <a:gs pos="40000">
+              <a:schemeClr val="phClr">
+                <a:tint val="45000"/>
+                <a:shade val="99000"/>
+                <a:satMod val="350000"/>
+              </a:schemeClr>
+            </a:gs>
+            <a:gs pos="100000">
+              <a:schemeClr val="phClr">
+                <a:shade val="20000"/>
+                <a:satMod val="255000"/>
+              </a:schemeClr>
+            </a:gs>
+          </a:gsLst>
+          <a:path path="circle">
+            <a:fillToRect l="50000" t="-80000" r="50000" b="180000"/>
+          </a:path>
+        </a:gradFill>
+        <a:gradFill rotWithShape="1">
+          <a:gsLst>
+            <a:gs pos="0">
+              <a:schemeClr val="phClr">
+                <a:tint val="80000"/>
+                <a:satMod val="300000"/>
+              </a:schemeClr>
+            </a:gs>
+            <a:gs pos="100000">
+              <a:schemeClr val="phClr">
+                <a:shade val="30000"/>
+                <a:satMod val="200000"/>
+              </a:schemeClr>
+            </a:gs>
+          </a:gsLst>
+          <a:path path="circle">
+            <a:fillToRect l="50000" t="50000" r="50000" b="50000"/>
+          </a:path>
+        </a:gradFill>
+      </a:bgFillStyleLst>
+    </a:fmtScheme>
+  </a:themeElements>
+  <a:objectDefaults/>
+  <a:extraClrSchemeLst/>
+</a:theme>
 </file>
--- a/Documents/10_Frameworks_Presentation.pptx
+++ b/Documents/10_Frameworks_Presentation.pptx
@@ -5,7 +5,7 @@
     <p:sldMasterId id="2147483648" r:id="rId1"/>
   </p:sldMasterIdLst>
   <p:notesMasterIdLst>
-    <p:notesMasterId r:id="rId28"/>
+    <p:notesMasterId r:id="rId32"/>
   </p:notesMasterIdLst>
   <p:sldIdLst>
     <p:sldId id="256" r:id="rId2"/>
@@ -28,12 +28,16 @@
     <p:sldId id="285" r:id="rId19"/>
     <p:sldId id="286" r:id="rId20"/>
     <p:sldId id="275" r:id="rId21"/>
-    <p:sldId id="276" r:id="rId22"/>
-    <p:sldId id="277" r:id="rId23"/>
-    <p:sldId id="278" r:id="rId24"/>
-    <p:sldId id="279" r:id="rId25"/>
-    <p:sldId id="280" r:id="rId26"/>
-    <p:sldId id="281" r:id="rId27"/>
+    <p:sldId id="287" r:id="rId22"/>
+    <p:sldId id="288" r:id="rId23"/>
+    <p:sldId id="276" r:id="rId24"/>
+    <p:sldId id="289" r:id="rId25"/>
+    <p:sldId id="290" r:id="rId26"/>
+    <p:sldId id="277" r:id="rId27"/>
+    <p:sldId id="278" r:id="rId28"/>
+    <p:sldId id="279" r:id="rId29"/>
+    <p:sldId id="280" r:id="rId30"/>
+    <p:sldId id="281" r:id="rId31"/>
   </p:sldIdLst>
   <p:sldSz cx="9144000" cy="6858000" type="screen4x3"/>
   <p:notesSz cx="6858000" cy="9144000"/>
@@ -1007,11 +1011,7 @@
           <a:p>
             <a:r>
               <a:rPr lang="de-CH" baseline="0" dirty="0" smtClean="0"/>
-              <a:t>Zu Verbreitung: Sproutcore Anwendungen sind schwer als solche zu erkennen. Keine genaue Anzahl </a:t>
-            </a:r>
-            <a:r>
-              <a:rPr lang="de-CH" baseline="0" smtClean="0"/>
-              <a:t>von Apps</a:t>
+              <a:t>Zu Verbreitung: Sproutcore Anwendungen sind schwer als solche zu erkennen. Keine genaue Anzahl von Apps</a:t>
             </a:r>
           </a:p>
           <a:p>
@@ -1049,6 +1049,242 @@
     <p:extLst>
       <p:ext uri="{BB962C8B-B14F-4D97-AF65-F5344CB8AC3E}">
         <p14:creationId xmlns:p14="http://schemas.microsoft.com/office/powerpoint/2010/main" val="1663405720"/>
+      </p:ext>
+    </p:extLst>
+  </p:cSld>
+  <p:clrMapOvr>
+    <a:masterClrMapping/>
+  </p:clrMapOvr>
+</p:notes>
+</file>
+
+<file path=ppt/notesSlides/notesSlide6.xml><?xml version="1.0" encoding="utf-8"?>
+<p:notes xmlns:a="http://schemas.openxmlformats.org/drawingml/2006/main" xmlns:r="http://schemas.openxmlformats.org/officeDocument/2006/relationships" xmlns:p="http://schemas.openxmlformats.org/presentationml/2006/main">
+  <p:cSld>
+    <p:spTree>
+      <p:nvGrpSpPr>
+        <p:cNvPr id="1" name=""/>
+        <p:cNvGrpSpPr/>
+        <p:nvPr/>
+      </p:nvGrpSpPr>
+      <p:grpSpPr>
+        <a:xfrm>
+          <a:off x="0" y="0"/>
+          <a:ext cx="0" cy="0"/>
+          <a:chOff x="0" y="0"/>
+          <a:chExt cx="0" cy="0"/>
+        </a:xfrm>
+      </p:grpSpPr>
+      <p:sp>
+        <p:nvSpPr>
+          <p:cNvPr id="2" name="Folienbildplatzhalter 1"/>
+          <p:cNvSpPr>
+            <a:spLocks noGrp="1" noRot="1" noChangeAspect="1"/>
+          </p:cNvSpPr>
+          <p:nvPr>
+            <p:ph type="sldImg"/>
+          </p:nvPr>
+        </p:nvSpPr>
+        <p:spPr/>
+      </p:sp>
+      <p:sp>
+        <p:nvSpPr>
+          <p:cNvPr id="3" name="Notizenplatzhalter 2"/>
+          <p:cNvSpPr>
+            <a:spLocks noGrp="1"/>
+          </p:cNvSpPr>
+          <p:nvPr>
+            <p:ph type="body" idx="1"/>
+          </p:nvPr>
+        </p:nvSpPr>
+        <p:spPr/>
+        <p:txBody>
+          <a:bodyPr/>
+          <a:lstStyle/>
+          <a:p>
+            <a:r>
+              <a:rPr lang="de-CH" dirty="0" smtClean="0"/>
+              <a:t>Zu Einfachheit:</a:t>
+            </a:r>
+            <a:r>
+              <a:rPr lang="de-CH" baseline="0" dirty="0" smtClean="0"/>
+              <a:t> die Einbettung in HTML mittels JSON ist eher ungewohnt, </a:t>
+            </a:r>
+            <a:r>
+              <a:rPr lang="de-CH" baseline="0" dirty="0" err="1" smtClean="0"/>
+              <a:t>Sencha</a:t>
+            </a:r>
+            <a:r>
+              <a:rPr lang="de-CH" baseline="0" dirty="0" smtClean="0"/>
+              <a:t> Style</a:t>
+            </a:r>
+          </a:p>
+          <a:p>
+            <a:r>
+              <a:rPr lang="de-CH" baseline="0" dirty="0" smtClean="0"/>
+              <a:t>Zu Tutorials: Die Tutorials finden sich in grosser Zahl in der Dokumentation, verschiedene Schwierigkeitsgrade werden angeboten: Easy, Medium, Hard.</a:t>
+            </a:r>
+          </a:p>
+          <a:p>
+            <a:r>
+              <a:rPr lang="de-CH" dirty="0" smtClean="0"/>
+              <a:t>Zu Building: Für jedes Gerät</a:t>
+            </a:r>
+            <a:r>
+              <a:rPr lang="de-CH" baseline="0" dirty="0" smtClean="0"/>
+              <a:t> muss lokal ein eigener </a:t>
+            </a:r>
+            <a:r>
+              <a:rPr lang="de-CH" baseline="0" dirty="0" err="1" smtClean="0"/>
+              <a:t>Build</a:t>
+            </a:r>
+            <a:r>
+              <a:rPr lang="de-CH" baseline="0" dirty="0" smtClean="0"/>
+              <a:t> gemacht werden.</a:t>
+            </a:r>
+          </a:p>
+          <a:p>
+            <a:r>
+              <a:rPr lang="de-CH" dirty="0" smtClean="0"/>
+              <a:t>Zu Testing: da keine Automatisierten Tests vorhanden relativ starker Abzug</a:t>
+            </a:r>
+            <a:endParaRPr lang="de-CH" dirty="0"/>
+          </a:p>
+        </p:txBody>
+      </p:sp>
+      <p:sp>
+        <p:nvSpPr>
+          <p:cNvPr id="4" name="Foliennummernplatzhalter 3"/>
+          <p:cNvSpPr>
+            <a:spLocks noGrp="1"/>
+          </p:cNvSpPr>
+          <p:nvPr>
+            <p:ph type="sldNum" sz="quarter" idx="10"/>
+          </p:nvPr>
+        </p:nvSpPr>
+        <p:spPr/>
+        <p:txBody>
+          <a:bodyPr/>
+          <a:lstStyle/>
+          <a:p>
+            <a:fld id="{6FBD71ED-0134-410C-9AE3-EE654E5179DA}" type="slidenum">
+              <a:rPr lang="de-CH" smtClean="0"/>
+              <a:t>22</a:t>
+            </a:fld>
+            <a:endParaRPr lang="de-CH"/>
+          </a:p>
+        </p:txBody>
+      </p:sp>
+    </p:spTree>
+    <p:extLst>
+      <p:ext uri="{BB962C8B-B14F-4D97-AF65-F5344CB8AC3E}">
+        <p14:creationId xmlns:p14="http://schemas.microsoft.com/office/powerpoint/2010/main" val="3544092775"/>
+      </p:ext>
+    </p:extLst>
+  </p:cSld>
+  <p:clrMapOvr>
+    <a:masterClrMapping/>
+  </p:clrMapOvr>
+</p:notes>
+</file>
+
+<file path=ppt/notesSlides/notesSlide7.xml><?xml version="1.0" encoding="utf-8"?>
+<p:notes xmlns:a="http://schemas.openxmlformats.org/drawingml/2006/main" xmlns:r="http://schemas.openxmlformats.org/officeDocument/2006/relationships" xmlns:p="http://schemas.openxmlformats.org/presentationml/2006/main">
+  <p:cSld>
+    <p:spTree>
+      <p:nvGrpSpPr>
+        <p:cNvPr id="1" name=""/>
+        <p:cNvGrpSpPr/>
+        <p:nvPr/>
+      </p:nvGrpSpPr>
+      <p:grpSpPr>
+        <a:xfrm>
+          <a:off x="0" y="0"/>
+          <a:ext cx="0" cy="0"/>
+          <a:chOff x="0" y="0"/>
+          <a:chExt cx="0" cy="0"/>
+        </a:xfrm>
+      </p:grpSpPr>
+      <p:sp>
+        <p:nvSpPr>
+          <p:cNvPr id="2" name="Folienbildplatzhalter 1"/>
+          <p:cNvSpPr>
+            <a:spLocks noGrp="1" noRot="1" noChangeAspect="1"/>
+          </p:cNvSpPr>
+          <p:nvPr>
+            <p:ph type="sldImg"/>
+          </p:nvPr>
+        </p:nvSpPr>
+        <p:spPr/>
+      </p:sp>
+      <p:sp>
+        <p:nvSpPr>
+          <p:cNvPr id="3" name="Notizenplatzhalter 2"/>
+          <p:cNvSpPr>
+            <a:spLocks noGrp="1"/>
+          </p:cNvSpPr>
+          <p:nvPr>
+            <p:ph type="body" idx="1"/>
+          </p:nvPr>
+        </p:nvSpPr>
+        <p:spPr/>
+        <p:txBody>
+          <a:bodyPr/>
+          <a:lstStyle/>
+          <a:p>
+            <a:r>
+              <a:rPr lang="de-CH" dirty="0" smtClean="0"/>
+              <a:t>Zu Einfachheit: Grundfunktionalitäten</a:t>
+            </a:r>
+            <a:r>
+              <a:rPr lang="de-CH" baseline="0" dirty="0" smtClean="0"/>
+              <a:t> sind ausschliesslich über HTML Tags und Attribute erreichbar. Keine Installation notwendig, einfach runterladen und loslegen.</a:t>
+            </a:r>
+          </a:p>
+          <a:p>
+            <a:r>
+              <a:rPr lang="de-CH" baseline="0" dirty="0" smtClean="0"/>
+              <a:t>Zu Support: Zwar keine Telefonhotline, jedoch ist das Forum sehr gut frequentiert, wie auch die Google Group. Via </a:t>
+            </a:r>
+            <a:r>
+              <a:rPr lang="de-CH" baseline="0" dirty="0" err="1" smtClean="0"/>
+              <a:t>Github</a:t>
+            </a:r>
+            <a:r>
+              <a:rPr lang="de-CH" baseline="0" dirty="0" smtClean="0"/>
+              <a:t> viele Hilfestellungen abrufbar.</a:t>
+            </a:r>
+            <a:endParaRPr lang="de-CH" dirty="0"/>
+          </a:p>
+        </p:txBody>
+      </p:sp>
+      <p:sp>
+        <p:nvSpPr>
+          <p:cNvPr id="4" name="Foliennummernplatzhalter 3"/>
+          <p:cNvSpPr>
+            <a:spLocks noGrp="1"/>
+          </p:cNvSpPr>
+          <p:nvPr>
+            <p:ph type="sldNum" sz="quarter" idx="10"/>
+          </p:nvPr>
+        </p:nvSpPr>
+        <p:spPr/>
+        <p:txBody>
+          <a:bodyPr/>
+          <a:lstStyle/>
+          <a:p>
+            <a:fld id="{6FBD71ED-0134-410C-9AE3-EE654E5179DA}" type="slidenum">
+              <a:rPr lang="de-CH" smtClean="0"/>
+              <a:t>25</a:t>
+            </a:fld>
+            <a:endParaRPr lang="de-CH"/>
+          </a:p>
+        </p:txBody>
+      </p:sp>
+    </p:spTree>
+    <p:extLst>
+      <p:ext uri="{BB962C8B-B14F-4D97-AF65-F5344CB8AC3E}">
+        <p14:creationId xmlns:p14="http://schemas.microsoft.com/office/powerpoint/2010/main" val="3381014271"/>
       </p:ext>
     </p:extLst>
   </p:cSld>
@@ -4539,15 +4775,7 @@
           <a:p>
             <a:r>
               <a:rPr lang="de-CH" dirty="0" smtClean="0"/>
-              <a:t>XUI</a:t>
-            </a:r>
-            <a:r>
-              <a:rPr lang="de-CH" dirty="0" smtClean="0"/>
-              <a:t>: 42P, </a:t>
-            </a:r>
-            <a:r>
-              <a:rPr lang="de-CH" dirty="0" smtClean="0"/>
-              <a:t>+Einfachheit, -Tutorials, -Testing</a:t>
+              <a:t>XUI: 42P, +Einfachheit, -Tutorials, -Testing</a:t>
             </a:r>
           </a:p>
           <a:p>
@@ -4560,11 +4788,7 @@
             </a:r>
             <a:r>
               <a:rPr lang="de-CH" dirty="0" smtClean="0"/>
-              <a:t>: 44P, </a:t>
-            </a:r>
-            <a:r>
-              <a:rPr lang="de-CH" dirty="0" smtClean="0"/>
-              <a:t>+Support, +Dokumentation, -Tutorials</a:t>
+              <a:t>: 44P, +Support, +Dokumentation, -Tutorials</a:t>
             </a:r>
           </a:p>
           <a:p>
@@ -4577,11 +4801,7 @@
             </a:r>
             <a:r>
               <a:rPr lang="de-CH" dirty="0" smtClean="0"/>
-              <a:t>: 48P, </a:t>
-            </a:r>
-            <a:r>
-              <a:rPr lang="de-CH" dirty="0" smtClean="0"/>
-              <a:t>+Einfachheit, +Dokumentation, -Building</a:t>
+              <a:t>: 48P, +Einfachheit, +Dokumentation, -Building</a:t>
             </a:r>
           </a:p>
           <a:p>
@@ -4590,15 +4810,7 @@
           <a:p>
             <a:r>
               <a:rPr lang="de-CH" dirty="0" smtClean="0"/>
-              <a:t>Rhodes</a:t>
-            </a:r>
-            <a:r>
-              <a:rPr lang="de-CH" dirty="0" smtClean="0"/>
-              <a:t>: 48P, </a:t>
-            </a:r>
-            <a:r>
-              <a:rPr lang="de-CH" dirty="0" smtClean="0"/>
-              <a:t>+Building, +Testing, -Tutorials</a:t>
+              <a:t>Rhodes: 48P, +Building, +Testing, -Tutorials</a:t>
             </a:r>
             <a:endParaRPr lang="de-CH" dirty="0"/>
           </a:p>
@@ -6815,13 +7027,13 @@
             <p:ph idx="1"/>
             <p:extLst>
               <p:ext uri="{D42A27DB-BD31-4B8C-83A1-F6EECF244321}">
-                <p14:modId xmlns:p14="http://schemas.microsoft.com/office/powerpoint/2010/main" val="3998737653"/>
+                <p14:modId xmlns:p14="http://schemas.microsoft.com/office/powerpoint/2010/main" val="4182937525"/>
               </p:ext>
             </p:extLst>
           </p:nvPr>
         </p:nvGraphicFramePr>
         <p:xfrm>
-          <a:off x="457200" y="1600200"/>
+          <a:off x="457200" y="1798032"/>
           <a:ext cx="8229600" cy="4079240"/>
         </p:xfrm>
         <a:graphic>
@@ -7195,23 +7407,7 @@
                     <a:p>
                       <a:r>
                         <a:rPr lang="de-CH" sz="1800" dirty="0" err="1" smtClean="0"/>
-                        <a:t>Step</a:t>
-                      </a:r>
-                      <a:r>
-                        <a:rPr lang="de-CH" sz="1800" dirty="0" smtClean="0"/>
-                        <a:t> </a:t>
-                      </a:r>
-                      <a:r>
-                        <a:rPr lang="de-CH" sz="1800" dirty="0" err="1" smtClean="0"/>
-                        <a:t>by</a:t>
-                      </a:r>
-                      <a:r>
-                        <a:rPr lang="de-CH" sz="1800" dirty="0" smtClean="0"/>
-                        <a:t> </a:t>
-                      </a:r>
-                      <a:r>
-                        <a:rPr lang="de-CH" sz="1800" dirty="0" err="1" smtClean="0"/>
-                        <a:t>step</a:t>
+                        <a:t>Step-by-step</a:t>
                       </a:r>
                       <a:r>
                         <a:rPr lang="de-CH" sz="1800" dirty="0" smtClean="0"/>
@@ -7992,7 +8188,74 @@
           <a:bodyPr/>
           <a:lstStyle/>
           <a:p>
-            <a:endParaRPr lang="de-CH"/>
+            <a:r>
+              <a:rPr lang="de-CH" dirty="0"/>
+              <a:t>Entwicklung von mobilen, </a:t>
+            </a:r>
+            <a:r>
+              <a:rPr lang="de-CH" dirty="0" err="1"/>
+              <a:t>Tablet</a:t>
+            </a:r>
+            <a:r>
+              <a:rPr lang="de-CH" dirty="0"/>
+              <a:t>-  und Desktop Apps</a:t>
+            </a:r>
+          </a:p>
+          <a:p>
+            <a:endParaRPr lang="de-CH" dirty="0"/>
+          </a:p>
+          <a:p>
+            <a:r>
+              <a:rPr lang="de-CH" dirty="0" smtClean="0"/>
+              <a:t>Unterstützt: </a:t>
+            </a:r>
+            <a:r>
+              <a:rPr lang="de-CH" dirty="0" err="1" smtClean="0"/>
+              <a:t>iOS</a:t>
+            </a:r>
+            <a:r>
+              <a:rPr lang="de-CH" dirty="0" smtClean="0"/>
+              <a:t>, </a:t>
+            </a:r>
+            <a:r>
+              <a:rPr lang="de-CH" dirty="0" err="1" smtClean="0"/>
+              <a:t>Android</a:t>
+            </a:r>
+            <a:r>
+              <a:rPr lang="de-CH" dirty="0" smtClean="0"/>
+              <a:t>, </a:t>
+            </a:r>
+            <a:r>
+              <a:rPr lang="de-CH" dirty="0" err="1" smtClean="0"/>
+              <a:t>BlackBerry</a:t>
+            </a:r>
+            <a:r>
+              <a:rPr lang="de-CH" dirty="0" smtClean="0"/>
+              <a:t>, </a:t>
+            </a:r>
+            <a:r>
+              <a:rPr lang="de-CH" dirty="0" err="1" smtClean="0"/>
+              <a:t>Kindle</a:t>
+            </a:r>
+            <a:r>
+              <a:rPr lang="de-CH" dirty="0" smtClean="0"/>
+              <a:t> </a:t>
+            </a:r>
+            <a:r>
+              <a:rPr lang="de-CH" dirty="0" err="1" smtClean="0"/>
+              <a:t>Fire</a:t>
+            </a:r>
+            <a:endParaRPr lang="de-CH" dirty="0" smtClean="0"/>
+          </a:p>
+          <a:p>
+            <a:endParaRPr lang="de-CH" dirty="0"/>
+          </a:p>
+          <a:p>
+            <a:r>
+              <a:rPr lang="de-CH" dirty="0" smtClean="0"/>
+              <a:t>Open Source, kostenpflichtige OEM Version erhältlich</a:t>
+            </a:r>
+            <a:endParaRPr lang="de-CH" dirty="0"/>
           </a:p>
         </p:txBody>
       </p:sp>
@@ -8037,6 +8300,47 @@
           </a:extLst>
         </p:spPr>
       </p:pic>
+      <p:pic>
+        <p:nvPicPr>
+          <p:cNvPr id="1027" name="Picture 3" descr="F:\Schule\HSZ-T\3. Jahr\Handheld\Semesterarbeit\Handheld_Repo\Media\Sencha Touch\Guide3.JPG"/>
+          <p:cNvPicPr>
+            <a:picLocks noChangeAspect="1" noChangeArrowheads="1"/>
+          </p:cNvPicPr>
+          <p:nvPr/>
+        </p:nvPicPr>
+        <p:blipFill>
+          <a:blip r:embed="rId3">
+            <a:extLst>
+              <a:ext uri="{28A0092B-C50C-407E-A947-70E740481C1C}">
+                <a14:useLocalDpi xmlns:a14="http://schemas.microsoft.com/office/drawing/2010/main" val="0"/>
+              </a:ext>
+            </a:extLst>
+          </a:blip>
+          <a:srcRect/>
+          <a:stretch>
+            <a:fillRect/>
+          </a:stretch>
+        </p:blipFill>
+        <p:spPr bwMode="auto">
+          <a:xfrm>
+            <a:off x="6630988" y="5618163"/>
+            <a:ext cx="1333500" cy="990600"/>
+          </a:xfrm>
+          <a:prstGeom prst="rect">
+            <a:avLst/>
+          </a:prstGeom>
+          <a:noFill/>
+          <a:extLst>
+            <a:ext uri="{909E8E84-426E-40DD-AFC4-6F175D3DCCD1}">
+              <a14:hiddenFill xmlns:a14="http://schemas.microsoft.com/office/drawing/2010/main">
+                <a:solidFill>
+                  <a:srgbClr val="FFFFFF"/>
+                </a:solidFill>
+              </a14:hiddenFill>
+            </a:ext>
+          </a:extLst>
+        </p:spPr>
+      </p:pic>
     </p:spTree>
     <p:extLst>
       <p:ext uri="{BB962C8B-B14F-4D97-AF65-F5344CB8AC3E}">
@@ -8060,6 +8364,32 @@
 <file path=ppt/slides/slide21.xml><?xml version="1.0" encoding="utf-8"?>
 <p:sld xmlns:a="http://schemas.openxmlformats.org/drawingml/2006/main" xmlns:r="http://schemas.openxmlformats.org/officeDocument/2006/relationships" xmlns:p="http://schemas.openxmlformats.org/presentationml/2006/main">
   <p:cSld>
+    <p:bg>
+      <p:bgPr>
+        <a:gradFill flip="none" rotWithShape="1">
+          <a:gsLst>
+            <a:gs pos="0">
+              <a:srgbClr val="92D050"/>
+            </a:gs>
+            <a:gs pos="50000">
+              <a:schemeClr val="accent1">
+                <a:tint val="44500"/>
+                <a:satMod val="160000"/>
+              </a:schemeClr>
+            </a:gs>
+            <a:gs pos="100000">
+              <a:schemeClr val="accent1">
+                <a:tint val="23500"/>
+                <a:satMod val="160000"/>
+              </a:schemeClr>
+            </a:gs>
+          </a:gsLst>
+          <a:lin ang="5400000" scaled="0"/>
+          <a:tileRect/>
+        </a:gradFill>
+        <a:effectLst/>
+      </p:bgPr>
+    </p:bg>
     <p:spTree>
       <p:nvGrpSpPr>
         <p:cNvPr id="1" name=""/>
@@ -8086,6 +8416,1216 @@
         </p:nvSpPr>
         <p:spPr>
           <a:xfrm>
+            <a:off x="3419872" y="274638"/>
+            <a:ext cx="5266928" cy="1143000"/>
+          </a:xfrm>
+        </p:spPr>
+        <p:txBody>
+          <a:bodyPr/>
+          <a:lstStyle/>
+          <a:p>
+            <a:r>
+              <a:rPr lang="de-CH" dirty="0" err="1" smtClean="0"/>
+              <a:t>Sencha</a:t>
+            </a:r>
+            <a:r>
+              <a:rPr lang="de-CH" dirty="0" smtClean="0"/>
+              <a:t> Touch</a:t>
+            </a:r>
+            <a:endParaRPr lang="de-CH" dirty="0"/>
+          </a:p>
+        </p:txBody>
+      </p:sp>
+      <p:sp>
+        <p:nvSpPr>
+          <p:cNvPr id="3" name="Inhaltsplatzhalter 2"/>
+          <p:cNvSpPr>
+            <a:spLocks noGrp="1"/>
+          </p:cNvSpPr>
+          <p:nvPr>
+            <p:ph idx="1"/>
+          </p:nvPr>
+        </p:nvSpPr>
+        <p:spPr/>
+        <p:txBody>
+          <a:bodyPr/>
+          <a:lstStyle/>
+          <a:p>
+            <a:r>
+              <a:rPr lang="de-CH" dirty="0"/>
+              <a:t>Technologien: </a:t>
+            </a:r>
+            <a:r>
+              <a:rPr lang="de-CH" dirty="0" smtClean="0"/>
+              <a:t>HTML, JavaScript (JSON)</a:t>
+            </a:r>
+            <a:endParaRPr lang="de-CH" dirty="0"/>
+          </a:p>
+          <a:p>
+            <a:endParaRPr lang="de-CH" dirty="0"/>
+          </a:p>
+          <a:p>
+            <a:r>
+              <a:rPr lang="de-CH" dirty="0"/>
+              <a:t>Funktioniert mit </a:t>
+            </a:r>
+            <a:r>
+              <a:rPr lang="de-CH" dirty="0" smtClean="0"/>
+              <a:t>MVC </a:t>
+            </a:r>
+          </a:p>
+          <a:p>
+            <a:endParaRPr lang="de-CH" dirty="0"/>
+          </a:p>
+          <a:p>
+            <a:r>
+              <a:rPr lang="de-CH" dirty="0" smtClean="0"/>
+              <a:t>Building erzeugt native Apps</a:t>
+            </a:r>
+            <a:endParaRPr lang="de-CH" dirty="0"/>
+          </a:p>
+        </p:txBody>
+      </p:sp>
+      <p:pic>
+        <p:nvPicPr>
+          <p:cNvPr id="8194" name="Picture 2" descr="F:\Schule\HSZ-T\3. Jahr\Handheld\Semesterarbeit\Handheld_Repo\Media\Sencha Touch\sencha_touch_logo.JPG"/>
+          <p:cNvPicPr>
+            <a:picLocks noChangeAspect="1" noChangeArrowheads="1"/>
+          </p:cNvPicPr>
+          <p:nvPr/>
+        </p:nvPicPr>
+        <p:blipFill>
+          <a:blip r:embed="rId2">
+            <a:extLst>
+              <a:ext uri="{28A0092B-C50C-407E-A947-70E740481C1C}">
+                <a14:useLocalDpi xmlns:a14="http://schemas.microsoft.com/office/drawing/2010/main" val="0"/>
+              </a:ext>
+            </a:extLst>
+          </a:blip>
+          <a:srcRect/>
+          <a:stretch>
+            <a:fillRect/>
+          </a:stretch>
+        </p:blipFill>
+        <p:spPr bwMode="auto">
+          <a:xfrm>
+            <a:off x="251518" y="483005"/>
+            <a:ext cx="4092149" cy="713747"/>
+          </a:xfrm>
+          <a:prstGeom prst="rect">
+            <a:avLst/>
+          </a:prstGeom>
+          <a:noFill/>
+          <a:extLst>
+            <a:ext uri="{909E8E84-426E-40DD-AFC4-6F175D3DCCD1}">
+              <a14:hiddenFill xmlns:a14="http://schemas.microsoft.com/office/drawing/2010/main">
+                <a:solidFill>
+                  <a:srgbClr val="FFFFFF"/>
+                </a:solidFill>
+              </a14:hiddenFill>
+            </a:ext>
+          </a:extLst>
+        </p:spPr>
+      </p:pic>
+      <p:pic>
+        <p:nvPicPr>
+          <p:cNvPr id="2050" name="Picture 2" descr="F:\Schule\HSZ-T\3. Jahr\Handheld\Semesterarbeit\Handheld_Repo\Media\Sencha Touch\MVC_Architecture.JPG"/>
+          <p:cNvPicPr>
+            <a:picLocks noChangeAspect="1" noChangeArrowheads="1"/>
+          </p:cNvPicPr>
+          <p:nvPr/>
+        </p:nvPicPr>
+        <p:blipFill rotWithShape="1">
+          <a:blip r:embed="rId3">
+            <a:extLst>
+              <a:ext uri="{28A0092B-C50C-407E-A947-70E740481C1C}">
+                <a14:useLocalDpi xmlns:a14="http://schemas.microsoft.com/office/drawing/2010/main" val="0"/>
+              </a:ext>
+            </a:extLst>
+          </a:blip>
+          <a:srcRect l="13116" t="7440" r="7003" b="8261"/>
+          <a:stretch/>
+        </p:blipFill>
+        <p:spPr bwMode="auto">
+          <a:xfrm>
+            <a:off x="4737100" y="2564904"/>
+            <a:ext cx="956734" cy="914400"/>
+          </a:xfrm>
+          <a:prstGeom prst="rect">
+            <a:avLst/>
+          </a:prstGeom>
+          <a:noFill/>
+          <a:extLst>
+            <a:ext uri="{909E8E84-426E-40DD-AFC4-6F175D3DCCD1}">
+              <a14:hiddenFill xmlns:a14="http://schemas.microsoft.com/office/drawing/2010/main">
+                <a:solidFill>
+                  <a:srgbClr val="FFFFFF"/>
+                </a:solidFill>
+              </a14:hiddenFill>
+            </a:ext>
+          </a:extLst>
+        </p:spPr>
+      </p:pic>
+      <p:pic>
+        <p:nvPicPr>
+          <p:cNvPr id="2051" name="Picture 3" descr="F:\Schule\HSZ-T\3. Jahr\Handheld\Semesterarbeit\Handheld_Repo\Media\Sencha Touch\sencha_bar.JPG"/>
+          <p:cNvPicPr>
+            <a:picLocks noChangeAspect="1" noChangeArrowheads="1"/>
+          </p:cNvPicPr>
+          <p:nvPr/>
+        </p:nvPicPr>
+        <p:blipFill>
+          <a:blip r:embed="rId4">
+            <a:extLst>
+              <a:ext uri="{28A0092B-C50C-407E-A947-70E740481C1C}">
+                <a14:useLocalDpi xmlns:a14="http://schemas.microsoft.com/office/drawing/2010/main" val="0"/>
+              </a:ext>
+            </a:extLst>
+          </a:blip>
+          <a:srcRect/>
+          <a:stretch>
+            <a:fillRect/>
+          </a:stretch>
+        </p:blipFill>
+        <p:spPr bwMode="auto">
+          <a:xfrm>
+            <a:off x="2345728" y="5083174"/>
+            <a:ext cx="4782743" cy="1082129"/>
+          </a:xfrm>
+          <a:prstGeom prst="rect">
+            <a:avLst/>
+          </a:prstGeom>
+          <a:noFill/>
+          <a:extLst>
+            <a:ext uri="{909E8E84-426E-40DD-AFC4-6F175D3DCCD1}">
+              <a14:hiddenFill xmlns:a14="http://schemas.microsoft.com/office/drawing/2010/main">
+                <a:solidFill>
+                  <a:srgbClr val="FFFFFF"/>
+                </a:solidFill>
+              </a14:hiddenFill>
+            </a:ext>
+          </a:extLst>
+        </p:spPr>
+      </p:pic>
+    </p:spTree>
+    <p:extLst>
+      <p:ext uri="{BB962C8B-B14F-4D97-AF65-F5344CB8AC3E}">
+        <p14:creationId xmlns:p14="http://schemas.microsoft.com/office/powerpoint/2010/main" val="3958992079"/>
+      </p:ext>
+    </p:extLst>
+  </p:cSld>
+  <p:clrMapOvr>
+    <a:masterClrMapping/>
+  </p:clrMapOvr>
+  <p:timing>
+    <p:tnLst>
+      <p:par>
+        <p:cTn id="1" dur="indefinite" restart="never" nodeType="tmRoot"/>
+      </p:par>
+    </p:tnLst>
+  </p:timing>
+</p:sld>
+</file>
+
+<file path=ppt/slides/slide22.xml><?xml version="1.0" encoding="utf-8"?>
+<p:sld xmlns:a="http://schemas.openxmlformats.org/drawingml/2006/main" xmlns:r="http://schemas.openxmlformats.org/officeDocument/2006/relationships" xmlns:p="http://schemas.openxmlformats.org/presentationml/2006/main">
+  <p:cSld>
+    <p:bg>
+      <p:bgPr>
+        <a:gradFill flip="none" rotWithShape="1">
+          <a:gsLst>
+            <a:gs pos="0">
+              <a:srgbClr val="92D050"/>
+            </a:gs>
+            <a:gs pos="50000">
+              <a:schemeClr val="accent1">
+                <a:tint val="44500"/>
+                <a:satMod val="160000"/>
+              </a:schemeClr>
+            </a:gs>
+            <a:gs pos="100000">
+              <a:schemeClr val="accent1">
+                <a:tint val="23500"/>
+                <a:satMod val="160000"/>
+              </a:schemeClr>
+            </a:gs>
+          </a:gsLst>
+          <a:lin ang="5400000" scaled="0"/>
+          <a:tileRect/>
+        </a:gradFill>
+        <a:effectLst/>
+      </p:bgPr>
+    </p:bg>
+    <p:spTree>
+      <p:nvGrpSpPr>
+        <p:cNvPr id="1" name=""/>
+        <p:cNvGrpSpPr/>
+        <p:nvPr/>
+      </p:nvGrpSpPr>
+      <p:grpSpPr>
+        <a:xfrm>
+          <a:off x="0" y="0"/>
+          <a:ext cx="0" cy="0"/>
+          <a:chOff x="0" y="0"/>
+          <a:chExt cx="0" cy="0"/>
+        </a:xfrm>
+      </p:grpSpPr>
+      <p:sp>
+        <p:nvSpPr>
+          <p:cNvPr id="2" name="Titel 1"/>
+          <p:cNvSpPr>
+            <a:spLocks noGrp="1"/>
+          </p:cNvSpPr>
+          <p:nvPr>
+            <p:ph type="title"/>
+          </p:nvPr>
+        </p:nvSpPr>
+        <p:spPr>
+          <a:xfrm>
+            <a:off x="3419872" y="274638"/>
+            <a:ext cx="5266928" cy="1143000"/>
+          </a:xfrm>
+        </p:spPr>
+        <p:txBody>
+          <a:bodyPr/>
+          <a:lstStyle/>
+          <a:p>
+            <a:r>
+              <a:rPr lang="de-CH" dirty="0" err="1" smtClean="0"/>
+              <a:t>Sencha</a:t>
+            </a:r>
+            <a:r>
+              <a:rPr lang="de-CH" dirty="0" smtClean="0"/>
+              <a:t> Touch</a:t>
+            </a:r>
+            <a:endParaRPr lang="de-CH" dirty="0"/>
+          </a:p>
+        </p:txBody>
+      </p:sp>
+      <p:graphicFrame>
+        <p:nvGraphicFramePr>
+          <p:cNvPr id="4" name="Inhaltsplatzhalter 3"/>
+          <p:cNvGraphicFramePr>
+            <a:graphicFrameLocks noGrp="1"/>
+          </p:cNvGraphicFramePr>
+          <p:nvPr>
+            <p:ph idx="1"/>
+            <p:extLst>
+              <p:ext uri="{D42A27DB-BD31-4B8C-83A1-F6EECF244321}">
+                <p14:modId xmlns:p14="http://schemas.microsoft.com/office/powerpoint/2010/main" val="3642465443"/>
+              </p:ext>
+            </p:extLst>
+          </p:nvPr>
+        </p:nvGraphicFramePr>
+        <p:xfrm>
+          <a:off x="457200" y="1798032"/>
+          <a:ext cx="8507288" cy="4079240"/>
+        </p:xfrm>
+        <a:graphic>
+          <a:graphicData uri="http://schemas.openxmlformats.org/drawingml/2006/table">
+            <a:tbl>
+              <a:tblPr firstRow="1" bandRow="1">
+                <a:tableStyleId>{5C22544A-7EE6-4342-B048-85BDC9FD1C3A}</a:tableStyleId>
+              </a:tblPr>
+              <a:tblGrid>
+                <a:gridCol w="2386608"/>
+                <a:gridCol w="864096"/>
+                <a:gridCol w="5256584"/>
+              </a:tblGrid>
+              <a:tr h="370840">
+                <a:tc>
+                  <a:txBody>
+                    <a:bodyPr/>
+                    <a:lstStyle/>
+                    <a:p>
+                      <a:pPr>
+                        <a:lnSpc>
+                          <a:spcPct val="115000"/>
+                        </a:lnSpc>
+                        <a:spcAft>
+                          <a:spcPts val="0"/>
+                        </a:spcAft>
+                      </a:pPr>
+                      <a:r>
+                        <a:rPr lang="de-CH" sz="1800" dirty="0">
+                          <a:effectLst/>
+                          <a:latin typeface="Calibri"/>
+                          <a:ea typeface="Calibri"/>
+                          <a:cs typeface="Times New Roman"/>
+                        </a:rPr>
+                        <a:t>Kriterium</a:t>
+                      </a:r>
+                    </a:p>
+                  </a:txBody>
+                  <a:tcPr marL="68580" marR="68580" marT="0" marB="0">
+                    <a:solidFill>
+                      <a:srgbClr val="1B9532"/>
+                    </a:solidFill>
+                  </a:tcPr>
+                </a:tc>
+                <a:tc>
+                  <a:txBody>
+                    <a:bodyPr/>
+                    <a:lstStyle/>
+                    <a:p>
+                      <a:pPr>
+                        <a:lnSpc>
+                          <a:spcPct val="115000"/>
+                        </a:lnSpc>
+                        <a:spcAft>
+                          <a:spcPts val="0"/>
+                        </a:spcAft>
+                      </a:pPr>
+                      <a:r>
+                        <a:rPr lang="de-CH" sz="1800" dirty="0">
+                          <a:effectLst/>
+                          <a:latin typeface="Calibri"/>
+                          <a:ea typeface="Calibri"/>
+                          <a:cs typeface="Times New Roman"/>
+                        </a:rPr>
+                        <a:t>Punkte</a:t>
+                      </a:r>
+                    </a:p>
+                  </a:txBody>
+                  <a:tcPr marL="68580" marR="68580" marT="0" marB="0">
+                    <a:solidFill>
+                      <a:srgbClr val="1B9532"/>
+                    </a:solidFill>
+                  </a:tcPr>
+                </a:tc>
+                <a:tc>
+                  <a:txBody>
+                    <a:bodyPr/>
+                    <a:lstStyle/>
+                    <a:p>
+                      <a:r>
+                        <a:rPr lang="de-CH" dirty="0" smtClean="0"/>
+                        <a:t>Erklärung</a:t>
+                      </a:r>
+                      <a:endParaRPr lang="de-CH" dirty="0"/>
+                    </a:p>
+                  </a:txBody>
+                  <a:tcPr>
+                    <a:solidFill>
+                      <a:srgbClr val="1B9532"/>
+                    </a:solidFill>
+                  </a:tcPr>
+                </a:tc>
+              </a:tr>
+              <a:tr h="370840">
+                <a:tc>
+                  <a:txBody>
+                    <a:bodyPr/>
+                    <a:lstStyle/>
+                    <a:p>
+                      <a:pPr>
+                        <a:lnSpc>
+                          <a:spcPct val="115000"/>
+                        </a:lnSpc>
+                        <a:spcAft>
+                          <a:spcPts val="0"/>
+                        </a:spcAft>
+                      </a:pPr>
+                      <a:r>
+                        <a:rPr lang="de-CH" sz="1800">
+                          <a:effectLst/>
+                          <a:latin typeface="Calibri"/>
+                          <a:ea typeface="Calibri"/>
+                          <a:cs typeface="Times New Roman"/>
+                        </a:rPr>
+                        <a:t>Einfachheit</a:t>
+                      </a:r>
+                    </a:p>
+                  </a:txBody>
+                  <a:tcPr marL="68580" marR="68580" marT="0" marB="0"/>
+                </a:tc>
+                <a:tc>
+                  <a:txBody>
+                    <a:bodyPr/>
+                    <a:lstStyle/>
+                    <a:p>
+                      <a:pPr>
+                        <a:lnSpc>
+                          <a:spcPct val="115000"/>
+                        </a:lnSpc>
+                        <a:spcAft>
+                          <a:spcPts val="0"/>
+                        </a:spcAft>
+                      </a:pPr>
+                      <a:r>
+                        <a:rPr lang="de-CH" sz="1800">
+                          <a:effectLst/>
+                          <a:latin typeface="Calibri"/>
+                          <a:ea typeface="Calibri"/>
+                          <a:cs typeface="Times New Roman"/>
+                        </a:rPr>
+                        <a:t>6</a:t>
+                      </a:r>
+                    </a:p>
+                  </a:txBody>
+                  <a:tcPr marL="68580" marR="68580" marT="0" marB="0"/>
+                </a:tc>
+                <a:tc>
+                  <a:txBody>
+                    <a:bodyPr/>
+                    <a:lstStyle/>
+                    <a:p>
+                      <a:r>
+                        <a:rPr lang="de-CH" dirty="0" smtClean="0"/>
+                        <a:t>Simpel,</a:t>
+                      </a:r>
+                      <a:r>
+                        <a:rPr lang="de-CH" baseline="0" dirty="0" smtClean="0"/>
+                        <a:t> nicht intuitiv, Vorkenntnisse helfen</a:t>
+                      </a:r>
+                      <a:endParaRPr lang="de-CH" dirty="0"/>
+                    </a:p>
+                  </a:txBody>
+                  <a:tcPr/>
+                </a:tc>
+              </a:tr>
+              <a:tr h="370840">
+                <a:tc>
+                  <a:txBody>
+                    <a:bodyPr/>
+                    <a:lstStyle/>
+                    <a:p>
+                      <a:pPr>
+                        <a:lnSpc>
+                          <a:spcPct val="115000"/>
+                        </a:lnSpc>
+                        <a:spcAft>
+                          <a:spcPts val="0"/>
+                        </a:spcAft>
+                      </a:pPr>
+                      <a:r>
+                        <a:rPr lang="de-CH" sz="1800">
+                          <a:effectLst/>
+                          <a:latin typeface="Calibri"/>
+                          <a:ea typeface="Calibri"/>
+                          <a:cs typeface="Times New Roman"/>
+                        </a:rPr>
+                        <a:t>Entwicklungsumgebung</a:t>
+                      </a:r>
+                    </a:p>
+                  </a:txBody>
+                  <a:tcPr marL="68580" marR="68580" marT="0" marB="0"/>
+                </a:tc>
+                <a:tc>
+                  <a:txBody>
+                    <a:bodyPr/>
+                    <a:lstStyle/>
+                    <a:p>
+                      <a:pPr>
+                        <a:lnSpc>
+                          <a:spcPct val="115000"/>
+                        </a:lnSpc>
+                        <a:spcAft>
+                          <a:spcPts val="0"/>
+                        </a:spcAft>
+                      </a:pPr>
+                      <a:r>
+                        <a:rPr lang="de-CH" sz="1800">
+                          <a:effectLst/>
+                          <a:latin typeface="Calibri"/>
+                          <a:ea typeface="Calibri"/>
+                          <a:cs typeface="Times New Roman"/>
+                        </a:rPr>
+                        <a:t>8</a:t>
+                      </a:r>
+                    </a:p>
+                  </a:txBody>
+                  <a:tcPr marL="68580" marR="68580" marT="0" marB="0"/>
+                </a:tc>
+                <a:tc>
+                  <a:txBody>
+                    <a:bodyPr/>
+                    <a:lstStyle/>
+                    <a:p>
+                      <a:r>
+                        <a:rPr lang="de-CH" dirty="0" smtClean="0"/>
+                        <a:t>Offen, Generierung</a:t>
+                      </a:r>
+                      <a:r>
+                        <a:rPr lang="de-CH" baseline="0" dirty="0" smtClean="0"/>
+                        <a:t> von Strukturen, Texteditor</a:t>
+                      </a:r>
+                      <a:endParaRPr lang="de-CH" dirty="0"/>
+                    </a:p>
+                  </a:txBody>
+                  <a:tcPr/>
+                </a:tc>
+              </a:tr>
+              <a:tr h="370840">
+                <a:tc>
+                  <a:txBody>
+                    <a:bodyPr/>
+                    <a:lstStyle/>
+                    <a:p>
+                      <a:pPr>
+                        <a:lnSpc>
+                          <a:spcPct val="115000"/>
+                        </a:lnSpc>
+                        <a:spcAft>
+                          <a:spcPts val="0"/>
+                        </a:spcAft>
+                      </a:pPr>
+                      <a:r>
+                        <a:rPr lang="de-CH" sz="1800">
+                          <a:effectLst/>
+                          <a:latin typeface="Calibri"/>
+                          <a:ea typeface="Calibri"/>
+                          <a:cs typeface="Times New Roman"/>
+                        </a:rPr>
+                        <a:t>Support</a:t>
+                      </a:r>
+                    </a:p>
+                  </a:txBody>
+                  <a:tcPr marL="68580" marR="68580" marT="0" marB="0"/>
+                </a:tc>
+                <a:tc>
+                  <a:txBody>
+                    <a:bodyPr/>
+                    <a:lstStyle/>
+                    <a:p>
+                      <a:pPr>
+                        <a:lnSpc>
+                          <a:spcPct val="115000"/>
+                        </a:lnSpc>
+                        <a:spcAft>
+                          <a:spcPts val="0"/>
+                        </a:spcAft>
+                      </a:pPr>
+                      <a:r>
+                        <a:rPr lang="de-CH" sz="1800">
+                          <a:effectLst/>
+                          <a:latin typeface="Calibri"/>
+                          <a:ea typeface="Calibri"/>
+                          <a:cs typeface="Times New Roman"/>
+                        </a:rPr>
+                        <a:t>7</a:t>
+                      </a:r>
+                    </a:p>
+                  </a:txBody>
+                  <a:tcPr marL="68580" marR="68580" marT="0" marB="0"/>
+                </a:tc>
+                <a:tc>
+                  <a:txBody>
+                    <a:bodyPr/>
+                    <a:lstStyle/>
+                    <a:p>
+                      <a:r>
+                        <a:rPr lang="de-CH" dirty="0" smtClean="0"/>
+                        <a:t>Eher Teuer, Forum, Telefon, </a:t>
+                      </a:r>
+                      <a:r>
+                        <a:rPr lang="de-CH" dirty="0" err="1" smtClean="0"/>
+                        <a:t>Bugfixes</a:t>
+                      </a:r>
+                      <a:endParaRPr lang="de-CH" dirty="0"/>
+                    </a:p>
+                  </a:txBody>
+                  <a:tcPr/>
+                </a:tc>
+              </a:tr>
+              <a:tr h="370840">
+                <a:tc>
+                  <a:txBody>
+                    <a:bodyPr/>
+                    <a:lstStyle/>
+                    <a:p>
+                      <a:pPr>
+                        <a:lnSpc>
+                          <a:spcPct val="115000"/>
+                        </a:lnSpc>
+                        <a:spcAft>
+                          <a:spcPts val="0"/>
+                        </a:spcAft>
+                      </a:pPr>
+                      <a:r>
+                        <a:rPr lang="de-CH" sz="1800">
+                          <a:effectLst/>
+                          <a:latin typeface="Calibri"/>
+                          <a:ea typeface="Calibri"/>
+                          <a:cs typeface="Times New Roman"/>
+                        </a:rPr>
+                        <a:t>Dokumentation</a:t>
+                      </a:r>
+                    </a:p>
+                  </a:txBody>
+                  <a:tcPr marL="68580" marR="68580" marT="0" marB="0"/>
+                </a:tc>
+                <a:tc>
+                  <a:txBody>
+                    <a:bodyPr/>
+                    <a:lstStyle/>
+                    <a:p>
+                      <a:pPr>
+                        <a:lnSpc>
+                          <a:spcPct val="115000"/>
+                        </a:lnSpc>
+                        <a:spcAft>
+                          <a:spcPts val="0"/>
+                        </a:spcAft>
+                      </a:pPr>
+                      <a:r>
+                        <a:rPr lang="de-CH" sz="1800">
+                          <a:effectLst/>
+                          <a:latin typeface="Calibri"/>
+                          <a:ea typeface="Calibri"/>
+                          <a:cs typeface="Times New Roman"/>
+                        </a:rPr>
+                        <a:t>8</a:t>
+                      </a:r>
+                    </a:p>
+                  </a:txBody>
+                  <a:tcPr marL="68580" marR="68580" marT="0" marB="0"/>
+                </a:tc>
+                <a:tc>
+                  <a:txBody>
+                    <a:bodyPr/>
+                    <a:lstStyle/>
+                    <a:p>
+                      <a:r>
+                        <a:rPr lang="de-CH" dirty="0" smtClean="0"/>
+                        <a:t>Zweckmässig,</a:t>
+                      </a:r>
+                      <a:r>
+                        <a:rPr lang="de-CH" baseline="0" dirty="0" smtClean="0"/>
+                        <a:t> In-Browser-Beispiele, etwas kompliziert</a:t>
+                      </a:r>
+                      <a:endParaRPr lang="de-CH" dirty="0"/>
+                    </a:p>
+                  </a:txBody>
+                  <a:tcPr/>
+                </a:tc>
+              </a:tr>
+              <a:tr h="370840">
+                <a:tc>
+                  <a:txBody>
+                    <a:bodyPr/>
+                    <a:lstStyle/>
+                    <a:p>
+                      <a:pPr>
+                        <a:lnSpc>
+                          <a:spcPct val="115000"/>
+                        </a:lnSpc>
+                        <a:spcAft>
+                          <a:spcPts val="0"/>
+                        </a:spcAft>
+                      </a:pPr>
+                      <a:r>
+                        <a:rPr lang="de-CH" sz="1800">
+                          <a:effectLst/>
+                          <a:latin typeface="Calibri"/>
+                          <a:ea typeface="Calibri"/>
+                          <a:cs typeface="Times New Roman"/>
+                        </a:rPr>
+                        <a:t>Tutorials</a:t>
+                      </a:r>
+                    </a:p>
+                  </a:txBody>
+                  <a:tcPr marL="68580" marR="68580" marT="0" marB="0"/>
+                </a:tc>
+                <a:tc>
+                  <a:txBody>
+                    <a:bodyPr/>
+                    <a:lstStyle/>
+                    <a:p>
+                      <a:pPr>
+                        <a:lnSpc>
+                          <a:spcPct val="115000"/>
+                        </a:lnSpc>
+                        <a:spcAft>
+                          <a:spcPts val="0"/>
+                        </a:spcAft>
+                      </a:pPr>
+                      <a:r>
+                        <a:rPr lang="de-CH" sz="1800">
+                          <a:effectLst/>
+                          <a:latin typeface="Calibri"/>
+                          <a:ea typeface="Calibri"/>
+                          <a:cs typeface="Times New Roman"/>
+                        </a:rPr>
+                        <a:t>7</a:t>
+                      </a:r>
+                    </a:p>
+                  </a:txBody>
+                  <a:tcPr marL="68580" marR="68580" marT="0" marB="0"/>
+                </a:tc>
+                <a:tc>
+                  <a:txBody>
+                    <a:bodyPr/>
+                    <a:lstStyle/>
+                    <a:p>
+                      <a:r>
+                        <a:rPr lang="de-CH" dirty="0" smtClean="0"/>
+                        <a:t>387K Hits, Schwierigkeitsgrade, Video-Tutorials</a:t>
+                      </a:r>
+                      <a:endParaRPr lang="de-CH" dirty="0"/>
+                    </a:p>
+                  </a:txBody>
+                  <a:tcPr/>
+                </a:tc>
+              </a:tr>
+              <a:tr h="370840">
+                <a:tc>
+                  <a:txBody>
+                    <a:bodyPr/>
+                    <a:lstStyle/>
+                    <a:p>
+                      <a:pPr>
+                        <a:lnSpc>
+                          <a:spcPct val="115000"/>
+                        </a:lnSpc>
+                        <a:spcAft>
+                          <a:spcPts val="0"/>
+                        </a:spcAft>
+                      </a:pPr>
+                      <a:r>
+                        <a:rPr lang="de-CH" sz="1800">
+                          <a:effectLst/>
+                          <a:latin typeface="Calibri"/>
+                          <a:ea typeface="Calibri"/>
+                          <a:cs typeface="Times New Roman"/>
+                        </a:rPr>
+                        <a:t>Building</a:t>
+                      </a:r>
+                    </a:p>
+                  </a:txBody>
+                  <a:tcPr marL="68580" marR="68580" marT="0" marB="0"/>
+                </a:tc>
+                <a:tc>
+                  <a:txBody>
+                    <a:bodyPr/>
+                    <a:lstStyle/>
+                    <a:p>
+                      <a:pPr>
+                        <a:lnSpc>
+                          <a:spcPct val="115000"/>
+                        </a:lnSpc>
+                        <a:spcAft>
+                          <a:spcPts val="0"/>
+                        </a:spcAft>
+                      </a:pPr>
+                      <a:r>
+                        <a:rPr lang="de-CH" sz="1800">
+                          <a:effectLst/>
+                          <a:latin typeface="Calibri"/>
+                          <a:ea typeface="Calibri"/>
+                          <a:cs typeface="Times New Roman"/>
+                        </a:rPr>
+                        <a:t>6</a:t>
+                      </a:r>
+                    </a:p>
+                  </a:txBody>
+                  <a:tcPr marL="68580" marR="68580" marT="0" marB="0"/>
+                </a:tc>
+                <a:tc>
+                  <a:txBody>
+                    <a:bodyPr/>
+                    <a:lstStyle/>
+                    <a:p>
+                      <a:r>
+                        <a:rPr lang="de-CH" dirty="0" smtClean="0"/>
+                        <a:t>Lokal, Geräteabhängig, automatisierbar (</a:t>
+                      </a:r>
+                      <a:r>
+                        <a:rPr lang="de-CH" dirty="0" err="1" smtClean="0"/>
+                        <a:t>Ant</a:t>
+                      </a:r>
+                      <a:r>
+                        <a:rPr lang="de-CH" dirty="0" smtClean="0"/>
+                        <a:t>)</a:t>
+                      </a:r>
+                      <a:endParaRPr lang="de-CH" dirty="0"/>
+                    </a:p>
+                  </a:txBody>
+                  <a:tcPr/>
+                </a:tc>
+              </a:tr>
+              <a:tr h="370840">
+                <a:tc>
+                  <a:txBody>
+                    <a:bodyPr/>
+                    <a:lstStyle/>
+                    <a:p>
+                      <a:pPr>
+                        <a:lnSpc>
+                          <a:spcPct val="115000"/>
+                        </a:lnSpc>
+                        <a:spcAft>
+                          <a:spcPts val="0"/>
+                        </a:spcAft>
+                      </a:pPr>
+                      <a:r>
+                        <a:rPr lang="de-CH" sz="1800">
+                          <a:effectLst/>
+                          <a:latin typeface="Calibri"/>
+                          <a:ea typeface="Calibri"/>
+                          <a:cs typeface="Times New Roman"/>
+                        </a:rPr>
+                        <a:t>Testing</a:t>
+                      </a:r>
+                    </a:p>
+                  </a:txBody>
+                  <a:tcPr marL="68580" marR="68580" marT="0" marB="0"/>
+                </a:tc>
+                <a:tc>
+                  <a:txBody>
+                    <a:bodyPr/>
+                    <a:lstStyle/>
+                    <a:p>
+                      <a:pPr>
+                        <a:lnSpc>
+                          <a:spcPct val="115000"/>
+                        </a:lnSpc>
+                        <a:spcAft>
+                          <a:spcPts val="0"/>
+                        </a:spcAft>
+                      </a:pPr>
+                      <a:r>
+                        <a:rPr lang="de-CH" sz="1800">
+                          <a:effectLst/>
+                          <a:latin typeface="Calibri"/>
+                          <a:ea typeface="Calibri"/>
+                          <a:cs typeface="Times New Roman"/>
+                        </a:rPr>
+                        <a:t>6</a:t>
+                      </a:r>
+                    </a:p>
+                  </a:txBody>
+                  <a:tcPr marL="68580" marR="68580" marT="0" marB="0"/>
+                </a:tc>
+                <a:tc>
+                  <a:txBody>
+                    <a:bodyPr/>
+                    <a:lstStyle/>
+                    <a:p>
+                      <a:r>
+                        <a:rPr lang="de-CH" dirty="0" smtClean="0"/>
+                        <a:t>Manuell, Jasmine-Framework</a:t>
+                      </a:r>
+                      <a:endParaRPr lang="de-CH" dirty="0"/>
+                    </a:p>
+                  </a:txBody>
+                  <a:tcPr/>
+                </a:tc>
+              </a:tr>
+              <a:tr h="370840">
+                <a:tc>
+                  <a:txBody>
+                    <a:bodyPr/>
+                    <a:lstStyle/>
+                    <a:p>
+                      <a:pPr>
+                        <a:lnSpc>
+                          <a:spcPct val="115000"/>
+                        </a:lnSpc>
+                        <a:spcAft>
+                          <a:spcPts val="0"/>
+                        </a:spcAft>
+                      </a:pPr>
+                      <a:r>
+                        <a:rPr lang="de-CH" sz="1800">
+                          <a:effectLst/>
+                          <a:latin typeface="Calibri"/>
+                          <a:ea typeface="Calibri"/>
+                          <a:cs typeface="Times New Roman"/>
+                        </a:rPr>
+                        <a:t>Verbreitung</a:t>
+                      </a:r>
+                    </a:p>
+                  </a:txBody>
+                  <a:tcPr marL="68580" marR="68580" marT="0" marB="0"/>
+                </a:tc>
+                <a:tc>
+                  <a:txBody>
+                    <a:bodyPr/>
+                    <a:lstStyle/>
+                    <a:p>
+                      <a:pPr>
+                        <a:lnSpc>
+                          <a:spcPct val="115000"/>
+                        </a:lnSpc>
+                        <a:spcAft>
+                          <a:spcPts val="0"/>
+                        </a:spcAft>
+                      </a:pPr>
+                      <a:r>
+                        <a:rPr lang="de-CH" sz="1800">
+                          <a:effectLst/>
+                          <a:latin typeface="Calibri"/>
+                          <a:ea typeface="Calibri"/>
+                          <a:cs typeface="Times New Roman"/>
+                        </a:rPr>
+                        <a:t>8</a:t>
+                      </a:r>
+                    </a:p>
+                  </a:txBody>
+                  <a:tcPr marL="68580" marR="68580" marT="0" marB="0"/>
+                </a:tc>
+                <a:tc>
+                  <a:txBody>
+                    <a:bodyPr/>
+                    <a:lstStyle/>
+                    <a:p>
+                      <a:r>
+                        <a:rPr lang="de-CH" dirty="0" smtClean="0"/>
+                        <a:t>1.49Mio Hits, 500K Entwickler, zehntausende</a:t>
+                      </a:r>
+                      <a:r>
+                        <a:rPr lang="de-CH" baseline="0" dirty="0" smtClean="0"/>
+                        <a:t> Apps</a:t>
+                      </a:r>
+                      <a:endParaRPr lang="de-CH" dirty="0"/>
+                    </a:p>
+                  </a:txBody>
+                  <a:tcPr/>
+                </a:tc>
+              </a:tr>
+              <a:tr h="370840">
+                <a:tc>
+                  <a:txBody>
+                    <a:bodyPr/>
+                    <a:lstStyle/>
+                    <a:p>
+                      <a:pPr>
+                        <a:lnSpc>
+                          <a:spcPct val="115000"/>
+                        </a:lnSpc>
+                        <a:spcAft>
+                          <a:spcPts val="0"/>
+                        </a:spcAft>
+                      </a:pPr>
+                      <a:r>
+                        <a:rPr lang="de-CH" sz="1800">
+                          <a:effectLst/>
+                          <a:latin typeface="Calibri"/>
+                          <a:ea typeface="Calibri"/>
+                          <a:cs typeface="Times New Roman"/>
+                        </a:rPr>
+                        <a:t>Spezielles</a:t>
+                      </a:r>
+                    </a:p>
+                  </a:txBody>
+                  <a:tcPr marL="68580" marR="68580" marT="0" marB="0"/>
+                </a:tc>
+                <a:tc>
+                  <a:txBody>
+                    <a:bodyPr/>
+                    <a:lstStyle/>
+                    <a:p>
+                      <a:pPr>
+                        <a:lnSpc>
+                          <a:spcPct val="115000"/>
+                        </a:lnSpc>
+                        <a:spcAft>
+                          <a:spcPts val="0"/>
+                        </a:spcAft>
+                      </a:pPr>
+                      <a:r>
+                        <a:rPr lang="de-CH" sz="1800">
+                          <a:effectLst/>
+                          <a:latin typeface="Calibri"/>
+                          <a:ea typeface="Calibri"/>
+                          <a:cs typeface="Times New Roman"/>
+                        </a:rPr>
+                        <a:t>2</a:t>
+                      </a:r>
+                    </a:p>
+                  </a:txBody>
+                  <a:tcPr marL="68580" marR="68580" marT="0" marB="0"/>
+                </a:tc>
+                <a:tc>
+                  <a:txBody>
+                    <a:bodyPr/>
+                    <a:lstStyle/>
+                    <a:p>
+                      <a:r>
+                        <a:rPr lang="de-CH" dirty="0" smtClean="0"/>
+                        <a:t>Live Demos</a:t>
+                      </a:r>
+                      <a:r>
+                        <a:rPr lang="de-CH" baseline="0" dirty="0" smtClean="0"/>
+                        <a:t> im Browser</a:t>
+                      </a:r>
+                      <a:endParaRPr lang="de-CH" dirty="0"/>
+                    </a:p>
+                  </a:txBody>
+                  <a:tcPr/>
+                </a:tc>
+              </a:tr>
+              <a:tr h="370840">
+                <a:tc>
+                  <a:txBody>
+                    <a:bodyPr/>
+                    <a:lstStyle/>
+                    <a:p>
+                      <a:pPr>
+                        <a:lnSpc>
+                          <a:spcPct val="115000"/>
+                        </a:lnSpc>
+                        <a:spcAft>
+                          <a:spcPts val="0"/>
+                        </a:spcAft>
+                      </a:pPr>
+                      <a:r>
+                        <a:rPr lang="de-CH" sz="1800" b="1">
+                          <a:effectLst/>
+                          <a:latin typeface="Calibri"/>
+                          <a:ea typeface="Calibri"/>
+                          <a:cs typeface="Times New Roman"/>
+                        </a:rPr>
+                        <a:t>Total</a:t>
+                      </a:r>
+                      <a:endParaRPr lang="de-CH" sz="1800">
+                        <a:effectLst/>
+                        <a:latin typeface="Calibri"/>
+                        <a:ea typeface="Calibri"/>
+                        <a:cs typeface="Times New Roman"/>
+                      </a:endParaRPr>
+                    </a:p>
+                  </a:txBody>
+                  <a:tcPr marL="68580" marR="68580" marT="0" marB="0"/>
+                </a:tc>
+                <a:tc>
+                  <a:txBody>
+                    <a:bodyPr/>
+                    <a:lstStyle/>
+                    <a:p>
+                      <a:pPr>
+                        <a:lnSpc>
+                          <a:spcPct val="115000"/>
+                        </a:lnSpc>
+                        <a:spcAft>
+                          <a:spcPts val="0"/>
+                        </a:spcAft>
+                      </a:pPr>
+                      <a:r>
+                        <a:rPr lang="de-CH" sz="1800" b="1" dirty="0">
+                          <a:effectLst/>
+                          <a:latin typeface="Calibri"/>
+                          <a:ea typeface="Calibri"/>
+                          <a:cs typeface="Times New Roman"/>
+                        </a:rPr>
+                        <a:t>58</a:t>
+                      </a:r>
+                      <a:endParaRPr lang="de-CH" sz="1800" dirty="0">
+                        <a:effectLst/>
+                        <a:latin typeface="Calibri"/>
+                        <a:ea typeface="Calibri"/>
+                        <a:cs typeface="Times New Roman"/>
+                      </a:endParaRPr>
+                    </a:p>
+                  </a:txBody>
+                  <a:tcPr marL="68580" marR="68580" marT="0" marB="0"/>
+                </a:tc>
+                <a:tc>
+                  <a:txBody>
+                    <a:bodyPr/>
+                    <a:lstStyle/>
+                    <a:p>
+                      <a:endParaRPr lang="de-CH" dirty="0"/>
+                    </a:p>
+                  </a:txBody>
+                  <a:tcPr/>
+                </a:tc>
+              </a:tr>
+            </a:tbl>
+          </a:graphicData>
+        </a:graphic>
+      </p:graphicFrame>
+      <p:pic>
+        <p:nvPicPr>
+          <p:cNvPr id="8194" name="Picture 2" descr="F:\Schule\HSZ-T\3. Jahr\Handheld\Semesterarbeit\Handheld_Repo\Media\Sencha Touch\sencha_touch_logo.JPG"/>
+          <p:cNvPicPr>
+            <a:picLocks noChangeAspect="1" noChangeArrowheads="1"/>
+          </p:cNvPicPr>
+          <p:nvPr/>
+        </p:nvPicPr>
+        <p:blipFill>
+          <a:blip r:embed="rId3">
+            <a:extLst>
+              <a:ext uri="{28A0092B-C50C-407E-A947-70E740481C1C}">
+                <a14:useLocalDpi xmlns:a14="http://schemas.microsoft.com/office/drawing/2010/main" val="0"/>
+              </a:ext>
+            </a:extLst>
+          </a:blip>
+          <a:srcRect/>
+          <a:stretch>
+            <a:fillRect/>
+          </a:stretch>
+        </p:blipFill>
+        <p:spPr bwMode="auto">
+          <a:xfrm>
+            <a:off x="251518" y="483005"/>
+            <a:ext cx="4092149" cy="713747"/>
+          </a:xfrm>
+          <a:prstGeom prst="rect">
+            <a:avLst/>
+          </a:prstGeom>
+          <a:noFill/>
+          <a:extLst>
+            <a:ext uri="{909E8E84-426E-40DD-AFC4-6F175D3DCCD1}">
+              <a14:hiddenFill xmlns:a14="http://schemas.microsoft.com/office/drawing/2010/main">
+                <a:solidFill>
+                  <a:srgbClr val="FFFFFF"/>
+                </a:solidFill>
+              </a14:hiddenFill>
+            </a:ext>
+          </a:extLst>
+        </p:spPr>
+      </p:pic>
+    </p:spTree>
+    <p:extLst>
+      <p:ext uri="{BB962C8B-B14F-4D97-AF65-F5344CB8AC3E}">
+        <p14:creationId xmlns:p14="http://schemas.microsoft.com/office/powerpoint/2010/main" val="1278465817"/>
+      </p:ext>
+    </p:extLst>
+  </p:cSld>
+  <p:clrMapOvr>
+    <a:masterClrMapping/>
+  </p:clrMapOvr>
+  <p:timing>
+    <p:tnLst>
+      <p:par>
+        <p:cTn id="1" dur="indefinite" restart="never" nodeType="tmRoot"/>
+      </p:par>
+    </p:tnLst>
+  </p:timing>
+</p:sld>
+</file>
+
+<file path=ppt/slides/slide23.xml><?xml version="1.0" encoding="utf-8"?>
+<p:sld xmlns:a="http://schemas.openxmlformats.org/drawingml/2006/main" xmlns:r="http://schemas.openxmlformats.org/officeDocument/2006/relationships" xmlns:p="http://schemas.openxmlformats.org/presentationml/2006/main">
+  <p:cSld>
+    <p:spTree>
+      <p:nvGrpSpPr>
+        <p:cNvPr id="1" name=""/>
+        <p:cNvGrpSpPr/>
+        <p:nvPr/>
+      </p:nvGrpSpPr>
+      <p:grpSpPr>
+        <a:xfrm>
+          <a:off x="0" y="0"/>
+          <a:ext cx="0" cy="0"/>
+          <a:chOff x="0" y="0"/>
+          <a:chExt cx="0" cy="0"/>
+        </a:xfrm>
+      </p:grpSpPr>
+      <p:sp>
+        <p:nvSpPr>
+          <p:cNvPr id="2" name="Titel 1"/>
+          <p:cNvSpPr>
+            <a:spLocks noGrp="1"/>
+          </p:cNvSpPr>
+          <p:nvPr>
+            <p:ph type="title"/>
+          </p:nvPr>
+        </p:nvSpPr>
+        <p:spPr>
+          <a:xfrm>
             <a:off x="1403648" y="274638"/>
             <a:ext cx="7283152" cy="1143000"/>
           </a:xfrm>
@@ -8121,7 +9661,97 @@
           <a:bodyPr/>
           <a:lstStyle/>
           <a:p>
-            <a:endParaRPr lang="de-CH"/>
+            <a:r>
+              <a:rPr lang="de-CH" dirty="0"/>
+              <a:t>Entwicklung von mobilen, </a:t>
+            </a:r>
+            <a:r>
+              <a:rPr lang="de-CH" dirty="0" err="1"/>
+              <a:t>Tablet</a:t>
+            </a:r>
+            <a:r>
+              <a:rPr lang="de-CH" dirty="0"/>
+              <a:t>-  und Desktop </a:t>
+            </a:r>
+            <a:r>
+              <a:rPr lang="de-CH" dirty="0" smtClean="0"/>
+              <a:t>WEB-Apps</a:t>
+            </a:r>
+          </a:p>
+          <a:p>
+            <a:endParaRPr lang="de-CH" dirty="0"/>
+          </a:p>
+          <a:p>
+            <a:r>
+              <a:rPr lang="de-CH" dirty="0" smtClean="0"/>
+              <a:t>App Look </a:t>
+            </a:r>
+            <a:r>
+              <a:rPr lang="de-CH" dirty="0" err="1" smtClean="0"/>
+              <a:t>and</a:t>
+            </a:r>
+            <a:r>
+              <a:rPr lang="de-CH" dirty="0" smtClean="0"/>
+              <a:t> </a:t>
+            </a:r>
+            <a:r>
+              <a:rPr lang="de-CH" dirty="0" err="1" smtClean="0"/>
+              <a:t>Feel</a:t>
+            </a:r>
+            <a:r>
+              <a:rPr lang="de-CH" dirty="0" smtClean="0"/>
+              <a:t> für </a:t>
+            </a:r>
+            <a:r>
+              <a:rPr lang="de-CH" dirty="0" err="1" smtClean="0"/>
+              <a:t>iOS</a:t>
+            </a:r>
+            <a:r>
+              <a:rPr lang="de-CH" dirty="0" smtClean="0"/>
+              <a:t>, </a:t>
+            </a:r>
+            <a:r>
+              <a:rPr lang="de-CH" dirty="0" err="1" smtClean="0"/>
+              <a:t>Android</a:t>
+            </a:r>
+            <a:r>
+              <a:rPr lang="de-CH" dirty="0" smtClean="0"/>
+              <a:t>, Blackberry, </a:t>
+            </a:r>
+            <a:r>
+              <a:rPr lang="de-CH" dirty="0" err="1" smtClean="0"/>
+              <a:t>Bada</a:t>
+            </a:r>
+            <a:r>
+              <a:rPr lang="de-CH" dirty="0" smtClean="0"/>
+              <a:t>, Windows Phone, Palm </a:t>
+            </a:r>
+            <a:r>
+              <a:rPr lang="de-CH" dirty="0" err="1" smtClean="0"/>
+              <a:t>WebOS</a:t>
+            </a:r>
+            <a:r>
+              <a:rPr lang="de-CH" dirty="0" smtClean="0"/>
+              <a:t>, Symbian, </a:t>
+            </a:r>
+            <a:r>
+              <a:rPr lang="de-CH" dirty="0" err="1" smtClean="0"/>
+              <a:t>MeeGo</a:t>
+            </a:r>
+            <a:endParaRPr lang="de-CH" dirty="0"/>
+          </a:p>
+          <a:p>
+            <a:endParaRPr lang="de-CH" dirty="0" smtClean="0"/>
+          </a:p>
+          <a:p>
+            <a:r>
+              <a:rPr lang="de-CH" dirty="0" smtClean="0"/>
+              <a:t>MIT-Lizenz (frei verfügbar)</a:t>
+            </a:r>
+            <a:endParaRPr lang="de-CH" dirty="0" smtClean="0"/>
+          </a:p>
+          <a:p>
+            <a:endParaRPr lang="de-CH" dirty="0"/>
           </a:p>
         </p:txBody>
       </p:sp>
@@ -8166,6 +9796,328 @@
           </a:extLst>
         </p:spPr>
       </p:pic>
+      <p:pic>
+        <p:nvPicPr>
+          <p:cNvPr id="3074" name="Picture 2" descr="F:\Schule\HSZ-T\3. Jahr\Handheld\Semesterarbeit\Handheld_Repo\Media\jquery Mobile\Android.JPG"/>
+          <p:cNvPicPr>
+            <a:picLocks noChangeAspect="1" noChangeArrowheads="1"/>
+          </p:cNvPicPr>
+          <p:nvPr/>
+        </p:nvPicPr>
+        <p:blipFill>
+          <a:blip r:embed="rId3">
+            <a:extLst>
+              <a:ext uri="{28A0092B-C50C-407E-A947-70E740481C1C}">
+                <a14:useLocalDpi xmlns:a14="http://schemas.microsoft.com/office/drawing/2010/main" val="0"/>
+              </a:ext>
+            </a:extLst>
+          </a:blip>
+          <a:srcRect/>
+          <a:stretch>
+            <a:fillRect/>
+          </a:stretch>
+        </p:blipFill>
+        <p:spPr bwMode="auto">
+          <a:xfrm>
+            <a:off x="5976938" y="4686300"/>
+            <a:ext cx="1695450" cy="619125"/>
+          </a:xfrm>
+          <a:prstGeom prst="rect">
+            <a:avLst/>
+          </a:prstGeom>
+          <a:noFill/>
+          <a:extLst>
+            <a:ext uri="{909E8E84-426E-40DD-AFC4-6F175D3DCCD1}">
+              <a14:hiddenFill xmlns:a14="http://schemas.microsoft.com/office/drawing/2010/main">
+                <a:solidFill>
+                  <a:srgbClr val="FFFFFF"/>
+                </a:solidFill>
+              </a14:hiddenFill>
+            </a:ext>
+          </a:extLst>
+        </p:spPr>
+      </p:pic>
+      <p:pic>
+        <p:nvPicPr>
+          <p:cNvPr id="3075" name="Picture 3" descr="F:\Schule\HSZ-T\3. Jahr\Handheld\Semesterarbeit\Handheld_Repo\Media\jquery Mobile\Bada.JPG"/>
+          <p:cNvPicPr>
+            <a:picLocks noChangeAspect="1" noChangeArrowheads="1"/>
+          </p:cNvPicPr>
+          <p:nvPr/>
+        </p:nvPicPr>
+        <p:blipFill>
+          <a:blip r:embed="rId4">
+            <a:extLst>
+              <a:ext uri="{28A0092B-C50C-407E-A947-70E740481C1C}">
+                <a14:useLocalDpi xmlns:a14="http://schemas.microsoft.com/office/drawing/2010/main" val="0"/>
+              </a:ext>
+            </a:extLst>
+          </a:blip>
+          <a:srcRect/>
+          <a:stretch>
+            <a:fillRect/>
+          </a:stretch>
+        </p:blipFill>
+        <p:spPr bwMode="auto">
+          <a:xfrm>
+            <a:off x="7672388" y="4688946"/>
+            <a:ext cx="1028700" cy="542925"/>
+          </a:xfrm>
+          <a:prstGeom prst="rect">
+            <a:avLst/>
+          </a:prstGeom>
+          <a:noFill/>
+          <a:extLst>
+            <a:ext uri="{909E8E84-426E-40DD-AFC4-6F175D3DCCD1}">
+              <a14:hiddenFill xmlns:a14="http://schemas.microsoft.com/office/drawing/2010/main">
+                <a:solidFill>
+                  <a:srgbClr val="FFFFFF"/>
+                </a:solidFill>
+              </a14:hiddenFill>
+            </a:ext>
+          </a:extLst>
+        </p:spPr>
+      </p:pic>
+      <p:pic>
+        <p:nvPicPr>
+          <p:cNvPr id="3076" name="Picture 4" descr="F:\Schule\HSZ-T\3. Jahr\Handheld\Semesterarbeit\Handheld_Repo\Media\jquery Mobile\BlackBerry.JPG"/>
+          <p:cNvPicPr>
+            <a:picLocks noChangeAspect="1" noChangeArrowheads="1"/>
+          </p:cNvPicPr>
+          <p:nvPr/>
+        </p:nvPicPr>
+        <p:blipFill>
+          <a:blip r:embed="rId5">
+            <a:extLst>
+              <a:ext uri="{28A0092B-C50C-407E-A947-70E740481C1C}">
+                <a14:useLocalDpi xmlns:a14="http://schemas.microsoft.com/office/drawing/2010/main" val="0"/>
+              </a:ext>
+            </a:extLst>
+          </a:blip>
+          <a:srcRect/>
+          <a:stretch>
+            <a:fillRect/>
+          </a:stretch>
+        </p:blipFill>
+        <p:spPr bwMode="auto">
+          <a:xfrm>
+            <a:off x="5976938" y="5231871"/>
+            <a:ext cx="1581150" cy="419100"/>
+          </a:xfrm>
+          <a:prstGeom prst="rect">
+            <a:avLst/>
+          </a:prstGeom>
+          <a:noFill/>
+          <a:extLst>
+            <a:ext uri="{909E8E84-426E-40DD-AFC4-6F175D3DCCD1}">
+              <a14:hiddenFill xmlns:a14="http://schemas.microsoft.com/office/drawing/2010/main">
+                <a:solidFill>
+                  <a:srgbClr val="FFFFFF"/>
+                </a:solidFill>
+              </a14:hiddenFill>
+            </a:ext>
+          </a:extLst>
+        </p:spPr>
+      </p:pic>
+      <p:pic>
+        <p:nvPicPr>
+          <p:cNvPr id="3077" name="Picture 5" descr="F:\Schule\HSZ-T\3. Jahr\Handheld\Semesterarbeit\Handheld_Repo\Media\jquery Mobile\iOS.JPG"/>
+          <p:cNvPicPr>
+            <a:picLocks noChangeAspect="1" noChangeArrowheads="1"/>
+          </p:cNvPicPr>
+          <p:nvPr/>
+        </p:nvPicPr>
+        <p:blipFill rotWithShape="1">
+          <a:blip r:embed="rId6">
+            <a:extLst>
+              <a:ext uri="{28A0092B-C50C-407E-A947-70E740481C1C}">
+                <a14:useLocalDpi xmlns:a14="http://schemas.microsoft.com/office/drawing/2010/main" val="0"/>
+              </a:ext>
+            </a:extLst>
+          </a:blip>
+          <a:srcRect l="1" r="1369"/>
+          <a:stretch/>
+        </p:blipFill>
+        <p:spPr bwMode="auto">
+          <a:xfrm>
+            <a:off x="7558087" y="5218113"/>
+            <a:ext cx="1143001" cy="503859"/>
+          </a:xfrm>
+          <a:prstGeom prst="rect">
+            <a:avLst/>
+          </a:prstGeom>
+          <a:noFill/>
+          <a:extLst>
+            <a:ext uri="{909E8E84-426E-40DD-AFC4-6F175D3DCCD1}">
+              <a14:hiddenFill xmlns:a14="http://schemas.microsoft.com/office/drawing/2010/main">
+                <a:solidFill>
+                  <a:srgbClr val="FFFFFF"/>
+                </a:solidFill>
+              </a14:hiddenFill>
+            </a:ext>
+          </a:extLst>
+        </p:spPr>
+      </p:pic>
+      <p:pic>
+        <p:nvPicPr>
+          <p:cNvPr id="3078" name="Picture 6" descr="F:\Schule\HSZ-T\3. Jahr\Handheld\Semesterarbeit\Handheld_Repo\Media\jquery Mobile\MeeGo.JPG"/>
+          <p:cNvPicPr>
+            <a:picLocks noChangeAspect="1" noChangeArrowheads="1"/>
+          </p:cNvPicPr>
+          <p:nvPr/>
+        </p:nvPicPr>
+        <p:blipFill>
+          <a:blip r:embed="rId7">
+            <a:extLst>
+              <a:ext uri="{28A0092B-C50C-407E-A947-70E740481C1C}">
+                <a14:useLocalDpi xmlns:a14="http://schemas.microsoft.com/office/drawing/2010/main" val="0"/>
+              </a:ext>
+            </a:extLst>
+          </a:blip>
+          <a:srcRect/>
+          <a:stretch>
+            <a:fillRect/>
+          </a:stretch>
+        </p:blipFill>
+        <p:spPr bwMode="auto">
+          <a:xfrm>
+            <a:off x="5976938" y="5650971"/>
+            <a:ext cx="1238250" cy="409575"/>
+          </a:xfrm>
+          <a:prstGeom prst="rect">
+            <a:avLst/>
+          </a:prstGeom>
+          <a:noFill/>
+          <a:extLst>
+            <a:ext uri="{909E8E84-426E-40DD-AFC4-6F175D3DCCD1}">
+              <a14:hiddenFill xmlns:a14="http://schemas.microsoft.com/office/drawing/2010/main">
+                <a:solidFill>
+                  <a:srgbClr val="FFFFFF"/>
+                </a:solidFill>
+              </a14:hiddenFill>
+            </a:ext>
+          </a:extLst>
+        </p:spPr>
+      </p:pic>
+      <p:pic>
+        <p:nvPicPr>
+          <p:cNvPr id="3079" name="Picture 7" descr="F:\Schule\HSZ-T\3. Jahr\Handheld\Semesterarbeit\Handheld_Repo\Media\jquery Mobile\PalmWebOS.JPG"/>
+          <p:cNvPicPr>
+            <a:picLocks noChangeAspect="1" noChangeArrowheads="1"/>
+          </p:cNvPicPr>
+          <p:nvPr/>
+        </p:nvPicPr>
+        <p:blipFill rotWithShape="1">
+          <a:blip r:embed="rId8">
+            <a:extLst>
+              <a:ext uri="{28A0092B-C50C-407E-A947-70E740481C1C}">
+                <a14:useLocalDpi xmlns:a14="http://schemas.microsoft.com/office/drawing/2010/main" val="0"/>
+              </a:ext>
+            </a:extLst>
+          </a:blip>
+          <a:srcRect r="5687" b="2197"/>
+          <a:stretch/>
+        </p:blipFill>
+        <p:spPr bwMode="auto">
+          <a:xfrm>
+            <a:off x="7164288" y="5650971"/>
+            <a:ext cx="1518179" cy="400579"/>
+          </a:xfrm>
+          <a:prstGeom prst="rect">
+            <a:avLst/>
+          </a:prstGeom>
+          <a:noFill/>
+          <a:extLst>
+            <a:ext uri="{909E8E84-426E-40DD-AFC4-6F175D3DCCD1}">
+              <a14:hiddenFill xmlns:a14="http://schemas.microsoft.com/office/drawing/2010/main">
+                <a:solidFill>
+                  <a:srgbClr val="FFFFFF"/>
+                </a:solidFill>
+              </a14:hiddenFill>
+            </a:ext>
+          </a:extLst>
+        </p:spPr>
+      </p:pic>
+      <p:pic>
+        <p:nvPicPr>
+          <p:cNvPr id="3080" name="Picture 8" descr="F:\Schule\HSZ-T\3. Jahr\Handheld\Semesterarbeit\Handheld_Repo\Media\jquery Mobile\symbian.JPG"/>
+          <p:cNvPicPr>
+            <a:picLocks noChangeAspect="1" noChangeArrowheads="1"/>
+          </p:cNvPicPr>
+          <p:nvPr/>
+        </p:nvPicPr>
+        <p:blipFill>
+          <a:blip r:embed="rId9">
+            <a:extLst>
+              <a:ext uri="{28A0092B-C50C-407E-A947-70E740481C1C}">
+                <a14:useLocalDpi xmlns:a14="http://schemas.microsoft.com/office/drawing/2010/main" val="0"/>
+              </a:ext>
+            </a:extLst>
+          </a:blip>
+          <a:srcRect/>
+          <a:stretch>
+            <a:fillRect/>
+          </a:stretch>
+        </p:blipFill>
+        <p:spPr bwMode="auto">
+          <a:xfrm>
+            <a:off x="5976938" y="6060546"/>
+            <a:ext cx="1323975" cy="438150"/>
+          </a:xfrm>
+          <a:prstGeom prst="rect">
+            <a:avLst/>
+          </a:prstGeom>
+          <a:noFill/>
+          <a:extLst>
+            <a:ext uri="{909E8E84-426E-40DD-AFC4-6F175D3DCCD1}">
+              <a14:hiddenFill xmlns:a14="http://schemas.microsoft.com/office/drawing/2010/main">
+                <a:solidFill>
+                  <a:srgbClr val="FFFFFF"/>
+                </a:solidFill>
+              </a14:hiddenFill>
+            </a:ext>
+          </a:extLst>
+        </p:spPr>
+      </p:pic>
+      <p:pic>
+        <p:nvPicPr>
+          <p:cNvPr id="3081" name="Picture 9" descr="F:\Schule\HSZ-T\3. Jahr\Handheld\Semesterarbeit\Handheld_Repo\Media\jquery Mobile\Windows Phone.JPG"/>
+          <p:cNvPicPr>
+            <a:picLocks noChangeAspect="1" noChangeArrowheads="1"/>
+          </p:cNvPicPr>
+          <p:nvPr/>
+        </p:nvPicPr>
+        <p:blipFill rotWithShape="1">
+          <a:blip r:embed="rId10">
+            <a:extLst>
+              <a:ext uri="{28A0092B-C50C-407E-A947-70E740481C1C}">
+                <a14:useLocalDpi xmlns:a14="http://schemas.microsoft.com/office/drawing/2010/main" val="0"/>
+              </a:ext>
+            </a:extLst>
+          </a:blip>
+          <a:srcRect r="7914"/>
+          <a:stretch/>
+        </p:blipFill>
+        <p:spPr bwMode="auto">
+          <a:xfrm>
+            <a:off x="7236297" y="6051550"/>
+            <a:ext cx="1464792" cy="428625"/>
+          </a:xfrm>
+          <a:prstGeom prst="rect">
+            <a:avLst/>
+          </a:prstGeom>
+          <a:noFill/>
+          <a:extLst>
+            <a:ext uri="{909E8E84-426E-40DD-AFC4-6F175D3DCCD1}">
+              <a14:hiddenFill xmlns:a14="http://schemas.microsoft.com/office/drawing/2010/main">
+                <a:solidFill>
+                  <a:srgbClr val="FFFFFF"/>
+                </a:solidFill>
+              </a14:hiddenFill>
+            </a:ext>
+          </a:extLst>
+        </p:spPr>
+      </p:pic>
     </p:spTree>
     <p:extLst>
       <p:ext uri="{BB962C8B-B14F-4D97-AF65-F5344CB8AC3E}">
@@ -8186,7 +10138,1213 @@
 </p:sld>
 </file>
 
-<file path=ppt/slides/slide22.xml><?xml version="1.0" encoding="utf-8"?>
+<file path=ppt/slides/slide24.xml><?xml version="1.0" encoding="utf-8"?>
+<p:sld xmlns:a="http://schemas.openxmlformats.org/drawingml/2006/main" xmlns:r="http://schemas.openxmlformats.org/officeDocument/2006/relationships" xmlns:p="http://schemas.openxmlformats.org/presentationml/2006/main">
+  <p:cSld>
+    <p:spTree>
+      <p:nvGrpSpPr>
+        <p:cNvPr id="1" name=""/>
+        <p:cNvGrpSpPr/>
+        <p:nvPr/>
+      </p:nvGrpSpPr>
+      <p:grpSpPr>
+        <a:xfrm>
+          <a:off x="0" y="0"/>
+          <a:ext cx="0" cy="0"/>
+          <a:chOff x="0" y="0"/>
+          <a:chExt cx="0" cy="0"/>
+        </a:xfrm>
+      </p:grpSpPr>
+      <p:sp>
+        <p:nvSpPr>
+          <p:cNvPr id="2" name="Titel 1"/>
+          <p:cNvSpPr>
+            <a:spLocks noGrp="1"/>
+          </p:cNvSpPr>
+          <p:nvPr>
+            <p:ph type="title"/>
+          </p:nvPr>
+        </p:nvSpPr>
+        <p:spPr>
+          <a:xfrm>
+            <a:off x="1403648" y="274638"/>
+            <a:ext cx="7283152" cy="1143000"/>
+          </a:xfrm>
+        </p:spPr>
+        <p:txBody>
+          <a:bodyPr/>
+          <a:lstStyle/>
+          <a:p>
+            <a:r>
+              <a:rPr lang="de-CH" dirty="0" err="1" smtClean="0"/>
+              <a:t>jQuery</a:t>
+            </a:r>
+            <a:r>
+              <a:rPr lang="de-CH" dirty="0" smtClean="0"/>
+              <a:t> Mobile</a:t>
+            </a:r>
+            <a:endParaRPr lang="de-CH" dirty="0"/>
+          </a:p>
+        </p:txBody>
+      </p:sp>
+      <p:sp>
+        <p:nvSpPr>
+          <p:cNvPr id="3" name="Inhaltsplatzhalter 2"/>
+          <p:cNvSpPr>
+            <a:spLocks noGrp="1"/>
+          </p:cNvSpPr>
+          <p:nvPr>
+            <p:ph idx="1"/>
+          </p:nvPr>
+        </p:nvSpPr>
+        <p:spPr/>
+        <p:txBody>
+          <a:bodyPr/>
+          <a:lstStyle/>
+          <a:p>
+            <a:r>
+              <a:rPr lang="de-CH" dirty="0"/>
+              <a:t>Technologien</a:t>
+            </a:r>
+            <a:r>
+              <a:rPr lang="de-CH" dirty="0" smtClean="0"/>
+              <a:t>: HTML, CSS, JavaScript</a:t>
+            </a:r>
+          </a:p>
+          <a:p>
+            <a:endParaRPr lang="de-CH" dirty="0"/>
+          </a:p>
+          <a:p>
+            <a:r>
+              <a:rPr lang="de-CH" dirty="0" smtClean="0"/>
+              <a:t>Grafischer Editor für Design</a:t>
+            </a:r>
+          </a:p>
+          <a:p>
+            <a:endParaRPr lang="de-CH" dirty="0" smtClean="0"/>
+          </a:p>
+          <a:p>
+            <a:r>
+              <a:rPr lang="de-CH" dirty="0" smtClean="0"/>
+              <a:t>Für nativen </a:t>
+            </a:r>
+            <a:r>
+              <a:rPr lang="de-CH" dirty="0" err="1" smtClean="0"/>
+              <a:t>Build</a:t>
+            </a:r>
+            <a:r>
+              <a:rPr lang="de-CH" dirty="0" smtClean="0"/>
+              <a:t> wird PhoneGap empfohlen</a:t>
+            </a:r>
+            <a:endParaRPr lang="de-CH" dirty="0"/>
+          </a:p>
+          <a:p>
+            <a:endParaRPr lang="de-CH" dirty="0"/>
+          </a:p>
+        </p:txBody>
+      </p:sp>
+      <p:pic>
+        <p:nvPicPr>
+          <p:cNvPr id="9218" name="Picture 2" descr="F:\Schule\HSZ-T\3. Jahr\Handheld\Semesterarbeit\Handheld_Repo\Media\jquery Mobile\logo.JPG"/>
+          <p:cNvPicPr>
+            <a:picLocks noChangeAspect="1" noChangeArrowheads="1"/>
+          </p:cNvPicPr>
+          <p:nvPr/>
+        </p:nvPicPr>
+        <p:blipFill>
+          <a:blip r:embed="rId2">
+            <a:extLst>
+              <a:ext uri="{28A0092B-C50C-407E-A947-70E740481C1C}">
+                <a14:useLocalDpi xmlns:a14="http://schemas.microsoft.com/office/drawing/2010/main" val="0"/>
+              </a:ext>
+            </a:extLst>
+          </a:blip>
+          <a:srcRect/>
+          <a:stretch>
+            <a:fillRect/>
+          </a:stretch>
+        </p:blipFill>
+        <p:spPr bwMode="auto">
+          <a:xfrm>
+            <a:off x="179512" y="463550"/>
+            <a:ext cx="3043421" cy="805210"/>
+          </a:xfrm>
+          <a:prstGeom prst="rect">
+            <a:avLst/>
+          </a:prstGeom>
+          <a:noFill/>
+          <a:extLst>
+            <a:ext uri="{909E8E84-426E-40DD-AFC4-6F175D3DCCD1}">
+              <a14:hiddenFill xmlns:a14="http://schemas.microsoft.com/office/drawing/2010/main">
+                <a:solidFill>
+                  <a:srgbClr val="FFFFFF"/>
+                </a:solidFill>
+              </a14:hiddenFill>
+            </a:ext>
+          </a:extLst>
+        </p:spPr>
+      </p:pic>
+      <p:pic>
+        <p:nvPicPr>
+          <p:cNvPr id="4098" name="Picture 2"/>
+          <p:cNvPicPr>
+            <a:picLocks noChangeAspect="1" noChangeArrowheads="1"/>
+          </p:cNvPicPr>
+          <p:nvPr/>
+        </p:nvPicPr>
+        <p:blipFill>
+          <a:blip r:embed="rId3">
+            <a:extLst>
+              <a:ext uri="{28A0092B-C50C-407E-A947-70E740481C1C}">
+                <a14:useLocalDpi xmlns:a14="http://schemas.microsoft.com/office/drawing/2010/main" val="0"/>
+              </a:ext>
+            </a:extLst>
+          </a:blip>
+          <a:srcRect/>
+          <a:stretch>
+            <a:fillRect/>
+          </a:stretch>
+        </p:blipFill>
+        <p:spPr bwMode="auto">
+          <a:xfrm>
+            <a:off x="2771800" y="4630525"/>
+            <a:ext cx="3528392" cy="1954729"/>
+          </a:xfrm>
+          <a:prstGeom prst="rect">
+            <a:avLst/>
+          </a:prstGeom>
+          <a:noFill/>
+          <a:ln>
+            <a:noFill/>
+          </a:ln>
+          <a:effectLst/>
+          <a:extLst>
+            <a:ext uri="{909E8E84-426E-40DD-AFC4-6F175D3DCCD1}">
+              <a14:hiddenFill xmlns:a14="http://schemas.microsoft.com/office/drawing/2010/main">
+                <a:solidFill>
+                  <a:schemeClr val="accent1"/>
+                </a:solidFill>
+              </a14:hiddenFill>
+            </a:ext>
+            <a:ext uri="{91240B29-F687-4F45-9708-019B960494DF}">
+              <a14:hiddenLine xmlns:a14="http://schemas.microsoft.com/office/drawing/2010/main" w="9525">
+                <a:solidFill>
+                  <a:schemeClr val="tx1"/>
+                </a:solidFill>
+                <a:miter lim="800000"/>
+                <a:headEnd/>
+                <a:tailEnd/>
+              </a14:hiddenLine>
+            </a:ext>
+            <a:ext uri="{AF507438-7753-43E0-B8FC-AC1667EBCBE1}">
+              <a14:hiddenEffects xmlns:a14="http://schemas.microsoft.com/office/drawing/2010/main">
+                <a:effectLst>
+                  <a:outerShdw dist="35921" dir="2700000" algn="ctr" rotWithShape="0">
+                    <a:schemeClr val="bg2"/>
+                  </a:outerShdw>
+                </a:effectLst>
+              </a14:hiddenEffects>
+            </a:ext>
+          </a:extLst>
+        </p:spPr>
+      </p:pic>
+    </p:spTree>
+    <p:extLst>
+      <p:ext uri="{BB962C8B-B14F-4D97-AF65-F5344CB8AC3E}">
+        <p14:creationId xmlns:p14="http://schemas.microsoft.com/office/powerpoint/2010/main" val="1469073804"/>
+      </p:ext>
+    </p:extLst>
+  </p:cSld>
+  <p:clrMapOvr>
+    <a:masterClrMapping/>
+  </p:clrMapOvr>
+  <p:timing>
+    <p:tnLst>
+      <p:par>
+        <p:cTn id="1" dur="indefinite" restart="never" nodeType="tmRoot"/>
+      </p:par>
+    </p:tnLst>
+  </p:timing>
+</p:sld>
+</file>
+
+<file path=ppt/slides/slide25.xml><?xml version="1.0" encoding="utf-8"?>
+<p:sld xmlns:a="http://schemas.openxmlformats.org/drawingml/2006/main" xmlns:r="http://schemas.openxmlformats.org/officeDocument/2006/relationships" xmlns:p="http://schemas.openxmlformats.org/presentationml/2006/main">
+  <p:cSld>
+    <p:spTree>
+      <p:nvGrpSpPr>
+        <p:cNvPr id="1" name=""/>
+        <p:cNvGrpSpPr/>
+        <p:nvPr/>
+      </p:nvGrpSpPr>
+      <p:grpSpPr>
+        <a:xfrm>
+          <a:off x="0" y="0"/>
+          <a:ext cx="0" cy="0"/>
+          <a:chOff x="0" y="0"/>
+          <a:chExt cx="0" cy="0"/>
+        </a:xfrm>
+      </p:grpSpPr>
+      <p:sp>
+        <p:nvSpPr>
+          <p:cNvPr id="2" name="Titel 1"/>
+          <p:cNvSpPr>
+            <a:spLocks noGrp="1"/>
+          </p:cNvSpPr>
+          <p:nvPr>
+            <p:ph type="title"/>
+          </p:nvPr>
+        </p:nvSpPr>
+        <p:spPr>
+          <a:xfrm>
+            <a:off x="1403648" y="274638"/>
+            <a:ext cx="7283152" cy="1143000"/>
+          </a:xfrm>
+        </p:spPr>
+        <p:txBody>
+          <a:bodyPr/>
+          <a:lstStyle/>
+          <a:p>
+            <a:r>
+              <a:rPr lang="de-CH" dirty="0" err="1" smtClean="0"/>
+              <a:t>jQuery</a:t>
+            </a:r>
+            <a:r>
+              <a:rPr lang="de-CH" dirty="0" smtClean="0"/>
+              <a:t> Mobile</a:t>
+            </a:r>
+            <a:endParaRPr lang="de-CH" dirty="0"/>
+          </a:p>
+        </p:txBody>
+      </p:sp>
+      <p:graphicFrame>
+        <p:nvGraphicFramePr>
+          <p:cNvPr id="4" name="Inhaltsplatzhalter 3"/>
+          <p:cNvGraphicFramePr>
+            <a:graphicFrameLocks noGrp="1"/>
+          </p:cNvGraphicFramePr>
+          <p:nvPr>
+            <p:ph idx="1"/>
+            <p:extLst>
+              <p:ext uri="{D42A27DB-BD31-4B8C-83A1-F6EECF244321}">
+                <p14:modId xmlns:p14="http://schemas.microsoft.com/office/powerpoint/2010/main" val="1049824819"/>
+              </p:ext>
+            </p:extLst>
+          </p:nvPr>
+        </p:nvGraphicFramePr>
+        <p:xfrm>
+          <a:off x="385192" y="1798032"/>
+          <a:ext cx="8435280" cy="4079240"/>
+        </p:xfrm>
+        <a:graphic>
+          <a:graphicData uri="http://schemas.openxmlformats.org/drawingml/2006/table">
+            <a:tbl>
+              <a:tblPr firstRow="1" bandRow="1">
+                <a:tableStyleId>{5C22544A-7EE6-4342-B048-85BDC9FD1C3A}</a:tableStyleId>
+              </a:tblPr>
+              <a:tblGrid>
+                <a:gridCol w="2407157"/>
+                <a:gridCol w="871536"/>
+                <a:gridCol w="5156587"/>
+              </a:tblGrid>
+              <a:tr h="370840">
+                <a:tc>
+                  <a:txBody>
+                    <a:bodyPr/>
+                    <a:lstStyle/>
+                    <a:p>
+                      <a:pPr>
+                        <a:lnSpc>
+                          <a:spcPct val="115000"/>
+                        </a:lnSpc>
+                        <a:spcAft>
+                          <a:spcPts val="0"/>
+                        </a:spcAft>
+                      </a:pPr>
+                      <a:r>
+                        <a:rPr lang="de-CH" sz="1800" dirty="0">
+                          <a:effectLst/>
+                          <a:latin typeface="Calibri"/>
+                          <a:ea typeface="Calibri"/>
+                          <a:cs typeface="Times New Roman"/>
+                        </a:rPr>
+                        <a:t>Kriterium</a:t>
+                      </a:r>
+                    </a:p>
+                  </a:txBody>
+                  <a:tcPr marL="68580" marR="68580" marT="0" marB="0"/>
+                </a:tc>
+                <a:tc>
+                  <a:txBody>
+                    <a:bodyPr/>
+                    <a:lstStyle/>
+                    <a:p>
+                      <a:pPr>
+                        <a:lnSpc>
+                          <a:spcPct val="115000"/>
+                        </a:lnSpc>
+                        <a:spcAft>
+                          <a:spcPts val="0"/>
+                        </a:spcAft>
+                      </a:pPr>
+                      <a:r>
+                        <a:rPr lang="de-CH" sz="1800">
+                          <a:effectLst/>
+                          <a:latin typeface="Calibri"/>
+                          <a:ea typeface="Calibri"/>
+                          <a:cs typeface="Times New Roman"/>
+                        </a:rPr>
+                        <a:t>Punkte</a:t>
+                      </a:r>
+                    </a:p>
+                  </a:txBody>
+                  <a:tcPr marL="68580" marR="68580" marT="0" marB="0"/>
+                </a:tc>
+                <a:tc>
+                  <a:txBody>
+                    <a:bodyPr/>
+                    <a:lstStyle/>
+                    <a:p>
+                      <a:r>
+                        <a:rPr lang="de-CH" dirty="0" smtClean="0"/>
+                        <a:t>Erklärung</a:t>
+                      </a:r>
+                      <a:endParaRPr lang="de-CH" dirty="0"/>
+                    </a:p>
+                  </a:txBody>
+                  <a:tcPr/>
+                </a:tc>
+              </a:tr>
+              <a:tr h="370840">
+                <a:tc>
+                  <a:txBody>
+                    <a:bodyPr/>
+                    <a:lstStyle/>
+                    <a:p>
+                      <a:pPr>
+                        <a:lnSpc>
+                          <a:spcPct val="115000"/>
+                        </a:lnSpc>
+                        <a:spcAft>
+                          <a:spcPts val="0"/>
+                        </a:spcAft>
+                      </a:pPr>
+                      <a:r>
+                        <a:rPr lang="de-CH" sz="1800">
+                          <a:effectLst/>
+                          <a:latin typeface="Calibri"/>
+                          <a:ea typeface="Calibri"/>
+                          <a:cs typeface="Times New Roman"/>
+                        </a:rPr>
+                        <a:t>Einfachheit</a:t>
+                      </a:r>
+                    </a:p>
+                  </a:txBody>
+                  <a:tcPr marL="68580" marR="68580" marT="0" marB="0"/>
+                </a:tc>
+                <a:tc>
+                  <a:txBody>
+                    <a:bodyPr/>
+                    <a:lstStyle/>
+                    <a:p>
+                      <a:pPr>
+                        <a:lnSpc>
+                          <a:spcPct val="115000"/>
+                        </a:lnSpc>
+                        <a:spcAft>
+                          <a:spcPts val="0"/>
+                        </a:spcAft>
+                      </a:pPr>
+                      <a:r>
+                        <a:rPr lang="de-CH" sz="1800">
+                          <a:effectLst/>
+                          <a:latin typeface="Calibri"/>
+                          <a:ea typeface="Calibri"/>
+                          <a:cs typeface="Times New Roman"/>
+                        </a:rPr>
+                        <a:t>9</a:t>
+                      </a:r>
+                    </a:p>
+                  </a:txBody>
+                  <a:tcPr marL="68580" marR="68580" marT="0" marB="0"/>
+                </a:tc>
+                <a:tc>
+                  <a:txBody>
+                    <a:bodyPr/>
+                    <a:lstStyle/>
+                    <a:p>
+                      <a:r>
+                        <a:rPr lang="de-CH" dirty="0" smtClean="0"/>
+                        <a:t>Einfach, intuitiv, simpel </a:t>
+                      </a:r>
+                      <a:r>
+                        <a:rPr lang="de-CH" dirty="0" err="1" smtClean="0"/>
+                        <a:t>Attributiert</a:t>
+                      </a:r>
+                      <a:r>
+                        <a:rPr lang="de-CH" dirty="0" smtClean="0"/>
+                        <a:t>, Installation</a:t>
+                      </a:r>
+                      <a:endParaRPr lang="de-CH" dirty="0"/>
+                    </a:p>
+                  </a:txBody>
+                  <a:tcPr/>
+                </a:tc>
+              </a:tr>
+              <a:tr h="370840">
+                <a:tc>
+                  <a:txBody>
+                    <a:bodyPr/>
+                    <a:lstStyle/>
+                    <a:p>
+                      <a:pPr>
+                        <a:lnSpc>
+                          <a:spcPct val="115000"/>
+                        </a:lnSpc>
+                        <a:spcAft>
+                          <a:spcPts val="0"/>
+                        </a:spcAft>
+                      </a:pPr>
+                      <a:r>
+                        <a:rPr lang="de-CH" sz="1800">
+                          <a:effectLst/>
+                          <a:latin typeface="Calibri"/>
+                          <a:ea typeface="Calibri"/>
+                          <a:cs typeface="Times New Roman"/>
+                        </a:rPr>
+                        <a:t>Entwicklungsumgebung</a:t>
+                      </a:r>
+                    </a:p>
+                  </a:txBody>
+                  <a:tcPr marL="68580" marR="68580" marT="0" marB="0"/>
+                </a:tc>
+                <a:tc>
+                  <a:txBody>
+                    <a:bodyPr/>
+                    <a:lstStyle/>
+                    <a:p>
+                      <a:pPr>
+                        <a:lnSpc>
+                          <a:spcPct val="115000"/>
+                        </a:lnSpc>
+                        <a:spcAft>
+                          <a:spcPts val="0"/>
+                        </a:spcAft>
+                      </a:pPr>
+                      <a:r>
+                        <a:rPr lang="de-CH" sz="1800">
+                          <a:effectLst/>
+                          <a:latin typeface="Calibri"/>
+                          <a:ea typeface="Calibri"/>
+                          <a:cs typeface="Times New Roman"/>
+                        </a:rPr>
+                        <a:t>8</a:t>
+                      </a:r>
+                    </a:p>
+                  </a:txBody>
+                  <a:tcPr marL="68580" marR="68580" marT="0" marB="0"/>
+                </a:tc>
+                <a:tc>
+                  <a:txBody>
+                    <a:bodyPr/>
+                    <a:lstStyle/>
+                    <a:p>
+                      <a:r>
+                        <a:rPr lang="de-CH" dirty="0" smtClean="0"/>
+                        <a:t>Offen, </a:t>
+                      </a:r>
+                      <a:r>
+                        <a:rPr lang="de-CH" dirty="0" err="1" smtClean="0"/>
+                        <a:t>Aptana</a:t>
+                      </a:r>
+                      <a:r>
+                        <a:rPr lang="de-CH" dirty="0" smtClean="0"/>
+                        <a:t>, Dreamweaver,</a:t>
+                      </a:r>
+                      <a:r>
+                        <a:rPr lang="de-CH" baseline="0" dirty="0" smtClean="0"/>
+                        <a:t> Entscheidungsfreiheit</a:t>
+                      </a:r>
+                      <a:endParaRPr lang="de-CH" dirty="0"/>
+                    </a:p>
+                  </a:txBody>
+                  <a:tcPr/>
+                </a:tc>
+              </a:tr>
+              <a:tr h="370840">
+                <a:tc>
+                  <a:txBody>
+                    <a:bodyPr/>
+                    <a:lstStyle/>
+                    <a:p>
+                      <a:pPr>
+                        <a:lnSpc>
+                          <a:spcPct val="115000"/>
+                        </a:lnSpc>
+                        <a:spcAft>
+                          <a:spcPts val="0"/>
+                        </a:spcAft>
+                      </a:pPr>
+                      <a:r>
+                        <a:rPr lang="de-CH" sz="1800">
+                          <a:effectLst/>
+                          <a:latin typeface="Calibri"/>
+                          <a:ea typeface="Calibri"/>
+                          <a:cs typeface="Times New Roman"/>
+                        </a:rPr>
+                        <a:t>Support</a:t>
+                      </a:r>
+                    </a:p>
+                  </a:txBody>
+                  <a:tcPr marL="68580" marR="68580" marT="0" marB="0"/>
+                </a:tc>
+                <a:tc>
+                  <a:txBody>
+                    <a:bodyPr/>
+                    <a:lstStyle/>
+                    <a:p>
+                      <a:pPr>
+                        <a:lnSpc>
+                          <a:spcPct val="115000"/>
+                        </a:lnSpc>
+                        <a:spcAft>
+                          <a:spcPts val="0"/>
+                        </a:spcAft>
+                      </a:pPr>
+                      <a:r>
+                        <a:rPr lang="de-CH" sz="1800">
+                          <a:effectLst/>
+                          <a:latin typeface="Calibri"/>
+                          <a:ea typeface="Calibri"/>
+                          <a:cs typeface="Times New Roman"/>
+                        </a:rPr>
+                        <a:t>7</a:t>
+                      </a:r>
+                    </a:p>
+                  </a:txBody>
+                  <a:tcPr marL="68580" marR="68580" marT="0" marB="0"/>
+                </a:tc>
+                <a:tc>
+                  <a:txBody>
+                    <a:bodyPr/>
+                    <a:lstStyle/>
+                    <a:p>
+                      <a:r>
+                        <a:rPr lang="de-CH" dirty="0" smtClean="0"/>
+                        <a:t>Forum, Blog, Google-Group, </a:t>
+                      </a:r>
+                      <a:r>
+                        <a:rPr lang="de-CH" dirty="0" err="1" smtClean="0"/>
+                        <a:t>Github</a:t>
+                      </a:r>
+                      <a:r>
+                        <a:rPr lang="de-CH" dirty="0" smtClean="0"/>
+                        <a:t>, kein Tel + Email</a:t>
+                      </a:r>
+                      <a:endParaRPr lang="de-CH" dirty="0"/>
+                    </a:p>
+                  </a:txBody>
+                  <a:tcPr/>
+                </a:tc>
+              </a:tr>
+              <a:tr h="370840">
+                <a:tc>
+                  <a:txBody>
+                    <a:bodyPr/>
+                    <a:lstStyle/>
+                    <a:p>
+                      <a:pPr>
+                        <a:lnSpc>
+                          <a:spcPct val="115000"/>
+                        </a:lnSpc>
+                        <a:spcAft>
+                          <a:spcPts val="0"/>
+                        </a:spcAft>
+                      </a:pPr>
+                      <a:r>
+                        <a:rPr lang="de-CH" sz="1800">
+                          <a:effectLst/>
+                          <a:latin typeface="Calibri"/>
+                          <a:ea typeface="Calibri"/>
+                          <a:cs typeface="Times New Roman"/>
+                        </a:rPr>
+                        <a:t>Dokumentation</a:t>
+                      </a:r>
+                    </a:p>
+                  </a:txBody>
+                  <a:tcPr marL="68580" marR="68580" marT="0" marB="0"/>
+                </a:tc>
+                <a:tc>
+                  <a:txBody>
+                    <a:bodyPr/>
+                    <a:lstStyle/>
+                    <a:p>
+                      <a:pPr>
+                        <a:lnSpc>
+                          <a:spcPct val="115000"/>
+                        </a:lnSpc>
+                        <a:spcAft>
+                          <a:spcPts val="0"/>
+                        </a:spcAft>
+                      </a:pPr>
+                      <a:r>
+                        <a:rPr lang="de-CH" sz="1800">
+                          <a:effectLst/>
+                          <a:latin typeface="Calibri"/>
+                          <a:ea typeface="Calibri"/>
+                          <a:cs typeface="Times New Roman"/>
+                        </a:rPr>
+                        <a:t>8</a:t>
+                      </a:r>
+                    </a:p>
+                  </a:txBody>
+                  <a:tcPr marL="68580" marR="68580" marT="0" marB="0"/>
+                </a:tc>
+                <a:tc>
+                  <a:txBody>
+                    <a:bodyPr/>
+                    <a:lstStyle/>
+                    <a:p>
+                      <a:r>
+                        <a:rPr lang="de-CH" dirty="0" smtClean="0"/>
+                        <a:t>Online, hierarchisch,</a:t>
+                      </a:r>
+                      <a:r>
+                        <a:rPr lang="de-CH" baseline="0" dirty="0" smtClean="0"/>
+                        <a:t> </a:t>
+                      </a:r>
+                      <a:r>
+                        <a:rPr lang="de-CH" baseline="0" dirty="0" err="1" smtClean="0"/>
+                        <a:t>bottom</a:t>
+                      </a:r>
+                      <a:r>
+                        <a:rPr lang="de-CH" baseline="0" dirty="0" smtClean="0"/>
+                        <a:t>-</a:t>
+                      </a:r>
+                      <a:r>
+                        <a:rPr lang="de-CH" baseline="0" dirty="0" err="1" smtClean="0"/>
+                        <a:t>to</a:t>
+                      </a:r>
+                      <a:r>
+                        <a:rPr lang="de-CH" baseline="0" dirty="0" smtClean="0"/>
+                        <a:t>-top Ansatz</a:t>
+                      </a:r>
+                      <a:endParaRPr lang="de-CH" dirty="0"/>
+                    </a:p>
+                  </a:txBody>
+                  <a:tcPr/>
+                </a:tc>
+              </a:tr>
+              <a:tr h="370840">
+                <a:tc>
+                  <a:txBody>
+                    <a:bodyPr/>
+                    <a:lstStyle/>
+                    <a:p>
+                      <a:pPr>
+                        <a:lnSpc>
+                          <a:spcPct val="115000"/>
+                        </a:lnSpc>
+                        <a:spcAft>
+                          <a:spcPts val="0"/>
+                        </a:spcAft>
+                      </a:pPr>
+                      <a:r>
+                        <a:rPr lang="de-CH" sz="1800">
+                          <a:effectLst/>
+                          <a:latin typeface="Calibri"/>
+                          <a:ea typeface="Calibri"/>
+                          <a:cs typeface="Times New Roman"/>
+                        </a:rPr>
+                        <a:t>Tutorials</a:t>
+                      </a:r>
+                    </a:p>
+                  </a:txBody>
+                  <a:tcPr marL="68580" marR="68580" marT="0" marB="0"/>
+                </a:tc>
+                <a:tc>
+                  <a:txBody>
+                    <a:bodyPr/>
+                    <a:lstStyle/>
+                    <a:p>
+                      <a:pPr>
+                        <a:lnSpc>
+                          <a:spcPct val="115000"/>
+                        </a:lnSpc>
+                        <a:spcAft>
+                          <a:spcPts val="0"/>
+                        </a:spcAft>
+                      </a:pPr>
+                      <a:r>
+                        <a:rPr lang="de-CH" sz="1800">
+                          <a:effectLst/>
+                          <a:latin typeface="Calibri"/>
+                          <a:ea typeface="Calibri"/>
+                          <a:cs typeface="Times New Roman"/>
+                        </a:rPr>
+                        <a:t>10</a:t>
+                      </a:r>
+                    </a:p>
+                  </a:txBody>
+                  <a:tcPr marL="68580" marR="68580" marT="0" marB="0"/>
+                </a:tc>
+                <a:tc>
+                  <a:txBody>
+                    <a:bodyPr/>
+                    <a:lstStyle/>
+                    <a:p>
+                      <a:r>
+                        <a:rPr lang="de-CH" dirty="0" smtClean="0"/>
+                        <a:t>1.68Mio</a:t>
+                      </a:r>
+                      <a:r>
+                        <a:rPr lang="de-CH" baseline="0" dirty="0" smtClean="0"/>
+                        <a:t> Hits, hohe Verbreitung, gute Komplexität</a:t>
+                      </a:r>
+                      <a:endParaRPr lang="de-CH" dirty="0"/>
+                    </a:p>
+                  </a:txBody>
+                  <a:tcPr/>
+                </a:tc>
+              </a:tr>
+              <a:tr h="370840">
+                <a:tc>
+                  <a:txBody>
+                    <a:bodyPr/>
+                    <a:lstStyle/>
+                    <a:p>
+                      <a:pPr>
+                        <a:lnSpc>
+                          <a:spcPct val="115000"/>
+                        </a:lnSpc>
+                        <a:spcAft>
+                          <a:spcPts val="0"/>
+                        </a:spcAft>
+                      </a:pPr>
+                      <a:r>
+                        <a:rPr lang="de-CH" sz="1800">
+                          <a:effectLst/>
+                          <a:latin typeface="Calibri"/>
+                          <a:ea typeface="Calibri"/>
+                          <a:cs typeface="Times New Roman"/>
+                        </a:rPr>
+                        <a:t>Building</a:t>
+                      </a:r>
+                    </a:p>
+                  </a:txBody>
+                  <a:tcPr marL="68580" marR="68580" marT="0" marB="0"/>
+                </a:tc>
+                <a:tc>
+                  <a:txBody>
+                    <a:bodyPr/>
+                    <a:lstStyle/>
+                    <a:p>
+                      <a:pPr>
+                        <a:lnSpc>
+                          <a:spcPct val="115000"/>
+                        </a:lnSpc>
+                        <a:spcAft>
+                          <a:spcPts val="0"/>
+                        </a:spcAft>
+                      </a:pPr>
+                      <a:r>
+                        <a:rPr lang="de-CH" sz="1800">
+                          <a:effectLst/>
+                          <a:latin typeface="Calibri"/>
+                          <a:ea typeface="Calibri"/>
+                          <a:cs typeface="Times New Roman"/>
+                        </a:rPr>
+                        <a:t>5</a:t>
+                      </a:r>
+                    </a:p>
+                  </a:txBody>
+                  <a:tcPr marL="68580" marR="68580" marT="0" marB="0"/>
+                </a:tc>
+                <a:tc>
+                  <a:txBody>
+                    <a:bodyPr/>
+                    <a:lstStyle/>
+                    <a:p>
+                      <a:r>
+                        <a:rPr lang="de-CH" dirty="0" smtClean="0"/>
+                        <a:t>Keiner, PhoneGap wird empfohlen</a:t>
+                      </a:r>
+                      <a:endParaRPr lang="de-CH" dirty="0"/>
+                    </a:p>
+                  </a:txBody>
+                  <a:tcPr/>
+                </a:tc>
+              </a:tr>
+              <a:tr h="370840">
+                <a:tc>
+                  <a:txBody>
+                    <a:bodyPr/>
+                    <a:lstStyle/>
+                    <a:p>
+                      <a:pPr>
+                        <a:lnSpc>
+                          <a:spcPct val="115000"/>
+                        </a:lnSpc>
+                        <a:spcAft>
+                          <a:spcPts val="0"/>
+                        </a:spcAft>
+                      </a:pPr>
+                      <a:r>
+                        <a:rPr lang="de-CH" sz="1800">
+                          <a:effectLst/>
+                          <a:latin typeface="Calibri"/>
+                          <a:ea typeface="Calibri"/>
+                          <a:cs typeface="Times New Roman"/>
+                        </a:rPr>
+                        <a:t>Testing</a:t>
+                      </a:r>
+                    </a:p>
+                  </a:txBody>
+                  <a:tcPr marL="68580" marR="68580" marT="0" marB="0"/>
+                </a:tc>
+                <a:tc>
+                  <a:txBody>
+                    <a:bodyPr/>
+                    <a:lstStyle/>
+                    <a:p>
+                      <a:pPr>
+                        <a:lnSpc>
+                          <a:spcPct val="115000"/>
+                        </a:lnSpc>
+                        <a:spcAft>
+                          <a:spcPts val="0"/>
+                        </a:spcAft>
+                      </a:pPr>
+                      <a:r>
+                        <a:rPr lang="de-CH" sz="1800">
+                          <a:effectLst/>
+                          <a:latin typeface="Calibri"/>
+                          <a:ea typeface="Calibri"/>
+                          <a:cs typeface="Times New Roman"/>
+                        </a:rPr>
+                        <a:t>5</a:t>
+                      </a:r>
+                    </a:p>
+                  </a:txBody>
+                  <a:tcPr marL="68580" marR="68580" marT="0" marB="0"/>
+                </a:tc>
+                <a:tc>
+                  <a:txBody>
+                    <a:bodyPr/>
+                    <a:lstStyle/>
+                    <a:p>
+                      <a:r>
+                        <a:rPr lang="de-CH" dirty="0" smtClean="0"/>
+                        <a:t>Nur per externem</a:t>
+                      </a:r>
+                      <a:r>
+                        <a:rPr lang="de-CH" baseline="0" dirty="0" smtClean="0"/>
+                        <a:t> Skript möglich (</a:t>
+                      </a:r>
+                      <a:r>
+                        <a:rPr lang="de-CH" baseline="0" dirty="0" err="1" smtClean="0"/>
+                        <a:t>Qunit</a:t>
+                      </a:r>
+                      <a:r>
+                        <a:rPr lang="de-CH" baseline="0" dirty="0" smtClean="0"/>
+                        <a:t>)</a:t>
+                      </a:r>
+                      <a:endParaRPr lang="de-CH" dirty="0"/>
+                    </a:p>
+                  </a:txBody>
+                  <a:tcPr/>
+                </a:tc>
+              </a:tr>
+              <a:tr h="370840">
+                <a:tc>
+                  <a:txBody>
+                    <a:bodyPr/>
+                    <a:lstStyle/>
+                    <a:p>
+                      <a:pPr>
+                        <a:lnSpc>
+                          <a:spcPct val="115000"/>
+                        </a:lnSpc>
+                        <a:spcAft>
+                          <a:spcPts val="0"/>
+                        </a:spcAft>
+                      </a:pPr>
+                      <a:r>
+                        <a:rPr lang="de-CH" sz="1800">
+                          <a:effectLst/>
+                          <a:latin typeface="Calibri"/>
+                          <a:ea typeface="Calibri"/>
+                          <a:cs typeface="Times New Roman"/>
+                        </a:rPr>
+                        <a:t>Verbreitung</a:t>
+                      </a:r>
+                    </a:p>
+                  </a:txBody>
+                  <a:tcPr marL="68580" marR="68580" marT="0" marB="0"/>
+                </a:tc>
+                <a:tc>
+                  <a:txBody>
+                    <a:bodyPr/>
+                    <a:lstStyle/>
+                    <a:p>
+                      <a:pPr>
+                        <a:lnSpc>
+                          <a:spcPct val="115000"/>
+                        </a:lnSpc>
+                        <a:spcAft>
+                          <a:spcPts val="0"/>
+                        </a:spcAft>
+                      </a:pPr>
+                      <a:r>
+                        <a:rPr lang="de-CH" sz="1800">
+                          <a:effectLst/>
+                          <a:latin typeface="Calibri"/>
+                          <a:ea typeface="Calibri"/>
+                          <a:cs typeface="Times New Roman"/>
+                        </a:rPr>
+                        <a:t>10</a:t>
+                      </a:r>
+                    </a:p>
+                  </a:txBody>
+                  <a:tcPr marL="68580" marR="68580" marT="0" marB="0"/>
+                </a:tc>
+                <a:tc>
+                  <a:txBody>
+                    <a:bodyPr/>
+                    <a:lstStyle/>
+                    <a:p>
+                      <a:r>
+                        <a:rPr lang="de-CH" dirty="0" smtClean="0"/>
+                        <a:t>4.52Mio Hits, sehr bekannt, von Dozenten</a:t>
+                      </a:r>
+                      <a:r>
+                        <a:rPr lang="de-CH" baseline="0" dirty="0" smtClean="0"/>
+                        <a:t> empfohlen</a:t>
+                      </a:r>
+                      <a:endParaRPr lang="de-CH" dirty="0"/>
+                    </a:p>
+                  </a:txBody>
+                  <a:tcPr/>
+                </a:tc>
+              </a:tr>
+              <a:tr h="370840">
+                <a:tc>
+                  <a:txBody>
+                    <a:bodyPr/>
+                    <a:lstStyle/>
+                    <a:p>
+                      <a:pPr>
+                        <a:lnSpc>
+                          <a:spcPct val="115000"/>
+                        </a:lnSpc>
+                        <a:spcAft>
+                          <a:spcPts val="0"/>
+                        </a:spcAft>
+                      </a:pPr>
+                      <a:r>
+                        <a:rPr lang="de-CH" sz="1800">
+                          <a:effectLst/>
+                          <a:latin typeface="Calibri"/>
+                          <a:ea typeface="Calibri"/>
+                          <a:cs typeface="Times New Roman"/>
+                        </a:rPr>
+                        <a:t>Spezielles</a:t>
+                      </a:r>
+                    </a:p>
+                  </a:txBody>
+                  <a:tcPr marL="68580" marR="68580" marT="0" marB="0"/>
+                </a:tc>
+                <a:tc>
+                  <a:txBody>
+                    <a:bodyPr/>
+                    <a:lstStyle/>
+                    <a:p>
+                      <a:pPr>
+                        <a:lnSpc>
+                          <a:spcPct val="115000"/>
+                        </a:lnSpc>
+                        <a:spcAft>
+                          <a:spcPts val="0"/>
+                        </a:spcAft>
+                      </a:pPr>
+                      <a:r>
+                        <a:rPr lang="de-CH" sz="1800">
+                          <a:effectLst/>
+                          <a:latin typeface="Calibri"/>
+                          <a:ea typeface="Calibri"/>
+                          <a:cs typeface="Times New Roman"/>
+                        </a:rPr>
+                        <a:t>2</a:t>
+                      </a:r>
+                    </a:p>
+                  </a:txBody>
+                  <a:tcPr marL="68580" marR="68580" marT="0" marB="0"/>
+                </a:tc>
+                <a:tc>
+                  <a:txBody>
+                    <a:bodyPr/>
+                    <a:lstStyle/>
+                    <a:p>
+                      <a:r>
+                        <a:rPr lang="de-CH" dirty="0" smtClean="0"/>
+                        <a:t>Erreichbarkeit, Konformität</a:t>
+                      </a:r>
+                      <a:r>
+                        <a:rPr lang="de-CH" smtClean="0"/>
+                        <a:t>,</a:t>
+                      </a:r>
+                      <a:r>
+                        <a:rPr lang="de-CH" baseline="0" smtClean="0"/>
+                        <a:t> Sehbehinderte</a:t>
+                      </a:r>
+                      <a:endParaRPr lang="de-CH"/>
+                    </a:p>
+                  </a:txBody>
+                  <a:tcPr/>
+                </a:tc>
+              </a:tr>
+              <a:tr h="370840">
+                <a:tc>
+                  <a:txBody>
+                    <a:bodyPr/>
+                    <a:lstStyle/>
+                    <a:p>
+                      <a:pPr>
+                        <a:lnSpc>
+                          <a:spcPct val="115000"/>
+                        </a:lnSpc>
+                        <a:spcAft>
+                          <a:spcPts val="0"/>
+                        </a:spcAft>
+                      </a:pPr>
+                      <a:r>
+                        <a:rPr lang="de-CH" sz="1800" b="1">
+                          <a:effectLst/>
+                          <a:latin typeface="Calibri"/>
+                          <a:ea typeface="Calibri"/>
+                          <a:cs typeface="Times New Roman"/>
+                        </a:rPr>
+                        <a:t>Total</a:t>
+                      </a:r>
+                      <a:endParaRPr lang="de-CH" sz="1800">
+                        <a:effectLst/>
+                        <a:latin typeface="Calibri"/>
+                        <a:ea typeface="Calibri"/>
+                        <a:cs typeface="Times New Roman"/>
+                      </a:endParaRPr>
+                    </a:p>
+                  </a:txBody>
+                  <a:tcPr marL="68580" marR="68580" marT="0" marB="0"/>
+                </a:tc>
+                <a:tc>
+                  <a:txBody>
+                    <a:bodyPr/>
+                    <a:lstStyle/>
+                    <a:p>
+                      <a:pPr>
+                        <a:lnSpc>
+                          <a:spcPct val="115000"/>
+                        </a:lnSpc>
+                        <a:spcAft>
+                          <a:spcPts val="0"/>
+                        </a:spcAft>
+                      </a:pPr>
+                      <a:r>
+                        <a:rPr lang="de-CH" sz="1800" b="1" dirty="0">
+                          <a:effectLst/>
+                          <a:latin typeface="Calibri"/>
+                          <a:ea typeface="Calibri"/>
+                          <a:cs typeface="Times New Roman"/>
+                        </a:rPr>
+                        <a:t>64</a:t>
+                      </a:r>
+                      <a:endParaRPr lang="de-CH" sz="1800" dirty="0">
+                        <a:effectLst/>
+                        <a:latin typeface="Calibri"/>
+                        <a:ea typeface="Calibri"/>
+                        <a:cs typeface="Times New Roman"/>
+                      </a:endParaRPr>
+                    </a:p>
+                  </a:txBody>
+                  <a:tcPr marL="68580" marR="68580" marT="0" marB="0"/>
+                </a:tc>
+                <a:tc>
+                  <a:txBody>
+                    <a:bodyPr/>
+                    <a:lstStyle/>
+                    <a:p>
+                      <a:endParaRPr lang="de-CH" dirty="0"/>
+                    </a:p>
+                  </a:txBody>
+                  <a:tcPr/>
+                </a:tc>
+              </a:tr>
+            </a:tbl>
+          </a:graphicData>
+        </a:graphic>
+      </p:graphicFrame>
+      <p:pic>
+        <p:nvPicPr>
+          <p:cNvPr id="9218" name="Picture 2" descr="F:\Schule\HSZ-T\3. Jahr\Handheld\Semesterarbeit\Handheld_Repo\Media\jquery Mobile\logo.JPG"/>
+          <p:cNvPicPr>
+            <a:picLocks noChangeAspect="1" noChangeArrowheads="1"/>
+          </p:cNvPicPr>
+          <p:nvPr/>
+        </p:nvPicPr>
+        <p:blipFill>
+          <a:blip r:embed="rId3">
+            <a:extLst>
+              <a:ext uri="{28A0092B-C50C-407E-A947-70E740481C1C}">
+                <a14:useLocalDpi xmlns:a14="http://schemas.microsoft.com/office/drawing/2010/main" val="0"/>
+              </a:ext>
+            </a:extLst>
+          </a:blip>
+          <a:srcRect/>
+          <a:stretch>
+            <a:fillRect/>
+          </a:stretch>
+        </p:blipFill>
+        <p:spPr bwMode="auto">
+          <a:xfrm>
+            <a:off x="179512" y="463550"/>
+            <a:ext cx="3043421" cy="805210"/>
+          </a:xfrm>
+          <a:prstGeom prst="rect">
+            <a:avLst/>
+          </a:prstGeom>
+          <a:noFill/>
+          <a:extLst>
+            <a:ext uri="{909E8E84-426E-40DD-AFC4-6F175D3DCCD1}">
+              <a14:hiddenFill xmlns:a14="http://schemas.microsoft.com/office/drawing/2010/main">
+                <a:solidFill>
+                  <a:srgbClr val="FFFFFF"/>
+                </a:solidFill>
+              </a14:hiddenFill>
+            </a:ext>
+          </a:extLst>
+        </p:spPr>
+      </p:pic>
+    </p:spTree>
+    <p:extLst>
+      <p:ext uri="{BB962C8B-B14F-4D97-AF65-F5344CB8AC3E}">
+        <p14:creationId xmlns:p14="http://schemas.microsoft.com/office/powerpoint/2010/main" val="960238212"/>
+      </p:ext>
+    </p:extLst>
+  </p:cSld>
+  <p:clrMapOvr>
+    <a:masterClrMapping/>
+  </p:clrMapOvr>
+  <p:timing>
+    <p:tnLst>
+      <p:par>
+        <p:cTn id="1" dur="indefinite" restart="never" nodeType="tmRoot"/>
+      </p:par>
+    </p:tnLst>
+  </p:timing>
+</p:sld>
+</file>
+
+<file path=ppt/slides/slide26.xml><?xml version="1.0" encoding="utf-8"?>
 <p:sld xmlns:a="http://schemas.openxmlformats.org/drawingml/2006/main" xmlns:r="http://schemas.openxmlformats.org/officeDocument/2006/relationships" xmlns:p="http://schemas.openxmlformats.org/presentationml/2006/main">
   <p:cSld>
     <p:bg>
@@ -8335,7 +11493,7 @@
 </p:sld>
 </file>
 
-<file path=ppt/slides/slide23.xml><?xml version="1.0" encoding="utf-8"?>
+<file path=ppt/slides/slide27.xml><?xml version="1.0" encoding="utf-8"?>
 <p:sld xmlns:a="http://schemas.openxmlformats.org/drawingml/2006/main" xmlns:r="http://schemas.openxmlformats.org/officeDocument/2006/relationships" xmlns:p="http://schemas.openxmlformats.org/presentationml/2006/main">
   <p:cSld>
     <p:spTree>
@@ -8453,7 +11611,7 @@
 </p:sld>
 </file>
 
-<file path=ppt/slides/slide24.xml><?xml version="1.0" encoding="utf-8"?>
+<file path=ppt/slides/slide28.xml><?xml version="1.0" encoding="utf-8"?>
 <p:sld xmlns:a="http://schemas.openxmlformats.org/drawingml/2006/main" xmlns:r="http://schemas.openxmlformats.org/officeDocument/2006/relationships" xmlns:p="http://schemas.openxmlformats.org/presentationml/2006/main">
   <p:cSld>
     <p:spTree>
@@ -8573,7 +11731,7 @@
 </p:sld>
 </file>
 
-<file path=ppt/slides/slide25.xml><?xml version="1.0" encoding="utf-8"?>
+<file path=ppt/slides/slide29.xml><?xml version="1.0" encoding="utf-8"?>
 <p:sld xmlns:a="http://schemas.openxmlformats.org/drawingml/2006/main" xmlns:r="http://schemas.openxmlformats.org/officeDocument/2006/relationships" xmlns:p="http://schemas.openxmlformats.org/presentationml/2006/main">
   <p:cSld>
     <p:spTree>
@@ -8704,7 +11862,110 @@
 </p:sld>
 </file>
 
-<file path=ppt/slides/slide26.xml><?xml version="1.0" encoding="utf-8"?>
+<file path=ppt/slides/slide3.xml><?xml version="1.0" encoding="utf-8"?>
+<p:sld xmlns:a="http://schemas.openxmlformats.org/drawingml/2006/main" xmlns:r="http://schemas.openxmlformats.org/officeDocument/2006/relationships" xmlns:p="http://schemas.openxmlformats.org/presentationml/2006/main">
+  <p:cSld>
+    <p:spTree>
+      <p:nvGrpSpPr>
+        <p:cNvPr id="1" name=""/>
+        <p:cNvGrpSpPr/>
+        <p:nvPr/>
+      </p:nvGrpSpPr>
+      <p:grpSpPr>
+        <a:xfrm>
+          <a:off x="0" y="0"/>
+          <a:ext cx="0" cy="0"/>
+          <a:chOff x="0" y="0"/>
+          <a:chExt cx="0" cy="0"/>
+        </a:xfrm>
+      </p:grpSpPr>
+      <p:sp>
+        <p:nvSpPr>
+          <p:cNvPr id="2" name="Titel 1"/>
+          <p:cNvSpPr>
+            <a:spLocks noGrp="1"/>
+          </p:cNvSpPr>
+          <p:nvPr>
+            <p:ph type="title"/>
+          </p:nvPr>
+        </p:nvSpPr>
+        <p:spPr/>
+        <p:txBody>
+          <a:bodyPr/>
+          <a:lstStyle/>
+          <a:p>
+            <a:r>
+              <a:rPr lang="de-CH" dirty="0" smtClean="0"/>
+              <a:t>Kriterien - Punktevergabe</a:t>
+            </a:r>
+            <a:endParaRPr lang="de-CH" dirty="0"/>
+          </a:p>
+        </p:txBody>
+      </p:sp>
+      <p:sp>
+        <p:nvSpPr>
+          <p:cNvPr id="3" name="Inhaltsplatzhalter 2"/>
+          <p:cNvSpPr>
+            <a:spLocks noGrp="1"/>
+          </p:cNvSpPr>
+          <p:nvPr>
+            <p:ph idx="1"/>
+          </p:nvPr>
+        </p:nvSpPr>
+        <p:spPr/>
+        <p:txBody>
+          <a:bodyPr/>
+          <a:lstStyle/>
+          <a:p>
+            <a:r>
+              <a:rPr lang="de-CH" dirty="0" smtClean="0"/>
+              <a:t>Pro Kriterium 1 – 10 Punkte</a:t>
+            </a:r>
+          </a:p>
+          <a:p>
+            <a:endParaRPr lang="de-CH" dirty="0" smtClean="0"/>
+          </a:p>
+          <a:p>
+            <a:r>
+              <a:rPr lang="de-CH" dirty="0" smtClean="0"/>
+              <a:t>Summe der Punkte bestimmt Evaluationssieger</a:t>
+            </a:r>
+          </a:p>
+          <a:p>
+            <a:endParaRPr lang="de-CH" dirty="0"/>
+          </a:p>
+          <a:p>
+            <a:r>
+              <a:rPr lang="de-CH" dirty="0" smtClean="0"/>
+              <a:t>Kriterium «spezielles» für Unvorhergesehenes</a:t>
+            </a:r>
+          </a:p>
+          <a:p>
+            <a:endParaRPr lang="de-CH" dirty="0"/>
+          </a:p>
+        </p:txBody>
+      </p:sp>
+    </p:spTree>
+    <p:extLst>
+      <p:ext uri="{BB962C8B-B14F-4D97-AF65-F5344CB8AC3E}">
+        <p14:creationId xmlns:p14="http://schemas.microsoft.com/office/powerpoint/2010/main" val="533526480"/>
+      </p:ext>
+    </p:extLst>
+  </p:cSld>
+  <p:clrMapOvr>
+    <a:masterClrMapping/>
+  </p:clrMapOvr>
+  <p:timing>
+    <p:tnLst>
+      <p:par>
+        <p:cTn id="1" dur="indefinite" restart="never" nodeType="tmRoot"/>
+      </p:par>
+    </p:tnLst>
+  </p:timing>
+</p:sld>
+</file>
+
+<file path=ppt/slides/slide30.xml><?xml version="1.0" encoding="utf-8"?>
 <p:sld xmlns:a="http://schemas.openxmlformats.org/drawingml/2006/main" xmlns:r="http://schemas.openxmlformats.org/officeDocument/2006/relationships" xmlns:p="http://schemas.openxmlformats.org/presentationml/2006/main">
   <p:cSld>
     <p:spTree>
@@ -8814,109 +12075,6 @@
     <p:extLst>
       <p:ext uri="{BB962C8B-B14F-4D97-AF65-F5344CB8AC3E}">
         <p14:creationId xmlns:p14="http://schemas.microsoft.com/office/powerpoint/2010/main" val="3506230833"/>
-      </p:ext>
-    </p:extLst>
-  </p:cSld>
-  <p:clrMapOvr>
-    <a:masterClrMapping/>
-  </p:clrMapOvr>
-  <p:timing>
-    <p:tnLst>
-      <p:par>
-        <p:cTn id="1" dur="indefinite" restart="never" nodeType="tmRoot"/>
-      </p:par>
-    </p:tnLst>
-  </p:timing>
-</p:sld>
-</file>
-
-<file path=ppt/slides/slide3.xml><?xml version="1.0" encoding="utf-8"?>
-<p:sld xmlns:a="http://schemas.openxmlformats.org/drawingml/2006/main" xmlns:r="http://schemas.openxmlformats.org/officeDocument/2006/relationships" xmlns:p="http://schemas.openxmlformats.org/presentationml/2006/main">
-  <p:cSld>
-    <p:spTree>
-      <p:nvGrpSpPr>
-        <p:cNvPr id="1" name=""/>
-        <p:cNvGrpSpPr/>
-        <p:nvPr/>
-      </p:nvGrpSpPr>
-      <p:grpSpPr>
-        <a:xfrm>
-          <a:off x="0" y="0"/>
-          <a:ext cx="0" cy="0"/>
-          <a:chOff x="0" y="0"/>
-          <a:chExt cx="0" cy="0"/>
-        </a:xfrm>
-      </p:grpSpPr>
-      <p:sp>
-        <p:nvSpPr>
-          <p:cNvPr id="2" name="Titel 1"/>
-          <p:cNvSpPr>
-            <a:spLocks noGrp="1"/>
-          </p:cNvSpPr>
-          <p:nvPr>
-            <p:ph type="title"/>
-          </p:nvPr>
-        </p:nvSpPr>
-        <p:spPr/>
-        <p:txBody>
-          <a:bodyPr/>
-          <a:lstStyle/>
-          <a:p>
-            <a:r>
-              <a:rPr lang="de-CH" dirty="0" smtClean="0"/>
-              <a:t>Kriterien - Punktevergabe</a:t>
-            </a:r>
-            <a:endParaRPr lang="de-CH" dirty="0"/>
-          </a:p>
-        </p:txBody>
-      </p:sp>
-      <p:sp>
-        <p:nvSpPr>
-          <p:cNvPr id="3" name="Inhaltsplatzhalter 2"/>
-          <p:cNvSpPr>
-            <a:spLocks noGrp="1"/>
-          </p:cNvSpPr>
-          <p:nvPr>
-            <p:ph idx="1"/>
-          </p:nvPr>
-        </p:nvSpPr>
-        <p:spPr/>
-        <p:txBody>
-          <a:bodyPr/>
-          <a:lstStyle/>
-          <a:p>
-            <a:r>
-              <a:rPr lang="de-CH" dirty="0" smtClean="0"/>
-              <a:t>Pro Kriterium 1 – 10 Punkte</a:t>
-            </a:r>
-          </a:p>
-          <a:p>
-            <a:endParaRPr lang="de-CH" dirty="0" smtClean="0"/>
-          </a:p>
-          <a:p>
-            <a:r>
-              <a:rPr lang="de-CH" dirty="0" smtClean="0"/>
-              <a:t>Summe der Punkte bestimmt Evaluationssieger</a:t>
-            </a:r>
-          </a:p>
-          <a:p>
-            <a:endParaRPr lang="de-CH" dirty="0"/>
-          </a:p>
-          <a:p>
-            <a:r>
-              <a:rPr lang="de-CH" dirty="0" smtClean="0"/>
-              <a:t>Kriterium «spezielles» für Unvorhergesehenes</a:t>
-            </a:r>
-          </a:p>
-          <a:p>
-            <a:endParaRPr lang="de-CH" dirty="0"/>
-          </a:p>
-        </p:txBody>
-      </p:sp>
-    </p:spTree>
-    <p:extLst>
-      <p:ext uri="{BB962C8B-B14F-4D97-AF65-F5344CB8AC3E}">
-        <p14:creationId xmlns:p14="http://schemas.microsoft.com/office/powerpoint/2010/main" val="533526480"/>
       </p:ext>
     </p:extLst>
   </p:cSld>

--- a/Documents/10_Frameworks_Presentation.pptx
+++ b/Documents/10_Frameworks_Presentation.pptx
@@ -5,39 +5,51 @@
     <p:sldMasterId id="2147483648" r:id="rId1"/>
   </p:sldMasterIdLst>
   <p:notesMasterIdLst>
-    <p:notesMasterId r:id="rId32"/>
+    <p:notesMasterId r:id="rId44"/>
   </p:notesMasterIdLst>
   <p:sldIdLst>
     <p:sldId id="256" r:id="rId2"/>
     <p:sldId id="257" r:id="rId3"/>
-    <p:sldId id="267" r:id="rId4"/>
-    <p:sldId id="258" r:id="rId5"/>
-    <p:sldId id="259" r:id="rId6"/>
-    <p:sldId id="260" r:id="rId7"/>
-    <p:sldId id="261" r:id="rId8"/>
-    <p:sldId id="262" r:id="rId9"/>
-    <p:sldId id="263" r:id="rId10"/>
-    <p:sldId id="264" r:id="rId11"/>
-    <p:sldId id="265" r:id="rId12"/>
-    <p:sldId id="266" r:id="rId13"/>
-    <p:sldId id="282" r:id="rId14"/>
-    <p:sldId id="273" r:id="rId15"/>
-    <p:sldId id="283" r:id="rId16"/>
-    <p:sldId id="284" r:id="rId17"/>
-    <p:sldId id="274" r:id="rId18"/>
-    <p:sldId id="285" r:id="rId19"/>
-    <p:sldId id="286" r:id="rId20"/>
-    <p:sldId id="275" r:id="rId21"/>
-    <p:sldId id="287" r:id="rId22"/>
-    <p:sldId id="288" r:id="rId23"/>
-    <p:sldId id="276" r:id="rId24"/>
-    <p:sldId id="289" r:id="rId25"/>
-    <p:sldId id="290" r:id="rId26"/>
-    <p:sldId id="277" r:id="rId27"/>
-    <p:sldId id="278" r:id="rId28"/>
-    <p:sldId id="279" r:id="rId29"/>
-    <p:sldId id="280" r:id="rId30"/>
-    <p:sldId id="281" r:id="rId31"/>
+    <p:sldId id="302" r:id="rId4"/>
+    <p:sldId id="267" r:id="rId5"/>
+    <p:sldId id="258" r:id="rId6"/>
+    <p:sldId id="259" r:id="rId7"/>
+    <p:sldId id="260" r:id="rId8"/>
+    <p:sldId id="261" r:id="rId9"/>
+    <p:sldId id="262" r:id="rId10"/>
+    <p:sldId id="263" r:id="rId11"/>
+    <p:sldId id="264" r:id="rId12"/>
+    <p:sldId id="265" r:id="rId13"/>
+    <p:sldId id="266" r:id="rId14"/>
+    <p:sldId id="282" r:id="rId15"/>
+    <p:sldId id="273" r:id="rId16"/>
+    <p:sldId id="283" r:id="rId17"/>
+    <p:sldId id="284" r:id="rId18"/>
+    <p:sldId id="274" r:id="rId19"/>
+    <p:sldId id="285" r:id="rId20"/>
+    <p:sldId id="286" r:id="rId21"/>
+    <p:sldId id="275" r:id="rId22"/>
+    <p:sldId id="287" r:id="rId23"/>
+    <p:sldId id="288" r:id="rId24"/>
+    <p:sldId id="276" r:id="rId25"/>
+    <p:sldId id="289" r:id="rId26"/>
+    <p:sldId id="290" r:id="rId27"/>
+    <p:sldId id="291" r:id="rId28"/>
+    <p:sldId id="277" r:id="rId29"/>
+    <p:sldId id="292" r:id="rId30"/>
+    <p:sldId id="293" r:id="rId31"/>
+    <p:sldId id="294" r:id="rId32"/>
+    <p:sldId id="295" r:id="rId33"/>
+    <p:sldId id="296" r:id="rId34"/>
+    <p:sldId id="297" r:id="rId35"/>
+    <p:sldId id="278" r:id="rId36"/>
+    <p:sldId id="279" r:id="rId37"/>
+    <p:sldId id="280" r:id="rId38"/>
+    <p:sldId id="298" r:id="rId39"/>
+    <p:sldId id="299" r:id="rId40"/>
+    <p:sldId id="300" r:id="rId41"/>
+    <p:sldId id="301" r:id="rId42"/>
+    <p:sldId id="281" r:id="rId43"/>
   </p:sldIdLst>
   <p:sldSz cx="9144000" cy="6858000" type="screen4x3"/>
   <p:notesSz cx="6858000" cy="9144000"/>
@@ -221,7 +233,7 @@
           <a:p>
             <a:fld id="{8E3776DB-D0D7-49CC-A746-59C36186F7D2}" type="datetimeFigureOut">
               <a:rPr lang="de-CH" smtClean="0"/>
-              <a:t>03.01.2013</a:t>
+              <a:t>04.01.2013</a:t>
             </a:fld>
             <a:endParaRPr lang="de-CH"/>
           </a:p>
@@ -578,7 +590,7 @@
           <a:p>
             <a:fld id="{6FBD71ED-0134-410C-9AE3-EE654E5179DA}" type="slidenum">
               <a:rPr lang="de-CH" smtClean="0"/>
-              <a:t>15</a:t>
+              <a:t>16</a:t>
             </a:fld>
             <a:endParaRPr lang="de-CH"/>
           </a:p>
@@ -700,7 +712,7 @@
           <a:p>
             <a:fld id="{6FBD71ED-0134-410C-9AE3-EE654E5179DA}" type="slidenum">
               <a:rPr lang="de-CH" smtClean="0"/>
-              <a:t>16</a:t>
+              <a:t>17</a:t>
             </a:fld>
             <a:endParaRPr lang="de-CH"/>
           </a:p>
@@ -828,7 +840,7 @@
           <a:p>
             <a:fld id="{6FBD71ED-0134-410C-9AE3-EE654E5179DA}" type="slidenum">
               <a:rPr lang="de-CH" smtClean="0"/>
-              <a:t>17</a:t>
+              <a:t>18</a:t>
             </a:fld>
             <a:endParaRPr lang="de-CH"/>
           </a:p>
@@ -936,7 +948,7 @@
           <a:p>
             <a:fld id="{6FBD71ED-0134-410C-9AE3-EE654E5179DA}" type="slidenum">
               <a:rPr lang="de-CH" smtClean="0"/>
-              <a:t>18</a:t>
+              <a:t>19</a:t>
             </a:fld>
             <a:endParaRPr lang="de-CH"/>
           </a:p>
@@ -1039,7 +1051,7 @@
           <a:p>
             <a:fld id="{6FBD71ED-0134-410C-9AE3-EE654E5179DA}" type="slidenum">
               <a:rPr lang="de-CH" smtClean="0"/>
-              <a:t>19</a:t>
+              <a:t>20</a:t>
             </a:fld>
             <a:endParaRPr lang="de-CH"/>
           </a:p>
@@ -1169,7 +1181,7 @@
           <a:p>
             <a:fld id="{6FBD71ED-0134-410C-9AE3-EE654E5179DA}" type="slidenum">
               <a:rPr lang="de-CH" smtClean="0"/>
-              <a:t>22</a:t>
+              <a:t>23</a:t>
             </a:fld>
             <a:endParaRPr lang="de-CH"/>
           </a:p>
@@ -1275,7 +1287,7 @@
           <a:p>
             <a:fld id="{6FBD71ED-0134-410C-9AE3-EE654E5179DA}" type="slidenum">
               <a:rPr lang="de-CH" smtClean="0"/>
-              <a:t>25</a:t>
+              <a:t>26</a:t>
             </a:fld>
             <a:endParaRPr lang="de-CH"/>
           </a:p>
@@ -1475,7 +1487,7 @@
           <a:p>
             <a:fld id="{1BA50D42-C9CD-4801-B293-61D1F53EC57E}" type="datetimeFigureOut">
               <a:rPr lang="de-DE" smtClean="0"/>
-              <a:t>03.01.2013</a:t>
+              <a:t>04.01.2013</a:t>
             </a:fld>
             <a:endParaRPr lang="de-DE"/>
           </a:p>
@@ -1640,7 +1652,7 @@
           <a:p>
             <a:fld id="{1BA50D42-C9CD-4801-B293-61D1F53EC57E}" type="datetimeFigureOut">
               <a:rPr lang="de-DE" smtClean="0"/>
-              <a:t>03.01.2013</a:t>
+              <a:t>04.01.2013</a:t>
             </a:fld>
             <a:endParaRPr lang="de-DE"/>
           </a:p>
@@ -1815,7 +1827,7 @@
           <a:p>
             <a:fld id="{1BA50D42-C9CD-4801-B293-61D1F53EC57E}" type="datetimeFigureOut">
               <a:rPr lang="de-DE" smtClean="0"/>
-              <a:t>03.01.2013</a:t>
+              <a:t>04.01.2013</a:t>
             </a:fld>
             <a:endParaRPr lang="de-DE"/>
           </a:p>
@@ -1980,7 +1992,7 @@
           <a:p>
             <a:fld id="{1BA50D42-C9CD-4801-B293-61D1F53EC57E}" type="datetimeFigureOut">
               <a:rPr lang="de-DE" smtClean="0"/>
-              <a:t>03.01.2013</a:t>
+              <a:t>04.01.2013</a:t>
             </a:fld>
             <a:endParaRPr lang="de-DE"/>
           </a:p>
@@ -2221,7 +2233,7 @@
           <a:p>
             <a:fld id="{1BA50D42-C9CD-4801-B293-61D1F53EC57E}" type="datetimeFigureOut">
               <a:rPr lang="de-DE" smtClean="0"/>
-              <a:t>03.01.2013</a:t>
+              <a:t>04.01.2013</a:t>
             </a:fld>
             <a:endParaRPr lang="de-DE"/>
           </a:p>
@@ -2504,7 +2516,7 @@
           <a:p>
             <a:fld id="{1BA50D42-C9CD-4801-B293-61D1F53EC57E}" type="datetimeFigureOut">
               <a:rPr lang="de-DE" smtClean="0"/>
-              <a:t>03.01.2013</a:t>
+              <a:t>04.01.2013</a:t>
             </a:fld>
             <a:endParaRPr lang="de-DE"/>
           </a:p>
@@ -2921,7 +2933,7 @@
           <a:p>
             <a:fld id="{1BA50D42-C9CD-4801-B293-61D1F53EC57E}" type="datetimeFigureOut">
               <a:rPr lang="de-DE" smtClean="0"/>
-              <a:t>03.01.2013</a:t>
+              <a:t>04.01.2013</a:t>
             </a:fld>
             <a:endParaRPr lang="de-DE"/>
           </a:p>
@@ -3034,7 +3046,7 @@
           <a:p>
             <a:fld id="{1BA50D42-C9CD-4801-B293-61D1F53EC57E}" type="datetimeFigureOut">
               <a:rPr lang="de-DE" smtClean="0"/>
-              <a:t>03.01.2013</a:t>
+              <a:t>04.01.2013</a:t>
             </a:fld>
             <a:endParaRPr lang="de-DE"/>
           </a:p>
@@ -3124,7 +3136,7 @@
           <a:p>
             <a:fld id="{1BA50D42-C9CD-4801-B293-61D1F53EC57E}" type="datetimeFigureOut">
               <a:rPr lang="de-DE" smtClean="0"/>
-              <a:t>03.01.2013</a:t>
+              <a:t>04.01.2013</a:t>
             </a:fld>
             <a:endParaRPr lang="de-DE"/>
           </a:p>
@@ -3396,7 +3408,7 @@
           <a:p>
             <a:fld id="{1BA50D42-C9CD-4801-B293-61D1F53EC57E}" type="datetimeFigureOut">
               <a:rPr lang="de-DE" smtClean="0"/>
-              <a:t>03.01.2013</a:t>
+              <a:t>04.01.2013</a:t>
             </a:fld>
             <a:endParaRPr lang="de-DE"/>
           </a:p>
@@ -3644,7 +3656,7 @@
           <a:p>
             <a:fld id="{1BA50D42-C9CD-4801-B293-61D1F53EC57E}" type="datetimeFigureOut">
               <a:rPr lang="de-DE" smtClean="0"/>
-              <a:t>03.01.2013</a:t>
+              <a:t>04.01.2013</a:t>
             </a:fld>
             <a:endParaRPr lang="de-DE"/>
           </a:p>
@@ -3873,7 +3885,7 @@
           <a:p>
             <a:fld id="{1BA50D42-C9CD-4801-B293-61D1F53EC57E}" type="datetimeFigureOut">
               <a:rPr lang="de-DE" smtClean="0"/>
-              <a:t>03.01.2013</a:t>
+              <a:t>04.01.2013</a:t>
             </a:fld>
             <a:endParaRPr lang="de-DE"/>
           </a:p>
@@ -4419,7 +4431,7 @@
           <a:p>
             <a:r>
               <a:rPr lang="de-CH" dirty="0" smtClean="0"/>
-              <a:t>Kriterium 7 - Testing</a:t>
+              <a:t>Kriterium 6 - Building</a:t>
             </a:r>
             <a:endParaRPr lang="de-CH" dirty="0"/>
           </a:p>
@@ -4440,36 +4452,36 @@
           <a:bodyPr/>
           <a:lstStyle/>
           <a:p>
+            <a:r>
+              <a:rPr lang="de-CH" dirty="0" smtClean="0"/>
+              <a:t>Einfachheit / </a:t>
+            </a:r>
+            <a:r>
+              <a:rPr lang="de-CH" dirty="0" err="1" smtClean="0"/>
+              <a:t>Aufwändigkeit</a:t>
+            </a:r>
             <a:endParaRPr lang="de-CH" dirty="0" smtClean="0"/>
           </a:p>
           <a:p>
+            <a:endParaRPr lang="de-CH" dirty="0"/>
+          </a:p>
+          <a:p>
+            <a:r>
+              <a:rPr lang="de-CH" dirty="0" smtClean="0"/>
+              <a:t>Verschiedene Möglichkeiten?</a:t>
+            </a:r>
+          </a:p>
+          <a:p>
+            <a:endParaRPr lang="de-CH" dirty="0"/>
+          </a:p>
+          <a:p>
             <a:r>
               <a:rPr lang="de-CH" dirty="0" err="1" smtClean="0"/>
-              <a:t>How</a:t>
-            </a:r>
-            <a:r>
-              <a:rPr lang="de-CH" dirty="0" smtClean="0"/>
-              <a:t> </a:t>
-            </a:r>
-            <a:r>
-              <a:rPr lang="de-CH" dirty="0" err="1" smtClean="0"/>
-              <a:t>to</a:t>
-            </a:r>
-            <a:r>
-              <a:rPr lang="de-CH" dirty="0" smtClean="0"/>
-              <a:t> Test?</a:t>
-            </a:r>
-          </a:p>
-          <a:p>
-            <a:endParaRPr lang="de-CH" dirty="0" smtClean="0"/>
-          </a:p>
-          <a:p>
-            <a:endParaRPr lang="de-CH" dirty="0"/>
-          </a:p>
-          <a:p>
-            <a:r>
-              <a:rPr lang="de-CH" dirty="0" smtClean="0"/>
-              <a:t>Methodik</a:t>
+              <a:t>Build</a:t>
+            </a:r>
+            <a:r>
+              <a:rPr lang="de-CH" dirty="0" smtClean="0"/>
+              <a:t>-Tool</a:t>
             </a:r>
             <a:endParaRPr lang="de-CH" dirty="0"/>
           </a:p>
@@ -4478,7 +4490,7 @@
     </p:spTree>
     <p:extLst>
       <p:ext uri="{BB962C8B-B14F-4D97-AF65-F5344CB8AC3E}">
-        <p14:creationId xmlns:p14="http://schemas.microsoft.com/office/powerpoint/2010/main" val="390378238"/>
+        <p14:creationId xmlns:p14="http://schemas.microsoft.com/office/powerpoint/2010/main" val="3067947551"/>
       </p:ext>
     </p:extLst>
   </p:cSld>
@@ -4529,7 +4541,7 @@
           <a:p>
             <a:r>
               <a:rPr lang="de-CH" dirty="0" smtClean="0"/>
-              <a:t>Kriterium 8 - Verbreitung</a:t>
+              <a:t>Kriterium 7 - Testing</a:t>
             </a:r>
             <a:endParaRPr lang="de-CH" dirty="0"/>
           </a:p>
@@ -4550,10 +4562,28 @@
           <a:bodyPr/>
           <a:lstStyle/>
           <a:p>
-            <a:r>
-              <a:rPr lang="de-CH" dirty="0" smtClean="0"/>
-              <a:t>Google-Suche</a:t>
-            </a:r>
+            <a:endParaRPr lang="de-CH" dirty="0" smtClean="0"/>
+          </a:p>
+          <a:p>
+            <a:r>
+              <a:rPr lang="de-CH" dirty="0" err="1" smtClean="0"/>
+              <a:t>How</a:t>
+            </a:r>
+            <a:r>
+              <a:rPr lang="de-CH" dirty="0" smtClean="0"/>
+              <a:t> </a:t>
+            </a:r>
+            <a:r>
+              <a:rPr lang="de-CH" dirty="0" err="1" smtClean="0"/>
+              <a:t>to</a:t>
+            </a:r>
+            <a:r>
+              <a:rPr lang="de-CH" dirty="0" smtClean="0"/>
+              <a:t> Test?</a:t>
+            </a:r>
+          </a:p>
+          <a:p>
+            <a:endParaRPr lang="de-CH" dirty="0" smtClean="0"/>
           </a:p>
           <a:p>
             <a:endParaRPr lang="de-CH" dirty="0"/>
@@ -4561,16 +4591,7 @@
           <a:p>
             <a:r>
               <a:rPr lang="de-CH" dirty="0" smtClean="0"/>
-              <a:t>Anzahl Apps</a:t>
-            </a:r>
-          </a:p>
-          <a:p>
-            <a:endParaRPr lang="de-CH" dirty="0"/>
-          </a:p>
-          <a:p>
-            <a:r>
-              <a:rPr lang="de-CH" dirty="0" smtClean="0"/>
-              <a:t>Persönliche Erfahrung</a:t>
+              <a:t>Methodik / Struktur</a:t>
             </a:r>
             <a:endParaRPr lang="de-CH" dirty="0"/>
           </a:p>
@@ -4579,7 +4600,7 @@
     </p:spTree>
     <p:extLst>
       <p:ext uri="{BB962C8B-B14F-4D97-AF65-F5344CB8AC3E}">
-        <p14:creationId xmlns:p14="http://schemas.microsoft.com/office/powerpoint/2010/main" val="1702249763"/>
+        <p14:creationId xmlns:p14="http://schemas.microsoft.com/office/powerpoint/2010/main" val="390378238"/>
       </p:ext>
     </p:extLst>
   </p:cSld>
@@ -4630,7 +4651,7 @@
           <a:p>
             <a:r>
               <a:rPr lang="de-CH" dirty="0" smtClean="0"/>
-              <a:t>Kriterium 9 - Spezielles</a:t>
+              <a:t>Kriterium 8 - Verbreitung</a:t>
             </a:r>
             <a:endParaRPr lang="de-CH" dirty="0"/>
           </a:p>
@@ -4653,28 +4674,26 @@
           <a:p>
             <a:r>
               <a:rPr lang="de-CH" dirty="0" smtClean="0"/>
-              <a:t>Features</a:t>
-            </a:r>
-          </a:p>
-          <a:p>
-            <a:endParaRPr lang="de-CH" dirty="0" smtClean="0"/>
-          </a:p>
-          <a:p>
-            <a:r>
-              <a:rPr lang="de-CH" dirty="0" smtClean="0"/>
-              <a:t>Vorteile</a:t>
-            </a:r>
-          </a:p>
-          <a:p>
-            <a:endParaRPr lang="de-CH" dirty="0" smtClean="0"/>
-          </a:p>
-          <a:p>
-            <a:r>
-              <a:rPr lang="de-CH" dirty="0" smtClean="0"/>
-              <a:t>Nicht bedachtes</a:t>
-            </a:r>
-          </a:p>
-          <a:p>
+              <a:t>Google-Suche</a:t>
+            </a:r>
+          </a:p>
+          <a:p>
+            <a:endParaRPr lang="de-CH" dirty="0"/>
+          </a:p>
+          <a:p>
+            <a:r>
+              <a:rPr lang="de-CH" dirty="0" smtClean="0"/>
+              <a:t>Anzahl Apps</a:t>
+            </a:r>
+          </a:p>
+          <a:p>
+            <a:endParaRPr lang="de-CH" dirty="0"/>
+          </a:p>
+          <a:p>
+            <a:r>
+              <a:rPr lang="de-CH" dirty="0" smtClean="0"/>
+              <a:t>Persönliche Erfahrung</a:t>
+            </a:r>
             <a:endParaRPr lang="de-CH" dirty="0"/>
           </a:p>
         </p:txBody>
@@ -4682,7 +4701,7 @@
     </p:spTree>
     <p:extLst>
       <p:ext uri="{BB962C8B-B14F-4D97-AF65-F5344CB8AC3E}">
-        <p14:creationId xmlns:p14="http://schemas.microsoft.com/office/powerpoint/2010/main" val="2669534349"/>
+        <p14:creationId xmlns:p14="http://schemas.microsoft.com/office/powerpoint/2010/main" val="1702249763"/>
       </p:ext>
     </p:extLst>
   </p:cSld>
@@ -4732,9 +4751,10 @@
           <a:lstStyle/>
           <a:p>
             <a:r>
-              <a:rPr lang="de-CH" dirty="0"/>
-              <a:t>Short 5 Evaluation</a:t>
-            </a:r>
+              <a:rPr lang="de-CH" dirty="0" smtClean="0"/>
+              <a:t>Kriterium 9 - Spezielles</a:t>
+            </a:r>
+            <a:endParaRPr lang="de-CH" dirty="0"/>
           </a:p>
         </p:txBody>
       </p:sp>
@@ -4748,25 +4768,14 @@
             <p:ph idx="1"/>
           </p:nvPr>
         </p:nvSpPr>
-        <p:spPr>
-          <a:xfrm>
-            <a:off x="457200" y="1600200"/>
-            <a:ext cx="8507288" cy="4525963"/>
-          </a:xfrm>
-        </p:spPr>
+        <p:spPr/>
         <p:txBody>
-          <a:bodyPr>
-            <a:normAutofit fontScale="92500" lnSpcReduction="20000"/>
-          </a:bodyPr>
+          <a:bodyPr/>
           <a:lstStyle/>
           <a:p>
             <a:r>
-              <a:rPr lang="de-CH" dirty="0" err="1" smtClean="0"/>
-              <a:t>jQPad</a:t>
-            </a:r>
-            <a:r>
-              <a:rPr lang="de-CH" dirty="0" smtClean="0"/>
-              <a:t>: 34P, +Einfachheit, -Tutorials, -Verbreitung</a:t>
+              <a:rPr lang="de-CH" dirty="0" smtClean="0"/>
+              <a:t>Features</a:t>
             </a:r>
           </a:p>
           <a:p>
@@ -4775,7 +4784,7 @@
           <a:p>
             <a:r>
               <a:rPr lang="de-CH" dirty="0" smtClean="0"/>
-              <a:t>XUI: 42P, +Einfachheit, -Tutorials, -Testing</a:t>
+              <a:t>Vorteile</a:t>
             </a:r>
           </a:p>
           <a:p>
@@ -4783,35 +4792,11 @@
           </a:p>
           <a:p>
             <a:r>
-              <a:rPr lang="de-CH" dirty="0" err="1" smtClean="0"/>
-              <a:t>iWebKit</a:t>
-            </a:r>
-            <a:r>
-              <a:rPr lang="de-CH" dirty="0" smtClean="0"/>
-              <a:t>: 44P, +Support, +Dokumentation, -Tutorials</a:t>
-            </a:r>
-          </a:p>
-          <a:p>
-            <a:endParaRPr lang="de-CH" dirty="0" smtClean="0"/>
-          </a:p>
-          <a:p>
-            <a:r>
-              <a:rPr lang="de-CH" dirty="0" err="1" smtClean="0"/>
-              <a:t>iUI</a:t>
-            </a:r>
-            <a:r>
-              <a:rPr lang="de-CH" dirty="0" smtClean="0"/>
-              <a:t>: 48P, +Einfachheit, +Dokumentation, -Building</a:t>
-            </a:r>
-          </a:p>
-          <a:p>
-            <a:endParaRPr lang="de-CH" dirty="0" smtClean="0"/>
-          </a:p>
-          <a:p>
-            <a:r>
-              <a:rPr lang="de-CH" dirty="0" smtClean="0"/>
-              <a:t>Rhodes: 48P, +Building, +Testing, -Tutorials</a:t>
-            </a:r>
+              <a:rPr lang="de-CH" dirty="0" smtClean="0"/>
+              <a:t>Nicht bedachtes</a:t>
+            </a:r>
+          </a:p>
+          <a:p>
             <a:endParaRPr lang="de-CH" dirty="0"/>
           </a:p>
         </p:txBody>
@@ -4819,45 +4804,26 @@
     </p:spTree>
     <p:extLst>
       <p:ext uri="{BB962C8B-B14F-4D97-AF65-F5344CB8AC3E}">
-        <p14:creationId xmlns:p14="http://schemas.microsoft.com/office/powerpoint/2010/main" val="3193078845"/>
+        <p14:creationId xmlns:p14="http://schemas.microsoft.com/office/powerpoint/2010/main" val="2669534349"/>
       </p:ext>
     </p:extLst>
   </p:cSld>
   <p:clrMapOvr>
     <a:masterClrMapping/>
   </p:clrMapOvr>
+  <p:timing>
+    <p:tnLst>
+      <p:par>
+        <p:cTn id="1" dur="indefinite" restart="never" nodeType="tmRoot"/>
+      </p:par>
+    </p:tnLst>
+  </p:timing>
 </p:sld>
 </file>
 
 <file path=ppt/slides/slide14.xml><?xml version="1.0" encoding="utf-8"?>
 <p:sld xmlns:a="http://schemas.openxmlformats.org/drawingml/2006/main" xmlns:r="http://schemas.openxmlformats.org/officeDocument/2006/relationships" xmlns:p="http://schemas.openxmlformats.org/presentationml/2006/main">
   <p:cSld>
-    <p:bg>
-      <p:bgPr>
-        <a:gradFill flip="none" rotWithShape="1">
-          <a:gsLst>
-            <a:gs pos="0">
-              <a:srgbClr val="C00000"/>
-            </a:gs>
-            <a:gs pos="50000">
-              <a:schemeClr val="accent1">
-                <a:tint val="44500"/>
-                <a:satMod val="160000"/>
-              </a:schemeClr>
-            </a:gs>
-            <a:gs pos="100000">
-              <a:schemeClr val="accent1">
-                <a:tint val="23500"/>
-                <a:satMod val="160000"/>
-              </a:schemeClr>
-            </a:gs>
-          </a:gsLst>
-          <a:lin ang="5400000" scaled="0"/>
-          <a:tileRect/>
-        </a:gradFill>
-        <a:effectLst/>
-      </p:bgPr>
-    </p:bg>
     <p:spTree>
       <p:nvGrpSpPr>
         <p:cNvPr id="1" name=""/>
@@ -4882,21 +4848,15 @@
             <p:ph type="title"/>
           </p:nvPr>
         </p:nvSpPr>
-        <p:spPr>
-          <a:xfrm>
-            <a:off x="2051720" y="274638"/>
-            <a:ext cx="6635080" cy="1143000"/>
-          </a:xfrm>
-        </p:spPr>
+        <p:spPr/>
         <p:txBody>
           <a:bodyPr/>
           <a:lstStyle/>
           <a:p>
             <a:r>
-              <a:rPr lang="de-CH" dirty="0" err="1" smtClean="0"/>
-              <a:t>Appcelerator</a:t>
-            </a:r>
-            <a:endParaRPr lang="de-CH" dirty="0"/>
+              <a:rPr lang="de-CH" dirty="0"/>
+              <a:t>Short 5 Evaluation</a:t>
+            </a:r>
           </a:p>
         </p:txBody>
       </p:sp>
@@ -4910,24 +4870,25 @@
             <p:ph idx="1"/>
           </p:nvPr>
         </p:nvSpPr>
-        <p:spPr/>
+        <p:spPr>
+          <a:xfrm>
+            <a:off x="457200" y="1600200"/>
+            <a:ext cx="8507288" cy="4525963"/>
+          </a:xfrm>
+        </p:spPr>
         <p:txBody>
           <a:bodyPr>
-            <a:normAutofit/>
+            <a:normAutofit fontScale="92500" lnSpcReduction="20000"/>
           </a:bodyPr>
           <a:lstStyle/>
           <a:p>
             <a:r>
-              <a:rPr lang="de-CH" dirty="0" smtClean="0"/>
-              <a:t>Entwicklung von mobilen, </a:t>
-            </a:r>
-            <a:r>
               <a:rPr lang="de-CH" dirty="0" err="1" smtClean="0"/>
-              <a:t>Tablet</a:t>
-            </a:r>
-            <a:r>
-              <a:rPr lang="de-CH" dirty="0" smtClean="0"/>
-              <a:t>-  und Desktop Apps</a:t>
+              <a:t>jQPad</a:t>
+            </a:r>
+            <a:r>
+              <a:rPr lang="de-CH" dirty="0" smtClean="0"/>
+              <a:t>: 34P, +Einfachheit, -Tutorials, -Verbreitung</a:t>
             </a:r>
           </a:p>
           <a:p>
@@ -4936,130 +4897,51 @@
           <a:p>
             <a:r>
               <a:rPr lang="de-CH" dirty="0" smtClean="0"/>
-              <a:t>Unterstützt: </a:t>
-            </a:r>
+              <a:t>XUI: 42P, +Einfachheit, -Tutorials, -Testing</a:t>
+            </a:r>
+          </a:p>
+          <a:p>
+            <a:endParaRPr lang="de-CH" dirty="0" smtClean="0"/>
+          </a:p>
+          <a:p>
             <a:r>
               <a:rPr lang="de-CH" dirty="0" err="1" smtClean="0"/>
-              <a:t>iPhone</a:t>
-            </a:r>
-            <a:r>
-              <a:rPr lang="de-CH" dirty="0" smtClean="0"/>
-              <a:t>, </a:t>
-            </a:r>
+              <a:t>iWebKit</a:t>
+            </a:r>
+            <a:r>
+              <a:rPr lang="de-CH" dirty="0" smtClean="0"/>
+              <a:t>: 44P, +Support, +Dokumentation, -Tutorials</a:t>
+            </a:r>
+          </a:p>
+          <a:p>
+            <a:endParaRPr lang="de-CH" dirty="0" smtClean="0"/>
+          </a:p>
+          <a:p>
             <a:r>
               <a:rPr lang="de-CH" dirty="0" err="1" smtClean="0"/>
-              <a:t>iPad</a:t>
-            </a:r>
-            <a:r>
-              <a:rPr lang="de-CH" dirty="0" smtClean="0"/>
-              <a:t>, </a:t>
-            </a:r>
-            <a:r>
-              <a:rPr lang="de-CH" dirty="0" err="1" smtClean="0"/>
-              <a:t>Android</a:t>
-            </a:r>
-            <a:r>
-              <a:rPr lang="de-CH" dirty="0" smtClean="0"/>
-              <a:t>, Blackberry</a:t>
-            </a:r>
-          </a:p>
-          <a:p>
+              <a:t>iUI</a:t>
+            </a:r>
+            <a:r>
+              <a:rPr lang="de-CH" dirty="0" smtClean="0"/>
+              <a:t>: 48P, +Einfachheit, +Dokumentation, -Building</a:t>
+            </a:r>
+          </a:p>
+          <a:p>
+            <a:endParaRPr lang="de-CH" dirty="0" smtClean="0"/>
+          </a:p>
+          <a:p>
+            <a:r>
+              <a:rPr lang="de-CH" dirty="0" smtClean="0"/>
+              <a:t>Rhodes: 48P, +Building, +Testing, -Tutorials</a:t>
+            </a:r>
             <a:endParaRPr lang="de-CH" dirty="0"/>
-          </a:p>
-          <a:p>
-            <a:r>
-              <a:rPr lang="de-CH" dirty="0" smtClean="0"/>
-              <a:t>&gt; 5000 Geräte-Schnittstellen unterstützt</a:t>
-            </a:r>
           </a:p>
         </p:txBody>
       </p:sp>
-      <p:pic>
-        <p:nvPicPr>
-          <p:cNvPr id="6146" name="Picture 2" descr="F:\Schule\HSZ-T\3. Jahr\Handheld\Semesterarbeit\Handheld_Repo\Media\Appcelerator Titanium\Appcelerator_Logo.JPG"/>
-          <p:cNvPicPr>
-            <a:picLocks noChangeAspect="1" noChangeArrowheads="1"/>
-          </p:cNvPicPr>
-          <p:nvPr/>
-        </p:nvPicPr>
-        <p:blipFill>
-          <a:blip r:embed="rId2">
-            <a:extLst>
-              <a:ext uri="{28A0092B-C50C-407E-A947-70E740481C1C}">
-                <a14:useLocalDpi xmlns:a14="http://schemas.microsoft.com/office/drawing/2010/main" val="0"/>
-              </a:ext>
-            </a:extLst>
-          </a:blip>
-          <a:srcRect/>
-          <a:stretch>
-            <a:fillRect/>
-          </a:stretch>
-        </p:blipFill>
-        <p:spPr bwMode="auto">
-          <a:xfrm>
-            <a:off x="179511" y="434842"/>
-            <a:ext cx="3448541" cy="746919"/>
-          </a:xfrm>
-          <a:prstGeom prst="rect">
-            <a:avLst/>
-          </a:prstGeom>
-          <a:noFill/>
-          <a:extLst>
-            <a:ext uri="{909E8E84-426E-40DD-AFC4-6F175D3DCCD1}">
-              <a14:hiddenFill xmlns:a14="http://schemas.microsoft.com/office/drawing/2010/main">
-                <a:solidFill>
-                  <a:srgbClr val="FFFFFF"/>
-                </a:solidFill>
-              </a14:hiddenFill>
-            </a:ext>
-          </a:extLst>
-        </p:spPr>
-      </p:pic>
-      <p:pic>
-        <p:nvPicPr>
-          <p:cNvPr id="2050" name="Picture 2" descr="F:\Schule\HSZ-T\3. Jahr\Handheld\Semesterarbeit\Handheld_Repo\Media\Appcelerator Titanium\Titanium_logo.JPG"/>
-          <p:cNvPicPr>
-            <a:picLocks noChangeAspect="1" noChangeArrowheads="1"/>
-          </p:cNvPicPr>
-          <p:nvPr/>
-        </p:nvPicPr>
-        <p:blipFill>
-          <a:blip r:embed="rId3">
-            <a:extLst>
-              <a:ext uri="{28A0092B-C50C-407E-A947-70E740481C1C}">
-                <a14:useLocalDpi xmlns:a14="http://schemas.microsoft.com/office/drawing/2010/main" val="0"/>
-              </a:ext>
-            </a:extLst>
-          </a:blip>
-          <a:srcRect/>
-          <a:stretch>
-            <a:fillRect/>
-          </a:stretch>
-        </p:blipFill>
-        <p:spPr bwMode="auto">
-          <a:xfrm>
-            <a:off x="7236296" y="4941168"/>
-            <a:ext cx="1576322" cy="1500659"/>
-          </a:xfrm>
-          <a:prstGeom prst="rect">
-            <a:avLst/>
-          </a:prstGeom>
-          <a:noFill/>
-          <a:extLst>
-            <a:ext uri="{909E8E84-426E-40DD-AFC4-6F175D3DCCD1}">
-              <a14:hiddenFill xmlns:a14="http://schemas.microsoft.com/office/drawing/2010/main">
-                <a:solidFill>
-                  <a:srgbClr val="FFFFFF"/>
-                </a:solidFill>
-              </a14:hiddenFill>
-            </a:ext>
-          </a:extLst>
-        </p:spPr>
-      </p:pic>
     </p:spTree>
     <p:extLst>
       <p:ext uri="{BB962C8B-B14F-4D97-AF65-F5344CB8AC3E}">
-        <p14:creationId xmlns:p14="http://schemas.microsoft.com/office/powerpoint/2010/main" val="2748541454"/>
+        <p14:creationId xmlns:p14="http://schemas.microsoft.com/office/powerpoint/2010/main" val="3193078845"/>
       </p:ext>
     </p:extLst>
   </p:cSld>
@@ -5166,19 +5048,53 @@
           <a:p>
             <a:r>
               <a:rPr lang="de-CH" dirty="0" smtClean="0"/>
-              <a:t>Technologien</a:t>
-            </a:r>
-            <a:r>
-              <a:rPr lang="de-CH" dirty="0"/>
-              <a:t>: JavaScript, </a:t>
-            </a:r>
-            <a:r>
-              <a:rPr lang="de-CH" dirty="0" err="1"/>
-              <a:t>Titanium</a:t>
-            </a:r>
-            <a:r>
-              <a:rPr lang="de-CH" dirty="0"/>
-              <a:t> API</a:t>
+              <a:t>Entwicklung von mobilen, </a:t>
+            </a:r>
+            <a:r>
+              <a:rPr lang="de-CH" dirty="0" err="1" smtClean="0"/>
+              <a:t>Tablet</a:t>
+            </a:r>
+            <a:r>
+              <a:rPr lang="de-CH" dirty="0" smtClean="0"/>
+              <a:t>-  und </a:t>
+            </a:r>
+            <a:r>
+              <a:rPr lang="de-CH" dirty="0" smtClean="0"/>
+              <a:t>Desktop-Apps</a:t>
+            </a:r>
+            <a:endParaRPr lang="de-CH" dirty="0" smtClean="0"/>
+          </a:p>
+          <a:p>
+            <a:endParaRPr lang="de-CH" dirty="0" smtClean="0"/>
+          </a:p>
+          <a:p>
+            <a:r>
+              <a:rPr lang="de-CH" dirty="0" smtClean="0"/>
+              <a:t>Unterstützt: </a:t>
+            </a:r>
+            <a:r>
+              <a:rPr lang="de-CH" dirty="0" err="1" smtClean="0"/>
+              <a:t>iPhone</a:t>
+            </a:r>
+            <a:r>
+              <a:rPr lang="de-CH" dirty="0" smtClean="0"/>
+              <a:t>, </a:t>
+            </a:r>
+            <a:r>
+              <a:rPr lang="de-CH" dirty="0" err="1" smtClean="0"/>
+              <a:t>iPad</a:t>
+            </a:r>
+            <a:r>
+              <a:rPr lang="de-CH" dirty="0" smtClean="0"/>
+              <a:t>, </a:t>
+            </a:r>
+            <a:r>
+              <a:rPr lang="de-CH" dirty="0" err="1" smtClean="0"/>
+              <a:t>Android</a:t>
+            </a:r>
+            <a:r>
+              <a:rPr lang="de-CH" dirty="0" smtClean="0"/>
+              <a:t>, Blackberry</a:t>
             </a:r>
           </a:p>
           <a:p>
@@ -5186,12 +5102,9 @@
           </a:p>
           <a:p>
             <a:r>
-              <a:rPr lang="de-CH" dirty="0"/>
-              <a:t>Interpretiersprache / Laufzeitkompilierung</a:t>
-            </a:r>
-          </a:p>
-          <a:p>
-            <a:endParaRPr lang="de-CH" dirty="0"/>
+              <a:rPr lang="de-CH" dirty="0" smtClean="0"/>
+              <a:t>&gt; 5000 Geräte-Schnittstellen unterstützt</a:t>
+            </a:r>
           </a:p>
         </p:txBody>
       </p:sp>
@@ -5204,7 +5117,7 @@
           <p:nvPr/>
         </p:nvPicPr>
         <p:blipFill>
-          <a:blip r:embed="rId3">
+          <a:blip r:embed="rId2">
             <a:extLst>
               <a:ext uri="{28A0092B-C50C-407E-A947-70E740481C1C}">
                 <a14:useLocalDpi xmlns:a14="http://schemas.microsoft.com/office/drawing/2010/main" val="0"/>
@@ -5238,14 +5151,14 @@
       </p:pic>
       <p:pic>
         <p:nvPicPr>
-          <p:cNvPr id="1026" name="Picture 2" descr="F:\Schule\HSZ-T\3. Jahr\Handheld\Semesterarbeit\Handheld_Repo\Media\Appcelerator Titanium\banner-sdk.png"/>
+          <p:cNvPr id="2050" name="Picture 2" descr="F:\Schule\HSZ-T\3. Jahr\Handheld\Semesterarbeit\Handheld_Repo\Media\Appcelerator Titanium\Titanium_logo.JPG"/>
           <p:cNvPicPr>
             <a:picLocks noChangeAspect="1" noChangeArrowheads="1"/>
           </p:cNvPicPr>
           <p:nvPr/>
         </p:nvPicPr>
         <p:blipFill>
-          <a:blip r:embed="rId4">
+          <a:blip r:embed="rId3">
             <a:extLst>
               <a:ext uri="{28A0092B-C50C-407E-A947-70E740481C1C}">
                 <a14:useLocalDpi xmlns:a14="http://schemas.microsoft.com/office/drawing/2010/main" val="0"/>
@@ -5259,8 +5172,8 @@
         </p:blipFill>
         <p:spPr bwMode="auto">
           <a:xfrm>
-            <a:off x="1763688" y="4293096"/>
-            <a:ext cx="5613400" cy="1676400"/>
+            <a:off x="7236296" y="4941168"/>
+            <a:ext cx="1576322" cy="1500659"/>
           </a:xfrm>
           <a:prstGeom prst="rect">
             <a:avLst/>
@@ -5280,7 +5193,7 @@
     </p:spTree>
     <p:extLst>
       <p:ext uri="{BB962C8B-B14F-4D97-AF65-F5344CB8AC3E}">
-        <p14:creationId xmlns:p14="http://schemas.microsoft.com/office/powerpoint/2010/main" val="440084121"/>
+        <p14:creationId xmlns:p14="http://schemas.microsoft.com/office/powerpoint/2010/main" val="2748541454"/>
       </p:ext>
     </p:extLst>
   </p:cSld>
@@ -5368,6 +5281,227 @@
           </a:p>
         </p:txBody>
       </p:sp>
+      <p:sp>
+        <p:nvSpPr>
+          <p:cNvPr id="3" name="Inhaltsplatzhalter 2"/>
+          <p:cNvSpPr>
+            <a:spLocks noGrp="1"/>
+          </p:cNvSpPr>
+          <p:nvPr>
+            <p:ph idx="1"/>
+          </p:nvPr>
+        </p:nvSpPr>
+        <p:spPr/>
+        <p:txBody>
+          <a:bodyPr>
+            <a:normAutofit/>
+          </a:bodyPr>
+          <a:lstStyle/>
+          <a:p>
+            <a:r>
+              <a:rPr lang="de-CH" dirty="0" smtClean="0"/>
+              <a:t>Technologien</a:t>
+            </a:r>
+            <a:r>
+              <a:rPr lang="de-CH" dirty="0"/>
+              <a:t>: JavaScript, </a:t>
+            </a:r>
+            <a:r>
+              <a:rPr lang="de-CH" dirty="0" err="1"/>
+              <a:t>Titanium</a:t>
+            </a:r>
+            <a:r>
+              <a:rPr lang="de-CH" dirty="0"/>
+              <a:t> API</a:t>
+            </a:r>
+          </a:p>
+          <a:p>
+            <a:endParaRPr lang="de-CH" dirty="0"/>
+          </a:p>
+          <a:p>
+            <a:r>
+              <a:rPr lang="de-CH" dirty="0"/>
+              <a:t>Interpretiersprache / Laufzeitkompilierung</a:t>
+            </a:r>
+          </a:p>
+          <a:p>
+            <a:endParaRPr lang="de-CH" dirty="0"/>
+          </a:p>
+        </p:txBody>
+      </p:sp>
+      <p:pic>
+        <p:nvPicPr>
+          <p:cNvPr id="6146" name="Picture 2" descr="F:\Schule\HSZ-T\3. Jahr\Handheld\Semesterarbeit\Handheld_Repo\Media\Appcelerator Titanium\Appcelerator_Logo.JPG"/>
+          <p:cNvPicPr>
+            <a:picLocks noChangeAspect="1" noChangeArrowheads="1"/>
+          </p:cNvPicPr>
+          <p:nvPr/>
+        </p:nvPicPr>
+        <p:blipFill>
+          <a:blip r:embed="rId3">
+            <a:extLst>
+              <a:ext uri="{28A0092B-C50C-407E-A947-70E740481C1C}">
+                <a14:useLocalDpi xmlns:a14="http://schemas.microsoft.com/office/drawing/2010/main" val="0"/>
+              </a:ext>
+            </a:extLst>
+          </a:blip>
+          <a:srcRect/>
+          <a:stretch>
+            <a:fillRect/>
+          </a:stretch>
+        </p:blipFill>
+        <p:spPr bwMode="auto">
+          <a:xfrm>
+            <a:off x="179511" y="434842"/>
+            <a:ext cx="3448541" cy="746919"/>
+          </a:xfrm>
+          <a:prstGeom prst="rect">
+            <a:avLst/>
+          </a:prstGeom>
+          <a:noFill/>
+          <a:extLst>
+            <a:ext uri="{909E8E84-426E-40DD-AFC4-6F175D3DCCD1}">
+              <a14:hiddenFill xmlns:a14="http://schemas.microsoft.com/office/drawing/2010/main">
+                <a:solidFill>
+                  <a:srgbClr val="FFFFFF"/>
+                </a:solidFill>
+              </a14:hiddenFill>
+            </a:ext>
+          </a:extLst>
+        </p:spPr>
+      </p:pic>
+      <p:pic>
+        <p:nvPicPr>
+          <p:cNvPr id="1026" name="Picture 2" descr="F:\Schule\HSZ-T\3. Jahr\Handheld\Semesterarbeit\Handheld_Repo\Media\Appcelerator Titanium\banner-sdk.png"/>
+          <p:cNvPicPr>
+            <a:picLocks noChangeAspect="1" noChangeArrowheads="1"/>
+          </p:cNvPicPr>
+          <p:nvPr/>
+        </p:nvPicPr>
+        <p:blipFill>
+          <a:blip r:embed="rId4">
+            <a:extLst>
+              <a:ext uri="{28A0092B-C50C-407E-A947-70E740481C1C}">
+                <a14:useLocalDpi xmlns:a14="http://schemas.microsoft.com/office/drawing/2010/main" val="0"/>
+              </a:ext>
+            </a:extLst>
+          </a:blip>
+          <a:srcRect/>
+          <a:stretch>
+            <a:fillRect/>
+          </a:stretch>
+        </p:blipFill>
+        <p:spPr bwMode="auto">
+          <a:xfrm>
+            <a:off x="1763688" y="4293096"/>
+            <a:ext cx="5613400" cy="1676400"/>
+          </a:xfrm>
+          <a:prstGeom prst="rect">
+            <a:avLst/>
+          </a:prstGeom>
+          <a:noFill/>
+          <a:extLst>
+            <a:ext uri="{909E8E84-426E-40DD-AFC4-6F175D3DCCD1}">
+              <a14:hiddenFill xmlns:a14="http://schemas.microsoft.com/office/drawing/2010/main">
+                <a:solidFill>
+                  <a:srgbClr val="FFFFFF"/>
+                </a:solidFill>
+              </a14:hiddenFill>
+            </a:ext>
+          </a:extLst>
+        </p:spPr>
+      </p:pic>
+    </p:spTree>
+    <p:extLst>
+      <p:ext uri="{BB962C8B-B14F-4D97-AF65-F5344CB8AC3E}">
+        <p14:creationId xmlns:p14="http://schemas.microsoft.com/office/powerpoint/2010/main" val="440084121"/>
+      </p:ext>
+    </p:extLst>
+  </p:cSld>
+  <p:clrMapOvr>
+    <a:masterClrMapping/>
+  </p:clrMapOvr>
+  <p:timing>
+    <p:tnLst>
+      <p:par>
+        <p:cTn id="1" dur="indefinite" restart="never" nodeType="tmRoot"/>
+      </p:par>
+    </p:tnLst>
+  </p:timing>
+</p:sld>
+</file>
+
+<file path=ppt/slides/slide17.xml><?xml version="1.0" encoding="utf-8"?>
+<p:sld xmlns:a="http://schemas.openxmlformats.org/drawingml/2006/main" xmlns:r="http://schemas.openxmlformats.org/officeDocument/2006/relationships" xmlns:p="http://schemas.openxmlformats.org/presentationml/2006/main">
+  <p:cSld>
+    <p:bg>
+      <p:bgPr>
+        <a:gradFill flip="none" rotWithShape="1">
+          <a:gsLst>
+            <a:gs pos="0">
+              <a:srgbClr val="C00000"/>
+            </a:gs>
+            <a:gs pos="50000">
+              <a:schemeClr val="accent1">
+                <a:tint val="44500"/>
+                <a:satMod val="160000"/>
+              </a:schemeClr>
+            </a:gs>
+            <a:gs pos="100000">
+              <a:schemeClr val="accent1">
+                <a:tint val="23500"/>
+                <a:satMod val="160000"/>
+              </a:schemeClr>
+            </a:gs>
+          </a:gsLst>
+          <a:lin ang="5400000" scaled="0"/>
+          <a:tileRect/>
+        </a:gradFill>
+        <a:effectLst/>
+      </p:bgPr>
+    </p:bg>
+    <p:spTree>
+      <p:nvGrpSpPr>
+        <p:cNvPr id="1" name=""/>
+        <p:cNvGrpSpPr/>
+        <p:nvPr/>
+      </p:nvGrpSpPr>
+      <p:grpSpPr>
+        <a:xfrm>
+          <a:off x="0" y="0"/>
+          <a:ext cx="0" cy="0"/>
+          <a:chOff x="0" y="0"/>
+          <a:chExt cx="0" cy="0"/>
+        </a:xfrm>
+      </p:grpSpPr>
+      <p:sp>
+        <p:nvSpPr>
+          <p:cNvPr id="2" name="Titel 1"/>
+          <p:cNvSpPr>
+            <a:spLocks noGrp="1"/>
+          </p:cNvSpPr>
+          <p:nvPr>
+            <p:ph type="title"/>
+          </p:nvPr>
+        </p:nvSpPr>
+        <p:spPr>
+          <a:xfrm>
+            <a:off x="2051720" y="274638"/>
+            <a:ext cx="6635080" cy="1143000"/>
+          </a:xfrm>
+        </p:spPr>
+        <p:txBody>
+          <a:bodyPr/>
+          <a:lstStyle/>
+          <a:p>
+            <a:r>
+              <a:rPr lang="de-CH" dirty="0" err="1" smtClean="0"/>
+              <a:t>Appcelerator</a:t>
+            </a:r>
+            <a:endParaRPr lang="de-CH" dirty="0"/>
+          </a:p>
+        </p:txBody>
+      </p:sp>
       <p:graphicFrame>
         <p:nvGraphicFramePr>
           <p:cNvPr id="4" name="Inhaltsplatzhalter 3"/>
@@ -5378,7 +5512,7 @@
             <p:ph idx="1"/>
             <p:extLst>
               <p:ext uri="{D42A27DB-BD31-4B8C-83A1-F6EECF244321}">
-                <p14:modId xmlns:p14="http://schemas.microsoft.com/office/powerpoint/2010/main" val="2462862041"/>
+                <p14:modId xmlns:p14="http://schemas.microsoft.com/office/powerpoint/2010/main" val="607733776"/>
               </p:ext>
             </p:extLst>
           </p:nvPr>
@@ -5840,7 +5974,25 @@
                           <a:ea typeface="Calibri"/>
                           <a:cs typeface="Times New Roman"/>
                         </a:rPr>
-                        <a:t>Viele Vorhanden, Buch, Wiki, Overhead</a:t>
+                        <a:t>Viele </a:t>
+                      </a:r>
+                      <a:r>
+                        <a:rPr lang="de-CH" sz="1800" dirty="0" smtClean="0">
+                          <a:effectLst/>
+                          <a:latin typeface="Calibri"/>
+                          <a:ea typeface="Calibri"/>
+                          <a:cs typeface="Times New Roman"/>
+                        </a:rPr>
+                        <a:t>vorhanden</a:t>
+                      </a:r>
+                      <a:r>
+                        <a:rPr lang="de-CH" sz="1800" dirty="0" smtClean="0">
+                          <a:effectLst/>
+                          <a:latin typeface="Calibri"/>
+                          <a:ea typeface="Calibri"/>
+                          <a:cs typeface="Times New Roman"/>
+                        </a:rPr>
+                        <a:t>, Buch, Wiki, Overhead</a:t>
                       </a:r>
                       <a:endParaRPr lang="de-CH" sz="1800" dirty="0">
                         <a:effectLst/>
@@ -6448,235 +6600,6 @@
     <p:extLst>
       <p:ext uri="{BB962C8B-B14F-4D97-AF65-F5344CB8AC3E}">
         <p14:creationId xmlns:p14="http://schemas.microsoft.com/office/powerpoint/2010/main" val="812823829"/>
-      </p:ext>
-    </p:extLst>
-  </p:cSld>
-  <p:clrMapOvr>
-    <a:masterClrMapping/>
-  </p:clrMapOvr>
-  <p:timing>
-    <p:tnLst>
-      <p:par>
-        <p:cTn id="1" dur="indefinite" restart="never" nodeType="tmRoot"/>
-      </p:par>
-    </p:tnLst>
-  </p:timing>
-</p:sld>
-</file>
-
-<file path=ppt/slides/slide17.xml><?xml version="1.0" encoding="utf-8"?>
-<p:sld xmlns:a="http://schemas.openxmlformats.org/drawingml/2006/main" xmlns:r="http://schemas.openxmlformats.org/officeDocument/2006/relationships" xmlns:p="http://schemas.openxmlformats.org/presentationml/2006/main">
-  <p:cSld>
-    <p:bg>
-      <p:bgPr>
-        <a:gradFill flip="none" rotWithShape="1">
-          <a:gsLst>
-            <a:gs pos="0">
-              <a:srgbClr val="69A12B"/>
-            </a:gs>
-            <a:gs pos="50000">
-              <a:schemeClr val="accent1">
-                <a:tint val="44500"/>
-                <a:satMod val="160000"/>
-              </a:schemeClr>
-            </a:gs>
-            <a:gs pos="100000">
-              <a:schemeClr val="accent1">
-                <a:tint val="23500"/>
-                <a:satMod val="160000"/>
-              </a:schemeClr>
-            </a:gs>
-          </a:gsLst>
-          <a:lin ang="5400000" scaled="0"/>
-          <a:tileRect/>
-        </a:gradFill>
-        <a:effectLst/>
-      </p:bgPr>
-    </p:bg>
-    <p:spTree>
-      <p:nvGrpSpPr>
-        <p:cNvPr id="1" name=""/>
-        <p:cNvGrpSpPr/>
-        <p:nvPr/>
-      </p:nvGrpSpPr>
-      <p:grpSpPr>
-        <a:xfrm>
-          <a:off x="0" y="0"/>
-          <a:ext cx="0" cy="0"/>
-          <a:chOff x="0" y="0"/>
-          <a:chExt cx="0" cy="0"/>
-        </a:xfrm>
-      </p:grpSpPr>
-      <p:sp>
-        <p:nvSpPr>
-          <p:cNvPr id="2" name="Titel 1"/>
-          <p:cNvSpPr>
-            <a:spLocks noGrp="1"/>
-          </p:cNvSpPr>
-          <p:nvPr>
-            <p:ph type="title"/>
-          </p:nvPr>
-        </p:nvSpPr>
-        <p:spPr>
-          <a:xfrm>
-            <a:off x="3635896" y="274638"/>
-            <a:ext cx="5050903" cy="1143000"/>
-          </a:xfrm>
-        </p:spPr>
-        <p:txBody>
-          <a:bodyPr/>
-          <a:lstStyle/>
-          <a:p>
-            <a:r>
-              <a:rPr lang="de-CH" dirty="0" smtClean="0"/>
-              <a:t>Sproutcore Touch</a:t>
-            </a:r>
-            <a:endParaRPr lang="de-CH" dirty="0"/>
-          </a:p>
-        </p:txBody>
-      </p:sp>
-      <p:sp>
-        <p:nvSpPr>
-          <p:cNvPr id="3" name="Inhaltsplatzhalter 2"/>
-          <p:cNvSpPr>
-            <a:spLocks noGrp="1"/>
-          </p:cNvSpPr>
-          <p:nvPr>
-            <p:ph idx="1"/>
-          </p:nvPr>
-        </p:nvSpPr>
-        <p:spPr/>
-        <p:txBody>
-          <a:bodyPr/>
-          <a:lstStyle/>
-          <a:p>
-            <a:endParaRPr lang="de-CH" dirty="0" smtClean="0"/>
-          </a:p>
-          <a:p>
-            <a:r>
-              <a:rPr lang="de-CH" dirty="0" smtClean="0"/>
-              <a:t>Entwicklung von Web-Apps mit HW-Beschleunigung</a:t>
-            </a:r>
-          </a:p>
-          <a:p>
-            <a:endParaRPr lang="de-CH" dirty="0"/>
-          </a:p>
-          <a:p>
-            <a:r>
-              <a:rPr lang="de-CH" dirty="0" smtClean="0"/>
-              <a:t>Hauptsächlich für Apple-Devices</a:t>
-            </a:r>
-          </a:p>
-          <a:p>
-            <a:endParaRPr lang="de-CH" dirty="0"/>
-          </a:p>
-          <a:p>
-            <a:r>
-              <a:rPr lang="de-CH" dirty="0" smtClean="0"/>
-              <a:t>Apple Look </a:t>
-            </a:r>
-            <a:r>
-              <a:rPr lang="de-CH" dirty="0" err="1" smtClean="0"/>
-              <a:t>and</a:t>
-            </a:r>
-            <a:r>
-              <a:rPr lang="de-CH" dirty="0" smtClean="0"/>
-              <a:t> </a:t>
-            </a:r>
-            <a:r>
-              <a:rPr lang="de-CH" dirty="0" err="1" smtClean="0"/>
-              <a:t>Feel</a:t>
-            </a:r>
-            <a:endParaRPr lang="de-CH" dirty="0"/>
-          </a:p>
-        </p:txBody>
-      </p:sp>
-      <p:pic>
-        <p:nvPicPr>
-          <p:cNvPr id="7170" name="Picture 2" descr="F:\Schule\HSZ-T\3. Jahr\Handheld\Semesterarbeit\Handheld_Repo\Media\Sproutcore Touch\Sproutcore_logo.JPG"/>
-          <p:cNvPicPr>
-            <a:picLocks noChangeAspect="1" noChangeArrowheads="1"/>
-          </p:cNvPicPr>
-          <p:nvPr/>
-        </p:nvPicPr>
-        <p:blipFill>
-          <a:blip r:embed="rId3">
-            <a:extLst>
-              <a:ext uri="{28A0092B-C50C-407E-A947-70E740481C1C}">
-                <a14:useLocalDpi xmlns:a14="http://schemas.microsoft.com/office/drawing/2010/main" val="0"/>
-              </a:ext>
-            </a:extLst>
-          </a:blip>
-          <a:srcRect/>
-          <a:stretch>
-            <a:fillRect/>
-          </a:stretch>
-        </p:blipFill>
-        <p:spPr bwMode="auto">
-          <a:xfrm>
-            <a:off x="179512" y="404664"/>
-            <a:ext cx="3916994" cy="756692"/>
-          </a:xfrm>
-          <a:prstGeom prst="rect">
-            <a:avLst/>
-          </a:prstGeom>
-          <a:noFill/>
-          <a:extLst>
-            <a:ext uri="{909E8E84-426E-40DD-AFC4-6F175D3DCCD1}">
-              <a14:hiddenFill xmlns:a14="http://schemas.microsoft.com/office/drawing/2010/main">
-                <a:solidFill>
-                  <a:srgbClr val="FFFFFF"/>
-                </a:solidFill>
-              </a14:hiddenFill>
-            </a:ext>
-          </a:extLst>
-        </p:spPr>
-      </p:pic>
-      <p:pic>
-        <p:nvPicPr>
-          <p:cNvPr id="3074" name="Picture 2" descr="F:\Schule\HSZ-T\3. Jahr\Handheld\Semesterarbeit\Handheld_Repo\Media\Sproutcore Touch\guides2.JPG"/>
-          <p:cNvPicPr>
-            <a:picLocks noChangeAspect="1" noChangeArrowheads="1"/>
-          </p:cNvPicPr>
-          <p:nvPr/>
-        </p:nvPicPr>
-        <p:blipFill>
-          <a:blip r:embed="rId4">
-            <a:extLst>
-              <a:ext uri="{28A0092B-C50C-407E-A947-70E740481C1C}">
-                <a14:useLocalDpi xmlns:a14="http://schemas.microsoft.com/office/drawing/2010/main" val="0"/>
-              </a:ext>
-            </a:extLst>
-          </a:blip>
-          <a:srcRect/>
-          <a:stretch>
-            <a:fillRect/>
-          </a:stretch>
-        </p:blipFill>
-        <p:spPr bwMode="auto">
-          <a:xfrm>
-            <a:off x="7650114" y="5445224"/>
-            <a:ext cx="971650" cy="1095315"/>
-          </a:xfrm>
-          <a:prstGeom prst="rect">
-            <a:avLst/>
-          </a:prstGeom>
-          <a:noFill/>
-          <a:extLst>
-            <a:ext uri="{909E8E84-426E-40DD-AFC4-6F175D3DCCD1}">
-              <a14:hiddenFill xmlns:a14="http://schemas.microsoft.com/office/drawing/2010/main">
-                <a:solidFill>
-                  <a:srgbClr val="FFFFFF"/>
-                </a:solidFill>
-              </a14:hiddenFill>
-            </a:ext>
-          </a:extLst>
-        </p:spPr>
-      </p:pic>
-    </p:spTree>
-    <p:extLst>
-      <p:ext uri="{BB962C8B-B14F-4D97-AF65-F5344CB8AC3E}">
-        <p14:creationId xmlns:p14="http://schemas.microsoft.com/office/powerpoint/2010/main" val="2256061372"/>
       </p:ext>
     </p:extLst>
   </p:cSld>
@@ -6779,9 +6702,12 @@
           <a:bodyPr/>
           <a:lstStyle/>
           <a:p>
-            <a:r>
-              <a:rPr lang="de-CH" dirty="0" smtClean="0"/>
-              <a:t>Technologien: JavaScript, Ruby</a:t>
+            <a:endParaRPr lang="de-CH" dirty="0" smtClean="0"/>
+          </a:p>
+          <a:p>
+            <a:r>
+              <a:rPr lang="de-CH" dirty="0" smtClean="0"/>
+              <a:t>Entwicklung von Web-Apps mit HW-Beschleunigung</a:t>
             </a:r>
           </a:p>
           <a:p>
@@ -6790,7 +6716,7 @@
           <a:p>
             <a:r>
               <a:rPr lang="de-CH" dirty="0" smtClean="0"/>
-              <a:t>Funktioniert mit MVC (Model View Controller)</a:t>
+              <a:t>Hauptsächlich für Apple-Devices</a:t>
             </a:r>
           </a:p>
           <a:p>
@@ -6799,7 +6725,19 @@
           <a:p>
             <a:r>
               <a:rPr lang="de-CH" dirty="0" smtClean="0"/>
-              <a:t>Building erzeugt Web-Dateien</a:t>
+              <a:t>Apple Look </a:t>
+            </a:r>
+            <a:r>
+              <a:rPr lang="de-CH" dirty="0" err="1" smtClean="0"/>
+              <a:t>and</a:t>
+            </a:r>
+            <a:r>
+              <a:rPr lang="de-CH" dirty="0" smtClean="0"/>
+              <a:t> </a:t>
+            </a:r>
+            <a:r>
+              <a:rPr lang="de-CH" dirty="0" err="1" smtClean="0"/>
+              <a:t>Feel</a:t>
             </a:r>
             <a:endParaRPr lang="de-CH" dirty="0"/>
           </a:p>
@@ -6848,53 +6786,14 @@
       </p:pic>
       <p:pic>
         <p:nvPicPr>
-          <p:cNvPr id="4099" name="Picture 3" descr="F:\Schule\HSZ-T\3. Jahr\Handheld\Semesterarbeit\Handheld_Repo\Media\Sproutcore Touch\warning.JPG"/>
-          <p:cNvPicPr>
-            <a:picLocks noChangeAspect="1" noChangeArrowheads="1"/>
-          </p:cNvPicPr>
-          <p:nvPr/>
-        </p:nvPicPr>
-        <p:blipFill rotWithShape="1">
-          <a:blip r:embed="rId4">
-            <a:extLst>
-              <a:ext uri="{28A0092B-C50C-407E-A947-70E740481C1C}">
-                <a14:useLocalDpi xmlns:a14="http://schemas.microsoft.com/office/drawing/2010/main" val="0"/>
-              </a:ext>
-            </a:extLst>
-          </a:blip>
-          <a:srcRect l="12313" t="6753" r="13087" b="15035"/>
-          <a:stretch/>
-        </p:blipFill>
-        <p:spPr bwMode="auto">
-          <a:xfrm>
-            <a:off x="5947412" y="3896990"/>
-            <a:ext cx="531494" cy="512647"/>
-          </a:xfrm>
-          <a:prstGeom prst="rect">
-            <a:avLst/>
-          </a:prstGeom>
-          <a:noFill/>
-          <a:extLst>
-            <a:ext uri="{909E8E84-426E-40DD-AFC4-6F175D3DCCD1}">
-              <a14:hiddenFill xmlns:a14="http://schemas.microsoft.com/office/drawing/2010/main">
-                <a:solidFill>
-                  <a:srgbClr val="FFFFFF"/>
-                </a:solidFill>
-              </a14:hiddenFill>
-            </a:ext>
-          </a:extLst>
-        </p:spPr>
-      </p:pic>
-      <p:pic>
-        <p:nvPicPr>
-          <p:cNvPr id="4100" name="Picture 4" descr="F:\Schule\HSZ-T\3. Jahr\Handheld\Semesterarbeit\Handheld_Repo\Media\Sproutcore Touch\the future.JPG"/>
+          <p:cNvPr id="3074" name="Picture 2" descr="F:\Schule\HSZ-T\3. Jahr\Handheld\Semesterarbeit\Handheld_Repo\Media\Sproutcore Touch\guides2.JPG"/>
           <p:cNvPicPr>
             <a:picLocks noChangeAspect="1" noChangeArrowheads="1"/>
           </p:cNvPicPr>
           <p:nvPr/>
         </p:nvPicPr>
         <p:blipFill>
-          <a:blip r:embed="rId5">
+          <a:blip r:embed="rId4">
             <a:extLst>
               <a:ext uri="{28A0092B-C50C-407E-A947-70E740481C1C}">
                 <a14:useLocalDpi xmlns:a14="http://schemas.microsoft.com/office/drawing/2010/main" val="0"/>
@@ -6908,8 +6807,8 @@
         </p:blipFill>
         <p:spPr bwMode="auto">
           <a:xfrm>
-            <a:off x="2962700" y="4506019"/>
-            <a:ext cx="2984712" cy="2079773"/>
+            <a:off x="7650114" y="5445224"/>
+            <a:ext cx="971650" cy="1095315"/>
           </a:xfrm>
           <a:prstGeom prst="rect">
             <a:avLst/>
@@ -6929,7 +6828,7 @@
     </p:spTree>
     <p:extLst>
       <p:ext uri="{BB962C8B-B14F-4D97-AF65-F5344CB8AC3E}">
-        <p14:creationId xmlns:p14="http://schemas.microsoft.com/office/powerpoint/2010/main" val="2316750932"/>
+        <p14:creationId xmlns:p14="http://schemas.microsoft.com/office/powerpoint/2010/main" val="2256061372"/>
       </p:ext>
     </p:extLst>
   </p:cSld>
@@ -7017,6 +6916,430 @@
           </a:p>
         </p:txBody>
       </p:sp>
+      <p:sp>
+        <p:nvSpPr>
+          <p:cNvPr id="3" name="Inhaltsplatzhalter 2"/>
+          <p:cNvSpPr>
+            <a:spLocks noGrp="1"/>
+          </p:cNvSpPr>
+          <p:nvPr>
+            <p:ph idx="1"/>
+          </p:nvPr>
+        </p:nvSpPr>
+        <p:spPr/>
+        <p:txBody>
+          <a:bodyPr/>
+          <a:lstStyle/>
+          <a:p>
+            <a:r>
+              <a:rPr lang="de-CH" dirty="0" smtClean="0"/>
+              <a:t>Technologien: JavaScript, Ruby</a:t>
+            </a:r>
+          </a:p>
+          <a:p>
+            <a:endParaRPr lang="de-CH" dirty="0"/>
+          </a:p>
+          <a:p>
+            <a:r>
+              <a:rPr lang="de-CH" dirty="0" smtClean="0"/>
+              <a:t>Funktioniert mit MVC (Model View Controller)</a:t>
+            </a:r>
+          </a:p>
+          <a:p>
+            <a:endParaRPr lang="de-CH" dirty="0"/>
+          </a:p>
+          <a:p>
+            <a:r>
+              <a:rPr lang="de-CH" dirty="0" smtClean="0"/>
+              <a:t>Building erzeugt Web-Dateien</a:t>
+            </a:r>
+            <a:endParaRPr lang="de-CH" dirty="0"/>
+          </a:p>
+        </p:txBody>
+      </p:sp>
+      <p:pic>
+        <p:nvPicPr>
+          <p:cNvPr id="7170" name="Picture 2" descr="F:\Schule\HSZ-T\3. Jahr\Handheld\Semesterarbeit\Handheld_Repo\Media\Sproutcore Touch\Sproutcore_logo.JPG"/>
+          <p:cNvPicPr>
+            <a:picLocks noChangeAspect="1" noChangeArrowheads="1"/>
+          </p:cNvPicPr>
+          <p:nvPr/>
+        </p:nvPicPr>
+        <p:blipFill>
+          <a:blip r:embed="rId3">
+            <a:extLst>
+              <a:ext uri="{28A0092B-C50C-407E-A947-70E740481C1C}">
+                <a14:useLocalDpi xmlns:a14="http://schemas.microsoft.com/office/drawing/2010/main" val="0"/>
+              </a:ext>
+            </a:extLst>
+          </a:blip>
+          <a:srcRect/>
+          <a:stretch>
+            <a:fillRect/>
+          </a:stretch>
+        </p:blipFill>
+        <p:spPr bwMode="auto">
+          <a:xfrm>
+            <a:off x="179512" y="404664"/>
+            <a:ext cx="3916994" cy="756692"/>
+          </a:xfrm>
+          <a:prstGeom prst="rect">
+            <a:avLst/>
+          </a:prstGeom>
+          <a:noFill/>
+          <a:extLst>
+            <a:ext uri="{909E8E84-426E-40DD-AFC4-6F175D3DCCD1}">
+              <a14:hiddenFill xmlns:a14="http://schemas.microsoft.com/office/drawing/2010/main">
+                <a:solidFill>
+                  <a:srgbClr val="FFFFFF"/>
+                </a:solidFill>
+              </a14:hiddenFill>
+            </a:ext>
+          </a:extLst>
+        </p:spPr>
+      </p:pic>
+      <p:pic>
+        <p:nvPicPr>
+          <p:cNvPr id="4099" name="Picture 3" descr="F:\Schule\HSZ-T\3. Jahr\Handheld\Semesterarbeit\Handheld_Repo\Media\Sproutcore Touch\warning.JPG"/>
+          <p:cNvPicPr>
+            <a:picLocks noChangeAspect="1" noChangeArrowheads="1"/>
+          </p:cNvPicPr>
+          <p:nvPr/>
+        </p:nvPicPr>
+        <p:blipFill rotWithShape="1">
+          <a:blip r:embed="rId4">
+            <a:extLst>
+              <a:ext uri="{28A0092B-C50C-407E-A947-70E740481C1C}">
+                <a14:useLocalDpi xmlns:a14="http://schemas.microsoft.com/office/drawing/2010/main" val="0"/>
+              </a:ext>
+            </a:extLst>
+          </a:blip>
+          <a:srcRect l="12313" t="6753" r="13087" b="15035"/>
+          <a:stretch/>
+        </p:blipFill>
+        <p:spPr bwMode="auto">
+          <a:xfrm>
+            <a:off x="5947412" y="3896990"/>
+            <a:ext cx="531494" cy="512647"/>
+          </a:xfrm>
+          <a:prstGeom prst="rect">
+            <a:avLst/>
+          </a:prstGeom>
+          <a:noFill/>
+          <a:extLst>
+            <a:ext uri="{909E8E84-426E-40DD-AFC4-6F175D3DCCD1}">
+              <a14:hiddenFill xmlns:a14="http://schemas.microsoft.com/office/drawing/2010/main">
+                <a:solidFill>
+                  <a:srgbClr val="FFFFFF"/>
+                </a:solidFill>
+              </a14:hiddenFill>
+            </a:ext>
+          </a:extLst>
+        </p:spPr>
+      </p:pic>
+      <p:pic>
+        <p:nvPicPr>
+          <p:cNvPr id="4100" name="Picture 4" descr="F:\Schule\HSZ-T\3. Jahr\Handheld\Semesterarbeit\Handheld_Repo\Media\Sproutcore Touch\the future.JPG"/>
+          <p:cNvPicPr>
+            <a:picLocks noChangeAspect="1" noChangeArrowheads="1"/>
+          </p:cNvPicPr>
+          <p:nvPr/>
+        </p:nvPicPr>
+        <p:blipFill>
+          <a:blip r:embed="rId5">
+            <a:extLst>
+              <a:ext uri="{28A0092B-C50C-407E-A947-70E740481C1C}">
+                <a14:useLocalDpi xmlns:a14="http://schemas.microsoft.com/office/drawing/2010/main" val="0"/>
+              </a:ext>
+            </a:extLst>
+          </a:blip>
+          <a:srcRect/>
+          <a:stretch>
+            <a:fillRect/>
+          </a:stretch>
+        </p:blipFill>
+        <p:spPr bwMode="auto">
+          <a:xfrm>
+            <a:off x="2962700" y="4506019"/>
+            <a:ext cx="2984712" cy="2079773"/>
+          </a:xfrm>
+          <a:prstGeom prst="rect">
+            <a:avLst/>
+          </a:prstGeom>
+          <a:noFill/>
+          <a:extLst>
+            <a:ext uri="{909E8E84-426E-40DD-AFC4-6F175D3DCCD1}">
+              <a14:hiddenFill xmlns:a14="http://schemas.microsoft.com/office/drawing/2010/main">
+                <a:solidFill>
+                  <a:srgbClr val="FFFFFF"/>
+                </a:solidFill>
+              </a14:hiddenFill>
+            </a:ext>
+          </a:extLst>
+        </p:spPr>
+      </p:pic>
+    </p:spTree>
+    <p:extLst>
+      <p:ext uri="{BB962C8B-B14F-4D97-AF65-F5344CB8AC3E}">
+        <p14:creationId xmlns:p14="http://schemas.microsoft.com/office/powerpoint/2010/main" val="2316750932"/>
+      </p:ext>
+    </p:extLst>
+  </p:cSld>
+  <p:clrMapOvr>
+    <a:masterClrMapping/>
+  </p:clrMapOvr>
+  <p:timing>
+    <p:tnLst>
+      <p:par>
+        <p:cTn id="1" dur="indefinite" restart="never" nodeType="tmRoot"/>
+      </p:par>
+    </p:tnLst>
+  </p:timing>
+</p:sld>
+</file>
+
+<file path=ppt/slides/slide2.xml><?xml version="1.0" encoding="utf-8"?>
+<p:sld xmlns:a="http://schemas.openxmlformats.org/drawingml/2006/main" xmlns:r="http://schemas.openxmlformats.org/officeDocument/2006/relationships" xmlns:p="http://schemas.openxmlformats.org/presentationml/2006/main">
+  <p:cSld>
+    <p:spTree>
+      <p:nvGrpSpPr>
+        <p:cNvPr id="1" name=""/>
+        <p:cNvGrpSpPr/>
+        <p:nvPr/>
+      </p:nvGrpSpPr>
+      <p:grpSpPr>
+        <a:xfrm>
+          <a:off x="0" y="0"/>
+          <a:ext cx="0" cy="0"/>
+          <a:chOff x="0" y="0"/>
+          <a:chExt cx="0" cy="0"/>
+        </a:xfrm>
+      </p:grpSpPr>
+      <p:sp>
+        <p:nvSpPr>
+          <p:cNvPr id="2" name="Titel 1"/>
+          <p:cNvSpPr>
+            <a:spLocks noGrp="1"/>
+          </p:cNvSpPr>
+          <p:nvPr>
+            <p:ph type="title"/>
+          </p:nvPr>
+        </p:nvSpPr>
+        <p:spPr/>
+        <p:txBody>
+          <a:bodyPr/>
+          <a:lstStyle/>
+          <a:p>
+            <a:r>
+              <a:rPr lang="de-CH" dirty="0" smtClean="0"/>
+              <a:t>Inhalt</a:t>
+            </a:r>
+            <a:endParaRPr lang="de-CH" dirty="0"/>
+          </a:p>
+        </p:txBody>
+      </p:sp>
+      <p:sp>
+        <p:nvSpPr>
+          <p:cNvPr id="3" name="Inhaltsplatzhalter 2"/>
+          <p:cNvSpPr>
+            <a:spLocks noGrp="1"/>
+          </p:cNvSpPr>
+          <p:nvPr>
+            <p:ph idx="1"/>
+          </p:nvPr>
+        </p:nvSpPr>
+        <p:spPr/>
+        <p:txBody>
+          <a:bodyPr/>
+          <a:lstStyle/>
+          <a:p>
+            <a:endParaRPr lang="de-CH" dirty="0" smtClean="0"/>
+          </a:p>
+          <a:p>
+            <a:r>
+              <a:rPr lang="de-CH" dirty="0" smtClean="0"/>
+              <a:t>Evaluation </a:t>
+            </a:r>
+            <a:r>
+              <a:rPr lang="de-CH" dirty="0" smtClean="0"/>
+              <a:t>der Frameworks</a:t>
+            </a:r>
+          </a:p>
+          <a:p>
+            <a:pPr lvl="1"/>
+            <a:r>
+              <a:rPr lang="de-CH" dirty="0" smtClean="0"/>
+              <a:t>Kriterien</a:t>
+            </a:r>
+          </a:p>
+          <a:p>
+            <a:pPr lvl="1"/>
+            <a:r>
+              <a:rPr lang="de-CH" dirty="0" smtClean="0"/>
+              <a:t>Short 5 Evaluation: </a:t>
+            </a:r>
+            <a:r>
+              <a:rPr lang="de-CH" dirty="0" err="1" smtClean="0"/>
+              <a:t>jQPad</a:t>
+            </a:r>
+            <a:r>
+              <a:rPr lang="de-CH" dirty="0" smtClean="0"/>
+              <a:t>, XUI, </a:t>
+            </a:r>
+            <a:r>
+              <a:rPr lang="de-CH" dirty="0" err="1" smtClean="0"/>
+              <a:t>iWebKit</a:t>
+            </a:r>
+            <a:r>
+              <a:rPr lang="de-CH" dirty="0" smtClean="0"/>
+              <a:t>, </a:t>
+            </a:r>
+            <a:r>
+              <a:rPr lang="de-CH" dirty="0" err="1" smtClean="0"/>
+              <a:t>iUI</a:t>
+            </a:r>
+            <a:r>
+              <a:rPr lang="de-CH" dirty="0" smtClean="0"/>
+              <a:t>, Rhodes</a:t>
+            </a:r>
+          </a:p>
+          <a:p>
+            <a:pPr lvl="1"/>
+            <a:r>
+              <a:rPr lang="de-CH" dirty="0" smtClean="0"/>
+              <a:t>Evaluation: </a:t>
+            </a:r>
+            <a:r>
+              <a:rPr lang="de-CH" dirty="0" err="1" smtClean="0"/>
+              <a:t>Appcelerator</a:t>
+            </a:r>
+            <a:r>
+              <a:rPr lang="de-CH" dirty="0" smtClean="0"/>
+              <a:t> </a:t>
+            </a:r>
+            <a:r>
+              <a:rPr lang="de-CH" dirty="0" err="1" smtClean="0"/>
+              <a:t>Titanium</a:t>
+            </a:r>
+            <a:r>
+              <a:rPr lang="de-CH" dirty="0" smtClean="0"/>
+              <a:t>, Sproutcore Touch, </a:t>
+            </a:r>
+            <a:r>
+              <a:rPr lang="de-CH" dirty="0" err="1" smtClean="0"/>
+              <a:t>Sencha</a:t>
+            </a:r>
+            <a:r>
+              <a:rPr lang="de-CH" dirty="0" smtClean="0"/>
+              <a:t> Touch, </a:t>
+            </a:r>
+            <a:r>
+              <a:rPr lang="de-CH" dirty="0" err="1" smtClean="0"/>
+              <a:t>jQuery</a:t>
+            </a:r>
+            <a:r>
+              <a:rPr lang="de-CH" dirty="0" smtClean="0"/>
+              <a:t> Mobile, </a:t>
+            </a:r>
+            <a:r>
+              <a:rPr lang="de-CH" dirty="0" smtClean="0"/>
+              <a:t>PhoneGap</a:t>
+            </a:r>
+            <a:endParaRPr lang="de-CH" dirty="0" smtClean="0"/>
+          </a:p>
+        </p:txBody>
+      </p:sp>
+    </p:spTree>
+    <p:extLst>
+      <p:ext uri="{BB962C8B-B14F-4D97-AF65-F5344CB8AC3E}">
+        <p14:creationId xmlns:p14="http://schemas.microsoft.com/office/powerpoint/2010/main" val="984183737"/>
+      </p:ext>
+    </p:extLst>
+  </p:cSld>
+  <p:clrMapOvr>
+    <a:masterClrMapping/>
+  </p:clrMapOvr>
+  <p:timing>
+    <p:tnLst>
+      <p:par>
+        <p:cTn id="1" dur="indefinite" restart="never" nodeType="tmRoot"/>
+      </p:par>
+    </p:tnLst>
+  </p:timing>
+</p:sld>
+</file>
+
+<file path=ppt/slides/slide20.xml><?xml version="1.0" encoding="utf-8"?>
+<p:sld xmlns:a="http://schemas.openxmlformats.org/drawingml/2006/main" xmlns:r="http://schemas.openxmlformats.org/officeDocument/2006/relationships" xmlns:p="http://schemas.openxmlformats.org/presentationml/2006/main">
+  <p:cSld>
+    <p:bg>
+      <p:bgPr>
+        <a:gradFill flip="none" rotWithShape="1">
+          <a:gsLst>
+            <a:gs pos="0">
+              <a:srgbClr val="69A12B"/>
+            </a:gs>
+            <a:gs pos="50000">
+              <a:schemeClr val="accent1">
+                <a:tint val="44500"/>
+                <a:satMod val="160000"/>
+              </a:schemeClr>
+            </a:gs>
+            <a:gs pos="100000">
+              <a:schemeClr val="accent1">
+                <a:tint val="23500"/>
+                <a:satMod val="160000"/>
+              </a:schemeClr>
+            </a:gs>
+          </a:gsLst>
+          <a:lin ang="5400000" scaled="0"/>
+          <a:tileRect/>
+        </a:gradFill>
+        <a:effectLst/>
+      </p:bgPr>
+    </p:bg>
+    <p:spTree>
+      <p:nvGrpSpPr>
+        <p:cNvPr id="1" name=""/>
+        <p:cNvGrpSpPr/>
+        <p:nvPr/>
+      </p:nvGrpSpPr>
+      <p:grpSpPr>
+        <a:xfrm>
+          <a:off x="0" y="0"/>
+          <a:ext cx="0" cy="0"/>
+          <a:chOff x="0" y="0"/>
+          <a:chExt cx="0" cy="0"/>
+        </a:xfrm>
+      </p:grpSpPr>
+      <p:sp>
+        <p:nvSpPr>
+          <p:cNvPr id="2" name="Titel 1"/>
+          <p:cNvSpPr>
+            <a:spLocks noGrp="1"/>
+          </p:cNvSpPr>
+          <p:nvPr>
+            <p:ph type="title"/>
+          </p:nvPr>
+        </p:nvSpPr>
+        <p:spPr>
+          <a:xfrm>
+            <a:off x="3635896" y="274638"/>
+            <a:ext cx="5050903" cy="1143000"/>
+          </a:xfrm>
+        </p:spPr>
+        <p:txBody>
+          <a:bodyPr/>
+          <a:lstStyle/>
+          <a:p>
+            <a:r>
+              <a:rPr lang="de-CH" dirty="0" smtClean="0"/>
+              <a:t>Sproutcore Touch</a:t>
+            </a:r>
+            <a:endParaRPr lang="de-CH" dirty="0"/>
+          </a:p>
+        </p:txBody>
+      </p:sp>
       <p:graphicFrame>
         <p:nvGraphicFramePr>
           <p:cNvPr id="4" name="Inhaltsplatzhalter 3"/>
@@ -7904,447 +8227,6 @@
     <p:extLst>
       <p:ext uri="{BB962C8B-B14F-4D97-AF65-F5344CB8AC3E}">
         <p14:creationId xmlns:p14="http://schemas.microsoft.com/office/powerpoint/2010/main" val="1235916774"/>
-      </p:ext>
-    </p:extLst>
-  </p:cSld>
-  <p:clrMapOvr>
-    <a:masterClrMapping/>
-  </p:clrMapOvr>
-  <p:timing>
-    <p:tnLst>
-      <p:par>
-        <p:cTn id="1" dur="indefinite" restart="never" nodeType="tmRoot"/>
-      </p:par>
-    </p:tnLst>
-  </p:timing>
-</p:sld>
-</file>
-
-<file path=ppt/slides/slide2.xml><?xml version="1.0" encoding="utf-8"?>
-<p:sld xmlns:a="http://schemas.openxmlformats.org/drawingml/2006/main" xmlns:r="http://schemas.openxmlformats.org/officeDocument/2006/relationships" xmlns:p="http://schemas.openxmlformats.org/presentationml/2006/main">
-  <p:cSld>
-    <p:spTree>
-      <p:nvGrpSpPr>
-        <p:cNvPr id="1" name=""/>
-        <p:cNvGrpSpPr/>
-        <p:nvPr/>
-      </p:nvGrpSpPr>
-      <p:grpSpPr>
-        <a:xfrm>
-          <a:off x="0" y="0"/>
-          <a:ext cx="0" cy="0"/>
-          <a:chOff x="0" y="0"/>
-          <a:chExt cx="0" cy="0"/>
-        </a:xfrm>
-      </p:grpSpPr>
-      <p:sp>
-        <p:nvSpPr>
-          <p:cNvPr id="2" name="Titel 1"/>
-          <p:cNvSpPr>
-            <a:spLocks noGrp="1"/>
-          </p:cNvSpPr>
-          <p:nvPr>
-            <p:ph type="title"/>
-          </p:nvPr>
-        </p:nvSpPr>
-        <p:spPr/>
-        <p:txBody>
-          <a:bodyPr/>
-          <a:lstStyle/>
-          <a:p>
-            <a:r>
-              <a:rPr lang="de-CH" dirty="0" smtClean="0"/>
-              <a:t>Inhalt</a:t>
-            </a:r>
-            <a:endParaRPr lang="de-CH" dirty="0"/>
-          </a:p>
-        </p:txBody>
-      </p:sp>
-      <p:sp>
-        <p:nvSpPr>
-          <p:cNvPr id="3" name="Inhaltsplatzhalter 2"/>
-          <p:cNvSpPr>
-            <a:spLocks noGrp="1"/>
-          </p:cNvSpPr>
-          <p:nvPr>
-            <p:ph idx="1"/>
-          </p:nvPr>
-        </p:nvSpPr>
-        <p:spPr/>
-        <p:txBody>
-          <a:bodyPr/>
-          <a:lstStyle/>
-          <a:p>
-            <a:r>
-              <a:rPr lang="de-CH" dirty="0" smtClean="0"/>
-              <a:t>Evaluation der Frameworks</a:t>
-            </a:r>
-          </a:p>
-          <a:p>
-            <a:pPr lvl="1"/>
-            <a:r>
-              <a:rPr lang="de-CH" dirty="0" smtClean="0"/>
-              <a:t>Kriterien</a:t>
-            </a:r>
-          </a:p>
-          <a:p>
-            <a:pPr lvl="1"/>
-            <a:r>
-              <a:rPr lang="de-CH" dirty="0" smtClean="0"/>
-              <a:t>Short 5 Evaluation: </a:t>
-            </a:r>
-            <a:r>
-              <a:rPr lang="de-CH" dirty="0" err="1" smtClean="0"/>
-              <a:t>jQPad</a:t>
-            </a:r>
-            <a:r>
-              <a:rPr lang="de-CH" dirty="0" smtClean="0"/>
-              <a:t>, XUI, </a:t>
-            </a:r>
-            <a:r>
-              <a:rPr lang="de-CH" dirty="0" err="1" smtClean="0"/>
-              <a:t>iWebKit</a:t>
-            </a:r>
-            <a:r>
-              <a:rPr lang="de-CH" dirty="0" smtClean="0"/>
-              <a:t>, </a:t>
-            </a:r>
-            <a:r>
-              <a:rPr lang="de-CH" dirty="0" err="1" smtClean="0"/>
-              <a:t>iUI</a:t>
-            </a:r>
-            <a:r>
-              <a:rPr lang="de-CH" dirty="0" smtClean="0"/>
-              <a:t>, Rhodes</a:t>
-            </a:r>
-          </a:p>
-          <a:p>
-            <a:pPr lvl="1"/>
-            <a:r>
-              <a:rPr lang="de-CH" dirty="0" smtClean="0"/>
-              <a:t>Evaluation: </a:t>
-            </a:r>
-            <a:r>
-              <a:rPr lang="de-CH" dirty="0" err="1" smtClean="0"/>
-              <a:t>Appcelerator</a:t>
-            </a:r>
-            <a:r>
-              <a:rPr lang="de-CH" dirty="0" smtClean="0"/>
-              <a:t> </a:t>
-            </a:r>
-            <a:r>
-              <a:rPr lang="de-CH" dirty="0" err="1" smtClean="0"/>
-              <a:t>Titanium</a:t>
-            </a:r>
-            <a:r>
-              <a:rPr lang="de-CH" dirty="0" smtClean="0"/>
-              <a:t>, Sproutcore Touch, </a:t>
-            </a:r>
-            <a:r>
-              <a:rPr lang="de-CH" dirty="0" err="1" smtClean="0"/>
-              <a:t>Sencha</a:t>
-            </a:r>
-            <a:r>
-              <a:rPr lang="de-CH" dirty="0" smtClean="0"/>
-              <a:t> Touch, </a:t>
-            </a:r>
-            <a:r>
-              <a:rPr lang="de-CH" dirty="0" err="1" smtClean="0"/>
-              <a:t>jQuery</a:t>
-            </a:r>
-            <a:r>
-              <a:rPr lang="de-CH" dirty="0" smtClean="0"/>
-              <a:t> Mobile, </a:t>
-            </a:r>
-            <a:r>
-              <a:rPr lang="de-CH" dirty="0" err="1" smtClean="0"/>
-              <a:t>Phonegap</a:t>
-            </a:r>
-            <a:endParaRPr lang="de-CH" dirty="0" smtClean="0"/>
-          </a:p>
-          <a:p>
-            <a:r>
-              <a:rPr lang="de-CH" dirty="0" smtClean="0"/>
-              <a:t>Lupen-App</a:t>
-            </a:r>
-          </a:p>
-          <a:p>
-            <a:pPr lvl="1"/>
-            <a:r>
-              <a:rPr lang="de-CH" dirty="0" smtClean="0"/>
-              <a:t>???</a:t>
-            </a:r>
-            <a:endParaRPr lang="de-CH" dirty="0"/>
-          </a:p>
-        </p:txBody>
-      </p:sp>
-    </p:spTree>
-    <p:extLst>
-      <p:ext uri="{BB962C8B-B14F-4D97-AF65-F5344CB8AC3E}">
-        <p14:creationId xmlns:p14="http://schemas.microsoft.com/office/powerpoint/2010/main" val="984183737"/>
-      </p:ext>
-    </p:extLst>
-  </p:cSld>
-  <p:clrMapOvr>
-    <a:masterClrMapping/>
-  </p:clrMapOvr>
-  <p:timing>
-    <p:tnLst>
-      <p:par>
-        <p:cTn id="1" dur="indefinite" restart="never" nodeType="tmRoot"/>
-      </p:par>
-    </p:tnLst>
-  </p:timing>
-</p:sld>
-</file>
-
-<file path=ppt/slides/slide20.xml><?xml version="1.0" encoding="utf-8"?>
-<p:sld xmlns:a="http://schemas.openxmlformats.org/drawingml/2006/main" xmlns:r="http://schemas.openxmlformats.org/officeDocument/2006/relationships" xmlns:p="http://schemas.openxmlformats.org/presentationml/2006/main">
-  <p:cSld>
-    <p:bg>
-      <p:bgPr>
-        <a:gradFill flip="none" rotWithShape="1">
-          <a:gsLst>
-            <a:gs pos="0">
-              <a:srgbClr val="92D050"/>
-            </a:gs>
-            <a:gs pos="50000">
-              <a:schemeClr val="accent1">
-                <a:tint val="44500"/>
-                <a:satMod val="160000"/>
-              </a:schemeClr>
-            </a:gs>
-            <a:gs pos="100000">
-              <a:schemeClr val="accent1">
-                <a:tint val="23500"/>
-                <a:satMod val="160000"/>
-              </a:schemeClr>
-            </a:gs>
-          </a:gsLst>
-          <a:lin ang="5400000" scaled="0"/>
-          <a:tileRect/>
-        </a:gradFill>
-        <a:effectLst/>
-      </p:bgPr>
-    </p:bg>
-    <p:spTree>
-      <p:nvGrpSpPr>
-        <p:cNvPr id="1" name=""/>
-        <p:cNvGrpSpPr/>
-        <p:nvPr/>
-      </p:nvGrpSpPr>
-      <p:grpSpPr>
-        <a:xfrm>
-          <a:off x="0" y="0"/>
-          <a:ext cx="0" cy="0"/>
-          <a:chOff x="0" y="0"/>
-          <a:chExt cx="0" cy="0"/>
-        </a:xfrm>
-      </p:grpSpPr>
-      <p:sp>
-        <p:nvSpPr>
-          <p:cNvPr id="2" name="Titel 1"/>
-          <p:cNvSpPr>
-            <a:spLocks noGrp="1"/>
-          </p:cNvSpPr>
-          <p:nvPr>
-            <p:ph type="title"/>
-          </p:nvPr>
-        </p:nvSpPr>
-        <p:spPr>
-          <a:xfrm>
-            <a:off x="3419872" y="274638"/>
-            <a:ext cx="5266928" cy="1143000"/>
-          </a:xfrm>
-        </p:spPr>
-        <p:txBody>
-          <a:bodyPr/>
-          <a:lstStyle/>
-          <a:p>
-            <a:r>
-              <a:rPr lang="de-CH" dirty="0" err="1" smtClean="0"/>
-              <a:t>Sencha</a:t>
-            </a:r>
-            <a:r>
-              <a:rPr lang="de-CH" dirty="0" smtClean="0"/>
-              <a:t> Touch</a:t>
-            </a:r>
-            <a:endParaRPr lang="de-CH" dirty="0"/>
-          </a:p>
-        </p:txBody>
-      </p:sp>
-      <p:sp>
-        <p:nvSpPr>
-          <p:cNvPr id="3" name="Inhaltsplatzhalter 2"/>
-          <p:cNvSpPr>
-            <a:spLocks noGrp="1"/>
-          </p:cNvSpPr>
-          <p:nvPr>
-            <p:ph idx="1"/>
-          </p:nvPr>
-        </p:nvSpPr>
-        <p:spPr/>
-        <p:txBody>
-          <a:bodyPr/>
-          <a:lstStyle/>
-          <a:p>
-            <a:r>
-              <a:rPr lang="de-CH" dirty="0"/>
-              <a:t>Entwicklung von mobilen, </a:t>
-            </a:r>
-            <a:r>
-              <a:rPr lang="de-CH" dirty="0" err="1"/>
-              <a:t>Tablet</a:t>
-            </a:r>
-            <a:r>
-              <a:rPr lang="de-CH" dirty="0"/>
-              <a:t>-  und Desktop Apps</a:t>
-            </a:r>
-          </a:p>
-          <a:p>
-            <a:endParaRPr lang="de-CH" dirty="0"/>
-          </a:p>
-          <a:p>
-            <a:r>
-              <a:rPr lang="de-CH" dirty="0" smtClean="0"/>
-              <a:t>Unterstützt: </a:t>
-            </a:r>
-            <a:r>
-              <a:rPr lang="de-CH" dirty="0" err="1" smtClean="0"/>
-              <a:t>iOS</a:t>
-            </a:r>
-            <a:r>
-              <a:rPr lang="de-CH" dirty="0" smtClean="0"/>
-              <a:t>, </a:t>
-            </a:r>
-            <a:r>
-              <a:rPr lang="de-CH" dirty="0" err="1" smtClean="0"/>
-              <a:t>Android</a:t>
-            </a:r>
-            <a:r>
-              <a:rPr lang="de-CH" dirty="0" smtClean="0"/>
-              <a:t>, </a:t>
-            </a:r>
-            <a:r>
-              <a:rPr lang="de-CH" dirty="0" err="1" smtClean="0"/>
-              <a:t>BlackBerry</a:t>
-            </a:r>
-            <a:r>
-              <a:rPr lang="de-CH" dirty="0" smtClean="0"/>
-              <a:t>, </a:t>
-            </a:r>
-            <a:r>
-              <a:rPr lang="de-CH" dirty="0" err="1" smtClean="0"/>
-              <a:t>Kindle</a:t>
-            </a:r>
-            <a:r>
-              <a:rPr lang="de-CH" dirty="0" smtClean="0"/>
-              <a:t> </a:t>
-            </a:r>
-            <a:r>
-              <a:rPr lang="de-CH" dirty="0" err="1" smtClean="0"/>
-              <a:t>Fire</a:t>
-            </a:r>
-            <a:endParaRPr lang="de-CH" dirty="0" smtClean="0"/>
-          </a:p>
-          <a:p>
-            <a:endParaRPr lang="de-CH" dirty="0"/>
-          </a:p>
-          <a:p>
-            <a:r>
-              <a:rPr lang="de-CH" dirty="0" smtClean="0"/>
-              <a:t>Open Source, kostenpflichtige OEM Version erhältlich</a:t>
-            </a:r>
-            <a:endParaRPr lang="de-CH" dirty="0"/>
-          </a:p>
-        </p:txBody>
-      </p:sp>
-      <p:pic>
-        <p:nvPicPr>
-          <p:cNvPr id="8194" name="Picture 2" descr="F:\Schule\HSZ-T\3. Jahr\Handheld\Semesterarbeit\Handheld_Repo\Media\Sencha Touch\sencha_touch_logo.JPG"/>
-          <p:cNvPicPr>
-            <a:picLocks noChangeAspect="1" noChangeArrowheads="1"/>
-          </p:cNvPicPr>
-          <p:nvPr/>
-        </p:nvPicPr>
-        <p:blipFill>
-          <a:blip r:embed="rId2">
-            <a:extLst>
-              <a:ext uri="{28A0092B-C50C-407E-A947-70E740481C1C}">
-                <a14:useLocalDpi xmlns:a14="http://schemas.microsoft.com/office/drawing/2010/main" val="0"/>
-              </a:ext>
-            </a:extLst>
-          </a:blip>
-          <a:srcRect/>
-          <a:stretch>
-            <a:fillRect/>
-          </a:stretch>
-        </p:blipFill>
-        <p:spPr bwMode="auto">
-          <a:xfrm>
-            <a:off x="251518" y="483005"/>
-            <a:ext cx="4092149" cy="713747"/>
-          </a:xfrm>
-          <a:prstGeom prst="rect">
-            <a:avLst/>
-          </a:prstGeom>
-          <a:noFill/>
-          <a:extLst>
-            <a:ext uri="{909E8E84-426E-40DD-AFC4-6F175D3DCCD1}">
-              <a14:hiddenFill xmlns:a14="http://schemas.microsoft.com/office/drawing/2010/main">
-                <a:solidFill>
-                  <a:srgbClr val="FFFFFF"/>
-                </a:solidFill>
-              </a14:hiddenFill>
-            </a:ext>
-          </a:extLst>
-        </p:spPr>
-      </p:pic>
-      <p:pic>
-        <p:nvPicPr>
-          <p:cNvPr id="1027" name="Picture 3" descr="F:\Schule\HSZ-T\3. Jahr\Handheld\Semesterarbeit\Handheld_Repo\Media\Sencha Touch\Guide3.JPG"/>
-          <p:cNvPicPr>
-            <a:picLocks noChangeAspect="1" noChangeArrowheads="1"/>
-          </p:cNvPicPr>
-          <p:nvPr/>
-        </p:nvPicPr>
-        <p:blipFill>
-          <a:blip r:embed="rId3">
-            <a:extLst>
-              <a:ext uri="{28A0092B-C50C-407E-A947-70E740481C1C}">
-                <a14:useLocalDpi xmlns:a14="http://schemas.microsoft.com/office/drawing/2010/main" val="0"/>
-              </a:ext>
-            </a:extLst>
-          </a:blip>
-          <a:srcRect/>
-          <a:stretch>
-            <a:fillRect/>
-          </a:stretch>
-        </p:blipFill>
-        <p:spPr bwMode="auto">
-          <a:xfrm>
-            <a:off x="6630988" y="5618163"/>
-            <a:ext cx="1333500" cy="990600"/>
-          </a:xfrm>
-          <a:prstGeom prst="rect">
-            <a:avLst/>
-          </a:prstGeom>
-          <a:noFill/>
-          <a:extLst>
-            <a:ext uri="{909E8E84-426E-40DD-AFC4-6F175D3DCCD1}">
-              <a14:hiddenFill xmlns:a14="http://schemas.microsoft.com/office/drawing/2010/main">
-                <a:solidFill>
-                  <a:srgbClr val="FFFFFF"/>
-                </a:solidFill>
-              </a14:hiddenFill>
-            </a:ext>
-          </a:extLst>
-        </p:spPr>
-      </p:pic>
-    </p:spTree>
-    <p:extLst>
-      <p:ext uri="{BB962C8B-B14F-4D97-AF65-F5344CB8AC3E}">
-        <p14:creationId xmlns:p14="http://schemas.microsoft.com/office/powerpoint/2010/main" val="848454096"/>
       </p:ext>
     </p:extLst>
   </p:cSld>
@@ -8453,34 +8335,70 @@
           <a:p>
             <a:r>
               <a:rPr lang="de-CH" dirty="0"/>
-              <a:t>Technologien: </a:t>
-            </a:r>
-            <a:r>
-              <a:rPr lang="de-CH" dirty="0" smtClean="0"/>
-              <a:t>HTML, JavaScript (JSON)</a:t>
-            </a:r>
+              <a:t>Entwicklung von mobilen, </a:t>
+            </a:r>
+            <a:r>
+              <a:rPr lang="de-CH" dirty="0" err="1"/>
+              <a:t>Tablet</a:t>
+            </a:r>
+            <a:r>
+              <a:rPr lang="de-CH" dirty="0"/>
+              <a:t>-  und Desktop Apps</a:t>
+            </a:r>
+          </a:p>
+          <a:p>
             <a:endParaRPr lang="de-CH" dirty="0"/>
           </a:p>
           <a:p>
+            <a:r>
+              <a:rPr lang="de-CH" dirty="0" smtClean="0"/>
+              <a:t>Unterstützt: </a:t>
+            </a:r>
+            <a:r>
+              <a:rPr lang="de-CH" dirty="0" err="1" smtClean="0"/>
+              <a:t>iOS</a:t>
+            </a:r>
+            <a:r>
+              <a:rPr lang="de-CH" dirty="0" smtClean="0"/>
+              <a:t>, </a:t>
+            </a:r>
+            <a:r>
+              <a:rPr lang="de-CH" dirty="0" err="1" smtClean="0"/>
+              <a:t>Android</a:t>
+            </a:r>
+            <a:r>
+              <a:rPr lang="de-CH" dirty="0" smtClean="0"/>
+              <a:t>, </a:t>
+            </a:r>
+            <a:r>
+              <a:rPr lang="de-CH" dirty="0" err="1" smtClean="0"/>
+              <a:t>BlackBerry</a:t>
+            </a:r>
+            <a:r>
+              <a:rPr lang="de-CH" dirty="0" smtClean="0"/>
+              <a:t>, </a:t>
+            </a:r>
+            <a:r>
+              <a:rPr lang="de-CH" dirty="0" err="1" smtClean="0"/>
+              <a:t>Kindle</a:t>
+            </a:r>
+            <a:r>
+              <a:rPr lang="de-CH" dirty="0" smtClean="0"/>
+              <a:t> </a:t>
+            </a:r>
+            <a:r>
+              <a:rPr lang="de-CH" dirty="0" err="1" smtClean="0"/>
+              <a:t>Fire</a:t>
+            </a:r>
+            <a:endParaRPr lang="de-CH" dirty="0" smtClean="0"/>
+          </a:p>
+          <a:p>
             <a:endParaRPr lang="de-CH" dirty="0"/>
           </a:p>
           <a:p>
             <a:r>
-              <a:rPr lang="de-CH" dirty="0"/>
-              <a:t>Funktioniert mit </a:t>
-            </a:r>
-            <a:r>
-              <a:rPr lang="de-CH" dirty="0" smtClean="0"/>
-              <a:t>MVC </a:t>
-            </a:r>
-          </a:p>
-          <a:p>
-            <a:endParaRPr lang="de-CH" dirty="0"/>
-          </a:p>
-          <a:p>
-            <a:r>
-              <a:rPr lang="de-CH" dirty="0" smtClean="0"/>
-              <a:t>Building erzeugt native Apps</a:t>
+              <a:rPr lang="de-CH" dirty="0" smtClean="0"/>
+              <a:t>Open Source, kostenpflichtige OEM Version erhältlich</a:t>
             </a:r>
             <a:endParaRPr lang="de-CH" dirty="0"/>
           </a:p>
@@ -8529,53 +8447,14 @@
       </p:pic>
       <p:pic>
         <p:nvPicPr>
-          <p:cNvPr id="2050" name="Picture 2" descr="F:\Schule\HSZ-T\3. Jahr\Handheld\Semesterarbeit\Handheld_Repo\Media\Sencha Touch\MVC_Architecture.JPG"/>
-          <p:cNvPicPr>
-            <a:picLocks noChangeAspect="1" noChangeArrowheads="1"/>
-          </p:cNvPicPr>
-          <p:nvPr/>
-        </p:nvPicPr>
-        <p:blipFill rotWithShape="1">
-          <a:blip r:embed="rId3">
-            <a:extLst>
-              <a:ext uri="{28A0092B-C50C-407E-A947-70E740481C1C}">
-                <a14:useLocalDpi xmlns:a14="http://schemas.microsoft.com/office/drawing/2010/main" val="0"/>
-              </a:ext>
-            </a:extLst>
-          </a:blip>
-          <a:srcRect l="13116" t="7440" r="7003" b="8261"/>
-          <a:stretch/>
-        </p:blipFill>
-        <p:spPr bwMode="auto">
-          <a:xfrm>
-            <a:off x="4737100" y="2564904"/>
-            <a:ext cx="956734" cy="914400"/>
-          </a:xfrm>
-          <a:prstGeom prst="rect">
-            <a:avLst/>
-          </a:prstGeom>
-          <a:noFill/>
-          <a:extLst>
-            <a:ext uri="{909E8E84-426E-40DD-AFC4-6F175D3DCCD1}">
-              <a14:hiddenFill xmlns:a14="http://schemas.microsoft.com/office/drawing/2010/main">
-                <a:solidFill>
-                  <a:srgbClr val="FFFFFF"/>
-                </a:solidFill>
-              </a14:hiddenFill>
-            </a:ext>
-          </a:extLst>
-        </p:spPr>
-      </p:pic>
-      <p:pic>
-        <p:nvPicPr>
-          <p:cNvPr id="2051" name="Picture 3" descr="F:\Schule\HSZ-T\3. Jahr\Handheld\Semesterarbeit\Handheld_Repo\Media\Sencha Touch\sencha_bar.JPG"/>
+          <p:cNvPr id="1027" name="Picture 3" descr="F:\Schule\HSZ-T\3. Jahr\Handheld\Semesterarbeit\Handheld_Repo\Media\Sencha Touch\Guide3.JPG"/>
           <p:cNvPicPr>
             <a:picLocks noChangeAspect="1" noChangeArrowheads="1"/>
           </p:cNvPicPr>
           <p:nvPr/>
         </p:nvPicPr>
         <p:blipFill>
-          <a:blip r:embed="rId4">
+          <a:blip r:embed="rId3">
             <a:extLst>
               <a:ext uri="{28A0092B-C50C-407E-A947-70E740481C1C}">
                 <a14:useLocalDpi xmlns:a14="http://schemas.microsoft.com/office/drawing/2010/main" val="0"/>
@@ -8589,8 +8468,8 @@
         </p:blipFill>
         <p:spPr bwMode="auto">
           <a:xfrm>
-            <a:off x="2345728" y="5083174"/>
-            <a:ext cx="4782743" cy="1082129"/>
+            <a:off x="6630988" y="5618163"/>
+            <a:ext cx="1333500" cy="990600"/>
           </a:xfrm>
           <a:prstGeom prst="rect">
             <a:avLst/>
@@ -8610,7 +8489,7 @@
     </p:spTree>
     <p:extLst>
       <p:ext uri="{BB962C8B-B14F-4D97-AF65-F5344CB8AC3E}">
-        <p14:creationId xmlns:p14="http://schemas.microsoft.com/office/powerpoint/2010/main" val="3958992079"/>
+        <p14:creationId xmlns:p14="http://schemas.microsoft.com/office/powerpoint/2010/main" val="848454096"/>
       </p:ext>
     </p:extLst>
   </p:cSld>
@@ -8702,6 +8581,272 @@
           </a:p>
         </p:txBody>
       </p:sp>
+      <p:sp>
+        <p:nvSpPr>
+          <p:cNvPr id="3" name="Inhaltsplatzhalter 2"/>
+          <p:cNvSpPr>
+            <a:spLocks noGrp="1"/>
+          </p:cNvSpPr>
+          <p:nvPr>
+            <p:ph idx="1"/>
+          </p:nvPr>
+        </p:nvSpPr>
+        <p:spPr/>
+        <p:txBody>
+          <a:bodyPr/>
+          <a:lstStyle/>
+          <a:p>
+            <a:r>
+              <a:rPr lang="de-CH" dirty="0"/>
+              <a:t>Technologien: </a:t>
+            </a:r>
+            <a:r>
+              <a:rPr lang="de-CH" dirty="0" smtClean="0"/>
+              <a:t>HTML, JavaScript (JSON)</a:t>
+            </a:r>
+            <a:endParaRPr lang="de-CH" dirty="0"/>
+          </a:p>
+          <a:p>
+            <a:endParaRPr lang="de-CH" dirty="0"/>
+          </a:p>
+          <a:p>
+            <a:r>
+              <a:rPr lang="de-CH" dirty="0"/>
+              <a:t>Funktioniert mit </a:t>
+            </a:r>
+            <a:r>
+              <a:rPr lang="de-CH" dirty="0" smtClean="0"/>
+              <a:t>MVC </a:t>
+            </a:r>
+          </a:p>
+          <a:p>
+            <a:endParaRPr lang="de-CH" dirty="0"/>
+          </a:p>
+          <a:p>
+            <a:r>
+              <a:rPr lang="de-CH" dirty="0" smtClean="0"/>
+              <a:t>Building erzeugt native Apps</a:t>
+            </a:r>
+            <a:endParaRPr lang="de-CH" dirty="0"/>
+          </a:p>
+        </p:txBody>
+      </p:sp>
+      <p:pic>
+        <p:nvPicPr>
+          <p:cNvPr id="8194" name="Picture 2" descr="F:\Schule\HSZ-T\3. Jahr\Handheld\Semesterarbeit\Handheld_Repo\Media\Sencha Touch\sencha_touch_logo.JPG"/>
+          <p:cNvPicPr>
+            <a:picLocks noChangeAspect="1" noChangeArrowheads="1"/>
+          </p:cNvPicPr>
+          <p:nvPr/>
+        </p:nvPicPr>
+        <p:blipFill>
+          <a:blip r:embed="rId2">
+            <a:extLst>
+              <a:ext uri="{28A0092B-C50C-407E-A947-70E740481C1C}">
+                <a14:useLocalDpi xmlns:a14="http://schemas.microsoft.com/office/drawing/2010/main" val="0"/>
+              </a:ext>
+            </a:extLst>
+          </a:blip>
+          <a:srcRect/>
+          <a:stretch>
+            <a:fillRect/>
+          </a:stretch>
+        </p:blipFill>
+        <p:spPr bwMode="auto">
+          <a:xfrm>
+            <a:off x="251518" y="483005"/>
+            <a:ext cx="4092149" cy="713747"/>
+          </a:xfrm>
+          <a:prstGeom prst="rect">
+            <a:avLst/>
+          </a:prstGeom>
+          <a:noFill/>
+          <a:extLst>
+            <a:ext uri="{909E8E84-426E-40DD-AFC4-6F175D3DCCD1}">
+              <a14:hiddenFill xmlns:a14="http://schemas.microsoft.com/office/drawing/2010/main">
+                <a:solidFill>
+                  <a:srgbClr val="FFFFFF"/>
+                </a:solidFill>
+              </a14:hiddenFill>
+            </a:ext>
+          </a:extLst>
+        </p:spPr>
+      </p:pic>
+      <p:pic>
+        <p:nvPicPr>
+          <p:cNvPr id="2050" name="Picture 2" descr="F:\Schule\HSZ-T\3. Jahr\Handheld\Semesterarbeit\Handheld_Repo\Media\Sencha Touch\MVC_Architecture.JPG"/>
+          <p:cNvPicPr>
+            <a:picLocks noChangeAspect="1" noChangeArrowheads="1"/>
+          </p:cNvPicPr>
+          <p:nvPr/>
+        </p:nvPicPr>
+        <p:blipFill rotWithShape="1">
+          <a:blip r:embed="rId3">
+            <a:extLst>
+              <a:ext uri="{28A0092B-C50C-407E-A947-70E740481C1C}">
+                <a14:useLocalDpi xmlns:a14="http://schemas.microsoft.com/office/drawing/2010/main" val="0"/>
+              </a:ext>
+            </a:extLst>
+          </a:blip>
+          <a:srcRect l="13116" t="7440" r="7003" b="8261"/>
+          <a:stretch/>
+        </p:blipFill>
+        <p:spPr bwMode="auto">
+          <a:xfrm>
+            <a:off x="4737100" y="2564904"/>
+            <a:ext cx="956734" cy="914400"/>
+          </a:xfrm>
+          <a:prstGeom prst="rect">
+            <a:avLst/>
+          </a:prstGeom>
+          <a:noFill/>
+          <a:extLst>
+            <a:ext uri="{909E8E84-426E-40DD-AFC4-6F175D3DCCD1}">
+              <a14:hiddenFill xmlns:a14="http://schemas.microsoft.com/office/drawing/2010/main">
+                <a:solidFill>
+                  <a:srgbClr val="FFFFFF"/>
+                </a:solidFill>
+              </a14:hiddenFill>
+            </a:ext>
+          </a:extLst>
+        </p:spPr>
+      </p:pic>
+      <p:pic>
+        <p:nvPicPr>
+          <p:cNvPr id="2051" name="Picture 3" descr="F:\Schule\HSZ-T\3. Jahr\Handheld\Semesterarbeit\Handheld_Repo\Media\Sencha Touch\sencha_bar.JPG"/>
+          <p:cNvPicPr>
+            <a:picLocks noChangeAspect="1" noChangeArrowheads="1"/>
+          </p:cNvPicPr>
+          <p:nvPr/>
+        </p:nvPicPr>
+        <p:blipFill>
+          <a:blip r:embed="rId4">
+            <a:extLst>
+              <a:ext uri="{28A0092B-C50C-407E-A947-70E740481C1C}">
+                <a14:useLocalDpi xmlns:a14="http://schemas.microsoft.com/office/drawing/2010/main" val="0"/>
+              </a:ext>
+            </a:extLst>
+          </a:blip>
+          <a:srcRect/>
+          <a:stretch>
+            <a:fillRect/>
+          </a:stretch>
+        </p:blipFill>
+        <p:spPr bwMode="auto">
+          <a:xfrm>
+            <a:off x="2345728" y="5083174"/>
+            <a:ext cx="4782743" cy="1082129"/>
+          </a:xfrm>
+          <a:prstGeom prst="rect">
+            <a:avLst/>
+          </a:prstGeom>
+          <a:noFill/>
+          <a:extLst>
+            <a:ext uri="{909E8E84-426E-40DD-AFC4-6F175D3DCCD1}">
+              <a14:hiddenFill xmlns:a14="http://schemas.microsoft.com/office/drawing/2010/main">
+                <a:solidFill>
+                  <a:srgbClr val="FFFFFF"/>
+                </a:solidFill>
+              </a14:hiddenFill>
+            </a:ext>
+          </a:extLst>
+        </p:spPr>
+      </p:pic>
+    </p:spTree>
+    <p:extLst>
+      <p:ext uri="{BB962C8B-B14F-4D97-AF65-F5344CB8AC3E}">
+        <p14:creationId xmlns:p14="http://schemas.microsoft.com/office/powerpoint/2010/main" val="3958992079"/>
+      </p:ext>
+    </p:extLst>
+  </p:cSld>
+  <p:clrMapOvr>
+    <a:masterClrMapping/>
+  </p:clrMapOvr>
+  <p:timing>
+    <p:tnLst>
+      <p:par>
+        <p:cTn id="1" dur="indefinite" restart="never" nodeType="tmRoot"/>
+      </p:par>
+    </p:tnLst>
+  </p:timing>
+</p:sld>
+</file>
+
+<file path=ppt/slides/slide23.xml><?xml version="1.0" encoding="utf-8"?>
+<p:sld xmlns:a="http://schemas.openxmlformats.org/drawingml/2006/main" xmlns:r="http://schemas.openxmlformats.org/officeDocument/2006/relationships" xmlns:p="http://schemas.openxmlformats.org/presentationml/2006/main">
+  <p:cSld>
+    <p:bg>
+      <p:bgPr>
+        <a:gradFill flip="none" rotWithShape="1">
+          <a:gsLst>
+            <a:gs pos="0">
+              <a:srgbClr val="92D050"/>
+            </a:gs>
+            <a:gs pos="50000">
+              <a:schemeClr val="accent1">
+                <a:tint val="44500"/>
+                <a:satMod val="160000"/>
+              </a:schemeClr>
+            </a:gs>
+            <a:gs pos="100000">
+              <a:schemeClr val="accent1">
+                <a:tint val="23500"/>
+                <a:satMod val="160000"/>
+              </a:schemeClr>
+            </a:gs>
+          </a:gsLst>
+          <a:lin ang="5400000" scaled="0"/>
+          <a:tileRect/>
+        </a:gradFill>
+        <a:effectLst/>
+      </p:bgPr>
+    </p:bg>
+    <p:spTree>
+      <p:nvGrpSpPr>
+        <p:cNvPr id="1" name=""/>
+        <p:cNvGrpSpPr/>
+        <p:nvPr/>
+      </p:nvGrpSpPr>
+      <p:grpSpPr>
+        <a:xfrm>
+          <a:off x="0" y="0"/>
+          <a:ext cx="0" cy="0"/>
+          <a:chOff x="0" y="0"/>
+          <a:chExt cx="0" cy="0"/>
+        </a:xfrm>
+      </p:grpSpPr>
+      <p:sp>
+        <p:nvSpPr>
+          <p:cNvPr id="2" name="Titel 1"/>
+          <p:cNvSpPr>
+            <a:spLocks noGrp="1"/>
+          </p:cNvSpPr>
+          <p:nvPr>
+            <p:ph type="title"/>
+          </p:nvPr>
+        </p:nvSpPr>
+        <p:spPr>
+          <a:xfrm>
+            <a:off x="3419872" y="274638"/>
+            <a:ext cx="5266928" cy="1143000"/>
+          </a:xfrm>
+        </p:spPr>
+        <p:txBody>
+          <a:bodyPr/>
+          <a:lstStyle/>
+          <a:p>
+            <a:r>
+              <a:rPr lang="de-CH" dirty="0" err="1" smtClean="0"/>
+              <a:t>Sencha</a:t>
+            </a:r>
+            <a:r>
+              <a:rPr lang="de-CH" dirty="0" smtClean="0"/>
+              <a:t> Touch</a:t>
+            </a:r>
+            <a:endParaRPr lang="de-CH" dirty="0"/>
+          </a:p>
+        </p:txBody>
+      </p:sp>
       <p:graphicFrame>
         <p:nvGraphicFramePr>
           <p:cNvPr id="4" name="Inhaltsplatzhalter 3"/>
@@ -8712,7 +8857,7 @@
             <p:ph idx="1"/>
             <p:extLst>
               <p:ext uri="{D42A27DB-BD31-4B8C-83A1-F6EECF244321}">
-                <p14:modId xmlns:p14="http://schemas.microsoft.com/office/powerpoint/2010/main" val="3642465443"/>
+                <p14:modId xmlns:p14="http://schemas.microsoft.com/office/powerpoint/2010/main" val="497395082"/>
               </p:ext>
             </p:extLst>
           </p:nvPr>
@@ -9304,7 +9449,11 @@
                     <a:p>
                       <a:r>
                         <a:rPr lang="de-CH" dirty="0" smtClean="0"/>
-                        <a:t>Manuell, Jasmine-Framework</a:t>
+                        <a:t>Manuell, </a:t>
+                      </a:r>
+                      <a:r>
+                        <a:rPr lang="de-CH" dirty="0" smtClean="0"/>
+                        <a:t>Jasmine-Framework (extern)</a:t>
                       </a:r>
                       <a:endParaRPr lang="de-CH" dirty="0"/>
                     </a:p>
@@ -9597,7 +9746,7 @@
 </p:sld>
 </file>
 
-<file path=ppt/slides/slide23.xml><?xml version="1.0" encoding="utf-8"?>
+<file path=ppt/slides/slide24.xml><?xml version="1.0" encoding="utf-8"?>
 <p:sld xmlns:a="http://schemas.openxmlformats.org/drawingml/2006/main" xmlns:r="http://schemas.openxmlformats.org/officeDocument/2006/relationships" xmlns:p="http://schemas.openxmlformats.org/presentationml/2006/main">
   <p:cSld>
     <p:spTree>
@@ -9748,7 +9897,6 @@
               <a:rPr lang="de-CH" dirty="0" smtClean="0"/>
               <a:t>MIT-Lizenz (frei verfügbar)</a:t>
             </a:r>
-            <a:endParaRPr lang="de-CH" dirty="0" smtClean="0"/>
           </a:p>
           <a:p>
             <a:endParaRPr lang="de-CH" dirty="0"/>
@@ -10122,236 +10270,6 @@
     <p:extLst>
       <p:ext uri="{BB962C8B-B14F-4D97-AF65-F5344CB8AC3E}">
         <p14:creationId xmlns:p14="http://schemas.microsoft.com/office/powerpoint/2010/main" val="3995242798"/>
-      </p:ext>
-    </p:extLst>
-  </p:cSld>
-  <p:clrMapOvr>
-    <a:masterClrMapping/>
-  </p:clrMapOvr>
-  <p:timing>
-    <p:tnLst>
-      <p:par>
-        <p:cTn id="1" dur="indefinite" restart="never" nodeType="tmRoot"/>
-      </p:par>
-    </p:tnLst>
-  </p:timing>
-</p:sld>
-</file>
-
-<file path=ppt/slides/slide24.xml><?xml version="1.0" encoding="utf-8"?>
-<p:sld xmlns:a="http://schemas.openxmlformats.org/drawingml/2006/main" xmlns:r="http://schemas.openxmlformats.org/officeDocument/2006/relationships" xmlns:p="http://schemas.openxmlformats.org/presentationml/2006/main">
-  <p:cSld>
-    <p:spTree>
-      <p:nvGrpSpPr>
-        <p:cNvPr id="1" name=""/>
-        <p:cNvGrpSpPr/>
-        <p:nvPr/>
-      </p:nvGrpSpPr>
-      <p:grpSpPr>
-        <a:xfrm>
-          <a:off x="0" y="0"/>
-          <a:ext cx="0" cy="0"/>
-          <a:chOff x="0" y="0"/>
-          <a:chExt cx="0" cy="0"/>
-        </a:xfrm>
-      </p:grpSpPr>
-      <p:sp>
-        <p:nvSpPr>
-          <p:cNvPr id="2" name="Titel 1"/>
-          <p:cNvSpPr>
-            <a:spLocks noGrp="1"/>
-          </p:cNvSpPr>
-          <p:nvPr>
-            <p:ph type="title"/>
-          </p:nvPr>
-        </p:nvSpPr>
-        <p:spPr>
-          <a:xfrm>
-            <a:off x="1403648" y="274638"/>
-            <a:ext cx="7283152" cy="1143000"/>
-          </a:xfrm>
-        </p:spPr>
-        <p:txBody>
-          <a:bodyPr/>
-          <a:lstStyle/>
-          <a:p>
-            <a:r>
-              <a:rPr lang="de-CH" dirty="0" err="1" smtClean="0"/>
-              <a:t>jQuery</a:t>
-            </a:r>
-            <a:r>
-              <a:rPr lang="de-CH" dirty="0" smtClean="0"/>
-              <a:t> Mobile</a:t>
-            </a:r>
-            <a:endParaRPr lang="de-CH" dirty="0"/>
-          </a:p>
-        </p:txBody>
-      </p:sp>
-      <p:sp>
-        <p:nvSpPr>
-          <p:cNvPr id="3" name="Inhaltsplatzhalter 2"/>
-          <p:cNvSpPr>
-            <a:spLocks noGrp="1"/>
-          </p:cNvSpPr>
-          <p:nvPr>
-            <p:ph idx="1"/>
-          </p:nvPr>
-        </p:nvSpPr>
-        <p:spPr/>
-        <p:txBody>
-          <a:bodyPr/>
-          <a:lstStyle/>
-          <a:p>
-            <a:r>
-              <a:rPr lang="de-CH" dirty="0"/>
-              <a:t>Technologien</a:t>
-            </a:r>
-            <a:r>
-              <a:rPr lang="de-CH" dirty="0" smtClean="0"/>
-              <a:t>: HTML, CSS, JavaScript</a:t>
-            </a:r>
-          </a:p>
-          <a:p>
-            <a:endParaRPr lang="de-CH" dirty="0"/>
-          </a:p>
-          <a:p>
-            <a:r>
-              <a:rPr lang="de-CH" dirty="0" smtClean="0"/>
-              <a:t>Grafischer Editor für Design</a:t>
-            </a:r>
-          </a:p>
-          <a:p>
-            <a:endParaRPr lang="de-CH" dirty="0" smtClean="0"/>
-          </a:p>
-          <a:p>
-            <a:r>
-              <a:rPr lang="de-CH" dirty="0" smtClean="0"/>
-              <a:t>Für nativen </a:t>
-            </a:r>
-            <a:r>
-              <a:rPr lang="de-CH" dirty="0" err="1" smtClean="0"/>
-              <a:t>Build</a:t>
-            </a:r>
-            <a:r>
-              <a:rPr lang="de-CH" dirty="0" smtClean="0"/>
-              <a:t> wird PhoneGap empfohlen</a:t>
-            </a:r>
-            <a:endParaRPr lang="de-CH" dirty="0"/>
-          </a:p>
-          <a:p>
-            <a:endParaRPr lang="de-CH" dirty="0"/>
-          </a:p>
-        </p:txBody>
-      </p:sp>
-      <p:pic>
-        <p:nvPicPr>
-          <p:cNvPr id="9218" name="Picture 2" descr="F:\Schule\HSZ-T\3. Jahr\Handheld\Semesterarbeit\Handheld_Repo\Media\jquery Mobile\logo.JPG"/>
-          <p:cNvPicPr>
-            <a:picLocks noChangeAspect="1" noChangeArrowheads="1"/>
-          </p:cNvPicPr>
-          <p:nvPr/>
-        </p:nvPicPr>
-        <p:blipFill>
-          <a:blip r:embed="rId2">
-            <a:extLst>
-              <a:ext uri="{28A0092B-C50C-407E-A947-70E740481C1C}">
-                <a14:useLocalDpi xmlns:a14="http://schemas.microsoft.com/office/drawing/2010/main" val="0"/>
-              </a:ext>
-            </a:extLst>
-          </a:blip>
-          <a:srcRect/>
-          <a:stretch>
-            <a:fillRect/>
-          </a:stretch>
-        </p:blipFill>
-        <p:spPr bwMode="auto">
-          <a:xfrm>
-            <a:off x="179512" y="463550"/>
-            <a:ext cx="3043421" cy="805210"/>
-          </a:xfrm>
-          <a:prstGeom prst="rect">
-            <a:avLst/>
-          </a:prstGeom>
-          <a:noFill/>
-          <a:extLst>
-            <a:ext uri="{909E8E84-426E-40DD-AFC4-6F175D3DCCD1}">
-              <a14:hiddenFill xmlns:a14="http://schemas.microsoft.com/office/drawing/2010/main">
-                <a:solidFill>
-                  <a:srgbClr val="FFFFFF"/>
-                </a:solidFill>
-              </a14:hiddenFill>
-            </a:ext>
-          </a:extLst>
-        </p:spPr>
-      </p:pic>
-      <p:pic>
-        <p:nvPicPr>
-          <p:cNvPr id="4098" name="Picture 2"/>
-          <p:cNvPicPr>
-            <a:picLocks noChangeAspect="1" noChangeArrowheads="1"/>
-          </p:cNvPicPr>
-          <p:nvPr/>
-        </p:nvPicPr>
-        <p:blipFill>
-          <a:blip r:embed="rId3">
-            <a:extLst>
-              <a:ext uri="{28A0092B-C50C-407E-A947-70E740481C1C}">
-                <a14:useLocalDpi xmlns:a14="http://schemas.microsoft.com/office/drawing/2010/main" val="0"/>
-              </a:ext>
-            </a:extLst>
-          </a:blip>
-          <a:srcRect/>
-          <a:stretch>
-            <a:fillRect/>
-          </a:stretch>
-        </p:blipFill>
-        <p:spPr bwMode="auto">
-          <a:xfrm>
-            <a:off x="2771800" y="4630525"/>
-            <a:ext cx="3528392" cy="1954729"/>
-          </a:xfrm>
-          <a:prstGeom prst="rect">
-            <a:avLst/>
-          </a:prstGeom>
-          <a:noFill/>
-          <a:ln>
-            <a:noFill/>
-          </a:ln>
-          <a:effectLst/>
-          <a:extLst>
-            <a:ext uri="{909E8E84-426E-40DD-AFC4-6F175D3DCCD1}">
-              <a14:hiddenFill xmlns:a14="http://schemas.microsoft.com/office/drawing/2010/main">
-                <a:solidFill>
-                  <a:schemeClr val="accent1"/>
-                </a:solidFill>
-              </a14:hiddenFill>
-            </a:ext>
-            <a:ext uri="{91240B29-F687-4F45-9708-019B960494DF}">
-              <a14:hiddenLine xmlns:a14="http://schemas.microsoft.com/office/drawing/2010/main" w="9525">
-                <a:solidFill>
-                  <a:schemeClr val="tx1"/>
-                </a:solidFill>
-                <a:miter lim="800000"/>
-                <a:headEnd/>
-                <a:tailEnd/>
-              </a14:hiddenLine>
-            </a:ext>
-            <a:ext uri="{AF507438-7753-43E0-B8FC-AC1667EBCBE1}">
-              <a14:hiddenEffects xmlns:a14="http://schemas.microsoft.com/office/drawing/2010/main">
-                <a:effectLst>
-                  <a:outerShdw dist="35921" dir="2700000" algn="ctr" rotWithShape="0">
-                    <a:schemeClr val="bg2"/>
-                  </a:outerShdw>
-                </a:effectLst>
-              </a14:hiddenEffects>
-            </a:ext>
-          </a:extLst>
-        </p:spPr>
-      </p:pic>
-    </p:spTree>
-    <p:extLst>
-      <p:ext uri="{BB962C8B-B14F-4D97-AF65-F5344CB8AC3E}">
-        <p14:creationId xmlns:p14="http://schemas.microsoft.com/office/powerpoint/2010/main" val="1469073804"/>
       </p:ext>
     </p:extLst>
   </p:cSld>
@@ -10417,6 +10335,244 @@
           </a:p>
         </p:txBody>
       </p:sp>
+      <p:sp>
+        <p:nvSpPr>
+          <p:cNvPr id="3" name="Inhaltsplatzhalter 2"/>
+          <p:cNvSpPr>
+            <a:spLocks noGrp="1"/>
+          </p:cNvSpPr>
+          <p:nvPr>
+            <p:ph idx="1"/>
+          </p:nvPr>
+        </p:nvSpPr>
+        <p:spPr/>
+        <p:txBody>
+          <a:bodyPr/>
+          <a:lstStyle/>
+          <a:p>
+            <a:r>
+              <a:rPr lang="de-CH" dirty="0"/>
+              <a:t>Technologien</a:t>
+            </a:r>
+            <a:r>
+              <a:rPr lang="de-CH" dirty="0" smtClean="0"/>
+              <a:t>: HTML, CSS, JavaScript</a:t>
+            </a:r>
+          </a:p>
+          <a:p>
+            <a:endParaRPr lang="de-CH" dirty="0"/>
+          </a:p>
+          <a:p>
+            <a:r>
+              <a:rPr lang="de-CH" dirty="0" smtClean="0"/>
+              <a:t>Grafischer Editor für Design</a:t>
+            </a:r>
+          </a:p>
+          <a:p>
+            <a:endParaRPr lang="de-CH" dirty="0" smtClean="0"/>
+          </a:p>
+          <a:p>
+            <a:r>
+              <a:rPr lang="de-CH" dirty="0" smtClean="0"/>
+              <a:t>Für nativen </a:t>
+            </a:r>
+            <a:r>
+              <a:rPr lang="de-CH" dirty="0" err="1" smtClean="0"/>
+              <a:t>Build</a:t>
+            </a:r>
+            <a:r>
+              <a:rPr lang="de-CH" dirty="0" smtClean="0"/>
+              <a:t> wird </a:t>
+            </a:r>
+            <a:r>
+              <a:rPr lang="de-CH" dirty="0" smtClean="0"/>
+              <a:t>PhoneGap </a:t>
+            </a:r>
+            <a:r>
+              <a:rPr lang="de-CH" dirty="0" smtClean="0"/>
+              <a:t>empfohlen</a:t>
+            </a:r>
+            <a:endParaRPr lang="de-CH" dirty="0"/>
+          </a:p>
+          <a:p>
+            <a:endParaRPr lang="de-CH" dirty="0"/>
+          </a:p>
+        </p:txBody>
+      </p:sp>
+      <p:pic>
+        <p:nvPicPr>
+          <p:cNvPr id="9218" name="Picture 2" descr="F:\Schule\HSZ-T\3. Jahr\Handheld\Semesterarbeit\Handheld_Repo\Media\jquery Mobile\logo.JPG"/>
+          <p:cNvPicPr>
+            <a:picLocks noChangeAspect="1" noChangeArrowheads="1"/>
+          </p:cNvPicPr>
+          <p:nvPr/>
+        </p:nvPicPr>
+        <p:blipFill>
+          <a:blip r:embed="rId2">
+            <a:extLst>
+              <a:ext uri="{28A0092B-C50C-407E-A947-70E740481C1C}">
+                <a14:useLocalDpi xmlns:a14="http://schemas.microsoft.com/office/drawing/2010/main" val="0"/>
+              </a:ext>
+            </a:extLst>
+          </a:blip>
+          <a:srcRect/>
+          <a:stretch>
+            <a:fillRect/>
+          </a:stretch>
+        </p:blipFill>
+        <p:spPr bwMode="auto">
+          <a:xfrm>
+            <a:off x="179512" y="463550"/>
+            <a:ext cx="3043421" cy="805210"/>
+          </a:xfrm>
+          <a:prstGeom prst="rect">
+            <a:avLst/>
+          </a:prstGeom>
+          <a:noFill/>
+          <a:extLst>
+            <a:ext uri="{909E8E84-426E-40DD-AFC4-6F175D3DCCD1}">
+              <a14:hiddenFill xmlns:a14="http://schemas.microsoft.com/office/drawing/2010/main">
+                <a:solidFill>
+                  <a:srgbClr val="FFFFFF"/>
+                </a:solidFill>
+              </a14:hiddenFill>
+            </a:ext>
+          </a:extLst>
+        </p:spPr>
+      </p:pic>
+      <p:pic>
+        <p:nvPicPr>
+          <p:cNvPr id="4098" name="Picture 2"/>
+          <p:cNvPicPr>
+            <a:picLocks noChangeAspect="1" noChangeArrowheads="1"/>
+          </p:cNvPicPr>
+          <p:nvPr/>
+        </p:nvPicPr>
+        <p:blipFill>
+          <a:blip r:embed="rId3">
+            <a:extLst>
+              <a:ext uri="{28A0092B-C50C-407E-A947-70E740481C1C}">
+                <a14:useLocalDpi xmlns:a14="http://schemas.microsoft.com/office/drawing/2010/main" val="0"/>
+              </a:ext>
+            </a:extLst>
+          </a:blip>
+          <a:srcRect/>
+          <a:stretch>
+            <a:fillRect/>
+          </a:stretch>
+        </p:blipFill>
+        <p:spPr bwMode="auto">
+          <a:xfrm>
+            <a:off x="2771800" y="4630525"/>
+            <a:ext cx="3528392" cy="1954729"/>
+          </a:xfrm>
+          <a:prstGeom prst="rect">
+            <a:avLst/>
+          </a:prstGeom>
+          <a:noFill/>
+          <a:ln>
+            <a:noFill/>
+          </a:ln>
+          <a:effectLst/>
+          <a:extLst>
+            <a:ext uri="{909E8E84-426E-40DD-AFC4-6F175D3DCCD1}">
+              <a14:hiddenFill xmlns:a14="http://schemas.microsoft.com/office/drawing/2010/main">
+                <a:solidFill>
+                  <a:schemeClr val="accent1"/>
+                </a:solidFill>
+              </a14:hiddenFill>
+            </a:ext>
+            <a:ext uri="{91240B29-F687-4F45-9708-019B960494DF}">
+              <a14:hiddenLine xmlns:a14="http://schemas.microsoft.com/office/drawing/2010/main" w="9525">
+                <a:solidFill>
+                  <a:schemeClr val="tx1"/>
+                </a:solidFill>
+                <a:miter lim="800000"/>
+                <a:headEnd/>
+                <a:tailEnd/>
+              </a14:hiddenLine>
+            </a:ext>
+            <a:ext uri="{AF507438-7753-43E0-B8FC-AC1667EBCBE1}">
+              <a14:hiddenEffects xmlns:a14="http://schemas.microsoft.com/office/drawing/2010/main">
+                <a:effectLst>
+                  <a:outerShdw dist="35921" dir="2700000" algn="ctr" rotWithShape="0">
+                    <a:schemeClr val="bg2"/>
+                  </a:outerShdw>
+                </a:effectLst>
+              </a14:hiddenEffects>
+            </a:ext>
+          </a:extLst>
+        </p:spPr>
+      </p:pic>
+    </p:spTree>
+    <p:extLst>
+      <p:ext uri="{BB962C8B-B14F-4D97-AF65-F5344CB8AC3E}">
+        <p14:creationId xmlns:p14="http://schemas.microsoft.com/office/powerpoint/2010/main" val="1469073804"/>
+      </p:ext>
+    </p:extLst>
+  </p:cSld>
+  <p:clrMapOvr>
+    <a:masterClrMapping/>
+  </p:clrMapOvr>
+  <p:timing>
+    <p:tnLst>
+      <p:par>
+        <p:cTn id="1" dur="indefinite" restart="never" nodeType="tmRoot"/>
+      </p:par>
+    </p:tnLst>
+  </p:timing>
+</p:sld>
+</file>
+
+<file path=ppt/slides/slide26.xml><?xml version="1.0" encoding="utf-8"?>
+<p:sld xmlns:a="http://schemas.openxmlformats.org/drawingml/2006/main" xmlns:r="http://schemas.openxmlformats.org/officeDocument/2006/relationships" xmlns:p="http://schemas.openxmlformats.org/presentationml/2006/main">
+  <p:cSld>
+    <p:spTree>
+      <p:nvGrpSpPr>
+        <p:cNvPr id="1" name=""/>
+        <p:cNvGrpSpPr/>
+        <p:nvPr/>
+      </p:nvGrpSpPr>
+      <p:grpSpPr>
+        <a:xfrm>
+          <a:off x="0" y="0"/>
+          <a:ext cx="0" cy="0"/>
+          <a:chOff x="0" y="0"/>
+          <a:chExt cx="0" cy="0"/>
+        </a:xfrm>
+      </p:grpSpPr>
+      <p:sp>
+        <p:nvSpPr>
+          <p:cNvPr id="2" name="Titel 1"/>
+          <p:cNvSpPr>
+            <a:spLocks noGrp="1"/>
+          </p:cNvSpPr>
+          <p:nvPr>
+            <p:ph type="title"/>
+          </p:nvPr>
+        </p:nvSpPr>
+        <p:spPr>
+          <a:xfrm>
+            <a:off x="1403648" y="274638"/>
+            <a:ext cx="7283152" cy="1143000"/>
+          </a:xfrm>
+        </p:spPr>
+        <p:txBody>
+          <a:bodyPr/>
+          <a:lstStyle/>
+          <a:p>
+            <a:r>
+              <a:rPr lang="de-CH" dirty="0" err="1" smtClean="0"/>
+              <a:t>jQuery</a:t>
+            </a:r>
+            <a:r>
+              <a:rPr lang="de-CH" dirty="0" smtClean="0"/>
+              <a:t> Mobile</a:t>
+            </a:r>
+            <a:endParaRPr lang="de-CH" dirty="0"/>
+          </a:p>
+        </p:txBody>
+      </p:sp>
       <p:graphicFrame>
         <p:nvGraphicFramePr>
           <p:cNvPr id="4" name="Inhaltsplatzhalter 3"/>
@@ -10427,7 +10583,7 @@
             <p:ph idx="1"/>
             <p:extLst>
               <p:ext uri="{D42A27DB-BD31-4B8C-83A1-F6EECF244321}">
-                <p14:modId xmlns:p14="http://schemas.microsoft.com/office/powerpoint/2010/main" val="1049824819"/>
+                <p14:modId xmlns:p14="http://schemas.microsoft.com/office/powerpoint/2010/main" val="513716494"/>
               </p:ext>
             </p:extLst>
           </p:nvPr>
@@ -10579,7 +10735,7 @@
                       </a:r>
                       <a:r>
                         <a:rPr lang="de-CH" dirty="0" err="1" smtClean="0"/>
-                        <a:t>Attributiert</a:t>
+                        <a:t>attributiert</a:t>
                       </a:r>
                       <a:r>
                         <a:rPr lang="de-CH" dirty="0" smtClean="0"/>
@@ -10967,7 +11123,15 @@
                     <a:p>
                       <a:r>
                         <a:rPr lang="de-CH" dirty="0" smtClean="0"/>
-                        <a:t>Keiner, PhoneGap wird empfohlen</a:t>
+                        <a:t>Keiner, </a:t>
+                      </a:r>
+                      <a:r>
+                        <a:rPr lang="de-CH" dirty="0" smtClean="0"/>
+                        <a:t>PhoneGap </a:t>
+                      </a:r>
+                      <a:r>
+                        <a:rPr lang="de-CH" dirty="0" smtClean="0"/>
+                        <a:t>wird empfohlen</a:t>
                       </a:r>
                       <a:endParaRPr lang="de-CH" dirty="0"/>
                     </a:p>
@@ -11043,7 +11207,7 @@
                       </a:r>
                       <a:r>
                         <a:rPr lang="de-CH" baseline="0" dirty="0" err="1" smtClean="0"/>
-                        <a:t>Qunit</a:t>
+                        <a:t>QUnit</a:t>
                       </a:r>
                       <a:r>
                         <a:rPr lang="de-CH" baseline="0" dirty="0" smtClean="0"/>
@@ -11344,7 +11508,158 @@
 </p:sld>
 </file>
 
-<file path=ppt/slides/slide26.xml><?xml version="1.0" encoding="utf-8"?>
+<file path=ppt/slides/slide27.xml><?xml version="1.0" encoding="utf-8"?>
+<p:sld xmlns:a="http://schemas.openxmlformats.org/drawingml/2006/main" xmlns:r="http://schemas.openxmlformats.org/officeDocument/2006/relationships" xmlns:p="http://schemas.openxmlformats.org/presentationml/2006/main">
+  <p:cSld>
+    <p:spTree>
+      <p:nvGrpSpPr>
+        <p:cNvPr id="1" name=""/>
+        <p:cNvGrpSpPr/>
+        <p:nvPr/>
+      </p:nvGrpSpPr>
+      <p:grpSpPr>
+        <a:xfrm>
+          <a:off x="0" y="0"/>
+          <a:ext cx="0" cy="0"/>
+          <a:chOff x="0" y="0"/>
+          <a:chExt cx="0" cy="0"/>
+        </a:xfrm>
+      </p:grpSpPr>
+      <p:sp>
+        <p:nvSpPr>
+          <p:cNvPr id="2" name="Titel 1"/>
+          <p:cNvSpPr>
+            <a:spLocks noGrp="1"/>
+          </p:cNvSpPr>
+          <p:nvPr>
+            <p:ph type="title"/>
+          </p:nvPr>
+        </p:nvSpPr>
+        <p:spPr/>
+        <p:txBody>
+          <a:bodyPr/>
+          <a:lstStyle/>
+          <a:p>
+            <a:r>
+              <a:rPr lang="de-CH" dirty="0" err="1" smtClean="0"/>
+              <a:t>And</a:t>
+            </a:r>
+            <a:r>
+              <a:rPr lang="de-CH" dirty="0" smtClean="0"/>
+              <a:t> </a:t>
+            </a:r>
+            <a:r>
+              <a:rPr lang="de-CH" dirty="0" err="1" smtClean="0"/>
+              <a:t>the</a:t>
+            </a:r>
+            <a:r>
+              <a:rPr lang="de-CH" dirty="0" smtClean="0"/>
+              <a:t> </a:t>
+            </a:r>
+            <a:r>
+              <a:rPr lang="de-CH" dirty="0" err="1" smtClean="0"/>
+              <a:t>winner</a:t>
+            </a:r>
+            <a:r>
+              <a:rPr lang="de-CH" dirty="0" smtClean="0"/>
+              <a:t> </a:t>
+            </a:r>
+            <a:r>
+              <a:rPr lang="de-CH" dirty="0" err="1" smtClean="0"/>
+              <a:t>is</a:t>
+            </a:r>
+            <a:endParaRPr lang="de-CH" dirty="0"/>
+          </a:p>
+        </p:txBody>
+      </p:sp>
+      <p:sp>
+        <p:nvSpPr>
+          <p:cNvPr id="3" name="Inhaltsplatzhalter 2"/>
+          <p:cNvSpPr>
+            <a:spLocks noGrp="1"/>
+          </p:cNvSpPr>
+          <p:nvPr>
+            <p:ph idx="1"/>
+          </p:nvPr>
+        </p:nvSpPr>
+        <p:spPr>
+          <a:xfrm>
+            <a:off x="457200" y="1600200"/>
+            <a:ext cx="8507288" cy="4525963"/>
+          </a:xfrm>
+        </p:spPr>
+        <p:txBody>
+          <a:bodyPr>
+            <a:normAutofit/>
+          </a:bodyPr>
+          <a:lstStyle/>
+          <a:p>
+            <a:endParaRPr lang="de-CH" dirty="0"/>
+          </a:p>
+        </p:txBody>
+      </p:sp>
+      <p:pic>
+        <p:nvPicPr>
+          <p:cNvPr id="1028" name="Picture 4" descr="F:\Schule\HSZ-T\3. Jahr\Handheld\Semesterarbeit\Handheld_Repo\Media\PhoneGap\Phonegap-Logo.png"/>
+          <p:cNvPicPr>
+            <a:picLocks noChangeAspect="1" noChangeArrowheads="1"/>
+          </p:cNvPicPr>
+          <p:nvPr/>
+        </p:nvPicPr>
+        <p:blipFill>
+          <a:blip r:embed="rId2">
+            <a:extLst>
+              <a:ext uri="{28A0092B-C50C-407E-A947-70E740481C1C}">
+                <a14:useLocalDpi xmlns:a14="http://schemas.microsoft.com/office/drawing/2010/main" val="0"/>
+              </a:ext>
+            </a:extLst>
+          </a:blip>
+          <a:srcRect/>
+          <a:stretch>
+            <a:fillRect/>
+          </a:stretch>
+        </p:blipFill>
+        <p:spPr bwMode="auto">
+          <a:xfrm>
+            <a:off x="2123728" y="1504528"/>
+            <a:ext cx="4876800" cy="4876800"/>
+          </a:xfrm>
+          <a:prstGeom prst="rect">
+            <a:avLst/>
+          </a:prstGeom>
+          <a:noFill/>
+          <a:extLst>
+            <a:ext uri="{909E8E84-426E-40DD-AFC4-6F175D3DCCD1}">
+              <a14:hiddenFill xmlns:a14="http://schemas.microsoft.com/office/drawing/2010/main">
+                <a:solidFill>
+                  <a:srgbClr val="FFFFFF"/>
+                </a:solidFill>
+              </a14:hiddenFill>
+            </a:ext>
+          </a:extLst>
+        </p:spPr>
+      </p:pic>
+    </p:spTree>
+    <p:extLst>
+      <p:ext uri="{BB962C8B-B14F-4D97-AF65-F5344CB8AC3E}">
+        <p14:creationId xmlns:p14="http://schemas.microsoft.com/office/powerpoint/2010/main" val="1860216719"/>
+      </p:ext>
+    </p:extLst>
+  </p:cSld>
+  <p:clrMapOvr>
+    <a:masterClrMapping/>
+  </p:clrMapOvr>
+  <p:timing>
+    <p:tnLst>
+      <p:par>
+        <p:cTn id="1" dur="indefinite" restart="never" nodeType="tmRoot"/>
+      </p:par>
+    </p:tnLst>
+  </p:timing>
+</p:sld>
+</file>
+
+<file path=ppt/slides/slide28.xml><?xml version="1.0" encoding="utf-8"?>
 <p:sld xmlns:a="http://schemas.openxmlformats.org/drawingml/2006/main" xmlns:r="http://schemas.openxmlformats.org/officeDocument/2006/relationships" xmlns:p="http://schemas.openxmlformats.org/presentationml/2006/main">
   <p:cSld>
     <p:bg>
@@ -11406,8 +11721,8 @@
           <a:lstStyle/>
           <a:p>
             <a:r>
-              <a:rPr lang="de-CH" dirty="0" err="1" smtClean="0"/>
-              <a:t>Phonegap</a:t>
+              <a:rPr lang="de-CH" dirty="0" smtClean="0"/>
+              <a:t>PhoneGap</a:t>
             </a:r>
             <a:endParaRPr lang="de-CH" dirty="0"/>
           </a:p>
@@ -11428,7 +11743,84 @@
           <a:bodyPr/>
           <a:lstStyle/>
           <a:p>
-            <a:endParaRPr lang="de-CH"/>
+            <a:r>
+              <a:rPr lang="de-CH" dirty="0" smtClean="0"/>
+              <a:t>Entwicklung von Cross-</a:t>
+            </a:r>
+            <a:r>
+              <a:rPr lang="de-CH" dirty="0" err="1" smtClean="0"/>
+              <a:t>Platform</a:t>
+            </a:r>
+            <a:r>
+              <a:rPr lang="de-CH" dirty="0" smtClean="0"/>
+              <a:t> Mobile Apps</a:t>
+            </a:r>
+          </a:p>
+          <a:p>
+            <a:endParaRPr lang="de-CH" dirty="0"/>
+          </a:p>
+          <a:p>
+            <a:r>
+              <a:rPr lang="de-CH" dirty="0" smtClean="0"/>
+              <a:t>Unterstützt: </a:t>
+            </a:r>
+            <a:r>
+              <a:rPr lang="de-CH" dirty="0" err="1" smtClean="0"/>
+              <a:t>iOS</a:t>
+            </a:r>
+            <a:r>
+              <a:rPr lang="de-CH" dirty="0" smtClean="0"/>
+              <a:t>, </a:t>
+            </a:r>
+            <a:r>
+              <a:rPr lang="de-CH" dirty="0" err="1" smtClean="0"/>
+              <a:t>Android</a:t>
+            </a:r>
+            <a:r>
+              <a:rPr lang="de-CH" dirty="0" smtClean="0"/>
+              <a:t>, Windows Mobile, Blackberry, </a:t>
+            </a:r>
+            <a:r>
+              <a:rPr lang="de-CH" dirty="0" err="1" smtClean="0"/>
+              <a:t>WebOS</a:t>
+            </a:r>
+            <a:r>
+              <a:rPr lang="de-CH" dirty="0" smtClean="0"/>
+              <a:t>, Symbian, </a:t>
+            </a:r>
+            <a:r>
+              <a:rPr lang="de-CH" dirty="0" err="1" smtClean="0"/>
+              <a:t>Tizen</a:t>
+            </a:r>
+            <a:r>
+              <a:rPr lang="de-CH" dirty="0" smtClean="0"/>
+              <a:t>, </a:t>
+            </a:r>
+            <a:r>
+              <a:rPr lang="de-CH" dirty="0" err="1" smtClean="0"/>
+              <a:t>Bada</a:t>
+            </a:r>
+            <a:endParaRPr lang="de-CH" dirty="0" smtClean="0"/>
+          </a:p>
+          <a:p>
+            <a:endParaRPr lang="de-CH" dirty="0"/>
+          </a:p>
+          <a:p>
+            <a:r>
+              <a:rPr lang="de-CH" dirty="0" smtClean="0"/>
+              <a:t>Open Source: Apache 2.0 </a:t>
+            </a:r>
+            <a:r>
+              <a:rPr lang="de-CH" dirty="0" err="1" smtClean="0"/>
+              <a:t>License</a:t>
+            </a:r>
+            <a:endParaRPr lang="de-CH" dirty="0" smtClean="0"/>
+          </a:p>
+          <a:p>
+            <a:endParaRPr lang="de-CH" dirty="0"/>
+          </a:p>
+          <a:p>
+            <a:endParaRPr lang="de-CH" dirty="0"/>
           </a:p>
         </p:txBody>
       </p:sp>
@@ -11493,9 +11885,38 @@
 </p:sld>
 </file>
 
-<file path=ppt/slides/slide27.xml><?xml version="1.0" encoding="utf-8"?>
+<file path=ppt/slides/slide29.xml><?xml version="1.0" encoding="utf-8"?>
 <p:sld xmlns:a="http://schemas.openxmlformats.org/drawingml/2006/main" xmlns:r="http://schemas.openxmlformats.org/officeDocument/2006/relationships" xmlns:p="http://schemas.openxmlformats.org/presentationml/2006/main">
   <p:cSld>
+    <p:bg>
+      <p:bgPr>
+        <a:gradFill flip="none" rotWithShape="1">
+          <a:gsLst>
+            <a:gs pos="0">
+              <a:schemeClr val="tx1">
+                <a:lumMod val="50000"/>
+                <a:lumOff val="50000"/>
+              </a:schemeClr>
+            </a:gs>
+            <a:gs pos="50000">
+              <a:schemeClr val="accent1">
+                <a:tint val="44500"/>
+                <a:satMod val="160000"/>
+              </a:schemeClr>
+            </a:gs>
+            <a:gs pos="100000">
+              <a:schemeClr val="accent1">
+                <a:tint val="23500"/>
+                <a:satMod val="160000"/>
+              </a:schemeClr>
+            </a:gs>
+          </a:gsLst>
+          <a:lin ang="5400000" scaled="0"/>
+          <a:tileRect/>
+        </a:gradFill>
+        <a:effectLst/>
+      </p:bgPr>
+    </p:bg>
     <p:spTree>
       <p:nvGrpSpPr>
         <p:cNvPr id="1" name=""/>
@@ -11527,7 +11948,7 @@
           <a:p>
             <a:r>
               <a:rPr lang="de-CH" dirty="0" smtClean="0"/>
-              <a:t>Lupen-Applikation - Facts</a:t>
+              <a:t>PhoneGap</a:t>
             </a:r>
             <a:endParaRPr lang="de-CH" dirty="0"/>
           </a:p>
@@ -11550,7 +11971,7 @@
           <a:p>
             <a:r>
               <a:rPr lang="de-CH" dirty="0" smtClean="0"/>
-              <a:t>Vergrössern abfotografierter Bilder</a:t>
+              <a:t>Technologien: HTML5, JavaScript, CSS</a:t>
             </a:r>
           </a:p>
           <a:p>
@@ -11559,120 +11980,26 @@
           <a:p>
             <a:r>
               <a:rPr lang="de-CH" dirty="0" smtClean="0"/>
-              <a:t>Native App</a:t>
+              <a:t>Building erzeugt Dateien für alle OS auf Einmal</a:t>
             </a:r>
           </a:p>
           <a:p>
             <a:endParaRPr lang="de-CH" dirty="0"/>
           </a:p>
           <a:p>
-            <a:r>
-              <a:rPr lang="de-CH" dirty="0" smtClean="0"/>
-              <a:t>Programmiert mit: </a:t>
-            </a:r>
-          </a:p>
-          <a:p>
-            <a:pPr lvl="1"/>
-            <a:r>
-              <a:rPr lang="de-CH" dirty="0" smtClean="0"/>
-              <a:t>PhoneGap</a:t>
-            </a:r>
-          </a:p>
-          <a:p>
-            <a:pPr lvl="1"/>
-            <a:r>
-              <a:rPr lang="de-CH" dirty="0" err="1" smtClean="0"/>
-              <a:t>jQuery</a:t>
-            </a:r>
-            <a:r>
-              <a:rPr lang="de-CH" dirty="0" smtClean="0"/>
-              <a:t> Mobile</a:t>
-            </a:r>
-          </a:p>
-        </p:txBody>
-      </p:sp>
-    </p:spTree>
-    <p:extLst>
-      <p:ext uri="{BB962C8B-B14F-4D97-AF65-F5344CB8AC3E}">
-        <p14:creationId xmlns:p14="http://schemas.microsoft.com/office/powerpoint/2010/main" val="151430376"/>
-      </p:ext>
-    </p:extLst>
-  </p:cSld>
-  <p:clrMapOvr>
-    <a:masterClrMapping/>
-  </p:clrMapOvr>
-  <p:timing>
-    <p:tnLst>
-      <p:par>
-        <p:cTn id="1" dur="indefinite" restart="never" nodeType="tmRoot"/>
-      </p:par>
-    </p:tnLst>
-  </p:timing>
-</p:sld>
-</file>
-
-<file path=ppt/slides/slide28.xml><?xml version="1.0" encoding="utf-8"?>
-<p:sld xmlns:a="http://schemas.openxmlformats.org/drawingml/2006/main" xmlns:r="http://schemas.openxmlformats.org/officeDocument/2006/relationships" xmlns:p="http://schemas.openxmlformats.org/presentationml/2006/main">
-  <p:cSld>
-    <p:spTree>
-      <p:nvGrpSpPr>
-        <p:cNvPr id="1" name=""/>
-        <p:cNvGrpSpPr/>
-        <p:nvPr/>
-      </p:nvGrpSpPr>
-      <p:grpSpPr>
-        <a:xfrm>
-          <a:off x="0" y="0"/>
-          <a:ext cx="0" cy="0"/>
-          <a:chOff x="0" y="0"/>
-          <a:chExt cx="0" cy="0"/>
-        </a:xfrm>
-      </p:grpSpPr>
-      <p:sp>
-        <p:nvSpPr>
-          <p:cNvPr id="2" name="Titel 1"/>
-          <p:cNvSpPr>
-            <a:spLocks noGrp="1"/>
-          </p:cNvSpPr>
-          <p:nvPr>
-            <p:ph type="title"/>
-          </p:nvPr>
-        </p:nvSpPr>
-        <p:spPr/>
-        <p:txBody>
-          <a:bodyPr/>
-          <a:lstStyle/>
-          <a:p>
-            <a:r>
-              <a:rPr lang="de-CH" dirty="0" smtClean="0"/>
-              <a:t>Lupen-Applikation - Demo</a:t>
-            </a:r>
+            <a:endParaRPr lang="de-CH" dirty="0" smtClean="0"/>
+          </a:p>
+          <a:p>
             <a:endParaRPr lang="de-CH" dirty="0"/>
           </a:p>
-        </p:txBody>
-      </p:sp>
-      <p:sp>
-        <p:nvSpPr>
-          <p:cNvPr id="3" name="Inhaltsplatzhalter 2"/>
-          <p:cNvSpPr>
-            <a:spLocks noGrp="1"/>
-          </p:cNvSpPr>
-          <p:nvPr>
-            <p:ph idx="1"/>
-          </p:nvPr>
-        </p:nvSpPr>
-        <p:spPr/>
-        <p:txBody>
-          <a:bodyPr/>
-          <a:lstStyle/>
-          <a:p>
-            <a:endParaRPr lang="de-CH" dirty="0" smtClean="0"/>
+          <a:p>
+            <a:endParaRPr lang="de-CH" dirty="0"/>
           </a:p>
         </p:txBody>
       </p:sp>
       <p:pic>
         <p:nvPicPr>
-          <p:cNvPr id="11266" name="Picture 2" descr="F:\Schule\HSZ-T\3. Jahr\Handheld\Semesterarbeit\Handheld_Repo\Media\SC20130102-171907.png"/>
+          <p:cNvPr id="10242" name="Picture 2" descr="F:\Schule\HSZ-T\3. Jahr\Handheld\Semesterarbeit\Handheld_Repo\Media\PhoneGap\PhoneGap_logo.JPG"/>
           <p:cNvPicPr>
             <a:picLocks noChangeAspect="1" noChangeArrowheads="1"/>
           </p:cNvPicPr>
@@ -11693,8 +12020,8 @@
         </p:blipFill>
         <p:spPr bwMode="auto">
           <a:xfrm>
-            <a:off x="824643" y="1412776"/>
-            <a:ext cx="7419765" cy="4347518"/>
+            <a:off x="166688" y="404664"/>
+            <a:ext cx="2749831" cy="879946"/>
           </a:xfrm>
           <a:prstGeom prst="rect">
             <a:avLst/>
@@ -11711,141 +12038,43 @@
           </a:extLst>
         </p:spPr>
       </p:pic>
+      <p:pic>
+        <p:nvPicPr>
+          <p:cNvPr id="5" name="Grafik 4" descr="F:\Schule\HSZ-T\3. Jahr\Handheld\Semesterarbeit\Handheld_Repo\Media\PhoneGap\deploy.JPG"/>
+          <p:cNvPicPr/>
+          <p:nvPr/>
+        </p:nvPicPr>
+        <p:blipFill>
+          <a:blip r:embed="rId3" cstate="print">
+            <a:extLst>
+              <a:ext uri="{28A0092B-C50C-407E-A947-70E740481C1C}">
+                <a14:useLocalDpi xmlns:a14="http://schemas.microsoft.com/office/drawing/2010/main" val="0"/>
+              </a:ext>
+            </a:extLst>
+          </a:blip>
+          <a:srcRect/>
+          <a:stretch>
+            <a:fillRect/>
+          </a:stretch>
+        </p:blipFill>
+        <p:spPr bwMode="auto">
+          <a:xfrm>
+            <a:off x="1187624" y="4290061"/>
+            <a:ext cx="6696744" cy="1649338"/>
+          </a:xfrm>
+          <a:prstGeom prst="rect">
+            <a:avLst/>
+          </a:prstGeom>
+          <a:noFill/>
+          <a:ln>
+            <a:noFill/>
+          </a:ln>
+        </p:spPr>
+      </p:pic>
     </p:spTree>
     <p:extLst>
       <p:ext uri="{BB962C8B-B14F-4D97-AF65-F5344CB8AC3E}">
-        <p14:creationId xmlns:p14="http://schemas.microsoft.com/office/powerpoint/2010/main" val="3413894240"/>
-      </p:ext>
-    </p:extLst>
-  </p:cSld>
-  <p:clrMapOvr>
-    <a:masterClrMapping/>
-  </p:clrMapOvr>
-  <p:timing>
-    <p:tnLst>
-      <p:par>
-        <p:cTn id="1" dur="indefinite" restart="never" nodeType="tmRoot"/>
-      </p:par>
-    </p:tnLst>
-  </p:timing>
-</p:sld>
-</file>
-
-<file path=ppt/slides/slide29.xml><?xml version="1.0" encoding="utf-8"?>
-<p:sld xmlns:a="http://schemas.openxmlformats.org/drawingml/2006/main" xmlns:r="http://schemas.openxmlformats.org/officeDocument/2006/relationships" xmlns:p="http://schemas.openxmlformats.org/presentationml/2006/main">
-  <p:cSld>
-    <p:spTree>
-      <p:nvGrpSpPr>
-        <p:cNvPr id="1" name=""/>
-        <p:cNvGrpSpPr/>
-        <p:nvPr/>
-      </p:nvGrpSpPr>
-      <p:grpSpPr>
-        <a:xfrm>
-          <a:off x="0" y="0"/>
-          <a:ext cx="0" cy="0"/>
-          <a:chOff x="0" y="0"/>
-          <a:chExt cx="0" cy="0"/>
-        </a:xfrm>
-      </p:grpSpPr>
-      <p:sp>
-        <p:nvSpPr>
-          <p:cNvPr id="2" name="Titel 1"/>
-          <p:cNvSpPr>
-            <a:spLocks noGrp="1"/>
-          </p:cNvSpPr>
-          <p:nvPr>
-            <p:ph type="title"/>
-          </p:nvPr>
-        </p:nvSpPr>
-        <p:spPr/>
-        <p:txBody>
-          <a:bodyPr/>
-          <a:lstStyle/>
-          <a:p>
-            <a:r>
-              <a:rPr lang="de-CH" dirty="0" smtClean="0"/>
-              <a:t>Lupen-App - Aufbau</a:t>
-            </a:r>
-            <a:endParaRPr lang="de-CH" dirty="0"/>
-          </a:p>
-        </p:txBody>
-      </p:sp>
-      <p:sp>
-        <p:nvSpPr>
-          <p:cNvPr id="3" name="Inhaltsplatzhalter 2"/>
-          <p:cNvSpPr>
-            <a:spLocks noGrp="1"/>
-          </p:cNvSpPr>
-          <p:nvPr>
-            <p:ph idx="1"/>
-          </p:nvPr>
-        </p:nvSpPr>
-        <p:spPr/>
-        <p:txBody>
-          <a:bodyPr>
-            <a:normAutofit lnSpcReduction="10000"/>
-          </a:bodyPr>
-          <a:lstStyle/>
-          <a:p>
-            <a:r>
-              <a:rPr lang="de-CH" dirty="0" smtClean="0"/>
-              <a:t>Inhalt: HTML</a:t>
-            </a:r>
-          </a:p>
-          <a:p>
-            <a:endParaRPr lang="de-CH" dirty="0"/>
-          </a:p>
-          <a:p>
-            <a:r>
-              <a:rPr lang="de-CH" dirty="0" smtClean="0"/>
-              <a:t>Native Kamera-Ansteuerung: </a:t>
-            </a:r>
-            <a:r>
-              <a:rPr lang="de-CH" dirty="0" err="1" smtClean="0"/>
-              <a:t>Phonegap</a:t>
-            </a:r>
-            <a:endParaRPr lang="de-CH" dirty="0" smtClean="0"/>
-          </a:p>
-          <a:p>
-            <a:endParaRPr lang="de-CH" dirty="0"/>
-          </a:p>
-          <a:p>
-            <a:r>
-              <a:rPr lang="de-CH" dirty="0" smtClean="0"/>
-              <a:t>Darstellung: </a:t>
-            </a:r>
-            <a:r>
-              <a:rPr lang="de-CH" dirty="0" err="1" smtClean="0"/>
-              <a:t>JQuery</a:t>
-            </a:r>
-            <a:r>
-              <a:rPr lang="de-CH" dirty="0" smtClean="0"/>
-              <a:t> Mobile</a:t>
-            </a:r>
-          </a:p>
-          <a:p>
-            <a:endParaRPr lang="de-CH" dirty="0"/>
-          </a:p>
-          <a:p>
-            <a:r>
-              <a:rPr lang="de-CH" dirty="0" smtClean="0"/>
-              <a:t>Funktionalität: </a:t>
-            </a:r>
-            <a:r>
-              <a:rPr lang="de-CH" u="sng" dirty="0">
-                <a:hlinkClick r:id="rId2"/>
-              </a:rPr>
-              <a:t>http://www.netzgesta.de/loupe/</a:t>
-            </a:r>
-            <a:endParaRPr lang="de-CH" dirty="0"/>
-          </a:p>
-        </p:txBody>
-      </p:sp>
-    </p:spTree>
-    <p:extLst>
-      <p:ext uri="{BB962C8B-B14F-4D97-AF65-F5344CB8AC3E}">
-        <p14:creationId xmlns:p14="http://schemas.microsoft.com/office/powerpoint/2010/main" val="1695878854"/>
+        <p14:creationId xmlns:p14="http://schemas.microsoft.com/office/powerpoint/2010/main" val="237053188"/>
       </p:ext>
     </p:extLst>
   </p:cSld>
@@ -11896,7 +12125,7 @@
           <a:p>
             <a:r>
               <a:rPr lang="de-CH" dirty="0" smtClean="0"/>
-              <a:t>Kriterien - Punktevergabe</a:t>
+              <a:t>Inhalt</a:t>
             </a:r>
             <a:endParaRPr lang="de-CH" dirty="0"/>
           </a:p>
@@ -11917,30 +12146,42 @@
           <a:bodyPr/>
           <a:lstStyle/>
           <a:p>
-            <a:r>
-              <a:rPr lang="de-CH" dirty="0" smtClean="0"/>
-              <a:t>Pro Kriterium 1 – 10 Punkte</a:t>
-            </a:r>
-          </a:p>
-          <a:p>
             <a:endParaRPr lang="de-CH" dirty="0" smtClean="0"/>
           </a:p>
           <a:p>
             <a:r>
               <a:rPr lang="de-CH" dirty="0" smtClean="0"/>
-              <a:t>Summe der Punkte bestimmt Evaluationssieger</a:t>
-            </a:r>
-          </a:p>
-          <a:p>
-            <a:endParaRPr lang="de-CH" dirty="0"/>
-          </a:p>
-          <a:p>
-            <a:r>
-              <a:rPr lang="de-CH" dirty="0" smtClean="0"/>
-              <a:t>Kriterium «spezielles» für Unvorhergesehenes</a:t>
-            </a:r>
-          </a:p>
-          <a:p>
+              <a:t>Lupen-App</a:t>
+            </a:r>
+            <a:endParaRPr lang="de-CH" dirty="0" smtClean="0"/>
+          </a:p>
+          <a:p>
+            <a:pPr lvl="1"/>
+            <a:r>
+              <a:rPr lang="de-CH" dirty="0" smtClean="0"/>
+              <a:t>Facts</a:t>
+            </a:r>
+          </a:p>
+          <a:p>
+            <a:pPr lvl="1"/>
+            <a:r>
+              <a:rPr lang="de-CH" dirty="0" smtClean="0"/>
+              <a:t>Demo</a:t>
+            </a:r>
+          </a:p>
+          <a:p>
+            <a:pPr lvl="1"/>
+            <a:r>
+              <a:rPr lang="de-CH" dirty="0" smtClean="0"/>
+              <a:t>Aufbau</a:t>
+            </a:r>
+          </a:p>
+          <a:p>
+            <a:pPr lvl="1"/>
+            <a:r>
+              <a:rPr lang="de-CH" dirty="0" smtClean="0"/>
+              <a:t>Code</a:t>
+            </a:r>
             <a:endParaRPr lang="de-CH" dirty="0"/>
           </a:p>
         </p:txBody>
@@ -11948,7 +12189,7 @@
     </p:spTree>
     <p:extLst>
       <p:ext uri="{BB962C8B-B14F-4D97-AF65-F5344CB8AC3E}">
-        <p14:creationId xmlns:p14="http://schemas.microsoft.com/office/powerpoint/2010/main" val="533526480"/>
+        <p14:creationId xmlns:p14="http://schemas.microsoft.com/office/powerpoint/2010/main" val="3063708183"/>
       </p:ext>
     </p:extLst>
   </p:cSld>
@@ -11966,6 +12207,1804 @@
 </file>
 
 <file path=ppt/slides/slide30.xml><?xml version="1.0" encoding="utf-8"?>
+<p:sld xmlns:a="http://schemas.openxmlformats.org/drawingml/2006/main" xmlns:r="http://schemas.openxmlformats.org/officeDocument/2006/relationships" xmlns:p="http://schemas.openxmlformats.org/presentationml/2006/main">
+  <p:cSld>
+    <p:bg>
+      <p:bgPr>
+        <a:gradFill flip="none" rotWithShape="1">
+          <a:gsLst>
+            <a:gs pos="0">
+              <a:schemeClr val="tx1">
+                <a:lumMod val="50000"/>
+                <a:lumOff val="50000"/>
+              </a:schemeClr>
+            </a:gs>
+            <a:gs pos="50000">
+              <a:schemeClr val="accent1">
+                <a:tint val="44500"/>
+                <a:satMod val="160000"/>
+              </a:schemeClr>
+            </a:gs>
+            <a:gs pos="100000">
+              <a:schemeClr val="accent1">
+                <a:tint val="23500"/>
+                <a:satMod val="160000"/>
+              </a:schemeClr>
+            </a:gs>
+          </a:gsLst>
+          <a:lin ang="5400000" scaled="0"/>
+          <a:tileRect/>
+        </a:gradFill>
+        <a:effectLst/>
+      </p:bgPr>
+    </p:bg>
+    <p:spTree>
+      <p:nvGrpSpPr>
+        <p:cNvPr id="1" name=""/>
+        <p:cNvGrpSpPr/>
+        <p:nvPr/>
+      </p:nvGrpSpPr>
+      <p:grpSpPr>
+        <a:xfrm>
+          <a:off x="0" y="0"/>
+          <a:ext cx="0" cy="0"/>
+          <a:chOff x="0" y="0"/>
+          <a:chExt cx="0" cy="0"/>
+        </a:xfrm>
+      </p:grpSpPr>
+      <p:sp>
+        <p:nvSpPr>
+          <p:cNvPr id="2" name="Titel 1"/>
+          <p:cNvSpPr>
+            <a:spLocks noGrp="1"/>
+          </p:cNvSpPr>
+          <p:nvPr>
+            <p:ph type="title"/>
+          </p:nvPr>
+        </p:nvSpPr>
+        <p:spPr>
+          <a:xfrm>
+            <a:off x="2195736" y="274638"/>
+            <a:ext cx="6491064" cy="1143000"/>
+          </a:xfrm>
+        </p:spPr>
+        <p:txBody>
+          <a:bodyPr/>
+          <a:lstStyle/>
+          <a:p>
+            <a:r>
+              <a:rPr lang="de-CH" dirty="0" smtClean="0"/>
+              <a:t>PhoneGap - Kriterien</a:t>
+            </a:r>
+            <a:endParaRPr lang="de-CH" dirty="0"/>
+          </a:p>
+        </p:txBody>
+      </p:sp>
+      <p:sp>
+        <p:nvSpPr>
+          <p:cNvPr id="3" name="Inhaltsplatzhalter 2"/>
+          <p:cNvSpPr>
+            <a:spLocks noGrp="1"/>
+          </p:cNvSpPr>
+          <p:nvPr>
+            <p:ph idx="1"/>
+          </p:nvPr>
+        </p:nvSpPr>
+        <p:spPr/>
+        <p:txBody>
+          <a:bodyPr>
+            <a:normAutofit lnSpcReduction="10000"/>
+          </a:bodyPr>
+          <a:lstStyle/>
+          <a:p>
+            <a:r>
+              <a:rPr lang="de-CH" dirty="0" smtClean="0"/>
+              <a:t>Einfachheit</a:t>
+            </a:r>
+          </a:p>
+          <a:p>
+            <a:pPr lvl="1"/>
+            <a:r>
+              <a:rPr lang="de-CH" dirty="0" smtClean="0"/>
+              <a:t>Sehr gute und ausführliche Beispiele</a:t>
+            </a:r>
+          </a:p>
+          <a:p>
+            <a:pPr lvl="1"/>
+            <a:r>
+              <a:rPr lang="de-CH" dirty="0" smtClean="0"/>
+              <a:t>Hohe Funktionsdichte</a:t>
+            </a:r>
+          </a:p>
+          <a:p>
+            <a:pPr lvl="1"/>
+            <a:r>
+              <a:rPr lang="de-CH" dirty="0" smtClean="0"/>
+              <a:t>Intuitiv mit HTML, CSS und JavaScript</a:t>
+            </a:r>
+          </a:p>
+          <a:p>
+            <a:r>
+              <a:rPr lang="de-CH" dirty="0" smtClean="0"/>
+              <a:t>Entwicklungsumgebung</a:t>
+            </a:r>
+          </a:p>
+          <a:p>
+            <a:pPr lvl="1"/>
+            <a:r>
+              <a:rPr lang="de-CH" dirty="0" err="1" smtClean="0"/>
+              <a:t>Eclipse</a:t>
+            </a:r>
+            <a:r>
+              <a:rPr lang="de-CH" dirty="0" smtClean="0"/>
+              <a:t> mit PhoneGap </a:t>
+            </a:r>
+            <a:r>
+              <a:rPr lang="de-CH" dirty="0" err="1" smtClean="0"/>
+              <a:t>Cordova</a:t>
+            </a:r>
+            <a:r>
+              <a:rPr lang="de-CH" dirty="0" smtClean="0"/>
+              <a:t> Erweiterung</a:t>
+            </a:r>
+          </a:p>
+          <a:p>
+            <a:pPr lvl="1"/>
+            <a:r>
+              <a:rPr lang="de-CH" dirty="0" smtClean="0"/>
+              <a:t>Dreamweaver mit PhoneGap </a:t>
+            </a:r>
+            <a:r>
+              <a:rPr lang="de-CH" dirty="0" err="1" smtClean="0"/>
+              <a:t>Cordova</a:t>
+            </a:r>
+            <a:r>
+              <a:rPr lang="de-CH" dirty="0" smtClean="0"/>
+              <a:t> Erweiterung</a:t>
+            </a:r>
+          </a:p>
+          <a:p>
+            <a:pPr lvl="1"/>
+            <a:r>
+              <a:rPr lang="de-CH" dirty="0" smtClean="0"/>
+              <a:t>Text-</a:t>
+            </a:r>
+            <a:r>
+              <a:rPr lang="de-CH" dirty="0" err="1" smtClean="0"/>
+              <a:t>Completion</a:t>
+            </a:r>
+            <a:r>
+              <a:rPr lang="de-CH" dirty="0" smtClean="0"/>
+              <a:t>, Variable-Lookup, </a:t>
+            </a:r>
+            <a:r>
+              <a:rPr lang="de-CH" dirty="0" err="1" smtClean="0"/>
+              <a:t>Highlighting</a:t>
+            </a:r>
+            <a:endParaRPr lang="de-CH" dirty="0" smtClean="0"/>
+          </a:p>
+          <a:p>
+            <a:pPr lvl="1"/>
+            <a:r>
+              <a:rPr lang="de-CH" dirty="0" err="1" smtClean="0"/>
+              <a:t>appMobi</a:t>
+            </a:r>
+            <a:r>
+              <a:rPr lang="de-CH" dirty="0" smtClean="0"/>
+              <a:t> PhoneGap XDK</a:t>
+            </a:r>
+          </a:p>
+          <a:p>
+            <a:endParaRPr lang="de-CH" dirty="0"/>
+          </a:p>
+          <a:p>
+            <a:endParaRPr lang="de-CH" dirty="0" smtClean="0"/>
+          </a:p>
+          <a:p>
+            <a:endParaRPr lang="de-CH" dirty="0"/>
+          </a:p>
+          <a:p>
+            <a:endParaRPr lang="de-CH" dirty="0"/>
+          </a:p>
+        </p:txBody>
+      </p:sp>
+      <p:pic>
+        <p:nvPicPr>
+          <p:cNvPr id="10242" name="Picture 2" descr="F:\Schule\HSZ-T\3. Jahr\Handheld\Semesterarbeit\Handheld_Repo\Media\PhoneGap\PhoneGap_logo.JPG"/>
+          <p:cNvPicPr>
+            <a:picLocks noChangeAspect="1" noChangeArrowheads="1"/>
+          </p:cNvPicPr>
+          <p:nvPr/>
+        </p:nvPicPr>
+        <p:blipFill>
+          <a:blip r:embed="rId2">
+            <a:extLst>
+              <a:ext uri="{28A0092B-C50C-407E-A947-70E740481C1C}">
+                <a14:useLocalDpi xmlns:a14="http://schemas.microsoft.com/office/drawing/2010/main" val="0"/>
+              </a:ext>
+            </a:extLst>
+          </a:blip>
+          <a:srcRect/>
+          <a:stretch>
+            <a:fillRect/>
+          </a:stretch>
+        </p:blipFill>
+        <p:spPr bwMode="auto">
+          <a:xfrm>
+            <a:off x="166688" y="404664"/>
+            <a:ext cx="2749831" cy="879946"/>
+          </a:xfrm>
+          <a:prstGeom prst="rect">
+            <a:avLst/>
+          </a:prstGeom>
+          <a:noFill/>
+          <a:extLst>
+            <a:ext uri="{909E8E84-426E-40DD-AFC4-6F175D3DCCD1}">
+              <a14:hiddenFill xmlns:a14="http://schemas.microsoft.com/office/drawing/2010/main">
+                <a:solidFill>
+                  <a:srgbClr val="FFFFFF"/>
+                </a:solidFill>
+              </a14:hiddenFill>
+            </a:ext>
+          </a:extLst>
+        </p:spPr>
+      </p:pic>
+    </p:spTree>
+    <p:extLst>
+      <p:ext uri="{BB962C8B-B14F-4D97-AF65-F5344CB8AC3E}">
+        <p14:creationId xmlns:p14="http://schemas.microsoft.com/office/powerpoint/2010/main" val="3070593293"/>
+      </p:ext>
+    </p:extLst>
+  </p:cSld>
+  <p:clrMapOvr>
+    <a:masterClrMapping/>
+  </p:clrMapOvr>
+  <p:timing>
+    <p:tnLst>
+      <p:par>
+        <p:cTn id="1" dur="indefinite" restart="never" nodeType="tmRoot"/>
+      </p:par>
+    </p:tnLst>
+  </p:timing>
+</p:sld>
+</file>
+
+<file path=ppt/slides/slide31.xml><?xml version="1.0" encoding="utf-8"?>
+<p:sld xmlns:a="http://schemas.openxmlformats.org/drawingml/2006/main" xmlns:r="http://schemas.openxmlformats.org/officeDocument/2006/relationships" xmlns:p="http://schemas.openxmlformats.org/presentationml/2006/main">
+  <p:cSld>
+    <p:bg>
+      <p:bgPr>
+        <a:gradFill flip="none" rotWithShape="1">
+          <a:gsLst>
+            <a:gs pos="0">
+              <a:schemeClr val="tx1">
+                <a:lumMod val="50000"/>
+                <a:lumOff val="50000"/>
+              </a:schemeClr>
+            </a:gs>
+            <a:gs pos="50000">
+              <a:schemeClr val="accent1">
+                <a:tint val="44500"/>
+                <a:satMod val="160000"/>
+              </a:schemeClr>
+            </a:gs>
+            <a:gs pos="100000">
+              <a:schemeClr val="accent1">
+                <a:tint val="23500"/>
+                <a:satMod val="160000"/>
+              </a:schemeClr>
+            </a:gs>
+          </a:gsLst>
+          <a:lin ang="5400000" scaled="0"/>
+          <a:tileRect/>
+        </a:gradFill>
+        <a:effectLst/>
+      </p:bgPr>
+    </p:bg>
+    <p:spTree>
+      <p:nvGrpSpPr>
+        <p:cNvPr id="1" name=""/>
+        <p:cNvGrpSpPr/>
+        <p:nvPr/>
+      </p:nvGrpSpPr>
+      <p:grpSpPr>
+        <a:xfrm>
+          <a:off x="0" y="0"/>
+          <a:ext cx="0" cy="0"/>
+          <a:chOff x="0" y="0"/>
+          <a:chExt cx="0" cy="0"/>
+        </a:xfrm>
+      </p:grpSpPr>
+      <p:sp>
+        <p:nvSpPr>
+          <p:cNvPr id="2" name="Titel 1"/>
+          <p:cNvSpPr>
+            <a:spLocks noGrp="1"/>
+          </p:cNvSpPr>
+          <p:nvPr>
+            <p:ph type="title"/>
+          </p:nvPr>
+        </p:nvSpPr>
+        <p:spPr>
+          <a:xfrm>
+            <a:off x="2195736" y="274638"/>
+            <a:ext cx="6491064" cy="1143000"/>
+          </a:xfrm>
+        </p:spPr>
+        <p:txBody>
+          <a:bodyPr/>
+          <a:lstStyle/>
+          <a:p>
+            <a:r>
+              <a:rPr lang="de-CH" dirty="0" smtClean="0"/>
+              <a:t>PhoneGap - Kriterien</a:t>
+            </a:r>
+            <a:endParaRPr lang="de-CH" dirty="0"/>
+          </a:p>
+        </p:txBody>
+      </p:sp>
+      <p:sp>
+        <p:nvSpPr>
+          <p:cNvPr id="3" name="Inhaltsplatzhalter 2"/>
+          <p:cNvSpPr>
+            <a:spLocks noGrp="1"/>
+          </p:cNvSpPr>
+          <p:nvPr>
+            <p:ph idx="1"/>
+          </p:nvPr>
+        </p:nvSpPr>
+        <p:spPr>
+          <a:xfrm>
+            <a:off x="457200" y="1600200"/>
+            <a:ext cx="8363272" cy="4525963"/>
+          </a:xfrm>
+        </p:spPr>
+        <p:txBody>
+          <a:bodyPr>
+            <a:normAutofit/>
+          </a:bodyPr>
+          <a:lstStyle/>
+          <a:p>
+            <a:r>
+              <a:rPr lang="de-CH" dirty="0" smtClean="0"/>
+              <a:t>Support</a:t>
+            </a:r>
+          </a:p>
+          <a:p>
+            <a:pPr lvl="1"/>
+            <a:r>
+              <a:rPr lang="de-CH" dirty="0" smtClean="0"/>
+              <a:t>Support-</a:t>
+            </a:r>
+            <a:r>
+              <a:rPr lang="de-CH" dirty="0" err="1" smtClean="0"/>
+              <a:t>Packets</a:t>
+            </a:r>
+            <a:r>
+              <a:rPr lang="de-CH" dirty="0" smtClean="0"/>
+              <a:t> (verschiedene Stufen)</a:t>
+            </a:r>
+          </a:p>
+          <a:p>
+            <a:pPr lvl="1"/>
+            <a:r>
+              <a:rPr lang="de-CH" dirty="0" smtClean="0"/>
+              <a:t>Adobe Support, teilweise kostenlos</a:t>
+            </a:r>
+          </a:p>
+          <a:p>
+            <a:pPr lvl="1"/>
+            <a:r>
+              <a:rPr lang="de-CH" dirty="0" smtClean="0"/>
+              <a:t>KB, Chats, Forum, Telefon, Bug-Fixes, Google Group</a:t>
+            </a:r>
+          </a:p>
+          <a:p>
+            <a:pPr lvl="1"/>
+            <a:r>
+              <a:rPr lang="de-CH" dirty="0" smtClean="0"/>
+              <a:t>In Landessprache verfügb</a:t>
+            </a:r>
+            <a:r>
+              <a:rPr lang="de-CH" dirty="0" smtClean="0"/>
+              <a:t>ar</a:t>
+            </a:r>
+          </a:p>
+          <a:p>
+            <a:r>
+              <a:rPr lang="de-CH" dirty="0" smtClean="0"/>
+              <a:t>Dokumentation</a:t>
+            </a:r>
+          </a:p>
+          <a:p>
+            <a:pPr lvl="1"/>
+            <a:r>
+              <a:rPr lang="de-CH" dirty="0" smtClean="0"/>
+              <a:t>Einfach navigierbar, sauber, gut gepflegt</a:t>
+            </a:r>
+          </a:p>
+          <a:p>
+            <a:pPr lvl="1"/>
+            <a:r>
+              <a:rPr lang="de-CH" dirty="0" smtClean="0"/>
+              <a:t>Online, Bücher, Filedownload</a:t>
+            </a:r>
+          </a:p>
+          <a:p>
+            <a:endParaRPr lang="de-CH" dirty="0"/>
+          </a:p>
+          <a:p>
+            <a:endParaRPr lang="de-CH" dirty="0" smtClean="0"/>
+          </a:p>
+          <a:p>
+            <a:endParaRPr lang="de-CH" dirty="0"/>
+          </a:p>
+          <a:p>
+            <a:endParaRPr lang="de-CH" dirty="0"/>
+          </a:p>
+        </p:txBody>
+      </p:sp>
+      <p:pic>
+        <p:nvPicPr>
+          <p:cNvPr id="10242" name="Picture 2" descr="F:\Schule\HSZ-T\3. Jahr\Handheld\Semesterarbeit\Handheld_Repo\Media\PhoneGap\PhoneGap_logo.JPG"/>
+          <p:cNvPicPr>
+            <a:picLocks noChangeAspect="1" noChangeArrowheads="1"/>
+          </p:cNvPicPr>
+          <p:nvPr/>
+        </p:nvPicPr>
+        <p:blipFill>
+          <a:blip r:embed="rId2">
+            <a:extLst>
+              <a:ext uri="{28A0092B-C50C-407E-A947-70E740481C1C}">
+                <a14:useLocalDpi xmlns:a14="http://schemas.microsoft.com/office/drawing/2010/main" val="0"/>
+              </a:ext>
+            </a:extLst>
+          </a:blip>
+          <a:srcRect/>
+          <a:stretch>
+            <a:fillRect/>
+          </a:stretch>
+        </p:blipFill>
+        <p:spPr bwMode="auto">
+          <a:xfrm>
+            <a:off x="166688" y="404664"/>
+            <a:ext cx="2749831" cy="879946"/>
+          </a:xfrm>
+          <a:prstGeom prst="rect">
+            <a:avLst/>
+          </a:prstGeom>
+          <a:noFill/>
+          <a:extLst>
+            <a:ext uri="{909E8E84-426E-40DD-AFC4-6F175D3DCCD1}">
+              <a14:hiddenFill xmlns:a14="http://schemas.microsoft.com/office/drawing/2010/main">
+                <a:solidFill>
+                  <a:srgbClr val="FFFFFF"/>
+                </a:solidFill>
+              </a14:hiddenFill>
+            </a:ext>
+          </a:extLst>
+        </p:spPr>
+      </p:pic>
+    </p:spTree>
+    <p:extLst>
+      <p:ext uri="{BB962C8B-B14F-4D97-AF65-F5344CB8AC3E}">
+        <p14:creationId xmlns:p14="http://schemas.microsoft.com/office/powerpoint/2010/main" val="3232523886"/>
+      </p:ext>
+    </p:extLst>
+  </p:cSld>
+  <p:clrMapOvr>
+    <a:masterClrMapping/>
+  </p:clrMapOvr>
+  <p:timing>
+    <p:tnLst>
+      <p:par>
+        <p:cTn id="1" dur="indefinite" restart="never" nodeType="tmRoot"/>
+      </p:par>
+    </p:tnLst>
+  </p:timing>
+</p:sld>
+</file>
+
+<file path=ppt/slides/slide32.xml><?xml version="1.0" encoding="utf-8"?>
+<p:sld xmlns:a="http://schemas.openxmlformats.org/drawingml/2006/main" xmlns:r="http://schemas.openxmlformats.org/officeDocument/2006/relationships" xmlns:p="http://schemas.openxmlformats.org/presentationml/2006/main">
+  <p:cSld>
+    <p:bg>
+      <p:bgPr>
+        <a:gradFill flip="none" rotWithShape="1">
+          <a:gsLst>
+            <a:gs pos="0">
+              <a:schemeClr val="tx1">
+                <a:lumMod val="50000"/>
+                <a:lumOff val="50000"/>
+              </a:schemeClr>
+            </a:gs>
+            <a:gs pos="50000">
+              <a:schemeClr val="accent1">
+                <a:tint val="44500"/>
+                <a:satMod val="160000"/>
+              </a:schemeClr>
+            </a:gs>
+            <a:gs pos="100000">
+              <a:schemeClr val="accent1">
+                <a:tint val="23500"/>
+                <a:satMod val="160000"/>
+              </a:schemeClr>
+            </a:gs>
+          </a:gsLst>
+          <a:lin ang="5400000" scaled="0"/>
+          <a:tileRect/>
+        </a:gradFill>
+        <a:effectLst/>
+      </p:bgPr>
+    </p:bg>
+    <p:spTree>
+      <p:nvGrpSpPr>
+        <p:cNvPr id="1" name=""/>
+        <p:cNvGrpSpPr/>
+        <p:nvPr/>
+      </p:nvGrpSpPr>
+      <p:grpSpPr>
+        <a:xfrm>
+          <a:off x="0" y="0"/>
+          <a:ext cx="0" cy="0"/>
+          <a:chOff x="0" y="0"/>
+          <a:chExt cx="0" cy="0"/>
+        </a:xfrm>
+      </p:grpSpPr>
+      <p:sp>
+        <p:nvSpPr>
+          <p:cNvPr id="2" name="Titel 1"/>
+          <p:cNvSpPr>
+            <a:spLocks noGrp="1"/>
+          </p:cNvSpPr>
+          <p:nvPr>
+            <p:ph type="title"/>
+          </p:nvPr>
+        </p:nvSpPr>
+        <p:spPr>
+          <a:xfrm>
+            <a:off x="2195736" y="274638"/>
+            <a:ext cx="6491064" cy="1143000"/>
+          </a:xfrm>
+        </p:spPr>
+        <p:txBody>
+          <a:bodyPr/>
+          <a:lstStyle/>
+          <a:p>
+            <a:r>
+              <a:rPr lang="de-CH" dirty="0" smtClean="0"/>
+              <a:t>PhoneGap - Kriterien</a:t>
+            </a:r>
+            <a:endParaRPr lang="de-CH" dirty="0"/>
+          </a:p>
+        </p:txBody>
+      </p:sp>
+      <p:sp>
+        <p:nvSpPr>
+          <p:cNvPr id="3" name="Inhaltsplatzhalter 2"/>
+          <p:cNvSpPr>
+            <a:spLocks noGrp="1"/>
+          </p:cNvSpPr>
+          <p:nvPr>
+            <p:ph idx="1"/>
+          </p:nvPr>
+        </p:nvSpPr>
+        <p:spPr>
+          <a:xfrm>
+            <a:off x="457200" y="1600200"/>
+            <a:ext cx="8363272" cy="4525963"/>
+          </a:xfrm>
+        </p:spPr>
+        <p:txBody>
+          <a:bodyPr>
+            <a:normAutofit/>
+          </a:bodyPr>
+          <a:lstStyle/>
+          <a:p>
+            <a:r>
+              <a:rPr lang="de-CH" dirty="0" smtClean="0"/>
+              <a:t>Tutorials</a:t>
+            </a:r>
+          </a:p>
+          <a:p>
+            <a:pPr lvl="1"/>
+            <a:r>
+              <a:rPr lang="de-CH" dirty="0" smtClean="0"/>
+              <a:t>1.09Mio Google Hits mit «PhoneGap </a:t>
+            </a:r>
+            <a:r>
+              <a:rPr lang="de-CH" dirty="0" err="1" smtClean="0"/>
+              <a:t>Tutorial</a:t>
+            </a:r>
+            <a:r>
+              <a:rPr lang="de-CH" dirty="0" smtClean="0"/>
+              <a:t>»</a:t>
+            </a:r>
+          </a:p>
+          <a:p>
+            <a:pPr lvl="1"/>
+            <a:r>
+              <a:rPr lang="de-CH" dirty="0" smtClean="0"/>
+              <a:t>Developer Portal, Video Tutorials</a:t>
+            </a:r>
+          </a:p>
+          <a:p>
+            <a:pPr lvl="1"/>
+            <a:r>
+              <a:rPr lang="de-CH" dirty="0" smtClean="0"/>
+              <a:t>Sehr gute Qualität</a:t>
+            </a:r>
+          </a:p>
+          <a:p>
+            <a:r>
+              <a:rPr lang="de-CH" dirty="0" err="1" smtClean="0"/>
+              <a:t>Buildings</a:t>
+            </a:r>
+            <a:endParaRPr lang="de-CH" dirty="0" smtClean="0"/>
+          </a:p>
+          <a:p>
+            <a:pPr lvl="1"/>
+            <a:r>
+              <a:rPr lang="de-CH" dirty="0" smtClean="0"/>
+              <a:t>Lokal oder online</a:t>
+            </a:r>
+          </a:p>
+          <a:p>
+            <a:pPr lvl="1"/>
+            <a:r>
+              <a:rPr lang="de-CH" dirty="0" smtClean="0"/>
+              <a:t>Direkter </a:t>
+            </a:r>
+            <a:r>
+              <a:rPr lang="de-CH" dirty="0" err="1" smtClean="0"/>
+              <a:t>Build</a:t>
+            </a:r>
+            <a:r>
+              <a:rPr lang="de-CH" dirty="0" smtClean="0"/>
+              <a:t> für alle OS</a:t>
+            </a:r>
+          </a:p>
+          <a:p>
+            <a:pPr lvl="1"/>
+            <a:r>
+              <a:rPr lang="de-CH" dirty="0" smtClean="0"/>
+              <a:t>Automatische Signierung, Remote </a:t>
+            </a:r>
+            <a:r>
+              <a:rPr lang="de-CH" dirty="0" err="1" smtClean="0"/>
+              <a:t>Deployment</a:t>
+            </a:r>
+            <a:endParaRPr lang="de-CH" dirty="0" smtClean="0"/>
+          </a:p>
+          <a:p>
+            <a:endParaRPr lang="de-CH" dirty="0"/>
+          </a:p>
+          <a:p>
+            <a:endParaRPr lang="de-CH" dirty="0" smtClean="0"/>
+          </a:p>
+          <a:p>
+            <a:endParaRPr lang="de-CH" dirty="0"/>
+          </a:p>
+          <a:p>
+            <a:endParaRPr lang="de-CH" dirty="0"/>
+          </a:p>
+        </p:txBody>
+      </p:sp>
+      <p:pic>
+        <p:nvPicPr>
+          <p:cNvPr id="10242" name="Picture 2" descr="F:\Schule\HSZ-T\3. Jahr\Handheld\Semesterarbeit\Handheld_Repo\Media\PhoneGap\PhoneGap_logo.JPG"/>
+          <p:cNvPicPr>
+            <a:picLocks noChangeAspect="1" noChangeArrowheads="1"/>
+          </p:cNvPicPr>
+          <p:nvPr/>
+        </p:nvPicPr>
+        <p:blipFill>
+          <a:blip r:embed="rId2">
+            <a:extLst>
+              <a:ext uri="{28A0092B-C50C-407E-A947-70E740481C1C}">
+                <a14:useLocalDpi xmlns:a14="http://schemas.microsoft.com/office/drawing/2010/main" val="0"/>
+              </a:ext>
+            </a:extLst>
+          </a:blip>
+          <a:srcRect/>
+          <a:stretch>
+            <a:fillRect/>
+          </a:stretch>
+        </p:blipFill>
+        <p:spPr bwMode="auto">
+          <a:xfrm>
+            <a:off x="166688" y="404664"/>
+            <a:ext cx="2749831" cy="879946"/>
+          </a:xfrm>
+          <a:prstGeom prst="rect">
+            <a:avLst/>
+          </a:prstGeom>
+          <a:noFill/>
+          <a:extLst>
+            <a:ext uri="{909E8E84-426E-40DD-AFC4-6F175D3DCCD1}">
+              <a14:hiddenFill xmlns:a14="http://schemas.microsoft.com/office/drawing/2010/main">
+                <a:solidFill>
+                  <a:srgbClr val="FFFFFF"/>
+                </a:solidFill>
+              </a14:hiddenFill>
+            </a:ext>
+          </a:extLst>
+        </p:spPr>
+      </p:pic>
+    </p:spTree>
+    <p:extLst>
+      <p:ext uri="{BB962C8B-B14F-4D97-AF65-F5344CB8AC3E}">
+        <p14:creationId xmlns:p14="http://schemas.microsoft.com/office/powerpoint/2010/main" val="681945695"/>
+      </p:ext>
+    </p:extLst>
+  </p:cSld>
+  <p:clrMapOvr>
+    <a:masterClrMapping/>
+  </p:clrMapOvr>
+  <p:timing>
+    <p:tnLst>
+      <p:par>
+        <p:cTn id="1" dur="indefinite" restart="never" nodeType="tmRoot"/>
+      </p:par>
+    </p:tnLst>
+  </p:timing>
+</p:sld>
+</file>
+
+<file path=ppt/slides/slide33.xml><?xml version="1.0" encoding="utf-8"?>
+<p:sld xmlns:a="http://schemas.openxmlformats.org/drawingml/2006/main" xmlns:r="http://schemas.openxmlformats.org/officeDocument/2006/relationships" xmlns:p="http://schemas.openxmlformats.org/presentationml/2006/main">
+  <p:cSld>
+    <p:bg>
+      <p:bgPr>
+        <a:gradFill flip="none" rotWithShape="1">
+          <a:gsLst>
+            <a:gs pos="0">
+              <a:schemeClr val="tx1">
+                <a:lumMod val="50000"/>
+                <a:lumOff val="50000"/>
+              </a:schemeClr>
+            </a:gs>
+            <a:gs pos="50000">
+              <a:schemeClr val="accent1">
+                <a:tint val="44500"/>
+                <a:satMod val="160000"/>
+              </a:schemeClr>
+            </a:gs>
+            <a:gs pos="100000">
+              <a:schemeClr val="accent1">
+                <a:tint val="23500"/>
+                <a:satMod val="160000"/>
+              </a:schemeClr>
+            </a:gs>
+          </a:gsLst>
+          <a:lin ang="5400000" scaled="0"/>
+          <a:tileRect/>
+        </a:gradFill>
+        <a:effectLst/>
+      </p:bgPr>
+    </p:bg>
+    <p:spTree>
+      <p:nvGrpSpPr>
+        <p:cNvPr id="1" name=""/>
+        <p:cNvGrpSpPr/>
+        <p:nvPr/>
+      </p:nvGrpSpPr>
+      <p:grpSpPr>
+        <a:xfrm>
+          <a:off x="0" y="0"/>
+          <a:ext cx="0" cy="0"/>
+          <a:chOff x="0" y="0"/>
+          <a:chExt cx="0" cy="0"/>
+        </a:xfrm>
+      </p:grpSpPr>
+      <p:sp>
+        <p:nvSpPr>
+          <p:cNvPr id="2" name="Titel 1"/>
+          <p:cNvSpPr>
+            <a:spLocks noGrp="1"/>
+          </p:cNvSpPr>
+          <p:nvPr>
+            <p:ph type="title"/>
+          </p:nvPr>
+        </p:nvSpPr>
+        <p:spPr>
+          <a:xfrm>
+            <a:off x="2195736" y="274638"/>
+            <a:ext cx="6491064" cy="1143000"/>
+          </a:xfrm>
+        </p:spPr>
+        <p:txBody>
+          <a:bodyPr/>
+          <a:lstStyle/>
+          <a:p>
+            <a:r>
+              <a:rPr lang="de-CH" dirty="0" smtClean="0"/>
+              <a:t>PhoneGap - Kriterien</a:t>
+            </a:r>
+            <a:endParaRPr lang="de-CH" dirty="0"/>
+          </a:p>
+        </p:txBody>
+      </p:sp>
+      <p:sp>
+        <p:nvSpPr>
+          <p:cNvPr id="3" name="Inhaltsplatzhalter 2"/>
+          <p:cNvSpPr>
+            <a:spLocks noGrp="1"/>
+          </p:cNvSpPr>
+          <p:nvPr>
+            <p:ph idx="1"/>
+          </p:nvPr>
+        </p:nvSpPr>
+        <p:spPr>
+          <a:xfrm>
+            <a:off x="457200" y="1600200"/>
+            <a:ext cx="8363272" cy="4525963"/>
+          </a:xfrm>
+        </p:spPr>
+        <p:txBody>
+          <a:bodyPr>
+            <a:normAutofit/>
+          </a:bodyPr>
+          <a:lstStyle/>
+          <a:p>
+            <a:r>
+              <a:rPr lang="de-CH" dirty="0" smtClean="0"/>
+              <a:t>Testing</a:t>
+            </a:r>
+          </a:p>
+          <a:p>
+            <a:pPr lvl="1"/>
+            <a:r>
+              <a:rPr lang="de-CH" dirty="0" smtClean="0"/>
+              <a:t>Test Tools von Community</a:t>
+            </a:r>
+          </a:p>
+          <a:p>
+            <a:pPr lvl="1"/>
+            <a:r>
+              <a:rPr lang="de-CH" dirty="0" smtClean="0"/>
+              <a:t>Debugging Portal</a:t>
+            </a:r>
+          </a:p>
+          <a:p>
+            <a:pPr lvl="1"/>
+            <a:r>
+              <a:rPr lang="de-CH" dirty="0" smtClean="0"/>
+              <a:t>Direkt im IDE einzubinden</a:t>
+            </a:r>
+          </a:p>
+          <a:p>
+            <a:r>
+              <a:rPr lang="de-CH" dirty="0" smtClean="0"/>
+              <a:t>Verbreitung</a:t>
+            </a:r>
+          </a:p>
+          <a:p>
+            <a:pPr lvl="1"/>
+            <a:r>
+              <a:rPr lang="de-CH" dirty="0" smtClean="0"/>
+              <a:t>4.4 </a:t>
+            </a:r>
+            <a:r>
+              <a:rPr lang="de-CH" dirty="0" err="1" smtClean="0"/>
+              <a:t>Mio</a:t>
+            </a:r>
+            <a:r>
+              <a:rPr lang="de-CH" dirty="0" smtClean="0"/>
+              <a:t> Google Hits</a:t>
+            </a:r>
+          </a:p>
+          <a:p>
+            <a:pPr lvl="1"/>
+            <a:r>
+              <a:rPr lang="de-CH" dirty="0" smtClean="0"/>
+              <a:t>Über 30’000 Apps online</a:t>
+            </a:r>
+          </a:p>
+          <a:p>
+            <a:pPr lvl="1"/>
+            <a:r>
+              <a:rPr lang="de-CH" dirty="0" smtClean="0"/>
+              <a:t>Logitech </a:t>
+            </a:r>
+            <a:r>
+              <a:rPr lang="de-CH" dirty="0" err="1" smtClean="0"/>
+              <a:t>Squeezebox</a:t>
+            </a:r>
+            <a:r>
+              <a:rPr lang="de-CH" dirty="0" smtClean="0"/>
+              <a:t>, BBC </a:t>
+            </a:r>
+            <a:r>
+              <a:rPr lang="de-CH" dirty="0" err="1" smtClean="0"/>
+              <a:t>Olympics</a:t>
+            </a:r>
+            <a:endParaRPr lang="de-CH" dirty="0" smtClean="0"/>
+          </a:p>
+          <a:p>
+            <a:endParaRPr lang="de-CH" dirty="0"/>
+          </a:p>
+          <a:p>
+            <a:endParaRPr lang="de-CH" dirty="0" smtClean="0"/>
+          </a:p>
+          <a:p>
+            <a:endParaRPr lang="de-CH" dirty="0"/>
+          </a:p>
+          <a:p>
+            <a:endParaRPr lang="de-CH" dirty="0"/>
+          </a:p>
+        </p:txBody>
+      </p:sp>
+      <p:pic>
+        <p:nvPicPr>
+          <p:cNvPr id="10242" name="Picture 2" descr="F:\Schule\HSZ-T\3. Jahr\Handheld\Semesterarbeit\Handheld_Repo\Media\PhoneGap\PhoneGap_logo.JPG"/>
+          <p:cNvPicPr>
+            <a:picLocks noChangeAspect="1" noChangeArrowheads="1"/>
+          </p:cNvPicPr>
+          <p:nvPr/>
+        </p:nvPicPr>
+        <p:blipFill>
+          <a:blip r:embed="rId2">
+            <a:extLst>
+              <a:ext uri="{28A0092B-C50C-407E-A947-70E740481C1C}">
+                <a14:useLocalDpi xmlns:a14="http://schemas.microsoft.com/office/drawing/2010/main" val="0"/>
+              </a:ext>
+            </a:extLst>
+          </a:blip>
+          <a:srcRect/>
+          <a:stretch>
+            <a:fillRect/>
+          </a:stretch>
+        </p:blipFill>
+        <p:spPr bwMode="auto">
+          <a:xfrm>
+            <a:off x="166688" y="404664"/>
+            <a:ext cx="2749831" cy="879946"/>
+          </a:xfrm>
+          <a:prstGeom prst="rect">
+            <a:avLst/>
+          </a:prstGeom>
+          <a:noFill/>
+          <a:extLst>
+            <a:ext uri="{909E8E84-426E-40DD-AFC4-6F175D3DCCD1}">
+              <a14:hiddenFill xmlns:a14="http://schemas.microsoft.com/office/drawing/2010/main">
+                <a:solidFill>
+                  <a:srgbClr val="FFFFFF"/>
+                </a:solidFill>
+              </a14:hiddenFill>
+            </a:ext>
+          </a:extLst>
+        </p:spPr>
+      </p:pic>
+    </p:spTree>
+    <p:extLst>
+      <p:ext uri="{BB962C8B-B14F-4D97-AF65-F5344CB8AC3E}">
+        <p14:creationId xmlns:p14="http://schemas.microsoft.com/office/powerpoint/2010/main" val="1581192861"/>
+      </p:ext>
+    </p:extLst>
+  </p:cSld>
+  <p:clrMapOvr>
+    <a:masterClrMapping/>
+  </p:clrMapOvr>
+  <p:timing>
+    <p:tnLst>
+      <p:par>
+        <p:cTn id="1" dur="indefinite" restart="never" nodeType="tmRoot"/>
+      </p:par>
+    </p:tnLst>
+  </p:timing>
+</p:sld>
+</file>
+
+<file path=ppt/slides/slide34.xml><?xml version="1.0" encoding="utf-8"?>
+<p:sld xmlns:a="http://schemas.openxmlformats.org/drawingml/2006/main" xmlns:r="http://schemas.openxmlformats.org/officeDocument/2006/relationships" xmlns:p="http://schemas.openxmlformats.org/presentationml/2006/main">
+  <p:cSld>
+    <p:bg>
+      <p:bgPr>
+        <a:gradFill flip="none" rotWithShape="1">
+          <a:gsLst>
+            <a:gs pos="0">
+              <a:schemeClr val="tx1">
+                <a:lumMod val="50000"/>
+                <a:lumOff val="50000"/>
+              </a:schemeClr>
+            </a:gs>
+            <a:gs pos="50000">
+              <a:schemeClr val="accent1">
+                <a:tint val="44500"/>
+                <a:satMod val="160000"/>
+              </a:schemeClr>
+            </a:gs>
+            <a:gs pos="100000">
+              <a:schemeClr val="accent1">
+                <a:tint val="23500"/>
+                <a:satMod val="160000"/>
+              </a:schemeClr>
+            </a:gs>
+          </a:gsLst>
+          <a:lin ang="5400000" scaled="0"/>
+          <a:tileRect/>
+        </a:gradFill>
+        <a:effectLst/>
+      </p:bgPr>
+    </p:bg>
+    <p:spTree>
+      <p:nvGrpSpPr>
+        <p:cNvPr id="1" name=""/>
+        <p:cNvGrpSpPr/>
+        <p:nvPr/>
+      </p:nvGrpSpPr>
+      <p:grpSpPr>
+        <a:xfrm>
+          <a:off x="0" y="0"/>
+          <a:ext cx="0" cy="0"/>
+          <a:chOff x="0" y="0"/>
+          <a:chExt cx="0" cy="0"/>
+        </a:xfrm>
+      </p:grpSpPr>
+      <p:sp>
+        <p:nvSpPr>
+          <p:cNvPr id="2" name="Titel 1"/>
+          <p:cNvSpPr>
+            <a:spLocks noGrp="1"/>
+          </p:cNvSpPr>
+          <p:nvPr>
+            <p:ph type="title"/>
+          </p:nvPr>
+        </p:nvSpPr>
+        <p:spPr>
+          <a:xfrm>
+            <a:off x="2195736" y="274638"/>
+            <a:ext cx="6491064" cy="1143000"/>
+          </a:xfrm>
+        </p:spPr>
+        <p:txBody>
+          <a:bodyPr/>
+          <a:lstStyle/>
+          <a:p>
+            <a:r>
+              <a:rPr lang="de-CH" dirty="0" smtClean="0"/>
+              <a:t>PhoneGap - Kriterien</a:t>
+            </a:r>
+            <a:endParaRPr lang="de-CH" dirty="0"/>
+          </a:p>
+        </p:txBody>
+      </p:sp>
+      <p:sp>
+        <p:nvSpPr>
+          <p:cNvPr id="3" name="Inhaltsplatzhalter 2"/>
+          <p:cNvSpPr>
+            <a:spLocks noGrp="1"/>
+          </p:cNvSpPr>
+          <p:nvPr>
+            <p:ph idx="1"/>
+          </p:nvPr>
+        </p:nvSpPr>
+        <p:spPr>
+          <a:xfrm>
+            <a:off x="457200" y="1600200"/>
+            <a:ext cx="8363272" cy="4525963"/>
+          </a:xfrm>
+        </p:spPr>
+        <p:txBody>
+          <a:bodyPr>
+            <a:normAutofit/>
+          </a:bodyPr>
+          <a:lstStyle/>
+          <a:p>
+            <a:endParaRPr lang="de-CH" dirty="0"/>
+          </a:p>
+          <a:p>
+            <a:endParaRPr lang="de-CH" dirty="0" smtClean="0"/>
+          </a:p>
+          <a:p>
+            <a:endParaRPr lang="de-CH" dirty="0"/>
+          </a:p>
+          <a:p>
+            <a:endParaRPr lang="de-CH" dirty="0"/>
+          </a:p>
+        </p:txBody>
+      </p:sp>
+      <p:pic>
+        <p:nvPicPr>
+          <p:cNvPr id="10242" name="Picture 2" descr="F:\Schule\HSZ-T\3. Jahr\Handheld\Semesterarbeit\Handheld_Repo\Media\PhoneGap\PhoneGap_logo.JPG"/>
+          <p:cNvPicPr>
+            <a:picLocks noChangeAspect="1" noChangeArrowheads="1"/>
+          </p:cNvPicPr>
+          <p:nvPr/>
+        </p:nvPicPr>
+        <p:blipFill>
+          <a:blip r:embed="rId2">
+            <a:extLst>
+              <a:ext uri="{28A0092B-C50C-407E-A947-70E740481C1C}">
+                <a14:useLocalDpi xmlns:a14="http://schemas.microsoft.com/office/drawing/2010/main" val="0"/>
+              </a:ext>
+            </a:extLst>
+          </a:blip>
+          <a:srcRect/>
+          <a:stretch>
+            <a:fillRect/>
+          </a:stretch>
+        </p:blipFill>
+        <p:spPr bwMode="auto">
+          <a:xfrm>
+            <a:off x="166688" y="404664"/>
+            <a:ext cx="2749831" cy="879946"/>
+          </a:xfrm>
+          <a:prstGeom prst="rect">
+            <a:avLst/>
+          </a:prstGeom>
+          <a:noFill/>
+          <a:extLst>
+            <a:ext uri="{909E8E84-426E-40DD-AFC4-6F175D3DCCD1}">
+              <a14:hiddenFill xmlns:a14="http://schemas.microsoft.com/office/drawing/2010/main">
+                <a:solidFill>
+                  <a:srgbClr val="FFFFFF"/>
+                </a:solidFill>
+              </a14:hiddenFill>
+            </a:ext>
+          </a:extLst>
+        </p:spPr>
+      </p:pic>
+      <p:graphicFrame>
+        <p:nvGraphicFramePr>
+          <p:cNvPr id="5" name="Inhaltsplatzhalter 3"/>
+          <p:cNvGraphicFramePr>
+            <a:graphicFrameLocks/>
+          </p:cNvGraphicFramePr>
+          <p:nvPr>
+            <p:extLst>
+              <p:ext uri="{D42A27DB-BD31-4B8C-83A1-F6EECF244321}">
+                <p14:modId xmlns:p14="http://schemas.microsoft.com/office/powerpoint/2010/main" val="3344621030"/>
+              </p:ext>
+            </p:extLst>
+          </p:nvPr>
+        </p:nvGraphicFramePr>
+        <p:xfrm>
+          <a:off x="2699792" y="1772816"/>
+          <a:ext cx="3278693" cy="4079240"/>
+        </p:xfrm>
+        <a:graphic>
+          <a:graphicData uri="http://schemas.openxmlformats.org/drawingml/2006/table">
+            <a:tbl>
+              <a:tblPr firstRow="1" bandRow="1">
+                <a:tableStyleId>{5C22544A-7EE6-4342-B048-85BDC9FD1C3A}</a:tableStyleId>
+              </a:tblPr>
+              <a:tblGrid>
+                <a:gridCol w="2407157"/>
+                <a:gridCol w="871536"/>
+              </a:tblGrid>
+              <a:tr h="370840">
+                <a:tc>
+                  <a:txBody>
+                    <a:bodyPr/>
+                    <a:lstStyle/>
+                    <a:p>
+                      <a:pPr>
+                        <a:lnSpc>
+                          <a:spcPct val="115000"/>
+                        </a:lnSpc>
+                        <a:spcAft>
+                          <a:spcPts val="1000"/>
+                        </a:spcAft>
+                      </a:pPr>
+                      <a:r>
+                        <a:rPr lang="de-CH" sz="1800">
+                          <a:effectLst/>
+                          <a:latin typeface="Calibri"/>
+                          <a:ea typeface="Calibri"/>
+                          <a:cs typeface="Times New Roman"/>
+                        </a:rPr>
+                        <a:t>Kriterium</a:t>
+                      </a:r>
+                    </a:p>
+                  </a:txBody>
+                  <a:tcPr marL="68580" marR="68580" marT="0" marB="0"/>
+                </a:tc>
+                <a:tc>
+                  <a:txBody>
+                    <a:bodyPr/>
+                    <a:lstStyle/>
+                    <a:p>
+                      <a:pPr>
+                        <a:lnSpc>
+                          <a:spcPct val="115000"/>
+                        </a:lnSpc>
+                        <a:spcAft>
+                          <a:spcPts val="1000"/>
+                        </a:spcAft>
+                      </a:pPr>
+                      <a:r>
+                        <a:rPr lang="de-CH" sz="1800">
+                          <a:effectLst/>
+                          <a:latin typeface="Calibri"/>
+                          <a:ea typeface="Calibri"/>
+                          <a:cs typeface="Times New Roman"/>
+                        </a:rPr>
+                        <a:t>Punkte</a:t>
+                      </a:r>
+                    </a:p>
+                  </a:txBody>
+                  <a:tcPr marL="68580" marR="68580" marT="0" marB="0"/>
+                </a:tc>
+              </a:tr>
+              <a:tr h="370840">
+                <a:tc>
+                  <a:txBody>
+                    <a:bodyPr/>
+                    <a:lstStyle/>
+                    <a:p>
+                      <a:pPr>
+                        <a:lnSpc>
+                          <a:spcPct val="115000"/>
+                        </a:lnSpc>
+                        <a:spcAft>
+                          <a:spcPts val="1000"/>
+                        </a:spcAft>
+                      </a:pPr>
+                      <a:r>
+                        <a:rPr lang="de-CH" sz="1800">
+                          <a:effectLst/>
+                          <a:latin typeface="Calibri"/>
+                          <a:ea typeface="Calibri"/>
+                          <a:cs typeface="Times New Roman"/>
+                        </a:rPr>
+                        <a:t>Einfachheit</a:t>
+                      </a:r>
+                    </a:p>
+                  </a:txBody>
+                  <a:tcPr marL="68580" marR="68580" marT="0" marB="0"/>
+                </a:tc>
+                <a:tc>
+                  <a:txBody>
+                    <a:bodyPr/>
+                    <a:lstStyle/>
+                    <a:p>
+                      <a:pPr>
+                        <a:lnSpc>
+                          <a:spcPct val="115000"/>
+                        </a:lnSpc>
+                        <a:spcAft>
+                          <a:spcPts val="1000"/>
+                        </a:spcAft>
+                      </a:pPr>
+                      <a:r>
+                        <a:rPr lang="de-CH" sz="1800">
+                          <a:effectLst/>
+                          <a:latin typeface="Calibri"/>
+                          <a:ea typeface="Calibri"/>
+                          <a:cs typeface="Times New Roman"/>
+                        </a:rPr>
+                        <a:t>8</a:t>
+                      </a:r>
+                    </a:p>
+                  </a:txBody>
+                  <a:tcPr marL="68580" marR="68580" marT="0" marB="0"/>
+                </a:tc>
+              </a:tr>
+              <a:tr h="370840">
+                <a:tc>
+                  <a:txBody>
+                    <a:bodyPr/>
+                    <a:lstStyle/>
+                    <a:p>
+                      <a:pPr>
+                        <a:lnSpc>
+                          <a:spcPct val="115000"/>
+                        </a:lnSpc>
+                        <a:spcAft>
+                          <a:spcPts val="1000"/>
+                        </a:spcAft>
+                      </a:pPr>
+                      <a:r>
+                        <a:rPr lang="de-CH" sz="1800">
+                          <a:effectLst/>
+                          <a:latin typeface="Calibri"/>
+                          <a:ea typeface="Calibri"/>
+                          <a:cs typeface="Times New Roman"/>
+                        </a:rPr>
+                        <a:t>Entwicklungsumgebung</a:t>
+                      </a:r>
+                    </a:p>
+                  </a:txBody>
+                  <a:tcPr marL="68580" marR="68580" marT="0" marB="0"/>
+                </a:tc>
+                <a:tc>
+                  <a:txBody>
+                    <a:bodyPr/>
+                    <a:lstStyle/>
+                    <a:p>
+                      <a:pPr>
+                        <a:lnSpc>
+                          <a:spcPct val="115000"/>
+                        </a:lnSpc>
+                        <a:spcAft>
+                          <a:spcPts val="1000"/>
+                        </a:spcAft>
+                      </a:pPr>
+                      <a:r>
+                        <a:rPr lang="de-CH" sz="1800">
+                          <a:effectLst/>
+                          <a:latin typeface="Calibri"/>
+                          <a:ea typeface="Calibri"/>
+                          <a:cs typeface="Times New Roman"/>
+                        </a:rPr>
+                        <a:t>7</a:t>
+                      </a:r>
+                    </a:p>
+                  </a:txBody>
+                  <a:tcPr marL="68580" marR="68580" marT="0" marB="0"/>
+                </a:tc>
+              </a:tr>
+              <a:tr h="370840">
+                <a:tc>
+                  <a:txBody>
+                    <a:bodyPr/>
+                    <a:lstStyle/>
+                    <a:p>
+                      <a:pPr>
+                        <a:lnSpc>
+                          <a:spcPct val="115000"/>
+                        </a:lnSpc>
+                        <a:spcAft>
+                          <a:spcPts val="1000"/>
+                        </a:spcAft>
+                      </a:pPr>
+                      <a:r>
+                        <a:rPr lang="de-CH" sz="1800">
+                          <a:effectLst/>
+                          <a:latin typeface="Calibri"/>
+                          <a:ea typeface="Calibri"/>
+                          <a:cs typeface="Times New Roman"/>
+                        </a:rPr>
+                        <a:t>Support</a:t>
+                      </a:r>
+                    </a:p>
+                  </a:txBody>
+                  <a:tcPr marL="68580" marR="68580" marT="0" marB="0"/>
+                </a:tc>
+                <a:tc>
+                  <a:txBody>
+                    <a:bodyPr/>
+                    <a:lstStyle/>
+                    <a:p>
+                      <a:pPr>
+                        <a:lnSpc>
+                          <a:spcPct val="115000"/>
+                        </a:lnSpc>
+                        <a:spcAft>
+                          <a:spcPts val="1000"/>
+                        </a:spcAft>
+                      </a:pPr>
+                      <a:r>
+                        <a:rPr lang="de-CH" sz="1800">
+                          <a:effectLst/>
+                          <a:latin typeface="Calibri"/>
+                          <a:ea typeface="Calibri"/>
+                          <a:cs typeface="Times New Roman"/>
+                        </a:rPr>
+                        <a:t>9</a:t>
+                      </a:r>
+                    </a:p>
+                  </a:txBody>
+                  <a:tcPr marL="68580" marR="68580" marT="0" marB="0"/>
+                </a:tc>
+              </a:tr>
+              <a:tr h="370840">
+                <a:tc>
+                  <a:txBody>
+                    <a:bodyPr/>
+                    <a:lstStyle/>
+                    <a:p>
+                      <a:pPr>
+                        <a:lnSpc>
+                          <a:spcPct val="115000"/>
+                        </a:lnSpc>
+                        <a:spcAft>
+                          <a:spcPts val="1000"/>
+                        </a:spcAft>
+                      </a:pPr>
+                      <a:r>
+                        <a:rPr lang="de-CH" sz="1800">
+                          <a:effectLst/>
+                          <a:latin typeface="Calibri"/>
+                          <a:ea typeface="Calibri"/>
+                          <a:cs typeface="Times New Roman"/>
+                        </a:rPr>
+                        <a:t>Dokumentation</a:t>
+                      </a:r>
+                    </a:p>
+                  </a:txBody>
+                  <a:tcPr marL="68580" marR="68580" marT="0" marB="0"/>
+                </a:tc>
+                <a:tc>
+                  <a:txBody>
+                    <a:bodyPr/>
+                    <a:lstStyle/>
+                    <a:p>
+                      <a:pPr>
+                        <a:lnSpc>
+                          <a:spcPct val="115000"/>
+                        </a:lnSpc>
+                        <a:spcAft>
+                          <a:spcPts val="1000"/>
+                        </a:spcAft>
+                      </a:pPr>
+                      <a:r>
+                        <a:rPr lang="de-CH" sz="1800">
+                          <a:effectLst/>
+                          <a:latin typeface="Calibri"/>
+                          <a:ea typeface="Calibri"/>
+                          <a:cs typeface="Times New Roman"/>
+                        </a:rPr>
+                        <a:t>8</a:t>
+                      </a:r>
+                    </a:p>
+                  </a:txBody>
+                  <a:tcPr marL="68580" marR="68580" marT="0" marB="0"/>
+                </a:tc>
+              </a:tr>
+              <a:tr h="370840">
+                <a:tc>
+                  <a:txBody>
+                    <a:bodyPr/>
+                    <a:lstStyle/>
+                    <a:p>
+                      <a:pPr>
+                        <a:lnSpc>
+                          <a:spcPct val="115000"/>
+                        </a:lnSpc>
+                        <a:spcAft>
+                          <a:spcPts val="1000"/>
+                        </a:spcAft>
+                      </a:pPr>
+                      <a:r>
+                        <a:rPr lang="de-CH" sz="1800">
+                          <a:effectLst/>
+                          <a:latin typeface="Calibri"/>
+                          <a:ea typeface="Calibri"/>
+                          <a:cs typeface="Times New Roman"/>
+                        </a:rPr>
+                        <a:t>Tutorials</a:t>
+                      </a:r>
+                    </a:p>
+                  </a:txBody>
+                  <a:tcPr marL="68580" marR="68580" marT="0" marB="0"/>
+                </a:tc>
+                <a:tc>
+                  <a:txBody>
+                    <a:bodyPr/>
+                    <a:lstStyle/>
+                    <a:p>
+                      <a:pPr>
+                        <a:lnSpc>
+                          <a:spcPct val="115000"/>
+                        </a:lnSpc>
+                        <a:spcAft>
+                          <a:spcPts val="1000"/>
+                        </a:spcAft>
+                      </a:pPr>
+                      <a:r>
+                        <a:rPr lang="de-CH" sz="1800">
+                          <a:effectLst/>
+                          <a:latin typeface="Calibri"/>
+                          <a:ea typeface="Calibri"/>
+                          <a:cs typeface="Times New Roman"/>
+                        </a:rPr>
+                        <a:t>9</a:t>
+                      </a:r>
+                    </a:p>
+                  </a:txBody>
+                  <a:tcPr marL="68580" marR="68580" marT="0" marB="0"/>
+                </a:tc>
+              </a:tr>
+              <a:tr h="370840">
+                <a:tc>
+                  <a:txBody>
+                    <a:bodyPr/>
+                    <a:lstStyle/>
+                    <a:p>
+                      <a:pPr>
+                        <a:lnSpc>
+                          <a:spcPct val="115000"/>
+                        </a:lnSpc>
+                        <a:spcAft>
+                          <a:spcPts val="1000"/>
+                        </a:spcAft>
+                      </a:pPr>
+                      <a:r>
+                        <a:rPr lang="de-CH" sz="1800">
+                          <a:effectLst/>
+                          <a:latin typeface="Calibri"/>
+                          <a:ea typeface="Calibri"/>
+                          <a:cs typeface="Times New Roman"/>
+                        </a:rPr>
+                        <a:t>Building</a:t>
+                      </a:r>
+                    </a:p>
+                  </a:txBody>
+                  <a:tcPr marL="68580" marR="68580" marT="0" marB="0"/>
+                </a:tc>
+                <a:tc>
+                  <a:txBody>
+                    <a:bodyPr/>
+                    <a:lstStyle/>
+                    <a:p>
+                      <a:pPr>
+                        <a:lnSpc>
+                          <a:spcPct val="115000"/>
+                        </a:lnSpc>
+                        <a:spcAft>
+                          <a:spcPts val="1000"/>
+                        </a:spcAft>
+                      </a:pPr>
+                      <a:r>
+                        <a:rPr lang="de-CH" sz="1800">
+                          <a:effectLst/>
+                          <a:latin typeface="Calibri"/>
+                          <a:ea typeface="Calibri"/>
+                          <a:cs typeface="Times New Roman"/>
+                        </a:rPr>
+                        <a:t>10</a:t>
+                      </a:r>
+                    </a:p>
+                  </a:txBody>
+                  <a:tcPr marL="68580" marR="68580" marT="0" marB="0"/>
+                </a:tc>
+              </a:tr>
+              <a:tr h="370840">
+                <a:tc>
+                  <a:txBody>
+                    <a:bodyPr/>
+                    <a:lstStyle/>
+                    <a:p>
+                      <a:pPr>
+                        <a:lnSpc>
+                          <a:spcPct val="115000"/>
+                        </a:lnSpc>
+                        <a:spcAft>
+                          <a:spcPts val="1000"/>
+                        </a:spcAft>
+                      </a:pPr>
+                      <a:r>
+                        <a:rPr lang="de-CH" sz="1800">
+                          <a:effectLst/>
+                          <a:latin typeface="Calibri"/>
+                          <a:ea typeface="Calibri"/>
+                          <a:cs typeface="Times New Roman"/>
+                        </a:rPr>
+                        <a:t>Testing</a:t>
+                      </a:r>
+                    </a:p>
+                  </a:txBody>
+                  <a:tcPr marL="68580" marR="68580" marT="0" marB="0"/>
+                </a:tc>
+                <a:tc>
+                  <a:txBody>
+                    <a:bodyPr/>
+                    <a:lstStyle/>
+                    <a:p>
+                      <a:pPr>
+                        <a:lnSpc>
+                          <a:spcPct val="115000"/>
+                        </a:lnSpc>
+                        <a:spcAft>
+                          <a:spcPts val="1000"/>
+                        </a:spcAft>
+                      </a:pPr>
+                      <a:r>
+                        <a:rPr lang="de-CH" sz="1800">
+                          <a:effectLst/>
+                          <a:latin typeface="Calibri"/>
+                          <a:ea typeface="Calibri"/>
+                          <a:cs typeface="Times New Roman"/>
+                        </a:rPr>
+                        <a:t>6</a:t>
+                      </a:r>
+                    </a:p>
+                  </a:txBody>
+                  <a:tcPr marL="68580" marR="68580" marT="0" marB="0"/>
+                </a:tc>
+              </a:tr>
+              <a:tr h="370840">
+                <a:tc>
+                  <a:txBody>
+                    <a:bodyPr/>
+                    <a:lstStyle/>
+                    <a:p>
+                      <a:pPr>
+                        <a:lnSpc>
+                          <a:spcPct val="115000"/>
+                        </a:lnSpc>
+                        <a:spcAft>
+                          <a:spcPts val="1000"/>
+                        </a:spcAft>
+                      </a:pPr>
+                      <a:r>
+                        <a:rPr lang="de-CH" sz="1800">
+                          <a:effectLst/>
+                          <a:latin typeface="Calibri"/>
+                          <a:ea typeface="Calibri"/>
+                          <a:cs typeface="Times New Roman"/>
+                        </a:rPr>
+                        <a:t>Verbreitung</a:t>
+                      </a:r>
+                    </a:p>
+                  </a:txBody>
+                  <a:tcPr marL="68580" marR="68580" marT="0" marB="0"/>
+                </a:tc>
+                <a:tc>
+                  <a:txBody>
+                    <a:bodyPr/>
+                    <a:lstStyle/>
+                    <a:p>
+                      <a:pPr>
+                        <a:lnSpc>
+                          <a:spcPct val="115000"/>
+                        </a:lnSpc>
+                        <a:spcAft>
+                          <a:spcPts val="1000"/>
+                        </a:spcAft>
+                      </a:pPr>
+                      <a:r>
+                        <a:rPr lang="de-CH" sz="1800">
+                          <a:effectLst/>
+                          <a:latin typeface="Calibri"/>
+                          <a:ea typeface="Calibri"/>
+                          <a:cs typeface="Times New Roman"/>
+                        </a:rPr>
+                        <a:t>9</a:t>
+                      </a:r>
+                    </a:p>
+                  </a:txBody>
+                  <a:tcPr marL="68580" marR="68580" marT="0" marB="0"/>
+                </a:tc>
+              </a:tr>
+              <a:tr h="370840">
+                <a:tc>
+                  <a:txBody>
+                    <a:bodyPr/>
+                    <a:lstStyle/>
+                    <a:p>
+                      <a:pPr>
+                        <a:lnSpc>
+                          <a:spcPct val="115000"/>
+                        </a:lnSpc>
+                        <a:spcAft>
+                          <a:spcPts val="1000"/>
+                        </a:spcAft>
+                      </a:pPr>
+                      <a:r>
+                        <a:rPr lang="de-CH" sz="1800">
+                          <a:effectLst/>
+                          <a:latin typeface="Calibri"/>
+                          <a:ea typeface="Calibri"/>
+                          <a:cs typeface="Times New Roman"/>
+                        </a:rPr>
+                        <a:t>Spezielles</a:t>
+                      </a:r>
+                    </a:p>
+                  </a:txBody>
+                  <a:tcPr marL="68580" marR="68580" marT="0" marB="0"/>
+                </a:tc>
+                <a:tc>
+                  <a:txBody>
+                    <a:bodyPr/>
+                    <a:lstStyle/>
+                    <a:p>
+                      <a:pPr>
+                        <a:lnSpc>
+                          <a:spcPct val="115000"/>
+                        </a:lnSpc>
+                        <a:spcAft>
+                          <a:spcPts val="1000"/>
+                        </a:spcAft>
+                      </a:pPr>
+                      <a:r>
+                        <a:rPr lang="de-CH" sz="1800">
+                          <a:effectLst/>
+                          <a:latin typeface="Calibri"/>
+                          <a:ea typeface="Calibri"/>
+                          <a:cs typeface="Times New Roman"/>
+                        </a:rPr>
+                        <a:t>2</a:t>
+                      </a:r>
+                    </a:p>
+                  </a:txBody>
+                  <a:tcPr marL="68580" marR="68580" marT="0" marB="0"/>
+                </a:tc>
+              </a:tr>
+              <a:tr h="370840">
+                <a:tc>
+                  <a:txBody>
+                    <a:bodyPr/>
+                    <a:lstStyle/>
+                    <a:p>
+                      <a:pPr>
+                        <a:lnSpc>
+                          <a:spcPct val="115000"/>
+                        </a:lnSpc>
+                        <a:spcAft>
+                          <a:spcPts val="1000"/>
+                        </a:spcAft>
+                      </a:pPr>
+                      <a:r>
+                        <a:rPr lang="de-CH" sz="1800" b="1">
+                          <a:effectLst/>
+                          <a:latin typeface="Calibri"/>
+                          <a:ea typeface="Calibri"/>
+                          <a:cs typeface="Times New Roman"/>
+                        </a:rPr>
+                        <a:t>Total</a:t>
+                      </a:r>
+                      <a:endParaRPr lang="de-CH" sz="1800">
+                        <a:effectLst/>
+                        <a:latin typeface="Calibri"/>
+                        <a:ea typeface="Calibri"/>
+                        <a:cs typeface="Times New Roman"/>
+                      </a:endParaRPr>
+                    </a:p>
+                  </a:txBody>
+                  <a:tcPr marL="68580" marR="68580" marT="0" marB="0"/>
+                </a:tc>
+                <a:tc>
+                  <a:txBody>
+                    <a:bodyPr/>
+                    <a:lstStyle/>
+                    <a:p>
+                      <a:pPr>
+                        <a:lnSpc>
+                          <a:spcPct val="115000"/>
+                        </a:lnSpc>
+                        <a:spcAft>
+                          <a:spcPts val="1000"/>
+                        </a:spcAft>
+                      </a:pPr>
+                      <a:r>
+                        <a:rPr lang="de-CH" sz="1800" b="1" dirty="0">
+                          <a:effectLst/>
+                          <a:latin typeface="Calibri"/>
+                          <a:ea typeface="Calibri"/>
+                          <a:cs typeface="Times New Roman"/>
+                        </a:rPr>
+                        <a:t>68</a:t>
+                      </a:r>
+                      <a:endParaRPr lang="de-CH" sz="1800" dirty="0">
+                        <a:effectLst/>
+                        <a:latin typeface="Calibri"/>
+                        <a:ea typeface="Calibri"/>
+                        <a:cs typeface="Times New Roman"/>
+                      </a:endParaRPr>
+                    </a:p>
+                  </a:txBody>
+                  <a:tcPr marL="68580" marR="68580" marT="0" marB="0"/>
+                </a:tc>
+              </a:tr>
+            </a:tbl>
+          </a:graphicData>
+        </a:graphic>
+      </p:graphicFrame>
+    </p:spTree>
+    <p:extLst>
+      <p:ext uri="{BB962C8B-B14F-4D97-AF65-F5344CB8AC3E}">
+        <p14:creationId xmlns:p14="http://schemas.microsoft.com/office/powerpoint/2010/main" val="1850472934"/>
+      </p:ext>
+    </p:extLst>
+  </p:cSld>
+  <p:clrMapOvr>
+    <a:masterClrMapping/>
+  </p:clrMapOvr>
+  <p:timing>
+    <p:tnLst>
+      <p:par>
+        <p:cTn id="1" dur="indefinite" restart="never" nodeType="tmRoot"/>
+      </p:par>
+    </p:tnLst>
+  </p:timing>
+</p:sld>
+</file>
+
+<file path=ppt/slides/slide35.xml><?xml version="1.0" encoding="utf-8"?>
 <p:sld xmlns:a="http://schemas.openxmlformats.org/drawingml/2006/main" xmlns:r="http://schemas.openxmlformats.org/officeDocument/2006/relationships" xmlns:p="http://schemas.openxmlformats.org/presentationml/2006/main">
   <p:cSld>
     <p:spTree>
@@ -11999,21 +14038,157 @@
           <a:p>
             <a:r>
               <a:rPr lang="de-CH" dirty="0" smtClean="0"/>
-              <a:t>Ende – F&amp;A</a:t>
+              <a:t>Lupen-Applikation - Facts</a:t>
             </a:r>
             <a:endParaRPr lang="de-CH" dirty="0"/>
+          </a:p>
+        </p:txBody>
+      </p:sp>
+      <p:sp>
+        <p:nvSpPr>
+          <p:cNvPr id="3" name="Inhaltsplatzhalter 2"/>
+          <p:cNvSpPr>
+            <a:spLocks noGrp="1"/>
+          </p:cNvSpPr>
+          <p:nvPr>
+            <p:ph idx="1"/>
+          </p:nvPr>
+        </p:nvSpPr>
+        <p:spPr/>
+        <p:txBody>
+          <a:bodyPr/>
+          <a:lstStyle/>
+          <a:p>
+            <a:r>
+              <a:rPr lang="de-CH" dirty="0" smtClean="0"/>
+              <a:t>Vergrössern abfotografierter Bilder</a:t>
+            </a:r>
+          </a:p>
+          <a:p>
+            <a:endParaRPr lang="de-CH" dirty="0"/>
+          </a:p>
+          <a:p>
+            <a:r>
+              <a:rPr lang="de-CH" dirty="0" smtClean="0"/>
+              <a:t>Native App</a:t>
+            </a:r>
+          </a:p>
+          <a:p>
+            <a:endParaRPr lang="de-CH" dirty="0"/>
+          </a:p>
+          <a:p>
+            <a:r>
+              <a:rPr lang="de-CH" dirty="0" smtClean="0"/>
+              <a:t>Programmiert mit: </a:t>
+            </a:r>
+          </a:p>
+          <a:p>
+            <a:pPr lvl="1"/>
+            <a:r>
+              <a:rPr lang="de-CH" dirty="0" smtClean="0"/>
+              <a:t>PhoneGap</a:t>
+            </a:r>
+            <a:endParaRPr lang="de-CH" dirty="0" smtClean="0"/>
+          </a:p>
+          <a:p>
+            <a:pPr lvl="1"/>
+            <a:r>
+              <a:rPr lang="de-CH" dirty="0" err="1" smtClean="0"/>
+              <a:t>jQuery</a:t>
+            </a:r>
+            <a:r>
+              <a:rPr lang="de-CH" dirty="0" smtClean="0"/>
+              <a:t> Mobile</a:t>
+            </a:r>
+          </a:p>
+        </p:txBody>
+      </p:sp>
+    </p:spTree>
+    <p:extLst>
+      <p:ext uri="{BB962C8B-B14F-4D97-AF65-F5344CB8AC3E}">
+        <p14:creationId xmlns:p14="http://schemas.microsoft.com/office/powerpoint/2010/main" val="151430376"/>
+      </p:ext>
+    </p:extLst>
+  </p:cSld>
+  <p:clrMapOvr>
+    <a:masterClrMapping/>
+  </p:clrMapOvr>
+  <p:timing>
+    <p:tnLst>
+      <p:par>
+        <p:cTn id="1" dur="indefinite" restart="never" nodeType="tmRoot"/>
+      </p:par>
+    </p:tnLst>
+  </p:timing>
+</p:sld>
+</file>
+
+<file path=ppt/slides/slide36.xml><?xml version="1.0" encoding="utf-8"?>
+<p:sld xmlns:a="http://schemas.openxmlformats.org/drawingml/2006/main" xmlns:r="http://schemas.openxmlformats.org/officeDocument/2006/relationships" xmlns:p="http://schemas.openxmlformats.org/presentationml/2006/main">
+  <p:cSld>
+    <p:spTree>
+      <p:nvGrpSpPr>
+        <p:cNvPr id="1" name=""/>
+        <p:cNvGrpSpPr/>
+        <p:nvPr/>
+      </p:nvGrpSpPr>
+      <p:grpSpPr>
+        <a:xfrm>
+          <a:off x="0" y="0"/>
+          <a:ext cx="0" cy="0"/>
+          <a:chOff x="0" y="0"/>
+          <a:chExt cx="0" cy="0"/>
+        </a:xfrm>
+      </p:grpSpPr>
+      <p:sp>
+        <p:nvSpPr>
+          <p:cNvPr id="2" name="Titel 1"/>
+          <p:cNvSpPr>
+            <a:spLocks noGrp="1"/>
+          </p:cNvSpPr>
+          <p:nvPr>
+            <p:ph type="title"/>
+          </p:nvPr>
+        </p:nvSpPr>
+        <p:spPr/>
+        <p:txBody>
+          <a:bodyPr/>
+          <a:lstStyle/>
+          <a:p>
+            <a:r>
+              <a:rPr lang="de-CH" dirty="0" smtClean="0"/>
+              <a:t>Lupen-Applikation - Demo</a:t>
+            </a:r>
+            <a:endParaRPr lang="de-CH" dirty="0"/>
+          </a:p>
+        </p:txBody>
+      </p:sp>
+      <p:sp>
+        <p:nvSpPr>
+          <p:cNvPr id="3" name="Inhaltsplatzhalter 2"/>
+          <p:cNvSpPr>
+            <a:spLocks noGrp="1"/>
+          </p:cNvSpPr>
+          <p:nvPr>
+            <p:ph idx="1"/>
+          </p:nvPr>
+        </p:nvSpPr>
+        <p:spPr/>
+        <p:txBody>
+          <a:bodyPr/>
+          <a:lstStyle/>
+          <a:p>
+            <a:endParaRPr lang="de-CH" dirty="0" smtClean="0"/>
           </a:p>
         </p:txBody>
       </p:sp>
       <p:pic>
         <p:nvPicPr>
-          <p:cNvPr id="4" name="Picture 2"/>
+          <p:cNvPr id="11266" name="Picture 2" descr="F:\Schule\HSZ-T\3. Jahr\Handheld\Semesterarbeit\Handheld_Repo\Media\SC20130102-171907.png"/>
           <p:cNvPicPr>
-            <a:picLocks noGrp="1" noChangeAspect="1" noChangeArrowheads="1"/>
+            <a:picLocks noChangeAspect="1" noChangeArrowheads="1"/>
           </p:cNvPicPr>
-          <p:nvPr>
-            <p:ph idx="1"/>
-          </p:nvPr>
+          <p:nvPr/>
         </p:nvPicPr>
         <p:blipFill>
           <a:blip r:embed="rId2">
@@ -12030,43 +14205,20 @@
         </p:blipFill>
         <p:spPr bwMode="auto">
           <a:xfrm>
-            <a:off x="2843808" y="1340768"/>
-            <a:ext cx="3490118" cy="3826515"/>
+            <a:off x="824643" y="1412776"/>
+            <a:ext cx="7419765" cy="4347518"/>
           </a:xfrm>
           <a:prstGeom prst="rect">
             <a:avLst/>
           </a:prstGeom>
           <a:noFill/>
-          <a:ln>
-            <a:noFill/>
-          </a:ln>
-          <a:effectLst/>
           <a:extLst>
             <a:ext uri="{909E8E84-426E-40DD-AFC4-6F175D3DCCD1}">
               <a14:hiddenFill xmlns:a14="http://schemas.microsoft.com/office/drawing/2010/main">
                 <a:solidFill>
-                  <a:schemeClr val="accent1"/>
+                  <a:srgbClr val="FFFFFF"/>
                 </a:solidFill>
               </a14:hiddenFill>
-            </a:ext>
-            <a:ext uri="{91240B29-F687-4F45-9708-019B960494DF}">
-              <a14:hiddenLine xmlns:a14="http://schemas.microsoft.com/office/drawing/2010/main" w="9525">
-                <a:solidFill>
-                  <a:schemeClr val="tx1"/>
-                </a:solidFill>
-                <a:miter lim="800000"/>
-                <a:headEnd/>
-                <a:tailEnd/>
-              </a14:hiddenLine>
-            </a:ext>
-            <a:ext uri="{AF507438-7753-43E0-B8FC-AC1667EBCBE1}">
-              <a14:hiddenEffects xmlns:a14="http://schemas.microsoft.com/office/drawing/2010/main">
-                <a:effectLst>
-                  <a:outerShdw dist="35921" dir="2700000" algn="ctr" rotWithShape="0">
-                    <a:schemeClr val="bg2"/>
-                  </a:outerShdw>
-                </a:effectLst>
-              </a14:hiddenEffects>
             </a:ext>
           </a:extLst>
         </p:spPr>
@@ -12074,7 +14226,1624 @@
     </p:spTree>
     <p:extLst>
       <p:ext uri="{BB962C8B-B14F-4D97-AF65-F5344CB8AC3E}">
-        <p14:creationId xmlns:p14="http://schemas.microsoft.com/office/powerpoint/2010/main" val="3506230833"/>
+        <p14:creationId xmlns:p14="http://schemas.microsoft.com/office/powerpoint/2010/main" val="3413894240"/>
+      </p:ext>
+    </p:extLst>
+  </p:cSld>
+  <p:clrMapOvr>
+    <a:masterClrMapping/>
+  </p:clrMapOvr>
+  <p:timing>
+    <p:tnLst>
+      <p:par>
+        <p:cTn id="1" dur="indefinite" restart="never" nodeType="tmRoot"/>
+      </p:par>
+    </p:tnLst>
+  </p:timing>
+</p:sld>
+</file>
+
+<file path=ppt/slides/slide37.xml><?xml version="1.0" encoding="utf-8"?>
+<p:sld xmlns:a="http://schemas.openxmlformats.org/drawingml/2006/main" xmlns:r="http://schemas.openxmlformats.org/officeDocument/2006/relationships" xmlns:p="http://schemas.openxmlformats.org/presentationml/2006/main">
+  <p:cSld>
+    <p:spTree>
+      <p:nvGrpSpPr>
+        <p:cNvPr id="1" name=""/>
+        <p:cNvGrpSpPr/>
+        <p:nvPr/>
+      </p:nvGrpSpPr>
+      <p:grpSpPr>
+        <a:xfrm>
+          <a:off x="0" y="0"/>
+          <a:ext cx="0" cy="0"/>
+          <a:chOff x="0" y="0"/>
+          <a:chExt cx="0" cy="0"/>
+        </a:xfrm>
+      </p:grpSpPr>
+      <p:sp>
+        <p:nvSpPr>
+          <p:cNvPr id="2" name="Titel 1"/>
+          <p:cNvSpPr>
+            <a:spLocks noGrp="1"/>
+          </p:cNvSpPr>
+          <p:nvPr>
+            <p:ph type="title"/>
+          </p:nvPr>
+        </p:nvSpPr>
+        <p:spPr/>
+        <p:txBody>
+          <a:bodyPr/>
+          <a:lstStyle/>
+          <a:p>
+            <a:r>
+              <a:rPr lang="de-CH" dirty="0" smtClean="0"/>
+              <a:t>Lupen-App - Aufbau</a:t>
+            </a:r>
+            <a:endParaRPr lang="de-CH" dirty="0"/>
+          </a:p>
+        </p:txBody>
+      </p:sp>
+      <p:sp>
+        <p:nvSpPr>
+          <p:cNvPr id="3" name="Inhaltsplatzhalter 2"/>
+          <p:cNvSpPr>
+            <a:spLocks noGrp="1"/>
+          </p:cNvSpPr>
+          <p:nvPr>
+            <p:ph idx="1"/>
+          </p:nvPr>
+        </p:nvSpPr>
+        <p:spPr/>
+        <p:txBody>
+          <a:bodyPr>
+            <a:normAutofit lnSpcReduction="10000"/>
+          </a:bodyPr>
+          <a:lstStyle/>
+          <a:p>
+            <a:r>
+              <a:rPr lang="de-CH" dirty="0" smtClean="0"/>
+              <a:t>Inhalt: HTML</a:t>
+            </a:r>
+          </a:p>
+          <a:p>
+            <a:endParaRPr lang="de-CH" dirty="0"/>
+          </a:p>
+          <a:p>
+            <a:r>
+              <a:rPr lang="de-CH" dirty="0" smtClean="0"/>
+              <a:t>Native Kamera-Ansteuerung: </a:t>
+            </a:r>
+            <a:r>
+              <a:rPr lang="de-CH" dirty="0" smtClean="0"/>
+              <a:t>PhoneGap</a:t>
+            </a:r>
+            <a:endParaRPr lang="de-CH" dirty="0" smtClean="0"/>
+          </a:p>
+          <a:p>
+            <a:endParaRPr lang="de-CH" dirty="0"/>
+          </a:p>
+          <a:p>
+            <a:r>
+              <a:rPr lang="de-CH" dirty="0" smtClean="0"/>
+              <a:t>Darstellung: </a:t>
+            </a:r>
+            <a:r>
+              <a:rPr lang="de-CH" dirty="0" err="1" smtClean="0"/>
+              <a:t>JQuery</a:t>
+            </a:r>
+            <a:r>
+              <a:rPr lang="de-CH" dirty="0" smtClean="0"/>
+              <a:t> Mobile</a:t>
+            </a:r>
+          </a:p>
+          <a:p>
+            <a:endParaRPr lang="de-CH" dirty="0"/>
+          </a:p>
+          <a:p>
+            <a:r>
+              <a:rPr lang="de-CH" dirty="0" smtClean="0"/>
+              <a:t>Funktionalität: </a:t>
+            </a:r>
+            <a:r>
+              <a:rPr lang="de-CH" u="sng" dirty="0">
+                <a:hlinkClick r:id="rId2"/>
+              </a:rPr>
+              <a:t>http://www.netzgesta.de/loupe/</a:t>
+            </a:r>
+            <a:endParaRPr lang="de-CH" dirty="0"/>
+          </a:p>
+        </p:txBody>
+      </p:sp>
+    </p:spTree>
+    <p:extLst>
+      <p:ext uri="{BB962C8B-B14F-4D97-AF65-F5344CB8AC3E}">
+        <p14:creationId xmlns:p14="http://schemas.microsoft.com/office/powerpoint/2010/main" val="1695878854"/>
+      </p:ext>
+    </p:extLst>
+  </p:cSld>
+  <p:clrMapOvr>
+    <a:masterClrMapping/>
+  </p:clrMapOvr>
+  <p:timing>
+    <p:tnLst>
+      <p:par>
+        <p:cTn id="1" dur="indefinite" restart="never" nodeType="tmRoot"/>
+      </p:par>
+    </p:tnLst>
+  </p:timing>
+</p:sld>
+</file>
+
+<file path=ppt/slides/slide38.xml><?xml version="1.0" encoding="utf-8"?>
+<p:sld xmlns:a="http://schemas.openxmlformats.org/drawingml/2006/main" xmlns:r="http://schemas.openxmlformats.org/officeDocument/2006/relationships" xmlns:p="http://schemas.openxmlformats.org/presentationml/2006/main">
+  <p:cSld>
+    <p:spTree>
+      <p:nvGrpSpPr>
+        <p:cNvPr id="1" name=""/>
+        <p:cNvGrpSpPr/>
+        <p:nvPr/>
+      </p:nvGrpSpPr>
+      <p:grpSpPr>
+        <a:xfrm>
+          <a:off x="0" y="0"/>
+          <a:ext cx="0" cy="0"/>
+          <a:chOff x="0" y="0"/>
+          <a:chExt cx="0" cy="0"/>
+        </a:xfrm>
+      </p:grpSpPr>
+      <p:sp>
+        <p:nvSpPr>
+          <p:cNvPr id="2" name="Titel 1"/>
+          <p:cNvSpPr>
+            <a:spLocks noGrp="1"/>
+          </p:cNvSpPr>
+          <p:nvPr>
+            <p:ph type="title"/>
+          </p:nvPr>
+        </p:nvSpPr>
+        <p:spPr/>
+        <p:txBody>
+          <a:bodyPr/>
+          <a:lstStyle/>
+          <a:p>
+            <a:r>
+              <a:rPr lang="de-CH" dirty="0" smtClean="0"/>
+              <a:t>Lupen-App </a:t>
+            </a:r>
+            <a:r>
+              <a:rPr lang="de-CH" dirty="0" smtClean="0"/>
+              <a:t>– Kamera-Ansteuerung</a:t>
+            </a:r>
+            <a:endParaRPr lang="de-CH" dirty="0"/>
+          </a:p>
+        </p:txBody>
+      </p:sp>
+      <p:sp>
+        <p:nvSpPr>
+          <p:cNvPr id="3" name="Inhaltsplatzhalter 2"/>
+          <p:cNvSpPr>
+            <a:spLocks noGrp="1"/>
+          </p:cNvSpPr>
+          <p:nvPr>
+            <p:ph idx="1"/>
+          </p:nvPr>
+        </p:nvSpPr>
+        <p:spPr>
+          <a:xfrm>
+            <a:off x="457200" y="1816224"/>
+            <a:ext cx="8229600" cy="4493096"/>
+          </a:xfrm>
+          <a:solidFill>
+            <a:schemeClr val="bg1"/>
+          </a:solidFill>
+        </p:spPr>
+        <p:txBody>
+          <a:bodyPr>
+            <a:noAutofit/>
+          </a:bodyPr>
+          <a:lstStyle/>
+          <a:p>
+            <a:pPr marL="0" indent="0">
+              <a:lnSpc>
+                <a:spcPct val="115000"/>
+              </a:lnSpc>
+              <a:spcAft>
+                <a:spcPts val="0"/>
+              </a:spcAft>
+              <a:buNone/>
+            </a:pPr>
+            <a:r>
+              <a:rPr lang="en-US" sz="2400" b="1" i="1" dirty="0">
+                <a:solidFill>
+                  <a:srgbClr val="000080"/>
+                </a:solidFill>
+                <a:latin typeface="Courier New"/>
+                <a:ea typeface="Times New Roman"/>
+                <a:cs typeface="Times New Roman"/>
+              </a:rPr>
+              <a:t>function</a:t>
+            </a:r>
+            <a:r>
+              <a:rPr lang="en-US" sz="2400" dirty="0">
+                <a:solidFill>
+                  <a:srgbClr val="000000"/>
+                </a:solidFill>
+                <a:latin typeface="Courier New"/>
+                <a:ea typeface="Times New Roman"/>
+                <a:cs typeface="Times New Roman"/>
+              </a:rPr>
+              <a:t> </a:t>
+            </a:r>
+            <a:r>
+              <a:rPr lang="en-US" sz="2400" dirty="0" err="1">
+                <a:solidFill>
+                  <a:srgbClr val="000000"/>
+                </a:solidFill>
+                <a:latin typeface="Courier New"/>
+                <a:ea typeface="Times New Roman"/>
+                <a:cs typeface="Times New Roman"/>
+              </a:rPr>
+              <a:t>capturePhoto</a:t>
+            </a:r>
+            <a:r>
+              <a:rPr lang="en-US" sz="2400" b="1" dirty="0">
+                <a:solidFill>
+                  <a:srgbClr val="000000"/>
+                </a:solidFill>
+                <a:latin typeface="Courier New"/>
+                <a:ea typeface="Times New Roman"/>
+                <a:cs typeface="Times New Roman"/>
+              </a:rPr>
+              <a:t>()</a:t>
+            </a:r>
+            <a:r>
+              <a:rPr lang="en-US" sz="2400" dirty="0">
+                <a:solidFill>
+                  <a:srgbClr val="000000"/>
+                </a:solidFill>
+                <a:latin typeface="Courier New"/>
+                <a:ea typeface="Times New Roman"/>
+                <a:cs typeface="Times New Roman"/>
+              </a:rPr>
+              <a:t> </a:t>
+            </a:r>
+            <a:r>
+              <a:rPr lang="en-US" sz="2400" b="1" dirty="0">
+                <a:solidFill>
+                  <a:srgbClr val="000000"/>
+                </a:solidFill>
+                <a:latin typeface="Courier New"/>
+                <a:ea typeface="Times New Roman"/>
+                <a:cs typeface="Times New Roman"/>
+              </a:rPr>
+              <a:t>{</a:t>
+            </a:r>
+            <a:endParaRPr lang="de-CH" sz="2400" dirty="0">
+              <a:ea typeface="Calibri"/>
+              <a:cs typeface="Times New Roman"/>
+            </a:endParaRPr>
+          </a:p>
+          <a:p>
+            <a:pPr marL="0" indent="0">
+              <a:lnSpc>
+                <a:spcPct val="115000"/>
+              </a:lnSpc>
+              <a:spcAft>
+                <a:spcPts val="0"/>
+              </a:spcAft>
+              <a:buNone/>
+            </a:pPr>
+            <a:r>
+              <a:rPr lang="en-US" sz="2400" dirty="0">
+                <a:solidFill>
+                  <a:srgbClr val="008000"/>
+                </a:solidFill>
+                <a:latin typeface="Courier New"/>
+                <a:ea typeface="Times New Roman"/>
+                <a:cs typeface="Times New Roman"/>
+              </a:rPr>
+              <a:t>// Take picture using device camera and retrieve image as base64-encoded string</a:t>
+            </a:r>
+            <a:endParaRPr lang="de-CH" sz="2400" dirty="0">
+              <a:ea typeface="Calibri"/>
+              <a:cs typeface="Times New Roman"/>
+            </a:endParaRPr>
+          </a:p>
+          <a:p>
+            <a:pPr marL="0" indent="0">
+              <a:lnSpc>
+                <a:spcPct val="115000"/>
+              </a:lnSpc>
+              <a:spcAft>
+                <a:spcPts val="0"/>
+              </a:spcAft>
+              <a:buNone/>
+            </a:pPr>
+            <a:r>
+              <a:rPr lang="en-US" sz="2400" dirty="0">
+                <a:solidFill>
+                  <a:srgbClr val="000000"/>
+                </a:solidFill>
+                <a:latin typeface="Courier New"/>
+                <a:ea typeface="Times New Roman"/>
+                <a:cs typeface="Times New Roman"/>
+              </a:rPr>
+              <a:t>  </a:t>
+            </a:r>
+            <a:r>
+              <a:rPr lang="en-US" sz="2400" dirty="0" err="1">
+                <a:solidFill>
+                  <a:srgbClr val="000000"/>
+                </a:solidFill>
+                <a:latin typeface="Courier New"/>
+                <a:ea typeface="Times New Roman"/>
+                <a:cs typeface="Times New Roman"/>
+              </a:rPr>
+              <a:t>navigator</a:t>
+            </a:r>
+            <a:r>
+              <a:rPr lang="en-US" sz="2400" b="1" dirty="0" err="1">
+                <a:solidFill>
+                  <a:srgbClr val="000000"/>
+                </a:solidFill>
+                <a:latin typeface="Courier New"/>
+                <a:ea typeface="Times New Roman"/>
+                <a:cs typeface="Times New Roman"/>
+              </a:rPr>
+              <a:t>.</a:t>
+            </a:r>
+            <a:r>
+              <a:rPr lang="en-US" sz="2400" dirty="0" err="1">
+                <a:solidFill>
+                  <a:srgbClr val="000000"/>
+                </a:solidFill>
+                <a:latin typeface="Courier New"/>
+                <a:ea typeface="Times New Roman"/>
+                <a:cs typeface="Times New Roman"/>
+              </a:rPr>
+              <a:t>camera</a:t>
+            </a:r>
+            <a:r>
+              <a:rPr lang="en-US" sz="2400" b="1" dirty="0" err="1">
+                <a:solidFill>
+                  <a:srgbClr val="000000"/>
+                </a:solidFill>
+                <a:latin typeface="Courier New"/>
+                <a:ea typeface="Times New Roman"/>
+                <a:cs typeface="Times New Roman"/>
+              </a:rPr>
+              <a:t>.</a:t>
+            </a:r>
+            <a:r>
+              <a:rPr lang="en-US" sz="2400" dirty="0" err="1">
+                <a:solidFill>
+                  <a:srgbClr val="000000"/>
+                </a:solidFill>
+                <a:latin typeface="Courier New"/>
+                <a:ea typeface="Times New Roman"/>
+                <a:cs typeface="Times New Roman"/>
+              </a:rPr>
+              <a:t>getPicture</a:t>
+            </a:r>
+            <a:r>
+              <a:rPr lang="en-US" sz="2400" b="1" dirty="0">
+                <a:solidFill>
+                  <a:srgbClr val="000000"/>
+                </a:solidFill>
+                <a:latin typeface="Courier New"/>
+                <a:ea typeface="Times New Roman"/>
+                <a:cs typeface="Times New Roman"/>
+              </a:rPr>
+              <a:t>(</a:t>
+            </a:r>
+            <a:r>
+              <a:rPr lang="en-US" sz="2400" dirty="0" err="1">
+                <a:solidFill>
+                  <a:srgbClr val="000000"/>
+                </a:solidFill>
+                <a:latin typeface="Courier New"/>
+                <a:ea typeface="Times New Roman"/>
+                <a:cs typeface="Times New Roman"/>
+              </a:rPr>
+              <a:t>onPhotoDataSuccess</a:t>
+            </a:r>
+            <a:r>
+              <a:rPr lang="en-US" sz="2400" b="1" dirty="0">
+                <a:solidFill>
+                  <a:srgbClr val="000000"/>
+                </a:solidFill>
+                <a:latin typeface="Courier New"/>
+                <a:ea typeface="Times New Roman"/>
+                <a:cs typeface="Times New Roman"/>
+              </a:rPr>
+              <a:t>,</a:t>
+            </a:r>
+            <a:r>
+              <a:rPr lang="en-US" sz="2400" dirty="0">
+                <a:solidFill>
+                  <a:srgbClr val="000000"/>
+                </a:solidFill>
+                <a:latin typeface="Courier New"/>
+                <a:ea typeface="Times New Roman"/>
+                <a:cs typeface="Times New Roman"/>
+              </a:rPr>
+              <a:t> </a:t>
+            </a:r>
+            <a:r>
+              <a:rPr lang="en-US" sz="2400" dirty="0" err="1">
+                <a:solidFill>
+                  <a:srgbClr val="000000"/>
+                </a:solidFill>
+                <a:latin typeface="Courier New"/>
+                <a:ea typeface="Times New Roman"/>
+                <a:cs typeface="Times New Roman"/>
+              </a:rPr>
+              <a:t>onFail</a:t>
+            </a:r>
+            <a:r>
+              <a:rPr lang="en-US" sz="2400" b="1" dirty="0">
+                <a:solidFill>
+                  <a:srgbClr val="000000"/>
+                </a:solidFill>
+                <a:latin typeface="Courier New"/>
+                <a:ea typeface="Times New Roman"/>
+                <a:cs typeface="Times New Roman"/>
+              </a:rPr>
+              <a:t>,</a:t>
+            </a:r>
+            <a:r>
+              <a:rPr lang="en-US" sz="2400" dirty="0">
+                <a:solidFill>
+                  <a:srgbClr val="000000"/>
+                </a:solidFill>
+                <a:latin typeface="Courier New"/>
+                <a:ea typeface="Times New Roman"/>
+                <a:cs typeface="Times New Roman"/>
+              </a:rPr>
+              <a:t> </a:t>
+            </a:r>
+            <a:r>
+              <a:rPr lang="en-US" sz="2400" b="1" dirty="0">
+                <a:solidFill>
+                  <a:srgbClr val="000000"/>
+                </a:solidFill>
+                <a:latin typeface="Courier New"/>
+                <a:ea typeface="Times New Roman"/>
+                <a:cs typeface="Times New Roman"/>
+              </a:rPr>
+              <a:t>{</a:t>
+            </a:r>
+            <a:r>
+              <a:rPr lang="en-US" sz="2400" dirty="0">
+                <a:solidFill>
+                  <a:srgbClr val="000000"/>
+                </a:solidFill>
+                <a:latin typeface="Courier New"/>
+                <a:ea typeface="Times New Roman"/>
+                <a:cs typeface="Times New Roman"/>
+              </a:rPr>
+              <a:t> quality</a:t>
+            </a:r>
+            <a:r>
+              <a:rPr lang="en-US" sz="2400" b="1" dirty="0">
+                <a:solidFill>
+                  <a:srgbClr val="000000"/>
+                </a:solidFill>
+                <a:latin typeface="Courier New"/>
+                <a:ea typeface="Times New Roman"/>
+                <a:cs typeface="Times New Roman"/>
+              </a:rPr>
+              <a:t>:</a:t>
+            </a:r>
+            <a:r>
+              <a:rPr lang="en-US" sz="2400" dirty="0">
+                <a:solidFill>
+                  <a:srgbClr val="000000"/>
+                </a:solidFill>
+                <a:latin typeface="Courier New"/>
+                <a:ea typeface="Times New Roman"/>
+                <a:cs typeface="Times New Roman"/>
+              </a:rPr>
+              <a:t> </a:t>
+            </a:r>
+            <a:r>
+              <a:rPr lang="en-US" sz="2400" dirty="0">
+                <a:solidFill>
+                  <a:srgbClr val="FF0000"/>
+                </a:solidFill>
+                <a:latin typeface="Courier New"/>
+                <a:ea typeface="Times New Roman"/>
+                <a:cs typeface="Times New Roman"/>
+              </a:rPr>
+              <a:t>50</a:t>
+            </a:r>
+            <a:r>
+              <a:rPr lang="en-US" sz="2400" b="1" dirty="0">
+                <a:solidFill>
+                  <a:srgbClr val="000000"/>
+                </a:solidFill>
+                <a:latin typeface="Courier New"/>
+                <a:ea typeface="Times New Roman"/>
+                <a:cs typeface="Times New Roman"/>
+              </a:rPr>
+              <a:t>,</a:t>
+            </a:r>
+            <a:endParaRPr lang="de-CH" sz="2400" dirty="0">
+              <a:ea typeface="Calibri"/>
+              <a:cs typeface="Times New Roman"/>
+            </a:endParaRPr>
+          </a:p>
+          <a:p>
+            <a:pPr marL="0" indent="0">
+              <a:lnSpc>
+                <a:spcPct val="115000"/>
+              </a:lnSpc>
+              <a:spcAft>
+                <a:spcPts val="0"/>
+              </a:spcAft>
+              <a:buNone/>
+            </a:pPr>
+            <a:r>
+              <a:rPr lang="en-US" sz="2400" dirty="0">
+                <a:solidFill>
+                  <a:srgbClr val="000000"/>
+                </a:solidFill>
+                <a:latin typeface="Courier New"/>
+                <a:ea typeface="Times New Roman"/>
+                <a:cs typeface="Times New Roman"/>
+              </a:rPr>
+              <a:t>    </a:t>
+            </a:r>
+            <a:r>
+              <a:rPr lang="de-CH" sz="2400" dirty="0" err="1">
+                <a:solidFill>
+                  <a:srgbClr val="000000"/>
+                </a:solidFill>
+                <a:latin typeface="Courier New"/>
+                <a:ea typeface="Times New Roman"/>
+                <a:cs typeface="Times New Roman"/>
+              </a:rPr>
+              <a:t>destinationType</a:t>
+            </a:r>
+            <a:r>
+              <a:rPr lang="de-CH" sz="2400" b="1" dirty="0">
+                <a:solidFill>
+                  <a:srgbClr val="000000"/>
+                </a:solidFill>
+                <a:latin typeface="Courier New"/>
+                <a:ea typeface="Times New Roman"/>
+                <a:cs typeface="Times New Roman"/>
+              </a:rPr>
+              <a:t>:</a:t>
+            </a:r>
+            <a:r>
+              <a:rPr lang="de-CH" sz="2400" dirty="0">
+                <a:solidFill>
+                  <a:srgbClr val="000000"/>
+                </a:solidFill>
+                <a:latin typeface="Courier New"/>
+                <a:ea typeface="Times New Roman"/>
+                <a:cs typeface="Times New Roman"/>
+              </a:rPr>
+              <a:t> </a:t>
+            </a:r>
+            <a:r>
+              <a:rPr lang="de-CH" sz="2400" dirty="0" err="1">
+                <a:solidFill>
+                  <a:srgbClr val="000000"/>
+                </a:solidFill>
+                <a:latin typeface="Courier New"/>
+                <a:ea typeface="Times New Roman"/>
+                <a:cs typeface="Times New Roman"/>
+              </a:rPr>
+              <a:t>destinationType</a:t>
+            </a:r>
+            <a:r>
+              <a:rPr lang="de-CH" sz="2400" b="1" dirty="0" err="1">
+                <a:solidFill>
+                  <a:srgbClr val="000000"/>
+                </a:solidFill>
+                <a:latin typeface="Courier New"/>
+                <a:ea typeface="Times New Roman"/>
+                <a:cs typeface="Times New Roman"/>
+              </a:rPr>
+              <a:t>.</a:t>
+            </a:r>
+            <a:r>
+              <a:rPr lang="de-CH" sz="2400" dirty="0" err="1">
+                <a:solidFill>
+                  <a:srgbClr val="000000"/>
+                </a:solidFill>
+                <a:latin typeface="Courier New"/>
+                <a:ea typeface="Times New Roman"/>
+                <a:cs typeface="Times New Roman"/>
+              </a:rPr>
+              <a:t>DATA_URL</a:t>
+            </a:r>
+            <a:r>
+              <a:rPr lang="de-CH" sz="2400" b="1" dirty="0">
+                <a:solidFill>
+                  <a:srgbClr val="000000"/>
+                </a:solidFill>
+                <a:latin typeface="Courier New"/>
+                <a:ea typeface="Times New Roman"/>
+                <a:cs typeface="Times New Roman"/>
+              </a:rPr>
+              <a:t>,</a:t>
+            </a:r>
+            <a:r>
+              <a:rPr lang="de-CH" sz="2400" dirty="0">
+                <a:solidFill>
+                  <a:srgbClr val="000000"/>
+                </a:solidFill>
+                <a:latin typeface="Courier New"/>
+                <a:ea typeface="Times New Roman"/>
+                <a:cs typeface="Times New Roman"/>
+              </a:rPr>
+              <a:t> </a:t>
+            </a:r>
+            <a:r>
+              <a:rPr lang="de-CH" sz="2400" dirty="0" err="1">
+                <a:solidFill>
+                  <a:srgbClr val="000000"/>
+                </a:solidFill>
+                <a:latin typeface="Courier New"/>
+                <a:ea typeface="Times New Roman"/>
+                <a:cs typeface="Times New Roman"/>
+              </a:rPr>
+              <a:t>correctOrientation</a:t>
+            </a:r>
+            <a:r>
+              <a:rPr lang="de-CH" sz="2400" b="1" dirty="0">
+                <a:solidFill>
+                  <a:srgbClr val="000000"/>
+                </a:solidFill>
+                <a:latin typeface="Courier New"/>
+                <a:ea typeface="Times New Roman"/>
+                <a:cs typeface="Times New Roman"/>
+              </a:rPr>
+              <a:t>:</a:t>
+            </a:r>
+            <a:r>
+              <a:rPr lang="de-CH" sz="2400" dirty="0">
+                <a:solidFill>
+                  <a:srgbClr val="000000"/>
+                </a:solidFill>
+                <a:latin typeface="Courier New"/>
+                <a:ea typeface="Times New Roman"/>
+                <a:cs typeface="Times New Roman"/>
+              </a:rPr>
+              <a:t> </a:t>
+            </a:r>
+            <a:r>
+              <a:rPr lang="de-CH" sz="2400" b="1" i="1" dirty="0" err="1">
+                <a:solidFill>
+                  <a:srgbClr val="000080"/>
+                </a:solidFill>
+                <a:latin typeface="Courier New"/>
+                <a:ea typeface="Times New Roman"/>
+                <a:cs typeface="Times New Roman"/>
+              </a:rPr>
+              <a:t>true</a:t>
+            </a:r>
+            <a:r>
+              <a:rPr lang="de-CH" sz="2400" dirty="0">
+                <a:solidFill>
+                  <a:srgbClr val="000000"/>
+                </a:solidFill>
+                <a:latin typeface="Courier New"/>
+                <a:ea typeface="Times New Roman"/>
+                <a:cs typeface="Times New Roman"/>
+              </a:rPr>
+              <a:t> </a:t>
+            </a:r>
+            <a:r>
+              <a:rPr lang="de-CH" sz="2400" b="1" dirty="0">
+                <a:solidFill>
+                  <a:srgbClr val="000000"/>
+                </a:solidFill>
+                <a:latin typeface="Courier New"/>
+                <a:ea typeface="Times New Roman"/>
+                <a:cs typeface="Times New Roman"/>
+              </a:rPr>
+              <a:t>});</a:t>
+            </a:r>
+            <a:endParaRPr lang="de-CH" sz="2400" dirty="0">
+              <a:ea typeface="Calibri"/>
+              <a:cs typeface="Times New Roman"/>
+            </a:endParaRPr>
+          </a:p>
+          <a:p>
+            <a:pPr marL="0" indent="0">
+              <a:lnSpc>
+                <a:spcPct val="115000"/>
+              </a:lnSpc>
+              <a:spcAft>
+                <a:spcPts val="0"/>
+              </a:spcAft>
+              <a:buNone/>
+            </a:pPr>
+            <a:r>
+              <a:rPr lang="de-CH" sz="2400" b="1" dirty="0">
+                <a:solidFill>
+                  <a:srgbClr val="000000"/>
+                </a:solidFill>
+                <a:latin typeface="Courier New"/>
+                <a:ea typeface="Times New Roman"/>
+                <a:cs typeface="Times New Roman"/>
+              </a:rPr>
+              <a:t>}</a:t>
+            </a:r>
+            <a:endParaRPr lang="de-CH" sz="2400" dirty="0">
+              <a:ea typeface="Calibri"/>
+              <a:cs typeface="Times New Roman"/>
+            </a:endParaRPr>
+          </a:p>
+        </p:txBody>
+      </p:sp>
+    </p:spTree>
+    <p:extLst>
+      <p:ext uri="{BB962C8B-B14F-4D97-AF65-F5344CB8AC3E}">
+        <p14:creationId xmlns:p14="http://schemas.microsoft.com/office/powerpoint/2010/main" val="1595509908"/>
+      </p:ext>
+    </p:extLst>
+  </p:cSld>
+  <p:clrMapOvr>
+    <a:masterClrMapping/>
+  </p:clrMapOvr>
+  <p:timing>
+    <p:tnLst>
+      <p:par>
+        <p:cTn id="1" dur="indefinite" restart="never" nodeType="tmRoot"/>
+      </p:par>
+    </p:tnLst>
+  </p:timing>
+</p:sld>
+</file>
+
+<file path=ppt/slides/slide39.xml><?xml version="1.0" encoding="utf-8"?>
+<p:sld xmlns:a="http://schemas.openxmlformats.org/drawingml/2006/main" xmlns:r="http://schemas.openxmlformats.org/officeDocument/2006/relationships" xmlns:p="http://schemas.openxmlformats.org/presentationml/2006/main">
+  <p:cSld>
+    <p:spTree>
+      <p:nvGrpSpPr>
+        <p:cNvPr id="1" name=""/>
+        <p:cNvGrpSpPr/>
+        <p:nvPr/>
+      </p:nvGrpSpPr>
+      <p:grpSpPr>
+        <a:xfrm>
+          <a:off x="0" y="0"/>
+          <a:ext cx="0" cy="0"/>
+          <a:chOff x="0" y="0"/>
+          <a:chExt cx="0" cy="0"/>
+        </a:xfrm>
+      </p:grpSpPr>
+      <p:sp>
+        <p:nvSpPr>
+          <p:cNvPr id="2" name="Titel 1"/>
+          <p:cNvSpPr>
+            <a:spLocks noGrp="1"/>
+          </p:cNvSpPr>
+          <p:nvPr>
+            <p:ph type="title"/>
+          </p:nvPr>
+        </p:nvSpPr>
+        <p:spPr/>
+        <p:txBody>
+          <a:bodyPr/>
+          <a:lstStyle/>
+          <a:p>
+            <a:r>
+              <a:rPr lang="de-CH" dirty="0" smtClean="0"/>
+              <a:t>Lupen-App </a:t>
+            </a:r>
+            <a:r>
+              <a:rPr lang="de-CH" dirty="0" smtClean="0"/>
+              <a:t>– Bild auslesen</a:t>
+            </a:r>
+            <a:endParaRPr lang="de-CH" dirty="0"/>
+          </a:p>
+        </p:txBody>
+      </p:sp>
+      <p:sp>
+        <p:nvSpPr>
+          <p:cNvPr id="3" name="Inhaltsplatzhalter 2"/>
+          <p:cNvSpPr>
+            <a:spLocks noGrp="1"/>
+          </p:cNvSpPr>
+          <p:nvPr>
+            <p:ph idx="1"/>
+          </p:nvPr>
+        </p:nvSpPr>
+        <p:spPr>
+          <a:solidFill>
+            <a:schemeClr val="bg1"/>
+          </a:solidFill>
+        </p:spPr>
+        <p:txBody>
+          <a:bodyPr>
+            <a:normAutofit fontScale="70000" lnSpcReduction="20000"/>
+          </a:bodyPr>
+          <a:lstStyle/>
+          <a:p>
+            <a:pPr marL="0" indent="0">
+              <a:lnSpc>
+                <a:spcPct val="115000"/>
+              </a:lnSpc>
+              <a:spcAft>
+                <a:spcPts val="0"/>
+              </a:spcAft>
+              <a:buNone/>
+            </a:pPr>
+            <a:r>
+              <a:rPr lang="en-US" b="1" i="1" dirty="0">
+                <a:solidFill>
+                  <a:srgbClr val="000080"/>
+                </a:solidFill>
+                <a:latin typeface="Courier New"/>
+                <a:ea typeface="Times New Roman"/>
+                <a:cs typeface="Times New Roman"/>
+              </a:rPr>
+              <a:t>function</a:t>
+            </a:r>
+            <a:r>
+              <a:rPr lang="en-US" dirty="0">
+                <a:solidFill>
+                  <a:srgbClr val="000000"/>
+                </a:solidFill>
+                <a:latin typeface="Courier New"/>
+                <a:ea typeface="Times New Roman"/>
+                <a:cs typeface="Times New Roman"/>
+              </a:rPr>
+              <a:t> </a:t>
+            </a:r>
+            <a:r>
+              <a:rPr lang="en-US" dirty="0" err="1">
+                <a:solidFill>
+                  <a:srgbClr val="000000"/>
+                </a:solidFill>
+                <a:latin typeface="Courier New"/>
+                <a:ea typeface="Times New Roman"/>
+                <a:cs typeface="Times New Roman"/>
+              </a:rPr>
+              <a:t>onPhotoDataSuccess</a:t>
+            </a:r>
+            <a:r>
+              <a:rPr lang="en-US" b="1" dirty="0">
+                <a:solidFill>
+                  <a:srgbClr val="000000"/>
+                </a:solidFill>
+                <a:latin typeface="Courier New"/>
+                <a:ea typeface="Times New Roman"/>
+                <a:cs typeface="Times New Roman"/>
+              </a:rPr>
+              <a:t>(</a:t>
+            </a:r>
+            <a:r>
+              <a:rPr lang="en-US" dirty="0" err="1">
+                <a:solidFill>
+                  <a:srgbClr val="000000"/>
+                </a:solidFill>
+                <a:latin typeface="Courier New"/>
+                <a:ea typeface="Times New Roman"/>
+                <a:cs typeface="Times New Roman"/>
+              </a:rPr>
+              <a:t>imageData</a:t>
+            </a:r>
+            <a:r>
+              <a:rPr lang="en-US" b="1" dirty="0">
+                <a:solidFill>
+                  <a:srgbClr val="000000"/>
+                </a:solidFill>
+                <a:latin typeface="Courier New"/>
+                <a:ea typeface="Times New Roman"/>
+                <a:cs typeface="Times New Roman"/>
+              </a:rPr>
+              <a:t>)</a:t>
+            </a:r>
+            <a:r>
+              <a:rPr lang="en-US" dirty="0">
+                <a:solidFill>
+                  <a:srgbClr val="000000"/>
+                </a:solidFill>
+                <a:latin typeface="Courier New"/>
+                <a:ea typeface="Times New Roman"/>
+                <a:cs typeface="Times New Roman"/>
+              </a:rPr>
+              <a:t> </a:t>
+            </a:r>
+            <a:r>
+              <a:rPr lang="en-US" b="1" dirty="0">
+                <a:solidFill>
+                  <a:srgbClr val="000000"/>
+                </a:solidFill>
+                <a:latin typeface="Courier New"/>
+                <a:ea typeface="Times New Roman"/>
+                <a:cs typeface="Times New Roman"/>
+              </a:rPr>
+              <a:t>{</a:t>
+            </a:r>
+            <a:endParaRPr lang="de-CH" sz="4000" dirty="0">
+              <a:ea typeface="Calibri"/>
+              <a:cs typeface="Times New Roman"/>
+            </a:endParaRPr>
+          </a:p>
+          <a:p>
+            <a:pPr marL="0" indent="0">
+              <a:lnSpc>
+                <a:spcPct val="115000"/>
+              </a:lnSpc>
+              <a:spcAft>
+                <a:spcPts val="0"/>
+              </a:spcAft>
+              <a:buNone/>
+            </a:pPr>
+            <a:r>
+              <a:rPr lang="en-US" dirty="0">
+                <a:solidFill>
+                  <a:srgbClr val="000000"/>
+                </a:solidFill>
+                <a:latin typeface="Courier New"/>
+                <a:ea typeface="Times New Roman"/>
+                <a:cs typeface="Times New Roman"/>
+              </a:rPr>
+              <a:t>  </a:t>
+            </a:r>
+            <a:r>
+              <a:rPr lang="en-US" dirty="0">
+                <a:solidFill>
+                  <a:srgbClr val="008000"/>
+                </a:solidFill>
+                <a:latin typeface="Courier New"/>
+                <a:ea typeface="Times New Roman"/>
+                <a:cs typeface="Times New Roman"/>
+              </a:rPr>
+              <a:t>// Get image handle</a:t>
+            </a:r>
+            <a:endParaRPr lang="de-CH" sz="4000" dirty="0">
+              <a:ea typeface="Calibri"/>
+              <a:cs typeface="Times New Roman"/>
+            </a:endParaRPr>
+          </a:p>
+          <a:p>
+            <a:pPr marL="0" indent="0">
+              <a:lnSpc>
+                <a:spcPct val="115000"/>
+              </a:lnSpc>
+              <a:spcAft>
+                <a:spcPts val="0"/>
+              </a:spcAft>
+              <a:buNone/>
+            </a:pPr>
+            <a:r>
+              <a:rPr lang="en-US" dirty="0">
+                <a:solidFill>
+                  <a:srgbClr val="000000"/>
+                </a:solidFill>
+                <a:latin typeface="Courier New"/>
+                <a:ea typeface="Times New Roman"/>
+                <a:cs typeface="Times New Roman"/>
+              </a:rPr>
+              <a:t>  </a:t>
+            </a:r>
+            <a:r>
+              <a:rPr lang="en-US" b="1" i="1" dirty="0" err="1">
+                <a:solidFill>
+                  <a:srgbClr val="000080"/>
+                </a:solidFill>
+                <a:latin typeface="Courier New"/>
+                <a:ea typeface="Times New Roman"/>
+                <a:cs typeface="Times New Roman"/>
+              </a:rPr>
+              <a:t>var</a:t>
+            </a:r>
+            <a:r>
+              <a:rPr lang="en-US" dirty="0">
+                <a:solidFill>
+                  <a:srgbClr val="000000"/>
+                </a:solidFill>
+                <a:latin typeface="Courier New"/>
+                <a:ea typeface="Times New Roman"/>
+                <a:cs typeface="Times New Roman"/>
+              </a:rPr>
+              <a:t> </a:t>
+            </a:r>
+            <a:r>
+              <a:rPr lang="en-US" dirty="0" err="1">
+                <a:solidFill>
+                  <a:srgbClr val="000000"/>
+                </a:solidFill>
+                <a:latin typeface="Courier New"/>
+                <a:ea typeface="Times New Roman"/>
+                <a:cs typeface="Times New Roman"/>
+              </a:rPr>
+              <a:t>smallImage</a:t>
+            </a:r>
+            <a:r>
+              <a:rPr lang="en-US" dirty="0">
+                <a:solidFill>
+                  <a:srgbClr val="000000"/>
+                </a:solidFill>
+                <a:latin typeface="Courier New"/>
+                <a:ea typeface="Times New Roman"/>
+                <a:cs typeface="Times New Roman"/>
+              </a:rPr>
+              <a:t> </a:t>
+            </a:r>
+            <a:r>
+              <a:rPr lang="en-US" b="1" dirty="0">
+                <a:solidFill>
+                  <a:srgbClr val="000000"/>
+                </a:solidFill>
+                <a:latin typeface="Courier New"/>
+                <a:ea typeface="Times New Roman"/>
+                <a:cs typeface="Times New Roman"/>
+              </a:rPr>
+              <a:t>=</a:t>
+            </a:r>
+            <a:r>
+              <a:rPr lang="en-US" dirty="0">
+                <a:solidFill>
+                  <a:srgbClr val="000000"/>
+                </a:solidFill>
+                <a:latin typeface="Courier New"/>
+                <a:ea typeface="Times New Roman"/>
+                <a:cs typeface="Times New Roman"/>
+              </a:rPr>
+              <a:t> </a:t>
+            </a:r>
+            <a:r>
+              <a:rPr lang="en-US" dirty="0" err="1">
+                <a:solidFill>
+                  <a:srgbClr val="000000"/>
+                </a:solidFill>
+                <a:latin typeface="Courier New"/>
+                <a:ea typeface="Times New Roman"/>
+                <a:cs typeface="Times New Roman"/>
+              </a:rPr>
+              <a:t>document</a:t>
+            </a:r>
+            <a:r>
+              <a:rPr lang="en-US" b="1" dirty="0" err="1">
+                <a:solidFill>
+                  <a:srgbClr val="000000"/>
+                </a:solidFill>
+                <a:latin typeface="Courier New"/>
+                <a:ea typeface="Times New Roman"/>
+                <a:cs typeface="Times New Roman"/>
+              </a:rPr>
+              <a:t>.</a:t>
+            </a:r>
+            <a:r>
+              <a:rPr lang="en-US" dirty="0" err="1">
+                <a:solidFill>
+                  <a:srgbClr val="000000"/>
+                </a:solidFill>
+                <a:latin typeface="Courier New"/>
+                <a:ea typeface="Times New Roman"/>
+                <a:cs typeface="Times New Roman"/>
+              </a:rPr>
+              <a:t>getElementById</a:t>
+            </a:r>
+            <a:r>
+              <a:rPr lang="en-US" b="1" dirty="0">
+                <a:solidFill>
+                  <a:srgbClr val="000000"/>
+                </a:solidFill>
+                <a:latin typeface="Courier New"/>
+                <a:ea typeface="Times New Roman"/>
+                <a:cs typeface="Times New Roman"/>
+              </a:rPr>
+              <a:t>(</a:t>
+            </a:r>
+            <a:r>
+              <a:rPr lang="en-US" dirty="0">
+                <a:solidFill>
+                  <a:srgbClr val="808080"/>
+                </a:solidFill>
+                <a:latin typeface="Courier New"/>
+                <a:ea typeface="Times New Roman"/>
+                <a:cs typeface="Times New Roman"/>
+              </a:rPr>
+              <a:t>'</a:t>
+            </a:r>
+            <a:r>
+              <a:rPr lang="en-US" dirty="0" err="1">
+                <a:solidFill>
+                  <a:srgbClr val="808080"/>
+                </a:solidFill>
+                <a:latin typeface="Courier New"/>
+                <a:ea typeface="Times New Roman"/>
+                <a:cs typeface="Times New Roman"/>
+              </a:rPr>
+              <a:t>img</a:t>
+            </a:r>
+            <a:r>
+              <a:rPr lang="en-US" dirty="0">
+                <a:solidFill>
+                  <a:srgbClr val="808080"/>
+                </a:solidFill>
+                <a:latin typeface="Courier New"/>
+                <a:ea typeface="Times New Roman"/>
+                <a:cs typeface="Times New Roman"/>
+              </a:rPr>
+              <a:t>'</a:t>
+            </a:r>
+            <a:r>
+              <a:rPr lang="en-US" b="1" dirty="0">
+                <a:solidFill>
+                  <a:srgbClr val="000000"/>
+                </a:solidFill>
+                <a:latin typeface="Courier New"/>
+                <a:ea typeface="Times New Roman"/>
+                <a:cs typeface="Times New Roman"/>
+              </a:rPr>
+              <a:t>);</a:t>
+            </a:r>
+            <a:endParaRPr lang="de-CH" sz="4000" dirty="0">
+              <a:ea typeface="Calibri"/>
+              <a:cs typeface="Times New Roman"/>
+            </a:endParaRPr>
+          </a:p>
+          <a:p>
+            <a:pPr marL="0" indent="0">
+              <a:lnSpc>
+                <a:spcPct val="115000"/>
+              </a:lnSpc>
+              <a:spcAft>
+                <a:spcPts val="0"/>
+              </a:spcAft>
+              <a:buNone/>
+            </a:pPr>
+            <a:r>
+              <a:rPr lang="en-US" dirty="0">
+                <a:solidFill>
+                  <a:srgbClr val="000000"/>
+                </a:solidFill>
+                <a:latin typeface="Courier New"/>
+                <a:ea typeface="Times New Roman"/>
+                <a:cs typeface="Times New Roman"/>
+              </a:rPr>
+              <a:t>  </a:t>
+            </a:r>
+            <a:r>
+              <a:rPr lang="en-US" dirty="0">
+                <a:solidFill>
+                  <a:srgbClr val="008000"/>
+                </a:solidFill>
+                <a:latin typeface="Courier New"/>
+                <a:ea typeface="Times New Roman"/>
+                <a:cs typeface="Times New Roman"/>
+              </a:rPr>
+              <a:t>// Unhide image elements</a:t>
+            </a:r>
+            <a:endParaRPr lang="de-CH" sz="4000" dirty="0">
+              <a:ea typeface="Calibri"/>
+              <a:cs typeface="Times New Roman"/>
+            </a:endParaRPr>
+          </a:p>
+          <a:p>
+            <a:pPr marL="0" indent="0">
+              <a:lnSpc>
+                <a:spcPct val="115000"/>
+              </a:lnSpc>
+              <a:spcAft>
+                <a:spcPts val="0"/>
+              </a:spcAft>
+              <a:buNone/>
+            </a:pPr>
+            <a:r>
+              <a:rPr lang="en-US" dirty="0">
+                <a:solidFill>
+                  <a:srgbClr val="000000"/>
+                </a:solidFill>
+                <a:latin typeface="Courier New"/>
+                <a:ea typeface="Times New Roman"/>
+                <a:cs typeface="Times New Roman"/>
+              </a:rPr>
+              <a:t>  </a:t>
+            </a:r>
+            <a:r>
+              <a:rPr lang="en-US" dirty="0" err="1">
+                <a:solidFill>
+                  <a:srgbClr val="000000"/>
+                </a:solidFill>
+                <a:latin typeface="Courier New"/>
+                <a:ea typeface="Times New Roman"/>
+                <a:cs typeface="Times New Roman"/>
+              </a:rPr>
+              <a:t>smallImage</a:t>
+            </a:r>
+            <a:r>
+              <a:rPr lang="en-US" b="1" dirty="0" err="1">
+                <a:solidFill>
+                  <a:srgbClr val="000000"/>
+                </a:solidFill>
+                <a:latin typeface="Courier New"/>
+                <a:ea typeface="Times New Roman"/>
+                <a:cs typeface="Times New Roman"/>
+              </a:rPr>
+              <a:t>.</a:t>
+            </a:r>
+            <a:r>
+              <a:rPr lang="en-US" dirty="0" err="1">
+                <a:solidFill>
+                  <a:srgbClr val="000000"/>
+                </a:solidFill>
+                <a:latin typeface="Courier New"/>
+                <a:ea typeface="Times New Roman"/>
+                <a:cs typeface="Times New Roman"/>
+              </a:rPr>
+              <a:t>style</a:t>
+            </a:r>
+            <a:r>
+              <a:rPr lang="en-US" b="1" dirty="0" err="1">
+                <a:solidFill>
+                  <a:srgbClr val="000000"/>
+                </a:solidFill>
+                <a:latin typeface="Courier New"/>
+                <a:ea typeface="Times New Roman"/>
+                <a:cs typeface="Times New Roman"/>
+              </a:rPr>
+              <a:t>.</a:t>
+            </a:r>
+            <a:r>
+              <a:rPr lang="en-US" dirty="0" err="1">
+                <a:solidFill>
+                  <a:srgbClr val="000000"/>
+                </a:solidFill>
+                <a:latin typeface="Courier New"/>
+                <a:ea typeface="Times New Roman"/>
+                <a:cs typeface="Times New Roman"/>
+              </a:rPr>
+              <a:t>display</a:t>
+            </a:r>
+            <a:r>
+              <a:rPr lang="en-US" dirty="0">
+                <a:solidFill>
+                  <a:srgbClr val="000000"/>
+                </a:solidFill>
+                <a:latin typeface="Courier New"/>
+                <a:ea typeface="Times New Roman"/>
+                <a:cs typeface="Times New Roman"/>
+              </a:rPr>
+              <a:t> </a:t>
+            </a:r>
+            <a:r>
+              <a:rPr lang="en-US" b="1" dirty="0">
+                <a:solidFill>
+                  <a:srgbClr val="000000"/>
+                </a:solidFill>
+                <a:latin typeface="Courier New"/>
+                <a:ea typeface="Times New Roman"/>
+                <a:cs typeface="Times New Roman"/>
+              </a:rPr>
+              <a:t>=</a:t>
+            </a:r>
+            <a:r>
+              <a:rPr lang="en-US" dirty="0">
+                <a:solidFill>
+                  <a:srgbClr val="000000"/>
+                </a:solidFill>
+                <a:latin typeface="Courier New"/>
+                <a:ea typeface="Times New Roman"/>
+                <a:cs typeface="Times New Roman"/>
+              </a:rPr>
+              <a:t> </a:t>
+            </a:r>
+            <a:r>
+              <a:rPr lang="en-US" dirty="0">
+                <a:solidFill>
+                  <a:srgbClr val="808080"/>
+                </a:solidFill>
+                <a:latin typeface="Courier New"/>
+                <a:ea typeface="Times New Roman"/>
+                <a:cs typeface="Times New Roman"/>
+              </a:rPr>
+              <a:t>'block'</a:t>
+            </a:r>
+            <a:r>
+              <a:rPr lang="en-US" b="1" dirty="0">
+                <a:solidFill>
+                  <a:srgbClr val="000000"/>
+                </a:solidFill>
+                <a:latin typeface="Courier New"/>
+                <a:ea typeface="Times New Roman"/>
+                <a:cs typeface="Times New Roman"/>
+              </a:rPr>
+              <a:t>;</a:t>
+            </a:r>
+            <a:endParaRPr lang="de-CH" sz="4000" dirty="0">
+              <a:ea typeface="Calibri"/>
+              <a:cs typeface="Times New Roman"/>
+            </a:endParaRPr>
+          </a:p>
+          <a:p>
+            <a:pPr marL="0" indent="0">
+              <a:lnSpc>
+                <a:spcPct val="115000"/>
+              </a:lnSpc>
+              <a:spcAft>
+                <a:spcPts val="0"/>
+              </a:spcAft>
+              <a:buNone/>
+            </a:pPr>
+            <a:r>
+              <a:rPr lang="en-US" dirty="0">
+                <a:solidFill>
+                  <a:srgbClr val="000000"/>
+                </a:solidFill>
+                <a:latin typeface="Courier New"/>
+                <a:ea typeface="Times New Roman"/>
+                <a:cs typeface="Times New Roman"/>
+              </a:rPr>
+              <a:t>  </a:t>
+            </a:r>
+            <a:r>
+              <a:rPr lang="en-US" dirty="0">
+                <a:solidFill>
+                  <a:srgbClr val="008000"/>
+                </a:solidFill>
+                <a:latin typeface="Courier New"/>
+                <a:ea typeface="Times New Roman"/>
+                <a:cs typeface="Times New Roman"/>
+              </a:rPr>
+              <a:t>// Show the captured photo</a:t>
+            </a:r>
+            <a:endParaRPr lang="de-CH" sz="4000" dirty="0">
+              <a:ea typeface="Calibri"/>
+              <a:cs typeface="Times New Roman"/>
+            </a:endParaRPr>
+          </a:p>
+          <a:p>
+            <a:pPr marL="0" indent="0">
+              <a:lnSpc>
+                <a:spcPct val="115000"/>
+              </a:lnSpc>
+              <a:spcAft>
+                <a:spcPts val="0"/>
+              </a:spcAft>
+              <a:buNone/>
+            </a:pPr>
+            <a:r>
+              <a:rPr lang="en-US" dirty="0">
+                <a:solidFill>
+                  <a:srgbClr val="000000"/>
+                </a:solidFill>
+                <a:latin typeface="Courier New"/>
+                <a:ea typeface="Times New Roman"/>
+                <a:cs typeface="Times New Roman"/>
+              </a:rPr>
+              <a:t>  </a:t>
+            </a:r>
+            <a:r>
+              <a:rPr lang="en-US" dirty="0">
+                <a:solidFill>
+                  <a:srgbClr val="008000"/>
+                </a:solidFill>
+                <a:latin typeface="Courier New"/>
+                <a:ea typeface="Times New Roman"/>
+                <a:cs typeface="Times New Roman"/>
+              </a:rPr>
+              <a:t>// The inline CSS rules are used to resize the image</a:t>
+            </a:r>
+            <a:endParaRPr lang="de-CH" sz="4000" dirty="0">
+              <a:ea typeface="Calibri"/>
+              <a:cs typeface="Times New Roman"/>
+            </a:endParaRPr>
+          </a:p>
+          <a:p>
+            <a:pPr marL="0" indent="0">
+              <a:lnSpc>
+                <a:spcPct val="115000"/>
+              </a:lnSpc>
+              <a:spcAft>
+                <a:spcPts val="0"/>
+              </a:spcAft>
+              <a:buNone/>
+            </a:pPr>
+            <a:r>
+              <a:rPr lang="en-US" dirty="0">
+                <a:solidFill>
+                  <a:srgbClr val="000000"/>
+                </a:solidFill>
+                <a:latin typeface="Courier New"/>
+                <a:ea typeface="Times New Roman"/>
+                <a:cs typeface="Times New Roman"/>
+              </a:rPr>
+              <a:t>  </a:t>
+            </a:r>
+            <a:r>
+              <a:rPr lang="en-US" dirty="0" err="1">
+                <a:solidFill>
+                  <a:srgbClr val="000000"/>
+                </a:solidFill>
+                <a:latin typeface="Courier New"/>
+                <a:ea typeface="Times New Roman"/>
+                <a:cs typeface="Times New Roman"/>
+              </a:rPr>
+              <a:t>smallImage</a:t>
+            </a:r>
+            <a:r>
+              <a:rPr lang="en-US" b="1" dirty="0" err="1">
+                <a:solidFill>
+                  <a:srgbClr val="000000"/>
+                </a:solidFill>
+                <a:latin typeface="Courier New"/>
+                <a:ea typeface="Times New Roman"/>
+                <a:cs typeface="Times New Roman"/>
+              </a:rPr>
+              <a:t>.</a:t>
+            </a:r>
+            <a:r>
+              <a:rPr lang="en-US" dirty="0" err="1">
+                <a:solidFill>
+                  <a:srgbClr val="000000"/>
+                </a:solidFill>
+                <a:latin typeface="Courier New"/>
+                <a:ea typeface="Times New Roman"/>
+                <a:cs typeface="Times New Roman"/>
+              </a:rPr>
+              <a:t>src</a:t>
+            </a:r>
+            <a:r>
+              <a:rPr lang="en-US" dirty="0">
+                <a:solidFill>
+                  <a:srgbClr val="000000"/>
+                </a:solidFill>
+                <a:latin typeface="Courier New"/>
+                <a:ea typeface="Times New Roman"/>
+                <a:cs typeface="Times New Roman"/>
+              </a:rPr>
+              <a:t> </a:t>
+            </a:r>
+            <a:r>
+              <a:rPr lang="en-US" b="1" dirty="0">
+                <a:solidFill>
+                  <a:srgbClr val="000000"/>
+                </a:solidFill>
+                <a:latin typeface="Courier New"/>
+                <a:ea typeface="Times New Roman"/>
+                <a:cs typeface="Times New Roman"/>
+              </a:rPr>
+              <a:t>=</a:t>
+            </a:r>
+            <a:r>
+              <a:rPr lang="en-US" dirty="0">
+                <a:solidFill>
+                  <a:srgbClr val="000000"/>
+                </a:solidFill>
+                <a:latin typeface="Courier New"/>
+                <a:ea typeface="Times New Roman"/>
+                <a:cs typeface="Times New Roman"/>
+              </a:rPr>
+              <a:t> </a:t>
+            </a:r>
+            <a:r>
+              <a:rPr lang="en-US" dirty="0">
+                <a:solidFill>
+                  <a:srgbClr val="808080"/>
+                </a:solidFill>
+                <a:latin typeface="Courier New"/>
+                <a:ea typeface="Times New Roman"/>
+                <a:cs typeface="Times New Roman"/>
+              </a:rPr>
+              <a:t>"</a:t>
+            </a:r>
+            <a:r>
+              <a:rPr lang="en-US" dirty="0" err="1">
+                <a:solidFill>
+                  <a:srgbClr val="808080"/>
+                </a:solidFill>
+                <a:latin typeface="Courier New"/>
+                <a:ea typeface="Times New Roman"/>
+                <a:cs typeface="Times New Roman"/>
+              </a:rPr>
+              <a:t>data:image</a:t>
+            </a:r>
+            <a:r>
+              <a:rPr lang="en-US" dirty="0">
+                <a:solidFill>
+                  <a:srgbClr val="808080"/>
+                </a:solidFill>
+                <a:latin typeface="Courier New"/>
+                <a:ea typeface="Times New Roman"/>
+                <a:cs typeface="Times New Roman"/>
+              </a:rPr>
+              <a:t>/jpeg;base64,"</a:t>
+            </a:r>
+            <a:r>
+              <a:rPr lang="en-US" dirty="0">
+                <a:solidFill>
+                  <a:srgbClr val="000000"/>
+                </a:solidFill>
+                <a:latin typeface="Courier New"/>
+                <a:ea typeface="Times New Roman"/>
+                <a:cs typeface="Times New Roman"/>
+              </a:rPr>
+              <a:t> </a:t>
+            </a:r>
+            <a:r>
+              <a:rPr lang="en-US" b="1" dirty="0">
+                <a:solidFill>
+                  <a:srgbClr val="000000"/>
+                </a:solidFill>
+                <a:latin typeface="Courier New"/>
+                <a:ea typeface="Times New Roman"/>
+                <a:cs typeface="Times New Roman"/>
+              </a:rPr>
+              <a:t>+</a:t>
+            </a:r>
+            <a:r>
+              <a:rPr lang="en-US" dirty="0">
+                <a:solidFill>
+                  <a:srgbClr val="000000"/>
+                </a:solidFill>
+                <a:latin typeface="Courier New"/>
+                <a:ea typeface="Times New Roman"/>
+                <a:cs typeface="Times New Roman"/>
+              </a:rPr>
+              <a:t> </a:t>
+            </a:r>
+            <a:r>
+              <a:rPr lang="en-US" dirty="0" err="1">
+                <a:solidFill>
+                  <a:srgbClr val="000000"/>
+                </a:solidFill>
+                <a:latin typeface="Courier New"/>
+                <a:ea typeface="Times New Roman"/>
+                <a:cs typeface="Times New Roman"/>
+              </a:rPr>
+              <a:t>imageData</a:t>
+            </a:r>
+            <a:r>
+              <a:rPr lang="en-US" b="1" dirty="0">
+                <a:solidFill>
+                  <a:srgbClr val="000000"/>
+                </a:solidFill>
+                <a:latin typeface="Courier New"/>
+                <a:ea typeface="Times New Roman"/>
+                <a:cs typeface="Times New Roman"/>
+              </a:rPr>
+              <a:t>;</a:t>
+            </a:r>
+            <a:endParaRPr lang="de-CH" sz="4000" dirty="0">
+              <a:ea typeface="Calibri"/>
+              <a:cs typeface="Times New Roman"/>
+            </a:endParaRPr>
+          </a:p>
+          <a:p>
+            <a:pPr marL="0" indent="0">
+              <a:lnSpc>
+                <a:spcPct val="115000"/>
+              </a:lnSpc>
+              <a:spcAft>
+                <a:spcPts val="0"/>
+              </a:spcAft>
+              <a:buNone/>
+            </a:pPr>
+            <a:r>
+              <a:rPr lang="de-CH" b="1" dirty="0">
+                <a:solidFill>
+                  <a:srgbClr val="000000"/>
+                </a:solidFill>
+                <a:latin typeface="Courier New"/>
+                <a:ea typeface="Times New Roman"/>
+                <a:cs typeface="Times New Roman"/>
+              </a:rPr>
+              <a:t>}</a:t>
+            </a:r>
+            <a:endParaRPr lang="de-CH" sz="4000" dirty="0">
+              <a:ea typeface="Calibri"/>
+              <a:cs typeface="Times New Roman"/>
+            </a:endParaRPr>
+          </a:p>
+        </p:txBody>
+      </p:sp>
+    </p:spTree>
+    <p:extLst>
+      <p:ext uri="{BB962C8B-B14F-4D97-AF65-F5344CB8AC3E}">
+        <p14:creationId xmlns:p14="http://schemas.microsoft.com/office/powerpoint/2010/main" val="2884005410"/>
       </p:ext>
     </p:extLst>
   </p:cSld>
@@ -12125,7 +15894,7 @@
           <a:p>
             <a:r>
               <a:rPr lang="de-CH" dirty="0" smtClean="0"/>
-              <a:t>Kriterium 1 - Einfachheit</a:t>
+              <a:t>Kriterien - Punktevergabe</a:t>
             </a:r>
             <a:endParaRPr lang="de-CH" dirty="0"/>
           </a:p>
@@ -12148,7 +15917,16 @@
           <a:p>
             <a:r>
               <a:rPr lang="de-CH" dirty="0" smtClean="0"/>
-              <a:t>Subjektives Empfinden</a:t>
+              <a:t>Pro Kriterium 1 – 10 Punkte</a:t>
+            </a:r>
+          </a:p>
+          <a:p>
+            <a:endParaRPr lang="de-CH" dirty="0" smtClean="0"/>
+          </a:p>
+          <a:p>
+            <a:r>
+              <a:rPr lang="de-CH" dirty="0" smtClean="0"/>
+              <a:t>Summe der Punkte bestimmt Evaluationssieger</a:t>
             </a:r>
           </a:p>
           <a:p>
@@ -12157,20 +15935,8 @@
           <a:p>
             <a:r>
               <a:rPr lang="de-CH" dirty="0" smtClean="0"/>
-              <a:t>Anzahl benötigter Technologien</a:t>
-            </a:r>
-          </a:p>
-          <a:p>
-            <a:endParaRPr lang="de-CH" dirty="0"/>
-          </a:p>
-          <a:p>
-            <a:r>
-              <a:rPr lang="de-CH" dirty="0" smtClean="0"/>
-              <a:t>Intuitive Benutzbarkeit</a:t>
-            </a:r>
-          </a:p>
-          <a:p>
-            <a:endParaRPr lang="de-CH" dirty="0"/>
+              <a:t>Kriterium «spezielles» für Unvorhergesehenes</a:t>
+            </a:r>
           </a:p>
           <a:p>
             <a:endParaRPr lang="de-CH" dirty="0"/>
@@ -12180,7 +15946,1339 @@
     </p:spTree>
     <p:extLst>
       <p:ext uri="{BB962C8B-B14F-4D97-AF65-F5344CB8AC3E}">
-        <p14:creationId xmlns:p14="http://schemas.microsoft.com/office/powerpoint/2010/main" val="2055359862"/>
+        <p14:creationId xmlns:p14="http://schemas.microsoft.com/office/powerpoint/2010/main" val="533526480"/>
+      </p:ext>
+    </p:extLst>
+  </p:cSld>
+  <p:clrMapOvr>
+    <a:masterClrMapping/>
+  </p:clrMapOvr>
+  <p:timing>
+    <p:tnLst>
+      <p:par>
+        <p:cTn id="1" dur="indefinite" restart="never" nodeType="tmRoot"/>
+      </p:par>
+    </p:tnLst>
+  </p:timing>
+</p:sld>
+</file>
+
+<file path=ppt/slides/slide40.xml><?xml version="1.0" encoding="utf-8"?>
+<p:sld xmlns:a="http://schemas.openxmlformats.org/drawingml/2006/main" xmlns:r="http://schemas.openxmlformats.org/officeDocument/2006/relationships" xmlns:p="http://schemas.openxmlformats.org/presentationml/2006/main">
+  <p:cSld>
+    <p:spTree>
+      <p:nvGrpSpPr>
+        <p:cNvPr id="1" name=""/>
+        <p:cNvGrpSpPr/>
+        <p:nvPr/>
+      </p:nvGrpSpPr>
+      <p:grpSpPr>
+        <a:xfrm>
+          <a:off x="0" y="0"/>
+          <a:ext cx="0" cy="0"/>
+          <a:chOff x="0" y="0"/>
+          <a:chExt cx="0" cy="0"/>
+        </a:xfrm>
+      </p:grpSpPr>
+      <p:sp>
+        <p:nvSpPr>
+          <p:cNvPr id="2" name="Titel 1"/>
+          <p:cNvSpPr>
+            <a:spLocks noGrp="1"/>
+          </p:cNvSpPr>
+          <p:nvPr>
+            <p:ph type="title"/>
+          </p:nvPr>
+        </p:nvSpPr>
+        <p:spPr/>
+        <p:txBody>
+          <a:bodyPr/>
+          <a:lstStyle/>
+          <a:p>
+            <a:r>
+              <a:rPr lang="de-CH" dirty="0" smtClean="0"/>
+              <a:t>Lupen-App </a:t>
+            </a:r>
+            <a:r>
+              <a:rPr lang="de-CH" dirty="0" smtClean="0"/>
+              <a:t>– Layout</a:t>
+            </a:r>
+            <a:endParaRPr lang="de-CH" dirty="0"/>
+          </a:p>
+        </p:txBody>
+      </p:sp>
+      <p:sp>
+        <p:nvSpPr>
+          <p:cNvPr id="3" name="Inhaltsplatzhalter 2"/>
+          <p:cNvSpPr>
+            <a:spLocks noGrp="1"/>
+          </p:cNvSpPr>
+          <p:nvPr>
+            <p:ph idx="1"/>
+          </p:nvPr>
+        </p:nvSpPr>
+        <p:spPr>
+          <a:solidFill>
+            <a:schemeClr val="bg1"/>
+          </a:solidFill>
+        </p:spPr>
+        <p:txBody>
+          <a:bodyPr>
+            <a:normAutofit fontScale="70000" lnSpcReduction="20000"/>
+          </a:bodyPr>
+          <a:lstStyle/>
+          <a:p>
+            <a:pPr marL="0" indent="0">
+              <a:lnSpc>
+                <a:spcPct val="115000"/>
+              </a:lnSpc>
+              <a:spcAft>
+                <a:spcPts val="0"/>
+              </a:spcAft>
+              <a:buNone/>
+            </a:pPr>
+            <a:r>
+              <a:rPr lang="en-US" dirty="0">
+                <a:solidFill>
+                  <a:srgbClr val="0000FF"/>
+                </a:solidFill>
+                <a:latin typeface="Courier New"/>
+                <a:ea typeface="Times New Roman"/>
+                <a:cs typeface="Times New Roman"/>
+              </a:rPr>
+              <a:t>&lt;div</a:t>
+            </a:r>
+            <a:r>
+              <a:rPr lang="en-US" dirty="0">
+                <a:solidFill>
+                  <a:srgbClr val="000000"/>
+                </a:solidFill>
+                <a:latin typeface="Courier New"/>
+                <a:ea typeface="Times New Roman"/>
+                <a:cs typeface="Times New Roman"/>
+              </a:rPr>
+              <a:t> </a:t>
+            </a:r>
+            <a:r>
+              <a:rPr lang="en-US" dirty="0">
+                <a:solidFill>
+                  <a:srgbClr val="FF0000"/>
+                </a:solidFill>
+                <a:latin typeface="Courier New"/>
+                <a:ea typeface="Times New Roman"/>
+                <a:cs typeface="Times New Roman"/>
+              </a:rPr>
+              <a:t>id</a:t>
+            </a:r>
+            <a:r>
+              <a:rPr lang="en-US" dirty="0">
+                <a:solidFill>
+                  <a:srgbClr val="000000"/>
+                </a:solidFill>
+                <a:latin typeface="Courier New"/>
+                <a:ea typeface="Times New Roman"/>
+                <a:cs typeface="Times New Roman"/>
+              </a:rPr>
+              <a:t>=</a:t>
+            </a:r>
+            <a:r>
+              <a:rPr lang="en-US" b="1" dirty="0">
+                <a:solidFill>
+                  <a:srgbClr val="8000FF"/>
+                </a:solidFill>
+                <a:latin typeface="Courier New"/>
+                <a:ea typeface="Times New Roman"/>
+                <a:cs typeface="Times New Roman"/>
+              </a:rPr>
+              <a:t>"page"</a:t>
+            </a:r>
+            <a:r>
+              <a:rPr lang="en-US" dirty="0">
+                <a:solidFill>
+                  <a:srgbClr val="000000"/>
+                </a:solidFill>
+                <a:latin typeface="Courier New"/>
+                <a:ea typeface="Times New Roman"/>
+                <a:cs typeface="Times New Roman"/>
+              </a:rPr>
+              <a:t> data-role=</a:t>
+            </a:r>
+            <a:r>
+              <a:rPr lang="en-US" b="1" dirty="0">
+                <a:solidFill>
+                  <a:srgbClr val="8000FF"/>
+                </a:solidFill>
+                <a:latin typeface="Courier New"/>
+                <a:ea typeface="Times New Roman"/>
+                <a:cs typeface="Times New Roman"/>
+              </a:rPr>
+              <a:t>"page"</a:t>
+            </a:r>
+            <a:r>
+              <a:rPr lang="en-US" dirty="0">
+                <a:solidFill>
+                  <a:srgbClr val="000000"/>
+                </a:solidFill>
+                <a:latin typeface="Courier New"/>
+                <a:ea typeface="Times New Roman"/>
+                <a:cs typeface="Times New Roman"/>
+              </a:rPr>
+              <a:t> data-theme=</a:t>
+            </a:r>
+            <a:r>
+              <a:rPr lang="en-US" b="1" dirty="0">
+                <a:solidFill>
+                  <a:srgbClr val="8000FF"/>
+                </a:solidFill>
+                <a:latin typeface="Courier New"/>
+                <a:ea typeface="Times New Roman"/>
+                <a:cs typeface="Times New Roman"/>
+              </a:rPr>
+              <a:t>"b"</a:t>
+            </a:r>
+            <a:r>
+              <a:rPr lang="en-US" dirty="0">
+                <a:solidFill>
+                  <a:srgbClr val="000000"/>
+                </a:solidFill>
+                <a:latin typeface="Courier New"/>
+                <a:ea typeface="Times New Roman"/>
+                <a:cs typeface="Times New Roman"/>
+              </a:rPr>
+              <a:t> data-content-theme=</a:t>
+            </a:r>
+            <a:r>
+              <a:rPr lang="en-US" b="1" dirty="0">
+                <a:solidFill>
+                  <a:srgbClr val="8000FF"/>
+                </a:solidFill>
+                <a:latin typeface="Courier New"/>
+                <a:ea typeface="Times New Roman"/>
+                <a:cs typeface="Times New Roman"/>
+              </a:rPr>
+              <a:t>"a"</a:t>
+            </a:r>
+            <a:r>
+              <a:rPr lang="en-US" dirty="0">
+                <a:solidFill>
+                  <a:srgbClr val="0000FF"/>
+                </a:solidFill>
+                <a:latin typeface="Courier New"/>
+                <a:ea typeface="Times New Roman"/>
+                <a:cs typeface="Times New Roman"/>
+              </a:rPr>
+              <a:t>&gt;</a:t>
+            </a:r>
+            <a:endParaRPr lang="de-CH" sz="4400" dirty="0">
+              <a:ea typeface="Calibri"/>
+              <a:cs typeface="Times New Roman"/>
+            </a:endParaRPr>
+          </a:p>
+          <a:p>
+            <a:pPr marL="0" indent="0">
+              <a:lnSpc>
+                <a:spcPct val="115000"/>
+              </a:lnSpc>
+              <a:spcAft>
+                <a:spcPts val="0"/>
+              </a:spcAft>
+              <a:buNone/>
+            </a:pPr>
+            <a:r>
+              <a:rPr lang="en-US" dirty="0">
+                <a:solidFill>
+                  <a:srgbClr val="0000FF"/>
+                </a:solidFill>
+                <a:latin typeface="Courier New"/>
+                <a:ea typeface="Times New Roman"/>
+                <a:cs typeface="Times New Roman"/>
+              </a:rPr>
+              <a:t>  &lt;div</a:t>
+            </a:r>
+            <a:r>
+              <a:rPr lang="en-US" dirty="0">
+                <a:solidFill>
+                  <a:srgbClr val="000000"/>
+                </a:solidFill>
+                <a:latin typeface="Courier New"/>
+                <a:ea typeface="Times New Roman"/>
+                <a:cs typeface="Times New Roman"/>
+              </a:rPr>
+              <a:t> data-role=</a:t>
+            </a:r>
+            <a:r>
+              <a:rPr lang="en-US" b="1" dirty="0">
+                <a:solidFill>
+                  <a:srgbClr val="8000FF"/>
+                </a:solidFill>
+                <a:latin typeface="Courier New"/>
+                <a:ea typeface="Times New Roman"/>
+                <a:cs typeface="Times New Roman"/>
+              </a:rPr>
+              <a:t>"header"</a:t>
+            </a:r>
+            <a:r>
+              <a:rPr lang="en-US" dirty="0">
+                <a:solidFill>
+                  <a:srgbClr val="000000"/>
+                </a:solidFill>
+                <a:latin typeface="Courier New"/>
+                <a:ea typeface="Times New Roman"/>
+                <a:cs typeface="Times New Roman"/>
+              </a:rPr>
+              <a:t> data-theme=</a:t>
+            </a:r>
+            <a:r>
+              <a:rPr lang="en-US" b="1" dirty="0">
+                <a:solidFill>
+                  <a:srgbClr val="8000FF"/>
+                </a:solidFill>
+                <a:latin typeface="Courier New"/>
+                <a:ea typeface="Times New Roman"/>
+                <a:cs typeface="Times New Roman"/>
+              </a:rPr>
+              <a:t>"b"</a:t>
+            </a:r>
+            <a:r>
+              <a:rPr lang="en-US" dirty="0">
+                <a:solidFill>
+                  <a:srgbClr val="0000FF"/>
+                </a:solidFill>
+                <a:latin typeface="Courier New"/>
+                <a:ea typeface="Times New Roman"/>
+                <a:cs typeface="Times New Roman"/>
+              </a:rPr>
+              <a:t>&gt;</a:t>
+            </a:r>
+            <a:endParaRPr lang="de-CH" sz="4400" dirty="0">
+              <a:ea typeface="Calibri"/>
+              <a:cs typeface="Times New Roman"/>
+            </a:endParaRPr>
+          </a:p>
+          <a:p>
+            <a:pPr marL="0" indent="0">
+              <a:lnSpc>
+                <a:spcPct val="115000"/>
+              </a:lnSpc>
+              <a:spcAft>
+                <a:spcPts val="0"/>
+              </a:spcAft>
+              <a:buNone/>
+            </a:pPr>
+            <a:r>
+              <a:rPr lang="en-US" dirty="0">
+                <a:solidFill>
+                  <a:srgbClr val="0000FF"/>
+                </a:solidFill>
+                <a:latin typeface="Courier New"/>
+                <a:ea typeface="Times New Roman"/>
+                <a:cs typeface="Times New Roman"/>
+              </a:rPr>
+              <a:t>    </a:t>
+            </a:r>
+            <a:r>
+              <a:rPr lang="de-CH" dirty="0">
+                <a:solidFill>
+                  <a:srgbClr val="0000FF"/>
+                </a:solidFill>
+                <a:latin typeface="Courier New"/>
+                <a:ea typeface="Times New Roman"/>
+                <a:cs typeface="Times New Roman"/>
+              </a:rPr>
+              <a:t>…</a:t>
+            </a:r>
+            <a:endParaRPr lang="de-CH" sz="4400" dirty="0">
+              <a:ea typeface="Calibri"/>
+              <a:cs typeface="Times New Roman"/>
+            </a:endParaRPr>
+          </a:p>
+          <a:p>
+            <a:pPr marL="0" indent="0">
+              <a:lnSpc>
+                <a:spcPct val="115000"/>
+              </a:lnSpc>
+              <a:spcAft>
+                <a:spcPts val="0"/>
+              </a:spcAft>
+              <a:buNone/>
+            </a:pPr>
+            <a:r>
+              <a:rPr lang="de-CH" dirty="0">
+                <a:solidFill>
+                  <a:srgbClr val="0000FF"/>
+                </a:solidFill>
+                <a:latin typeface="Courier New"/>
+                <a:ea typeface="Times New Roman"/>
+                <a:cs typeface="Times New Roman"/>
+              </a:rPr>
+              <a:t>  &lt;/div&gt;</a:t>
+            </a:r>
+            <a:endParaRPr lang="de-CH" sz="4400" dirty="0">
+              <a:ea typeface="Calibri"/>
+              <a:cs typeface="Times New Roman"/>
+            </a:endParaRPr>
+          </a:p>
+          <a:p>
+            <a:pPr marL="0" indent="0">
+              <a:lnSpc>
+                <a:spcPct val="115000"/>
+              </a:lnSpc>
+              <a:spcAft>
+                <a:spcPts val="0"/>
+              </a:spcAft>
+              <a:buNone/>
+            </a:pPr>
+            <a:r>
+              <a:rPr lang="de-CH" b="1" dirty="0">
+                <a:solidFill>
+                  <a:srgbClr val="000000"/>
+                </a:solidFill>
+                <a:latin typeface="Courier New"/>
+                <a:ea typeface="Times New Roman"/>
+                <a:cs typeface="Times New Roman"/>
+              </a:rPr>
+              <a:t> </a:t>
+            </a:r>
+            <a:endParaRPr lang="de-CH" sz="4400" dirty="0">
+              <a:ea typeface="Calibri"/>
+              <a:cs typeface="Times New Roman"/>
+            </a:endParaRPr>
+          </a:p>
+          <a:p>
+            <a:pPr marL="0" indent="0">
+              <a:lnSpc>
+                <a:spcPct val="115000"/>
+              </a:lnSpc>
+              <a:spcAft>
+                <a:spcPts val="0"/>
+              </a:spcAft>
+              <a:buNone/>
+            </a:pPr>
+            <a:r>
+              <a:rPr lang="de-CH" dirty="0">
+                <a:solidFill>
+                  <a:srgbClr val="0000FF"/>
+                </a:solidFill>
+                <a:latin typeface="Courier New"/>
+                <a:ea typeface="Times New Roman"/>
+                <a:cs typeface="Times New Roman"/>
+              </a:rPr>
+              <a:t>  &lt;div</a:t>
+            </a:r>
+            <a:r>
+              <a:rPr lang="de-CH" dirty="0">
+                <a:solidFill>
+                  <a:srgbClr val="000000"/>
+                </a:solidFill>
+                <a:latin typeface="Courier New"/>
+                <a:ea typeface="Times New Roman"/>
+                <a:cs typeface="Times New Roman"/>
+              </a:rPr>
+              <a:t> </a:t>
+            </a:r>
+            <a:r>
+              <a:rPr lang="de-CH" dirty="0" err="1">
+                <a:solidFill>
+                  <a:srgbClr val="FF0000"/>
+                </a:solidFill>
+                <a:latin typeface="Courier New"/>
+                <a:ea typeface="Times New Roman"/>
+                <a:cs typeface="Times New Roman"/>
+              </a:rPr>
+              <a:t>id</a:t>
+            </a:r>
+            <a:r>
+              <a:rPr lang="de-CH" dirty="0">
+                <a:solidFill>
+                  <a:srgbClr val="000000"/>
+                </a:solidFill>
+                <a:latin typeface="Courier New"/>
+                <a:ea typeface="Times New Roman"/>
+                <a:cs typeface="Times New Roman"/>
+              </a:rPr>
+              <a:t>=</a:t>
+            </a:r>
+            <a:r>
+              <a:rPr lang="de-CH" b="1" dirty="0">
+                <a:solidFill>
+                  <a:srgbClr val="8000FF"/>
+                </a:solidFill>
+                <a:latin typeface="Courier New"/>
+                <a:ea typeface="Times New Roman"/>
+                <a:cs typeface="Times New Roman"/>
+              </a:rPr>
+              <a:t>"</a:t>
+            </a:r>
+            <a:r>
+              <a:rPr lang="de-CH" b="1" dirty="0" err="1">
+                <a:solidFill>
+                  <a:srgbClr val="8000FF"/>
+                </a:solidFill>
+                <a:latin typeface="Courier New"/>
+                <a:ea typeface="Times New Roman"/>
+                <a:cs typeface="Times New Roman"/>
+              </a:rPr>
+              <a:t>photoWrapper</a:t>
+            </a:r>
+            <a:r>
+              <a:rPr lang="de-CH" b="1" dirty="0">
+                <a:solidFill>
+                  <a:srgbClr val="8000FF"/>
+                </a:solidFill>
+                <a:latin typeface="Courier New"/>
+                <a:ea typeface="Times New Roman"/>
+                <a:cs typeface="Times New Roman"/>
+              </a:rPr>
+              <a:t>"</a:t>
+            </a:r>
+            <a:r>
+              <a:rPr lang="de-CH" dirty="0">
+                <a:solidFill>
+                  <a:srgbClr val="000000"/>
+                </a:solidFill>
+                <a:latin typeface="Courier New"/>
+                <a:ea typeface="Times New Roman"/>
+                <a:cs typeface="Times New Roman"/>
+              </a:rPr>
+              <a:t> </a:t>
+            </a:r>
+            <a:r>
+              <a:rPr lang="de-CH" dirty="0" err="1">
+                <a:solidFill>
+                  <a:srgbClr val="000000"/>
+                </a:solidFill>
+                <a:latin typeface="Courier New"/>
+                <a:ea typeface="Times New Roman"/>
+                <a:cs typeface="Times New Roman"/>
+              </a:rPr>
+              <a:t>data-role</a:t>
+            </a:r>
+            <a:r>
+              <a:rPr lang="de-CH" dirty="0">
+                <a:solidFill>
+                  <a:srgbClr val="000000"/>
+                </a:solidFill>
+                <a:latin typeface="Courier New"/>
+                <a:ea typeface="Times New Roman"/>
+                <a:cs typeface="Times New Roman"/>
+              </a:rPr>
+              <a:t>=</a:t>
+            </a:r>
+            <a:r>
+              <a:rPr lang="de-CH" b="1" dirty="0">
+                <a:solidFill>
+                  <a:srgbClr val="8000FF"/>
+                </a:solidFill>
+                <a:latin typeface="Courier New"/>
+                <a:ea typeface="Times New Roman"/>
+                <a:cs typeface="Times New Roman"/>
+              </a:rPr>
+              <a:t>"</a:t>
+            </a:r>
+            <a:r>
+              <a:rPr lang="de-CH" b="1" dirty="0" err="1">
+                <a:solidFill>
+                  <a:srgbClr val="8000FF"/>
+                </a:solidFill>
+                <a:latin typeface="Courier New"/>
+                <a:ea typeface="Times New Roman"/>
+                <a:cs typeface="Times New Roman"/>
+              </a:rPr>
+              <a:t>content</a:t>
+            </a:r>
+            <a:r>
+              <a:rPr lang="de-CH" b="1" dirty="0">
+                <a:solidFill>
+                  <a:srgbClr val="8000FF"/>
+                </a:solidFill>
+                <a:latin typeface="Courier New"/>
+                <a:ea typeface="Times New Roman"/>
+                <a:cs typeface="Times New Roman"/>
+              </a:rPr>
+              <a:t>"</a:t>
+            </a:r>
+            <a:r>
+              <a:rPr lang="de-CH" dirty="0">
+                <a:solidFill>
+                  <a:srgbClr val="0000FF"/>
+                </a:solidFill>
+                <a:latin typeface="Courier New"/>
+                <a:ea typeface="Times New Roman"/>
+                <a:cs typeface="Times New Roman"/>
+              </a:rPr>
+              <a:t>&gt;</a:t>
+            </a:r>
+            <a:endParaRPr lang="de-CH" sz="4400" dirty="0">
+              <a:ea typeface="Calibri"/>
+              <a:cs typeface="Times New Roman"/>
+            </a:endParaRPr>
+          </a:p>
+          <a:p>
+            <a:pPr marL="0" indent="0">
+              <a:lnSpc>
+                <a:spcPct val="115000"/>
+              </a:lnSpc>
+              <a:spcAft>
+                <a:spcPts val="0"/>
+              </a:spcAft>
+              <a:buNone/>
+            </a:pPr>
+            <a:r>
+              <a:rPr lang="de-CH" dirty="0">
+                <a:solidFill>
+                  <a:srgbClr val="0000FF"/>
+                </a:solidFill>
+                <a:latin typeface="Courier New"/>
+                <a:ea typeface="Times New Roman"/>
+                <a:cs typeface="Times New Roman"/>
+              </a:rPr>
+              <a:t>    …</a:t>
+            </a:r>
+            <a:endParaRPr lang="de-CH" sz="4400" dirty="0">
+              <a:ea typeface="Calibri"/>
+              <a:cs typeface="Times New Roman"/>
+            </a:endParaRPr>
+          </a:p>
+          <a:p>
+            <a:pPr marL="0" indent="0">
+              <a:lnSpc>
+                <a:spcPct val="115000"/>
+              </a:lnSpc>
+              <a:spcAft>
+                <a:spcPts val="0"/>
+              </a:spcAft>
+              <a:buNone/>
+            </a:pPr>
+            <a:r>
+              <a:rPr lang="de-CH" dirty="0">
+                <a:solidFill>
+                  <a:srgbClr val="0000FF"/>
+                </a:solidFill>
+                <a:latin typeface="Courier New"/>
+                <a:ea typeface="Times New Roman"/>
+                <a:cs typeface="Times New Roman"/>
+              </a:rPr>
+              <a:t>  &lt;/div&gt;</a:t>
+            </a:r>
+            <a:endParaRPr lang="de-CH" sz="4400" dirty="0">
+              <a:ea typeface="Calibri"/>
+              <a:cs typeface="Times New Roman"/>
+            </a:endParaRPr>
+          </a:p>
+          <a:p>
+            <a:pPr marL="0" indent="0">
+              <a:lnSpc>
+                <a:spcPct val="115000"/>
+              </a:lnSpc>
+              <a:spcAft>
+                <a:spcPts val="0"/>
+              </a:spcAft>
+              <a:buNone/>
+            </a:pPr>
+            <a:r>
+              <a:rPr lang="de-CH" dirty="0">
+                <a:solidFill>
+                  <a:srgbClr val="0000FF"/>
+                </a:solidFill>
+                <a:latin typeface="Courier New"/>
+                <a:ea typeface="Times New Roman"/>
+                <a:cs typeface="Times New Roman"/>
+              </a:rPr>
+              <a:t>&lt;/div&gt;</a:t>
+            </a:r>
+            <a:endParaRPr lang="de-CH" sz="4400" dirty="0">
+              <a:ea typeface="Calibri"/>
+              <a:cs typeface="Times New Roman"/>
+            </a:endParaRPr>
+          </a:p>
+        </p:txBody>
+      </p:sp>
+    </p:spTree>
+    <p:extLst>
+      <p:ext uri="{BB962C8B-B14F-4D97-AF65-F5344CB8AC3E}">
+        <p14:creationId xmlns:p14="http://schemas.microsoft.com/office/powerpoint/2010/main" val="3356512925"/>
+      </p:ext>
+    </p:extLst>
+  </p:cSld>
+  <p:clrMapOvr>
+    <a:masterClrMapping/>
+  </p:clrMapOvr>
+  <p:timing>
+    <p:tnLst>
+      <p:par>
+        <p:cTn id="1" dur="indefinite" restart="never" nodeType="tmRoot"/>
+      </p:par>
+    </p:tnLst>
+  </p:timing>
+</p:sld>
+</file>
+
+<file path=ppt/slides/slide41.xml><?xml version="1.0" encoding="utf-8"?>
+<p:sld xmlns:a="http://schemas.openxmlformats.org/drawingml/2006/main" xmlns:r="http://schemas.openxmlformats.org/officeDocument/2006/relationships" xmlns:p="http://schemas.openxmlformats.org/presentationml/2006/main">
+  <p:cSld>
+    <p:spTree>
+      <p:nvGrpSpPr>
+        <p:cNvPr id="1" name=""/>
+        <p:cNvGrpSpPr/>
+        <p:nvPr/>
+      </p:nvGrpSpPr>
+      <p:grpSpPr>
+        <a:xfrm>
+          <a:off x="0" y="0"/>
+          <a:ext cx="0" cy="0"/>
+          <a:chOff x="0" y="0"/>
+          <a:chExt cx="0" cy="0"/>
+        </a:xfrm>
+      </p:grpSpPr>
+      <p:sp>
+        <p:nvSpPr>
+          <p:cNvPr id="2" name="Titel 1"/>
+          <p:cNvSpPr>
+            <a:spLocks noGrp="1"/>
+          </p:cNvSpPr>
+          <p:nvPr>
+            <p:ph type="title"/>
+          </p:nvPr>
+        </p:nvSpPr>
+        <p:spPr/>
+        <p:txBody>
+          <a:bodyPr>
+            <a:normAutofit fontScale="90000"/>
+          </a:bodyPr>
+          <a:lstStyle/>
+          <a:p>
+            <a:r>
+              <a:rPr lang="de-CH" dirty="0" smtClean="0"/>
+              <a:t>Lupen-App </a:t>
+            </a:r>
+            <a:r>
+              <a:rPr lang="de-CH" dirty="0" smtClean="0"/>
+              <a:t>– Verwendung von Loupe.js</a:t>
+            </a:r>
+            <a:endParaRPr lang="de-CH" dirty="0"/>
+          </a:p>
+        </p:txBody>
+      </p:sp>
+      <p:sp>
+        <p:nvSpPr>
+          <p:cNvPr id="3" name="Inhaltsplatzhalter 2"/>
+          <p:cNvSpPr>
+            <a:spLocks noGrp="1"/>
+          </p:cNvSpPr>
+          <p:nvPr>
+            <p:ph idx="1"/>
+          </p:nvPr>
+        </p:nvSpPr>
+        <p:spPr>
+          <a:xfrm>
+            <a:off x="395536" y="2564905"/>
+            <a:ext cx="8363272" cy="2016224"/>
+          </a:xfrm>
+          <a:solidFill>
+            <a:schemeClr val="bg1"/>
+          </a:solidFill>
+        </p:spPr>
+        <p:txBody>
+          <a:bodyPr>
+            <a:normAutofit/>
+          </a:bodyPr>
+          <a:lstStyle/>
+          <a:p>
+            <a:pPr marL="0" indent="0">
+              <a:lnSpc>
+                <a:spcPct val="115000"/>
+              </a:lnSpc>
+              <a:spcAft>
+                <a:spcPts val="0"/>
+              </a:spcAft>
+              <a:buNone/>
+            </a:pPr>
+            <a:endParaRPr lang="de-CH" sz="2000" dirty="0">
+              <a:solidFill>
+                <a:srgbClr val="0000FF"/>
+              </a:solidFill>
+              <a:latin typeface="Courier New"/>
+              <a:ea typeface="Times New Roman"/>
+              <a:cs typeface="Times New Roman"/>
+            </a:endParaRPr>
+          </a:p>
+          <a:p>
+            <a:pPr marL="0" indent="0">
+              <a:lnSpc>
+                <a:spcPct val="115000"/>
+              </a:lnSpc>
+              <a:spcAft>
+                <a:spcPts val="0"/>
+              </a:spcAft>
+              <a:buNone/>
+            </a:pPr>
+            <a:r>
+              <a:rPr lang="de-CH" sz="2000" dirty="0" smtClean="0">
+                <a:solidFill>
+                  <a:srgbClr val="0000FF"/>
+                </a:solidFill>
+                <a:latin typeface="Courier New"/>
+                <a:ea typeface="Times New Roman"/>
+                <a:cs typeface="Times New Roman"/>
+              </a:rPr>
+              <a:t>&lt;</a:t>
+            </a:r>
+            <a:r>
+              <a:rPr lang="de-CH" sz="2000" dirty="0">
+                <a:solidFill>
+                  <a:srgbClr val="0000FF"/>
+                </a:solidFill>
+                <a:latin typeface="Courier New"/>
+                <a:ea typeface="Times New Roman"/>
+                <a:cs typeface="Times New Roman"/>
+              </a:rPr>
+              <a:t>div</a:t>
+            </a:r>
+            <a:r>
+              <a:rPr lang="de-CH" sz="2000" dirty="0">
+                <a:solidFill>
+                  <a:srgbClr val="000000"/>
+                </a:solidFill>
+                <a:latin typeface="Courier New"/>
+                <a:ea typeface="Times New Roman"/>
+                <a:cs typeface="Times New Roman"/>
+              </a:rPr>
+              <a:t> </a:t>
+            </a:r>
+            <a:r>
+              <a:rPr lang="de-CH" sz="2000" dirty="0" err="1">
+                <a:solidFill>
+                  <a:srgbClr val="FF0000"/>
+                </a:solidFill>
+                <a:latin typeface="Courier New"/>
+                <a:ea typeface="Times New Roman"/>
+                <a:cs typeface="Times New Roman"/>
+              </a:rPr>
+              <a:t>id</a:t>
+            </a:r>
+            <a:r>
+              <a:rPr lang="de-CH" sz="2000" dirty="0">
+                <a:solidFill>
+                  <a:srgbClr val="000000"/>
+                </a:solidFill>
+                <a:latin typeface="Courier New"/>
+                <a:ea typeface="Times New Roman"/>
+                <a:cs typeface="Times New Roman"/>
+              </a:rPr>
+              <a:t>=</a:t>
+            </a:r>
+            <a:r>
+              <a:rPr lang="de-CH" sz="2000" b="1" dirty="0">
+                <a:solidFill>
+                  <a:srgbClr val="8000FF"/>
+                </a:solidFill>
+                <a:latin typeface="Courier New"/>
+                <a:ea typeface="Times New Roman"/>
+                <a:cs typeface="Times New Roman"/>
+              </a:rPr>
+              <a:t>"</a:t>
+            </a:r>
+            <a:r>
+              <a:rPr lang="de-CH" sz="2000" b="1" dirty="0" err="1">
+                <a:solidFill>
+                  <a:srgbClr val="8000FF"/>
+                </a:solidFill>
+                <a:latin typeface="Courier New"/>
+                <a:ea typeface="Times New Roman"/>
+                <a:cs typeface="Times New Roman"/>
+              </a:rPr>
+              <a:t>photoWrapper</a:t>
+            </a:r>
+            <a:r>
+              <a:rPr lang="de-CH" sz="2000" b="1" dirty="0">
+                <a:solidFill>
+                  <a:srgbClr val="8000FF"/>
+                </a:solidFill>
+                <a:latin typeface="Courier New"/>
+                <a:ea typeface="Times New Roman"/>
+                <a:cs typeface="Times New Roman"/>
+              </a:rPr>
+              <a:t>"</a:t>
+            </a:r>
+            <a:r>
+              <a:rPr lang="de-CH" sz="2000" dirty="0">
+                <a:solidFill>
+                  <a:srgbClr val="000000"/>
+                </a:solidFill>
+                <a:latin typeface="Courier New"/>
+                <a:ea typeface="Times New Roman"/>
+                <a:cs typeface="Times New Roman"/>
+              </a:rPr>
+              <a:t> </a:t>
+            </a:r>
+            <a:r>
+              <a:rPr lang="de-CH" sz="2000" dirty="0" err="1">
+                <a:solidFill>
+                  <a:srgbClr val="000000"/>
+                </a:solidFill>
+                <a:latin typeface="Courier New"/>
+                <a:ea typeface="Times New Roman"/>
+                <a:cs typeface="Times New Roman"/>
+              </a:rPr>
+              <a:t>data-role</a:t>
+            </a:r>
+            <a:r>
+              <a:rPr lang="de-CH" sz="2000" dirty="0">
+                <a:solidFill>
+                  <a:srgbClr val="000000"/>
+                </a:solidFill>
+                <a:latin typeface="Courier New"/>
+                <a:ea typeface="Times New Roman"/>
+                <a:cs typeface="Times New Roman"/>
+              </a:rPr>
+              <a:t>=</a:t>
+            </a:r>
+            <a:r>
+              <a:rPr lang="de-CH" sz="2000" b="1" dirty="0">
+                <a:solidFill>
+                  <a:srgbClr val="8000FF"/>
+                </a:solidFill>
+                <a:latin typeface="Courier New"/>
+                <a:ea typeface="Times New Roman"/>
+                <a:cs typeface="Times New Roman"/>
+              </a:rPr>
+              <a:t>"</a:t>
+            </a:r>
+            <a:r>
+              <a:rPr lang="de-CH" sz="2000" b="1" dirty="0" err="1">
+                <a:solidFill>
+                  <a:srgbClr val="8000FF"/>
+                </a:solidFill>
+                <a:latin typeface="Courier New"/>
+                <a:ea typeface="Times New Roman"/>
+                <a:cs typeface="Times New Roman"/>
+              </a:rPr>
+              <a:t>content</a:t>
+            </a:r>
+            <a:r>
+              <a:rPr lang="de-CH" sz="2000" b="1" dirty="0">
+                <a:solidFill>
+                  <a:srgbClr val="8000FF"/>
+                </a:solidFill>
+                <a:latin typeface="Courier New"/>
+                <a:ea typeface="Times New Roman"/>
+                <a:cs typeface="Times New Roman"/>
+              </a:rPr>
+              <a:t>"</a:t>
+            </a:r>
+            <a:r>
+              <a:rPr lang="de-CH" sz="2000" dirty="0">
+                <a:solidFill>
+                  <a:srgbClr val="0000FF"/>
+                </a:solidFill>
+                <a:latin typeface="Courier New"/>
+                <a:ea typeface="Times New Roman"/>
+                <a:cs typeface="Times New Roman"/>
+              </a:rPr>
+              <a:t>&gt;</a:t>
+            </a:r>
+            <a:endParaRPr lang="de-CH" sz="2000" dirty="0">
+              <a:ea typeface="Calibri"/>
+              <a:cs typeface="Times New Roman"/>
+            </a:endParaRPr>
+          </a:p>
+          <a:p>
+            <a:pPr marL="0" indent="0">
+              <a:lnSpc>
+                <a:spcPct val="115000"/>
+              </a:lnSpc>
+              <a:spcAft>
+                <a:spcPts val="0"/>
+              </a:spcAft>
+              <a:buNone/>
+            </a:pPr>
+            <a:r>
+              <a:rPr lang="de-CH" sz="2000" b="1" dirty="0">
+                <a:solidFill>
+                  <a:srgbClr val="000000"/>
+                </a:solidFill>
+                <a:latin typeface="Courier New"/>
+                <a:ea typeface="Times New Roman"/>
+                <a:cs typeface="Times New Roman"/>
+              </a:rPr>
+              <a:t>    </a:t>
+            </a:r>
+            <a:r>
+              <a:rPr lang="en-US" sz="2000" dirty="0">
+                <a:solidFill>
+                  <a:srgbClr val="0000FF"/>
+                </a:solidFill>
+                <a:latin typeface="Courier New"/>
+                <a:ea typeface="Times New Roman"/>
+                <a:cs typeface="Times New Roman"/>
+              </a:rPr>
+              <a:t>&lt;</a:t>
+            </a:r>
+            <a:r>
+              <a:rPr lang="en-US" sz="2000" dirty="0" err="1">
+                <a:solidFill>
+                  <a:srgbClr val="0000FF"/>
+                </a:solidFill>
+                <a:latin typeface="Courier New"/>
+                <a:ea typeface="Times New Roman"/>
+                <a:cs typeface="Times New Roman"/>
+              </a:rPr>
+              <a:t>img</a:t>
+            </a:r>
+            <a:r>
+              <a:rPr lang="en-US" sz="2000" dirty="0">
+                <a:solidFill>
+                  <a:srgbClr val="000000"/>
+                </a:solidFill>
+                <a:latin typeface="Courier New"/>
+                <a:ea typeface="Times New Roman"/>
+                <a:cs typeface="Times New Roman"/>
+              </a:rPr>
+              <a:t> </a:t>
+            </a:r>
+            <a:r>
+              <a:rPr lang="en-US" sz="2000" dirty="0">
+                <a:solidFill>
+                  <a:srgbClr val="FF0000"/>
+                </a:solidFill>
+                <a:latin typeface="Courier New"/>
+                <a:ea typeface="Times New Roman"/>
+                <a:cs typeface="Times New Roman"/>
+              </a:rPr>
+              <a:t>id</a:t>
+            </a:r>
+            <a:r>
+              <a:rPr lang="en-US" sz="2000" dirty="0">
+                <a:solidFill>
+                  <a:srgbClr val="000000"/>
+                </a:solidFill>
+                <a:latin typeface="Courier New"/>
+                <a:ea typeface="Times New Roman"/>
+                <a:cs typeface="Times New Roman"/>
+              </a:rPr>
+              <a:t>=</a:t>
+            </a:r>
+            <a:r>
+              <a:rPr lang="en-US" sz="2000" b="1" dirty="0">
+                <a:solidFill>
+                  <a:srgbClr val="8000FF"/>
+                </a:solidFill>
+                <a:latin typeface="Courier New"/>
+                <a:ea typeface="Times New Roman"/>
+                <a:cs typeface="Times New Roman"/>
+              </a:rPr>
+              <a:t>"</a:t>
+            </a:r>
+            <a:r>
+              <a:rPr lang="en-US" sz="2000" b="1" dirty="0" err="1">
+                <a:solidFill>
+                  <a:srgbClr val="8000FF"/>
+                </a:solidFill>
+                <a:latin typeface="Courier New"/>
+                <a:ea typeface="Times New Roman"/>
+                <a:cs typeface="Times New Roman"/>
+              </a:rPr>
+              <a:t>img</a:t>
+            </a:r>
+            <a:r>
+              <a:rPr lang="en-US" sz="2000" b="1" dirty="0">
+                <a:solidFill>
+                  <a:srgbClr val="8000FF"/>
+                </a:solidFill>
+                <a:latin typeface="Courier New"/>
+                <a:ea typeface="Times New Roman"/>
+                <a:cs typeface="Times New Roman"/>
+              </a:rPr>
+              <a:t>"</a:t>
+            </a:r>
+            <a:r>
+              <a:rPr lang="en-US" sz="2000" dirty="0">
+                <a:solidFill>
+                  <a:srgbClr val="000000"/>
+                </a:solidFill>
+                <a:latin typeface="Courier New"/>
+                <a:ea typeface="Times New Roman"/>
+                <a:cs typeface="Times New Roman"/>
+              </a:rPr>
+              <a:t> </a:t>
+            </a:r>
+            <a:r>
+              <a:rPr lang="en-US" sz="2000" dirty="0" err="1">
+                <a:solidFill>
+                  <a:srgbClr val="FF0000"/>
+                </a:solidFill>
+                <a:latin typeface="Courier New"/>
+                <a:ea typeface="Times New Roman"/>
+                <a:cs typeface="Times New Roman"/>
+              </a:rPr>
+              <a:t>onload</a:t>
+            </a:r>
+            <a:r>
+              <a:rPr lang="en-US" sz="2000" dirty="0">
+                <a:solidFill>
+                  <a:srgbClr val="000000"/>
+                </a:solidFill>
+                <a:latin typeface="Courier New"/>
+                <a:ea typeface="Times New Roman"/>
+                <a:cs typeface="Times New Roman"/>
+              </a:rPr>
+              <a:t>=</a:t>
+            </a:r>
+            <a:r>
+              <a:rPr lang="en-US" sz="2000" b="1" dirty="0">
+                <a:solidFill>
+                  <a:srgbClr val="8000FF"/>
+                </a:solidFill>
+                <a:latin typeface="Courier New"/>
+                <a:ea typeface="Times New Roman"/>
+                <a:cs typeface="Times New Roman"/>
+              </a:rPr>
+              <a:t>"</a:t>
+            </a:r>
+            <a:r>
+              <a:rPr lang="en-US" sz="2000" b="1" dirty="0" err="1">
+                <a:solidFill>
+                  <a:srgbClr val="8000FF"/>
+                </a:solidFill>
+                <a:latin typeface="Courier New"/>
+                <a:ea typeface="Times New Roman"/>
+                <a:cs typeface="Times New Roman"/>
+              </a:rPr>
+              <a:t>loupe.add</a:t>
+            </a:r>
+            <a:r>
+              <a:rPr lang="en-US" sz="2000" b="1" dirty="0">
+                <a:solidFill>
+                  <a:srgbClr val="8000FF"/>
+                </a:solidFill>
+                <a:latin typeface="Courier New"/>
+                <a:ea typeface="Times New Roman"/>
+                <a:cs typeface="Times New Roman"/>
+              </a:rPr>
+              <a:t>(this);"</a:t>
+            </a:r>
+            <a:r>
+              <a:rPr lang="en-US" sz="2000" dirty="0">
+                <a:solidFill>
+                  <a:srgbClr val="000000"/>
+                </a:solidFill>
+                <a:latin typeface="Courier New"/>
+                <a:ea typeface="Times New Roman"/>
+                <a:cs typeface="Times New Roman"/>
+              </a:rPr>
+              <a:t> </a:t>
+            </a:r>
+            <a:r>
+              <a:rPr lang="en-US" sz="2000" dirty="0" err="1">
+                <a:solidFill>
+                  <a:srgbClr val="FF0000"/>
+                </a:solidFill>
+                <a:latin typeface="Courier New"/>
+                <a:ea typeface="Times New Roman"/>
+                <a:cs typeface="Times New Roman"/>
+              </a:rPr>
+              <a:t>src</a:t>
+            </a:r>
+            <a:r>
+              <a:rPr lang="en-US" sz="2000" dirty="0">
+                <a:solidFill>
+                  <a:srgbClr val="000000"/>
+                </a:solidFill>
+                <a:latin typeface="Courier New"/>
+                <a:ea typeface="Times New Roman"/>
+                <a:cs typeface="Times New Roman"/>
+              </a:rPr>
+              <a:t>=</a:t>
+            </a:r>
+            <a:r>
+              <a:rPr lang="en-US" sz="2000" b="1" dirty="0">
+                <a:solidFill>
+                  <a:srgbClr val="8000FF"/>
+                </a:solidFill>
+                <a:latin typeface="Courier New"/>
+                <a:ea typeface="Times New Roman"/>
+                <a:cs typeface="Times New Roman"/>
+              </a:rPr>
+              <a:t>""</a:t>
+            </a:r>
+            <a:r>
+              <a:rPr lang="en-US" sz="2000" dirty="0">
+                <a:solidFill>
+                  <a:srgbClr val="000000"/>
+                </a:solidFill>
+                <a:latin typeface="Courier New"/>
+                <a:ea typeface="Times New Roman"/>
+                <a:cs typeface="Times New Roman"/>
+              </a:rPr>
+              <a:t> </a:t>
+            </a:r>
+            <a:r>
+              <a:rPr lang="en-US" sz="2000" dirty="0">
+                <a:solidFill>
+                  <a:srgbClr val="0000FF"/>
+                </a:solidFill>
+                <a:latin typeface="Courier New"/>
+                <a:ea typeface="Times New Roman"/>
+                <a:cs typeface="Times New Roman"/>
+              </a:rPr>
+              <a:t>/&gt;</a:t>
+            </a:r>
+            <a:endParaRPr lang="de-CH" sz="2000" dirty="0">
+              <a:ea typeface="Calibri"/>
+              <a:cs typeface="Times New Roman"/>
+            </a:endParaRPr>
+          </a:p>
+          <a:p>
+            <a:pPr marL="0" indent="0">
+              <a:buNone/>
+            </a:pPr>
+            <a:r>
+              <a:rPr lang="de-CH" sz="2000" dirty="0">
+                <a:solidFill>
+                  <a:srgbClr val="0000FF"/>
+                </a:solidFill>
+                <a:latin typeface="Courier New"/>
+                <a:ea typeface="Times New Roman"/>
+              </a:rPr>
+              <a:t>&lt;/div&gt;</a:t>
+            </a:r>
+            <a:endParaRPr lang="de-CH" sz="2000" dirty="0">
+              <a:ea typeface="Calibri"/>
+              <a:cs typeface="Times New Roman"/>
+            </a:endParaRPr>
+          </a:p>
+        </p:txBody>
+      </p:sp>
+    </p:spTree>
+    <p:extLst>
+      <p:ext uri="{BB962C8B-B14F-4D97-AF65-F5344CB8AC3E}">
+        <p14:creationId xmlns:p14="http://schemas.microsoft.com/office/powerpoint/2010/main" val="2222516923"/>
+      </p:ext>
+    </p:extLst>
+  </p:cSld>
+  <p:clrMapOvr>
+    <a:masterClrMapping/>
+  </p:clrMapOvr>
+  <p:timing>
+    <p:tnLst>
+      <p:par>
+        <p:cTn id="1" dur="indefinite" restart="never" nodeType="tmRoot"/>
+      </p:par>
+    </p:tnLst>
+  </p:timing>
+</p:sld>
+</file>
+
+<file path=ppt/slides/slide42.xml><?xml version="1.0" encoding="utf-8"?>
+<p:sld xmlns:a="http://schemas.openxmlformats.org/drawingml/2006/main" xmlns:r="http://schemas.openxmlformats.org/officeDocument/2006/relationships" xmlns:p="http://schemas.openxmlformats.org/presentationml/2006/main">
+  <p:cSld>
+    <p:spTree>
+      <p:nvGrpSpPr>
+        <p:cNvPr id="1" name=""/>
+        <p:cNvGrpSpPr/>
+        <p:nvPr/>
+      </p:nvGrpSpPr>
+      <p:grpSpPr>
+        <a:xfrm>
+          <a:off x="0" y="0"/>
+          <a:ext cx="0" cy="0"/>
+          <a:chOff x="0" y="0"/>
+          <a:chExt cx="0" cy="0"/>
+        </a:xfrm>
+      </p:grpSpPr>
+      <p:sp>
+        <p:nvSpPr>
+          <p:cNvPr id="2" name="Titel 1"/>
+          <p:cNvSpPr>
+            <a:spLocks noGrp="1"/>
+          </p:cNvSpPr>
+          <p:nvPr>
+            <p:ph type="title"/>
+          </p:nvPr>
+        </p:nvSpPr>
+        <p:spPr/>
+        <p:txBody>
+          <a:bodyPr/>
+          <a:lstStyle/>
+          <a:p>
+            <a:r>
+              <a:rPr lang="de-CH" dirty="0" smtClean="0"/>
+              <a:t>Ende – F&amp;A</a:t>
+            </a:r>
+            <a:endParaRPr lang="de-CH" dirty="0"/>
+          </a:p>
+        </p:txBody>
+      </p:sp>
+      <p:pic>
+        <p:nvPicPr>
+          <p:cNvPr id="4" name="Picture 2"/>
+          <p:cNvPicPr>
+            <a:picLocks noGrp="1" noChangeAspect="1" noChangeArrowheads="1"/>
+          </p:cNvPicPr>
+          <p:nvPr>
+            <p:ph idx="1"/>
+          </p:nvPr>
+        </p:nvPicPr>
+        <p:blipFill>
+          <a:blip r:embed="rId2">
+            <a:extLst>
+              <a:ext uri="{28A0092B-C50C-407E-A947-70E740481C1C}">
+                <a14:useLocalDpi xmlns:a14="http://schemas.microsoft.com/office/drawing/2010/main" val="0"/>
+              </a:ext>
+            </a:extLst>
+          </a:blip>
+          <a:srcRect/>
+          <a:stretch>
+            <a:fillRect/>
+          </a:stretch>
+        </p:blipFill>
+        <p:spPr bwMode="auto">
+          <a:xfrm>
+            <a:off x="2843808" y="1340768"/>
+            <a:ext cx="3490118" cy="3826515"/>
+          </a:xfrm>
+          <a:prstGeom prst="rect">
+            <a:avLst/>
+          </a:prstGeom>
+          <a:noFill/>
+          <a:ln>
+            <a:noFill/>
+          </a:ln>
+          <a:effectLst/>
+          <a:extLst>
+            <a:ext uri="{909E8E84-426E-40DD-AFC4-6F175D3DCCD1}">
+              <a14:hiddenFill xmlns:a14="http://schemas.microsoft.com/office/drawing/2010/main">
+                <a:solidFill>
+                  <a:schemeClr val="accent1"/>
+                </a:solidFill>
+              </a14:hiddenFill>
+            </a:ext>
+            <a:ext uri="{91240B29-F687-4F45-9708-019B960494DF}">
+              <a14:hiddenLine xmlns:a14="http://schemas.microsoft.com/office/drawing/2010/main" w="9525">
+                <a:solidFill>
+                  <a:schemeClr val="tx1"/>
+                </a:solidFill>
+                <a:miter lim="800000"/>
+                <a:headEnd/>
+                <a:tailEnd/>
+              </a14:hiddenLine>
+            </a:ext>
+            <a:ext uri="{AF507438-7753-43E0-B8FC-AC1667EBCBE1}">
+              <a14:hiddenEffects xmlns:a14="http://schemas.microsoft.com/office/drawing/2010/main">
+                <a:effectLst>
+                  <a:outerShdw dist="35921" dir="2700000" algn="ctr" rotWithShape="0">
+                    <a:schemeClr val="bg2"/>
+                  </a:outerShdw>
+                </a:effectLst>
+              </a14:hiddenEffects>
+            </a:ext>
+          </a:extLst>
+        </p:spPr>
+      </p:pic>
+    </p:spTree>
+    <p:extLst>
+      <p:ext uri="{BB962C8B-B14F-4D97-AF65-F5344CB8AC3E}">
+        <p14:creationId xmlns:p14="http://schemas.microsoft.com/office/powerpoint/2010/main" val="3506230833"/>
       </p:ext>
     </p:extLst>
   </p:cSld>
@@ -12226,14 +17324,12 @@
         </p:nvSpPr>
         <p:spPr/>
         <p:txBody>
-          <a:bodyPr>
-            <a:normAutofit fontScale="90000"/>
-          </a:bodyPr>
+          <a:bodyPr/>
           <a:lstStyle/>
           <a:p>
             <a:r>
               <a:rPr lang="de-CH" dirty="0" smtClean="0"/>
-              <a:t>Kriterium 2 - Entwicklungsumgebung</a:t>
+              <a:t>Kriterium 1 - Einfachheit</a:t>
             </a:r>
             <a:endParaRPr lang="de-CH" dirty="0"/>
           </a:p>
@@ -12256,7 +17352,7 @@
           <a:p>
             <a:r>
               <a:rPr lang="de-CH" dirty="0" smtClean="0"/>
-              <a:t>Aufzählung / Flexibilität</a:t>
+              <a:t>Subjektives Empfinden</a:t>
             </a:r>
           </a:p>
           <a:p>
@@ -12265,7 +17361,7 @@
           <a:p>
             <a:r>
               <a:rPr lang="de-CH" dirty="0" smtClean="0"/>
-              <a:t>Alternativen / Erweiterungen</a:t>
+              <a:t>Anzahl benötigter Technologien</a:t>
             </a:r>
           </a:p>
           <a:p>
@@ -12274,7 +17370,7 @@
           <a:p>
             <a:r>
               <a:rPr lang="de-CH" dirty="0" smtClean="0"/>
-              <a:t>Hilfestellungen durch Framework</a:t>
+              <a:t>Intuitive Benutzbarkeit</a:t>
             </a:r>
           </a:p>
           <a:p>
@@ -12288,7 +17384,7 @@
     </p:spTree>
     <p:extLst>
       <p:ext uri="{BB962C8B-B14F-4D97-AF65-F5344CB8AC3E}">
-        <p14:creationId xmlns:p14="http://schemas.microsoft.com/office/powerpoint/2010/main" val="3520737534"/>
+        <p14:creationId xmlns:p14="http://schemas.microsoft.com/office/powerpoint/2010/main" val="2055359862"/>
       </p:ext>
     </p:extLst>
   </p:cSld>
@@ -12334,12 +17430,14 @@
         </p:nvSpPr>
         <p:spPr/>
         <p:txBody>
-          <a:bodyPr/>
+          <a:bodyPr>
+            <a:normAutofit fontScale="90000"/>
+          </a:bodyPr>
           <a:lstStyle/>
           <a:p>
             <a:r>
               <a:rPr lang="de-CH" dirty="0" smtClean="0"/>
-              <a:t>Kriterium 3 - Support</a:t>
+              <a:t>Kriterium 2 - Entwicklungsumgebung</a:t>
             </a:r>
             <a:endParaRPr lang="de-CH" dirty="0"/>
           </a:p>
@@ -12362,7 +17460,7 @@
           <a:p>
             <a:r>
               <a:rPr lang="de-CH" dirty="0" smtClean="0"/>
-              <a:t>Supporthotline</a:t>
+              <a:t>Aufzählung / Flexibilität</a:t>
             </a:r>
           </a:p>
           <a:p>
@@ -12371,7 +17469,7 @@
           <a:p>
             <a:r>
               <a:rPr lang="de-CH" dirty="0" smtClean="0"/>
-              <a:t>Online-Möglichkeiten</a:t>
+              <a:t>Alternativen / Erweiterungen</a:t>
             </a:r>
           </a:p>
           <a:p>
@@ -12380,17 +17478,13 @@
           <a:p>
             <a:r>
               <a:rPr lang="de-CH" dirty="0" smtClean="0"/>
-              <a:t>Preis</a:t>
+              <a:t>Hilfestellungen durch Framework</a:t>
             </a:r>
           </a:p>
           <a:p>
             <a:endParaRPr lang="de-CH" dirty="0"/>
           </a:p>
           <a:p>
-            <a:r>
-              <a:rPr lang="de-CH" dirty="0" smtClean="0"/>
-              <a:t>Anleitungen im Netz</a:t>
-            </a:r>
             <a:endParaRPr lang="de-CH" dirty="0"/>
           </a:p>
         </p:txBody>
@@ -12398,7 +17492,7 @@
     </p:spTree>
     <p:extLst>
       <p:ext uri="{BB962C8B-B14F-4D97-AF65-F5344CB8AC3E}">
-        <p14:creationId xmlns:p14="http://schemas.microsoft.com/office/powerpoint/2010/main" val="3192163229"/>
+        <p14:creationId xmlns:p14="http://schemas.microsoft.com/office/powerpoint/2010/main" val="3520737534"/>
       </p:ext>
     </p:extLst>
   </p:cSld>
@@ -12449,7 +17543,7 @@
           <a:p>
             <a:r>
               <a:rPr lang="de-CH" dirty="0" smtClean="0"/>
-              <a:t>Kriterium 4 - Dokumentation</a:t>
+              <a:t>Kriterium 3 - Support</a:t>
             </a:r>
             <a:endParaRPr lang="de-CH" dirty="0"/>
           </a:p>
@@ -12472,7 +17566,7 @@
           <a:p>
             <a:r>
               <a:rPr lang="de-CH" dirty="0" smtClean="0"/>
-              <a:t>Verfügbarkeit</a:t>
+              <a:t>Supporthotline</a:t>
             </a:r>
           </a:p>
           <a:p>
@@ -12481,7 +17575,7 @@
           <a:p>
             <a:r>
               <a:rPr lang="de-CH" dirty="0" smtClean="0"/>
-              <a:t>Struktur</a:t>
+              <a:t>Online-Möglichkeiten</a:t>
             </a:r>
           </a:p>
           <a:p>
@@ -12490,7 +17584,16 @@
           <a:p>
             <a:r>
               <a:rPr lang="de-CH" dirty="0" smtClean="0"/>
-              <a:t>Ausführlichkeit</a:t>
+              <a:t>Preis</a:t>
+            </a:r>
+          </a:p>
+          <a:p>
+            <a:endParaRPr lang="de-CH" dirty="0"/>
+          </a:p>
+          <a:p>
+            <a:r>
+              <a:rPr lang="de-CH" dirty="0" smtClean="0"/>
+              <a:t>Anleitungen im Netz</a:t>
             </a:r>
             <a:endParaRPr lang="de-CH" dirty="0"/>
           </a:p>
@@ -12499,7 +17602,7 @@
     </p:spTree>
     <p:extLst>
       <p:ext uri="{BB962C8B-B14F-4D97-AF65-F5344CB8AC3E}">
-        <p14:creationId xmlns:p14="http://schemas.microsoft.com/office/powerpoint/2010/main" val="2532027566"/>
+        <p14:creationId xmlns:p14="http://schemas.microsoft.com/office/powerpoint/2010/main" val="3192163229"/>
       </p:ext>
     </p:extLst>
   </p:cSld>
@@ -12550,7 +17653,7 @@
           <a:p>
             <a:r>
               <a:rPr lang="de-CH" dirty="0" smtClean="0"/>
-              <a:t>Kriterium 5 - Tutorials</a:t>
+              <a:t>Kriterium 4 - Dokumentation</a:t>
             </a:r>
             <a:endParaRPr lang="de-CH" dirty="0"/>
           </a:p>
@@ -12571,27 +17674,19 @@
           <a:bodyPr/>
           <a:lstStyle/>
           <a:p>
-            <a:pPr marL="0" indent="0">
-              <a:buNone/>
-            </a:pPr>
+            <a:r>
+              <a:rPr lang="de-CH" dirty="0" smtClean="0"/>
+              <a:t>Verfügbarkeit</a:t>
+            </a:r>
+          </a:p>
+          <a:p>
             <a:endParaRPr lang="de-CH" dirty="0"/>
           </a:p>
           <a:p>
             <a:r>
               <a:rPr lang="de-CH" dirty="0" smtClean="0"/>
-              <a:t>Google </a:t>
-            </a:r>
-            <a:r>
-              <a:rPr lang="de-CH" dirty="0" err="1" smtClean="0"/>
-              <a:t>Tutorial</a:t>
-            </a:r>
-            <a:r>
-              <a:rPr lang="de-CH" dirty="0" smtClean="0"/>
-              <a:t> Suche</a:t>
-            </a:r>
-          </a:p>
-          <a:p>
-            <a:endParaRPr lang="de-CH" dirty="0" smtClean="0"/>
+              <a:t>Struktur</a:t>
+            </a:r>
           </a:p>
           <a:p>
             <a:endParaRPr lang="de-CH" dirty="0"/>
@@ -12599,7 +17694,7 @@
           <a:p>
             <a:r>
               <a:rPr lang="de-CH" dirty="0" smtClean="0"/>
-              <a:t>Qualität der ersten 5 Such-Hits</a:t>
+              <a:t>Ausführlichkeit</a:t>
             </a:r>
             <a:endParaRPr lang="de-CH" dirty="0"/>
           </a:p>
@@ -12608,7 +17703,7 @@
     </p:spTree>
     <p:extLst>
       <p:ext uri="{BB962C8B-B14F-4D97-AF65-F5344CB8AC3E}">
-        <p14:creationId xmlns:p14="http://schemas.microsoft.com/office/powerpoint/2010/main" val="1081161148"/>
+        <p14:creationId xmlns:p14="http://schemas.microsoft.com/office/powerpoint/2010/main" val="2532027566"/>
       </p:ext>
     </p:extLst>
   </p:cSld>
@@ -12659,7 +17754,7 @@
           <a:p>
             <a:r>
               <a:rPr lang="de-CH" dirty="0" smtClean="0"/>
-              <a:t>Kriterium 6 - Building</a:t>
+              <a:t>Kriterium 5 - Tutorials</a:t>
             </a:r>
             <a:endParaRPr lang="de-CH" dirty="0"/>
           </a:p>
@@ -12680,14 +17775,26 @@
           <a:bodyPr/>
           <a:lstStyle/>
           <a:p>
-            <a:r>
-              <a:rPr lang="de-CH" dirty="0" smtClean="0"/>
-              <a:t>Einfachheit / </a:t>
+            <a:pPr marL="0" indent="0">
+              <a:buNone/>
+            </a:pPr>
+            <a:endParaRPr lang="de-CH" dirty="0"/>
+          </a:p>
+          <a:p>
+            <a:r>
+              <a:rPr lang="de-CH" dirty="0" smtClean="0"/>
+              <a:t>Google </a:t>
             </a:r>
             <a:r>
               <a:rPr lang="de-CH" dirty="0" err="1" smtClean="0"/>
-              <a:t>Aufwändigkeit</a:t>
-            </a:r>
+              <a:t>Tutorial</a:t>
+            </a:r>
+            <a:r>
+              <a:rPr lang="de-CH" dirty="0" smtClean="0"/>
+              <a:t> Suche</a:t>
+            </a:r>
+          </a:p>
+          <a:p>
             <a:endParaRPr lang="de-CH" dirty="0" smtClean="0"/>
           </a:p>
           <a:p>
@@ -12696,20 +17803,7 @@
           <a:p>
             <a:r>
               <a:rPr lang="de-CH" dirty="0" smtClean="0"/>
-              <a:t>Verschiedene Möglichkeiten?</a:t>
-            </a:r>
-          </a:p>
-          <a:p>
-            <a:endParaRPr lang="de-CH" dirty="0"/>
-          </a:p>
-          <a:p>
-            <a:r>
-              <a:rPr lang="de-CH" dirty="0" err="1" smtClean="0"/>
-              <a:t>Build</a:t>
-            </a:r>
-            <a:r>
-              <a:rPr lang="de-CH" dirty="0" smtClean="0"/>
-              <a:t>-Tool</a:t>
+              <a:t>Qualität der ersten 5 Such-Hits</a:t>
             </a:r>
             <a:endParaRPr lang="de-CH" dirty="0"/>
           </a:p>
@@ -12718,7 +17812,7 @@
     </p:spTree>
     <p:extLst>
       <p:ext uri="{BB962C8B-B14F-4D97-AF65-F5344CB8AC3E}">
-        <p14:creationId xmlns:p14="http://schemas.microsoft.com/office/powerpoint/2010/main" val="3067947551"/>
+        <p14:creationId xmlns:p14="http://schemas.microsoft.com/office/powerpoint/2010/main" val="1081161148"/>
       </p:ext>
     </p:extLst>
   </p:cSld>

--- a/Documents/10_Frameworks_Presentation.pptx
+++ b/Documents/10_Frameworks_Presentation.pptx
@@ -233,7 +233,7 @@
           <a:p>
             <a:fld id="{8E3776DB-D0D7-49CC-A746-59C36186F7D2}" type="datetimeFigureOut">
               <a:rPr lang="de-CH" smtClean="0"/>
-              <a:t>04.01.2013</a:t>
+              <a:t>07.01.2013</a:t>
             </a:fld>
             <a:endParaRPr lang="de-CH"/>
           </a:p>
@@ -392,7 +392,7 @@
           <a:p>
             <a:fld id="{6FBD71ED-0134-410C-9AE3-EE654E5179DA}" type="slidenum">
               <a:rPr lang="de-CH" smtClean="0"/>
-              <a:t>‹Nr.›</a:t>
+              <a:t>‹#›</a:t>
             </a:fld>
             <a:endParaRPr lang="de-CH"/>
           </a:p>
@@ -1487,7 +1487,7 @@
           <a:p>
             <a:fld id="{1BA50D42-C9CD-4801-B293-61D1F53EC57E}" type="datetimeFigureOut">
               <a:rPr lang="de-DE" smtClean="0"/>
-              <a:t>04.01.2013</a:t>
+              <a:t>07.01.2013</a:t>
             </a:fld>
             <a:endParaRPr lang="de-DE"/>
           </a:p>
@@ -1529,7 +1529,7 @@
           <a:p>
             <a:fld id="{6C6AE60A-B69C-4790-82F7-3882EDF23186}" type="slidenum">
               <a:rPr lang="de-DE" smtClean="0"/>
-              <a:t>‹Nr.›</a:t>
+              <a:t>‹#›</a:t>
             </a:fld>
             <a:endParaRPr lang="de-DE"/>
           </a:p>
@@ -1652,7 +1652,7 @@
           <a:p>
             <a:fld id="{1BA50D42-C9CD-4801-B293-61D1F53EC57E}" type="datetimeFigureOut">
               <a:rPr lang="de-DE" smtClean="0"/>
-              <a:t>04.01.2013</a:t>
+              <a:t>07.01.2013</a:t>
             </a:fld>
             <a:endParaRPr lang="de-DE"/>
           </a:p>
@@ -1694,7 +1694,7 @@
           <a:p>
             <a:fld id="{6C6AE60A-B69C-4790-82F7-3882EDF23186}" type="slidenum">
               <a:rPr lang="de-DE" smtClean="0"/>
-              <a:t>‹Nr.›</a:t>
+              <a:t>‹#›</a:t>
             </a:fld>
             <a:endParaRPr lang="de-DE"/>
           </a:p>
@@ -1827,7 +1827,7 @@
           <a:p>
             <a:fld id="{1BA50D42-C9CD-4801-B293-61D1F53EC57E}" type="datetimeFigureOut">
               <a:rPr lang="de-DE" smtClean="0"/>
-              <a:t>04.01.2013</a:t>
+              <a:t>07.01.2013</a:t>
             </a:fld>
             <a:endParaRPr lang="de-DE"/>
           </a:p>
@@ -1869,7 +1869,7 @@
           <a:p>
             <a:fld id="{6C6AE60A-B69C-4790-82F7-3882EDF23186}" type="slidenum">
               <a:rPr lang="de-DE" smtClean="0"/>
-              <a:t>‹Nr.›</a:t>
+              <a:t>‹#›</a:t>
             </a:fld>
             <a:endParaRPr lang="de-DE"/>
           </a:p>
@@ -1992,7 +1992,7 @@
           <a:p>
             <a:fld id="{1BA50D42-C9CD-4801-B293-61D1F53EC57E}" type="datetimeFigureOut">
               <a:rPr lang="de-DE" smtClean="0"/>
-              <a:t>04.01.2013</a:t>
+              <a:t>07.01.2013</a:t>
             </a:fld>
             <a:endParaRPr lang="de-DE"/>
           </a:p>
@@ -2034,7 +2034,7 @@
           <a:p>
             <a:fld id="{6C6AE60A-B69C-4790-82F7-3882EDF23186}" type="slidenum">
               <a:rPr lang="de-DE" smtClean="0"/>
-              <a:t>‹Nr.›</a:t>
+              <a:t>‹#›</a:t>
             </a:fld>
             <a:endParaRPr lang="de-DE"/>
           </a:p>
@@ -2233,7 +2233,7 @@
           <a:p>
             <a:fld id="{1BA50D42-C9CD-4801-B293-61D1F53EC57E}" type="datetimeFigureOut">
               <a:rPr lang="de-DE" smtClean="0"/>
-              <a:t>04.01.2013</a:t>
+              <a:t>07.01.2013</a:t>
             </a:fld>
             <a:endParaRPr lang="de-DE"/>
           </a:p>
@@ -2275,7 +2275,7 @@
           <a:p>
             <a:fld id="{6C6AE60A-B69C-4790-82F7-3882EDF23186}" type="slidenum">
               <a:rPr lang="de-DE" smtClean="0"/>
-              <a:t>‹Nr.›</a:t>
+              <a:t>‹#›</a:t>
             </a:fld>
             <a:endParaRPr lang="de-DE"/>
           </a:p>
@@ -2516,7 +2516,7 @@
           <a:p>
             <a:fld id="{1BA50D42-C9CD-4801-B293-61D1F53EC57E}" type="datetimeFigureOut">
               <a:rPr lang="de-DE" smtClean="0"/>
-              <a:t>04.01.2013</a:t>
+              <a:t>07.01.2013</a:t>
             </a:fld>
             <a:endParaRPr lang="de-DE"/>
           </a:p>
@@ -2558,7 +2558,7 @@
           <a:p>
             <a:fld id="{6C6AE60A-B69C-4790-82F7-3882EDF23186}" type="slidenum">
               <a:rPr lang="de-DE" smtClean="0"/>
-              <a:t>‹Nr.›</a:t>
+              <a:t>‹#›</a:t>
             </a:fld>
             <a:endParaRPr lang="de-DE"/>
           </a:p>
@@ -2933,7 +2933,7 @@
           <a:p>
             <a:fld id="{1BA50D42-C9CD-4801-B293-61D1F53EC57E}" type="datetimeFigureOut">
               <a:rPr lang="de-DE" smtClean="0"/>
-              <a:t>04.01.2013</a:t>
+              <a:t>07.01.2013</a:t>
             </a:fld>
             <a:endParaRPr lang="de-DE"/>
           </a:p>
@@ -2975,7 +2975,7 @@
           <a:p>
             <a:fld id="{6C6AE60A-B69C-4790-82F7-3882EDF23186}" type="slidenum">
               <a:rPr lang="de-DE" smtClean="0"/>
-              <a:t>‹Nr.›</a:t>
+              <a:t>‹#›</a:t>
             </a:fld>
             <a:endParaRPr lang="de-DE"/>
           </a:p>
@@ -3046,7 +3046,7 @@
           <a:p>
             <a:fld id="{1BA50D42-C9CD-4801-B293-61D1F53EC57E}" type="datetimeFigureOut">
               <a:rPr lang="de-DE" smtClean="0"/>
-              <a:t>04.01.2013</a:t>
+              <a:t>07.01.2013</a:t>
             </a:fld>
             <a:endParaRPr lang="de-DE"/>
           </a:p>
@@ -3088,7 +3088,7 @@
           <a:p>
             <a:fld id="{6C6AE60A-B69C-4790-82F7-3882EDF23186}" type="slidenum">
               <a:rPr lang="de-DE" smtClean="0"/>
-              <a:t>‹Nr.›</a:t>
+              <a:t>‹#›</a:t>
             </a:fld>
             <a:endParaRPr lang="de-DE"/>
           </a:p>
@@ -3136,7 +3136,7 @@
           <a:p>
             <a:fld id="{1BA50D42-C9CD-4801-B293-61D1F53EC57E}" type="datetimeFigureOut">
               <a:rPr lang="de-DE" smtClean="0"/>
-              <a:t>04.01.2013</a:t>
+              <a:t>07.01.2013</a:t>
             </a:fld>
             <a:endParaRPr lang="de-DE"/>
           </a:p>
@@ -3178,7 +3178,7 @@
           <a:p>
             <a:fld id="{6C6AE60A-B69C-4790-82F7-3882EDF23186}" type="slidenum">
               <a:rPr lang="de-DE" smtClean="0"/>
-              <a:t>‹Nr.›</a:t>
+              <a:t>‹#›</a:t>
             </a:fld>
             <a:endParaRPr lang="de-DE"/>
           </a:p>
@@ -3408,7 +3408,7 @@
           <a:p>
             <a:fld id="{1BA50D42-C9CD-4801-B293-61D1F53EC57E}" type="datetimeFigureOut">
               <a:rPr lang="de-DE" smtClean="0"/>
-              <a:t>04.01.2013</a:t>
+              <a:t>07.01.2013</a:t>
             </a:fld>
             <a:endParaRPr lang="de-DE"/>
           </a:p>
@@ -3450,7 +3450,7 @@
           <a:p>
             <a:fld id="{6C6AE60A-B69C-4790-82F7-3882EDF23186}" type="slidenum">
               <a:rPr lang="de-DE" smtClean="0"/>
-              <a:t>‹Nr.›</a:t>
+              <a:t>‹#›</a:t>
             </a:fld>
             <a:endParaRPr lang="de-DE"/>
           </a:p>
@@ -3656,7 +3656,7 @@
           <a:p>
             <a:fld id="{1BA50D42-C9CD-4801-B293-61D1F53EC57E}" type="datetimeFigureOut">
               <a:rPr lang="de-DE" smtClean="0"/>
-              <a:t>04.01.2013</a:t>
+              <a:t>07.01.2013</a:t>
             </a:fld>
             <a:endParaRPr lang="de-DE"/>
           </a:p>
@@ -3698,7 +3698,7 @@
           <a:p>
             <a:fld id="{6C6AE60A-B69C-4790-82F7-3882EDF23186}" type="slidenum">
               <a:rPr lang="de-DE" smtClean="0"/>
-              <a:t>‹Nr.›</a:t>
+              <a:t>‹#›</a:t>
             </a:fld>
             <a:endParaRPr lang="de-DE"/>
           </a:p>
@@ -3885,7 +3885,7 @@
           <a:p>
             <a:fld id="{1BA50D42-C9CD-4801-B293-61D1F53EC57E}" type="datetimeFigureOut">
               <a:rPr lang="de-DE" smtClean="0"/>
-              <a:t>04.01.2013</a:t>
+              <a:t>07.01.2013</a:t>
             </a:fld>
             <a:endParaRPr lang="de-DE"/>
           </a:p>
@@ -3963,7 +3963,7 @@
           <a:p>
             <a:fld id="{6C6AE60A-B69C-4790-82F7-3882EDF23186}" type="slidenum">
               <a:rPr lang="de-DE" smtClean="0"/>
-              <a:t>‹Nr.›</a:t>
+              <a:t>‹#›</a:t>
             </a:fld>
             <a:endParaRPr lang="de-DE"/>
           </a:p>
@@ -4316,25 +4316,6 @@
           </a:p>
         </p:txBody>
       </p:sp>
-      <p:sp>
-        <p:nvSpPr>
-          <p:cNvPr id="3" name="Untertitel 2"/>
-          <p:cNvSpPr>
-            <a:spLocks noGrp="1"/>
-          </p:cNvSpPr>
-          <p:nvPr>
-            <p:ph type="subTitle" idx="1"/>
-          </p:nvPr>
-        </p:nvSpPr>
-        <p:spPr/>
-        <p:txBody>
-          <a:bodyPr/>
-          <a:lstStyle/>
-          <a:p>
-            <a:endParaRPr lang="de-CH"/>
-          </a:p>
-        </p:txBody>
-      </p:sp>
       <p:pic>
         <p:nvPicPr>
           <p:cNvPr id="4" name="Grafik 3"/>
@@ -5056,13 +5037,8 @@
             </a:r>
             <a:r>
               <a:rPr lang="de-CH" dirty="0" smtClean="0"/>
-              <a:t>-  und </a:t>
-            </a:r>
-            <a:r>
-              <a:rPr lang="de-CH" dirty="0" smtClean="0"/>
-              <a:t>Desktop-Apps</a:t>
-            </a:r>
-            <a:endParaRPr lang="de-CH" dirty="0" smtClean="0"/>
+              <a:t>-  und Desktop-Apps</a:t>
+            </a:r>
           </a:p>
           <a:p>
             <a:endParaRPr lang="de-CH" dirty="0" smtClean="0"/>
@@ -5974,25 +5950,7 @@
                           <a:ea typeface="Calibri"/>
                           <a:cs typeface="Times New Roman"/>
                         </a:rPr>
-                        <a:t>Viele </a:t>
-                      </a:r>
-                      <a:r>
-                        <a:rPr lang="de-CH" sz="1800" dirty="0" smtClean="0">
-                          <a:effectLst/>
-                          <a:latin typeface="Calibri"/>
-                          <a:ea typeface="Calibri"/>
-                          <a:cs typeface="Times New Roman"/>
-                        </a:rPr>
-                        <a:t>vorhanden</a:t>
-                      </a:r>
-                      <a:r>
-                        <a:rPr lang="de-CH" sz="1800" dirty="0" smtClean="0">
-                          <a:effectLst/>
-                          <a:latin typeface="Calibri"/>
-                          <a:ea typeface="Calibri"/>
-                          <a:cs typeface="Times New Roman"/>
-                        </a:rPr>
-                        <a:t>, Buch, Wiki, Overhead</a:t>
+                        <a:t>Viele vorhanden, Buch, Wiki, Overhead</a:t>
                       </a:r>
                       <a:endParaRPr lang="de-CH" sz="1800" dirty="0">
                         <a:effectLst/>
@@ -7158,11 +7116,7 @@
           <a:p>
             <a:r>
               <a:rPr lang="de-CH" dirty="0" smtClean="0"/>
-              <a:t>Evaluation </a:t>
-            </a:r>
-            <a:r>
-              <a:rPr lang="de-CH" dirty="0" smtClean="0"/>
-              <a:t>der Frameworks</a:t>
+              <a:t>Evaluation der Frameworks</a:t>
             </a:r>
           </a:p>
           <a:p>
@@ -7239,13 +7193,8 @@
             </a:r>
             <a:r>
               <a:rPr lang="de-CH" dirty="0" smtClean="0"/>
-              <a:t> Mobile, </a:t>
-            </a:r>
-            <a:r>
-              <a:rPr lang="de-CH" dirty="0" smtClean="0"/>
-              <a:t>PhoneGap</a:t>
-            </a:r>
-            <a:endParaRPr lang="de-CH" dirty="0" smtClean="0"/>
+              <a:t> Mobile, PhoneGap</a:t>
+            </a:r>
           </a:p>
         </p:txBody>
       </p:sp>
@@ -9449,11 +9398,7 @@
                     <a:p>
                       <a:r>
                         <a:rPr lang="de-CH" dirty="0" smtClean="0"/>
-                        <a:t>Manuell, </a:t>
-                      </a:r>
-                      <a:r>
-                        <a:rPr lang="de-CH" dirty="0" smtClean="0"/>
-                        <a:t>Jasmine-Framework (extern)</a:t>
+                        <a:t>Manuell, Jasmine-Framework (extern)</a:t>
                       </a:r>
                       <a:endParaRPr lang="de-CH" dirty="0"/>
                     </a:p>
@@ -10382,15 +10327,7 @@
             </a:r>
             <a:r>
               <a:rPr lang="de-CH" dirty="0" smtClean="0"/>
-              <a:t> wird </a:t>
-            </a:r>
-            <a:r>
-              <a:rPr lang="de-CH" dirty="0" smtClean="0"/>
-              <a:t>PhoneGap </a:t>
-            </a:r>
-            <a:r>
-              <a:rPr lang="de-CH" dirty="0" smtClean="0"/>
-              <a:t>empfohlen</a:t>
+              <a:t> wird PhoneGap empfohlen</a:t>
             </a:r>
             <a:endParaRPr lang="de-CH" dirty="0"/>
           </a:p>
@@ -11123,15 +11060,7 @@
                     <a:p>
                       <a:r>
                         <a:rPr lang="de-CH" dirty="0" smtClean="0"/>
-                        <a:t>Keiner, </a:t>
-                      </a:r>
-                      <a:r>
-                        <a:rPr lang="de-CH" dirty="0" smtClean="0"/>
-                        <a:t>PhoneGap </a:t>
-                      </a:r>
-                      <a:r>
-                        <a:rPr lang="de-CH" dirty="0" smtClean="0"/>
-                        <a:t>wird empfohlen</a:t>
+                        <a:t>Keiner, PhoneGap wird empfohlen</a:t>
                       </a:r>
                       <a:endParaRPr lang="de-CH" dirty="0"/>
                     </a:p>
@@ -11568,32 +11497,6 @@
               <a:rPr lang="de-CH" dirty="0" err="1" smtClean="0"/>
               <a:t>is</a:t>
             </a:r>
-            <a:endParaRPr lang="de-CH" dirty="0"/>
-          </a:p>
-        </p:txBody>
-      </p:sp>
-      <p:sp>
-        <p:nvSpPr>
-          <p:cNvPr id="3" name="Inhaltsplatzhalter 2"/>
-          <p:cNvSpPr>
-            <a:spLocks noGrp="1"/>
-          </p:cNvSpPr>
-          <p:nvPr>
-            <p:ph idx="1"/>
-          </p:nvPr>
-        </p:nvSpPr>
-        <p:spPr>
-          <a:xfrm>
-            <a:off x="457200" y="1600200"/>
-            <a:ext cx="8507288" cy="4525963"/>
-          </a:xfrm>
-        </p:spPr>
-        <p:txBody>
-          <a:bodyPr>
-            <a:normAutofit/>
-          </a:bodyPr>
-          <a:lstStyle/>
-          <a:p>
             <a:endParaRPr lang="de-CH" dirty="0"/>
           </a:p>
         </p:txBody>
@@ -12153,7 +12056,6 @@
               <a:rPr lang="de-CH" dirty="0" smtClean="0"/>
               <a:t>Lupen-App</a:t>
             </a:r>
-            <a:endParaRPr lang="de-CH" dirty="0" smtClean="0"/>
           </a:p>
           <a:p>
             <a:pPr lvl="1"/>
@@ -12603,11 +12505,7 @@
             <a:pPr lvl="1"/>
             <a:r>
               <a:rPr lang="de-CH" dirty="0" smtClean="0"/>
-              <a:t>In Landessprache verfügb</a:t>
-            </a:r>
-            <a:r>
-              <a:rPr lang="de-CH" dirty="0" smtClean="0"/>
-              <a:t>ar</a:t>
+              <a:t>In Landessprache verfügbar</a:t>
             </a:r>
           </a:p>
           <a:p>
@@ -14088,7 +13986,6 @@
               <a:rPr lang="de-CH" dirty="0" smtClean="0"/>
               <a:t>PhoneGap</a:t>
             </a:r>
-            <a:endParaRPr lang="de-CH" dirty="0" smtClean="0"/>
           </a:p>
           <a:p>
             <a:pPr lvl="1"/>
@@ -14160,25 +14057,6 @@
               <a:t>Lupen-Applikation - Demo</a:t>
             </a:r>
             <a:endParaRPr lang="de-CH" dirty="0"/>
-          </a:p>
-        </p:txBody>
-      </p:sp>
-      <p:sp>
-        <p:nvSpPr>
-          <p:cNvPr id="3" name="Inhaltsplatzhalter 2"/>
-          <p:cNvSpPr>
-            <a:spLocks noGrp="1"/>
-          </p:cNvSpPr>
-          <p:nvPr>
-            <p:ph idx="1"/>
-          </p:nvPr>
-        </p:nvSpPr>
-        <p:spPr/>
-        <p:txBody>
-          <a:bodyPr/>
-          <a:lstStyle/>
-          <a:p>
-            <a:endParaRPr lang="de-CH" dirty="0" smtClean="0"/>
           </a:p>
         </p:txBody>
       </p:sp>
@@ -14311,13 +14189,8 @@
           <a:p>
             <a:r>
               <a:rPr lang="de-CH" dirty="0" smtClean="0"/>
-              <a:t>Native Kamera-Ansteuerung: </a:t>
-            </a:r>
-            <a:r>
-              <a:rPr lang="de-CH" dirty="0" smtClean="0"/>
-              <a:t>PhoneGap</a:t>
-            </a:r>
-            <a:endParaRPr lang="de-CH" dirty="0" smtClean="0"/>
+              <a:t>Native Kamera-Ansteuerung: PhoneGap</a:t>
+            </a:r>
           </a:p>
           <a:p>
             <a:endParaRPr lang="de-CH" dirty="0"/>
@@ -14408,11 +14281,7 @@
           <a:p>
             <a:r>
               <a:rPr lang="de-CH" dirty="0" smtClean="0"/>
-              <a:t>Lupen-App </a:t>
-            </a:r>
-            <a:r>
-              <a:rPr lang="de-CH" dirty="0" smtClean="0"/>
-              <a:t>– Kamera-Ansteuerung</a:t>
+              <a:t>Lupen-App – Kamera-Ansteuerung</a:t>
             </a:r>
             <a:endParaRPr lang="de-CH" dirty="0"/>
           </a:p>
@@ -15035,11 +14904,7 @@
           <a:p>
             <a:r>
               <a:rPr lang="de-CH" dirty="0" smtClean="0"/>
-              <a:t>Lupen-App </a:t>
-            </a:r>
-            <a:r>
-              <a:rPr lang="de-CH" dirty="0" smtClean="0"/>
-              <a:t>– Bild auslesen</a:t>
+              <a:t>Lupen-App – Bild auslesen</a:t>
             </a:r>
             <a:endParaRPr lang="de-CH" dirty="0"/>
           </a:p>
@@ -15997,11 +15862,7 @@
           <a:p>
             <a:r>
               <a:rPr lang="de-CH" dirty="0" smtClean="0"/>
-              <a:t>Lupen-App </a:t>
-            </a:r>
-            <a:r>
-              <a:rPr lang="de-CH" dirty="0" smtClean="0"/>
-              <a:t>– Layout</a:t>
+              <a:t>Lupen-App – Layout</a:t>
             </a:r>
             <a:endParaRPr lang="de-CH" dirty="0"/>
           </a:p>
@@ -16649,11 +16510,7 @@
           <a:p>
             <a:r>
               <a:rPr lang="de-CH" dirty="0" smtClean="0"/>
-              <a:t>Lupen-App </a:t>
-            </a:r>
-            <a:r>
-              <a:rPr lang="de-CH" dirty="0" smtClean="0"/>
-              <a:t>– Verwendung von Loupe.js</a:t>
+              <a:t>Lupen-App – Verwendung von Loupe.js</a:t>
             </a:r>
             <a:endParaRPr lang="de-CH" dirty="0"/>
           </a:p>
